--- a/P.pptx
+++ b/P.pptx
@@ -244,7 +244,7 @@
           </a:lstStyle>
           <a:p>
             <a:r>
-              <a:rPr lang="en-US" smtClean="0"/>
+              <a:rPr lang="en-US"/>
               <a:t>Click to edit Master title style</a:t>
             </a:r>
             <a:endParaRPr lang="en-US" dirty="0"/>
@@ -316,7 +316,7 @@
           </a:lstStyle>
           <a:p>
             <a:r>
-              <a:rPr lang="en-US" smtClean="0"/>
+              <a:rPr lang="en-US"/>
               <a:t>Click to edit Master subtitle style</a:t>
             </a:r>
             <a:endParaRPr lang="en-US" dirty="0"/>
@@ -340,7 +340,7 @@
           <a:p>
             <a:fld id="{A5EF53D7-1ACF-4A2A-9E6D-232E03173C8B}" type="datetimeFigureOut">
               <a:rPr lang="en-US" smtClean="0"/>
-              <a:t>5/30/2017</a:t>
+              <a:t>6/4/2017</a:t>
             </a:fld>
             <a:endParaRPr lang="en-US"/>
           </a:p>
@@ -472,7 +472,7 @@
           <a:lstStyle/>
           <a:p>
             <a:r>
-              <a:rPr lang="en-US" smtClean="0"/>
+              <a:rPr lang="en-US"/>
               <a:t>Click to edit Master title style</a:t>
             </a:r>
             <a:endParaRPr lang="en-US" dirty="0"/>
@@ -496,35 +496,35 @@
           <a:p>
             <a:pPr lvl="0"/>
             <a:r>
-              <a:rPr lang="en-US" smtClean="0"/>
+              <a:rPr lang="en-US"/>
               <a:t>Edit Master text styles</a:t>
             </a:r>
           </a:p>
           <a:p>
             <a:pPr lvl="1"/>
             <a:r>
-              <a:rPr lang="en-US" smtClean="0"/>
+              <a:rPr lang="en-US"/>
               <a:t>Second level</a:t>
             </a:r>
           </a:p>
           <a:p>
             <a:pPr lvl="2"/>
             <a:r>
-              <a:rPr lang="en-US" smtClean="0"/>
+              <a:rPr lang="en-US"/>
               <a:t>Third level</a:t>
             </a:r>
           </a:p>
           <a:p>
             <a:pPr lvl="3"/>
             <a:r>
-              <a:rPr lang="en-US" smtClean="0"/>
+              <a:rPr lang="en-US"/>
               <a:t>Fourth level</a:t>
             </a:r>
           </a:p>
           <a:p>
             <a:pPr lvl="4"/>
             <a:r>
-              <a:rPr lang="en-US" smtClean="0"/>
+              <a:rPr lang="en-US"/>
               <a:t>Fifth level</a:t>
             </a:r>
             <a:endParaRPr lang="en-US" dirty="0"/>
@@ -548,7 +548,7 @@
           <a:p>
             <a:fld id="{A5EF53D7-1ACF-4A2A-9E6D-232E03173C8B}" type="datetimeFigureOut">
               <a:rPr lang="en-US" smtClean="0"/>
-              <a:t>5/30/2017</a:t>
+              <a:t>6/4/2017</a:t>
             </a:fld>
             <a:endParaRPr lang="en-US"/>
           </a:p>
@@ -723,7 +723,7 @@
           <a:lstStyle/>
           <a:p>
             <a:r>
-              <a:rPr lang="en-US" smtClean="0"/>
+              <a:rPr lang="en-US"/>
               <a:t>Click to edit Master title style</a:t>
             </a:r>
             <a:endParaRPr lang="en-US" dirty="0"/>
@@ -752,35 +752,35 @@
           <a:p>
             <a:pPr lvl="0"/>
             <a:r>
-              <a:rPr lang="en-US" smtClean="0"/>
+              <a:rPr lang="en-US"/>
               <a:t>Edit Master text styles</a:t>
             </a:r>
           </a:p>
           <a:p>
             <a:pPr lvl="1"/>
             <a:r>
-              <a:rPr lang="en-US" smtClean="0"/>
+              <a:rPr lang="en-US"/>
               <a:t>Second level</a:t>
             </a:r>
           </a:p>
           <a:p>
             <a:pPr lvl="2"/>
             <a:r>
-              <a:rPr lang="en-US" smtClean="0"/>
+              <a:rPr lang="en-US"/>
               <a:t>Third level</a:t>
             </a:r>
           </a:p>
           <a:p>
             <a:pPr lvl="3"/>
             <a:r>
-              <a:rPr lang="en-US" smtClean="0"/>
+              <a:rPr lang="en-US"/>
               <a:t>Fourth level</a:t>
             </a:r>
           </a:p>
           <a:p>
             <a:pPr lvl="4"/>
             <a:r>
-              <a:rPr lang="en-US" smtClean="0"/>
+              <a:rPr lang="en-US"/>
               <a:t>Fifth level</a:t>
             </a:r>
             <a:endParaRPr lang="en-US" dirty="0"/>
@@ -804,7 +804,7 @@
           <a:p>
             <a:fld id="{A5EF53D7-1ACF-4A2A-9E6D-232E03173C8B}" type="datetimeFigureOut">
               <a:rPr lang="en-US" smtClean="0"/>
-              <a:t>5/30/2017</a:t>
+              <a:t>6/4/2017</a:t>
             </a:fld>
             <a:endParaRPr lang="en-US"/>
           </a:p>
@@ -902,7 +902,7 @@
           </a:lstStyle>
           <a:p>
             <a:r>
-              <a:rPr lang="en-US" smtClean="0"/>
+              <a:rPr lang="en-US"/>
               <a:t>Click to edit Master title style</a:t>
             </a:r>
             <a:endParaRPr lang="en-US" dirty="0"/>
@@ -926,35 +926,35 @@
           <a:p>
             <a:pPr lvl="0"/>
             <a:r>
-              <a:rPr lang="en-US" smtClean="0"/>
+              <a:rPr lang="en-US"/>
               <a:t>Edit Master text styles</a:t>
             </a:r>
           </a:p>
           <a:p>
             <a:pPr lvl="1"/>
             <a:r>
-              <a:rPr lang="en-US" smtClean="0"/>
+              <a:rPr lang="en-US"/>
               <a:t>Second level</a:t>
             </a:r>
           </a:p>
           <a:p>
             <a:pPr lvl="2"/>
             <a:r>
-              <a:rPr lang="en-US" smtClean="0"/>
+              <a:rPr lang="en-US"/>
               <a:t>Third level</a:t>
             </a:r>
           </a:p>
           <a:p>
             <a:pPr lvl="3"/>
             <a:r>
-              <a:rPr lang="en-US" smtClean="0"/>
+              <a:rPr lang="en-US"/>
               <a:t>Fourth level</a:t>
             </a:r>
           </a:p>
           <a:p>
             <a:pPr lvl="4"/>
             <a:r>
-              <a:rPr lang="en-US" smtClean="0"/>
+              <a:rPr lang="en-US"/>
               <a:t>Fifth level</a:t>
             </a:r>
             <a:endParaRPr lang="en-US" dirty="0"/>
@@ -978,7 +978,7 @@
           <a:p>
             <a:fld id="{A5EF53D7-1ACF-4A2A-9E6D-232E03173C8B}" type="datetimeFigureOut">
               <a:rPr lang="en-US" smtClean="0"/>
-              <a:t>5/30/2017</a:t>
+              <a:t>6/4/2017</a:t>
             </a:fld>
             <a:endParaRPr lang="en-US"/>
           </a:p>
@@ -1177,7 +1177,7 @@
           </a:lstStyle>
           <a:p>
             <a:r>
-              <a:rPr lang="en-US" smtClean="0"/>
+              <a:rPr lang="en-US"/>
               <a:t>Click to edit Master title style</a:t>
             </a:r>
             <a:endParaRPr lang="en-US" dirty="0"/>
@@ -1298,7 +1298,7 @@
           <a:p>
             <a:pPr lvl="0"/>
             <a:r>
-              <a:rPr lang="en-US" smtClean="0"/>
+              <a:rPr lang="en-US"/>
               <a:t>Edit Master text styles</a:t>
             </a:r>
           </a:p>
@@ -1321,7 +1321,7 @@
           <a:p>
             <a:fld id="{A5EF53D7-1ACF-4A2A-9E6D-232E03173C8B}" type="datetimeFigureOut">
               <a:rPr lang="en-US" smtClean="0"/>
-              <a:t>5/30/2017</a:t>
+              <a:t>6/4/2017</a:t>
             </a:fld>
             <a:endParaRPr lang="en-US"/>
           </a:p>
@@ -1458,7 +1458,7 @@
           <a:lstStyle/>
           <a:p>
             <a:r>
-              <a:rPr lang="en-US" smtClean="0"/>
+              <a:rPr lang="en-US"/>
               <a:t>Click to edit Master title style</a:t>
             </a:r>
             <a:endParaRPr lang="en-US" dirty="0"/>
@@ -1487,35 +1487,35 @@
           <a:p>
             <a:pPr lvl="0"/>
             <a:r>
-              <a:rPr lang="en-US" smtClean="0"/>
+              <a:rPr lang="en-US"/>
               <a:t>Edit Master text styles</a:t>
             </a:r>
           </a:p>
           <a:p>
             <a:pPr lvl="1"/>
             <a:r>
-              <a:rPr lang="en-US" smtClean="0"/>
+              <a:rPr lang="en-US"/>
               <a:t>Second level</a:t>
             </a:r>
           </a:p>
           <a:p>
             <a:pPr lvl="2"/>
             <a:r>
-              <a:rPr lang="en-US" smtClean="0"/>
+              <a:rPr lang="en-US"/>
               <a:t>Third level</a:t>
             </a:r>
           </a:p>
           <a:p>
             <a:pPr lvl="3"/>
             <a:r>
-              <a:rPr lang="en-US" smtClean="0"/>
+              <a:rPr lang="en-US"/>
               <a:t>Fourth level</a:t>
             </a:r>
           </a:p>
           <a:p>
             <a:pPr lvl="4"/>
             <a:r>
-              <a:rPr lang="en-US" smtClean="0"/>
+              <a:rPr lang="en-US"/>
               <a:t>Fifth level</a:t>
             </a:r>
             <a:endParaRPr lang="en-US" dirty="0"/>
@@ -1544,35 +1544,35 @@
           <a:p>
             <a:pPr lvl="0"/>
             <a:r>
-              <a:rPr lang="en-US" smtClean="0"/>
+              <a:rPr lang="en-US"/>
               <a:t>Edit Master text styles</a:t>
             </a:r>
           </a:p>
           <a:p>
             <a:pPr lvl="1"/>
             <a:r>
-              <a:rPr lang="en-US" smtClean="0"/>
+              <a:rPr lang="en-US"/>
               <a:t>Second level</a:t>
             </a:r>
           </a:p>
           <a:p>
             <a:pPr lvl="2"/>
             <a:r>
-              <a:rPr lang="en-US" smtClean="0"/>
+              <a:rPr lang="en-US"/>
               <a:t>Third level</a:t>
             </a:r>
           </a:p>
           <a:p>
             <a:pPr lvl="3"/>
             <a:r>
-              <a:rPr lang="en-US" smtClean="0"/>
+              <a:rPr lang="en-US"/>
               <a:t>Fourth level</a:t>
             </a:r>
           </a:p>
           <a:p>
             <a:pPr lvl="4"/>
             <a:r>
-              <a:rPr lang="en-US" smtClean="0"/>
+              <a:rPr lang="en-US"/>
               <a:t>Fifth level</a:t>
             </a:r>
             <a:endParaRPr lang="en-US" dirty="0"/>
@@ -1596,7 +1596,7 @@
           <a:p>
             <a:fld id="{A5EF53D7-1ACF-4A2A-9E6D-232E03173C8B}" type="datetimeFigureOut">
               <a:rPr lang="en-US" smtClean="0"/>
-              <a:t>5/30/2017</a:t>
+              <a:t>6/4/2017</a:t>
             </a:fld>
             <a:endParaRPr lang="en-US"/>
           </a:p>
@@ -1695,7 +1695,7 @@
           <a:lstStyle/>
           <a:p>
             <a:r>
-              <a:rPr lang="en-US" smtClean="0"/>
+              <a:rPr lang="en-US"/>
               <a:t>Click to edit Master title style</a:t>
             </a:r>
             <a:endParaRPr lang="en-US" dirty="0"/>
@@ -1767,7 +1767,7 @@
           <a:p>
             <a:pPr lvl="0"/>
             <a:r>
-              <a:rPr lang="en-US" smtClean="0"/>
+              <a:rPr lang="en-US"/>
               <a:t>Edit Master text styles</a:t>
             </a:r>
           </a:p>
@@ -1795,35 +1795,35 @@
           <a:p>
             <a:pPr lvl="0"/>
             <a:r>
-              <a:rPr lang="en-US" smtClean="0"/>
+              <a:rPr lang="en-US"/>
               <a:t>Edit Master text styles</a:t>
             </a:r>
           </a:p>
           <a:p>
             <a:pPr lvl="1"/>
             <a:r>
-              <a:rPr lang="en-US" smtClean="0"/>
+              <a:rPr lang="en-US"/>
               <a:t>Second level</a:t>
             </a:r>
           </a:p>
           <a:p>
             <a:pPr lvl="2"/>
             <a:r>
-              <a:rPr lang="en-US" smtClean="0"/>
+              <a:rPr lang="en-US"/>
               <a:t>Third level</a:t>
             </a:r>
           </a:p>
           <a:p>
             <a:pPr lvl="3"/>
             <a:r>
-              <a:rPr lang="en-US" smtClean="0"/>
+              <a:rPr lang="en-US"/>
               <a:t>Fourth level</a:t>
             </a:r>
           </a:p>
           <a:p>
             <a:pPr lvl="4"/>
             <a:r>
-              <a:rPr lang="en-US" smtClean="0"/>
+              <a:rPr lang="en-US"/>
               <a:t>Fifth level</a:t>
             </a:r>
             <a:endParaRPr lang="en-US" dirty="0"/>
@@ -1895,7 +1895,7 @@
           <a:p>
             <a:pPr lvl="0"/>
             <a:r>
-              <a:rPr lang="en-US" smtClean="0"/>
+              <a:rPr lang="en-US"/>
               <a:t>Edit Master text styles</a:t>
             </a:r>
           </a:p>
@@ -1923,35 +1923,35 @@
           <a:p>
             <a:pPr lvl="0"/>
             <a:r>
-              <a:rPr lang="en-US" smtClean="0"/>
+              <a:rPr lang="en-US"/>
               <a:t>Edit Master text styles</a:t>
             </a:r>
           </a:p>
           <a:p>
             <a:pPr lvl="1"/>
             <a:r>
-              <a:rPr lang="en-US" smtClean="0"/>
+              <a:rPr lang="en-US"/>
               <a:t>Second level</a:t>
             </a:r>
           </a:p>
           <a:p>
             <a:pPr lvl="2"/>
             <a:r>
-              <a:rPr lang="en-US" smtClean="0"/>
+              <a:rPr lang="en-US"/>
               <a:t>Third level</a:t>
             </a:r>
           </a:p>
           <a:p>
             <a:pPr lvl="3"/>
             <a:r>
-              <a:rPr lang="en-US" smtClean="0"/>
+              <a:rPr lang="en-US"/>
               <a:t>Fourth level</a:t>
             </a:r>
           </a:p>
           <a:p>
             <a:pPr lvl="4"/>
             <a:r>
-              <a:rPr lang="en-US" smtClean="0"/>
+              <a:rPr lang="en-US"/>
               <a:t>Fifth level</a:t>
             </a:r>
             <a:endParaRPr lang="en-US" dirty="0"/>
@@ -1975,7 +1975,7 @@
           <a:p>
             <a:fld id="{A5EF53D7-1ACF-4A2A-9E6D-232E03173C8B}" type="datetimeFigureOut">
               <a:rPr lang="en-US" smtClean="0"/>
-              <a:t>5/30/2017</a:t>
+              <a:t>6/4/2017</a:t>
             </a:fld>
             <a:endParaRPr lang="en-US"/>
           </a:p>
@@ -2069,7 +2069,7 @@
           <a:lstStyle/>
           <a:p>
             <a:r>
-              <a:rPr lang="en-US" smtClean="0"/>
+              <a:rPr lang="en-US"/>
               <a:t>Click to edit Master title style</a:t>
             </a:r>
             <a:endParaRPr lang="en-US" dirty="0"/>
@@ -2093,7 +2093,7 @@
           <a:p>
             <a:fld id="{A5EF53D7-1ACF-4A2A-9E6D-232E03173C8B}" type="datetimeFigureOut">
               <a:rPr lang="en-US" smtClean="0"/>
-              <a:t>5/30/2017</a:t>
+              <a:t>6/4/2017</a:t>
             </a:fld>
             <a:endParaRPr lang="en-US"/>
           </a:p>
@@ -2264,7 +2264,7 @@
           <a:p>
             <a:fld id="{A5EF53D7-1ACF-4A2A-9E6D-232E03173C8B}" type="datetimeFigureOut">
               <a:rPr lang="en-US" smtClean="0"/>
-              <a:t>5/30/2017</a:t>
+              <a:t>6/4/2017</a:t>
             </a:fld>
             <a:endParaRPr lang="en-US"/>
           </a:p>
@@ -2457,7 +2457,7 @@
           </a:lstStyle>
           <a:p>
             <a:r>
-              <a:rPr lang="en-US" smtClean="0"/>
+              <a:rPr lang="en-US"/>
               <a:t>Click to edit Master title style</a:t>
             </a:r>
             <a:endParaRPr lang="en-US" dirty="0"/>
@@ -2486,35 +2486,35 @@
           <a:p>
             <a:pPr lvl="0"/>
             <a:r>
-              <a:rPr lang="en-US" smtClean="0"/>
+              <a:rPr lang="en-US"/>
               <a:t>Edit Master text styles</a:t>
             </a:r>
           </a:p>
           <a:p>
             <a:pPr lvl="1"/>
             <a:r>
-              <a:rPr lang="en-US" smtClean="0"/>
+              <a:rPr lang="en-US"/>
               <a:t>Second level</a:t>
             </a:r>
           </a:p>
           <a:p>
             <a:pPr lvl="2"/>
             <a:r>
-              <a:rPr lang="en-US" smtClean="0"/>
+              <a:rPr lang="en-US"/>
               <a:t>Third level</a:t>
             </a:r>
           </a:p>
           <a:p>
             <a:pPr lvl="3"/>
             <a:r>
-              <a:rPr lang="en-US" smtClean="0"/>
+              <a:rPr lang="en-US"/>
               <a:t>Fourth level</a:t>
             </a:r>
           </a:p>
           <a:p>
             <a:pPr lvl="4"/>
             <a:r>
-              <a:rPr lang="en-US" smtClean="0"/>
+              <a:rPr lang="en-US"/>
               <a:t>Fifth level</a:t>
             </a:r>
             <a:endParaRPr lang="en-US" dirty="0"/>
@@ -2586,7 +2586,7 @@
           <a:p>
             <a:pPr lvl="0"/>
             <a:r>
-              <a:rPr lang="en-US" smtClean="0"/>
+              <a:rPr lang="en-US"/>
               <a:t>Edit Master text styles</a:t>
             </a:r>
           </a:p>
@@ -2618,7 +2618,7 @@
           <a:p>
             <a:fld id="{A5EF53D7-1ACF-4A2A-9E6D-232E03173C8B}" type="datetimeFigureOut">
               <a:rPr lang="en-US" smtClean="0"/>
-              <a:t>5/30/2017</a:t>
+              <a:t>6/4/2017</a:t>
             </a:fld>
             <a:endParaRPr lang="en-US"/>
           </a:p>
@@ -2824,7 +2824,7 @@
           </a:lstStyle>
           <a:p>
             <a:r>
-              <a:rPr lang="en-US" smtClean="0"/>
+              <a:rPr lang="en-US"/>
               <a:t>Click to edit Master title style</a:t>
             </a:r>
             <a:endParaRPr lang="en-US" dirty="0"/>
@@ -2899,7 +2899,7 @@
           </a:lstStyle>
           <a:p>
             <a:r>
-              <a:rPr lang="en-US" smtClean="0"/>
+              <a:rPr lang="en-US"/>
               <a:t>Click icon to add picture</a:t>
             </a:r>
             <a:endParaRPr lang="en-US" dirty="0"/>
@@ -2977,7 +2977,7 @@
           <a:p>
             <a:pPr lvl="0"/>
             <a:r>
-              <a:rPr lang="en-US" smtClean="0"/>
+              <a:rPr lang="en-US"/>
               <a:t>Edit Master text styles</a:t>
             </a:r>
           </a:p>
@@ -3000,7 +3000,7 @@
           <a:p>
             <a:fld id="{A5EF53D7-1ACF-4A2A-9E6D-232E03173C8B}" type="datetimeFigureOut">
               <a:rPr lang="en-US" smtClean="0"/>
-              <a:t>5/30/2017</a:t>
+              <a:t>6/4/2017</a:t>
             </a:fld>
             <a:endParaRPr lang="en-US"/>
           </a:p>
@@ -3185,7 +3185,7 @@
           <a:lstStyle/>
           <a:p>
             <a:r>
-              <a:rPr lang="en-US" smtClean="0"/>
+              <a:rPr lang="en-US"/>
               <a:t>Click to edit Master title style</a:t>
             </a:r>
             <a:endParaRPr lang="en-US" dirty="0"/>
@@ -3219,35 +3219,35 @@
           <a:p>
             <a:pPr lvl="0"/>
             <a:r>
-              <a:rPr lang="en-US" smtClean="0"/>
+              <a:rPr lang="en-US"/>
               <a:t>Edit Master text styles</a:t>
             </a:r>
           </a:p>
           <a:p>
             <a:pPr lvl="1"/>
             <a:r>
-              <a:rPr lang="en-US" smtClean="0"/>
+              <a:rPr lang="en-US"/>
               <a:t>Second level</a:t>
             </a:r>
           </a:p>
           <a:p>
             <a:pPr lvl="2"/>
             <a:r>
-              <a:rPr lang="en-US" smtClean="0"/>
+              <a:rPr lang="en-US"/>
               <a:t>Third level</a:t>
             </a:r>
           </a:p>
           <a:p>
             <a:pPr lvl="3"/>
             <a:r>
-              <a:rPr lang="en-US" smtClean="0"/>
+              <a:rPr lang="en-US"/>
               <a:t>Fourth level</a:t>
             </a:r>
           </a:p>
           <a:p>
             <a:pPr lvl="4"/>
             <a:r>
-              <a:rPr lang="en-US" smtClean="0"/>
+              <a:rPr lang="en-US"/>
               <a:t>Fifth level</a:t>
             </a:r>
             <a:endParaRPr lang="en-US" dirty="0"/>
@@ -3287,7 +3287,7 @@
           <a:p>
             <a:fld id="{A5EF53D7-1ACF-4A2A-9E6D-232E03173C8B}" type="datetimeFigureOut">
               <a:rPr lang="en-US" smtClean="0"/>
-              <a:t>5/30/2017</a:t>
+              <a:t>6/4/2017</a:t>
             </a:fld>
             <a:endParaRPr lang="en-US"/>
           </a:p>
@@ -3849,12 +3849,8 @@
           <a:lstStyle/>
           <a:p>
             <a:r>
-              <a:rPr lang="en-US" dirty="0"/>
-              <a:t>How to start using it and save your </a:t>
-            </a:r>
-            <a:r>
-              <a:rPr lang="en-US" dirty="0" smtClean="0"/>
-              <a:t>mind</a:t>
+              <a:rPr lang="ru-RU" dirty="0"/>
+              <a:t>Очевидные неочевидности</a:t>
             </a:r>
             <a:endParaRPr lang="en-US" dirty="0"/>
           </a:p>
@@ -3870,13 +3866,6 @@
   <p:clrMapOvr>
     <a:masterClrMapping/>
   </p:clrMapOvr>
-  <p:timing>
-    <p:tnLst>
-      <p:par>
-        <p:cTn id="1" dur="indefinite" restart="never" nodeType="tmRoot"/>
-      </p:par>
-    </p:tnLst>
-  </p:timing>
 </p:sld>
 </file>
 
@@ -3913,10 +3902,9 @@
           <a:lstStyle/>
           <a:p>
             <a:r>
-              <a:rPr lang="en-US" dirty="0" smtClean="0"/>
+              <a:rPr lang="en-US" dirty="0"/>
               <a:t>Why?</a:t>
             </a:r>
-            <a:endParaRPr lang="en-US" dirty="0"/>
           </a:p>
         </p:txBody>
       </p:sp>
@@ -3940,7 +3928,7 @@
               <a:buChar char="§"/>
             </a:pPr>
             <a:r>
-              <a:rPr lang="en-US" dirty="0" smtClean="0"/>
+              <a:rPr lang="en-US" dirty="0"/>
               <a:t>How can we use syntax tree?</a:t>
             </a:r>
           </a:p>
@@ -3950,7 +3938,7 @@
               <a:buChar char="§"/>
             </a:pPr>
             <a:r>
-              <a:rPr lang="en-US" dirty="0" smtClean="0"/>
+              <a:rPr lang="en-US" dirty="0"/>
               <a:t>How can we write a help generator?</a:t>
             </a:r>
           </a:p>
@@ -3960,10 +3948,9 @@
               <a:buChar char="§"/>
             </a:pPr>
             <a:r>
-              <a:rPr lang="en-US" dirty="0" smtClean="0"/>
+              <a:rPr lang="en-US" dirty="0"/>
               <a:t>How can we write a DTO generator?</a:t>
             </a:r>
-            <a:endParaRPr lang="en-US" dirty="0"/>
           </a:p>
         </p:txBody>
       </p:sp>
@@ -4391,10 +4378,9 @@
           <a:lstStyle/>
           <a:p>
             <a:r>
-              <a:rPr lang="en-US" dirty="0" smtClean="0"/>
+              <a:rPr lang="en-US" dirty="0"/>
               <a:t>Syntax Tree</a:t>
             </a:r>
-            <a:endParaRPr lang="en-US" dirty="0"/>
           </a:p>
         </p:txBody>
       </p:sp>

--- a/P.pptx
+++ b/P.pptx
@@ -4,10 +4,32 @@
   <p:sldMasterIdLst>
     <p:sldMasterId id="2147483678" r:id="rId1"/>
   </p:sldMasterIdLst>
+  <p:notesMasterIdLst>
+    <p:notesMasterId r:id="rId24"/>
+  </p:notesMasterIdLst>
   <p:sldIdLst>
     <p:sldId id="256" r:id="rId2"/>
     <p:sldId id="258" r:id="rId3"/>
-    <p:sldId id="257" r:id="rId4"/>
+    <p:sldId id="259" r:id="rId4"/>
+    <p:sldId id="260" r:id="rId5"/>
+    <p:sldId id="262" r:id="rId6"/>
+    <p:sldId id="261" r:id="rId7"/>
+    <p:sldId id="263" r:id="rId8"/>
+    <p:sldId id="264" r:id="rId9"/>
+    <p:sldId id="265" r:id="rId10"/>
+    <p:sldId id="266" r:id="rId11"/>
+    <p:sldId id="267" r:id="rId12"/>
+    <p:sldId id="268" r:id="rId13"/>
+    <p:sldId id="269" r:id="rId14"/>
+    <p:sldId id="270" r:id="rId15"/>
+    <p:sldId id="271" r:id="rId16"/>
+    <p:sldId id="272" r:id="rId17"/>
+    <p:sldId id="274" r:id="rId18"/>
+    <p:sldId id="275" r:id="rId19"/>
+    <p:sldId id="273" r:id="rId20"/>
+    <p:sldId id="276" r:id="rId21"/>
+    <p:sldId id="277" r:id="rId22"/>
+    <p:sldId id="278" r:id="rId23"/>
   </p:sldIdLst>
   <p:sldSz cx="12192000" cy="6858000"/>
   <p:notesSz cx="6858000" cy="9144000"/>
@@ -112,6 +134,3669 @@
     </p:ext>
   </p:extLst>
 </p:presentation>
+</file>
+
+<file path=ppt/diagrams/colors1.xml><?xml version="1.0" encoding="utf-8"?>
+<dgm:colorsDef xmlns:dgm="http://schemas.openxmlformats.org/drawingml/2006/diagram" xmlns:a="http://schemas.openxmlformats.org/drawingml/2006/main" uniqueId="urn:microsoft.com/office/officeart/2005/8/colors/accent1_2">
+  <dgm:title val=""/>
+  <dgm:desc val=""/>
+  <dgm:catLst>
+    <dgm:cat type="accent1" pri="11200"/>
+  </dgm:catLst>
+  <dgm:styleLbl name="node0">
+    <dgm:fillClrLst meth="repeat">
+      <a:schemeClr val="accent1"/>
+    </dgm:fillClrLst>
+    <dgm:linClrLst meth="repeat">
+      <a:schemeClr val="lt1"/>
+    </dgm:linClrLst>
+    <dgm:effectClrLst/>
+    <dgm:txLinClrLst/>
+    <dgm:txFillClrLst/>
+    <dgm:txEffectClrLst/>
+  </dgm:styleLbl>
+  <dgm:styleLbl name="alignNode1">
+    <dgm:fillClrLst meth="repeat">
+      <a:schemeClr val="accent1"/>
+    </dgm:fillClrLst>
+    <dgm:linClrLst meth="repeat">
+      <a:schemeClr val="accent1"/>
+    </dgm:linClrLst>
+    <dgm:effectClrLst/>
+    <dgm:txLinClrLst/>
+    <dgm:txFillClrLst/>
+    <dgm:txEffectClrLst/>
+  </dgm:styleLbl>
+  <dgm:styleLbl name="node1">
+    <dgm:fillClrLst meth="repeat">
+      <a:schemeClr val="accent1"/>
+    </dgm:fillClrLst>
+    <dgm:linClrLst meth="repeat">
+      <a:schemeClr val="lt1"/>
+    </dgm:linClrLst>
+    <dgm:effectClrLst/>
+    <dgm:txLinClrLst/>
+    <dgm:txFillClrLst/>
+    <dgm:txEffectClrLst/>
+  </dgm:styleLbl>
+  <dgm:styleLbl name="lnNode1">
+    <dgm:fillClrLst meth="repeat">
+      <a:schemeClr val="accent1"/>
+    </dgm:fillClrLst>
+    <dgm:linClrLst meth="repeat">
+      <a:schemeClr val="lt1"/>
+    </dgm:linClrLst>
+    <dgm:effectClrLst/>
+    <dgm:txLinClrLst/>
+    <dgm:txFillClrLst/>
+    <dgm:txEffectClrLst/>
+  </dgm:styleLbl>
+  <dgm:styleLbl name="vennNode1">
+    <dgm:fillClrLst meth="repeat">
+      <a:schemeClr val="accent1">
+        <a:alpha val="50000"/>
+      </a:schemeClr>
+    </dgm:fillClrLst>
+    <dgm:linClrLst meth="repeat">
+      <a:schemeClr val="lt1"/>
+    </dgm:linClrLst>
+    <dgm:effectClrLst/>
+    <dgm:txLinClrLst/>
+    <dgm:txFillClrLst/>
+    <dgm:txEffectClrLst/>
+  </dgm:styleLbl>
+  <dgm:styleLbl name="node2">
+    <dgm:fillClrLst meth="repeat">
+      <a:schemeClr val="accent1"/>
+    </dgm:fillClrLst>
+    <dgm:linClrLst meth="repeat">
+      <a:schemeClr val="lt1"/>
+    </dgm:linClrLst>
+    <dgm:effectClrLst/>
+    <dgm:txLinClrLst/>
+    <dgm:txFillClrLst/>
+    <dgm:txEffectClrLst/>
+  </dgm:styleLbl>
+  <dgm:styleLbl name="node3">
+    <dgm:fillClrLst meth="repeat">
+      <a:schemeClr val="accent1"/>
+    </dgm:fillClrLst>
+    <dgm:linClrLst meth="repeat">
+      <a:schemeClr val="lt1"/>
+    </dgm:linClrLst>
+    <dgm:effectClrLst/>
+    <dgm:txLinClrLst/>
+    <dgm:txFillClrLst/>
+    <dgm:txEffectClrLst/>
+  </dgm:styleLbl>
+  <dgm:styleLbl name="node4">
+    <dgm:fillClrLst meth="repeat">
+      <a:schemeClr val="accent1"/>
+    </dgm:fillClrLst>
+    <dgm:linClrLst meth="repeat">
+      <a:schemeClr val="lt1"/>
+    </dgm:linClrLst>
+    <dgm:effectClrLst/>
+    <dgm:txLinClrLst/>
+    <dgm:txFillClrLst/>
+    <dgm:txEffectClrLst/>
+  </dgm:styleLbl>
+  <dgm:styleLbl name="fgImgPlace1">
+    <dgm:fillClrLst meth="repeat">
+      <a:schemeClr val="accent1">
+        <a:tint val="50000"/>
+      </a:schemeClr>
+    </dgm:fillClrLst>
+    <dgm:linClrLst meth="repeat">
+      <a:schemeClr val="lt1"/>
+    </dgm:linClrLst>
+    <dgm:effectClrLst/>
+    <dgm:txLinClrLst/>
+    <dgm:txFillClrLst meth="repeat">
+      <a:schemeClr val="lt1"/>
+    </dgm:txFillClrLst>
+    <dgm:txEffectClrLst/>
+  </dgm:styleLbl>
+  <dgm:styleLbl name="alignImgPlace1">
+    <dgm:fillClrLst meth="repeat">
+      <a:schemeClr val="accent1">
+        <a:tint val="50000"/>
+      </a:schemeClr>
+    </dgm:fillClrLst>
+    <dgm:linClrLst meth="repeat">
+      <a:schemeClr val="lt1"/>
+    </dgm:linClrLst>
+    <dgm:effectClrLst/>
+    <dgm:txLinClrLst/>
+    <dgm:txFillClrLst meth="repeat">
+      <a:schemeClr val="lt1"/>
+    </dgm:txFillClrLst>
+    <dgm:txEffectClrLst/>
+  </dgm:styleLbl>
+  <dgm:styleLbl name="bgImgPlace1">
+    <dgm:fillClrLst meth="repeat">
+      <a:schemeClr val="accent1">
+        <a:tint val="50000"/>
+      </a:schemeClr>
+    </dgm:fillClrLst>
+    <dgm:linClrLst meth="repeat">
+      <a:schemeClr val="lt1"/>
+    </dgm:linClrLst>
+    <dgm:effectClrLst/>
+    <dgm:txLinClrLst/>
+    <dgm:txFillClrLst meth="repeat">
+      <a:schemeClr val="lt1"/>
+    </dgm:txFillClrLst>
+    <dgm:txEffectClrLst/>
+  </dgm:styleLbl>
+  <dgm:styleLbl name="sibTrans2D1">
+    <dgm:fillClrLst meth="repeat">
+      <a:schemeClr val="accent1">
+        <a:tint val="60000"/>
+      </a:schemeClr>
+    </dgm:fillClrLst>
+    <dgm:linClrLst meth="repeat">
+      <a:schemeClr val="accent1">
+        <a:tint val="60000"/>
+      </a:schemeClr>
+    </dgm:linClrLst>
+    <dgm:effectClrLst/>
+    <dgm:txLinClrLst/>
+    <dgm:txFillClrLst/>
+    <dgm:txEffectClrLst/>
+  </dgm:styleLbl>
+  <dgm:styleLbl name="fgSibTrans2D1">
+    <dgm:fillClrLst meth="repeat">
+      <a:schemeClr val="accent1">
+        <a:tint val="60000"/>
+      </a:schemeClr>
+    </dgm:fillClrLst>
+    <dgm:linClrLst meth="repeat">
+      <a:schemeClr val="accent1">
+        <a:tint val="60000"/>
+      </a:schemeClr>
+    </dgm:linClrLst>
+    <dgm:effectClrLst/>
+    <dgm:txLinClrLst/>
+    <dgm:txFillClrLst/>
+    <dgm:txEffectClrLst/>
+  </dgm:styleLbl>
+  <dgm:styleLbl name="bgSibTrans2D1">
+    <dgm:fillClrLst meth="repeat">
+      <a:schemeClr val="accent1">
+        <a:tint val="60000"/>
+      </a:schemeClr>
+    </dgm:fillClrLst>
+    <dgm:linClrLst meth="repeat">
+      <a:schemeClr val="accent1">
+        <a:tint val="60000"/>
+      </a:schemeClr>
+    </dgm:linClrLst>
+    <dgm:effectClrLst/>
+    <dgm:txLinClrLst/>
+    <dgm:txFillClrLst/>
+    <dgm:txEffectClrLst/>
+  </dgm:styleLbl>
+  <dgm:styleLbl name="sibTrans1D1">
+    <dgm:fillClrLst meth="repeat">
+      <a:schemeClr val="accent1"/>
+    </dgm:fillClrLst>
+    <dgm:linClrLst meth="repeat">
+      <a:schemeClr val="accent1"/>
+    </dgm:linClrLst>
+    <dgm:effectClrLst/>
+    <dgm:txLinClrLst/>
+    <dgm:txFillClrLst meth="repeat">
+      <a:schemeClr val="tx1"/>
+    </dgm:txFillClrLst>
+    <dgm:txEffectClrLst/>
+  </dgm:styleLbl>
+  <dgm:styleLbl name="callout">
+    <dgm:fillClrLst meth="repeat">
+      <a:schemeClr val="accent1"/>
+    </dgm:fillClrLst>
+    <dgm:linClrLst meth="repeat">
+      <a:schemeClr val="accent1">
+        <a:tint val="50000"/>
+      </a:schemeClr>
+    </dgm:linClrLst>
+    <dgm:effectClrLst/>
+    <dgm:txLinClrLst/>
+    <dgm:txFillClrLst meth="repeat">
+      <a:schemeClr val="tx1"/>
+    </dgm:txFillClrLst>
+    <dgm:txEffectClrLst/>
+  </dgm:styleLbl>
+  <dgm:styleLbl name="asst0">
+    <dgm:fillClrLst meth="repeat">
+      <a:schemeClr val="accent1"/>
+    </dgm:fillClrLst>
+    <dgm:linClrLst meth="repeat">
+      <a:schemeClr val="lt1"/>
+    </dgm:linClrLst>
+    <dgm:effectClrLst/>
+    <dgm:txLinClrLst/>
+    <dgm:txFillClrLst/>
+    <dgm:txEffectClrLst/>
+  </dgm:styleLbl>
+  <dgm:styleLbl name="asst1">
+    <dgm:fillClrLst meth="repeat">
+      <a:schemeClr val="accent1"/>
+    </dgm:fillClrLst>
+    <dgm:linClrLst meth="repeat">
+      <a:schemeClr val="lt1"/>
+    </dgm:linClrLst>
+    <dgm:effectClrLst/>
+    <dgm:txLinClrLst/>
+    <dgm:txFillClrLst/>
+    <dgm:txEffectClrLst/>
+  </dgm:styleLbl>
+  <dgm:styleLbl name="asst2">
+    <dgm:fillClrLst meth="repeat">
+      <a:schemeClr val="accent1"/>
+    </dgm:fillClrLst>
+    <dgm:linClrLst meth="repeat">
+      <a:schemeClr val="lt1"/>
+    </dgm:linClrLst>
+    <dgm:effectClrLst/>
+    <dgm:txLinClrLst/>
+    <dgm:txFillClrLst/>
+    <dgm:txEffectClrLst/>
+  </dgm:styleLbl>
+  <dgm:styleLbl name="asst3">
+    <dgm:fillClrLst meth="repeat">
+      <a:schemeClr val="accent1"/>
+    </dgm:fillClrLst>
+    <dgm:linClrLst meth="repeat">
+      <a:schemeClr val="lt1"/>
+    </dgm:linClrLst>
+    <dgm:effectClrLst/>
+    <dgm:txLinClrLst/>
+    <dgm:txFillClrLst/>
+    <dgm:txEffectClrLst/>
+  </dgm:styleLbl>
+  <dgm:styleLbl name="asst4">
+    <dgm:fillClrLst meth="repeat">
+      <a:schemeClr val="accent1"/>
+    </dgm:fillClrLst>
+    <dgm:linClrLst meth="repeat">
+      <a:schemeClr val="lt1"/>
+    </dgm:linClrLst>
+    <dgm:effectClrLst/>
+    <dgm:txLinClrLst/>
+    <dgm:txFillClrLst/>
+    <dgm:txEffectClrLst/>
+  </dgm:styleLbl>
+  <dgm:styleLbl name="parChTrans2D1">
+    <dgm:fillClrLst meth="repeat">
+      <a:schemeClr val="accent1">
+        <a:tint val="60000"/>
+      </a:schemeClr>
+    </dgm:fillClrLst>
+    <dgm:linClrLst meth="repeat">
+      <a:schemeClr val="accent1">
+        <a:tint val="60000"/>
+      </a:schemeClr>
+    </dgm:linClrLst>
+    <dgm:effectClrLst/>
+    <dgm:txLinClrLst/>
+    <dgm:txFillClrLst meth="repeat">
+      <a:schemeClr val="lt1"/>
+    </dgm:txFillClrLst>
+    <dgm:txEffectClrLst/>
+  </dgm:styleLbl>
+  <dgm:styleLbl name="parChTrans2D2">
+    <dgm:fillClrLst meth="repeat">
+      <a:schemeClr val="accent1"/>
+    </dgm:fillClrLst>
+    <dgm:linClrLst meth="repeat">
+      <a:schemeClr val="accent1"/>
+    </dgm:linClrLst>
+    <dgm:effectClrLst/>
+    <dgm:txLinClrLst/>
+    <dgm:txFillClrLst meth="repeat">
+      <a:schemeClr val="lt1"/>
+    </dgm:txFillClrLst>
+    <dgm:txEffectClrLst/>
+  </dgm:styleLbl>
+  <dgm:styleLbl name="parChTrans2D3">
+    <dgm:fillClrLst meth="repeat">
+      <a:schemeClr val="accent1"/>
+    </dgm:fillClrLst>
+    <dgm:linClrLst meth="repeat">
+      <a:schemeClr val="accent1"/>
+    </dgm:linClrLst>
+    <dgm:effectClrLst/>
+    <dgm:txLinClrLst/>
+    <dgm:txFillClrLst meth="repeat">
+      <a:schemeClr val="lt1"/>
+    </dgm:txFillClrLst>
+    <dgm:txEffectClrLst/>
+  </dgm:styleLbl>
+  <dgm:styleLbl name="parChTrans2D4">
+    <dgm:fillClrLst meth="repeat">
+      <a:schemeClr val="accent1"/>
+    </dgm:fillClrLst>
+    <dgm:linClrLst meth="repeat">
+      <a:schemeClr val="accent1"/>
+    </dgm:linClrLst>
+    <dgm:effectClrLst/>
+    <dgm:txLinClrLst/>
+    <dgm:txFillClrLst meth="repeat">
+      <a:schemeClr val="lt1"/>
+    </dgm:txFillClrLst>
+    <dgm:txEffectClrLst/>
+  </dgm:styleLbl>
+  <dgm:styleLbl name="parChTrans1D1">
+    <dgm:fillClrLst meth="repeat">
+      <a:schemeClr val="accent1"/>
+    </dgm:fillClrLst>
+    <dgm:linClrLst meth="repeat">
+      <a:schemeClr val="accent1">
+        <a:shade val="60000"/>
+      </a:schemeClr>
+    </dgm:linClrLst>
+    <dgm:effectClrLst/>
+    <dgm:txLinClrLst/>
+    <dgm:txFillClrLst meth="repeat">
+      <a:schemeClr val="tx1"/>
+    </dgm:txFillClrLst>
+    <dgm:txEffectClrLst/>
+  </dgm:styleLbl>
+  <dgm:styleLbl name="parChTrans1D2">
+    <dgm:fillClrLst meth="repeat">
+      <a:schemeClr val="accent1"/>
+    </dgm:fillClrLst>
+    <dgm:linClrLst meth="repeat">
+      <a:schemeClr val="accent1">
+        <a:shade val="60000"/>
+      </a:schemeClr>
+    </dgm:linClrLst>
+    <dgm:effectClrLst/>
+    <dgm:txLinClrLst/>
+    <dgm:txFillClrLst meth="repeat">
+      <a:schemeClr val="tx1"/>
+    </dgm:txFillClrLst>
+    <dgm:txEffectClrLst/>
+  </dgm:styleLbl>
+  <dgm:styleLbl name="parChTrans1D3">
+    <dgm:fillClrLst meth="repeat">
+      <a:schemeClr val="accent1"/>
+    </dgm:fillClrLst>
+    <dgm:linClrLst meth="repeat">
+      <a:schemeClr val="accent1">
+        <a:shade val="80000"/>
+      </a:schemeClr>
+    </dgm:linClrLst>
+    <dgm:effectClrLst/>
+    <dgm:txLinClrLst/>
+    <dgm:txFillClrLst meth="repeat">
+      <a:schemeClr val="tx1"/>
+    </dgm:txFillClrLst>
+    <dgm:txEffectClrLst/>
+  </dgm:styleLbl>
+  <dgm:styleLbl name="parChTrans1D4">
+    <dgm:fillClrLst meth="repeat">
+      <a:schemeClr val="accent1"/>
+    </dgm:fillClrLst>
+    <dgm:linClrLst meth="repeat">
+      <a:schemeClr val="accent1">
+        <a:shade val="80000"/>
+      </a:schemeClr>
+    </dgm:linClrLst>
+    <dgm:effectClrLst/>
+    <dgm:txLinClrLst/>
+    <dgm:txFillClrLst meth="repeat">
+      <a:schemeClr val="tx1"/>
+    </dgm:txFillClrLst>
+    <dgm:txEffectClrLst/>
+  </dgm:styleLbl>
+  <dgm:styleLbl name="fgAcc1">
+    <dgm:fillClrLst meth="repeat">
+      <a:schemeClr val="lt1">
+        <a:alpha val="90000"/>
+      </a:schemeClr>
+    </dgm:fillClrLst>
+    <dgm:linClrLst meth="repeat">
+      <a:schemeClr val="accent1"/>
+    </dgm:linClrLst>
+    <dgm:effectClrLst/>
+    <dgm:txLinClrLst/>
+    <dgm:txFillClrLst meth="repeat">
+      <a:schemeClr val="dk1"/>
+    </dgm:txFillClrLst>
+    <dgm:txEffectClrLst/>
+  </dgm:styleLbl>
+  <dgm:styleLbl name="conFgAcc1">
+    <dgm:fillClrLst meth="repeat">
+      <a:schemeClr val="lt1">
+        <a:alpha val="90000"/>
+      </a:schemeClr>
+    </dgm:fillClrLst>
+    <dgm:linClrLst meth="repeat">
+      <a:schemeClr val="accent1"/>
+    </dgm:linClrLst>
+    <dgm:effectClrLst/>
+    <dgm:txLinClrLst/>
+    <dgm:txFillClrLst meth="repeat">
+      <a:schemeClr val="dk1"/>
+    </dgm:txFillClrLst>
+    <dgm:txEffectClrLst/>
+  </dgm:styleLbl>
+  <dgm:styleLbl name="alignAcc1">
+    <dgm:fillClrLst meth="repeat">
+      <a:schemeClr val="lt1">
+        <a:alpha val="90000"/>
+      </a:schemeClr>
+    </dgm:fillClrLst>
+    <dgm:linClrLst meth="repeat">
+      <a:schemeClr val="accent1"/>
+    </dgm:linClrLst>
+    <dgm:effectClrLst/>
+    <dgm:txLinClrLst/>
+    <dgm:txFillClrLst meth="repeat">
+      <a:schemeClr val="dk1"/>
+    </dgm:txFillClrLst>
+    <dgm:txEffectClrLst/>
+  </dgm:styleLbl>
+  <dgm:styleLbl name="trAlignAcc1">
+    <dgm:fillClrLst meth="repeat">
+      <a:schemeClr val="lt1">
+        <a:alpha val="40000"/>
+      </a:schemeClr>
+    </dgm:fillClrLst>
+    <dgm:linClrLst meth="repeat">
+      <a:schemeClr val="accent1"/>
+    </dgm:linClrLst>
+    <dgm:effectClrLst/>
+    <dgm:txLinClrLst/>
+    <dgm:txFillClrLst meth="repeat">
+      <a:schemeClr val="dk1"/>
+    </dgm:txFillClrLst>
+    <dgm:txEffectClrLst/>
+  </dgm:styleLbl>
+  <dgm:styleLbl name="bgAcc1">
+    <dgm:fillClrLst meth="repeat">
+      <a:schemeClr val="lt1">
+        <a:alpha val="90000"/>
+      </a:schemeClr>
+    </dgm:fillClrLst>
+    <dgm:linClrLst meth="repeat">
+      <a:schemeClr val="accent1"/>
+    </dgm:linClrLst>
+    <dgm:effectClrLst/>
+    <dgm:txLinClrLst/>
+    <dgm:txFillClrLst meth="repeat">
+      <a:schemeClr val="dk1"/>
+    </dgm:txFillClrLst>
+    <dgm:txEffectClrLst/>
+  </dgm:styleLbl>
+  <dgm:styleLbl name="solidFgAcc1">
+    <dgm:fillClrLst meth="repeat">
+      <a:schemeClr val="lt1"/>
+    </dgm:fillClrLst>
+    <dgm:linClrLst meth="repeat">
+      <a:schemeClr val="accent1"/>
+    </dgm:linClrLst>
+    <dgm:effectClrLst/>
+    <dgm:txLinClrLst/>
+    <dgm:txFillClrLst meth="repeat">
+      <a:schemeClr val="dk1"/>
+    </dgm:txFillClrLst>
+    <dgm:txEffectClrLst/>
+  </dgm:styleLbl>
+  <dgm:styleLbl name="solidAlignAcc1">
+    <dgm:fillClrLst meth="repeat">
+      <a:schemeClr val="lt1"/>
+    </dgm:fillClrLst>
+    <dgm:linClrLst meth="repeat">
+      <a:schemeClr val="accent1"/>
+    </dgm:linClrLst>
+    <dgm:effectClrLst/>
+    <dgm:txLinClrLst/>
+    <dgm:txFillClrLst meth="repeat">
+      <a:schemeClr val="dk1"/>
+    </dgm:txFillClrLst>
+    <dgm:txEffectClrLst/>
+  </dgm:styleLbl>
+  <dgm:styleLbl name="solidBgAcc1">
+    <dgm:fillClrLst meth="repeat">
+      <a:schemeClr val="lt1"/>
+    </dgm:fillClrLst>
+    <dgm:linClrLst meth="repeat">
+      <a:schemeClr val="accent1"/>
+    </dgm:linClrLst>
+    <dgm:effectClrLst/>
+    <dgm:txLinClrLst/>
+    <dgm:txFillClrLst meth="repeat">
+      <a:schemeClr val="dk1"/>
+    </dgm:txFillClrLst>
+    <dgm:txEffectClrLst/>
+  </dgm:styleLbl>
+  <dgm:styleLbl name="fgAccFollowNode1">
+    <dgm:fillClrLst meth="repeat">
+      <a:schemeClr val="accent1">
+        <a:alpha val="90000"/>
+        <a:tint val="40000"/>
+      </a:schemeClr>
+    </dgm:fillClrLst>
+    <dgm:linClrLst meth="repeat">
+      <a:schemeClr val="accent1">
+        <a:alpha val="90000"/>
+        <a:tint val="40000"/>
+      </a:schemeClr>
+    </dgm:linClrLst>
+    <dgm:effectClrLst/>
+    <dgm:txLinClrLst/>
+    <dgm:txFillClrLst meth="repeat">
+      <a:schemeClr val="dk1"/>
+    </dgm:txFillClrLst>
+    <dgm:txEffectClrLst/>
+  </dgm:styleLbl>
+  <dgm:styleLbl name="alignAccFollowNode1">
+    <dgm:fillClrLst meth="repeat">
+      <a:schemeClr val="accent1">
+        <a:alpha val="90000"/>
+        <a:tint val="40000"/>
+      </a:schemeClr>
+    </dgm:fillClrLst>
+    <dgm:linClrLst meth="repeat">
+      <a:schemeClr val="accent1">
+        <a:alpha val="90000"/>
+        <a:tint val="40000"/>
+      </a:schemeClr>
+    </dgm:linClrLst>
+    <dgm:effectClrLst/>
+    <dgm:txLinClrLst/>
+    <dgm:txFillClrLst meth="repeat">
+      <a:schemeClr val="dk1"/>
+    </dgm:txFillClrLst>
+    <dgm:txEffectClrLst/>
+  </dgm:styleLbl>
+  <dgm:styleLbl name="bgAccFollowNode1">
+    <dgm:fillClrLst meth="repeat">
+      <a:schemeClr val="accent1">
+        <a:alpha val="90000"/>
+        <a:tint val="40000"/>
+      </a:schemeClr>
+    </dgm:fillClrLst>
+    <dgm:linClrLst meth="repeat">
+      <a:schemeClr val="accent1">
+        <a:alpha val="90000"/>
+        <a:tint val="40000"/>
+      </a:schemeClr>
+    </dgm:linClrLst>
+    <dgm:effectClrLst/>
+    <dgm:txLinClrLst/>
+    <dgm:txFillClrLst meth="repeat">
+      <a:schemeClr val="dk1"/>
+    </dgm:txFillClrLst>
+    <dgm:txEffectClrLst/>
+  </dgm:styleLbl>
+  <dgm:styleLbl name="fgAcc0">
+    <dgm:fillClrLst meth="repeat">
+      <a:schemeClr val="lt1">
+        <a:alpha val="90000"/>
+      </a:schemeClr>
+    </dgm:fillClrLst>
+    <dgm:linClrLst meth="repeat">
+      <a:schemeClr val="accent1"/>
+    </dgm:linClrLst>
+    <dgm:effectClrLst/>
+    <dgm:txLinClrLst/>
+    <dgm:txFillClrLst meth="repeat">
+      <a:schemeClr val="dk1"/>
+    </dgm:txFillClrLst>
+    <dgm:txEffectClrLst/>
+  </dgm:styleLbl>
+  <dgm:styleLbl name="fgAcc2">
+    <dgm:fillClrLst meth="repeat">
+      <a:schemeClr val="lt1">
+        <a:alpha val="90000"/>
+      </a:schemeClr>
+    </dgm:fillClrLst>
+    <dgm:linClrLst meth="repeat">
+      <a:schemeClr val="accent1"/>
+    </dgm:linClrLst>
+    <dgm:effectClrLst/>
+    <dgm:txLinClrLst/>
+    <dgm:txFillClrLst meth="repeat">
+      <a:schemeClr val="dk1"/>
+    </dgm:txFillClrLst>
+    <dgm:txEffectClrLst/>
+  </dgm:styleLbl>
+  <dgm:styleLbl name="fgAcc3">
+    <dgm:fillClrLst meth="repeat">
+      <a:schemeClr val="lt1">
+        <a:alpha val="90000"/>
+      </a:schemeClr>
+    </dgm:fillClrLst>
+    <dgm:linClrLst meth="repeat">
+      <a:schemeClr val="accent1"/>
+    </dgm:linClrLst>
+    <dgm:effectClrLst/>
+    <dgm:txLinClrLst/>
+    <dgm:txFillClrLst meth="repeat">
+      <a:schemeClr val="dk1"/>
+    </dgm:txFillClrLst>
+    <dgm:txEffectClrLst/>
+  </dgm:styleLbl>
+  <dgm:styleLbl name="fgAcc4">
+    <dgm:fillClrLst meth="repeat">
+      <a:schemeClr val="lt1">
+        <a:alpha val="90000"/>
+      </a:schemeClr>
+    </dgm:fillClrLst>
+    <dgm:linClrLst meth="repeat">
+      <a:schemeClr val="accent1"/>
+    </dgm:linClrLst>
+    <dgm:effectClrLst/>
+    <dgm:txLinClrLst/>
+    <dgm:txFillClrLst meth="repeat">
+      <a:schemeClr val="dk1"/>
+    </dgm:txFillClrLst>
+    <dgm:txEffectClrLst/>
+  </dgm:styleLbl>
+  <dgm:styleLbl name="bgShp">
+    <dgm:fillClrLst meth="repeat">
+      <a:schemeClr val="accent1">
+        <a:tint val="40000"/>
+      </a:schemeClr>
+    </dgm:fillClrLst>
+    <dgm:linClrLst meth="repeat">
+      <a:schemeClr val="accent1"/>
+    </dgm:linClrLst>
+    <dgm:effectClrLst/>
+    <dgm:txLinClrLst/>
+    <dgm:txFillClrLst meth="repeat">
+      <a:schemeClr val="dk1"/>
+    </dgm:txFillClrLst>
+    <dgm:txEffectClrLst/>
+  </dgm:styleLbl>
+  <dgm:styleLbl name="dkBgShp">
+    <dgm:fillClrLst meth="repeat">
+      <a:schemeClr val="accent1">
+        <a:shade val="80000"/>
+      </a:schemeClr>
+    </dgm:fillClrLst>
+    <dgm:linClrLst meth="repeat">
+      <a:schemeClr val="accent1"/>
+    </dgm:linClrLst>
+    <dgm:effectClrLst/>
+    <dgm:txLinClrLst/>
+    <dgm:txFillClrLst meth="repeat">
+      <a:schemeClr val="lt1"/>
+    </dgm:txFillClrLst>
+    <dgm:txEffectClrLst/>
+  </dgm:styleLbl>
+  <dgm:styleLbl name="trBgShp">
+    <dgm:fillClrLst meth="repeat">
+      <a:schemeClr val="accent1">
+        <a:tint val="50000"/>
+        <a:alpha val="40000"/>
+      </a:schemeClr>
+    </dgm:fillClrLst>
+    <dgm:linClrLst meth="repeat">
+      <a:schemeClr val="accent1"/>
+    </dgm:linClrLst>
+    <dgm:effectClrLst/>
+    <dgm:txLinClrLst/>
+    <dgm:txFillClrLst meth="repeat">
+      <a:schemeClr val="lt1"/>
+    </dgm:txFillClrLst>
+    <dgm:txEffectClrLst/>
+  </dgm:styleLbl>
+  <dgm:styleLbl name="fgShp">
+    <dgm:fillClrLst meth="repeat">
+      <a:schemeClr val="accent1">
+        <a:tint val="60000"/>
+      </a:schemeClr>
+    </dgm:fillClrLst>
+    <dgm:linClrLst meth="repeat">
+      <a:schemeClr val="lt1"/>
+    </dgm:linClrLst>
+    <dgm:effectClrLst/>
+    <dgm:txLinClrLst/>
+    <dgm:txFillClrLst meth="repeat">
+      <a:schemeClr val="dk1"/>
+    </dgm:txFillClrLst>
+    <dgm:txEffectClrLst/>
+  </dgm:styleLbl>
+  <dgm:styleLbl name="revTx">
+    <dgm:fillClrLst meth="repeat">
+      <a:schemeClr val="lt1">
+        <a:alpha val="0"/>
+      </a:schemeClr>
+    </dgm:fillClrLst>
+    <dgm:linClrLst meth="repeat">
+      <a:schemeClr val="dk1">
+        <a:alpha val="0"/>
+      </a:schemeClr>
+    </dgm:linClrLst>
+    <dgm:effectClrLst/>
+    <dgm:txLinClrLst/>
+    <dgm:txFillClrLst meth="repeat">
+      <a:schemeClr val="tx1"/>
+    </dgm:txFillClrLst>
+    <dgm:txEffectClrLst/>
+  </dgm:styleLbl>
+</dgm:colorsDef>
+</file>
+
+<file path=ppt/diagrams/data1.xml><?xml version="1.0" encoding="utf-8"?>
+<dgm:dataModel xmlns:dgm="http://schemas.openxmlformats.org/drawingml/2006/diagram" xmlns:a="http://schemas.openxmlformats.org/drawingml/2006/main">
+  <dgm:ptLst>
+    <dgm:pt modelId="{DCF83594-9398-41BD-95D9-277BAC29313B}" type="doc">
+      <dgm:prSet loTypeId="urn:microsoft.com/office/officeart/2008/layout/SquareAccentList" loCatId="list" qsTypeId="urn:microsoft.com/office/officeart/2005/8/quickstyle/simple1" qsCatId="simple" csTypeId="urn:microsoft.com/office/officeart/2005/8/colors/accent1_2" csCatId="accent1" phldr="1"/>
+      <dgm:spPr/>
+      <dgm:t>
+        <a:bodyPr/>
+        <a:lstStyle/>
+        <a:p>
+          <a:endParaRPr lang="en-US"/>
+        </a:p>
+      </dgm:t>
+    </dgm:pt>
+    <dgm:pt modelId="{A675CB21-25B1-470F-9363-EC8D9EB940B2}">
+      <dgm:prSet phldrT="[Text]"/>
+      <dgm:spPr/>
+      <dgm:t>
+        <a:bodyPr/>
+        <a:lstStyle/>
+        <a:p>
+          <a:r>
+            <a:rPr lang="ru-RU" dirty="0"/>
+            <a:t>Фабричный метод</a:t>
+          </a:r>
+          <a:endParaRPr lang="en-US" dirty="0"/>
+        </a:p>
+      </dgm:t>
+    </dgm:pt>
+    <dgm:pt modelId="{CBBFD3A8-CDAC-475B-846E-54FB8E365AFC}" type="parTrans" cxnId="{72F72D58-0BA4-49D8-9CD2-87264949934D}">
+      <dgm:prSet/>
+      <dgm:spPr/>
+      <dgm:t>
+        <a:bodyPr/>
+        <a:lstStyle/>
+        <a:p>
+          <a:endParaRPr lang="en-US"/>
+        </a:p>
+      </dgm:t>
+    </dgm:pt>
+    <dgm:pt modelId="{E8ABEEC5-8E17-4779-BE10-A6A37E4C0608}" type="sibTrans" cxnId="{72F72D58-0BA4-49D8-9CD2-87264949934D}">
+      <dgm:prSet/>
+      <dgm:spPr/>
+      <dgm:t>
+        <a:bodyPr/>
+        <a:lstStyle/>
+        <a:p>
+          <a:endParaRPr lang="en-US"/>
+        </a:p>
+      </dgm:t>
+    </dgm:pt>
+    <dgm:pt modelId="{D6F59474-5FD1-4966-9152-066E3C0D07A7}">
+      <dgm:prSet phldrT="[Text]"/>
+      <dgm:spPr/>
+      <dgm:t>
+        <a:bodyPr/>
+        <a:lstStyle/>
+        <a:p>
+          <a:r>
+            <a:rPr lang="ru-RU" dirty="0"/>
+            <a:t>Статическая фабрика</a:t>
+          </a:r>
+          <a:endParaRPr lang="en-US" dirty="0"/>
+        </a:p>
+      </dgm:t>
+    </dgm:pt>
+    <dgm:pt modelId="{4BA0CFCD-60B0-4F53-8318-3983F34E44BD}" type="parTrans" cxnId="{9D89BC80-C675-4373-9A27-D0E1B63CC820}">
+      <dgm:prSet/>
+      <dgm:spPr/>
+      <dgm:t>
+        <a:bodyPr/>
+        <a:lstStyle/>
+        <a:p>
+          <a:endParaRPr lang="en-US"/>
+        </a:p>
+      </dgm:t>
+    </dgm:pt>
+    <dgm:pt modelId="{8B6D36C9-3573-4817-9251-AE4F65552EB5}" type="sibTrans" cxnId="{9D89BC80-C675-4373-9A27-D0E1B63CC820}">
+      <dgm:prSet/>
+      <dgm:spPr/>
+      <dgm:t>
+        <a:bodyPr/>
+        <a:lstStyle/>
+        <a:p>
+          <a:endParaRPr lang="en-US"/>
+        </a:p>
+      </dgm:t>
+    </dgm:pt>
+    <dgm:pt modelId="{1DA4966C-F13B-4A0D-88B1-5AC82D2D4FA8}">
+      <dgm:prSet phldrT="[Text]"/>
+      <dgm:spPr/>
+      <dgm:t>
+        <a:bodyPr/>
+        <a:lstStyle/>
+        <a:p>
+          <a:r>
+            <a:rPr lang="en-US" dirty="0" err="1"/>
+            <a:t>CSharpSyntaxTree</a:t>
+          </a:r>
+          <a:endParaRPr lang="en-US" dirty="0"/>
+        </a:p>
+      </dgm:t>
+    </dgm:pt>
+    <dgm:pt modelId="{2D0B4EF8-DFF1-4FE6-92ED-A2DBC1621C8A}" type="parTrans" cxnId="{D0F90863-C263-4CC0-AFF4-D1F0DE28F69B}">
+      <dgm:prSet/>
+      <dgm:spPr/>
+      <dgm:t>
+        <a:bodyPr/>
+        <a:lstStyle/>
+        <a:p>
+          <a:endParaRPr lang="en-US"/>
+        </a:p>
+      </dgm:t>
+    </dgm:pt>
+    <dgm:pt modelId="{5FE30A03-9866-4EB7-81EF-401C116A9B2C}" type="sibTrans" cxnId="{D0F90863-C263-4CC0-AFF4-D1F0DE28F69B}">
+      <dgm:prSet/>
+      <dgm:spPr/>
+      <dgm:t>
+        <a:bodyPr/>
+        <a:lstStyle/>
+        <a:p>
+          <a:endParaRPr lang="en-US"/>
+        </a:p>
+      </dgm:t>
+    </dgm:pt>
+    <dgm:pt modelId="{35C89879-34BD-406C-973F-7A0CF1DED770}">
+      <dgm:prSet phldrT="[Text]"/>
+      <dgm:spPr/>
+      <dgm:t>
+        <a:bodyPr/>
+        <a:lstStyle/>
+        <a:p>
+          <a:r>
+            <a:rPr lang="en-US" dirty="0" err="1"/>
+            <a:t>CSharpCompilation</a:t>
+          </a:r>
+          <a:endParaRPr lang="en-US" dirty="0"/>
+        </a:p>
+      </dgm:t>
+    </dgm:pt>
+    <dgm:pt modelId="{E18302C6-194A-42F7-A450-903AFC2B7D17}" type="parTrans" cxnId="{B007F32F-B990-40C5-8196-53729916696D}">
+      <dgm:prSet/>
+      <dgm:spPr/>
+      <dgm:t>
+        <a:bodyPr/>
+        <a:lstStyle/>
+        <a:p>
+          <a:endParaRPr lang="en-US"/>
+        </a:p>
+      </dgm:t>
+    </dgm:pt>
+    <dgm:pt modelId="{54FA5D6F-07C7-4349-9637-AA5607AF9E74}" type="sibTrans" cxnId="{B007F32F-B990-40C5-8196-53729916696D}">
+      <dgm:prSet/>
+      <dgm:spPr/>
+      <dgm:t>
+        <a:bodyPr/>
+        <a:lstStyle/>
+        <a:p>
+          <a:endParaRPr lang="en-US"/>
+        </a:p>
+      </dgm:t>
+    </dgm:pt>
+    <dgm:pt modelId="{B5885B2C-C1BF-40CE-8977-AB0F156D44F2}">
+      <dgm:prSet phldrT="[Text]"/>
+      <dgm:spPr/>
+      <dgm:t>
+        <a:bodyPr/>
+        <a:lstStyle/>
+        <a:p>
+          <a:r>
+            <a:rPr lang="en-US" dirty="0" err="1"/>
+            <a:t>SyntaxFactory</a:t>
+          </a:r>
+          <a:endParaRPr lang="en-US" dirty="0"/>
+        </a:p>
+      </dgm:t>
+    </dgm:pt>
+    <dgm:pt modelId="{4BB76C81-4C1F-47C5-95A6-3B47CE77440E}" type="parTrans" cxnId="{20437499-2502-404D-B8A8-89000861E828}">
+      <dgm:prSet/>
+      <dgm:spPr/>
+      <dgm:t>
+        <a:bodyPr/>
+        <a:lstStyle/>
+        <a:p>
+          <a:endParaRPr lang="en-US"/>
+        </a:p>
+      </dgm:t>
+    </dgm:pt>
+    <dgm:pt modelId="{A23A4D11-C39D-4F3B-9188-CEB8DA7D410E}" type="sibTrans" cxnId="{20437499-2502-404D-B8A8-89000861E828}">
+      <dgm:prSet/>
+      <dgm:spPr/>
+      <dgm:t>
+        <a:bodyPr/>
+        <a:lstStyle/>
+        <a:p>
+          <a:endParaRPr lang="en-US"/>
+        </a:p>
+      </dgm:t>
+    </dgm:pt>
+    <dgm:pt modelId="{54A64351-DC15-4C4C-91E5-896653983FFB}" type="pres">
+      <dgm:prSet presAssocID="{DCF83594-9398-41BD-95D9-277BAC29313B}" presName="layout" presStyleCnt="0">
+        <dgm:presLayoutVars>
+          <dgm:chMax/>
+          <dgm:chPref/>
+          <dgm:dir/>
+          <dgm:resizeHandles/>
+        </dgm:presLayoutVars>
+      </dgm:prSet>
+      <dgm:spPr/>
+    </dgm:pt>
+    <dgm:pt modelId="{284ED724-8102-44F6-8DC6-A002C086B65C}" type="pres">
+      <dgm:prSet presAssocID="{A675CB21-25B1-470F-9363-EC8D9EB940B2}" presName="root" presStyleCnt="0">
+        <dgm:presLayoutVars>
+          <dgm:chMax/>
+          <dgm:chPref/>
+        </dgm:presLayoutVars>
+      </dgm:prSet>
+      <dgm:spPr/>
+    </dgm:pt>
+    <dgm:pt modelId="{E88A40A5-C060-48F0-A0E3-D5103FDBC650}" type="pres">
+      <dgm:prSet presAssocID="{A675CB21-25B1-470F-9363-EC8D9EB940B2}" presName="rootComposite" presStyleCnt="0">
+        <dgm:presLayoutVars/>
+      </dgm:prSet>
+      <dgm:spPr/>
+    </dgm:pt>
+    <dgm:pt modelId="{AEF8DFBF-A6E7-4DDE-9A85-78EFD7F6059C}" type="pres">
+      <dgm:prSet presAssocID="{A675CB21-25B1-470F-9363-EC8D9EB940B2}" presName="ParentAccent" presStyleLbl="alignNode1" presStyleIdx="0" presStyleCnt="2"/>
+      <dgm:spPr/>
+    </dgm:pt>
+    <dgm:pt modelId="{52559111-0F26-4DEE-80A5-9FF94269FD89}" type="pres">
+      <dgm:prSet presAssocID="{A675CB21-25B1-470F-9363-EC8D9EB940B2}" presName="ParentSmallAccent" presStyleLbl="fgAcc1" presStyleIdx="0" presStyleCnt="2"/>
+      <dgm:spPr/>
+    </dgm:pt>
+    <dgm:pt modelId="{24CA665B-6EC2-4E67-9529-79EAF68E5268}" type="pres">
+      <dgm:prSet presAssocID="{A675CB21-25B1-470F-9363-EC8D9EB940B2}" presName="Parent" presStyleLbl="revTx" presStyleIdx="0" presStyleCnt="5">
+        <dgm:presLayoutVars>
+          <dgm:chMax/>
+          <dgm:chPref val="4"/>
+          <dgm:bulletEnabled val="1"/>
+        </dgm:presLayoutVars>
+      </dgm:prSet>
+      <dgm:spPr/>
+    </dgm:pt>
+    <dgm:pt modelId="{768E9C88-FD4B-4FA8-AB9A-3863A055A33D}" type="pres">
+      <dgm:prSet presAssocID="{A675CB21-25B1-470F-9363-EC8D9EB940B2}" presName="childShape" presStyleCnt="0">
+        <dgm:presLayoutVars>
+          <dgm:chMax val="0"/>
+          <dgm:chPref val="0"/>
+        </dgm:presLayoutVars>
+      </dgm:prSet>
+      <dgm:spPr/>
+    </dgm:pt>
+    <dgm:pt modelId="{659F222D-FD8A-4F4A-A9D9-35E381A2755B}" type="pres">
+      <dgm:prSet presAssocID="{1DA4966C-F13B-4A0D-88B1-5AC82D2D4FA8}" presName="childComposite" presStyleCnt="0">
+        <dgm:presLayoutVars>
+          <dgm:chMax val="0"/>
+          <dgm:chPref val="0"/>
+        </dgm:presLayoutVars>
+      </dgm:prSet>
+      <dgm:spPr/>
+    </dgm:pt>
+    <dgm:pt modelId="{74E15181-4A58-49D1-A2CC-AFB45527E8CA}" type="pres">
+      <dgm:prSet presAssocID="{1DA4966C-F13B-4A0D-88B1-5AC82D2D4FA8}" presName="ChildAccent" presStyleLbl="solidFgAcc1" presStyleIdx="0" presStyleCnt="3"/>
+      <dgm:spPr/>
+    </dgm:pt>
+    <dgm:pt modelId="{4A752C4B-1A56-4D65-A681-07E1B6577026}" type="pres">
+      <dgm:prSet presAssocID="{1DA4966C-F13B-4A0D-88B1-5AC82D2D4FA8}" presName="Child" presStyleLbl="revTx" presStyleIdx="1" presStyleCnt="5">
+        <dgm:presLayoutVars>
+          <dgm:chMax val="0"/>
+          <dgm:chPref val="0"/>
+          <dgm:bulletEnabled val="1"/>
+        </dgm:presLayoutVars>
+      </dgm:prSet>
+      <dgm:spPr/>
+    </dgm:pt>
+    <dgm:pt modelId="{F024B3C0-DCE2-4EEF-B2F8-15A3D3855C05}" type="pres">
+      <dgm:prSet presAssocID="{35C89879-34BD-406C-973F-7A0CF1DED770}" presName="childComposite" presStyleCnt="0">
+        <dgm:presLayoutVars>
+          <dgm:chMax val="0"/>
+          <dgm:chPref val="0"/>
+        </dgm:presLayoutVars>
+      </dgm:prSet>
+      <dgm:spPr/>
+    </dgm:pt>
+    <dgm:pt modelId="{61E555F7-9831-47EF-A584-6A532DB87D6B}" type="pres">
+      <dgm:prSet presAssocID="{35C89879-34BD-406C-973F-7A0CF1DED770}" presName="ChildAccent" presStyleLbl="solidFgAcc1" presStyleIdx="1" presStyleCnt="3"/>
+      <dgm:spPr/>
+    </dgm:pt>
+    <dgm:pt modelId="{E16E5ABC-3FBD-429A-A201-B8F1ECBA99D9}" type="pres">
+      <dgm:prSet presAssocID="{35C89879-34BD-406C-973F-7A0CF1DED770}" presName="Child" presStyleLbl="revTx" presStyleIdx="2" presStyleCnt="5">
+        <dgm:presLayoutVars>
+          <dgm:chMax val="0"/>
+          <dgm:chPref val="0"/>
+          <dgm:bulletEnabled val="1"/>
+        </dgm:presLayoutVars>
+      </dgm:prSet>
+      <dgm:spPr/>
+    </dgm:pt>
+    <dgm:pt modelId="{B320E697-2AFA-41F1-848A-7B80081377BA}" type="pres">
+      <dgm:prSet presAssocID="{D6F59474-5FD1-4966-9152-066E3C0D07A7}" presName="root" presStyleCnt="0">
+        <dgm:presLayoutVars>
+          <dgm:chMax/>
+          <dgm:chPref/>
+        </dgm:presLayoutVars>
+      </dgm:prSet>
+      <dgm:spPr/>
+    </dgm:pt>
+    <dgm:pt modelId="{F3598CFC-B07D-4BE1-8BB4-A9300ACA2E30}" type="pres">
+      <dgm:prSet presAssocID="{D6F59474-5FD1-4966-9152-066E3C0D07A7}" presName="rootComposite" presStyleCnt="0">
+        <dgm:presLayoutVars/>
+      </dgm:prSet>
+      <dgm:spPr/>
+    </dgm:pt>
+    <dgm:pt modelId="{4A05D2C6-BEF6-4208-A83F-A7C4023CF8E9}" type="pres">
+      <dgm:prSet presAssocID="{D6F59474-5FD1-4966-9152-066E3C0D07A7}" presName="ParentAccent" presStyleLbl="alignNode1" presStyleIdx="1" presStyleCnt="2"/>
+      <dgm:spPr/>
+    </dgm:pt>
+    <dgm:pt modelId="{7C6257CD-553E-402E-A5B9-A17E3A402332}" type="pres">
+      <dgm:prSet presAssocID="{D6F59474-5FD1-4966-9152-066E3C0D07A7}" presName="ParentSmallAccent" presStyleLbl="fgAcc1" presStyleIdx="1" presStyleCnt="2"/>
+      <dgm:spPr/>
+    </dgm:pt>
+    <dgm:pt modelId="{705F534C-854D-40C5-BBE0-7CA100E7CABE}" type="pres">
+      <dgm:prSet presAssocID="{D6F59474-5FD1-4966-9152-066E3C0D07A7}" presName="Parent" presStyleLbl="revTx" presStyleIdx="3" presStyleCnt="5">
+        <dgm:presLayoutVars>
+          <dgm:chMax/>
+          <dgm:chPref val="4"/>
+          <dgm:bulletEnabled val="1"/>
+        </dgm:presLayoutVars>
+      </dgm:prSet>
+      <dgm:spPr/>
+    </dgm:pt>
+    <dgm:pt modelId="{5F0148CD-B5D6-4D87-985B-1E65A42E1E6A}" type="pres">
+      <dgm:prSet presAssocID="{D6F59474-5FD1-4966-9152-066E3C0D07A7}" presName="childShape" presStyleCnt="0">
+        <dgm:presLayoutVars>
+          <dgm:chMax val="0"/>
+          <dgm:chPref val="0"/>
+        </dgm:presLayoutVars>
+      </dgm:prSet>
+      <dgm:spPr/>
+    </dgm:pt>
+    <dgm:pt modelId="{14D3F278-B150-43C0-81F8-D5C67E438282}" type="pres">
+      <dgm:prSet presAssocID="{B5885B2C-C1BF-40CE-8977-AB0F156D44F2}" presName="childComposite" presStyleCnt="0">
+        <dgm:presLayoutVars>
+          <dgm:chMax val="0"/>
+          <dgm:chPref val="0"/>
+        </dgm:presLayoutVars>
+      </dgm:prSet>
+      <dgm:spPr/>
+    </dgm:pt>
+    <dgm:pt modelId="{E8F82CD5-A45A-4CD1-9A65-975FD8454A26}" type="pres">
+      <dgm:prSet presAssocID="{B5885B2C-C1BF-40CE-8977-AB0F156D44F2}" presName="ChildAccent" presStyleLbl="solidFgAcc1" presStyleIdx="2" presStyleCnt="3"/>
+      <dgm:spPr/>
+    </dgm:pt>
+    <dgm:pt modelId="{F86AA98B-CE4E-4F33-8DEC-DA75EC48CF1F}" type="pres">
+      <dgm:prSet presAssocID="{B5885B2C-C1BF-40CE-8977-AB0F156D44F2}" presName="Child" presStyleLbl="revTx" presStyleIdx="4" presStyleCnt="5">
+        <dgm:presLayoutVars>
+          <dgm:chMax val="0"/>
+          <dgm:chPref val="0"/>
+          <dgm:bulletEnabled val="1"/>
+        </dgm:presLayoutVars>
+      </dgm:prSet>
+      <dgm:spPr/>
+    </dgm:pt>
+  </dgm:ptLst>
+  <dgm:cxnLst>
+    <dgm:cxn modelId="{D0F90863-C263-4CC0-AFF4-D1F0DE28F69B}" srcId="{A675CB21-25B1-470F-9363-EC8D9EB940B2}" destId="{1DA4966C-F13B-4A0D-88B1-5AC82D2D4FA8}" srcOrd="0" destOrd="0" parTransId="{2D0B4EF8-DFF1-4FE6-92ED-A2DBC1621C8A}" sibTransId="{5FE30A03-9866-4EB7-81EF-401C116A9B2C}"/>
+    <dgm:cxn modelId="{432139D3-428C-4894-83A9-A843D416F15C}" type="presOf" srcId="{A675CB21-25B1-470F-9363-EC8D9EB940B2}" destId="{24CA665B-6EC2-4E67-9529-79EAF68E5268}" srcOrd="0" destOrd="0" presId="urn:microsoft.com/office/officeart/2008/layout/SquareAccentList"/>
+    <dgm:cxn modelId="{9D89BC80-C675-4373-9A27-D0E1B63CC820}" srcId="{DCF83594-9398-41BD-95D9-277BAC29313B}" destId="{D6F59474-5FD1-4966-9152-066E3C0D07A7}" srcOrd="1" destOrd="0" parTransId="{4BA0CFCD-60B0-4F53-8318-3983F34E44BD}" sibTransId="{8B6D36C9-3573-4817-9251-AE4F65552EB5}"/>
+    <dgm:cxn modelId="{20437499-2502-404D-B8A8-89000861E828}" srcId="{D6F59474-5FD1-4966-9152-066E3C0D07A7}" destId="{B5885B2C-C1BF-40CE-8977-AB0F156D44F2}" srcOrd="0" destOrd="0" parTransId="{4BB76C81-4C1F-47C5-95A6-3B47CE77440E}" sibTransId="{A23A4D11-C39D-4F3B-9188-CEB8DA7D410E}"/>
+    <dgm:cxn modelId="{72F72D58-0BA4-49D8-9CD2-87264949934D}" srcId="{DCF83594-9398-41BD-95D9-277BAC29313B}" destId="{A675CB21-25B1-470F-9363-EC8D9EB940B2}" srcOrd="0" destOrd="0" parTransId="{CBBFD3A8-CDAC-475B-846E-54FB8E365AFC}" sibTransId="{E8ABEEC5-8E17-4779-BE10-A6A37E4C0608}"/>
+    <dgm:cxn modelId="{B007F32F-B990-40C5-8196-53729916696D}" srcId="{A675CB21-25B1-470F-9363-EC8D9EB940B2}" destId="{35C89879-34BD-406C-973F-7A0CF1DED770}" srcOrd="1" destOrd="0" parTransId="{E18302C6-194A-42F7-A450-903AFC2B7D17}" sibTransId="{54FA5D6F-07C7-4349-9637-AA5607AF9E74}"/>
+    <dgm:cxn modelId="{E04A2030-1271-4122-A69C-33AC87096CF0}" type="presOf" srcId="{35C89879-34BD-406C-973F-7A0CF1DED770}" destId="{E16E5ABC-3FBD-429A-A201-B8F1ECBA99D9}" srcOrd="0" destOrd="0" presId="urn:microsoft.com/office/officeart/2008/layout/SquareAccentList"/>
+    <dgm:cxn modelId="{AA661CC6-E5E4-47F3-8AD9-951C7AD1E456}" type="presOf" srcId="{B5885B2C-C1BF-40CE-8977-AB0F156D44F2}" destId="{F86AA98B-CE4E-4F33-8DEC-DA75EC48CF1F}" srcOrd="0" destOrd="0" presId="urn:microsoft.com/office/officeart/2008/layout/SquareAccentList"/>
+    <dgm:cxn modelId="{96523ED4-FC48-459B-8EB7-DEC2F67122D8}" type="presOf" srcId="{DCF83594-9398-41BD-95D9-277BAC29313B}" destId="{54A64351-DC15-4C4C-91E5-896653983FFB}" srcOrd="0" destOrd="0" presId="urn:microsoft.com/office/officeart/2008/layout/SquareAccentList"/>
+    <dgm:cxn modelId="{3B188223-FF25-4691-B3EB-DF4119BD9B43}" type="presOf" srcId="{D6F59474-5FD1-4966-9152-066E3C0D07A7}" destId="{705F534C-854D-40C5-BBE0-7CA100E7CABE}" srcOrd="0" destOrd="0" presId="urn:microsoft.com/office/officeart/2008/layout/SquareAccentList"/>
+    <dgm:cxn modelId="{CEA9E6D3-C6B0-4F7D-B142-FCA96627C5E1}" type="presOf" srcId="{1DA4966C-F13B-4A0D-88B1-5AC82D2D4FA8}" destId="{4A752C4B-1A56-4D65-A681-07E1B6577026}" srcOrd="0" destOrd="0" presId="urn:microsoft.com/office/officeart/2008/layout/SquareAccentList"/>
+    <dgm:cxn modelId="{AABAC9B5-029B-403A-845A-407BBC65F7FE}" type="presParOf" srcId="{54A64351-DC15-4C4C-91E5-896653983FFB}" destId="{284ED724-8102-44F6-8DC6-A002C086B65C}" srcOrd="0" destOrd="0" presId="urn:microsoft.com/office/officeart/2008/layout/SquareAccentList"/>
+    <dgm:cxn modelId="{8C9EF8B0-BC04-4AE6-BAD3-CE4ED30EED2D}" type="presParOf" srcId="{284ED724-8102-44F6-8DC6-A002C086B65C}" destId="{E88A40A5-C060-48F0-A0E3-D5103FDBC650}" srcOrd="0" destOrd="0" presId="urn:microsoft.com/office/officeart/2008/layout/SquareAccentList"/>
+    <dgm:cxn modelId="{FF296DA2-F4BF-4F0B-87D5-8434B273B2A2}" type="presParOf" srcId="{E88A40A5-C060-48F0-A0E3-D5103FDBC650}" destId="{AEF8DFBF-A6E7-4DDE-9A85-78EFD7F6059C}" srcOrd="0" destOrd="0" presId="urn:microsoft.com/office/officeart/2008/layout/SquareAccentList"/>
+    <dgm:cxn modelId="{45EFC09E-4D43-4246-9BAF-30C6A1775CD0}" type="presParOf" srcId="{E88A40A5-C060-48F0-A0E3-D5103FDBC650}" destId="{52559111-0F26-4DEE-80A5-9FF94269FD89}" srcOrd="1" destOrd="0" presId="urn:microsoft.com/office/officeart/2008/layout/SquareAccentList"/>
+    <dgm:cxn modelId="{5559745A-2ABA-4AEB-B996-59CD6707499F}" type="presParOf" srcId="{E88A40A5-C060-48F0-A0E3-D5103FDBC650}" destId="{24CA665B-6EC2-4E67-9529-79EAF68E5268}" srcOrd="2" destOrd="0" presId="urn:microsoft.com/office/officeart/2008/layout/SquareAccentList"/>
+    <dgm:cxn modelId="{60C4311A-06C1-46FE-8F6E-998272E85236}" type="presParOf" srcId="{284ED724-8102-44F6-8DC6-A002C086B65C}" destId="{768E9C88-FD4B-4FA8-AB9A-3863A055A33D}" srcOrd="1" destOrd="0" presId="urn:microsoft.com/office/officeart/2008/layout/SquareAccentList"/>
+    <dgm:cxn modelId="{79A4E9A3-6A4B-4E79-8338-637EE40502EA}" type="presParOf" srcId="{768E9C88-FD4B-4FA8-AB9A-3863A055A33D}" destId="{659F222D-FD8A-4F4A-A9D9-35E381A2755B}" srcOrd="0" destOrd="0" presId="urn:microsoft.com/office/officeart/2008/layout/SquareAccentList"/>
+    <dgm:cxn modelId="{34A58E54-F5F8-4E55-B6E9-D88A04750EC5}" type="presParOf" srcId="{659F222D-FD8A-4F4A-A9D9-35E381A2755B}" destId="{74E15181-4A58-49D1-A2CC-AFB45527E8CA}" srcOrd="0" destOrd="0" presId="urn:microsoft.com/office/officeart/2008/layout/SquareAccentList"/>
+    <dgm:cxn modelId="{390205E9-A0CE-4E7B-80A4-06763B7B3CF8}" type="presParOf" srcId="{659F222D-FD8A-4F4A-A9D9-35E381A2755B}" destId="{4A752C4B-1A56-4D65-A681-07E1B6577026}" srcOrd="1" destOrd="0" presId="urn:microsoft.com/office/officeart/2008/layout/SquareAccentList"/>
+    <dgm:cxn modelId="{1AF5CD53-0714-4960-8633-AA1019279883}" type="presParOf" srcId="{768E9C88-FD4B-4FA8-AB9A-3863A055A33D}" destId="{F024B3C0-DCE2-4EEF-B2F8-15A3D3855C05}" srcOrd="1" destOrd="0" presId="urn:microsoft.com/office/officeart/2008/layout/SquareAccentList"/>
+    <dgm:cxn modelId="{7C341DEB-DCA4-49C6-8BC1-6CA065AD5B04}" type="presParOf" srcId="{F024B3C0-DCE2-4EEF-B2F8-15A3D3855C05}" destId="{61E555F7-9831-47EF-A584-6A532DB87D6B}" srcOrd="0" destOrd="0" presId="urn:microsoft.com/office/officeart/2008/layout/SquareAccentList"/>
+    <dgm:cxn modelId="{0B316C13-B490-4B07-B0ED-C4B46DB50E4E}" type="presParOf" srcId="{F024B3C0-DCE2-4EEF-B2F8-15A3D3855C05}" destId="{E16E5ABC-3FBD-429A-A201-B8F1ECBA99D9}" srcOrd="1" destOrd="0" presId="urn:microsoft.com/office/officeart/2008/layout/SquareAccentList"/>
+    <dgm:cxn modelId="{45EAA7EF-A093-43F8-8454-3E9EDD50D559}" type="presParOf" srcId="{54A64351-DC15-4C4C-91E5-896653983FFB}" destId="{B320E697-2AFA-41F1-848A-7B80081377BA}" srcOrd="1" destOrd="0" presId="urn:microsoft.com/office/officeart/2008/layout/SquareAccentList"/>
+    <dgm:cxn modelId="{C69A4726-EFB5-4FE3-A28A-48E8981C18B3}" type="presParOf" srcId="{B320E697-2AFA-41F1-848A-7B80081377BA}" destId="{F3598CFC-B07D-4BE1-8BB4-A9300ACA2E30}" srcOrd="0" destOrd="0" presId="urn:microsoft.com/office/officeart/2008/layout/SquareAccentList"/>
+    <dgm:cxn modelId="{BDB3F9CB-9CCB-46FD-92D8-FE44DAFE18EE}" type="presParOf" srcId="{F3598CFC-B07D-4BE1-8BB4-A9300ACA2E30}" destId="{4A05D2C6-BEF6-4208-A83F-A7C4023CF8E9}" srcOrd="0" destOrd="0" presId="urn:microsoft.com/office/officeart/2008/layout/SquareAccentList"/>
+    <dgm:cxn modelId="{E70CEDAB-E946-41A7-8AA1-142FA69290C8}" type="presParOf" srcId="{F3598CFC-B07D-4BE1-8BB4-A9300ACA2E30}" destId="{7C6257CD-553E-402E-A5B9-A17E3A402332}" srcOrd="1" destOrd="0" presId="urn:microsoft.com/office/officeart/2008/layout/SquareAccentList"/>
+    <dgm:cxn modelId="{BEDBE20B-2896-4EFE-8AA3-9846A0297232}" type="presParOf" srcId="{F3598CFC-B07D-4BE1-8BB4-A9300ACA2E30}" destId="{705F534C-854D-40C5-BBE0-7CA100E7CABE}" srcOrd="2" destOrd="0" presId="urn:microsoft.com/office/officeart/2008/layout/SquareAccentList"/>
+    <dgm:cxn modelId="{A2DC1CA4-0E38-475D-A561-DD660EB443EF}" type="presParOf" srcId="{B320E697-2AFA-41F1-848A-7B80081377BA}" destId="{5F0148CD-B5D6-4D87-985B-1E65A42E1E6A}" srcOrd="1" destOrd="0" presId="urn:microsoft.com/office/officeart/2008/layout/SquareAccentList"/>
+    <dgm:cxn modelId="{96A06421-FCD4-40AD-A67C-6F4FE6B78C54}" type="presParOf" srcId="{5F0148CD-B5D6-4D87-985B-1E65A42E1E6A}" destId="{14D3F278-B150-43C0-81F8-D5C67E438282}" srcOrd="0" destOrd="0" presId="urn:microsoft.com/office/officeart/2008/layout/SquareAccentList"/>
+    <dgm:cxn modelId="{6B9F59BA-6E5E-4F0E-ADF9-47890EB66B71}" type="presParOf" srcId="{14D3F278-B150-43C0-81F8-D5C67E438282}" destId="{E8F82CD5-A45A-4CD1-9A65-975FD8454A26}" srcOrd="0" destOrd="0" presId="urn:microsoft.com/office/officeart/2008/layout/SquareAccentList"/>
+    <dgm:cxn modelId="{5AEFC01F-1572-418F-868B-7B70F06BA0FD}" type="presParOf" srcId="{14D3F278-B150-43C0-81F8-D5C67E438282}" destId="{F86AA98B-CE4E-4F33-8DEC-DA75EC48CF1F}" srcOrd="1" destOrd="0" presId="urn:microsoft.com/office/officeart/2008/layout/SquareAccentList"/>
+  </dgm:cxnLst>
+  <dgm:bg/>
+  <dgm:whole/>
+  <dgm:extLst>
+    <a:ext uri="http://schemas.microsoft.com/office/drawing/2008/diagram">
+      <dsp:dataModelExt xmlns:dsp="http://schemas.microsoft.com/office/drawing/2008/diagram" relId="rId6" minVer="http://schemas.openxmlformats.org/drawingml/2006/diagram"/>
+    </a:ext>
+  </dgm:extLst>
+</dgm:dataModel>
+</file>
+
+<file path=ppt/diagrams/drawing1.xml><?xml version="1.0" encoding="utf-8"?>
+<dsp:drawing xmlns:dgm="http://schemas.openxmlformats.org/drawingml/2006/diagram" xmlns:dsp="http://schemas.microsoft.com/office/drawing/2008/diagram" xmlns:a="http://schemas.openxmlformats.org/drawingml/2006/main">
+  <dsp:spTree>
+    <dsp:nvGrpSpPr>
+      <dsp:cNvPr id="0" name=""/>
+      <dsp:cNvGrpSpPr/>
+    </dsp:nvGrpSpPr>
+    <dsp:grpSpPr/>
+    <dsp:sp modelId="{AEF8DFBF-A6E7-4DDE-9A85-78EFD7F6059C}">
+      <dsp:nvSpPr>
+        <dsp:cNvPr id="0" name=""/>
+        <dsp:cNvSpPr/>
+      </dsp:nvSpPr>
+      <dsp:spPr>
+        <a:xfrm>
+          <a:off x="4919" y="1035950"/>
+          <a:ext cx="4901736" cy="576674"/>
+        </a:xfrm>
+        <a:prstGeom prst="rect">
+          <a:avLst/>
+        </a:prstGeom>
+        <a:solidFill>
+          <a:schemeClr val="accent1">
+            <a:hueOff val="0"/>
+            <a:satOff val="0"/>
+            <a:lumOff val="0"/>
+            <a:alphaOff val="0"/>
+          </a:schemeClr>
+        </a:solidFill>
+        <a:ln w="15875" cap="flat" cmpd="sng" algn="ctr">
+          <a:solidFill>
+            <a:schemeClr val="accent1">
+              <a:hueOff val="0"/>
+              <a:satOff val="0"/>
+              <a:lumOff val="0"/>
+              <a:alphaOff val="0"/>
+            </a:schemeClr>
+          </a:solidFill>
+          <a:prstDash val="solid"/>
+        </a:ln>
+        <a:effectLst/>
+      </dsp:spPr>
+      <dsp:style>
+        <a:lnRef idx="2">
+          <a:scrgbClr r="0" g="0" b="0"/>
+        </a:lnRef>
+        <a:fillRef idx="1">
+          <a:scrgbClr r="0" g="0" b="0"/>
+        </a:fillRef>
+        <a:effectRef idx="0">
+          <a:scrgbClr r="0" g="0" b="0"/>
+        </a:effectRef>
+        <a:fontRef idx="minor">
+          <a:schemeClr val="lt1"/>
+        </a:fontRef>
+      </dsp:style>
+    </dsp:sp>
+    <dsp:sp modelId="{52559111-0F26-4DEE-80A5-9FF94269FD89}">
+      <dsp:nvSpPr>
+        <dsp:cNvPr id="0" name=""/>
+        <dsp:cNvSpPr/>
+      </dsp:nvSpPr>
+      <dsp:spPr>
+        <a:xfrm>
+          <a:off x="4919" y="1252526"/>
+          <a:ext cx="360099" cy="360099"/>
+        </a:xfrm>
+        <a:prstGeom prst="rect">
+          <a:avLst/>
+        </a:prstGeom>
+        <a:solidFill>
+          <a:schemeClr val="lt1">
+            <a:alpha val="90000"/>
+            <a:hueOff val="0"/>
+            <a:satOff val="0"/>
+            <a:lumOff val="0"/>
+            <a:alphaOff val="0"/>
+          </a:schemeClr>
+        </a:solidFill>
+        <a:ln w="15875" cap="flat" cmpd="sng" algn="ctr">
+          <a:solidFill>
+            <a:schemeClr val="accent1">
+              <a:hueOff val="0"/>
+              <a:satOff val="0"/>
+              <a:lumOff val="0"/>
+              <a:alphaOff val="0"/>
+            </a:schemeClr>
+          </a:solidFill>
+          <a:prstDash val="solid"/>
+        </a:ln>
+        <a:effectLst/>
+      </dsp:spPr>
+      <dsp:style>
+        <a:lnRef idx="2">
+          <a:scrgbClr r="0" g="0" b="0"/>
+        </a:lnRef>
+        <a:fillRef idx="1">
+          <a:scrgbClr r="0" g="0" b="0"/>
+        </a:fillRef>
+        <a:effectRef idx="0">
+          <a:scrgbClr r="0" g="0" b="0"/>
+        </a:effectRef>
+        <a:fontRef idx="minor"/>
+      </dsp:style>
+    </dsp:sp>
+    <dsp:sp modelId="{24CA665B-6EC2-4E67-9529-79EAF68E5268}">
+      <dsp:nvSpPr>
+        <dsp:cNvPr id="0" name=""/>
+        <dsp:cNvSpPr/>
+      </dsp:nvSpPr>
+      <dsp:spPr>
+        <a:xfrm>
+          <a:off x="4919" y="0"/>
+          <a:ext cx="4901736" cy="1035950"/>
+        </a:xfrm>
+        <a:prstGeom prst="rect">
+          <a:avLst/>
+        </a:prstGeom>
+        <a:noFill/>
+        <a:ln>
+          <a:noFill/>
+        </a:ln>
+        <a:effectLst/>
+      </dsp:spPr>
+      <dsp:style>
+        <a:lnRef idx="0">
+          <a:scrgbClr r="0" g="0" b="0"/>
+        </a:lnRef>
+        <a:fillRef idx="0">
+          <a:scrgbClr r="0" g="0" b="0"/>
+        </a:fillRef>
+        <a:effectRef idx="0">
+          <a:scrgbClr r="0" g="0" b="0"/>
+        </a:effectRef>
+        <a:fontRef idx="minor"/>
+      </dsp:style>
+      <dsp:txBody>
+        <a:bodyPr spcFirstLastPara="0" vert="horz" wrap="square" lIns="78105" tIns="52070" rIns="78105" bIns="52070" numCol="1" spcCol="1270" anchor="ctr" anchorCtr="0">
+          <a:noAutofit/>
+        </a:bodyPr>
+        <a:lstStyle/>
+        <a:p>
+          <a:pPr marL="0" lvl="0" indent="0" algn="l" defTabSz="1822450">
+            <a:lnSpc>
+              <a:spcPct val="90000"/>
+            </a:lnSpc>
+            <a:spcBef>
+              <a:spcPct val="0"/>
+            </a:spcBef>
+            <a:spcAft>
+              <a:spcPct val="35000"/>
+            </a:spcAft>
+            <a:buNone/>
+          </a:pPr>
+          <a:r>
+            <a:rPr lang="ru-RU" sz="4100" kern="1200" dirty="0"/>
+            <a:t>Фабричный метод</a:t>
+          </a:r>
+          <a:endParaRPr lang="en-US" sz="4100" kern="1200" dirty="0"/>
+        </a:p>
+      </dsp:txBody>
+      <dsp:txXfrm>
+        <a:off x="4919" y="0"/>
+        <a:ext cx="4901736" cy="1035950"/>
+      </dsp:txXfrm>
+    </dsp:sp>
+    <dsp:sp modelId="{74E15181-4A58-49D1-A2CC-AFB45527E8CA}">
+      <dsp:nvSpPr>
+        <dsp:cNvPr id="0" name=""/>
+        <dsp:cNvSpPr/>
+      </dsp:nvSpPr>
+      <dsp:spPr>
+        <a:xfrm>
+          <a:off x="4919" y="2091906"/>
+          <a:ext cx="360090" cy="360090"/>
+        </a:xfrm>
+        <a:prstGeom prst="rect">
+          <a:avLst/>
+        </a:prstGeom>
+        <a:solidFill>
+          <a:schemeClr val="lt1">
+            <a:hueOff val="0"/>
+            <a:satOff val="0"/>
+            <a:lumOff val="0"/>
+            <a:alphaOff val="0"/>
+          </a:schemeClr>
+        </a:solidFill>
+        <a:ln w="15875" cap="flat" cmpd="sng" algn="ctr">
+          <a:solidFill>
+            <a:schemeClr val="accent1">
+              <a:hueOff val="0"/>
+              <a:satOff val="0"/>
+              <a:lumOff val="0"/>
+              <a:alphaOff val="0"/>
+            </a:schemeClr>
+          </a:solidFill>
+          <a:prstDash val="solid"/>
+        </a:ln>
+        <a:effectLst/>
+      </dsp:spPr>
+      <dsp:style>
+        <a:lnRef idx="2">
+          <a:scrgbClr r="0" g="0" b="0"/>
+        </a:lnRef>
+        <a:fillRef idx="1">
+          <a:scrgbClr r="0" g="0" b="0"/>
+        </a:fillRef>
+        <a:effectRef idx="0">
+          <a:scrgbClr r="0" g="0" b="0"/>
+        </a:effectRef>
+        <a:fontRef idx="minor"/>
+      </dsp:style>
+    </dsp:sp>
+    <dsp:sp modelId="{4A752C4B-1A56-4D65-A681-07E1B6577026}">
+      <dsp:nvSpPr>
+        <dsp:cNvPr id="0" name=""/>
+        <dsp:cNvSpPr/>
+      </dsp:nvSpPr>
+      <dsp:spPr>
+        <a:xfrm>
+          <a:off x="348041" y="1852266"/>
+          <a:ext cx="4558615" cy="839371"/>
+        </a:xfrm>
+        <a:prstGeom prst="rect">
+          <a:avLst/>
+        </a:prstGeom>
+        <a:noFill/>
+        <a:ln>
+          <a:noFill/>
+        </a:ln>
+        <a:effectLst/>
+      </dsp:spPr>
+      <dsp:style>
+        <a:lnRef idx="0">
+          <a:scrgbClr r="0" g="0" b="0"/>
+        </a:lnRef>
+        <a:fillRef idx="0">
+          <a:scrgbClr r="0" g="0" b="0"/>
+        </a:fillRef>
+        <a:effectRef idx="0">
+          <a:scrgbClr r="0" g="0" b="0"/>
+        </a:effectRef>
+        <a:fontRef idx="minor"/>
+      </dsp:style>
+      <dsp:txBody>
+        <a:bodyPr spcFirstLastPara="0" vert="horz" wrap="square" lIns="206248" tIns="206248" rIns="206248" bIns="206248" numCol="1" spcCol="1270" anchor="ctr" anchorCtr="0">
+          <a:noAutofit/>
+        </a:bodyPr>
+        <a:lstStyle/>
+        <a:p>
+          <a:pPr marL="0" lvl="0" indent="0" algn="l" defTabSz="1289050">
+            <a:lnSpc>
+              <a:spcPct val="90000"/>
+            </a:lnSpc>
+            <a:spcBef>
+              <a:spcPct val="0"/>
+            </a:spcBef>
+            <a:spcAft>
+              <a:spcPct val="35000"/>
+            </a:spcAft>
+            <a:buNone/>
+          </a:pPr>
+          <a:r>
+            <a:rPr lang="en-US" sz="2900" kern="1200" dirty="0" err="1"/>
+            <a:t>CSharpSyntaxTree</a:t>
+          </a:r>
+          <a:endParaRPr lang="en-US" sz="2900" kern="1200" dirty="0"/>
+        </a:p>
+      </dsp:txBody>
+      <dsp:txXfrm>
+        <a:off x="348041" y="1852266"/>
+        <a:ext cx="4558615" cy="839371"/>
+      </dsp:txXfrm>
+    </dsp:sp>
+    <dsp:sp modelId="{61E555F7-9831-47EF-A584-6A532DB87D6B}">
+      <dsp:nvSpPr>
+        <dsp:cNvPr id="0" name=""/>
+        <dsp:cNvSpPr/>
+      </dsp:nvSpPr>
+      <dsp:spPr>
+        <a:xfrm>
+          <a:off x="4919" y="2931278"/>
+          <a:ext cx="360090" cy="360090"/>
+        </a:xfrm>
+        <a:prstGeom prst="rect">
+          <a:avLst/>
+        </a:prstGeom>
+        <a:solidFill>
+          <a:schemeClr val="lt1">
+            <a:hueOff val="0"/>
+            <a:satOff val="0"/>
+            <a:lumOff val="0"/>
+            <a:alphaOff val="0"/>
+          </a:schemeClr>
+        </a:solidFill>
+        <a:ln w="15875" cap="flat" cmpd="sng" algn="ctr">
+          <a:solidFill>
+            <a:schemeClr val="accent1">
+              <a:hueOff val="0"/>
+              <a:satOff val="0"/>
+              <a:lumOff val="0"/>
+              <a:alphaOff val="0"/>
+            </a:schemeClr>
+          </a:solidFill>
+          <a:prstDash val="solid"/>
+        </a:ln>
+        <a:effectLst/>
+      </dsp:spPr>
+      <dsp:style>
+        <a:lnRef idx="2">
+          <a:scrgbClr r="0" g="0" b="0"/>
+        </a:lnRef>
+        <a:fillRef idx="1">
+          <a:scrgbClr r="0" g="0" b="0"/>
+        </a:fillRef>
+        <a:effectRef idx="0">
+          <a:scrgbClr r="0" g="0" b="0"/>
+        </a:effectRef>
+        <a:fontRef idx="minor"/>
+      </dsp:style>
+    </dsp:sp>
+    <dsp:sp modelId="{E16E5ABC-3FBD-429A-A201-B8F1ECBA99D9}">
+      <dsp:nvSpPr>
+        <dsp:cNvPr id="0" name=""/>
+        <dsp:cNvSpPr/>
+      </dsp:nvSpPr>
+      <dsp:spPr>
+        <a:xfrm>
+          <a:off x="348041" y="2691637"/>
+          <a:ext cx="4558615" cy="839371"/>
+        </a:xfrm>
+        <a:prstGeom prst="rect">
+          <a:avLst/>
+        </a:prstGeom>
+        <a:noFill/>
+        <a:ln>
+          <a:noFill/>
+        </a:ln>
+        <a:effectLst/>
+      </dsp:spPr>
+      <dsp:style>
+        <a:lnRef idx="0">
+          <a:scrgbClr r="0" g="0" b="0"/>
+        </a:lnRef>
+        <a:fillRef idx="0">
+          <a:scrgbClr r="0" g="0" b="0"/>
+        </a:fillRef>
+        <a:effectRef idx="0">
+          <a:scrgbClr r="0" g="0" b="0"/>
+        </a:effectRef>
+        <a:fontRef idx="minor"/>
+      </dsp:style>
+      <dsp:txBody>
+        <a:bodyPr spcFirstLastPara="0" vert="horz" wrap="square" lIns="206248" tIns="206248" rIns="206248" bIns="206248" numCol="1" spcCol="1270" anchor="ctr" anchorCtr="0">
+          <a:noAutofit/>
+        </a:bodyPr>
+        <a:lstStyle/>
+        <a:p>
+          <a:pPr marL="0" lvl="0" indent="0" algn="l" defTabSz="1289050">
+            <a:lnSpc>
+              <a:spcPct val="90000"/>
+            </a:lnSpc>
+            <a:spcBef>
+              <a:spcPct val="0"/>
+            </a:spcBef>
+            <a:spcAft>
+              <a:spcPct val="35000"/>
+            </a:spcAft>
+            <a:buNone/>
+          </a:pPr>
+          <a:r>
+            <a:rPr lang="en-US" sz="2900" kern="1200" dirty="0" err="1"/>
+            <a:t>CSharpCompilation</a:t>
+          </a:r>
+          <a:endParaRPr lang="en-US" sz="2900" kern="1200" dirty="0"/>
+        </a:p>
+      </dsp:txBody>
+      <dsp:txXfrm>
+        <a:off x="348041" y="2691637"/>
+        <a:ext cx="4558615" cy="839371"/>
+      </dsp:txXfrm>
+    </dsp:sp>
+    <dsp:sp modelId="{4A05D2C6-BEF6-4208-A83F-A7C4023CF8E9}">
+      <dsp:nvSpPr>
+        <dsp:cNvPr id="0" name=""/>
+        <dsp:cNvSpPr/>
+      </dsp:nvSpPr>
+      <dsp:spPr>
+        <a:xfrm>
+          <a:off x="5151743" y="1035950"/>
+          <a:ext cx="4901736" cy="576674"/>
+        </a:xfrm>
+        <a:prstGeom prst="rect">
+          <a:avLst/>
+        </a:prstGeom>
+        <a:solidFill>
+          <a:schemeClr val="accent1">
+            <a:hueOff val="0"/>
+            <a:satOff val="0"/>
+            <a:lumOff val="0"/>
+            <a:alphaOff val="0"/>
+          </a:schemeClr>
+        </a:solidFill>
+        <a:ln w="15875" cap="flat" cmpd="sng" algn="ctr">
+          <a:solidFill>
+            <a:schemeClr val="accent1">
+              <a:hueOff val="0"/>
+              <a:satOff val="0"/>
+              <a:lumOff val="0"/>
+              <a:alphaOff val="0"/>
+            </a:schemeClr>
+          </a:solidFill>
+          <a:prstDash val="solid"/>
+        </a:ln>
+        <a:effectLst/>
+      </dsp:spPr>
+      <dsp:style>
+        <a:lnRef idx="2">
+          <a:scrgbClr r="0" g="0" b="0"/>
+        </a:lnRef>
+        <a:fillRef idx="1">
+          <a:scrgbClr r="0" g="0" b="0"/>
+        </a:fillRef>
+        <a:effectRef idx="0">
+          <a:scrgbClr r="0" g="0" b="0"/>
+        </a:effectRef>
+        <a:fontRef idx="minor">
+          <a:schemeClr val="lt1"/>
+        </a:fontRef>
+      </dsp:style>
+    </dsp:sp>
+    <dsp:sp modelId="{7C6257CD-553E-402E-A5B9-A17E3A402332}">
+      <dsp:nvSpPr>
+        <dsp:cNvPr id="0" name=""/>
+        <dsp:cNvSpPr/>
+      </dsp:nvSpPr>
+      <dsp:spPr>
+        <a:xfrm>
+          <a:off x="5151743" y="1252526"/>
+          <a:ext cx="360099" cy="360099"/>
+        </a:xfrm>
+        <a:prstGeom prst="rect">
+          <a:avLst/>
+        </a:prstGeom>
+        <a:solidFill>
+          <a:schemeClr val="lt1">
+            <a:alpha val="90000"/>
+            <a:hueOff val="0"/>
+            <a:satOff val="0"/>
+            <a:lumOff val="0"/>
+            <a:alphaOff val="0"/>
+          </a:schemeClr>
+        </a:solidFill>
+        <a:ln w="15875" cap="flat" cmpd="sng" algn="ctr">
+          <a:solidFill>
+            <a:schemeClr val="accent1">
+              <a:hueOff val="0"/>
+              <a:satOff val="0"/>
+              <a:lumOff val="0"/>
+              <a:alphaOff val="0"/>
+            </a:schemeClr>
+          </a:solidFill>
+          <a:prstDash val="solid"/>
+        </a:ln>
+        <a:effectLst/>
+      </dsp:spPr>
+      <dsp:style>
+        <a:lnRef idx="2">
+          <a:scrgbClr r="0" g="0" b="0"/>
+        </a:lnRef>
+        <a:fillRef idx="1">
+          <a:scrgbClr r="0" g="0" b="0"/>
+        </a:fillRef>
+        <a:effectRef idx="0">
+          <a:scrgbClr r="0" g="0" b="0"/>
+        </a:effectRef>
+        <a:fontRef idx="minor"/>
+      </dsp:style>
+    </dsp:sp>
+    <dsp:sp modelId="{705F534C-854D-40C5-BBE0-7CA100E7CABE}">
+      <dsp:nvSpPr>
+        <dsp:cNvPr id="0" name=""/>
+        <dsp:cNvSpPr/>
+      </dsp:nvSpPr>
+      <dsp:spPr>
+        <a:xfrm>
+          <a:off x="5151743" y="0"/>
+          <a:ext cx="4901736" cy="1035950"/>
+        </a:xfrm>
+        <a:prstGeom prst="rect">
+          <a:avLst/>
+        </a:prstGeom>
+        <a:noFill/>
+        <a:ln>
+          <a:noFill/>
+        </a:ln>
+        <a:effectLst/>
+      </dsp:spPr>
+      <dsp:style>
+        <a:lnRef idx="0">
+          <a:scrgbClr r="0" g="0" b="0"/>
+        </a:lnRef>
+        <a:fillRef idx="0">
+          <a:scrgbClr r="0" g="0" b="0"/>
+        </a:fillRef>
+        <a:effectRef idx="0">
+          <a:scrgbClr r="0" g="0" b="0"/>
+        </a:effectRef>
+        <a:fontRef idx="minor"/>
+      </dsp:style>
+      <dsp:txBody>
+        <a:bodyPr spcFirstLastPara="0" vert="horz" wrap="square" lIns="78105" tIns="52070" rIns="78105" bIns="52070" numCol="1" spcCol="1270" anchor="ctr" anchorCtr="0">
+          <a:noAutofit/>
+        </a:bodyPr>
+        <a:lstStyle/>
+        <a:p>
+          <a:pPr marL="0" lvl="0" indent="0" algn="l" defTabSz="1822450">
+            <a:lnSpc>
+              <a:spcPct val="90000"/>
+            </a:lnSpc>
+            <a:spcBef>
+              <a:spcPct val="0"/>
+            </a:spcBef>
+            <a:spcAft>
+              <a:spcPct val="35000"/>
+            </a:spcAft>
+            <a:buNone/>
+          </a:pPr>
+          <a:r>
+            <a:rPr lang="ru-RU" sz="4100" kern="1200" dirty="0"/>
+            <a:t>Статическая фабрика</a:t>
+          </a:r>
+          <a:endParaRPr lang="en-US" sz="4100" kern="1200" dirty="0"/>
+        </a:p>
+      </dsp:txBody>
+      <dsp:txXfrm>
+        <a:off x="5151743" y="0"/>
+        <a:ext cx="4901736" cy="1035950"/>
+      </dsp:txXfrm>
+    </dsp:sp>
+    <dsp:sp modelId="{E8F82CD5-A45A-4CD1-9A65-975FD8454A26}">
+      <dsp:nvSpPr>
+        <dsp:cNvPr id="0" name=""/>
+        <dsp:cNvSpPr/>
+      </dsp:nvSpPr>
+      <dsp:spPr>
+        <a:xfrm>
+          <a:off x="5151743" y="2091906"/>
+          <a:ext cx="360090" cy="360090"/>
+        </a:xfrm>
+        <a:prstGeom prst="rect">
+          <a:avLst/>
+        </a:prstGeom>
+        <a:solidFill>
+          <a:schemeClr val="lt1">
+            <a:hueOff val="0"/>
+            <a:satOff val="0"/>
+            <a:lumOff val="0"/>
+            <a:alphaOff val="0"/>
+          </a:schemeClr>
+        </a:solidFill>
+        <a:ln w="15875" cap="flat" cmpd="sng" algn="ctr">
+          <a:solidFill>
+            <a:schemeClr val="accent1">
+              <a:hueOff val="0"/>
+              <a:satOff val="0"/>
+              <a:lumOff val="0"/>
+              <a:alphaOff val="0"/>
+            </a:schemeClr>
+          </a:solidFill>
+          <a:prstDash val="solid"/>
+        </a:ln>
+        <a:effectLst/>
+      </dsp:spPr>
+      <dsp:style>
+        <a:lnRef idx="2">
+          <a:scrgbClr r="0" g="0" b="0"/>
+        </a:lnRef>
+        <a:fillRef idx="1">
+          <a:scrgbClr r="0" g="0" b="0"/>
+        </a:fillRef>
+        <a:effectRef idx="0">
+          <a:scrgbClr r="0" g="0" b="0"/>
+        </a:effectRef>
+        <a:fontRef idx="minor"/>
+      </dsp:style>
+    </dsp:sp>
+    <dsp:sp modelId="{F86AA98B-CE4E-4F33-8DEC-DA75EC48CF1F}">
+      <dsp:nvSpPr>
+        <dsp:cNvPr id="0" name=""/>
+        <dsp:cNvSpPr/>
+      </dsp:nvSpPr>
+      <dsp:spPr>
+        <a:xfrm>
+          <a:off x="5494864" y="1852266"/>
+          <a:ext cx="4558615" cy="839371"/>
+        </a:xfrm>
+        <a:prstGeom prst="rect">
+          <a:avLst/>
+        </a:prstGeom>
+        <a:noFill/>
+        <a:ln>
+          <a:noFill/>
+        </a:ln>
+        <a:effectLst/>
+      </dsp:spPr>
+      <dsp:style>
+        <a:lnRef idx="0">
+          <a:scrgbClr r="0" g="0" b="0"/>
+        </a:lnRef>
+        <a:fillRef idx="0">
+          <a:scrgbClr r="0" g="0" b="0"/>
+        </a:fillRef>
+        <a:effectRef idx="0">
+          <a:scrgbClr r="0" g="0" b="0"/>
+        </a:effectRef>
+        <a:fontRef idx="minor"/>
+      </dsp:style>
+      <dsp:txBody>
+        <a:bodyPr spcFirstLastPara="0" vert="horz" wrap="square" lIns="206248" tIns="206248" rIns="206248" bIns="206248" numCol="1" spcCol="1270" anchor="ctr" anchorCtr="0">
+          <a:noAutofit/>
+        </a:bodyPr>
+        <a:lstStyle/>
+        <a:p>
+          <a:pPr marL="0" lvl="0" indent="0" algn="l" defTabSz="1289050">
+            <a:lnSpc>
+              <a:spcPct val="90000"/>
+            </a:lnSpc>
+            <a:spcBef>
+              <a:spcPct val="0"/>
+            </a:spcBef>
+            <a:spcAft>
+              <a:spcPct val="35000"/>
+            </a:spcAft>
+            <a:buNone/>
+          </a:pPr>
+          <a:r>
+            <a:rPr lang="en-US" sz="2900" kern="1200" dirty="0" err="1"/>
+            <a:t>SyntaxFactory</a:t>
+          </a:r>
+          <a:endParaRPr lang="en-US" sz="2900" kern="1200" dirty="0"/>
+        </a:p>
+      </dsp:txBody>
+      <dsp:txXfrm>
+        <a:off x="5494864" y="1852266"/>
+        <a:ext cx="4558615" cy="839371"/>
+      </dsp:txXfrm>
+    </dsp:sp>
+  </dsp:spTree>
+</dsp:drawing>
+</file>
+
+<file path=ppt/diagrams/layout1.xml><?xml version="1.0" encoding="utf-8"?>
+<dgm:layoutDef xmlns:dgm="http://schemas.openxmlformats.org/drawingml/2006/diagram" xmlns:a="http://schemas.openxmlformats.org/drawingml/2006/main" uniqueId="urn:microsoft.com/office/officeart/2008/layout/SquareAccentList">
+  <dgm:title val=""/>
+  <dgm:desc val=""/>
+  <dgm:catLst>
+    <dgm:cat type="list" pri="5500"/>
+  </dgm:catLst>
+  <dgm:sampData>
+    <dgm:dataModel>
+      <dgm:ptLst>
+        <dgm:pt modelId="0" type="doc"/>
+        <dgm:pt modelId="10">
+          <dgm:prSet phldr="1"/>
+        </dgm:pt>
+        <dgm:pt modelId="11">
+          <dgm:prSet phldr="1"/>
+        </dgm:pt>
+        <dgm:pt modelId="12">
+          <dgm:prSet phldr="1"/>
+        </dgm:pt>
+        <dgm:pt modelId="13">
+          <dgm:prSet phldr="1"/>
+        </dgm:pt>
+        <dgm:pt modelId="20">
+          <dgm:prSet phldr="1"/>
+        </dgm:pt>
+        <dgm:pt modelId="21">
+          <dgm:prSet phldr="1"/>
+        </dgm:pt>
+        <dgm:pt modelId="22">
+          <dgm:prSet phldr="1"/>
+        </dgm:pt>
+        <dgm:pt modelId="23">
+          <dgm:prSet phldr="1"/>
+        </dgm:pt>
+      </dgm:ptLst>
+      <dgm:cxnLst>
+        <dgm:cxn modelId="1" srcId="0" destId="10" srcOrd="0" destOrd="0"/>
+        <dgm:cxn modelId="2" srcId="10" destId="11" srcOrd="0" destOrd="0"/>
+        <dgm:cxn modelId="3" srcId="10" destId="12" srcOrd="1" destOrd="0"/>
+        <dgm:cxn modelId="4" srcId="10" destId="13" srcOrd="2" destOrd="0"/>
+        <dgm:cxn modelId="5" srcId="0" destId="20" srcOrd="0" destOrd="0"/>
+        <dgm:cxn modelId="6" srcId="20" destId="21" srcOrd="0" destOrd="0"/>
+        <dgm:cxn modelId="7" srcId="20" destId="22" srcOrd="1" destOrd="0"/>
+        <dgm:cxn modelId="8" srcId="20" destId="23" srcOrd="2" destOrd="0"/>
+      </dgm:cxnLst>
+      <dgm:bg/>
+      <dgm:whole/>
+    </dgm:dataModel>
+  </dgm:sampData>
+  <dgm:styleData>
+    <dgm:dataModel>
+      <dgm:ptLst>
+        <dgm:pt modelId="0" type="doc"/>
+        <dgm:pt modelId="10">
+          <dgm:prSet phldr="1"/>
+        </dgm:pt>
+        <dgm:pt modelId="11">
+          <dgm:prSet phldr="1"/>
+        </dgm:pt>
+        <dgm:pt modelId="12">
+          <dgm:prSet phldr="1"/>
+        </dgm:pt>
+        <dgm:pt modelId="13">
+          <dgm:prSet phldr="1"/>
+        </dgm:pt>
+        <dgm:pt modelId="20">
+          <dgm:prSet phldr="1"/>
+        </dgm:pt>
+        <dgm:pt modelId="21">
+          <dgm:prSet phldr="1"/>
+        </dgm:pt>
+        <dgm:pt modelId="22">
+          <dgm:prSet phldr="1"/>
+        </dgm:pt>
+        <dgm:pt modelId="23">
+          <dgm:prSet phldr="1"/>
+        </dgm:pt>
+      </dgm:ptLst>
+      <dgm:cxnLst>
+        <dgm:cxn modelId="1" srcId="0" destId="10" srcOrd="0" destOrd="0"/>
+        <dgm:cxn modelId="2" srcId="10" destId="11" srcOrd="0" destOrd="0"/>
+        <dgm:cxn modelId="3" srcId="10" destId="12" srcOrd="1" destOrd="0"/>
+        <dgm:cxn modelId="4" srcId="10" destId="13" srcOrd="2" destOrd="0"/>
+        <dgm:cxn modelId="5" srcId="0" destId="20" srcOrd="0" destOrd="0"/>
+        <dgm:cxn modelId="6" srcId="20" destId="21" srcOrd="0" destOrd="0"/>
+        <dgm:cxn modelId="7" srcId="20" destId="22" srcOrd="1" destOrd="0"/>
+        <dgm:cxn modelId="8" srcId="20" destId="23" srcOrd="2" destOrd="0"/>
+      </dgm:cxnLst>
+      <dgm:bg/>
+      <dgm:whole/>
+    </dgm:dataModel>
+  </dgm:styleData>
+  <dgm:clrData>
+    <dgm:dataModel>
+      <dgm:ptLst>
+        <dgm:pt modelId="0" type="doc"/>
+        <dgm:pt modelId="10">
+          <dgm:prSet phldr="1"/>
+        </dgm:pt>
+        <dgm:pt modelId="11">
+          <dgm:prSet phldr="1"/>
+        </dgm:pt>
+        <dgm:pt modelId="12">
+          <dgm:prSet phldr="1"/>
+        </dgm:pt>
+        <dgm:pt modelId="13">
+          <dgm:prSet phldr="1"/>
+        </dgm:pt>
+        <dgm:pt modelId="20">
+          <dgm:prSet phldr="1"/>
+        </dgm:pt>
+        <dgm:pt modelId="21">
+          <dgm:prSet phldr="1"/>
+        </dgm:pt>
+        <dgm:pt modelId="22">
+          <dgm:prSet phldr="1"/>
+        </dgm:pt>
+        <dgm:pt modelId="23">
+          <dgm:prSet phldr="1"/>
+        </dgm:pt>
+      </dgm:ptLst>
+      <dgm:cxnLst>
+        <dgm:cxn modelId="1" srcId="0" destId="10" srcOrd="0" destOrd="0"/>
+        <dgm:cxn modelId="2" srcId="10" destId="11" srcOrd="0" destOrd="0"/>
+        <dgm:cxn modelId="3" srcId="10" destId="12" srcOrd="1" destOrd="0"/>
+        <dgm:cxn modelId="4" srcId="10" destId="13" srcOrd="2" destOrd="0"/>
+        <dgm:cxn modelId="5" srcId="0" destId="20" srcOrd="0" destOrd="0"/>
+        <dgm:cxn modelId="6" srcId="20" destId="21" srcOrd="0" destOrd="0"/>
+        <dgm:cxn modelId="7" srcId="20" destId="22" srcOrd="1" destOrd="0"/>
+        <dgm:cxn modelId="8" srcId="20" destId="23" srcOrd="2" destOrd="0"/>
+      </dgm:cxnLst>
+      <dgm:bg/>
+      <dgm:whole/>
+    </dgm:dataModel>
+  </dgm:clrData>
+  <dgm:layoutNode name="layout">
+    <dgm:varLst>
+      <dgm:chMax/>
+      <dgm:chPref/>
+      <dgm:dir/>
+      <dgm:resizeHandles/>
+    </dgm:varLst>
+    <dgm:choose name="Name0">
+      <dgm:if name="Name1" func="var" arg="dir" op="equ" val="norm">
+        <dgm:alg type="hierChild">
+          <dgm:param type="linDir" val="fromL"/>
+          <dgm:param type="vertAlign" val="t"/>
+          <dgm:param type="nodeVertAlign" val="t"/>
+          <dgm:param type="horzAlign" val="ctr"/>
+          <dgm:param type="fallback" val="1D"/>
+        </dgm:alg>
+      </dgm:if>
+      <dgm:else name="Name2">
+        <dgm:alg type="hierChild">
+          <dgm:param type="linDir" val="fromR"/>
+          <dgm:param type="vertAlign" val="t"/>
+          <dgm:param type="nodeVertAlign" val="t"/>
+          <dgm:param type="horzAlign" val="ctr"/>
+          <dgm:param type="fallback" val="1D"/>
+        </dgm:alg>
+      </dgm:else>
+    </dgm:choose>
+    <dgm:shape xmlns:r="http://schemas.openxmlformats.org/officeDocument/2006/relationships" r:blip="">
+      <dgm:adjLst/>
+    </dgm:shape>
+    <dgm:presOf/>
+    <dgm:constrLst>
+      <dgm:constr type="primFontSz" for="des" forName="Parent" op="equ" val="65"/>
+      <dgm:constr type="primFontSz" for="des" forName="Child" op="equ" val="65"/>
+      <dgm:constr type="primFontSz" for="des" forName="Child" refType="primFontSz" refFor="des" refForName="Parent" op="lte"/>
+      <dgm:constr type="w" for="des" forName="rootComposite" refType="h" refFor="des" refForName="rootComposite" fact="3.0396"/>
+      <dgm:constr type="h" for="des" forName="rootComposite" refType="h"/>
+      <dgm:constr type="w" for="des" forName="childComposite" refType="w" refFor="des" refForName="rootComposite"/>
+      <dgm:constr type="h" for="des" forName="childComposite" refType="h" refFor="des" refForName="rootComposite" fact="0.5205"/>
+      <dgm:constr type="sibSp" refType="w" refFor="des" refForName="rootComposite" fact="0.05"/>
+      <dgm:constr type="sp" for="des" forName="root" refType="h" refFor="des" refForName="childComposite" fact="0.2855"/>
+    </dgm:constrLst>
+    <dgm:ruleLst/>
+    <dgm:forEach name="Name3" axis="ch">
+      <dgm:forEach name="Name4" axis="self" ptType="node" cnt="1">
+        <dgm:layoutNode name="root">
+          <dgm:varLst>
+            <dgm:chMax/>
+            <dgm:chPref/>
+          </dgm:varLst>
+          <dgm:alg type="hierRoot">
+            <dgm:param type="hierAlign" val="tL"/>
+          </dgm:alg>
+          <dgm:shape xmlns:r="http://schemas.openxmlformats.org/officeDocument/2006/relationships" r:blip="">
+            <dgm:adjLst/>
+          </dgm:shape>
+          <dgm:presOf/>
+          <dgm:constrLst/>
+          <dgm:ruleLst/>
+          <dgm:layoutNode name="rootComposite">
+            <dgm:varLst/>
+            <dgm:alg type="composite"/>
+            <dgm:shape xmlns:r="http://schemas.openxmlformats.org/officeDocument/2006/relationships" r:blip="">
+              <dgm:adjLst/>
+            </dgm:shape>
+            <dgm:presOf axis="self" ptType="node" cnt="1"/>
+            <dgm:choose name="Name5">
+              <dgm:if name="Name6" func="var" arg="dir" op="equ" val="norm">
+                <dgm:constrLst>
+                  <dgm:constr type="l" for="ch" forName="Parent" refType="w" fact="0"/>
+                  <dgm:constr type="t" for="ch" forName="Parent" refType="h" fact="0"/>
+                  <dgm:constr type="w" for="ch" forName="Parent" refType="w"/>
+                  <dgm:constr type="h" for="ch" forName="Parent" refType="h" fact="0.6424"/>
+                  <dgm:constr type="l" for="ch" forName="ParentAccent" refType="w" fact="0"/>
+                  <dgm:constr type="b" for="ch" forName="ParentAccent" refType="h"/>
+                  <dgm:constr type="w" for="ch" forName="ParentAccent" refType="w"/>
+                  <dgm:constr type="h" for="ch" forName="ParentAccent" refType="h" fact="0.3576"/>
+                  <dgm:constr type="l" for="ch" forName="ParentSmallAccent" refType="w" fact="0"/>
+                  <dgm:constr type="b" for="ch" forName="ParentSmallAccent" refType="h"/>
+                  <dgm:constr type="w" for="ch" forName="ParentSmallAccent" refType="h" fact="0.2233"/>
+                  <dgm:constr type="h" for="ch" forName="ParentSmallAccent" refType="h" fact="0.2233"/>
+                </dgm:constrLst>
+              </dgm:if>
+              <dgm:else name="Name7">
+                <dgm:constrLst>
+                  <dgm:constr type="l" for="ch" forName="Parent" refType="w" fact="0"/>
+                  <dgm:constr type="t" for="ch" forName="Parent" refType="h" fact="0"/>
+                  <dgm:constr type="w" for="ch" forName="Parent" refType="w"/>
+                  <dgm:constr type="h" for="ch" forName="Parent" refType="h" fact="0.6424"/>
+                  <dgm:constr type="l" for="ch" forName="ParentAccent" refType="w" fact="0"/>
+                  <dgm:constr type="b" for="ch" forName="ParentAccent" refType="h"/>
+                  <dgm:constr type="w" for="ch" forName="ParentAccent" refType="w"/>
+                  <dgm:constr type="h" for="ch" forName="ParentAccent" refType="h" fact="0.3576"/>
+                  <dgm:constr type="r" for="ch" forName="ParentSmallAccent" refType="w"/>
+                  <dgm:constr type="b" for="ch" forName="ParentSmallAccent" refType="h"/>
+                  <dgm:constr type="w" for="ch" forName="ParentSmallAccent" refType="h" fact="0.2233"/>
+                  <dgm:constr type="h" for="ch" forName="ParentSmallAccent" refType="h" fact="0.2233"/>
+                </dgm:constrLst>
+              </dgm:else>
+            </dgm:choose>
+            <dgm:ruleLst/>
+            <dgm:layoutNode name="ParentAccent" styleLbl="alignNode1">
+              <dgm:alg type="sp"/>
+              <dgm:shape xmlns:r="http://schemas.openxmlformats.org/officeDocument/2006/relationships" type="rect" r:blip="">
+                <dgm:adjLst/>
+              </dgm:shape>
+              <dgm:presOf/>
+            </dgm:layoutNode>
+            <dgm:layoutNode name="ParentSmallAccent" styleLbl="fgAcc1">
+              <dgm:alg type="sp"/>
+              <dgm:shape xmlns:r="http://schemas.openxmlformats.org/officeDocument/2006/relationships" type="rect" r:blip="">
+                <dgm:adjLst/>
+              </dgm:shape>
+              <dgm:presOf/>
+            </dgm:layoutNode>
+            <dgm:layoutNode name="Parent" styleLbl="revTx">
+              <dgm:varLst>
+                <dgm:chMax/>
+                <dgm:chPref val="4"/>
+                <dgm:bulletEnabled val="1"/>
+              </dgm:varLst>
+              <dgm:choose name="Name8">
+                <dgm:if name="Name9" func="var" arg="dir" op="equ" val="norm">
+                  <dgm:alg type="tx">
+                    <dgm:param type="txAnchorVertCh" val="mid"/>
+                    <dgm:param type="parTxLTRAlign" val="l"/>
+                  </dgm:alg>
+                </dgm:if>
+                <dgm:else name="Name10">
+                  <dgm:alg type="tx">
+                    <dgm:param type="txAnchorVertCh" val="mid"/>
+                    <dgm:param type="parTxLTRAlign" val="r"/>
+                  </dgm:alg>
+                </dgm:else>
+              </dgm:choose>
+              <dgm:shape xmlns:r="http://schemas.openxmlformats.org/officeDocument/2006/relationships" type="rect" r:blip="">
+                <dgm:adjLst/>
+              </dgm:shape>
+              <dgm:presOf axis="self" ptType="node"/>
+              <dgm:constrLst>
+                <dgm:constr type="tMarg" refType="primFontSz" fact="0.1"/>
+                <dgm:constr type="bMarg" refType="primFontSz" fact="0.1"/>
+                <dgm:constr type="lMarg" refType="primFontSz" fact="0.15"/>
+                <dgm:constr type="rMarg" refType="primFontSz" fact="0.15"/>
+              </dgm:constrLst>
+              <dgm:ruleLst>
+                <dgm:rule type="primFontSz" val="5" fact="NaN" max="NaN"/>
+                <dgm:rule type="primFontSz" val="65" fact="NaN" max="NaN"/>
+              </dgm:ruleLst>
+            </dgm:layoutNode>
+          </dgm:layoutNode>
+          <dgm:layoutNode name="childShape">
+            <dgm:varLst>
+              <dgm:chMax val="0"/>
+              <dgm:chPref val="0"/>
+            </dgm:varLst>
+            <dgm:alg type="hierChild">
+              <dgm:param type="chAlign" val="r"/>
+              <dgm:param type="linDir" val="fromT"/>
+              <dgm:param type="fallback" val="2D"/>
+            </dgm:alg>
+            <dgm:shape xmlns:r="http://schemas.openxmlformats.org/officeDocument/2006/relationships" r:blip="">
+              <dgm:adjLst/>
+            </dgm:shape>
+            <dgm:presOf/>
+            <dgm:constrLst/>
+            <dgm:ruleLst/>
+            <dgm:forEach name="Name11" axis="ch">
+              <dgm:forEach name="Name12" axis="self" ptType="node">
+                <dgm:layoutNode name="childComposite">
+                  <dgm:varLst>
+                    <dgm:chMax val="0"/>
+                    <dgm:chPref val="0"/>
+                  </dgm:varLst>
+                  <dgm:alg type="composite"/>
+                  <dgm:shape xmlns:r="http://schemas.openxmlformats.org/officeDocument/2006/relationships" r:blip="">
+                    <dgm:adjLst/>
+                  </dgm:shape>
+                  <dgm:presOf/>
+                  <dgm:choose name="Name13">
+                    <dgm:if name="Name14" func="var" arg="dir" op="equ" val="norm">
+                      <dgm:constrLst>
+                        <dgm:constr type="w" for="ch" forName="ChildAccent" refType="h" fact="0.429"/>
+                        <dgm:constr type="h" for="ch" forName="ChildAccent" refType="h" fact="0.429"/>
+                        <dgm:constr type="l" for="ch" forName="ChildAccent" refType="w" fact="0"/>
+                        <dgm:constr type="t" for="ch" forName="ChildAccent" refType="h" fact="0.2855"/>
+                        <dgm:constr type="w" for="ch" forName="Child" refType="w" fact="0.93"/>
+                        <dgm:constr type="h" for="ch" forName="Child" refType="h"/>
+                        <dgm:constr type="l" for="ch" forName="Child" refType="w" fact="0.07"/>
+                        <dgm:constr type="t" for="ch" forName="Child" refType="h" fact="0"/>
+                      </dgm:constrLst>
+                    </dgm:if>
+                    <dgm:else name="Name15">
+                      <dgm:constrLst>
+                        <dgm:constr type="w" for="ch" forName="ChildAccent" refType="h" fact="0.429"/>
+                        <dgm:constr type="h" for="ch" forName="ChildAccent" refType="h" fact="0.429"/>
+                        <dgm:constr type="r" for="ch" forName="ChildAccent" refType="w"/>
+                        <dgm:constr type="t" for="ch" forName="ChildAccent" refType="h" fact="0.2855"/>
+                        <dgm:constr type="w" for="ch" forName="Child" refType="w" fact="0.93"/>
+                        <dgm:constr type="h" for="ch" forName="Child" refType="h"/>
+                        <dgm:constr type="r" for="ch" forName="Child" refType="w" fact="0.93"/>
+                        <dgm:constr type="t" for="ch" forName="Child" refType="h" fact="0"/>
+                      </dgm:constrLst>
+                    </dgm:else>
+                  </dgm:choose>
+                  <dgm:ruleLst/>
+                  <dgm:layoutNode name="ChildAccent" styleLbl="solidFgAcc1">
+                    <dgm:alg type="sp"/>
+                    <dgm:shape xmlns:r="http://schemas.openxmlformats.org/officeDocument/2006/relationships" type="rect" r:blip="">
+                      <dgm:adjLst/>
+                    </dgm:shape>
+                    <dgm:presOf/>
+                  </dgm:layoutNode>
+                  <dgm:layoutNode name="Child" styleLbl="revTx">
+                    <dgm:varLst>
+                      <dgm:chMax val="0"/>
+                      <dgm:chPref val="0"/>
+                      <dgm:bulletEnabled val="1"/>
+                    </dgm:varLst>
+                    <dgm:choose name="Name16">
+                      <dgm:if name="Name17" func="var" arg="dir" op="equ" val="norm">
+                        <dgm:alg type="tx">
+                          <dgm:param type="txAnchorVertCh" val="mid"/>
+                          <dgm:param type="parTxLTRAlign" val="l"/>
+                        </dgm:alg>
+                      </dgm:if>
+                      <dgm:else name="Name18">
+                        <dgm:alg type="tx">
+                          <dgm:param type="txAnchorVertCh" val="mid"/>
+                          <dgm:param type="parTxLTRAlign" val="r"/>
+                        </dgm:alg>
+                      </dgm:else>
+                    </dgm:choose>
+                    <dgm:shape xmlns:r="http://schemas.openxmlformats.org/officeDocument/2006/relationships" type="rect" r:blip="">
+                      <dgm:adjLst/>
+                    </dgm:shape>
+                    <dgm:presOf axis="desOrSelf" ptType="node node"/>
+                    <dgm:ruleLst>
+                      <dgm:rule type="primFontSz" val="5" fact="NaN" max="NaN"/>
+                    </dgm:ruleLst>
+                  </dgm:layoutNode>
+                </dgm:layoutNode>
+              </dgm:forEach>
+            </dgm:forEach>
+          </dgm:layoutNode>
+        </dgm:layoutNode>
+      </dgm:forEach>
+    </dgm:forEach>
+  </dgm:layoutNode>
+</dgm:layoutDef>
+</file>
+
+<file path=ppt/diagrams/quickStyle1.xml><?xml version="1.0" encoding="utf-8"?>
+<dgm:styleDef xmlns:dgm="http://schemas.openxmlformats.org/drawingml/2006/diagram" xmlns:a="http://schemas.openxmlformats.org/drawingml/2006/main" uniqueId="urn:microsoft.com/office/officeart/2005/8/quickstyle/simple1">
+  <dgm:title val=""/>
+  <dgm:desc val=""/>
+  <dgm:catLst>
+    <dgm:cat type="simple" pri="10100"/>
+  </dgm:catLst>
+  <dgm:scene3d>
+    <a:camera prst="orthographicFront"/>
+    <a:lightRig rig="threePt" dir="t"/>
+  </dgm:scene3d>
+  <dgm:styleLbl name="node0">
+    <dgm:scene3d>
+      <a:camera prst="orthographicFront"/>
+      <a:lightRig rig="threePt" dir="t"/>
+    </dgm:scene3d>
+    <dgm:sp3d/>
+    <dgm:txPr/>
+    <dgm:style>
+      <a:lnRef idx="2">
+        <a:scrgbClr r="0" g="0" b="0"/>
+      </a:lnRef>
+      <a:fillRef idx="1">
+        <a:scrgbClr r="0" g="0" b="0"/>
+      </a:fillRef>
+      <a:effectRef idx="0">
+        <a:scrgbClr r="0" g="0" b="0"/>
+      </a:effectRef>
+      <a:fontRef idx="minor">
+        <a:schemeClr val="lt1"/>
+      </a:fontRef>
+    </dgm:style>
+  </dgm:styleLbl>
+  <dgm:styleLbl name="lnNode1">
+    <dgm:scene3d>
+      <a:camera prst="orthographicFront"/>
+      <a:lightRig rig="threePt" dir="t"/>
+    </dgm:scene3d>
+    <dgm:sp3d/>
+    <dgm:txPr/>
+    <dgm:style>
+      <a:lnRef idx="2">
+        <a:scrgbClr r="0" g="0" b="0"/>
+      </a:lnRef>
+      <a:fillRef idx="1">
+        <a:scrgbClr r="0" g="0" b="0"/>
+      </a:fillRef>
+      <a:effectRef idx="0">
+        <a:scrgbClr r="0" g="0" b="0"/>
+      </a:effectRef>
+      <a:fontRef idx="minor">
+        <a:schemeClr val="lt1"/>
+      </a:fontRef>
+    </dgm:style>
+  </dgm:styleLbl>
+  <dgm:styleLbl name="vennNode1">
+    <dgm:scene3d>
+      <a:camera prst="orthographicFront"/>
+      <a:lightRig rig="threePt" dir="t"/>
+    </dgm:scene3d>
+    <dgm:sp3d/>
+    <dgm:txPr/>
+    <dgm:style>
+      <a:lnRef idx="2">
+        <a:scrgbClr r="0" g="0" b="0"/>
+      </a:lnRef>
+      <a:fillRef idx="1">
+        <a:scrgbClr r="0" g="0" b="0"/>
+      </a:fillRef>
+      <a:effectRef idx="0">
+        <a:scrgbClr r="0" g="0" b="0"/>
+      </a:effectRef>
+      <a:fontRef idx="minor">
+        <a:schemeClr val="tx1"/>
+      </a:fontRef>
+    </dgm:style>
+  </dgm:styleLbl>
+  <dgm:styleLbl name="alignNode1">
+    <dgm:scene3d>
+      <a:camera prst="orthographicFront"/>
+      <a:lightRig rig="threePt" dir="t"/>
+    </dgm:scene3d>
+    <dgm:sp3d/>
+    <dgm:txPr/>
+    <dgm:style>
+      <a:lnRef idx="2">
+        <a:scrgbClr r="0" g="0" b="0"/>
+      </a:lnRef>
+      <a:fillRef idx="1">
+        <a:scrgbClr r="0" g="0" b="0"/>
+      </a:fillRef>
+      <a:effectRef idx="0">
+        <a:scrgbClr r="0" g="0" b="0"/>
+      </a:effectRef>
+      <a:fontRef idx="minor">
+        <a:schemeClr val="lt1"/>
+      </a:fontRef>
+    </dgm:style>
+  </dgm:styleLbl>
+  <dgm:styleLbl name="node1">
+    <dgm:scene3d>
+      <a:camera prst="orthographicFront"/>
+      <a:lightRig rig="threePt" dir="t"/>
+    </dgm:scene3d>
+    <dgm:sp3d/>
+    <dgm:txPr/>
+    <dgm:style>
+      <a:lnRef idx="2">
+        <a:scrgbClr r="0" g="0" b="0"/>
+      </a:lnRef>
+      <a:fillRef idx="1">
+        <a:scrgbClr r="0" g="0" b="0"/>
+      </a:fillRef>
+      <a:effectRef idx="0">
+        <a:scrgbClr r="0" g="0" b="0"/>
+      </a:effectRef>
+      <a:fontRef idx="minor">
+        <a:schemeClr val="lt1"/>
+      </a:fontRef>
+    </dgm:style>
+  </dgm:styleLbl>
+  <dgm:styleLbl name="node2">
+    <dgm:scene3d>
+      <a:camera prst="orthographicFront"/>
+      <a:lightRig rig="threePt" dir="t"/>
+    </dgm:scene3d>
+    <dgm:sp3d/>
+    <dgm:txPr/>
+    <dgm:style>
+      <a:lnRef idx="2">
+        <a:scrgbClr r="0" g="0" b="0"/>
+      </a:lnRef>
+      <a:fillRef idx="1">
+        <a:scrgbClr r="0" g="0" b="0"/>
+      </a:fillRef>
+      <a:effectRef idx="0">
+        <a:scrgbClr r="0" g="0" b="0"/>
+      </a:effectRef>
+      <a:fontRef idx="minor">
+        <a:schemeClr val="lt1"/>
+      </a:fontRef>
+    </dgm:style>
+  </dgm:styleLbl>
+  <dgm:styleLbl name="node3">
+    <dgm:scene3d>
+      <a:camera prst="orthographicFront"/>
+      <a:lightRig rig="threePt" dir="t"/>
+    </dgm:scene3d>
+    <dgm:sp3d/>
+    <dgm:txPr/>
+    <dgm:style>
+      <a:lnRef idx="2">
+        <a:scrgbClr r="0" g="0" b="0"/>
+      </a:lnRef>
+      <a:fillRef idx="1">
+        <a:scrgbClr r="0" g="0" b="0"/>
+      </a:fillRef>
+      <a:effectRef idx="0">
+        <a:scrgbClr r="0" g="0" b="0"/>
+      </a:effectRef>
+      <a:fontRef idx="minor">
+        <a:schemeClr val="lt1"/>
+      </a:fontRef>
+    </dgm:style>
+  </dgm:styleLbl>
+  <dgm:styleLbl name="node4">
+    <dgm:scene3d>
+      <a:camera prst="orthographicFront"/>
+      <a:lightRig rig="threePt" dir="t"/>
+    </dgm:scene3d>
+    <dgm:sp3d/>
+    <dgm:txPr/>
+    <dgm:style>
+      <a:lnRef idx="2">
+        <a:scrgbClr r="0" g="0" b="0"/>
+      </a:lnRef>
+      <a:fillRef idx="1">
+        <a:scrgbClr r="0" g="0" b="0"/>
+      </a:fillRef>
+      <a:effectRef idx="0">
+        <a:scrgbClr r="0" g="0" b="0"/>
+      </a:effectRef>
+      <a:fontRef idx="minor">
+        <a:schemeClr val="lt1"/>
+      </a:fontRef>
+    </dgm:style>
+  </dgm:styleLbl>
+  <dgm:styleLbl name="fgImgPlace1">
+    <dgm:scene3d>
+      <a:camera prst="orthographicFront"/>
+      <a:lightRig rig="threePt" dir="t"/>
+    </dgm:scene3d>
+    <dgm:sp3d/>
+    <dgm:txPr/>
+    <dgm:style>
+      <a:lnRef idx="2">
+        <a:scrgbClr r="0" g="0" b="0"/>
+      </a:lnRef>
+      <a:fillRef idx="1">
+        <a:scrgbClr r="0" g="0" b="0"/>
+      </a:fillRef>
+      <a:effectRef idx="0">
+        <a:scrgbClr r="0" g="0" b="0"/>
+      </a:effectRef>
+      <a:fontRef idx="minor"/>
+    </dgm:style>
+  </dgm:styleLbl>
+  <dgm:styleLbl name="alignImgPlace1">
+    <dgm:scene3d>
+      <a:camera prst="orthographicFront"/>
+      <a:lightRig rig="threePt" dir="t"/>
+    </dgm:scene3d>
+    <dgm:sp3d/>
+    <dgm:txPr/>
+    <dgm:style>
+      <a:lnRef idx="2">
+        <a:scrgbClr r="0" g="0" b="0"/>
+      </a:lnRef>
+      <a:fillRef idx="1">
+        <a:scrgbClr r="0" g="0" b="0"/>
+      </a:fillRef>
+      <a:effectRef idx="0">
+        <a:scrgbClr r="0" g="0" b="0"/>
+      </a:effectRef>
+      <a:fontRef idx="minor"/>
+    </dgm:style>
+  </dgm:styleLbl>
+  <dgm:styleLbl name="bgImgPlace1">
+    <dgm:scene3d>
+      <a:camera prst="orthographicFront"/>
+      <a:lightRig rig="threePt" dir="t"/>
+    </dgm:scene3d>
+    <dgm:sp3d/>
+    <dgm:txPr/>
+    <dgm:style>
+      <a:lnRef idx="2">
+        <a:scrgbClr r="0" g="0" b="0"/>
+      </a:lnRef>
+      <a:fillRef idx="1">
+        <a:scrgbClr r="0" g="0" b="0"/>
+      </a:fillRef>
+      <a:effectRef idx="0">
+        <a:scrgbClr r="0" g="0" b="0"/>
+      </a:effectRef>
+      <a:fontRef idx="minor"/>
+    </dgm:style>
+  </dgm:styleLbl>
+  <dgm:styleLbl name="sibTrans2D1">
+    <dgm:scene3d>
+      <a:camera prst="orthographicFront"/>
+      <a:lightRig rig="threePt" dir="t"/>
+    </dgm:scene3d>
+    <dgm:sp3d/>
+    <dgm:txPr/>
+    <dgm:style>
+      <a:lnRef idx="0">
+        <a:scrgbClr r="0" g="0" b="0"/>
+      </a:lnRef>
+      <a:fillRef idx="1">
+        <a:scrgbClr r="0" g="0" b="0"/>
+      </a:fillRef>
+      <a:effectRef idx="0">
+        <a:scrgbClr r="0" g="0" b="0"/>
+      </a:effectRef>
+      <a:fontRef idx="minor">
+        <a:schemeClr val="lt1"/>
+      </a:fontRef>
+    </dgm:style>
+  </dgm:styleLbl>
+  <dgm:styleLbl name="fgSibTrans2D1">
+    <dgm:scene3d>
+      <a:camera prst="orthographicFront"/>
+      <a:lightRig rig="threePt" dir="t"/>
+    </dgm:scene3d>
+    <dgm:sp3d/>
+    <dgm:txPr/>
+    <dgm:style>
+      <a:lnRef idx="0">
+        <a:scrgbClr r="0" g="0" b="0"/>
+      </a:lnRef>
+      <a:fillRef idx="1">
+        <a:scrgbClr r="0" g="0" b="0"/>
+      </a:fillRef>
+      <a:effectRef idx="0">
+        <a:scrgbClr r="0" g="0" b="0"/>
+      </a:effectRef>
+      <a:fontRef idx="minor">
+        <a:schemeClr val="lt1"/>
+      </a:fontRef>
+    </dgm:style>
+  </dgm:styleLbl>
+  <dgm:styleLbl name="bgSibTrans2D1">
+    <dgm:scene3d>
+      <a:camera prst="orthographicFront"/>
+      <a:lightRig rig="threePt" dir="t"/>
+    </dgm:scene3d>
+    <dgm:sp3d/>
+    <dgm:txPr/>
+    <dgm:style>
+      <a:lnRef idx="0">
+        <a:scrgbClr r="0" g="0" b="0"/>
+      </a:lnRef>
+      <a:fillRef idx="1">
+        <a:scrgbClr r="0" g="0" b="0"/>
+      </a:fillRef>
+      <a:effectRef idx="0">
+        <a:scrgbClr r="0" g="0" b="0"/>
+      </a:effectRef>
+      <a:fontRef idx="minor">
+        <a:schemeClr val="lt1"/>
+      </a:fontRef>
+    </dgm:style>
+  </dgm:styleLbl>
+  <dgm:styleLbl name="sibTrans1D1">
+    <dgm:scene3d>
+      <a:camera prst="orthographicFront"/>
+      <a:lightRig rig="threePt" dir="t"/>
+    </dgm:scene3d>
+    <dgm:sp3d/>
+    <dgm:txPr/>
+    <dgm:style>
+      <a:lnRef idx="1">
+        <a:scrgbClr r="0" g="0" b="0"/>
+      </a:lnRef>
+      <a:fillRef idx="0">
+        <a:scrgbClr r="0" g="0" b="0"/>
+      </a:fillRef>
+      <a:effectRef idx="0">
+        <a:scrgbClr r="0" g="0" b="0"/>
+      </a:effectRef>
+      <a:fontRef idx="minor"/>
+    </dgm:style>
+  </dgm:styleLbl>
+  <dgm:styleLbl name="callout">
+    <dgm:scene3d>
+      <a:camera prst="orthographicFront"/>
+      <a:lightRig rig="threePt" dir="t"/>
+    </dgm:scene3d>
+    <dgm:sp3d/>
+    <dgm:txPr/>
+    <dgm:style>
+      <a:lnRef idx="2">
+        <a:scrgbClr r="0" g="0" b="0"/>
+      </a:lnRef>
+      <a:fillRef idx="1">
+        <a:scrgbClr r="0" g="0" b="0"/>
+      </a:fillRef>
+      <a:effectRef idx="0">
+        <a:scrgbClr r="0" g="0" b="0"/>
+      </a:effectRef>
+      <a:fontRef idx="minor"/>
+    </dgm:style>
+  </dgm:styleLbl>
+  <dgm:styleLbl name="asst0">
+    <dgm:scene3d>
+      <a:camera prst="orthographicFront"/>
+      <a:lightRig rig="threePt" dir="t"/>
+    </dgm:scene3d>
+    <dgm:sp3d/>
+    <dgm:txPr/>
+    <dgm:style>
+      <a:lnRef idx="2">
+        <a:scrgbClr r="0" g="0" b="0"/>
+      </a:lnRef>
+      <a:fillRef idx="1">
+        <a:scrgbClr r="0" g="0" b="0"/>
+      </a:fillRef>
+      <a:effectRef idx="0">
+        <a:scrgbClr r="0" g="0" b="0"/>
+      </a:effectRef>
+      <a:fontRef idx="minor">
+        <a:schemeClr val="lt1"/>
+      </a:fontRef>
+    </dgm:style>
+  </dgm:styleLbl>
+  <dgm:styleLbl name="asst1">
+    <dgm:scene3d>
+      <a:camera prst="orthographicFront"/>
+      <a:lightRig rig="threePt" dir="t"/>
+    </dgm:scene3d>
+    <dgm:sp3d/>
+    <dgm:txPr/>
+    <dgm:style>
+      <a:lnRef idx="2">
+        <a:scrgbClr r="0" g="0" b="0"/>
+      </a:lnRef>
+      <a:fillRef idx="1">
+        <a:scrgbClr r="0" g="0" b="0"/>
+      </a:fillRef>
+      <a:effectRef idx="0">
+        <a:scrgbClr r="0" g="0" b="0"/>
+      </a:effectRef>
+      <a:fontRef idx="minor">
+        <a:schemeClr val="lt1"/>
+      </a:fontRef>
+    </dgm:style>
+  </dgm:styleLbl>
+  <dgm:styleLbl name="asst2">
+    <dgm:scene3d>
+      <a:camera prst="orthographicFront"/>
+      <a:lightRig rig="threePt" dir="t"/>
+    </dgm:scene3d>
+    <dgm:sp3d/>
+    <dgm:txPr/>
+    <dgm:style>
+      <a:lnRef idx="2">
+        <a:scrgbClr r="0" g="0" b="0"/>
+      </a:lnRef>
+      <a:fillRef idx="1">
+        <a:scrgbClr r="0" g="0" b="0"/>
+      </a:fillRef>
+      <a:effectRef idx="0">
+        <a:scrgbClr r="0" g="0" b="0"/>
+      </a:effectRef>
+      <a:fontRef idx="minor">
+        <a:schemeClr val="lt1"/>
+      </a:fontRef>
+    </dgm:style>
+  </dgm:styleLbl>
+  <dgm:styleLbl name="asst3">
+    <dgm:scene3d>
+      <a:camera prst="orthographicFront"/>
+      <a:lightRig rig="threePt" dir="t"/>
+    </dgm:scene3d>
+    <dgm:sp3d/>
+    <dgm:txPr/>
+    <dgm:style>
+      <a:lnRef idx="2">
+        <a:scrgbClr r="0" g="0" b="0"/>
+      </a:lnRef>
+      <a:fillRef idx="1">
+        <a:scrgbClr r="0" g="0" b="0"/>
+      </a:fillRef>
+      <a:effectRef idx="0">
+        <a:scrgbClr r="0" g="0" b="0"/>
+      </a:effectRef>
+      <a:fontRef idx="minor">
+        <a:schemeClr val="lt1"/>
+      </a:fontRef>
+    </dgm:style>
+  </dgm:styleLbl>
+  <dgm:styleLbl name="asst4">
+    <dgm:scene3d>
+      <a:camera prst="orthographicFront"/>
+      <a:lightRig rig="threePt" dir="t"/>
+    </dgm:scene3d>
+    <dgm:sp3d/>
+    <dgm:txPr/>
+    <dgm:style>
+      <a:lnRef idx="2">
+        <a:scrgbClr r="0" g="0" b="0"/>
+      </a:lnRef>
+      <a:fillRef idx="1">
+        <a:scrgbClr r="0" g="0" b="0"/>
+      </a:fillRef>
+      <a:effectRef idx="0">
+        <a:scrgbClr r="0" g="0" b="0"/>
+      </a:effectRef>
+      <a:fontRef idx="minor">
+        <a:schemeClr val="lt1"/>
+      </a:fontRef>
+    </dgm:style>
+  </dgm:styleLbl>
+  <dgm:styleLbl name="parChTrans2D1">
+    <dgm:scene3d>
+      <a:camera prst="orthographicFront"/>
+      <a:lightRig rig="threePt" dir="t"/>
+    </dgm:scene3d>
+    <dgm:sp3d/>
+    <dgm:txPr/>
+    <dgm:style>
+      <a:lnRef idx="2">
+        <a:scrgbClr r="0" g="0" b="0"/>
+      </a:lnRef>
+      <a:fillRef idx="1">
+        <a:scrgbClr r="0" g="0" b="0"/>
+      </a:fillRef>
+      <a:effectRef idx="0">
+        <a:scrgbClr r="0" g="0" b="0"/>
+      </a:effectRef>
+      <a:fontRef idx="minor">
+        <a:schemeClr val="lt1"/>
+      </a:fontRef>
+    </dgm:style>
+  </dgm:styleLbl>
+  <dgm:styleLbl name="parChTrans2D2">
+    <dgm:scene3d>
+      <a:camera prst="orthographicFront"/>
+      <a:lightRig rig="threePt" dir="t"/>
+    </dgm:scene3d>
+    <dgm:sp3d/>
+    <dgm:txPr/>
+    <dgm:style>
+      <a:lnRef idx="2">
+        <a:scrgbClr r="0" g="0" b="0"/>
+      </a:lnRef>
+      <a:fillRef idx="1">
+        <a:scrgbClr r="0" g="0" b="0"/>
+      </a:fillRef>
+      <a:effectRef idx="0">
+        <a:scrgbClr r="0" g="0" b="0"/>
+      </a:effectRef>
+      <a:fontRef idx="minor">
+        <a:schemeClr val="lt1"/>
+      </a:fontRef>
+    </dgm:style>
+  </dgm:styleLbl>
+  <dgm:styleLbl name="parChTrans2D3">
+    <dgm:scene3d>
+      <a:camera prst="orthographicFront"/>
+      <a:lightRig rig="threePt" dir="t"/>
+    </dgm:scene3d>
+    <dgm:sp3d/>
+    <dgm:txPr/>
+    <dgm:style>
+      <a:lnRef idx="2">
+        <a:scrgbClr r="0" g="0" b="0"/>
+      </a:lnRef>
+      <a:fillRef idx="1">
+        <a:scrgbClr r="0" g="0" b="0"/>
+      </a:fillRef>
+      <a:effectRef idx="0">
+        <a:scrgbClr r="0" g="0" b="0"/>
+      </a:effectRef>
+      <a:fontRef idx="minor">
+        <a:schemeClr val="lt1"/>
+      </a:fontRef>
+    </dgm:style>
+  </dgm:styleLbl>
+  <dgm:styleLbl name="parChTrans2D4">
+    <dgm:scene3d>
+      <a:camera prst="orthographicFront"/>
+      <a:lightRig rig="threePt" dir="t"/>
+    </dgm:scene3d>
+    <dgm:sp3d/>
+    <dgm:txPr/>
+    <dgm:style>
+      <a:lnRef idx="2">
+        <a:scrgbClr r="0" g="0" b="0"/>
+      </a:lnRef>
+      <a:fillRef idx="1">
+        <a:scrgbClr r="0" g="0" b="0"/>
+      </a:fillRef>
+      <a:effectRef idx="0">
+        <a:scrgbClr r="0" g="0" b="0"/>
+      </a:effectRef>
+      <a:fontRef idx="minor">
+        <a:schemeClr val="lt1"/>
+      </a:fontRef>
+    </dgm:style>
+  </dgm:styleLbl>
+  <dgm:styleLbl name="parChTrans1D1">
+    <dgm:scene3d>
+      <a:camera prst="orthographicFront"/>
+      <a:lightRig rig="threePt" dir="t"/>
+    </dgm:scene3d>
+    <dgm:sp3d/>
+    <dgm:txPr/>
+    <dgm:style>
+      <a:lnRef idx="2">
+        <a:scrgbClr r="0" g="0" b="0"/>
+      </a:lnRef>
+      <a:fillRef idx="0">
+        <a:scrgbClr r="0" g="0" b="0"/>
+      </a:fillRef>
+      <a:effectRef idx="0">
+        <a:scrgbClr r="0" g="0" b="0"/>
+      </a:effectRef>
+      <a:fontRef idx="minor"/>
+    </dgm:style>
+  </dgm:styleLbl>
+  <dgm:styleLbl name="parChTrans1D2">
+    <dgm:scene3d>
+      <a:camera prst="orthographicFront"/>
+      <a:lightRig rig="threePt" dir="t"/>
+    </dgm:scene3d>
+    <dgm:sp3d/>
+    <dgm:txPr/>
+    <dgm:style>
+      <a:lnRef idx="2">
+        <a:scrgbClr r="0" g="0" b="0"/>
+      </a:lnRef>
+      <a:fillRef idx="0">
+        <a:scrgbClr r="0" g="0" b="0"/>
+      </a:fillRef>
+      <a:effectRef idx="0">
+        <a:scrgbClr r="0" g="0" b="0"/>
+      </a:effectRef>
+      <a:fontRef idx="minor"/>
+    </dgm:style>
+  </dgm:styleLbl>
+  <dgm:styleLbl name="parChTrans1D3">
+    <dgm:scene3d>
+      <a:camera prst="orthographicFront"/>
+      <a:lightRig rig="threePt" dir="t"/>
+    </dgm:scene3d>
+    <dgm:sp3d/>
+    <dgm:txPr/>
+    <dgm:style>
+      <a:lnRef idx="2">
+        <a:scrgbClr r="0" g="0" b="0"/>
+      </a:lnRef>
+      <a:fillRef idx="0">
+        <a:scrgbClr r="0" g="0" b="0"/>
+      </a:fillRef>
+      <a:effectRef idx="0">
+        <a:scrgbClr r="0" g="0" b="0"/>
+      </a:effectRef>
+      <a:fontRef idx="minor"/>
+    </dgm:style>
+  </dgm:styleLbl>
+  <dgm:styleLbl name="parChTrans1D4">
+    <dgm:scene3d>
+      <a:camera prst="orthographicFront"/>
+      <a:lightRig rig="threePt" dir="t"/>
+    </dgm:scene3d>
+    <dgm:sp3d/>
+    <dgm:txPr/>
+    <dgm:style>
+      <a:lnRef idx="2">
+        <a:scrgbClr r="0" g="0" b="0"/>
+      </a:lnRef>
+      <a:fillRef idx="0">
+        <a:scrgbClr r="0" g="0" b="0"/>
+      </a:fillRef>
+      <a:effectRef idx="0">
+        <a:scrgbClr r="0" g="0" b="0"/>
+      </a:effectRef>
+      <a:fontRef idx="minor"/>
+    </dgm:style>
+  </dgm:styleLbl>
+  <dgm:styleLbl name="fgAcc1">
+    <dgm:scene3d>
+      <a:camera prst="orthographicFront"/>
+      <a:lightRig rig="threePt" dir="t"/>
+    </dgm:scene3d>
+    <dgm:sp3d/>
+    <dgm:txPr/>
+    <dgm:style>
+      <a:lnRef idx="2">
+        <a:scrgbClr r="0" g="0" b="0"/>
+      </a:lnRef>
+      <a:fillRef idx="1">
+        <a:scrgbClr r="0" g="0" b="0"/>
+      </a:fillRef>
+      <a:effectRef idx="0">
+        <a:scrgbClr r="0" g="0" b="0"/>
+      </a:effectRef>
+      <a:fontRef idx="minor"/>
+    </dgm:style>
+  </dgm:styleLbl>
+  <dgm:styleLbl name="conFgAcc1">
+    <dgm:scene3d>
+      <a:camera prst="orthographicFront"/>
+      <a:lightRig rig="threePt" dir="t"/>
+    </dgm:scene3d>
+    <dgm:sp3d/>
+    <dgm:txPr/>
+    <dgm:style>
+      <a:lnRef idx="2">
+        <a:scrgbClr r="0" g="0" b="0"/>
+      </a:lnRef>
+      <a:fillRef idx="1">
+        <a:scrgbClr r="0" g="0" b="0"/>
+      </a:fillRef>
+      <a:effectRef idx="0">
+        <a:scrgbClr r="0" g="0" b="0"/>
+      </a:effectRef>
+      <a:fontRef idx="minor"/>
+    </dgm:style>
+  </dgm:styleLbl>
+  <dgm:styleLbl name="alignAcc1">
+    <dgm:scene3d>
+      <a:camera prst="orthographicFront"/>
+      <a:lightRig rig="threePt" dir="t"/>
+    </dgm:scene3d>
+    <dgm:sp3d/>
+    <dgm:txPr/>
+    <dgm:style>
+      <a:lnRef idx="2">
+        <a:scrgbClr r="0" g="0" b="0"/>
+      </a:lnRef>
+      <a:fillRef idx="1">
+        <a:scrgbClr r="0" g="0" b="0"/>
+      </a:fillRef>
+      <a:effectRef idx="0">
+        <a:scrgbClr r="0" g="0" b="0"/>
+      </a:effectRef>
+      <a:fontRef idx="minor"/>
+    </dgm:style>
+  </dgm:styleLbl>
+  <dgm:styleLbl name="trAlignAcc1">
+    <dgm:scene3d>
+      <a:camera prst="orthographicFront"/>
+      <a:lightRig rig="threePt" dir="t"/>
+    </dgm:scene3d>
+    <dgm:sp3d/>
+    <dgm:txPr/>
+    <dgm:style>
+      <a:lnRef idx="1">
+        <a:scrgbClr r="0" g="0" b="0"/>
+      </a:lnRef>
+      <a:fillRef idx="1">
+        <a:scrgbClr r="0" g="0" b="0"/>
+      </a:fillRef>
+      <a:effectRef idx="0">
+        <a:scrgbClr r="0" g="0" b="0"/>
+      </a:effectRef>
+      <a:fontRef idx="minor"/>
+    </dgm:style>
+  </dgm:styleLbl>
+  <dgm:styleLbl name="bgAcc1">
+    <dgm:scene3d>
+      <a:camera prst="orthographicFront"/>
+      <a:lightRig rig="threePt" dir="t"/>
+    </dgm:scene3d>
+    <dgm:sp3d/>
+    <dgm:txPr/>
+    <dgm:style>
+      <a:lnRef idx="2">
+        <a:scrgbClr r="0" g="0" b="0"/>
+      </a:lnRef>
+      <a:fillRef idx="1">
+        <a:scrgbClr r="0" g="0" b="0"/>
+      </a:fillRef>
+      <a:effectRef idx="0">
+        <a:scrgbClr r="0" g="0" b="0"/>
+      </a:effectRef>
+      <a:fontRef idx="minor"/>
+    </dgm:style>
+  </dgm:styleLbl>
+  <dgm:styleLbl name="solidFgAcc1">
+    <dgm:scene3d>
+      <a:camera prst="orthographicFront"/>
+      <a:lightRig rig="threePt" dir="t"/>
+    </dgm:scene3d>
+    <dgm:sp3d/>
+    <dgm:txPr/>
+    <dgm:style>
+      <a:lnRef idx="2">
+        <a:scrgbClr r="0" g="0" b="0"/>
+      </a:lnRef>
+      <a:fillRef idx="1">
+        <a:scrgbClr r="0" g="0" b="0"/>
+      </a:fillRef>
+      <a:effectRef idx="0">
+        <a:scrgbClr r="0" g="0" b="0"/>
+      </a:effectRef>
+      <a:fontRef idx="minor"/>
+    </dgm:style>
+  </dgm:styleLbl>
+  <dgm:styleLbl name="solidAlignAcc1">
+    <dgm:scene3d>
+      <a:camera prst="orthographicFront"/>
+      <a:lightRig rig="threePt" dir="t"/>
+    </dgm:scene3d>
+    <dgm:sp3d/>
+    <dgm:txPr/>
+    <dgm:style>
+      <a:lnRef idx="2">
+        <a:scrgbClr r="0" g="0" b="0"/>
+      </a:lnRef>
+      <a:fillRef idx="1">
+        <a:scrgbClr r="0" g="0" b="0"/>
+      </a:fillRef>
+      <a:effectRef idx="0">
+        <a:scrgbClr r="0" g="0" b="0"/>
+      </a:effectRef>
+      <a:fontRef idx="minor"/>
+    </dgm:style>
+  </dgm:styleLbl>
+  <dgm:styleLbl name="solidBgAcc1">
+    <dgm:scene3d>
+      <a:camera prst="orthographicFront"/>
+      <a:lightRig rig="threePt" dir="t"/>
+    </dgm:scene3d>
+    <dgm:sp3d/>
+    <dgm:txPr/>
+    <dgm:style>
+      <a:lnRef idx="2">
+        <a:scrgbClr r="0" g="0" b="0"/>
+      </a:lnRef>
+      <a:fillRef idx="1">
+        <a:scrgbClr r="0" g="0" b="0"/>
+      </a:fillRef>
+      <a:effectRef idx="0">
+        <a:scrgbClr r="0" g="0" b="0"/>
+      </a:effectRef>
+      <a:fontRef idx="minor"/>
+    </dgm:style>
+  </dgm:styleLbl>
+  <dgm:styleLbl name="fgAccFollowNode1">
+    <dgm:scene3d>
+      <a:camera prst="orthographicFront"/>
+      <a:lightRig rig="threePt" dir="t"/>
+    </dgm:scene3d>
+    <dgm:sp3d/>
+    <dgm:txPr/>
+    <dgm:style>
+      <a:lnRef idx="2">
+        <a:scrgbClr r="0" g="0" b="0"/>
+      </a:lnRef>
+      <a:fillRef idx="1">
+        <a:scrgbClr r="0" g="0" b="0"/>
+      </a:fillRef>
+      <a:effectRef idx="0">
+        <a:scrgbClr r="0" g="0" b="0"/>
+      </a:effectRef>
+      <a:fontRef idx="minor"/>
+    </dgm:style>
+  </dgm:styleLbl>
+  <dgm:styleLbl name="alignAccFollowNode1">
+    <dgm:scene3d>
+      <a:camera prst="orthographicFront"/>
+      <a:lightRig rig="threePt" dir="t"/>
+    </dgm:scene3d>
+    <dgm:sp3d/>
+    <dgm:txPr/>
+    <dgm:style>
+      <a:lnRef idx="2">
+        <a:scrgbClr r="0" g="0" b="0"/>
+      </a:lnRef>
+      <a:fillRef idx="1">
+        <a:scrgbClr r="0" g="0" b="0"/>
+      </a:fillRef>
+      <a:effectRef idx="0">
+        <a:scrgbClr r="0" g="0" b="0"/>
+      </a:effectRef>
+      <a:fontRef idx="minor"/>
+    </dgm:style>
+  </dgm:styleLbl>
+  <dgm:styleLbl name="bgAccFollowNode1">
+    <dgm:scene3d>
+      <a:camera prst="orthographicFront"/>
+      <a:lightRig rig="threePt" dir="t"/>
+    </dgm:scene3d>
+    <dgm:sp3d/>
+    <dgm:txPr/>
+    <dgm:style>
+      <a:lnRef idx="2">
+        <a:scrgbClr r="0" g="0" b="0"/>
+      </a:lnRef>
+      <a:fillRef idx="1">
+        <a:scrgbClr r="0" g="0" b="0"/>
+      </a:fillRef>
+      <a:effectRef idx="0">
+        <a:scrgbClr r="0" g="0" b="0"/>
+      </a:effectRef>
+      <a:fontRef idx="minor"/>
+    </dgm:style>
+  </dgm:styleLbl>
+  <dgm:styleLbl name="fgAcc0">
+    <dgm:scene3d>
+      <a:camera prst="orthographicFront"/>
+      <a:lightRig rig="threePt" dir="t"/>
+    </dgm:scene3d>
+    <dgm:sp3d/>
+    <dgm:txPr/>
+    <dgm:style>
+      <a:lnRef idx="2">
+        <a:scrgbClr r="0" g="0" b="0"/>
+      </a:lnRef>
+      <a:fillRef idx="1">
+        <a:scrgbClr r="0" g="0" b="0"/>
+      </a:fillRef>
+      <a:effectRef idx="0">
+        <a:scrgbClr r="0" g="0" b="0"/>
+      </a:effectRef>
+      <a:fontRef idx="minor"/>
+    </dgm:style>
+  </dgm:styleLbl>
+  <dgm:styleLbl name="fgAcc2">
+    <dgm:scene3d>
+      <a:camera prst="orthographicFront"/>
+      <a:lightRig rig="threePt" dir="t"/>
+    </dgm:scene3d>
+    <dgm:sp3d/>
+    <dgm:txPr/>
+    <dgm:style>
+      <a:lnRef idx="2">
+        <a:scrgbClr r="0" g="0" b="0"/>
+      </a:lnRef>
+      <a:fillRef idx="1">
+        <a:scrgbClr r="0" g="0" b="0"/>
+      </a:fillRef>
+      <a:effectRef idx="0">
+        <a:scrgbClr r="0" g="0" b="0"/>
+      </a:effectRef>
+      <a:fontRef idx="minor"/>
+    </dgm:style>
+  </dgm:styleLbl>
+  <dgm:styleLbl name="fgAcc3">
+    <dgm:scene3d>
+      <a:camera prst="orthographicFront"/>
+      <a:lightRig rig="threePt" dir="t"/>
+    </dgm:scene3d>
+    <dgm:sp3d/>
+    <dgm:txPr/>
+    <dgm:style>
+      <a:lnRef idx="2">
+        <a:scrgbClr r="0" g="0" b="0"/>
+      </a:lnRef>
+      <a:fillRef idx="1">
+        <a:scrgbClr r="0" g="0" b="0"/>
+      </a:fillRef>
+      <a:effectRef idx="0">
+        <a:scrgbClr r="0" g="0" b="0"/>
+      </a:effectRef>
+      <a:fontRef idx="minor"/>
+    </dgm:style>
+  </dgm:styleLbl>
+  <dgm:styleLbl name="fgAcc4">
+    <dgm:scene3d>
+      <a:camera prst="orthographicFront"/>
+      <a:lightRig rig="threePt" dir="t"/>
+    </dgm:scene3d>
+    <dgm:sp3d/>
+    <dgm:txPr/>
+    <dgm:style>
+      <a:lnRef idx="2">
+        <a:scrgbClr r="0" g="0" b="0"/>
+      </a:lnRef>
+      <a:fillRef idx="1">
+        <a:scrgbClr r="0" g="0" b="0"/>
+      </a:fillRef>
+      <a:effectRef idx="0">
+        <a:scrgbClr r="0" g="0" b="0"/>
+      </a:effectRef>
+      <a:fontRef idx="minor"/>
+    </dgm:style>
+  </dgm:styleLbl>
+  <dgm:styleLbl name="bgShp">
+    <dgm:scene3d>
+      <a:camera prst="orthographicFront"/>
+      <a:lightRig rig="threePt" dir="t"/>
+    </dgm:scene3d>
+    <dgm:sp3d/>
+    <dgm:txPr/>
+    <dgm:style>
+      <a:lnRef idx="0">
+        <a:scrgbClr r="0" g="0" b="0"/>
+      </a:lnRef>
+      <a:fillRef idx="1">
+        <a:scrgbClr r="0" g="0" b="0"/>
+      </a:fillRef>
+      <a:effectRef idx="0">
+        <a:scrgbClr r="0" g="0" b="0"/>
+      </a:effectRef>
+      <a:fontRef idx="minor"/>
+    </dgm:style>
+  </dgm:styleLbl>
+  <dgm:styleLbl name="dkBgShp">
+    <dgm:scene3d>
+      <a:camera prst="orthographicFront"/>
+      <a:lightRig rig="threePt" dir="t"/>
+    </dgm:scene3d>
+    <dgm:sp3d/>
+    <dgm:txPr/>
+    <dgm:style>
+      <a:lnRef idx="0">
+        <a:scrgbClr r="0" g="0" b="0"/>
+      </a:lnRef>
+      <a:fillRef idx="1">
+        <a:scrgbClr r="0" g="0" b="0"/>
+      </a:fillRef>
+      <a:effectRef idx="0">
+        <a:scrgbClr r="0" g="0" b="0"/>
+      </a:effectRef>
+      <a:fontRef idx="minor"/>
+    </dgm:style>
+  </dgm:styleLbl>
+  <dgm:styleLbl name="trBgShp">
+    <dgm:scene3d>
+      <a:camera prst="orthographicFront"/>
+      <a:lightRig rig="threePt" dir="t"/>
+    </dgm:scene3d>
+    <dgm:sp3d/>
+    <dgm:txPr/>
+    <dgm:style>
+      <a:lnRef idx="0">
+        <a:scrgbClr r="0" g="0" b="0"/>
+      </a:lnRef>
+      <a:fillRef idx="1">
+        <a:scrgbClr r="0" g="0" b="0"/>
+      </a:fillRef>
+      <a:effectRef idx="0">
+        <a:scrgbClr r="0" g="0" b="0"/>
+      </a:effectRef>
+      <a:fontRef idx="minor"/>
+    </dgm:style>
+  </dgm:styleLbl>
+  <dgm:styleLbl name="fgShp">
+    <dgm:scene3d>
+      <a:camera prst="orthographicFront"/>
+      <a:lightRig rig="threePt" dir="t"/>
+    </dgm:scene3d>
+    <dgm:sp3d/>
+    <dgm:txPr/>
+    <dgm:style>
+      <a:lnRef idx="2">
+        <a:scrgbClr r="0" g="0" b="0"/>
+      </a:lnRef>
+      <a:fillRef idx="1">
+        <a:scrgbClr r="0" g="0" b="0"/>
+      </a:fillRef>
+      <a:effectRef idx="0">
+        <a:scrgbClr r="0" g="0" b="0"/>
+      </a:effectRef>
+      <a:fontRef idx="minor"/>
+    </dgm:style>
+  </dgm:styleLbl>
+  <dgm:styleLbl name="revTx">
+    <dgm:scene3d>
+      <a:camera prst="orthographicFront"/>
+      <a:lightRig rig="threePt" dir="t"/>
+    </dgm:scene3d>
+    <dgm:sp3d/>
+    <dgm:txPr/>
+    <dgm:style>
+      <a:lnRef idx="0">
+        <a:scrgbClr r="0" g="0" b="0"/>
+      </a:lnRef>
+      <a:fillRef idx="0">
+        <a:scrgbClr r="0" g="0" b="0"/>
+      </a:fillRef>
+      <a:effectRef idx="0">
+        <a:scrgbClr r="0" g="0" b="0"/>
+      </a:effectRef>
+      <a:fontRef idx="minor"/>
+    </dgm:style>
+  </dgm:styleLbl>
+</dgm:styleDef>
+</file>
+
+<file path=ppt/notesMasters/notesMaster1.xml><?xml version="1.0" encoding="utf-8"?>
+<p:notesMaster xmlns:a="http://schemas.openxmlformats.org/drawingml/2006/main" xmlns:r="http://schemas.openxmlformats.org/officeDocument/2006/relationships" xmlns:p="http://schemas.openxmlformats.org/presentationml/2006/main">
+  <p:cSld>
+    <p:bg>
+      <p:bgRef idx="1001">
+        <a:schemeClr val="bg1"/>
+      </p:bgRef>
+    </p:bg>
+    <p:spTree>
+      <p:nvGrpSpPr>
+        <p:cNvPr id="1" name=""/>
+        <p:cNvGrpSpPr/>
+        <p:nvPr/>
+      </p:nvGrpSpPr>
+      <p:grpSpPr>
+        <a:xfrm>
+          <a:off x="0" y="0"/>
+          <a:ext cx="0" cy="0"/>
+          <a:chOff x="0" y="0"/>
+          <a:chExt cx="0" cy="0"/>
+        </a:xfrm>
+      </p:grpSpPr>
+      <p:sp>
+        <p:nvSpPr>
+          <p:cNvPr id="2" name="Header Placeholder 1"/>
+          <p:cNvSpPr>
+            <a:spLocks noGrp="1"/>
+          </p:cNvSpPr>
+          <p:nvPr>
+            <p:ph type="hdr" sz="quarter"/>
+          </p:nvPr>
+        </p:nvSpPr>
+        <p:spPr>
+          <a:xfrm>
+            <a:off x="0" y="0"/>
+            <a:ext cx="2971800" cy="458788"/>
+          </a:xfrm>
+          <a:prstGeom prst="rect">
+            <a:avLst/>
+          </a:prstGeom>
+        </p:spPr>
+        <p:txBody>
+          <a:bodyPr vert="horz" lIns="91440" tIns="45720" rIns="91440" bIns="45720" rtlCol="0"/>
+          <a:lstStyle>
+            <a:lvl1pPr algn="l">
+              <a:defRPr sz="1200"/>
+            </a:lvl1pPr>
+          </a:lstStyle>
+          <a:p>
+            <a:endParaRPr lang="en-US"/>
+          </a:p>
+        </p:txBody>
+      </p:sp>
+      <p:sp>
+        <p:nvSpPr>
+          <p:cNvPr id="3" name="Date Placeholder 2"/>
+          <p:cNvSpPr>
+            <a:spLocks noGrp="1"/>
+          </p:cNvSpPr>
+          <p:nvPr>
+            <p:ph type="dt" idx="1"/>
+          </p:nvPr>
+        </p:nvSpPr>
+        <p:spPr>
+          <a:xfrm>
+            <a:off x="3884613" y="0"/>
+            <a:ext cx="2971800" cy="458788"/>
+          </a:xfrm>
+          <a:prstGeom prst="rect">
+            <a:avLst/>
+          </a:prstGeom>
+        </p:spPr>
+        <p:txBody>
+          <a:bodyPr vert="horz" lIns="91440" tIns="45720" rIns="91440" bIns="45720" rtlCol="0"/>
+          <a:lstStyle>
+            <a:lvl1pPr algn="r">
+              <a:defRPr sz="1200"/>
+            </a:lvl1pPr>
+          </a:lstStyle>
+          <a:p>
+            <a:fld id="{56A18366-A052-44AE-8A83-03448C514A16}" type="datetimeFigureOut">
+              <a:rPr lang="en-US" smtClean="0"/>
+              <a:t>6/4/2017</a:t>
+            </a:fld>
+            <a:endParaRPr lang="en-US"/>
+          </a:p>
+        </p:txBody>
+      </p:sp>
+      <p:sp>
+        <p:nvSpPr>
+          <p:cNvPr id="4" name="Slide Image Placeholder 3"/>
+          <p:cNvSpPr>
+            <a:spLocks noGrp="1" noRot="1" noChangeAspect="1"/>
+          </p:cNvSpPr>
+          <p:nvPr>
+            <p:ph type="sldImg" idx="2"/>
+          </p:nvPr>
+        </p:nvSpPr>
+        <p:spPr>
+          <a:xfrm>
+            <a:off x="685800" y="1143000"/>
+            <a:ext cx="5486400" cy="3086100"/>
+          </a:xfrm>
+          <a:prstGeom prst="rect">
+            <a:avLst/>
+          </a:prstGeom>
+          <a:noFill/>
+          <a:ln w="12700">
+            <a:solidFill>
+              <a:prstClr val="black"/>
+            </a:solidFill>
+          </a:ln>
+        </p:spPr>
+        <p:txBody>
+          <a:bodyPr vert="horz" lIns="91440" tIns="45720" rIns="91440" bIns="45720" rtlCol="0" anchor="ctr"/>
+          <a:lstStyle/>
+          <a:p>
+            <a:endParaRPr lang="en-US"/>
+          </a:p>
+        </p:txBody>
+      </p:sp>
+      <p:sp>
+        <p:nvSpPr>
+          <p:cNvPr id="5" name="Notes Placeholder 4"/>
+          <p:cNvSpPr>
+            <a:spLocks noGrp="1"/>
+          </p:cNvSpPr>
+          <p:nvPr>
+            <p:ph type="body" sz="quarter" idx="3"/>
+          </p:nvPr>
+        </p:nvSpPr>
+        <p:spPr>
+          <a:xfrm>
+            <a:off x="685800" y="4400550"/>
+            <a:ext cx="5486400" cy="3600450"/>
+          </a:xfrm>
+          <a:prstGeom prst="rect">
+            <a:avLst/>
+          </a:prstGeom>
+        </p:spPr>
+        <p:txBody>
+          <a:bodyPr vert="horz" lIns="91440" tIns="45720" rIns="91440" bIns="45720" rtlCol="0"/>
+          <a:lstStyle/>
+          <a:p>
+            <a:pPr lvl="0"/>
+            <a:r>
+              <a:rPr lang="en-US"/>
+              <a:t>Edit Master text styles</a:t>
+            </a:r>
+          </a:p>
+          <a:p>
+            <a:pPr lvl="1"/>
+            <a:r>
+              <a:rPr lang="en-US"/>
+              <a:t>Second level</a:t>
+            </a:r>
+          </a:p>
+          <a:p>
+            <a:pPr lvl="2"/>
+            <a:r>
+              <a:rPr lang="en-US"/>
+              <a:t>Third level</a:t>
+            </a:r>
+          </a:p>
+          <a:p>
+            <a:pPr lvl="3"/>
+            <a:r>
+              <a:rPr lang="en-US"/>
+              <a:t>Fourth level</a:t>
+            </a:r>
+          </a:p>
+          <a:p>
+            <a:pPr lvl="4"/>
+            <a:r>
+              <a:rPr lang="en-US"/>
+              <a:t>Fifth level</a:t>
+            </a:r>
+            <a:endParaRPr lang="en-US"/>
+          </a:p>
+        </p:txBody>
+      </p:sp>
+      <p:sp>
+        <p:nvSpPr>
+          <p:cNvPr id="6" name="Footer Placeholder 5"/>
+          <p:cNvSpPr>
+            <a:spLocks noGrp="1"/>
+          </p:cNvSpPr>
+          <p:nvPr>
+            <p:ph type="ftr" sz="quarter" idx="4"/>
+          </p:nvPr>
+        </p:nvSpPr>
+        <p:spPr>
+          <a:xfrm>
+            <a:off x="0" y="8685213"/>
+            <a:ext cx="2971800" cy="458787"/>
+          </a:xfrm>
+          <a:prstGeom prst="rect">
+            <a:avLst/>
+          </a:prstGeom>
+        </p:spPr>
+        <p:txBody>
+          <a:bodyPr vert="horz" lIns="91440" tIns="45720" rIns="91440" bIns="45720" rtlCol="0" anchor="b"/>
+          <a:lstStyle>
+            <a:lvl1pPr algn="l">
+              <a:defRPr sz="1200"/>
+            </a:lvl1pPr>
+          </a:lstStyle>
+          <a:p>
+            <a:endParaRPr lang="en-US"/>
+          </a:p>
+        </p:txBody>
+      </p:sp>
+      <p:sp>
+        <p:nvSpPr>
+          <p:cNvPr id="7" name="Slide Number Placeholder 6"/>
+          <p:cNvSpPr>
+            <a:spLocks noGrp="1"/>
+          </p:cNvSpPr>
+          <p:nvPr>
+            <p:ph type="sldNum" sz="quarter" idx="5"/>
+          </p:nvPr>
+        </p:nvSpPr>
+        <p:spPr>
+          <a:xfrm>
+            <a:off x="3884613" y="8685213"/>
+            <a:ext cx="2971800" cy="458787"/>
+          </a:xfrm>
+          <a:prstGeom prst="rect">
+            <a:avLst/>
+          </a:prstGeom>
+        </p:spPr>
+        <p:txBody>
+          <a:bodyPr vert="horz" lIns="91440" tIns="45720" rIns="91440" bIns="45720" rtlCol="0" anchor="b"/>
+          <a:lstStyle>
+            <a:lvl1pPr algn="r">
+              <a:defRPr sz="1200"/>
+            </a:lvl1pPr>
+          </a:lstStyle>
+          <a:p>
+            <a:fld id="{A8056219-52E5-46EB-8402-B0D5886D658D}" type="slidenum">
+              <a:rPr lang="en-US" smtClean="0"/>
+              <a:t>‹#›</a:t>
+            </a:fld>
+            <a:endParaRPr lang="en-US"/>
+          </a:p>
+        </p:txBody>
+      </p:sp>
+    </p:spTree>
+    <p:extLst>
+      <p:ext uri="{BB962C8B-B14F-4D97-AF65-F5344CB8AC3E}">
+        <p14:creationId xmlns:p14="http://schemas.microsoft.com/office/powerpoint/2010/main" val="2130647344"/>
+      </p:ext>
+    </p:extLst>
+  </p:cSld>
+  <p:clrMap bg1="lt1" tx1="dk1" bg2="lt2" tx2="dk2" accent1="accent1" accent2="accent2" accent3="accent3" accent4="accent4" accent5="accent5" accent6="accent6" hlink="hlink" folHlink="folHlink"/>
+  <p:notesStyle>
+    <a:lvl1pPr marL="0" algn="l" defTabSz="914400" rtl="0" eaLnBrk="1" latinLnBrk="0" hangingPunct="1">
+      <a:defRPr sz="1200" kern="1200">
+        <a:solidFill>
+          <a:schemeClr val="tx1"/>
+        </a:solidFill>
+        <a:latin typeface="+mn-lt"/>
+        <a:ea typeface="+mn-ea"/>
+        <a:cs typeface="+mn-cs"/>
+      </a:defRPr>
+    </a:lvl1pPr>
+    <a:lvl2pPr marL="457200" algn="l" defTabSz="914400" rtl="0" eaLnBrk="1" latinLnBrk="0" hangingPunct="1">
+      <a:defRPr sz="1200" kern="1200">
+        <a:solidFill>
+          <a:schemeClr val="tx1"/>
+        </a:solidFill>
+        <a:latin typeface="+mn-lt"/>
+        <a:ea typeface="+mn-ea"/>
+        <a:cs typeface="+mn-cs"/>
+      </a:defRPr>
+    </a:lvl2pPr>
+    <a:lvl3pPr marL="914400" algn="l" defTabSz="914400" rtl="0" eaLnBrk="1" latinLnBrk="0" hangingPunct="1">
+      <a:defRPr sz="1200" kern="1200">
+        <a:solidFill>
+          <a:schemeClr val="tx1"/>
+        </a:solidFill>
+        <a:latin typeface="+mn-lt"/>
+        <a:ea typeface="+mn-ea"/>
+        <a:cs typeface="+mn-cs"/>
+      </a:defRPr>
+    </a:lvl3pPr>
+    <a:lvl4pPr marL="1371600" algn="l" defTabSz="914400" rtl="0" eaLnBrk="1" latinLnBrk="0" hangingPunct="1">
+      <a:defRPr sz="1200" kern="1200">
+        <a:solidFill>
+          <a:schemeClr val="tx1"/>
+        </a:solidFill>
+        <a:latin typeface="+mn-lt"/>
+        <a:ea typeface="+mn-ea"/>
+        <a:cs typeface="+mn-cs"/>
+      </a:defRPr>
+    </a:lvl4pPr>
+    <a:lvl5pPr marL="1828800" algn="l" defTabSz="914400" rtl="0" eaLnBrk="1" latinLnBrk="0" hangingPunct="1">
+      <a:defRPr sz="1200" kern="1200">
+        <a:solidFill>
+          <a:schemeClr val="tx1"/>
+        </a:solidFill>
+        <a:latin typeface="+mn-lt"/>
+        <a:ea typeface="+mn-ea"/>
+        <a:cs typeface="+mn-cs"/>
+      </a:defRPr>
+    </a:lvl5pPr>
+    <a:lvl6pPr marL="2286000" algn="l" defTabSz="914400" rtl="0" eaLnBrk="1" latinLnBrk="0" hangingPunct="1">
+      <a:defRPr sz="1200" kern="1200">
+        <a:solidFill>
+          <a:schemeClr val="tx1"/>
+        </a:solidFill>
+        <a:latin typeface="+mn-lt"/>
+        <a:ea typeface="+mn-ea"/>
+        <a:cs typeface="+mn-cs"/>
+      </a:defRPr>
+    </a:lvl6pPr>
+    <a:lvl7pPr marL="2743200" algn="l" defTabSz="914400" rtl="0" eaLnBrk="1" latinLnBrk="0" hangingPunct="1">
+      <a:defRPr sz="1200" kern="1200">
+        <a:solidFill>
+          <a:schemeClr val="tx1"/>
+        </a:solidFill>
+        <a:latin typeface="+mn-lt"/>
+        <a:ea typeface="+mn-ea"/>
+        <a:cs typeface="+mn-cs"/>
+      </a:defRPr>
+    </a:lvl7pPr>
+    <a:lvl8pPr marL="3200400" algn="l" defTabSz="914400" rtl="0" eaLnBrk="1" latinLnBrk="0" hangingPunct="1">
+      <a:defRPr sz="1200" kern="1200">
+        <a:solidFill>
+          <a:schemeClr val="tx1"/>
+        </a:solidFill>
+        <a:latin typeface="+mn-lt"/>
+        <a:ea typeface="+mn-ea"/>
+        <a:cs typeface="+mn-cs"/>
+      </a:defRPr>
+    </a:lvl8pPr>
+    <a:lvl9pPr marL="3657600" algn="l" defTabSz="914400" rtl="0" eaLnBrk="1" latinLnBrk="0" hangingPunct="1">
+      <a:defRPr sz="1200" kern="1200">
+        <a:solidFill>
+          <a:schemeClr val="tx1"/>
+        </a:solidFill>
+        <a:latin typeface="+mn-lt"/>
+        <a:ea typeface="+mn-ea"/>
+        <a:cs typeface="+mn-cs"/>
+      </a:defRPr>
+    </a:lvl9pPr>
+  </p:notesStyle>
+</p:notesMaster>
+</file>
+
+<file path=ppt/notesSlides/notesSlide1.xml><?xml version="1.0" encoding="utf-8"?>
+<p:notes xmlns:a="http://schemas.openxmlformats.org/drawingml/2006/main" xmlns:r="http://schemas.openxmlformats.org/officeDocument/2006/relationships" xmlns:p="http://schemas.openxmlformats.org/presentationml/2006/main">
+  <p:cSld>
+    <p:spTree>
+      <p:nvGrpSpPr>
+        <p:cNvPr id="1" name=""/>
+        <p:cNvGrpSpPr/>
+        <p:nvPr/>
+      </p:nvGrpSpPr>
+      <p:grpSpPr>
+        <a:xfrm>
+          <a:off x="0" y="0"/>
+          <a:ext cx="0" cy="0"/>
+          <a:chOff x="0" y="0"/>
+          <a:chExt cx="0" cy="0"/>
+        </a:xfrm>
+      </p:grpSpPr>
+      <p:sp>
+        <p:nvSpPr>
+          <p:cNvPr id="2" name="Slide Image Placeholder 1"/>
+          <p:cNvSpPr>
+            <a:spLocks noGrp="1" noRot="1" noChangeAspect="1"/>
+          </p:cNvSpPr>
+          <p:nvPr>
+            <p:ph type="sldImg"/>
+          </p:nvPr>
+        </p:nvSpPr>
+        <p:spPr/>
+      </p:sp>
+      <p:sp>
+        <p:nvSpPr>
+          <p:cNvPr id="3" name="Notes Placeholder 2"/>
+          <p:cNvSpPr>
+            <a:spLocks noGrp="1"/>
+          </p:cNvSpPr>
+          <p:nvPr>
+            <p:ph type="body" idx="1"/>
+          </p:nvPr>
+        </p:nvSpPr>
+        <p:spPr/>
+        <p:txBody>
+          <a:bodyPr/>
+          <a:lstStyle/>
+          <a:p>
+            <a:endParaRPr lang="en-US" dirty="0"/>
+          </a:p>
+        </p:txBody>
+      </p:sp>
+      <p:sp>
+        <p:nvSpPr>
+          <p:cNvPr id="4" name="Slide Number Placeholder 3"/>
+          <p:cNvSpPr>
+            <a:spLocks noGrp="1"/>
+          </p:cNvSpPr>
+          <p:nvPr>
+            <p:ph type="sldNum" sz="quarter" idx="10"/>
+          </p:nvPr>
+        </p:nvSpPr>
+        <p:spPr/>
+        <p:txBody>
+          <a:bodyPr/>
+          <a:lstStyle/>
+          <a:p>
+            <a:fld id="{A8056219-52E5-46EB-8402-B0D5886D658D}" type="slidenum">
+              <a:rPr lang="en-US" smtClean="0"/>
+              <a:t>2</a:t>
+            </a:fld>
+            <a:endParaRPr lang="en-US"/>
+          </a:p>
+        </p:txBody>
+      </p:sp>
+    </p:spTree>
+    <p:extLst>
+      <p:ext uri="{BB962C8B-B14F-4D97-AF65-F5344CB8AC3E}">
+        <p14:creationId xmlns:p14="http://schemas.microsoft.com/office/powerpoint/2010/main" val="2246773893"/>
+      </p:ext>
+    </p:extLst>
+  </p:cSld>
+  <p:clrMapOvr>
+    <a:masterClrMapping/>
+  </p:clrMapOvr>
+</p:notes>
 </file>
 
 <file path=ppt/slideLayouts/slideLayout1.xml><?xml version="1.0" encoding="utf-8"?>
@@ -3869,6 +7554,833 @@
 </p:sld>
 </file>
 
+<file path=ppt/slides/slide10.xml><?xml version="1.0" encoding="utf-8"?>
+<p:sld xmlns:a="http://schemas.openxmlformats.org/drawingml/2006/main" xmlns:r="http://schemas.openxmlformats.org/officeDocument/2006/relationships" xmlns:p="http://schemas.openxmlformats.org/presentationml/2006/main">
+  <p:cSld>
+    <p:spTree>
+      <p:nvGrpSpPr>
+        <p:cNvPr id="1" name=""/>
+        <p:cNvGrpSpPr/>
+        <p:nvPr/>
+      </p:nvGrpSpPr>
+      <p:grpSpPr>
+        <a:xfrm>
+          <a:off x="0" y="0"/>
+          <a:ext cx="0" cy="0"/>
+          <a:chOff x="0" y="0"/>
+          <a:chExt cx="0" cy="0"/>
+        </a:xfrm>
+      </p:grpSpPr>
+      <p:sp>
+        <p:nvSpPr>
+          <p:cNvPr id="2" name="Title 1"/>
+          <p:cNvSpPr>
+            <a:spLocks noGrp="1"/>
+          </p:cNvSpPr>
+          <p:nvPr>
+            <p:ph type="title"/>
+          </p:nvPr>
+        </p:nvSpPr>
+        <p:spPr/>
+        <p:txBody>
+          <a:bodyPr/>
+          <a:lstStyle/>
+          <a:p>
+            <a:r>
+              <a:rPr lang="en-US" dirty="0" err="1"/>
+              <a:t>ReplaceNode</a:t>
+            </a:r>
+            <a:r>
+              <a:rPr lang="ru-RU" dirty="0"/>
+              <a:t> – лучшая замена</a:t>
+            </a:r>
+            <a:endParaRPr lang="en-US" dirty="0"/>
+          </a:p>
+        </p:txBody>
+      </p:sp>
+      <p:sp>
+        <p:nvSpPr>
+          <p:cNvPr id="3" name="Content Placeholder 2"/>
+          <p:cNvSpPr>
+            <a:spLocks noGrp="1"/>
+          </p:cNvSpPr>
+          <p:nvPr>
+            <p:ph idx="1"/>
+          </p:nvPr>
+        </p:nvSpPr>
+        <p:spPr/>
+        <p:txBody>
+          <a:bodyPr/>
+          <a:lstStyle/>
+          <a:p>
+            <a:endParaRPr lang="en-US"/>
+          </a:p>
+        </p:txBody>
+      </p:sp>
+    </p:spTree>
+    <p:extLst>
+      <p:ext uri="{BB962C8B-B14F-4D97-AF65-F5344CB8AC3E}">
+        <p14:creationId xmlns:p14="http://schemas.microsoft.com/office/powerpoint/2010/main" val="2121677900"/>
+      </p:ext>
+    </p:extLst>
+  </p:cSld>
+  <p:clrMapOvr>
+    <a:masterClrMapping/>
+  </p:clrMapOvr>
+</p:sld>
+</file>
+
+<file path=ppt/slides/slide11.xml><?xml version="1.0" encoding="utf-8"?>
+<p:sld xmlns:a="http://schemas.openxmlformats.org/drawingml/2006/main" xmlns:r="http://schemas.openxmlformats.org/officeDocument/2006/relationships" xmlns:p="http://schemas.openxmlformats.org/presentationml/2006/main">
+  <p:cSld>
+    <p:spTree>
+      <p:nvGrpSpPr>
+        <p:cNvPr id="1" name=""/>
+        <p:cNvGrpSpPr/>
+        <p:nvPr/>
+      </p:nvGrpSpPr>
+      <p:grpSpPr>
+        <a:xfrm>
+          <a:off x="0" y="0"/>
+          <a:ext cx="0" cy="0"/>
+          <a:chOff x="0" y="0"/>
+          <a:chExt cx="0" cy="0"/>
+        </a:xfrm>
+      </p:grpSpPr>
+      <p:sp>
+        <p:nvSpPr>
+          <p:cNvPr id="2" name="Title 1"/>
+          <p:cNvSpPr>
+            <a:spLocks noGrp="1"/>
+          </p:cNvSpPr>
+          <p:nvPr>
+            <p:ph type="title"/>
+          </p:nvPr>
+        </p:nvSpPr>
+        <p:spPr/>
+        <p:txBody>
+          <a:bodyPr/>
+          <a:lstStyle/>
+          <a:p>
+            <a:r>
+              <a:rPr lang="ru-RU" dirty="0"/>
+              <a:t>ВСтрока</a:t>
+            </a:r>
+            <a:endParaRPr lang="en-US" dirty="0"/>
+          </a:p>
+        </p:txBody>
+      </p:sp>
+      <p:sp>
+        <p:nvSpPr>
+          <p:cNvPr id="4" name="Text Placeholder 3"/>
+          <p:cNvSpPr>
+            <a:spLocks noGrp="1"/>
+          </p:cNvSpPr>
+          <p:nvPr>
+            <p:ph type="body" idx="1"/>
+          </p:nvPr>
+        </p:nvSpPr>
+        <p:spPr/>
+        <p:txBody>
+          <a:bodyPr/>
+          <a:lstStyle/>
+          <a:p>
+            <a:r>
+              <a:rPr lang="en-US" dirty="0" err="1"/>
+              <a:t>ToString</a:t>
+            </a:r>
+            <a:endParaRPr lang="en-US" dirty="0"/>
+          </a:p>
+        </p:txBody>
+      </p:sp>
+      <p:sp>
+        <p:nvSpPr>
+          <p:cNvPr id="5" name="Content Placeholder 4"/>
+          <p:cNvSpPr>
+            <a:spLocks noGrp="1"/>
+          </p:cNvSpPr>
+          <p:nvPr>
+            <p:ph sz="half" idx="2"/>
+          </p:nvPr>
+        </p:nvSpPr>
+        <p:spPr/>
+        <p:txBody>
+          <a:bodyPr/>
+          <a:lstStyle/>
+          <a:p>
+            <a:endParaRPr lang="en-US"/>
+          </a:p>
+        </p:txBody>
+      </p:sp>
+      <p:sp>
+        <p:nvSpPr>
+          <p:cNvPr id="6" name="Text Placeholder 5"/>
+          <p:cNvSpPr>
+            <a:spLocks noGrp="1"/>
+          </p:cNvSpPr>
+          <p:nvPr>
+            <p:ph type="body" sz="quarter" idx="3"/>
+          </p:nvPr>
+        </p:nvSpPr>
+        <p:spPr/>
+        <p:txBody>
+          <a:bodyPr/>
+          <a:lstStyle/>
+          <a:p>
+            <a:r>
+              <a:rPr lang="en-US" dirty="0" err="1"/>
+              <a:t>tofullstring</a:t>
+            </a:r>
+            <a:endParaRPr lang="en-US" dirty="0"/>
+          </a:p>
+        </p:txBody>
+      </p:sp>
+      <p:sp>
+        <p:nvSpPr>
+          <p:cNvPr id="7" name="Content Placeholder 6"/>
+          <p:cNvSpPr>
+            <a:spLocks noGrp="1"/>
+          </p:cNvSpPr>
+          <p:nvPr>
+            <p:ph sz="quarter" idx="4"/>
+          </p:nvPr>
+        </p:nvSpPr>
+        <p:spPr/>
+        <p:txBody>
+          <a:bodyPr/>
+          <a:lstStyle/>
+          <a:p>
+            <a:endParaRPr lang="en-US"/>
+          </a:p>
+        </p:txBody>
+      </p:sp>
+    </p:spTree>
+    <p:extLst>
+      <p:ext uri="{BB962C8B-B14F-4D97-AF65-F5344CB8AC3E}">
+        <p14:creationId xmlns:p14="http://schemas.microsoft.com/office/powerpoint/2010/main" val="3246753431"/>
+      </p:ext>
+    </p:extLst>
+  </p:cSld>
+  <p:clrMapOvr>
+    <a:masterClrMapping/>
+  </p:clrMapOvr>
+</p:sld>
+</file>
+
+<file path=ppt/slides/slide12.xml><?xml version="1.0" encoding="utf-8"?>
+<p:sld xmlns:a="http://schemas.openxmlformats.org/drawingml/2006/main" xmlns:r="http://schemas.openxmlformats.org/officeDocument/2006/relationships" xmlns:p="http://schemas.openxmlformats.org/presentationml/2006/main">
+  <p:cSld>
+    <p:spTree>
+      <p:nvGrpSpPr>
+        <p:cNvPr id="1" name=""/>
+        <p:cNvGrpSpPr/>
+        <p:nvPr/>
+      </p:nvGrpSpPr>
+      <p:grpSpPr>
+        <a:xfrm>
+          <a:off x="0" y="0"/>
+          <a:ext cx="0" cy="0"/>
+          <a:chOff x="0" y="0"/>
+          <a:chExt cx="0" cy="0"/>
+        </a:xfrm>
+      </p:grpSpPr>
+      <p:sp>
+        <p:nvSpPr>
+          <p:cNvPr id="2" name="Title 1"/>
+          <p:cNvSpPr>
+            <a:spLocks noGrp="1"/>
+          </p:cNvSpPr>
+          <p:nvPr>
+            <p:ph type="title"/>
+          </p:nvPr>
+        </p:nvSpPr>
+        <p:spPr/>
+        <p:txBody>
+          <a:bodyPr/>
+          <a:lstStyle/>
+          <a:p>
+            <a:r>
+              <a:rPr lang="en-US" dirty="0"/>
+              <a:t>F12</a:t>
+            </a:r>
+          </a:p>
+        </p:txBody>
+      </p:sp>
+      <p:sp>
+        <p:nvSpPr>
+          <p:cNvPr id="3" name="Content Placeholder 2"/>
+          <p:cNvSpPr>
+            <a:spLocks noGrp="1"/>
+          </p:cNvSpPr>
+          <p:nvPr>
+            <p:ph idx="1"/>
+          </p:nvPr>
+        </p:nvSpPr>
+        <p:spPr/>
+        <p:txBody>
+          <a:bodyPr/>
+          <a:lstStyle/>
+          <a:p>
+            <a:endParaRPr lang="en-US"/>
+          </a:p>
+        </p:txBody>
+      </p:sp>
+    </p:spTree>
+    <p:extLst>
+      <p:ext uri="{BB962C8B-B14F-4D97-AF65-F5344CB8AC3E}">
+        <p14:creationId xmlns:p14="http://schemas.microsoft.com/office/powerpoint/2010/main" val="2264009411"/>
+      </p:ext>
+    </p:extLst>
+  </p:cSld>
+  <p:clrMapOvr>
+    <a:masterClrMapping/>
+  </p:clrMapOvr>
+</p:sld>
+</file>
+
+<file path=ppt/slides/slide13.xml><?xml version="1.0" encoding="utf-8"?>
+<p:sld xmlns:a="http://schemas.openxmlformats.org/drawingml/2006/main" xmlns:r="http://schemas.openxmlformats.org/officeDocument/2006/relationships" xmlns:p="http://schemas.openxmlformats.org/presentationml/2006/main">
+  <p:cSld>
+    <p:spTree>
+      <p:nvGrpSpPr>
+        <p:cNvPr id="1" name=""/>
+        <p:cNvGrpSpPr/>
+        <p:nvPr/>
+      </p:nvGrpSpPr>
+      <p:grpSpPr>
+        <a:xfrm>
+          <a:off x="0" y="0"/>
+          <a:ext cx="0" cy="0"/>
+          <a:chOff x="0" y="0"/>
+          <a:chExt cx="0" cy="0"/>
+        </a:xfrm>
+      </p:grpSpPr>
+      <p:sp>
+        <p:nvSpPr>
+          <p:cNvPr id="2" name="Title 1"/>
+          <p:cNvSpPr>
+            <a:spLocks noGrp="1"/>
+          </p:cNvSpPr>
+          <p:nvPr>
+            <p:ph type="title"/>
+          </p:nvPr>
+        </p:nvSpPr>
+        <p:spPr/>
+        <p:txBody>
+          <a:bodyPr/>
+          <a:lstStyle/>
+          <a:p>
+            <a:r>
+              <a:rPr lang="en-US" dirty="0"/>
+              <a:t>Syntax Visualizer </a:t>
+            </a:r>
+            <a:r>
+              <a:rPr lang="ru-RU" dirty="0"/>
+              <a:t>не постоянен</a:t>
+            </a:r>
+            <a:endParaRPr lang="en-US" dirty="0"/>
+          </a:p>
+        </p:txBody>
+      </p:sp>
+      <p:sp>
+        <p:nvSpPr>
+          <p:cNvPr id="3" name="Content Placeholder 2"/>
+          <p:cNvSpPr>
+            <a:spLocks noGrp="1"/>
+          </p:cNvSpPr>
+          <p:nvPr>
+            <p:ph idx="1"/>
+          </p:nvPr>
+        </p:nvSpPr>
+        <p:spPr/>
+        <p:txBody>
+          <a:bodyPr/>
+          <a:lstStyle/>
+          <a:p>
+            <a:r>
+              <a:rPr lang="ru-RU" dirty="0"/>
+              <a:t>Есть не только тип узла, но и </a:t>
+            </a:r>
+            <a:r>
+              <a:rPr lang="en-US" dirty="0" err="1"/>
+              <a:t>SyntaxKind</a:t>
+            </a:r>
+            <a:endParaRPr lang="en-US" dirty="0"/>
+          </a:p>
+        </p:txBody>
+      </p:sp>
+    </p:spTree>
+    <p:extLst>
+      <p:ext uri="{BB962C8B-B14F-4D97-AF65-F5344CB8AC3E}">
+        <p14:creationId xmlns:p14="http://schemas.microsoft.com/office/powerpoint/2010/main" val="3819152623"/>
+      </p:ext>
+    </p:extLst>
+  </p:cSld>
+  <p:clrMapOvr>
+    <a:masterClrMapping/>
+  </p:clrMapOvr>
+</p:sld>
+</file>
+
+<file path=ppt/slides/slide14.xml><?xml version="1.0" encoding="utf-8"?>
+<p:sld xmlns:a="http://schemas.openxmlformats.org/drawingml/2006/main" xmlns:r="http://schemas.openxmlformats.org/officeDocument/2006/relationships" xmlns:p="http://schemas.openxmlformats.org/presentationml/2006/main">
+  <p:cSld>
+    <p:spTree>
+      <p:nvGrpSpPr>
+        <p:cNvPr id="1" name=""/>
+        <p:cNvGrpSpPr/>
+        <p:nvPr/>
+      </p:nvGrpSpPr>
+      <p:grpSpPr>
+        <a:xfrm>
+          <a:off x="0" y="0"/>
+          <a:ext cx="0" cy="0"/>
+          <a:chOff x="0" y="0"/>
+          <a:chExt cx="0" cy="0"/>
+        </a:xfrm>
+      </p:grpSpPr>
+      <p:sp>
+        <p:nvSpPr>
+          <p:cNvPr id="2" name="Title 1"/>
+          <p:cNvSpPr>
+            <a:spLocks noGrp="1"/>
+          </p:cNvSpPr>
+          <p:nvPr>
+            <p:ph type="title"/>
+          </p:nvPr>
+        </p:nvSpPr>
+        <p:spPr/>
+        <p:txBody>
+          <a:bodyPr/>
+          <a:lstStyle/>
+          <a:p>
+            <a:r>
+              <a:rPr lang="ru-RU" dirty="0"/>
+              <a:t>Где имя, там </a:t>
+            </a:r>
+            <a:r>
+              <a:rPr lang="en-US" dirty="0"/>
+              <a:t>Identifier</a:t>
+            </a:r>
+            <a:endParaRPr lang="en-US" dirty="0"/>
+          </a:p>
+        </p:txBody>
+      </p:sp>
+      <p:sp>
+        <p:nvSpPr>
+          <p:cNvPr id="3" name="Content Placeholder 2"/>
+          <p:cNvSpPr>
+            <a:spLocks noGrp="1"/>
+          </p:cNvSpPr>
+          <p:nvPr>
+            <p:ph idx="1"/>
+          </p:nvPr>
+        </p:nvSpPr>
+        <p:spPr/>
+        <p:txBody>
+          <a:bodyPr/>
+          <a:lstStyle/>
+          <a:p>
+            <a:endParaRPr lang="en-US"/>
+          </a:p>
+        </p:txBody>
+      </p:sp>
+    </p:spTree>
+    <p:extLst>
+      <p:ext uri="{BB962C8B-B14F-4D97-AF65-F5344CB8AC3E}">
+        <p14:creationId xmlns:p14="http://schemas.microsoft.com/office/powerpoint/2010/main" val="2647262705"/>
+      </p:ext>
+    </p:extLst>
+  </p:cSld>
+  <p:clrMapOvr>
+    <a:masterClrMapping/>
+  </p:clrMapOvr>
+</p:sld>
+</file>
+
+<file path=ppt/slides/slide15.xml><?xml version="1.0" encoding="utf-8"?>
+<p:sld xmlns:a="http://schemas.openxmlformats.org/drawingml/2006/main" xmlns:r="http://schemas.openxmlformats.org/officeDocument/2006/relationships" xmlns:p="http://schemas.openxmlformats.org/presentationml/2006/main">
+  <p:cSld>
+    <p:spTree>
+      <p:nvGrpSpPr>
+        <p:cNvPr id="1" name=""/>
+        <p:cNvGrpSpPr/>
+        <p:nvPr/>
+      </p:nvGrpSpPr>
+      <p:grpSpPr>
+        <a:xfrm>
+          <a:off x="0" y="0"/>
+          <a:ext cx="0" cy="0"/>
+          <a:chOff x="0" y="0"/>
+          <a:chExt cx="0" cy="0"/>
+        </a:xfrm>
+      </p:grpSpPr>
+      <p:sp>
+        <p:nvSpPr>
+          <p:cNvPr id="2" name="Title 1"/>
+          <p:cNvSpPr>
+            <a:spLocks noGrp="1"/>
+          </p:cNvSpPr>
+          <p:nvPr>
+            <p:ph type="title"/>
+          </p:nvPr>
+        </p:nvSpPr>
+        <p:spPr/>
+        <p:txBody>
+          <a:bodyPr/>
+          <a:lstStyle/>
+          <a:p>
+            <a:r>
+              <a:rPr lang="ru-RU" dirty="0"/>
+              <a:t>Есть </a:t>
+            </a:r>
+            <a:r>
+              <a:rPr lang="en-US" dirty="0"/>
+              <a:t>Equals, </a:t>
+            </a:r>
+            <a:r>
+              <a:rPr lang="ru-RU" dirty="0"/>
+              <a:t>а есть </a:t>
+            </a:r>
+            <a:r>
+              <a:rPr lang="en-US" dirty="0" err="1"/>
+              <a:t>IsEquivalentTo</a:t>
+            </a:r>
+            <a:endParaRPr lang="en-US" dirty="0"/>
+          </a:p>
+        </p:txBody>
+      </p:sp>
+      <p:sp>
+        <p:nvSpPr>
+          <p:cNvPr id="3" name="Content Placeholder 2"/>
+          <p:cNvSpPr>
+            <a:spLocks noGrp="1"/>
+          </p:cNvSpPr>
+          <p:nvPr>
+            <p:ph idx="1"/>
+          </p:nvPr>
+        </p:nvSpPr>
+        <p:spPr/>
+        <p:txBody>
+          <a:bodyPr/>
+          <a:lstStyle/>
+          <a:p>
+            <a:endParaRPr lang="en-US"/>
+          </a:p>
+        </p:txBody>
+      </p:sp>
+    </p:spTree>
+    <p:extLst>
+      <p:ext uri="{BB962C8B-B14F-4D97-AF65-F5344CB8AC3E}">
+        <p14:creationId xmlns:p14="http://schemas.microsoft.com/office/powerpoint/2010/main" val="4151423151"/>
+      </p:ext>
+    </p:extLst>
+  </p:cSld>
+  <p:clrMapOvr>
+    <a:masterClrMapping/>
+  </p:clrMapOvr>
+</p:sld>
+</file>
+
+<file path=ppt/slides/slide16.xml><?xml version="1.0" encoding="utf-8"?>
+<p:sld xmlns:a="http://schemas.openxmlformats.org/drawingml/2006/main" xmlns:r="http://schemas.openxmlformats.org/officeDocument/2006/relationships" xmlns:p="http://schemas.openxmlformats.org/presentationml/2006/main">
+  <p:cSld>
+    <p:spTree>
+      <p:nvGrpSpPr>
+        <p:cNvPr id="1" name=""/>
+        <p:cNvGrpSpPr/>
+        <p:nvPr/>
+      </p:nvGrpSpPr>
+      <p:grpSpPr>
+        <a:xfrm>
+          <a:off x="0" y="0"/>
+          <a:ext cx="0" cy="0"/>
+          <a:chOff x="0" y="0"/>
+          <a:chExt cx="0" cy="0"/>
+        </a:xfrm>
+      </p:grpSpPr>
+      <p:sp>
+        <p:nvSpPr>
+          <p:cNvPr id="2" name="Title 1"/>
+          <p:cNvSpPr>
+            <a:spLocks noGrp="1"/>
+          </p:cNvSpPr>
+          <p:nvPr>
+            <p:ph type="title"/>
+          </p:nvPr>
+        </p:nvSpPr>
+        <p:spPr/>
+        <p:txBody>
+          <a:bodyPr/>
+          <a:lstStyle/>
+          <a:p>
+            <a:r>
+              <a:rPr lang="en-US" dirty="0" err="1"/>
+              <a:t>InsertNodesBefore</a:t>
+            </a:r>
+            <a:r>
+              <a:rPr lang="en-US" dirty="0"/>
+              <a:t>/</a:t>
+            </a:r>
+            <a:r>
+              <a:rPr lang="en-US" dirty="0" err="1"/>
+              <a:t>InsertNodesAfter</a:t>
+            </a:r>
+            <a:endParaRPr lang="en-US" dirty="0"/>
+          </a:p>
+        </p:txBody>
+      </p:sp>
+      <p:sp>
+        <p:nvSpPr>
+          <p:cNvPr id="3" name="Content Placeholder 2"/>
+          <p:cNvSpPr>
+            <a:spLocks noGrp="1"/>
+          </p:cNvSpPr>
+          <p:nvPr>
+            <p:ph idx="1"/>
+          </p:nvPr>
+        </p:nvSpPr>
+        <p:spPr/>
+        <p:txBody>
+          <a:bodyPr/>
+          <a:lstStyle/>
+          <a:p>
+            <a:endParaRPr lang="en-US"/>
+          </a:p>
+        </p:txBody>
+      </p:sp>
+    </p:spTree>
+    <p:extLst>
+      <p:ext uri="{BB962C8B-B14F-4D97-AF65-F5344CB8AC3E}">
+        <p14:creationId xmlns:p14="http://schemas.microsoft.com/office/powerpoint/2010/main" val="1231915307"/>
+      </p:ext>
+    </p:extLst>
+  </p:cSld>
+  <p:clrMapOvr>
+    <a:masterClrMapping/>
+  </p:clrMapOvr>
+</p:sld>
+</file>
+
+<file path=ppt/slides/slide17.xml><?xml version="1.0" encoding="utf-8"?>
+<p:sld xmlns:a="http://schemas.openxmlformats.org/drawingml/2006/main" xmlns:r="http://schemas.openxmlformats.org/officeDocument/2006/relationships" xmlns:p="http://schemas.openxmlformats.org/presentationml/2006/main">
+  <p:cSld>
+    <p:spTree>
+      <p:nvGrpSpPr>
+        <p:cNvPr id="1" name=""/>
+        <p:cNvGrpSpPr/>
+        <p:nvPr/>
+      </p:nvGrpSpPr>
+      <p:grpSpPr>
+        <a:xfrm>
+          <a:off x="0" y="0"/>
+          <a:ext cx="0" cy="0"/>
+          <a:chOff x="0" y="0"/>
+          <a:chExt cx="0" cy="0"/>
+        </a:xfrm>
+      </p:grpSpPr>
+      <p:sp>
+        <p:nvSpPr>
+          <p:cNvPr id="2" name="Title 1"/>
+          <p:cNvSpPr>
+            <a:spLocks noGrp="1"/>
+          </p:cNvSpPr>
+          <p:nvPr>
+            <p:ph type="title"/>
+          </p:nvPr>
+        </p:nvSpPr>
+        <p:spPr/>
+        <p:txBody>
+          <a:bodyPr/>
+          <a:lstStyle/>
+          <a:p>
+            <a:r>
+              <a:rPr lang="en-US" dirty="0"/>
+              <a:t>With…./Add…</a:t>
+            </a:r>
+          </a:p>
+        </p:txBody>
+      </p:sp>
+      <p:sp>
+        <p:nvSpPr>
+          <p:cNvPr id="3" name="Content Placeholder 2"/>
+          <p:cNvSpPr>
+            <a:spLocks noGrp="1"/>
+          </p:cNvSpPr>
+          <p:nvPr>
+            <p:ph idx="1"/>
+          </p:nvPr>
+        </p:nvSpPr>
+        <p:spPr/>
+        <p:txBody>
+          <a:bodyPr/>
+          <a:lstStyle/>
+          <a:p>
+            <a:endParaRPr lang="en-US"/>
+          </a:p>
+        </p:txBody>
+      </p:sp>
+    </p:spTree>
+    <p:extLst>
+      <p:ext uri="{BB962C8B-B14F-4D97-AF65-F5344CB8AC3E}">
+        <p14:creationId xmlns:p14="http://schemas.microsoft.com/office/powerpoint/2010/main" val="3218549126"/>
+      </p:ext>
+    </p:extLst>
+  </p:cSld>
+  <p:clrMapOvr>
+    <a:masterClrMapping/>
+  </p:clrMapOvr>
+</p:sld>
+</file>
+
+<file path=ppt/slides/slide18.xml><?xml version="1.0" encoding="utf-8"?>
+<p:sld xmlns:a="http://schemas.openxmlformats.org/drawingml/2006/main" xmlns:r="http://schemas.openxmlformats.org/officeDocument/2006/relationships" xmlns:p="http://schemas.openxmlformats.org/presentationml/2006/main">
+  <p:cSld>
+    <p:spTree>
+      <p:nvGrpSpPr>
+        <p:cNvPr id="1" name=""/>
+        <p:cNvGrpSpPr/>
+        <p:nvPr/>
+      </p:nvGrpSpPr>
+      <p:grpSpPr>
+        <a:xfrm>
+          <a:off x="0" y="0"/>
+          <a:ext cx="0" cy="0"/>
+          <a:chOff x="0" y="0"/>
+          <a:chExt cx="0" cy="0"/>
+        </a:xfrm>
+      </p:grpSpPr>
+      <p:sp>
+        <p:nvSpPr>
+          <p:cNvPr id="2" name="Title 1"/>
+          <p:cNvSpPr>
+            <a:spLocks noGrp="1"/>
+          </p:cNvSpPr>
+          <p:nvPr>
+            <p:ph type="title"/>
+          </p:nvPr>
+        </p:nvSpPr>
+        <p:spPr/>
+        <p:txBody>
+          <a:bodyPr/>
+          <a:lstStyle/>
+          <a:p>
+            <a:r>
+              <a:rPr lang="ru-RU" dirty="0"/>
+              <a:t>У каждого токена есть свой </a:t>
+            </a:r>
+            <a:r>
+              <a:rPr lang="en-US" dirty="0" err="1"/>
+              <a:t>TokenKind</a:t>
+            </a:r>
+            <a:endParaRPr lang="en-US" dirty="0"/>
+          </a:p>
+        </p:txBody>
+      </p:sp>
+      <p:sp>
+        <p:nvSpPr>
+          <p:cNvPr id="3" name="Content Placeholder 2"/>
+          <p:cNvSpPr>
+            <a:spLocks noGrp="1"/>
+          </p:cNvSpPr>
+          <p:nvPr>
+            <p:ph idx="1"/>
+          </p:nvPr>
+        </p:nvSpPr>
+        <p:spPr/>
+        <p:txBody>
+          <a:bodyPr/>
+          <a:lstStyle/>
+          <a:p>
+            <a:endParaRPr lang="en-US"/>
+          </a:p>
+        </p:txBody>
+      </p:sp>
+    </p:spTree>
+    <p:extLst>
+      <p:ext uri="{BB962C8B-B14F-4D97-AF65-F5344CB8AC3E}">
+        <p14:creationId xmlns:p14="http://schemas.microsoft.com/office/powerpoint/2010/main" val="45307129"/>
+      </p:ext>
+    </p:extLst>
+  </p:cSld>
+  <p:clrMapOvr>
+    <a:masterClrMapping/>
+  </p:clrMapOvr>
+</p:sld>
+</file>
+
+<file path=ppt/slides/slide19.xml><?xml version="1.0" encoding="utf-8"?>
+<p:sld xmlns:a="http://schemas.openxmlformats.org/drawingml/2006/main" xmlns:r="http://schemas.openxmlformats.org/officeDocument/2006/relationships" xmlns:p="http://schemas.openxmlformats.org/presentationml/2006/main">
+  <p:cSld>
+    <p:spTree>
+      <p:nvGrpSpPr>
+        <p:cNvPr id="1" name=""/>
+        <p:cNvGrpSpPr/>
+        <p:nvPr/>
+      </p:nvGrpSpPr>
+      <p:grpSpPr>
+        <a:xfrm>
+          <a:off x="0" y="0"/>
+          <a:ext cx="0" cy="0"/>
+          <a:chOff x="0" y="0"/>
+          <a:chExt cx="0" cy="0"/>
+        </a:xfrm>
+      </p:grpSpPr>
+      <p:sp>
+        <p:nvSpPr>
+          <p:cNvPr id="2" name="Title 1"/>
+          <p:cNvSpPr>
+            <a:spLocks noGrp="1"/>
+          </p:cNvSpPr>
+          <p:nvPr>
+            <p:ph type="title"/>
+          </p:nvPr>
+        </p:nvSpPr>
+        <p:spPr/>
+        <p:txBody>
+          <a:bodyPr/>
+          <a:lstStyle/>
+          <a:p>
+            <a:r>
+              <a:rPr lang="ru-RU" dirty="0"/>
+              <a:t>Если меняешь узел дерева, меняешь все дерево</a:t>
+            </a:r>
+            <a:endParaRPr lang="en-US" dirty="0"/>
+          </a:p>
+        </p:txBody>
+      </p:sp>
+      <p:sp>
+        <p:nvSpPr>
+          <p:cNvPr id="3" name="Content Placeholder 2"/>
+          <p:cNvSpPr>
+            <a:spLocks noGrp="1"/>
+          </p:cNvSpPr>
+          <p:nvPr>
+            <p:ph idx="1"/>
+          </p:nvPr>
+        </p:nvSpPr>
+        <p:spPr/>
+        <p:txBody>
+          <a:bodyPr/>
+          <a:lstStyle/>
+          <a:p>
+            <a:endParaRPr lang="en-US"/>
+          </a:p>
+        </p:txBody>
+      </p:sp>
+    </p:spTree>
+    <p:extLst>
+      <p:ext uri="{BB962C8B-B14F-4D97-AF65-F5344CB8AC3E}">
+        <p14:creationId xmlns:p14="http://schemas.microsoft.com/office/powerpoint/2010/main" val="1268016360"/>
+      </p:ext>
+    </p:extLst>
+  </p:cSld>
+  <p:clrMapOvr>
+    <a:masterClrMapping/>
+  </p:clrMapOvr>
+</p:sld>
+</file>
+
 <file path=ppt/slides/slide2.xml><?xml version="1.0" encoding="utf-8"?>
 <p:sld xmlns:a="http://schemas.openxmlformats.org/drawingml/2006/main" xmlns:r="http://schemas.openxmlformats.org/officeDocument/2006/relationships" xmlns:p="http://schemas.openxmlformats.org/presentationml/2006/main">
   <p:cSld>
@@ -3902,20 +8414,29 @@
           <a:lstStyle/>
           <a:p>
             <a:r>
+              <a:rPr lang="ru-RU" dirty="0"/>
+              <a:t>Изучение</a:t>
+            </a:r>
+            <a:r>
               <a:rPr lang="en-US" dirty="0"/>
-              <a:t>Why?</a:t>
-            </a:r>
-          </a:p>
-        </p:txBody>
-      </p:sp>
-      <p:sp>
-        <p:nvSpPr>
-          <p:cNvPr id="3" name="Content Placeholder 2"/>
+              <a:t> </a:t>
+            </a:r>
+            <a:r>
+              <a:rPr lang="en-US" dirty="0" err="1"/>
+              <a:t>Microsoft.CodeAnalysis</a:t>
+            </a:r>
+            <a:endParaRPr lang="en-US" dirty="0"/>
+          </a:p>
+        </p:txBody>
+      </p:sp>
+      <p:sp>
+        <p:nvSpPr>
+          <p:cNvPr id="4" name="Text Placeholder 3"/>
           <p:cNvSpPr>
             <a:spLocks noGrp="1"/>
           </p:cNvSpPr>
           <p:nvPr>
-            <p:ph idx="1"/>
+            <p:ph type="body" idx="1"/>
           </p:nvPr>
         </p:nvSpPr>
         <p:spPr/>
@@ -3923,37 +8444,95 @@
           <a:bodyPr/>
           <a:lstStyle/>
           <a:p>
-            <a:pPr>
-              <a:buFont typeface="Wingdings" panose="05000000000000000000" pitchFamily="2" charset="2"/>
-              <a:buChar char="§"/>
-            </a:pPr>
-            <a:r>
-              <a:rPr lang="en-US" dirty="0"/>
-              <a:t>How can we use syntax tree?</a:t>
-            </a:r>
-          </a:p>
-          <a:p>
-            <a:pPr>
-              <a:buFont typeface="Wingdings" panose="05000000000000000000" pitchFamily="2" charset="2"/>
-              <a:buChar char="§"/>
-            </a:pPr>
-            <a:r>
-              <a:rPr lang="en-US" dirty="0"/>
-              <a:t>How can we write a help generator?</a:t>
-            </a:r>
-          </a:p>
-          <a:p>
-            <a:pPr>
-              <a:buFont typeface="Wingdings" panose="05000000000000000000" pitchFamily="2" charset="2"/>
-              <a:buChar char="§"/>
-            </a:pPr>
-            <a:r>
-              <a:rPr lang="en-US" dirty="0"/>
-              <a:t>How can we write a DTO generator?</a:t>
-            </a:r>
-          </a:p>
-        </p:txBody>
-      </p:sp>
+            <a:r>
+              <a:rPr lang="ru-RU" dirty="0"/>
+              <a:t>ОжиданиЕ</a:t>
+            </a:r>
+            <a:endParaRPr lang="en-US" dirty="0"/>
+          </a:p>
+        </p:txBody>
+      </p:sp>
+      <p:pic>
+        <p:nvPicPr>
+          <p:cNvPr id="8" name="Content Placeholder 7"/>
+          <p:cNvPicPr>
+            <a:picLocks noGrp="1" noChangeAspect="1"/>
+          </p:cNvPicPr>
+          <p:nvPr>
+            <p:ph sz="half" idx="2"/>
+          </p:nvPr>
+        </p:nvPicPr>
+        <p:blipFill>
+          <a:blip r:embed="rId3">
+            <a:extLst>
+              <a:ext uri="{28A0092B-C50C-407E-A947-70E740481C1C}">
+                <a14:useLocalDpi xmlns:a14="http://schemas.microsoft.com/office/drawing/2010/main" val="0"/>
+              </a:ext>
+            </a:extLst>
+          </a:blip>
+          <a:stretch>
+            <a:fillRect/>
+          </a:stretch>
+        </p:blipFill>
+        <p:spPr>
+          <a:xfrm>
+            <a:off x="1096963" y="2670705"/>
+            <a:ext cx="4938712" cy="3202516"/>
+          </a:xfrm>
+        </p:spPr>
+      </p:pic>
+      <p:sp>
+        <p:nvSpPr>
+          <p:cNvPr id="6" name="Text Placeholder 5"/>
+          <p:cNvSpPr>
+            <a:spLocks noGrp="1"/>
+          </p:cNvSpPr>
+          <p:nvPr>
+            <p:ph type="body" sz="quarter" idx="3"/>
+          </p:nvPr>
+        </p:nvSpPr>
+        <p:spPr/>
+        <p:txBody>
+          <a:bodyPr/>
+          <a:lstStyle/>
+          <a:p>
+            <a:r>
+              <a:rPr lang="ru-RU" dirty="0"/>
+              <a:t>Реальность</a:t>
+            </a:r>
+            <a:endParaRPr lang="en-US" dirty="0"/>
+          </a:p>
+        </p:txBody>
+      </p:sp>
+      <p:pic>
+        <p:nvPicPr>
+          <p:cNvPr id="13" name="Content Placeholder 12"/>
+          <p:cNvPicPr>
+            <a:picLocks noGrp="1" noChangeAspect="1"/>
+          </p:cNvPicPr>
+          <p:nvPr>
+            <p:ph sz="quarter" idx="4"/>
+          </p:nvPr>
+        </p:nvPicPr>
+        <p:blipFill>
+          <a:blip r:embed="rId4">
+            <a:extLst>
+              <a:ext uri="{28A0092B-C50C-407E-A947-70E740481C1C}">
+                <a14:useLocalDpi xmlns:a14="http://schemas.microsoft.com/office/drawing/2010/main" val="0"/>
+              </a:ext>
+            </a:extLst>
+          </a:blip>
+          <a:stretch>
+            <a:fillRect/>
+          </a:stretch>
+        </p:blipFill>
+        <p:spPr>
+          <a:xfrm>
+            <a:off x="6400461" y="2582863"/>
+            <a:ext cx="4572679" cy="3378200"/>
+          </a:xfrm>
+        </p:spPr>
+      </p:pic>
     </p:spTree>
     <p:extLst>
       <p:ext uri="{BB962C8B-B14F-4D97-AF65-F5344CB8AC3E}">
@@ -3985,7 +8564,1049 @@
                             </p:stCondLst>
                             <p:childTnLst>
                               <p:par>
-                                <p:cTn id="5" presetID="42" presetClass="entr" presetSubtype="0" fill="hold" grpId="0" nodeType="clickEffect">
+                                <p:cTn id="5" presetID="10" presetClass="entr" presetSubtype="0" fill="hold" nodeType="clickEffect">
+                                  <p:stCondLst>
+                                    <p:cond delay="0"/>
+                                  </p:stCondLst>
+                                  <p:childTnLst>
+                                    <p:set>
+                                      <p:cBhvr>
+                                        <p:cTn id="6" dur="1" fill="hold">
+                                          <p:stCondLst>
+                                            <p:cond delay="0"/>
+                                          </p:stCondLst>
+                                        </p:cTn>
+                                        <p:tgtEl>
+                                          <p:spTgt spid="8"/>
+                                        </p:tgtEl>
+                                        <p:attrNameLst>
+                                          <p:attrName>style.visibility</p:attrName>
+                                        </p:attrNameLst>
+                                      </p:cBhvr>
+                                      <p:to>
+                                        <p:strVal val="visible"/>
+                                      </p:to>
+                                    </p:set>
+                                    <p:animEffect transition="in" filter="fade">
+                                      <p:cBhvr>
+                                        <p:cTn id="7" dur="500"/>
+                                        <p:tgtEl>
+                                          <p:spTgt spid="8"/>
+                                        </p:tgtEl>
+                                      </p:cBhvr>
+                                    </p:animEffect>
+                                  </p:childTnLst>
+                                </p:cTn>
+                              </p:par>
+                            </p:childTnLst>
+                          </p:cTn>
+                        </p:par>
+                      </p:childTnLst>
+                    </p:cTn>
+                  </p:par>
+                  <p:par>
+                    <p:cTn id="8" fill="hold">
+                      <p:stCondLst>
+                        <p:cond delay="indefinite"/>
+                      </p:stCondLst>
+                      <p:childTnLst>
+                        <p:par>
+                          <p:cTn id="9" fill="hold">
+                            <p:stCondLst>
+                              <p:cond delay="0"/>
+                            </p:stCondLst>
+                            <p:childTnLst>
+                              <p:par>
+                                <p:cTn id="10" presetID="10" presetClass="entr" presetSubtype="0" fill="hold" nodeType="clickEffect">
+                                  <p:stCondLst>
+                                    <p:cond delay="0"/>
+                                  </p:stCondLst>
+                                  <p:childTnLst>
+                                    <p:set>
+                                      <p:cBhvr>
+                                        <p:cTn id="11" dur="1" fill="hold">
+                                          <p:stCondLst>
+                                            <p:cond delay="0"/>
+                                          </p:stCondLst>
+                                        </p:cTn>
+                                        <p:tgtEl>
+                                          <p:spTgt spid="13"/>
+                                        </p:tgtEl>
+                                        <p:attrNameLst>
+                                          <p:attrName>style.visibility</p:attrName>
+                                        </p:attrNameLst>
+                                      </p:cBhvr>
+                                      <p:to>
+                                        <p:strVal val="visible"/>
+                                      </p:to>
+                                    </p:set>
+                                    <p:animEffect transition="in" filter="fade">
+                                      <p:cBhvr>
+                                        <p:cTn id="12" dur="500"/>
+                                        <p:tgtEl>
+                                          <p:spTgt spid="13"/>
+                                        </p:tgtEl>
+                                      </p:cBhvr>
+                                    </p:animEffect>
+                                  </p:childTnLst>
+                                </p:cTn>
+                              </p:par>
+                            </p:childTnLst>
+                          </p:cTn>
+                        </p:par>
+                      </p:childTnLst>
+                    </p:cTn>
+                  </p:par>
+                </p:childTnLst>
+              </p:cTn>
+              <p:prevCondLst>
+                <p:cond evt="onPrev" delay="0">
+                  <p:tgtEl>
+                    <p:sldTgt/>
+                  </p:tgtEl>
+                </p:cond>
+              </p:prevCondLst>
+              <p:nextCondLst>
+                <p:cond evt="onNext" delay="0">
+                  <p:tgtEl>
+                    <p:sldTgt/>
+                  </p:tgtEl>
+                </p:cond>
+              </p:nextCondLst>
+            </p:seq>
+          </p:childTnLst>
+        </p:cTn>
+      </p:par>
+    </p:tnLst>
+  </p:timing>
+</p:sld>
+</file>
+
+<file path=ppt/slides/slide20.xml><?xml version="1.0" encoding="utf-8"?>
+<p:sld xmlns:a="http://schemas.openxmlformats.org/drawingml/2006/main" xmlns:r="http://schemas.openxmlformats.org/officeDocument/2006/relationships" xmlns:p="http://schemas.openxmlformats.org/presentationml/2006/main">
+  <p:cSld>
+    <p:spTree>
+      <p:nvGrpSpPr>
+        <p:cNvPr id="1" name=""/>
+        <p:cNvGrpSpPr/>
+        <p:nvPr/>
+      </p:nvGrpSpPr>
+      <p:grpSpPr>
+        <a:xfrm>
+          <a:off x="0" y="0"/>
+          <a:ext cx="0" cy="0"/>
+          <a:chOff x="0" y="0"/>
+          <a:chExt cx="0" cy="0"/>
+        </a:xfrm>
+      </p:grpSpPr>
+      <p:sp>
+        <p:nvSpPr>
+          <p:cNvPr id="2" name="Title 1"/>
+          <p:cNvSpPr>
+            <a:spLocks noGrp="1"/>
+          </p:cNvSpPr>
+          <p:nvPr>
+            <p:ph type="title"/>
+          </p:nvPr>
+        </p:nvSpPr>
+        <p:spPr/>
+        <p:txBody>
+          <a:bodyPr/>
+          <a:lstStyle/>
+          <a:p>
+            <a:r>
+              <a:rPr lang="en-US" dirty="0" err="1"/>
+              <a:t>ReplaceNodes</a:t>
+            </a:r>
+            <a:r>
+              <a:rPr lang="en-US" dirty="0"/>
+              <a:t>()</a:t>
+            </a:r>
+            <a:endParaRPr lang="en-US" dirty="0"/>
+          </a:p>
+        </p:txBody>
+      </p:sp>
+      <p:sp>
+        <p:nvSpPr>
+          <p:cNvPr id="3" name="Content Placeholder 2"/>
+          <p:cNvSpPr>
+            <a:spLocks noGrp="1"/>
+          </p:cNvSpPr>
+          <p:nvPr>
+            <p:ph idx="1"/>
+          </p:nvPr>
+        </p:nvSpPr>
+        <p:spPr/>
+        <p:txBody>
+          <a:bodyPr/>
+          <a:lstStyle/>
+          <a:p>
+            <a:endParaRPr lang="en-US"/>
+          </a:p>
+        </p:txBody>
+      </p:sp>
+    </p:spTree>
+    <p:extLst>
+      <p:ext uri="{BB962C8B-B14F-4D97-AF65-F5344CB8AC3E}">
+        <p14:creationId xmlns:p14="http://schemas.microsoft.com/office/powerpoint/2010/main" val="964625966"/>
+      </p:ext>
+    </p:extLst>
+  </p:cSld>
+  <p:clrMapOvr>
+    <a:masterClrMapping/>
+  </p:clrMapOvr>
+</p:sld>
+</file>
+
+<file path=ppt/slides/slide21.xml><?xml version="1.0" encoding="utf-8"?>
+<p:sld xmlns:a="http://schemas.openxmlformats.org/drawingml/2006/main" xmlns:r="http://schemas.openxmlformats.org/officeDocument/2006/relationships" xmlns:p="http://schemas.openxmlformats.org/presentationml/2006/main">
+  <p:cSld>
+    <p:spTree>
+      <p:nvGrpSpPr>
+        <p:cNvPr id="1" name=""/>
+        <p:cNvGrpSpPr/>
+        <p:nvPr/>
+      </p:nvGrpSpPr>
+      <p:grpSpPr>
+        <a:xfrm>
+          <a:off x="0" y="0"/>
+          <a:ext cx="0" cy="0"/>
+          <a:chOff x="0" y="0"/>
+          <a:chExt cx="0" cy="0"/>
+        </a:xfrm>
+      </p:grpSpPr>
+      <p:sp>
+        <p:nvSpPr>
+          <p:cNvPr id="2" name="Title 1"/>
+          <p:cNvSpPr>
+            <a:spLocks noGrp="1"/>
+          </p:cNvSpPr>
+          <p:nvPr>
+            <p:ph type="title"/>
+          </p:nvPr>
+        </p:nvSpPr>
+        <p:spPr/>
+        <p:txBody>
+          <a:bodyPr/>
+          <a:lstStyle/>
+          <a:p>
+            <a:r>
+              <a:rPr lang="en-US" dirty="0" err="1"/>
+              <a:t>NormalizeWhitespace</a:t>
+            </a:r>
+            <a:r>
+              <a:rPr lang="en-US" dirty="0"/>
+              <a:t>()</a:t>
+            </a:r>
+            <a:endParaRPr lang="en-US" dirty="0"/>
+          </a:p>
+        </p:txBody>
+      </p:sp>
+      <p:sp>
+        <p:nvSpPr>
+          <p:cNvPr id="3" name="Content Placeholder 2"/>
+          <p:cNvSpPr>
+            <a:spLocks noGrp="1"/>
+          </p:cNvSpPr>
+          <p:nvPr>
+            <p:ph idx="1"/>
+          </p:nvPr>
+        </p:nvSpPr>
+        <p:spPr/>
+        <p:txBody>
+          <a:bodyPr/>
+          <a:lstStyle/>
+          <a:p>
+            <a:endParaRPr lang="en-US"/>
+          </a:p>
+        </p:txBody>
+      </p:sp>
+    </p:spTree>
+    <p:extLst>
+      <p:ext uri="{BB962C8B-B14F-4D97-AF65-F5344CB8AC3E}">
+        <p14:creationId xmlns:p14="http://schemas.microsoft.com/office/powerpoint/2010/main" val="3329759663"/>
+      </p:ext>
+    </p:extLst>
+  </p:cSld>
+  <p:clrMapOvr>
+    <a:masterClrMapping/>
+  </p:clrMapOvr>
+</p:sld>
+</file>
+
+<file path=ppt/slides/slide22.xml><?xml version="1.0" encoding="utf-8"?>
+<p:sld xmlns:a="http://schemas.openxmlformats.org/drawingml/2006/main" xmlns:r="http://schemas.openxmlformats.org/officeDocument/2006/relationships" xmlns:p="http://schemas.openxmlformats.org/presentationml/2006/main">
+  <p:cSld>
+    <p:spTree>
+      <p:nvGrpSpPr>
+        <p:cNvPr id="1" name=""/>
+        <p:cNvGrpSpPr/>
+        <p:nvPr/>
+      </p:nvGrpSpPr>
+      <p:grpSpPr>
+        <a:xfrm>
+          <a:off x="0" y="0"/>
+          <a:ext cx="0" cy="0"/>
+          <a:chOff x="0" y="0"/>
+          <a:chExt cx="0" cy="0"/>
+        </a:xfrm>
+      </p:grpSpPr>
+      <p:sp>
+        <p:nvSpPr>
+          <p:cNvPr id="2" name="Title 1"/>
+          <p:cNvSpPr>
+            <a:spLocks noGrp="1"/>
+          </p:cNvSpPr>
+          <p:nvPr>
+            <p:ph type="ctrTitle"/>
+          </p:nvPr>
+        </p:nvSpPr>
+        <p:spPr/>
+        <p:txBody>
+          <a:bodyPr/>
+          <a:lstStyle/>
+          <a:p>
+            <a:r>
+              <a:rPr lang="ru-RU" dirty="0"/>
+              <a:t>Вопросы?</a:t>
+            </a:r>
+            <a:endParaRPr lang="en-US" dirty="0"/>
+          </a:p>
+        </p:txBody>
+      </p:sp>
+      <p:sp>
+        <p:nvSpPr>
+          <p:cNvPr id="4" name="Subtitle 3"/>
+          <p:cNvSpPr>
+            <a:spLocks noGrp="1"/>
+          </p:cNvSpPr>
+          <p:nvPr>
+            <p:ph type="subTitle" idx="1"/>
+          </p:nvPr>
+        </p:nvSpPr>
+        <p:spPr/>
+        <p:txBody>
+          <a:bodyPr/>
+          <a:lstStyle/>
+          <a:p>
+            <a:endParaRPr lang="en-US"/>
+          </a:p>
+        </p:txBody>
+      </p:sp>
+    </p:spTree>
+    <p:extLst>
+      <p:ext uri="{BB962C8B-B14F-4D97-AF65-F5344CB8AC3E}">
+        <p14:creationId xmlns:p14="http://schemas.microsoft.com/office/powerpoint/2010/main" val="2591367511"/>
+      </p:ext>
+    </p:extLst>
+  </p:cSld>
+  <p:clrMapOvr>
+    <a:masterClrMapping/>
+  </p:clrMapOvr>
+</p:sld>
+</file>
+
+<file path=ppt/slides/slide3.xml><?xml version="1.0" encoding="utf-8"?>
+<p:sld xmlns:a="http://schemas.openxmlformats.org/drawingml/2006/main" xmlns:r="http://schemas.openxmlformats.org/officeDocument/2006/relationships" xmlns:p="http://schemas.openxmlformats.org/presentationml/2006/main">
+  <p:cSld>
+    <p:spTree>
+      <p:nvGrpSpPr>
+        <p:cNvPr id="1" name=""/>
+        <p:cNvGrpSpPr/>
+        <p:nvPr/>
+      </p:nvGrpSpPr>
+      <p:grpSpPr>
+        <a:xfrm>
+          <a:off x="0" y="0"/>
+          <a:ext cx="0" cy="0"/>
+          <a:chOff x="0" y="0"/>
+          <a:chExt cx="0" cy="0"/>
+        </a:xfrm>
+      </p:grpSpPr>
+      <p:sp>
+        <p:nvSpPr>
+          <p:cNvPr id="31" name="Rectangle 9"/>
+          <p:cNvSpPr>
+            <a:spLocks noGrp="1" noRot="1" noChangeAspect="1" noMove="1" noResize="1" noEditPoints="1" noAdjustHandles="1" noChangeArrowheads="1" noChangeShapeType="1" noTextEdit="1"/>
+          </p:cNvSpPr>
+          <p:nvPr>
+            <p:extLst>
+              <p:ext uri="{386F3935-93C4-4BCD-93E2-E3B085C9AB24}">
+                <p16:designElem xmlns:p16="http://schemas.microsoft.com/office/powerpoint/2015/main" val="1"/>
+              </p:ext>
+            </p:extLst>
+          </p:nvPr>
+        </p:nvSpPr>
+        <p:spPr bwMode="white">
+          <a:xfrm>
+            <a:off x="0" y="0"/>
+            <a:ext cx="12192000" cy="6858000"/>
+          </a:xfrm>
+          <a:prstGeom prst="rect">
+            <a:avLst/>
+          </a:prstGeom>
+          <a:solidFill>
+            <a:schemeClr val="bg1"/>
+          </a:solidFill>
+          <a:ln>
+            <a:noFill/>
+          </a:ln>
+          <a:effectLst/>
+        </p:spPr>
+      </p:sp>
+      <p:sp>
+        <p:nvSpPr>
+          <p:cNvPr id="32" name="Rectangle 11"/>
+          <p:cNvSpPr>
+            <a:spLocks noGrp="1" noRot="1" noChangeAspect="1" noMove="1" noResize="1" noEditPoints="1" noAdjustHandles="1" noChangeArrowheads="1" noChangeShapeType="1" noTextEdit="1"/>
+          </p:cNvSpPr>
+          <p:nvPr>
+            <p:extLst>
+              <p:ext uri="{386F3935-93C4-4BCD-93E2-E3B085C9AB24}">
+                <p16:designElem xmlns:p16="http://schemas.microsoft.com/office/powerpoint/2015/main" val="1"/>
+              </p:ext>
+            </p:extLst>
+          </p:nvPr>
+        </p:nvSpPr>
+        <p:spPr>
+          <a:xfrm>
+            <a:off x="1" y="6400800"/>
+            <a:ext cx="12192000" cy="457200"/>
+          </a:xfrm>
+          <a:prstGeom prst="rect">
+            <a:avLst/>
+          </a:prstGeom>
+          <a:solidFill>
+            <a:schemeClr val="accent2"/>
+          </a:solidFill>
+          <a:ln>
+            <a:noFill/>
+          </a:ln>
+        </p:spPr>
+        <p:style>
+          <a:lnRef idx="2">
+            <a:schemeClr val="accent1">
+              <a:shade val="50000"/>
+            </a:schemeClr>
+          </a:lnRef>
+          <a:fillRef idx="1">
+            <a:schemeClr val="accent1"/>
+          </a:fillRef>
+          <a:effectRef idx="0">
+            <a:schemeClr val="accent1"/>
+          </a:effectRef>
+          <a:fontRef idx="minor">
+            <a:schemeClr val="lt1"/>
+          </a:fontRef>
+        </p:style>
+      </p:sp>
+      <p:sp>
+        <p:nvSpPr>
+          <p:cNvPr id="33" name="Rectangle 13"/>
+          <p:cNvSpPr>
+            <a:spLocks noGrp="1" noRot="1" noChangeAspect="1" noMove="1" noResize="1" noEditPoints="1" noAdjustHandles="1" noChangeArrowheads="1" noChangeShapeType="1" noTextEdit="1"/>
+          </p:cNvSpPr>
+          <p:nvPr>
+            <p:extLst>
+              <p:ext uri="{386F3935-93C4-4BCD-93E2-E3B085C9AB24}">
+                <p16:designElem xmlns:p16="http://schemas.microsoft.com/office/powerpoint/2015/main" val="1"/>
+              </p:ext>
+            </p:extLst>
+          </p:nvPr>
+        </p:nvSpPr>
+        <p:spPr>
+          <a:xfrm>
+            <a:off x="0" y="6334316"/>
+            <a:ext cx="12192001" cy="65998"/>
+          </a:xfrm>
+          <a:prstGeom prst="rect">
+            <a:avLst/>
+          </a:prstGeom>
+          <a:solidFill>
+            <a:schemeClr val="accent1"/>
+          </a:solidFill>
+          <a:ln>
+            <a:noFill/>
+          </a:ln>
+        </p:spPr>
+        <p:style>
+          <a:lnRef idx="2">
+            <a:schemeClr val="accent1">
+              <a:shade val="50000"/>
+            </a:schemeClr>
+          </a:lnRef>
+          <a:fillRef idx="1">
+            <a:schemeClr val="accent1"/>
+          </a:fillRef>
+          <a:effectRef idx="0">
+            <a:schemeClr val="accent1"/>
+          </a:effectRef>
+          <a:fontRef idx="minor">
+            <a:schemeClr val="lt1"/>
+          </a:fontRef>
+        </p:style>
+      </p:sp>
+      <p:cxnSp>
+        <p:nvCxnSpPr>
+          <p:cNvPr id="34" name="Straight Connector 15"/>
+          <p:cNvCxnSpPr>
+            <a:cxnSpLocks noGrp="1" noRot="1" noChangeAspect="1" noMove="1" noResize="1" noEditPoints="1" noAdjustHandles="1" noChangeArrowheads="1" noChangeShapeType="1"/>
+          </p:cNvCxnSpPr>
+          <p:nvPr>
+            <p:extLst>
+              <p:ext uri="{386F3935-93C4-4BCD-93E2-E3B085C9AB24}">
+                <p16:designElem xmlns:p16="http://schemas.microsoft.com/office/powerpoint/2015/main" val="1"/>
+              </p:ext>
+            </p:extLst>
+          </p:nvPr>
+        </p:nvCxnSpPr>
+        <p:spPr>
+          <a:xfrm>
+            <a:off x="1193532" y="1737845"/>
+            <a:ext cx="9966960" cy="0"/>
+          </a:xfrm>
+          <a:prstGeom prst="line">
+            <a:avLst/>
+          </a:prstGeom>
+          <a:ln w="6350">
+            <a:solidFill>
+              <a:schemeClr val="tx1">
+                <a:lumMod val="50000"/>
+                <a:lumOff val="50000"/>
+              </a:schemeClr>
+            </a:solidFill>
+          </a:ln>
+        </p:spPr>
+        <p:style>
+          <a:lnRef idx="1">
+            <a:schemeClr val="accent1"/>
+          </a:lnRef>
+          <a:fillRef idx="0">
+            <a:schemeClr val="accent1"/>
+          </a:fillRef>
+          <a:effectRef idx="0">
+            <a:schemeClr val="accent1"/>
+          </a:effectRef>
+          <a:fontRef idx="minor">
+            <a:schemeClr val="tx1"/>
+          </a:fontRef>
+        </p:style>
+      </p:cxnSp>
+      <p:sp useBgFill="1">
+        <p:nvSpPr>
+          <p:cNvPr id="18" name="Rectangle 17"/>
+          <p:cNvSpPr>
+            <a:spLocks noGrp="1" noRot="1" noChangeAspect="1" noMove="1" noResize="1" noEditPoints="1" noAdjustHandles="1" noChangeArrowheads="1" noChangeShapeType="1" noTextEdit="1"/>
+          </p:cNvSpPr>
+          <p:nvPr>
+            <p:extLst>
+              <p:ext uri="{386F3935-93C4-4BCD-93E2-E3B085C9AB24}">
+                <p16:designElem xmlns:p16="http://schemas.microsoft.com/office/powerpoint/2015/main" val="1"/>
+              </p:ext>
+            </p:extLst>
+          </p:nvPr>
+        </p:nvSpPr>
+        <p:spPr>
+          <a:xfrm>
+            <a:off x="0" y="0"/>
+            <a:ext cx="12186315" cy="6858000"/>
+          </a:xfrm>
+          <a:prstGeom prst="rect">
+            <a:avLst/>
+          </a:prstGeom>
+          <a:ln>
+            <a:noFill/>
+          </a:ln>
+        </p:spPr>
+        <p:style>
+          <a:lnRef idx="2">
+            <a:schemeClr val="accent6">
+              <a:shade val="50000"/>
+            </a:schemeClr>
+          </a:lnRef>
+          <a:fillRef idx="1001">
+            <a:schemeClr val="lt1"/>
+          </a:fillRef>
+          <a:effectRef idx="0">
+            <a:schemeClr val="accent6"/>
+          </a:effectRef>
+          <a:fontRef idx="minor">
+            <a:schemeClr val="lt1"/>
+          </a:fontRef>
+        </p:style>
+        <p:txBody>
+          <a:bodyPr rtlCol="0" anchor="ctr"/>
+          <a:lstStyle/>
+          <a:p>
+            <a:pPr algn="ctr"/>
+            <a:endParaRPr lang="en-US"/>
+          </a:p>
+        </p:txBody>
+      </p:sp>
+      <p:pic>
+        <p:nvPicPr>
+          <p:cNvPr id="5" name="Content Placeholder 4" descr="Clippy, the Microsoft &lt;strong&gt;Word helper&lt;/strong&gt;"/>
+          <p:cNvPicPr>
+            <a:picLocks noGrp="1" noChangeAspect="1"/>
+          </p:cNvPicPr>
+          <p:nvPr>
+            <p:ph sz="half" idx="2"/>
+          </p:nvPr>
+        </p:nvPicPr>
+        <p:blipFill>
+          <a:blip r:embed="rId2">
+            <a:extLst>
+              <a:ext uri="{28A0092B-C50C-407E-A947-70E740481C1C}">
+                <a14:useLocalDpi xmlns:a14="http://schemas.microsoft.com/office/drawing/2010/main" val="0"/>
+              </a:ext>
+            </a:extLst>
+          </a:blip>
+          <a:stretch>
+            <a:fillRect/>
+          </a:stretch>
+        </p:blipFill>
+        <p:spPr>
+          <a:xfrm>
+            <a:off x="8251982" y="1728743"/>
+            <a:ext cx="3294253" cy="3378721"/>
+          </a:xfrm>
+          <a:prstGeom prst="rect">
+            <a:avLst/>
+          </a:prstGeom>
+        </p:spPr>
+      </p:pic>
+      <p:sp>
+        <p:nvSpPr>
+          <p:cNvPr id="20" name="Rectangle 19"/>
+          <p:cNvSpPr>
+            <a:spLocks noGrp="1" noRot="1" noChangeAspect="1" noMove="1" noResize="1" noEditPoints="1" noAdjustHandles="1" noChangeArrowheads="1" noChangeShapeType="1" noTextEdit="1"/>
+          </p:cNvSpPr>
+          <p:nvPr>
+            <p:extLst>
+              <p:ext uri="{386F3935-93C4-4BCD-93E2-E3B085C9AB24}">
+                <p16:designElem xmlns:p16="http://schemas.microsoft.com/office/powerpoint/2015/main" val="1"/>
+              </p:ext>
+            </p:extLst>
+          </p:nvPr>
+        </p:nvSpPr>
+        <p:spPr bwMode="white">
+          <a:xfrm>
+            <a:off x="15" y="0"/>
+            <a:ext cx="7547879" cy="6858000"/>
+          </a:xfrm>
+          <a:prstGeom prst="rect">
+            <a:avLst/>
+          </a:prstGeom>
+          <a:solidFill>
+            <a:schemeClr val="accent2"/>
+          </a:solidFill>
+          <a:ln>
+            <a:noFill/>
+          </a:ln>
+        </p:spPr>
+        <p:style>
+          <a:lnRef idx="2">
+            <a:schemeClr val="accent1">
+              <a:shade val="50000"/>
+            </a:schemeClr>
+          </a:lnRef>
+          <a:fillRef idx="1">
+            <a:schemeClr val="accent1"/>
+          </a:fillRef>
+          <a:effectRef idx="0">
+            <a:schemeClr val="accent1"/>
+          </a:effectRef>
+          <a:fontRef idx="minor">
+            <a:schemeClr val="lt1"/>
+          </a:fontRef>
+        </p:style>
+      </p:sp>
+      <p:sp>
+        <p:nvSpPr>
+          <p:cNvPr id="22" name="Rectangle 21"/>
+          <p:cNvSpPr>
+            <a:spLocks noGrp="1" noRot="1" noChangeAspect="1" noMove="1" noResize="1" noEditPoints="1" noAdjustHandles="1" noChangeArrowheads="1" noChangeShapeType="1" noTextEdit="1"/>
+          </p:cNvSpPr>
+          <p:nvPr>
+            <p:extLst>
+              <p:ext uri="{386F3935-93C4-4BCD-93E2-E3B085C9AB24}">
+                <p16:designElem xmlns:p16="http://schemas.microsoft.com/office/powerpoint/2015/main" val="1"/>
+              </p:ext>
+            </p:extLst>
+          </p:nvPr>
+        </p:nvSpPr>
+        <p:spPr>
+          <a:xfrm>
+            <a:off x="7547894" y="0"/>
+            <a:ext cx="64008" cy="6858000"/>
+          </a:xfrm>
+          <a:prstGeom prst="rect">
+            <a:avLst/>
+          </a:prstGeom>
+          <a:solidFill>
+            <a:schemeClr val="accent1"/>
+          </a:solidFill>
+          <a:ln>
+            <a:noFill/>
+          </a:ln>
+        </p:spPr>
+        <p:style>
+          <a:lnRef idx="2">
+            <a:schemeClr val="accent1">
+              <a:shade val="50000"/>
+            </a:schemeClr>
+          </a:lnRef>
+          <a:fillRef idx="1">
+            <a:schemeClr val="accent1"/>
+          </a:fillRef>
+          <a:effectRef idx="0">
+            <a:schemeClr val="accent1"/>
+          </a:effectRef>
+          <a:fontRef idx="minor">
+            <a:schemeClr val="lt1"/>
+          </a:fontRef>
+        </p:style>
+      </p:sp>
+      <p:sp>
+        <p:nvSpPr>
+          <p:cNvPr id="2" name="Title 1"/>
+          <p:cNvSpPr>
+            <a:spLocks noGrp="1"/>
+          </p:cNvSpPr>
+          <p:nvPr>
+            <p:ph type="title"/>
+          </p:nvPr>
+        </p:nvSpPr>
+        <p:spPr>
+          <a:xfrm>
+            <a:off x="1097280" y="516835"/>
+            <a:ext cx="5977937" cy="1666501"/>
+          </a:xfrm>
+        </p:spPr>
+        <p:txBody>
+          <a:bodyPr vert="horz" lIns="91440" tIns="45720" rIns="91440" bIns="45720" rtlCol="0" anchor="b">
+            <a:normAutofit/>
+          </a:bodyPr>
+          <a:lstStyle/>
+          <a:p>
+            <a:r>
+              <a:rPr lang="en-US" sz="4000">
+                <a:solidFill>
+                  <a:srgbClr val="FFFFFF"/>
+                </a:solidFill>
+              </a:rPr>
+              <a:t>Цели</a:t>
+            </a:r>
+          </a:p>
+        </p:txBody>
+      </p:sp>
+      <p:sp>
+        <p:nvSpPr>
+          <p:cNvPr id="3" name="Content Placeholder 2"/>
+          <p:cNvSpPr>
+            <a:spLocks noGrp="1"/>
+          </p:cNvSpPr>
+          <p:nvPr>
+            <p:ph sz="half" idx="1"/>
+          </p:nvPr>
+        </p:nvSpPr>
+        <p:spPr>
+          <a:xfrm>
+            <a:off x="1097279" y="2236304"/>
+            <a:ext cx="5977938" cy="3652667"/>
+          </a:xfrm>
+        </p:spPr>
+        <p:txBody>
+          <a:bodyPr vert="horz" lIns="0" tIns="45720" rIns="0" bIns="45720" rtlCol="0">
+            <a:normAutofit/>
+          </a:bodyPr>
+          <a:lstStyle/>
+          <a:p>
+            <a:pPr>
+              <a:buFont typeface="Calibri" panose="020F0502020204030204" pitchFamily="34" charset="0"/>
+              <a:buChar char="§"/>
+            </a:pPr>
+            <a:r>
+              <a:rPr lang="en-US" sz="1800" dirty="0" err="1">
+                <a:solidFill>
+                  <a:srgbClr val="FFFFFF"/>
+                </a:solidFill>
+              </a:rPr>
+              <a:t>Рассмотреть</a:t>
+            </a:r>
+            <a:r>
+              <a:rPr lang="en-US" sz="1800" dirty="0">
+                <a:solidFill>
+                  <a:srgbClr val="FFFFFF"/>
+                </a:solidFill>
+              </a:rPr>
+              <a:t> </a:t>
+            </a:r>
+            <a:r>
+              <a:rPr lang="en-US" sz="1800" dirty="0" err="1">
+                <a:solidFill>
+                  <a:srgbClr val="FFFFFF"/>
+                </a:solidFill>
+              </a:rPr>
+              <a:t>топ</a:t>
+            </a:r>
+            <a:r>
+              <a:rPr lang="en-US" sz="1800" dirty="0">
+                <a:solidFill>
+                  <a:srgbClr val="FFFFFF"/>
+                </a:solidFill>
+              </a:rPr>
+              <a:t> </a:t>
+            </a:r>
+            <a:r>
+              <a:rPr lang="en-US" sz="1800" dirty="0" err="1">
+                <a:solidFill>
+                  <a:srgbClr val="FFFFFF"/>
+                </a:solidFill>
+              </a:rPr>
+              <a:t>неочевидных</a:t>
+            </a:r>
+            <a:r>
+              <a:rPr lang="en-US" sz="1800" dirty="0">
+                <a:solidFill>
+                  <a:srgbClr val="FFFFFF"/>
+                </a:solidFill>
+              </a:rPr>
+              <a:t> </a:t>
+            </a:r>
+            <a:r>
+              <a:rPr lang="en-US" sz="1800" dirty="0" err="1">
+                <a:solidFill>
+                  <a:srgbClr val="FFFFFF"/>
+                </a:solidFill>
+              </a:rPr>
+              <a:t>особенностей</a:t>
+            </a:r>
+            <a:r>
+              <a:rPr lang="en-US" sz="1800" dirty="0">
+                <a:solidFill>
+                  <a:srgbClr val="FFFFFF"/>
+                </a:solidFill>
+              </a:rPr>
+              <a:t> </a:t>
+            </a:r>
+            <a:r>
+              <a:rPr lang="en-US" sz="1800" dirty="0" err="1">
+                <a:solidFill>
+                  <a:srgbClr val="FFFFFF"/>
+                </a:solidFill>
+              </a:rPr>
+              <a:t>CodeAnalysis</a:t>
+            </a:r>
+            <a:endParaRPr lang="en-US" sz="1800" dirty="0">
+              <a:solidFill>
+                <a:srgbClr val="FFFFFF"/>
+              </a:solidFill>
+            </a:endParaRPr>
+          </a:p>
+          <a:p>
+            <a:pPr>
+              <a:buFont typeface="Calibri" panose="020F0502020204030204" pitchFamily="34" charset="0"/>
+              <a:buChar char="§"/>
+            </a:pPr>
+            <a:r>
+              <a:rPr lang="en-US" sz="1800" dirty="0" err="1">
+                <a:solidFill>
+                  <a:srgbClr val="FFFFFF"/>
+                </a:solidFill>
+              </a:rPr>
+              <a:t>Синхронизировать</a:t>
+            </a:r>
+            <a:r>
+              <a:rPr lang="en-US" sz="1800" dirty="0">
+                <a:solidFill>
+                  <a:srgbClr val="FFFFFF"/>
+                </a:solidFill>
+              </a:rPr>
+              <a:t> </a:t>
+            </a:r>
+            <a:r>
+              <a:rPr lang="en-US" sz="1800" dirty="0" err="1">
+                <a:solidFill>
+                  <a:srgbClr val="FFFFFF"/>
+                </a:solidFill>
+              </a:rPr>
+              <a:t>свое</a:t>
+            </a:r>
+            <a:r>
+              <a:rPr lang="en-US" sz="1800" dirty="0">
+                <a:solidFill>
+                  <a:srgbClr val="FFFFFF"/>
+                </a:solidFill>
+              </a:rPr>
+              <a:t> </a:t>
+            </a:r>
+            <a:r>
+              <a:rPr lang="en-US" sz="1800" dirty="0" err="1">
+                <a:solidFill>
+                  <a:srgbClr val="FFFFFF"/>
+                </a:solidFill>
+              </a:rPr>
+              <a:t>мышление</a:t>
+            </a:r>
+            <a:r>
+              <a:rPr lang="en-US" sz="1800" dirty="0">
+                <a:solidFill>
+                  <a:srgbClr val="FFFFFF"/>
+                </a:solidFill>
+              </a:rPr>
+              <a:t> </a:t>
+            </a:r>
+            <a:r>
+              <a:rPr lang="en-US" sz="1800" dirty="0" err="1">
+                <a:solidFill>
+                  <a:srgbClr val="FFFFFF"/>
+                </a:solidFill>
+              </a:rPr>
+              <a:t>со</a:t>
+            </a:r>
+            <a:r>
+              <a:rPr lang="en-US" sz="1800" dirty="0">
+                <a:solidFill>
+                  <a:srgbClr val="FFFFFF"/>
+                </a:solidFill>
+              </a:rPr>
+              <a:t> </a:t>
+            </a:r>
+            <a:r>
+              <a:rPr lang="en-US" sz="1800" dirty="0" err="1">
+                <a:solidFill>
+                  <a:srgbClr val="FFFFFF"/>
+                </a:solidFill>
+              </a:rPr>
+              <a:t>спецификой</a:t>
+            </a:r>
+            <a:r>
+              <a:rPr lang="en-US" sz="1800" dirty="0">
+                <a:solidFill>
+                  <a:srgbClr val="FFFFFF"/>
+                </a:solidFill>
+              </a:rPr>
+              <a:t> </a:t>
+            </a:r>
+            <a:r>
+              <a:rPr lang="en-US" sz="1800" dirty="0" err="1">
+                <a:solidFill>
+                  <a:srgbClr val="FFFFFF"/>
+                </a:solidFill>
+              </a:rPr>
+              <a:t>рассматриваемого</a:t>
+            </a:r>
+            <a:r>
+              <a:rPr lang="en-US" sz="1800" dirty="0">
+                <a:solidFill>
+                  <a:srgbClr val="FFFFFF"/>
+                </a:solidFill>
+              </a:rPr>
+              <a:t> API</a:t>
+            </a:r>
+          </a:p>
+          <a:p>
+            <a:pPr>
+              <a:buFont typeface="Calibri" panose="020F0502020204030204" pitchFamily="34" charset="0"/>
+              <a:buChar char="§"/>
+            </a:pPr>
+            <a:r>
+              <a:rPr lang="en-US" sz="1800" dirty="0" err="1">
+                <a:solidFill>
+                  <a:srgbClr val="FFFFFF"/>
+                </a:solidFill>
+              </a:rPr>
+              <a:t>Написать</a:t>
+            </a:r>
+            <a:r>
+              <a:rPr lang="en-US" sz="1800" dirty="0">
+                <a:solidFill>
+                  <a:srgbClr val="FFFFFF"/>
+                </a:solidFill>
+              </a:rPr>
+              <a:t> </a:t>
+            </a:r>
+            <a:r>
+              <a:rPr lang="en-US" sz="1800" dirty="0" err="1">
+                <a:solidFill>
+                  <a:srgbClr val="FFFFFF"/>
+                </a:solidFill>
+              </a:rPr>
+              <a:t>шпаргалку</a:t>
+            </a:r>
+            <a:r>
+              <a:rPr lang="en-US" sz="1800" dirty="0">
+                <a:solidFill>
+                  <a:srgbClr val="FFFFFF"/>
+                </a:solidFill>
+              </a:rPr>
+              <a:t> </a:t>
+            </a:r>
+            <a:r>
+              <a:rPr lang="en-US" sz="1800" dirty="0" err="1">
+                <a:solidFill>
+                  <a:srgbClr val="FFFFFF"/>
+                </a:solidFill>
+              </a:rPr>
+              <a:t>молодого</a:t>
+            </a:r>
+            <a:r>
+              <a:rPr lang="en-US" sz="1800" dirty="0">
+                <a:solidFill>
+                  <a:srgbClr val="FFFFFF"/>
+                </a:solidFill>
+              </a:rPr>
+              <a:t> </a:t>
+            </a:r>
+            <a:r>
+              <a:rPr lang="en-US" sz="1800" dirty="0" err="1">
+                <a:solidFill>
+                  <a:srgbClr val="FFFFFF"/>
+                </a:solidFill>
+              </a:rPr>
+              <a:t>анализаторописателя</a:t>
+            </a:r>
+            <a:endParaRPr lang="en-US" sz="1800" dirty="0">
+              <a:solidFill>
+                <a:srgbClr val="FFFFFF"/>
+              </a:solidFill>
+            </a:endParaRPr>
+          </a:p>
+        </p:txBody>
+      </p:sp>
+    </p:spTree>
+    <p:extLst>
+      <p:ext uri="{BB962C8B-B14F-4D97-AF65-F5344CB8AC3E}">
+        <p14:creationId xmlns:p14="http://schemas.microsoft.com/office/powerpoint/2010/main" val="1835979300"/>
+      </p:ext>
+    </p:extLst>
+  </p:cSld>
+  <p:clrMapOvr>
+    <a:masterClrMapping/>
+  </p:clrMapOvr>
+  <p:timing>
+    <p:tnLst>
+      <p:par>
+        <p:cTn id="1" dur="indefinite" restart="never" nodeType="tmRoot">
+          <p:childTnLst>
+            <p:seq concurrent="1" nextAc="seek">
+              <p:cTn id="2" dur="indefinite" nodeType="mainSeq">
+                <p:childTnLst>
+                  <p:par>
+                    <p:cTn id="3" fill="hold">
+                      <p:stCondLst>
+                        <p:cond delay="indefinite"/>
+                      </p:stCondLst>
+                      <p:childTnLst>
+                        <p:par>
+                          <p:cTn id="4" fill="hold">
+                            <p:stCondLst>
+                              <p:cond delay="0"/>
+                            </p:stCondLst>
+                            <p:childTnLst>
+                              <p:par>
+                                <p:cTn id="5" presetID="2" presetClass="entr" presetSubtype="4" fill="hold" grpId="0" nodeType="clickEffect">
                                   <p:stCondLst>
                                     <p:cond delay="0"/>
                                   </p:stCondLst>
@@ -4012,21 +9633,9 @@
                                         <p:strVal val="visible"/>
                                       </p:to>
                                     </p:set>
-                                    <p:animEffect transition="in" filter="fade">
-                                      <p:cBhvr>
-                                        <p:cTn id="7" dur="1000"/>
-                                        <p:tgtEl>
-                                          <p:spTgt spid="3">
-                                            <p:txEl>
-                                              <p:pRg st="0" end="0"/>
-                                            </p:txEl>
-                                          </p:spTgt>
-                                        </p:tgtEl>
-                                      </p:cBhvr>
-                                    </p:animEffect>
                                     <p:anim calcmode="lin" valueType="num">
-                                      <p:cBhvr>
-                                        <p:cTn id="8" dur="1000" fill="hold"/>
+                                      <p:cBhvr additive="base">
+                                        <p:cTn id="7" dur="500" fill="hold"/>
                                         <p:tgtEl>
                                           <p:spTgt spid="3">
                                             <p:txEl>
@@ -4052,8 +9661,8 @@
                                       </p:tavLst>
                                     </p:anim>
                                     <p:anim calcmode="lin" valueType="num">
-                                      <p:cBhvr>
-                                        <p:cTn id="9" dur="1000" fill="hold"/>
+                                      <p:cBhvr additive="base">
+                                        <p:cTn id="8" dur="500" fill="hold"/>
                                         <p:tgtEl>
                                           <p:spTgt spid="3">
                                             <p:txEl>
@@ -4068,7 +9677,7 @@
                                       <p:tavLst>
                                         <p:tav tm="0">
                                           <p:val>
-                                            <p:strVal val="#ppt_y+.1"/>
+                                            <p:strVal val="1+#ppt_h/2"/>
                                           </p:val>
                                         </p:tav>
                                         <p:tav tm="100000">
@@ -4088,26 +9697,26 @@
                     </p:cTn>
                   </p:par>
                   <p:par>
-                    <p:cTn id="10" fill="hold">
+                    <p:cTn id="9" fill="hold">
                       <p:stCondLst>
                         <p:cond delay="indefinite"/>
                       </p:stCondLst>
                       <p:childTnLst>
                         <p:par>
-                          <p:cTn id="11" fill="hold">
+                          <p:cTn id="10" fill="hold">
                             <p:stCondLst>
                               <p:cond delay="0"/>
                             </p:stCondLst>
                             <p:childTnLst>
                               <p:par>
-                                <p:cTn id="12" presetID="42" presetClass="entr" presetSubtype="0" fill="hold" grpId="0" nodeType="clickEffect">
+                                <p:cTn id="11" presetID="2" presetClass="entr" presetSubtype="4" fill="hold" grpId="0" nodeType="clickEffect">
                                   <p:stCondLst>
                                     <p:cond delay="0"/>
                                   </p:stCondLst>
                                   <p:childTnLst>
                                     <p:set>
                                       <p:cBhvr>
-                                        <p:cTn id="13" dur="1" fill="hold">
+                                        <p:cTn id="12" dur="1" fill="hold">
                                           <p:stCondLst>
                                             <p:cond delay="0"/>
                                           </p:stCondLst>
@@ -4127,21 +9736,9 @@
                                         <p:strVal val="visible"/>
                                       </p:to>
                                     </p:set>
-                                    <p:animEffect transition="in" filter="fade">
-                                      <p:cBhvr>
-                                        <p:cTn id="14" dur="1000"/>
-                                        <p:tgtEl>
-                                          <p:spTgt spid="3">
-                                            <p:txEl>
-                                              <p:pRg st="1" end="1"/>
-                                            </p:txEl>
-                                          </p:spTgt>
-                                        </p:tgtEl>
-                                      </p:cBhvr>
-                                    </p:animEffect>
                                     <p:anim calcmode="lin" valueType="num">
-                                      <p:cBhvr>
-                                        <p:cTn id="15" dur="1000" fill="hold"/>
+                                      <p:cBhvr additive="base">
+                                        <p:cTn id="13" dur="500" fill="hold"/>
                                         <p:tgtEl>
                                           <p:spTgt spid="3">
                                             <p:txEl>
@@ -4167,8 +9764,8 @@
                                       </p:tavLst>
                                     </p:anim>
                                     <p:anim calcmode="lin" valueType="num">
-                                      <p:cBhvr>
-                                        <p:cTn id="16" dur="1000" fill="hold"/>
+                                      <p:cBhvr additive="base">
+                                        <p:cTn id="14" dur="500" fill="hold"/>
                                         <p:tgtEl>
                                           <p:spTgt spid="3">
                                             <p:txEl>
@@ -4183,7 +9780,7 @@
                                       <p:tavLst>
                                         <p:tav tm="0">
                                           <p:val>
-                                            <p:strVal val="#ppt_y+.1"/>
+                                            <p:strVal val="1+#ppt_h/2"/>
                                           </p:val>
                                         </p:tav>
                                         <p:tav tm="100000">
@@ -4203,26 +9800,26 @@
                     </p:cTn>
                   </p:par>
                   <p:par>
-                    <p:cTn id="17" fill="hold">
+                    <p:cTn id="15" fill="hold">
                       <p:stCondLst>
                         <p:cond delay="indefinite"/>
                       </p:stCondLst>
                       <p:childTnLst>
                         <p:par>
-                          <p:cTn id="18" fill="hold">
+                          <p:cTn id="16" fill="hold">
                             <p:stCondLst>
                               <p:cond delay="0"/>
                             </p:stCondLst>
                             <p:childTnLst>
                               <p:par>
-                                <p:cTn id="19" presetID="42" presetClass="entr" presetSubtype="0" fill="hold" grpId="0" nodeType="clickEffect">
+                                <p:cTn id="17" presetID="2" presetClass="entr" presetSubtype="4" fill="hold" grpId="0" nodeType="clickEffect">
                                   <p:stCondLst>
                                     <p:cond delay="0"/>
                                   </p:stCondLst>
                                   <p:childTnLst>
                                     <p:set>
                                       <p:cBhvr>
-                                        <p:cTn id="20" dur="1" fill="hold">
+                                        <p:cTn id="18" dur="1" fill="hold">
                                           <p:stCondLst>
                                             <p:cond delay="0"/>
                                           </p:stCondLst>
@@ -4242,21 +9839,9 @@
                                         <p:strVal val="visible"/>
                                       </p:to>
                                     </p:set>
-                                    <p:animEffect transition="in" filter="fade">
-                                      <p:cBhvr>
-                                        <p:cTn id="21" dur="1000"/>
-                                        <p:tgtEl>
-                                          <p:spTgt spid="3">
-                                            <p:txEl>
-                                              <p:pRg st="2" end="2"/>
-                                            </p:txEl>
-                                          </p:spTgt>
-                                        </p:tgtEl>
-                                      </p:cBhvr>
-                                    </p:animEffect>
                                     <p:anim calcmode="lin" valueType="num">
-                                      <p:cBhvr>
-                                        <p:cTn id="22" dur="1000" fill="hold"/>
+                                      <p:cBhvr additive="base">
+                                        <p:cTn id="19" dur="500" fill="hold"/>
                                         <p:tgtEl>
                                           <p:spTgt spid="3">
                                             <p:txEl>
@@ -4282,8 +9867,8 @@
                                       </p:tavLst>
                                     </p:anim>
                                     <p:anim calcmode="lin" valueType="num">
-                                      <p:cBhvr>
-                                        <p:cTn id="23" dur="1000" fill="hold"/>
+                                      <p:cBhvr additive="base">
+                                        <p:cTn id="20" dur="500" fill="hold"/>
                                         <p:tgtEl>
                                           <p:spTgt spid="3">
                                             <p:txEl>
@@ -4298,7 +9883,7 @@
                                       <p:tavLst>
                                         <p:tav tm="0">
                                           <p:val>
-                                            <p:strVal val="#ppt_y+.1"/>
+                                            <p:strVal val="1+#ppt_h/2"/>
                                           </p:val>
                                         </p:tav>
                                         <p:tav tm="100000">
@@ -4345,7 +9930,7 @@
 </p:sld>
 </file>
 
-<file path=ppt/slides/slide3.xml><?xml version="1.0" encoding="utf-8"?>
+<file path=ppt/slides/slide4.xml><?xml version="1.0" encoding="utf-8"?>
 <p:sld xmlns:a="http://schemas.openxmlformats.org/drawingml/2006/main" xmlns:r="http://schemas.openxmlformats.org/officeDocument/2006/relationships" xmlns:p="http://schemas.openxmlformats.org/presentationml/2006/main">
   <p:cSld>
     <p:spTree>
@@ -4364,26 +9949,361 @@
       </p:grpSpPr>
       <p:sp>
         <p:nvSpPr>
-          <p:cNvPr id="2" name="Title 1"/>
-          <p:cNvSpPr>
-            <a:spLocks noGrp="1"/>
-          </p:cNvSpPr>
-          <p:nvPr>
-            <p:ph type="title"/>
-          </p:nvPr>
-        </p:nvSpPr>
-        <p:spPr/>
-        <p:txBody>
-          <a:bodyPr/>
+          <p:cNvPr id="31" name="Rectangle 10"/>
+          <p:cNvSpPr>
+            <a:spLocks noGrp="1" noRot="1" noChangeAspect="1" noMove="1" noResize="1" noEditPoints="1" noAdjustHandles="1" noChangeArrowheads="1" noChangeShapeType="1" noTextEdit="1"/>
+          </p:cNvSpPr>
+          <p:nvPr>
+            <p:extLst>
+              <p:ext uri="{386F3935-93C4-4BCD-93E2-E3B085C9AB24}">
+                <p16:designElem xmlns:p16="http://schemas.microsoft.com/office/powerpoint/2015/main" val="1"/>
+              </p:ext>
+            </p:extLst>
+          </p:nvPr>
+        </p:nvSpPr>
+        <p:spPr bwMode="white">
+          <a:xfrm>
+            <a:off x="0" y="0"/>
+            <a:ext cx="12192000" cy="6858000"/>
+          </a:xfrm>
+          <a:prstGeom prst="rect">
+            <a:avLst/>
+          </a:prstGeom>
+          <a:solidFill>
+            <a:schemeClr val="bg1"/>
+          </a:solidFill>
+          <a:ln>
+            <a:noFill/>
+          </a:ln>
+          <a:effectLst/>
+        </p:spPr>
+      </p:sp>
+      <p:sp>
+        <p:nvSpPr>
+          <p:cNvPr id="13" name="Rectangle 12"/>
+          <p:cNvSpPr>
+            <a:spLocks noGrp="1" noRot="1" noChangeAspect="1" noMove="1" noResize="1" noEditPoints="1" noAdjustHandles="1" noChangeArrowheads="1" noChangeShapeType="1" noTextEdit="1"/>
+          </p:cNvSpPr>
+          <p:nvPr>
+            <p:extLst>
+              <p:ext uri="{386F3935-93C4-4BCD-93E2-E3B085C9AB24}">
+                <p16:designElem xmlns:p16="http://schemas.microsoft.com/office/powerpoint/2015/main" val="1"/>
+              </p:ext>
+            </p:extLst>
+          </p:nvPr>
+        </p:nvSpPr>
+        <p:spPr>
+          <a:xfrm>
+            <a:off x="3175" y="6400800"/>
+            <a:ext cx="12188825" cy="457200"/>
+          </a:xfrm>
+          <a:prstGeom prst="rect">
+            <a:avLst/>
+          </a:prstGeom>
+          <a:solidFill>
+            <a:schemeClr val="accent2"/>
+          </a:solidFill>
+          <a:ln>
+            <a:noFill/>
+          </a:ln>
+        </p:spPr>
+        <p:style>
+          <a:lnRef idx="2">
+            <a:schemeClr val="accent1">
+              <a:shade val="50000"/>
+            </a:schemeClr>
+          </a:lnRef>
+          <a:fillRef idx="1">
+            <a:schemeClr val="accent1"/>
+          </a:fillRef>
+          <a:effectRef idx="0">
+            <a:schemeClr val="accent1"/>
+          </a:effectRef>
+          <a:fontRef idx="minor">
+            <a:schemeClr val="lt1"/>
+          </a:fontRef>
+        </p:style>
+      </p:sp>
+      <p:sp>
+        <p:nvSpPr>
+          <p:cNvPr id="32" name="Rectangle 14"/>
+          <p:cNvSpPr>
+            <a:spLocks noGrp="1" noRot="1" noChangeAspect="1" noMove="1" noResize="1" noEditPoints="1" noAdjustHandles="1" noChangeArrowheads="1" noChangeShapeType="1" noTextEdit="1"/>
+          </p:cNvSpPr>
+          <p:nvPr>
+            <p:extLst>
+              <p:ext uri="{386F3935-93C4-4BCD-93E2-E3B085C9AB24}">
+                <p16:designElem xmlns:p16="http://schemas.microsoft.com/office/powerpoint/2015/main" val="1"/>
+              </p:ext>
+            </p:extLst>
+          </p:nvPr>
+        </p:nvSpPr>
+        <p:spPr>
+          <a:xfrm>
+            <a:off x="15" y="6334316"/>
+            <a:ext cx="12188825" cy="64008"/>
+          </a:xfrm>
+          <a:prstGeom prst="rect">
+            <a:avLst/>
+          </a:prstGeom>
+          <a:solidFill>
+            <a:schemeClr val="accent1"/>
+          </a:solidFill>
+          <a:ln>
+            <a:noFill/>
+          </a:ln>
+        </p:spPr>
+        <p:style>
+          <a:lnRef idx="2">
+            <a:schemeClr val="accent1">
+              <a:shade val="50000"/>
+            </a:schemeClr>
+          </a:lnRef>
+          <a:fillRef idx="1">
+            <a:schemeClr val="accent1"/>
+          </a:fillRef>
+          <a:effectRef idx="0">
+            <a:schemeClr val="accent1"/>
+          </a:effectRef>
+          <a:fontRef idx="minor">
+            <a:schemeClr val="lt1"/>
+          </a:fontRef>
+        </p:style>
+      </p:sp>
+      <p:cxnSp>
+        <p:nvCxnSpPr>
+          <p:cNvPr id="33" name="Straight Connector 16"/>
+          <p:cNvCxnSpPr>
+            <a:cxnSpLocks noGrp="1" noRot="1" noChangeAspect="1" noMove="1" noResize="1" noEditPoints="1" noAdjustHandles="1" noChangeArrowheads="1" noChangeShapeType="1"/>
+          </p:cNvCxnSpPr>
+          <p:nvPr>
+            <p:extLst>
+              <p:ext uri="{386F3935-93C4-4BCD-93E2-E3B085C9AB24}">
+                <p16:designElem xmlns:p16="http://schemas.microsoft.com/office/powerpoint/2015/main" val="1"/>
+              </p:ext>
+            </p:extLst>
+          </p:nvPr>
+        </p:nvCxnSpPr>
+        <p:spPr>
+          <a:xfrm>
+            <a:off x="1207658" y="4343400"/>
+            <a:ext cx="9875520" cy="0"/>
+          </a:xfrm>
+          <a:prstGeom prst="line">
+            <a:avLst/>
+          </a:prstGeom>
+          <a:ln w="6350">
+            <a:solidFill>
+              <a:schemeClr val="tx1">
+                <a:lumMod val="50000"/>
+                <a:lumOff val="50000"/>
+              </a:schemeClr>
+            </a:solidFill>
+          </a:ln>
+        </p:spPr>
+        <p:style>
+          <a:lnRef idx="1">
+            <a:schemeClr val="accent1"/>
+          </a:lnRef>
+          <a:fillRef idx="0">
+            <a:schemeClr val="accent1"/>
+          </a:fillRef>
+          <a:effectRef idx="0">
+            <a:schemeClr val="accent1"/>
+          </a:effectRef>
+          <a:fontRef idx="minor">
+            <a:schemeClr val="tx1"/>
+          </a:fontRef>
+        </p:style>
+      </p:cxnSp>
+      <p:sp useBgFill="1">
+        <p:nvSpPr>
+          <p:cNvPr id="34" name="Rectangle 18"/>
+          <p:cNvSpPr>
+            <a:spLocks noGrp="1" noRot="1" noChangeAspect="1" noMove="1" noResize="1" noEditPoints="1" noAdjustHandles="1" noChangeArrowheads="1" noChangeShapeType="1" noTextEdit="1"/>
+          </p:cNvSpPr>
+          <p:nvPr>
+            <p:extLst>
+              <p:ext uri="{386F3935-93C4-4BCD-93E2-E3B085C9AB24}">
+                <p16:designElem xmlns:p16="http://schemas.microsoft.com/office/powerpoint/2015/main" val="1"/>
+              </p:ext>
+            </p:extLst>
+          </p:nvPr>
+        </p:nvSpPr>
+        <p:spPr>
+          <a:xfrm>
+            <a:off x="0" y="0"/>
+            <a:ext cx="12192001" cy="6334316"/>
+          </a:xfrm>
+          <a:prstGeom prst="rect">
+            <a:avLst/>
+          </a:prstGeom>
+          <a:ln>
+            <a:noFill/>
+          </a:ln>
+        </p:spPr>
+        <p:style>
+          <a:lnRef idx="2">
+            <a:schemeClr val="accent1">
+              <a:shade val="50000"/>
+            </a:schemeClr>
+          </a:lnRef>
+          <a:fillRef idx="1">
+            <a:schemeClr val="accent1"/>
+          </a:fillRef>
+          <a:effectRef idx="0">
+            <a:schemeClr val="accent1"/>
+          </a:effectRef>
+          <a:fontRef idx="minor">
+            <a:schemeClr val="lt1"/>
+          </a:fontRef>
+        </p:style>
+        <p:txBody>
+          <a:bodyPr rtlCol="0" anchor="ctr"/>
           <a:lstStyle/>
           <a:p>
-            <a:r>
-              <a:rPr lang="en-US" dirty="0"/>
-              <a:t>Syntax Tree</a:t>
-            </a:r>
-          </a:p>
-        </p:txBody>
-      </p:sp>
+            <a:pPr algn="ctr"/>
+            <a:endParaRPr lang="en-US"/>
+          </a:p>
+        </p:txBody>
+      </p:sp>
+      <p:sp>
+        <p:nvSpPr>
+          <p:cNvPr id="35" name="Rectangle 20"/>
+          <p:cNvSpPr>
+            <a:spLocks noGrp="1" noRot="1" noChangeAspect="1" noMove="1" noResize="1" noEditPoints="1" noAdjustHandles="1" noChangeArrowheads="1" noChangeShapeType="1" noTextEdit="1"/>
+          </p:cNvSpPr>
+          <p:nvPr>
+            <p:extLst>
+              <p:ext uri="{386F3935-93C4-4BCD-93E2-E3B085C9AB24}">
+                <p16:designElem xmlns:p16="http://schemas.microsoft.com/office/powerpoint/2015/main" val="1"/>
+              </p:ext>
+            </p:extLst>
+          </p:nvPr>
+        </p:nvSpPr>
+        <p:spPr>
+          <a:xfrm>
+            <a:off x="1" y="6400800"/>
+            <a:ext cx="12192000" cy="457200"/>
+          </a:xfrm>
+          <a:prstGeom prst="rect">
+            <a:avLst/>
+          </a:prstGeom>
+          <a:solidFill>
+            <a:schemeClr val="accent2"/>
+          </a:solidFill>
+          <a:ln>
+            <a:noFill/>
+          </a:ln>
+        </p:spPr>
+        <p:style>
+          <a:lnRef idx="2">
+            <a:schemeClr val="accent1">
+              <a:shade val="50000"/>
+            </a:schemeClr>
+          </a:lnRef>
+          <a:fillRef idx="1">
+            <a:schemeClr val="accent1"/>
+          </a:fillRef>
+          <a:effectRef idx="0">
+            <a:schemeClr val="accent1"/>
+          </a:effectRef>
+          <a:fontRef idx="minor">
+            <a:schemeClr val="lt1"/>
+          </a:fontRef>
+        </p:style>
+      </p:sp>
+      <p:sp>
+        <p:nvSpPr>
+          <p:cNvPr id="36" name="Rectangle 22"/>
+          <p:cNvSpPr>
+            <a:spLocks noGrp="1" noRot="1" noChangeAspect="1" noMove="1" noResize="1" noEditPoints="1" noAdjustHandles="1" noChangeArrowheads="1" noChangeShapeType="1" noTextEdit="1"/>
+          </p:cNvSpPr>
+          <p:nvPr>
+            <p:extLst>
+              <p:ext uri="{386F3935-93C4-4BCD-93E2-E3B085C9AB24}">
+                <p16:designElem xmlns:p16="http://schemas.microsoft.com/office/powerpoint/2015/main" val="1"/>
+              </p:ext>
+            </p:extLst>
+          </p:nvPr>
+        </p:nvSpPr>
+        <p:spPr>
+          <a:xfrm>
+            <a:off x="15" y="6334316"/>
+            <a:ext cx="12191985" cy="66484"/>
+          </a:xfrm>
+          <a:prstGeom prst="rect">
+            <a:avLst/>
+          </a:prstGeom>
+          <a:solidFill>
+            <a:schemeClr val="accent1"/>
+          </a:solidFill>
+          <a:ln>
+            <a:noFill/>
+          </a:ln>
+        </p:spPr>
+        <p:style>
+          <a:lnRef idx="2">
+            <a:schemeClr val="accent1">
+              <a:shade val="50000"/>
+            </a:schemeClr>
+          </a:lnRef>
+          <a:fillRef idx="1">
+            <a:schemeClr val="accent1"/>
+          </a:fillRef>
+          <a:effectRef idx="0">
+            <a:schemeClr val="accent1"/>
+          </a:effectRef>
+          <a:fontRef idx="minor">
+            <a:schemeClr val="lt1"/>
+          </a:fontRef>
+        </p:style>
+      </p:sp>
+      <p:cxnSp>
+        <p:nvCxnSpPr>
+          <p:cNvPr id="37" name="Straight Connector 24"/>
+          <p:cNvCxnSpPr>
+            <a:cxnSpLocks noGrp="1" noRot="1" noChangeAspect="1" noMove="1" noResize="1" noEditPoints="1" noAdjustHandles="1" noChangeArrowheads="1" noChangeShapeType="1"/>
+          </p:cNvCxnSpPr>
+          <p:nvPr>
+            <p:extLst>
+              <p:ext uri="{386F3935-93C4-4BCD-93E2-E3B085C9AB24}">
+                <p16:designElem xmlns:p16="http://schemas.microsoft.com/office/powerpoint/2015/main" val="1"/>
+              </p:ext>
+            </p:extLst>
+          </p:nvPr>
+        </p:nvCxnSpPr>
+        <p:spPr>
+          <a:xfrm>
+            <a:off x="721086" y="5618770"/>
+            <a:ext cx="10515600" cy="0"/>
+          </a:xfrm>
+          <a:prstGeom prst="line">
+            <a:avLst/>
+          </a:prstGeom>
+          <a:ln w="6350">
+            <a:solidFill>
+              <a:schemeClr val="tx2">
+                <a:alpha val="90000"/>
+              </a:schemeClr>
+            </a:solidFill>
+          </a:ln>
+        </p:spPr>
+        <p:style>
+          <a:lnRef idx="1">
+            <a:schemeClr val="accent1"/>
+          </a:lnRef>
+          <a:fillRef idx="0">
+            <a:schemeClr val="accent1"/>
+          </a:fillRef>
+          <a:effectRef idx="0">
+            <a:schemeClr val="accent1"/>
+          </a:effectRef>
+          <a:fontRef idx="minor">
+            <a:schemeClr val="tx1"/>
+          </a:fontRef>
+        </p:style>
+      </p:cxnSp>
       <p:pic>
         <p:nvPicPr>
           <p:cNvPr id="5" name="Content Placeholder 4"/>
@@ -4408,9 +10328,12 @@
         </p:blipFill>
         <p:spPr>
           <a:xfrm>
-            <a:off x="1504930" y="2821215"/>
-            <a:ext cx="4122777" cy="2072820"/>
+            <a:off x="635457" y="1722535"/>
+            <a:ext cx="5131653" cy="1437825"/>
           </a:xfrm>
+          <a:prstGeom prst="rect">
+            <a:avLst/>
+          </a:prstGeom>
         </p:spPr>
       </p:pic>
       <p:pic>
@@ -4437,96 +10360,726 @@
         </p:blipFill>
         <p:spPr>
           <a:xfrm>
-            <a:off x="5856334" y="286602"/>
-            <a:ext cx="5299346" cy="6027111"/>
+            <a:off x="6424891" y="1245073"/>
+            <a:ext cx="5118182" cy="2392749"/>
+          </a:xfrm>
+          <a:prstGeom prst="rect">
+            <a:avLst/>
+          </a:prstGeom>
+        </p:spPr>
+      </p:pic>
+      <p:sp>
+        <p:nvSpPr>
+          <p:cNvPr id="38" name="Rectangle 26"/>
+          <p:cNvSpPr>
+            <a:spLocks noGrp="1" noRot="1" noChangeAspect="1" noMove="1" noResize="1" noEditPoints="1" noAdjustHandles="1" noChangeArrowheads="1" noChangeShapeType="1" noTextEdit="1"/>
+          </p:cNvSpPr>
+          <p:nvPr>
+            <p:extLst>
+              <p:ext uri="{386F3935-93C4-4BCD-93E2-E3B085C9AB24}">
+                <p16:designElem xmlns:p16="http://schemas.microsoft.com/office/powerpoint/2015/main" val="1"/>
+              </p:ext>
+            </p:extLst>
+          </p:nvPr>
+        </p:nvSpPr>
+        <p:spPr>
+          <a:xfrm>
+            <a:off x="6063996" y="886968"/>
+            <a:ext cx="64008" cy="3108960"/>
+          </a:xfrm>
+          <a:prstGeom prst="rect">
+            <a:avLst/>
+          </a:prstGeom>
+          <a:ln>
+            <a:noFill/>
+          </a:ln>
+        </p:spPr>
+        <p:style>
+          <a:lnRef idx="2">
+            <a:schemeClr val="accent1">
+              <a:shade val="50000"/>
+            </a:schemeClr>
+          </a:lnRef>
+          <a:fillRef idx="1">
+            <a:schemeClr val="accent1"/>
+          </a:fillRef>
+          <a:effectRef idx="0">
+            <a:schemeClr val="accent1"/>
+          </a:effectRef>
+          <a:fontRef idx="minor">
+            <a:schemeClr val="lt1"/>
+          </a:fontRef>
+        </p:style>
+        <p:txBody>
+          <a:bodyPr rtlCol="0" anchor="ctr"/>
+          <a:lstStyle/>
+          <a:p>
+            <a:pPr algn="ctr"/>
+            <a:endParaRPr lang="en-US"/>
+          </a:p>
+        </p:txBody>
+      </p:sp>
+      <p:sp>
+        <p:nvSpPr>
+          <p:cNvPr id="2" name="Title 1"/>
+          <p:cNvSpPr>
+            <a:spLocks noGrp="1"/>
+          </p:cNvSpPr>
+          <p:nvPr>
+            <p:ph type="title"/>
+          </p:nvPr>
+        </p:nvSpPr>
+        <p:spPr>
+          <a:xfrm>
+            <a:off x="633999" y="4550229"/>
+            <a:ext cx="10909073" cy="1057655"/>
+          </a:xfrm>
+        </p:spPr>
+        <p:txBody>
+          <a:bodyPr vert="horz" lIns="91440" tIns="45720" rIns="91440" bIns="45720" rtlCol="0" anchor="b">
+            <a:normAutofit/>
+          </a:bodyPr>
+          <a:lstStyle/>
+          <a:p>
+            <a:r>
+              <a:rPr lang="en-US" sz="6000">
+                <a:solidFill>
+                  <a:schemeClr val="tx1">
+                    <a:lumMod val="85000"/>
+                    <a:lumOff val="15000"/>
+                  </a:schemeClr>
+                </a:solidFill>
+              </a:rPr>
+              <a:t>ServiceLocator killer</a:t>
+            </a:r>
+          </a:p>
+        </p:txBody>
+      </p:sp>
+    </p:spTree>
+    <p:extLst>
+      <p:ext uri="{BB962C8B-B14F-4D97-AF65-F5344CB8AC3E}">
+        <p14:creationId xmlns:p14="http://schemas.microsoft.com/office/powerpoint/2010/main" val="3063601145"/>
+      </p:ext>
+    </p:extLst>
+  </p:cSld>
+  <p:clrMapOvr>
+    <a:masterClrMapping/>
+  </p:clrMapOvr>
+</p:sld>
+</file>
+
+<file path=ppt/slides/slide5.xml><?xml version="1.0" encoding="utf-8"?>
+<p:sld xmlns:a="http://schemas.openxmlformats.org/drawingml/2006/main" xmlns:r="http://schemas.openxmlformats.org/officeDocument/2006/relationships" xmlns:p="http://schemas.openxmlformats.org/presentationml/2006/main">
+  <p:cSld>
+    <p:spTree>
+      <p:nvGrpSpPr>
+        <p:cNvPr id="1" name=""/>
+        <p:cNvGrpSpPr/>
+        <p:nvPr/>
+      </p:nvGrpSpPr>
+      <p:grpSpPr>
+        <a:xfrm>
+          <a:off x="0" y="0"/>
+          <a:ext cx="0" cy="0"/>
+          <a:chOff x="0" y="0"/>
+          <a:chExt cx="0" cy="0"/>
+        </a:xfrm>
+      </p:grpSpPr>
+      <p:sp useBgFill="1">
+        <p:nvSpPr>
+          <p:cNvPr id="13" name="Rectangle 12"/>
+          <p:cNvSpPr>
+            <a:spLocks noGrp="1" noRot="1" noChangeAspect="1" noMove="1" noResize="1" noEditPoints="1" noAdjustHandles="1" noChangeArrowheads="1" noChangeShapeType="1" noTextEdit="1"/>
+          </p:cNvSpPr>
+          <p:nvPr>
+            <p:extLst>
+              <p:ext uri="{386F3935-93C4-4BCD-93E2-E3B085C9AB24}">
+                <p16:designElem xmlns:p16="http://schemas.microsoft.com/office/powerpoint/2015/main" val="1"/>
+              </p:ext>
+            </p:extLst>
+          </p:nvPr>
+        </p:nvSpPr>
+        <p:spPr>
+          <a:xfrm>
+            <a:off x="0" y="0"/>
+            <a:ext cx="12186315" cy="6858000"/>
+          </a:xfrm>
+          <a:prstGeom prst="rect">
+            <a:avLst/>
+          </a:prstGeom>
+          <a:ln>
+            <a:noFill/>
+          </a:ln>
+        </p:spPr>
+        <p:style>
+          <a:lnRef idx="2">
+            <a:schemeClr val="accent6">
+              <a:shade val="50000"/>
+            </a:schemeClr>
+          </a:lnRef>
+          <a:fillRef idx="1001">
+            <a:schemeClr val="lt1"/>
+          </a:fillRef>
+          <a:effectRef idx="0">
+            <a:schemeClr val="accent6"/>
+          </a:effectRef>
+          <a:fontRef idx="minor">
+            <a:schemeClr val="lt1"/>
+          </a:fontRef>
+        </p:style>
+        <p:txBody>
+          <a:bodyPr rtlCol="0" anchor="ctr"/>
+          <a:lstStyle/>
+          <a:p>
+            <a:pPr algn="ctr"/>
+            <a:endParaRPr lang="en-US"/>
+          </a:p>
+        </p:txBody>
+      </p:sp>
+      <p:sp>
+        <p:nvSpPr>
+          <p:cNvPr id="15" name="Rectangle 14"/>
+          <p:cNvSpPr>
+            <a:spLocks noGrp="1" noRot="1" noChangeAspect="1" noMove="1" noResize="1" noEditPoints="1" noAdjustHandles="1" noChangeArrowheads="1" noChangeShapeType="1" noTextEdit="1"/>
+          </p:cNvSpPr>
+          <p:nvPr>
+            <p:extLst>
+              <p:ext uri="{386F3935-93C4-4BCD-93E2-E3B085C9AB24}">
+                <p16:designElem xmlns:p16="http://schemas.microsoft.com/office/powerpoint/2015/main" val="1"/>
+              </p:ext>
+            </p:extLst>
+          </p:nvPr>
+        </p:nvSpPr>
+        <p:spPr>
+          <a:xfrm>
+            <a:off x="16" y="0"/>
+            <a:ext cx="4050791" cy="6858000"/>
+          </a:xfrm>
+          <a:prstGeom prst="rect">
+            <a:avLst/>
+          </a:prstGeom>
+          <a:solidFill>
+            <a:schemeClr val="accent2"/>
+          </a:solidFill>
+          <a:ln>
+            <a:noFill/>
+          </a:ln>
+        </p:spPr>
+        <p:style>
+          <a:lnRef idx="2">
+            <a:schemeClr val="accent1">
+              <a:shade val="50000"/>
+            </a:schemeClr>
+          </a:lnRef>
+          <a:fillRef idx="1">
+            <a:schemeClr val="accent1"/>
+          </a:fillRef>
+          <a:effectRef idx="0">
+            <a:schemeClr val="accent1"/>
+          </a:effectRef>
+          <a:fontRef idx="minor">
+            <a:schemeClr val="lt1"/>
+          </a:fontRef>
+        </p:style>
+      </p:sp>
+      <p:sp>
+        <p:nvSpPr>
+          <p:cNvPr id="17" name="Rectangle 16"/>
+          <p:cNvSpPr>
+            <a:spLocks noGrp="1" noRot="1" noChangeAspect="1" noMove="1" noResize="1" noEditPoints="1" noAdjustHandles="1" noChangeArrowheads="1" noChangeShapeType="1" noTextEdit="1"/>
+          </p:cNvSpPr>
+          <p:nvPr>
+            <p:extLst>
+              <p:ext uri="{386F3935-93C4-4BCD-93E2-E3B085C9AB24}">
+                <p16:designElem xmlns:p16="http://schemas.microsoft.com/office/powerpoint/2015/main" val="1"/>
+              </p:ext>
+            </p:extLst>
+          </p:nvPr>
+        </p:nvSpPr>
+        <p:spPr>
+          <a:xfrm>
+            <a:off x="4040071" y="0"/>
+            <a:ext cx="64008" cy="6858000"/>
+          </a:xfrm>
+          <a:prstGeom prst="rect">
+            <a:avLst/>
+          </a:prstGeom>
+          <a:solidFill>
+            <a:schemeClr val="accent1"/>
+          </a:solidFill>
+          <a:ln>
+            <a:noFill/>
+          </a:ln>
+        </p:spPr>
+        <p:style>
+          <a:lnRef idx="2">
+            <a:schemeClr val="accent1">
+              <a:shade val="50000"/>
+            </a:schemeClr>
+          </a:lnRef>
+          <a:fillRef idx="1">
+            <a:schemeClr val="accent1"/>
+          </a:fillRef>
+          <a:effectRef idx="0">
+            <a:schemeClr val="accent1"/>
+          </a:effectRef>
+          <a:fontRef idx="minor">
+            <a:schemeClr val="lt1"/>
+          </a:fontRef>
+        </p:style>
+      </p:sp>
+      <p:pic>
+        <p:nvPicPr>
+          <p:cNvPr id="7" name="Content Placeholder 3" descr="Czym są więc te wyrażenia drzewiaste?"/>
+          <p:cNvPicPr>
+            <a:picLocks noChangeAspect="1"/>
+          </p:cNvPicPr>
+          <p:nvPr/>
+        </p:nvPicPr>
+        <p:blipFill>
+          <a:blip r:embed="rId2">
+            <a:extLst>
+              <a:ext uri="{28A0092B-C50C-407E-A947-70E740481C1C}">
+                <a14:useLocalDpi xmlns:a14="http://schemas.microsoft.com/office/drawing/2010/main" val="0"/>
+              </a:ext>
+            </a:extLst>
+          </a:blip>
+          <a:stretch>
+            <a:fillRect/>
+          </a:stretch>
+        </p:blipFill>
+        <p:spPr>
+          <a:xfrm>
+            <a:off x="4742017" y="1966873"/>
+            <a:ext cx="6798082" cy="2924254"/>
+          </a:xfrm>
+          <a:prstGeom prst="rect">
+            <a:avLst/>
+          </a:prstGeom>
+        </p:spPr>
+      </p:pic>
+      <p:sp>
+        <p:nvSpPr>
+          <p:cNvPr id="2" name="Title 1"/>
+          <p:cNvSpPr>
+            <a:spLocks noGrp="1"/>
+          </p:cNvSpPr>
+          <p:nvPr>
+            <p:ph type="title"/>
+          </p:nvPr>
+        </p:nvSpPr>
+        <p:spPr>
+          <a:xfrm>
+            <a:off x="492370" y="516835"/>
+            <a:ext cx="3084844" cy="2103875"/>
+          </a:xfrm>
+        </p:spPr>
+        <p:txBody>
+          <a:bodyPr>
+            <a:normAutofit/>
+          </a:bodyPr>
+          <a:lstStyle/>
+          <a:p>
+            <a:r>
+              <a:rPr lang="en-US" sz="3600" dirty="0">
+                <a:solidFill>
+                  <a:srgbClr val="FFFFFF"/>
+                </a:solidFill>
+              </a:rPr>
+              <a:t>Syntax Visualizer – </a:t>
+            </a:r>
+            <a:r>
+              <a:rPr lang="ru-RU" sz="3600" dirty="0">
+                <a:solidFill>
+                  <a:srgbClr val="FFFFFF"/>
+                </a:solidFill>
+              </a:rPr>
+              <a:t>Ваш лучший друг</a:t>
+            </a:r>
+            <a:endParaRPr lang="en-US" sz="3600" dirty="0">
+              <a:solidFill>
+                <a:srgbClr val="FFFFFF"/>
+              </a:solidFill>
+            </a:endParaRPr>
+          </a:p>
+        </p:txBody>
+      </p:sp>
+      <p:pic>
+        <p:nvPicPr>
+          <p:cNvPr id="11" name="Content Placeholder 10"/>
+          <p:cNvPicPr>
+            <a:picLocks noGrp="1" noChangeAspect="1"/>
+          </p:cNvPicPr>
+          <p:nvPr>
+            <p:ph idx="1"/>
+          </p:nvPr>
+        </p:nvPicPr>
+        <p:blipFill>
+          <a:blip r:embed="rId3">
+            <a:extLst>
+              <a:ext uri="{28A0092B-C50C-407E-A947-70E740481C1C}">
+                <a14:useLocalDpi xmlns:a14="http://schemas.microsoft.com/office/drawing/2010/main" val="0"/>
+              </a:ext>
+            </a:extLst>
+          </a:blip>
+          <a:stretch>
+            <a:fillRect/>
+          </a:stretch>
+        </p:blipFill>
+        <p:spPr>
+          <a:xfrm>
+            <a:off x="929481" y="3350419"/>
+            <a:ext cx="2209800" cy="1943100"/>
           </a:xfrm>
         </p:spPr>
       </p:pic>
     </p:spTree>
     <p:extLst>
       <p:ext uri="{BB962C8B-B14F-4D97-AF65-F5344CB8AC3E}">
-        <p14:creationId xmlns:p14="http://schemas.microsoft.com/office/powerpoint/2010/main" val="1510175507"/>
+        <p14:creationId xmlns:p14="http://schemas.microsoft.com/office/powerpoint/2010/main" val="198899544"/>
       </p:ext>
     </p:extLst>
   </p:cSld>
   <p:clrMapOvr>
     <a:masterClrMapping/>
   </p:clrMapOvr>
-  <p:timing>
-    <p:tnLst>
-      <p:par>
-        <p:cTn id="1" dur="indefinite" restart="never" nodeType="tmRoot">
-          <p:childTnLst>
-            <p:seq concurrent="1" nextAc="seek">
-              <p:cTn id="2" dur="indefinite" nodeType="mainSeq">
-                <p:childTnLst>
-                  <p:par>
-                    <p:cTn id="3" fill="hold">
-                      <p:stCondLst>
-                        <p:cond delay="indefinite"/>
-                      </p:stCondLst>
-                      <p:childTnLst>
-                        <p:par>
-                          <p:cTn id="4" fill="hold">
-                            <p:stCondLst>
-                              <p:cond delay="0"/>
-                            </p:stCondLst>
-                            <p:childTnLst>
-                              <p:par>
-                                <p:cTn id="5" presetID="1" presetClass="entr" presetSubtype="0" fill="hold" nodeType="clickEffect">
-                                  <p:stCondLst>
-                                    <p:cond delay="0"/>
-                                  </p:stCondLst>
-                                  <p:childTnLst>
-                                    <p:set>
-                                      <p:cBhvr>
-                                        <p:cTn id="6" dur="1" fill="hold">
-                                          <p:stCondLst>
-                                            <p:cond delay="0"/>
-                                          </p:stCondLst>
-                                        </p:cTn>
-                                        <p:tgtEl>
-                                          <p:spTgt spid="6"/>
-                                        </p:tgtEl>
-                                        <p:attrNameLst>
-                                          <p:attrName>style.visibility</p:attrName>
-                                        </p:attrNameLst>
-                                      </p:cBhvr>
-                                      <p:to>
-                                        <p:strVal val="visible"/>
-                                      </p:to>
-                                    </p:set>
-                                  </p:childTnLst>
-                                </p:cTn>
-                              </p:par>
-                            </p:childTnLst>
-                          </p:cTn>
-                        </p:par>
-                      </p:childTnLst>
-                    </p:cTn>
-                  </p:par>
-                </p:childTnLst>
-              </p:cTn>
-              <p:prevCondLst>
-                <p:cond evt="onPrev" delay="0">
-                  <p:tgtEl>
-                    <p:sldTgt/>
-                  </p:tgtEl>
-                </p:cond>
-              </p:prevCondLst>
-              <p:nextCondLst>
-                <p:cond evt="onNext" delay="0">
-                  <p:tgtEl>
-                    <p:sldTgt/>
-                  </p:tgtEl>
-                </p:cond>
-              </p:nextCondLst>
-            </p:seq>
-          </p:childTnLst>
-        </p:cTn>
-      </p:par>
-    </p:tnLst>
-  </p:timing>
+</p:sld>
+</file>
+
+<file path=ppt/slides/slide6.xml><?xml version="1.0" encoding="utf-8"?>
+<p:sld xmlns:a="http://schemas.openxmlformats.org/drawingml/2006/main" xmlns:r="http://schemas.openxmlformats.org/officeDocument/2006/relationships" xmlns:p="http://schemas.openxmlformats.org/presentationml/2006/main">
+  <p:cSld>
+    <p:spTree>
+      <p:nvGrpSpPr>
+        <p:cNvPr id="1" name=""/>
+        <p:cNvGrpSpPr/>
+        <p:nvPr/>
+      </p:nvGrpSpPr>
+      <p:grpSpPr>
+        <a:xfrm>
+          <a:off x="0" y="0"/>
+          <a:ext cx="0" cy="0"/>
+          <a:chOff x="0" y="0"/>
+          <a:chExt cx="0" cy="0"/>
+        </a:xfrm>
+      </p:grpSpPr>
+      <p:sp>
+        <p:nvSpPr>
+          <p:cNvPr id="2" name="Title 1"/>
+          <p:cNvSpPr>
+            <a:spLocks noGrp="1"/>
+          </p:cNvSpPr>
+          <p:nvPr>
+            <p:ph type="title"/>
+          </p:nvPr>
+        </p:nvSpPr>
+        <p:spPr/>
+        <p:txBody>
+          <a:bodyPr/>
+          <a:lstStyle/>
+          <a:p>
+            <a:r>
+              <a:rPr lang="ru-RU" dirty="0"/>
+              <a:t>Для всего есть фабрика</a:t>
+            </a:r>
+            <a:endParaRPr lang="en-US" dirty="0"/>
+          </a:p>
+        </p:txBody>
+      </p:sp>
+      <p:graphicFrame>
+        <p:nvGraphicFramePr>
+          <p:cNvPr id="6" name="Content Placeholder 5"/>
+          <p:cNvGraphicFramePr>
+            <a:graphicFrameLocks noGrp="1"/>
+          </p:cNvGraphicFramePr>
+          <p:nvPr>
+            <p:ph idx="1"/>
+            <p:extLst>
+              <p:ext uri="{D42A27DB-BD31-4B8C-83A1-F6EECF244321}">
+                <p14:modId xmlns:p14="http://schemas.microsoft.com/office/powerpoint/2010/main" val="3197327445"/>
+              </p:ext>
+            </p:extLst>
+          </p:nvPr>
+        </p:nvGraphicFramePr>
+        <p:xfrm>
+          <a:off x="1096963" y="1846263"/>
+          <a:ext cx="10058400" cy="4022725"/>
+        </p:xfrm>
+        <a:graphic>
+          <a:graphicData uri="http://schemas.openxmlformats.org/drawingml/2006/diagram">
+            <dgm:relIds xmlns:dgm="http://schemas.openxmlformats.org/drawingml/2006/diagram" xmlns:r="http://schemas.openxmlformats.org/officeDocument/2006/relationships" r:dm="rId2" r:lo="rId3" r:qs="rId4" r:cs="rId5"/>
+          </a:graphicData>
+        </a:graphic>
+      </p:graphicFrame>
+    </p:spTree>
+    <p:extLst>
+      <p:ext uri="{BB962C8B-B14F-4D97-AF65-F5344CB8AC3E}">
+        <p14:creationId xmlns:p14="http://schemas.microsoft.com/office/powerpoint/2010/main" val="2573405941"/>
+      </p:ext>
+    </p:extLst>
+  </p:cSld>
+  <p:clrMapOvr>
+    <a:masterClrMapping/>
+  </p:clrMapOvr>
+</p:sld>
+</file>
+
+<file path=ppt/slides/slide7.xml><?xml version="1.0" encoding="utf-8"?>
+<p:sld xmlns:a="http://schemas.openxmlformats.org/drawingml/2006/main" xmlns:r="http://schemas.openxmlformats.org/officeDocument/2006/relationships" xmlns:p="http://schemas.openxmlformats.org/presentationml/2006/main">
+  <p:cSld>
+    <p:spTree>
+      <p:nvGrpSpPr>
+        <p:cNvPr id="1" name=""/>
+        <p:cNvGrpSpPr/>
+        <p:nvPr/>
+      </p:nvGrpSpPr>
+      <p:grpSpPr>
+        <a:xfrm>
+          <a:off x="0" y="0"/>
+          <a:ext cx="0" cy="0"/>
+          <a:chOff x="0" y="0"/>
+          <a:chExt cx="0" cy="0"/>
+        </a:xfrm>
+      </p:grpSpPr>
+      <p:sp>
+        <p:nvSpPr>
+          <p:cNvPr id="2" name="Title 1"/>
+          <p:cNvSpPr>
+            <a:spLocks noGrp="1"/>
+          </p:cNvSpPr>
+          <p:nvPr>
+            <p:ph type="title"/>
+          </p:nvPr>
+        </p:nvSpPr>
+        <p:spPr/>
+        <p:txBody>
+          <a:bodyPr/>
+          <a:lstStyle/>
+          <a:p>
+            <a:r>
+              <a:rPr lang="ru-RU" dirty="0"/>
+              <a:t>Имя узла соответствует имени класса</a:t>
+            </a:r>
+            <a:endParaRPr lang="en-US" dirty="0"/>
+          </a:p>
+        </p:txBody>
+      </p:sp>
+      <p:pic>
+        <p:nvPicPr>
+          <p:cNvPr id="6" name="Content Placeholder 5"/>
+          <p:cNvPicPr>
+            <a:picLocks noGrp="1" noChangeAspect="1"/>
+          </p:cNvPicPr>
+          <p:nvPr>
+            <p:ph sz="half" idx="1"/>
+          </p:nvPr>
+        </p:nvPicPr>
+        <p:blipFill>
+          <a:blip r:embed="rId2">
+            <a:extLst>
+              <a:ext uri="{28A0092B-C50C-407E-A947-70E740481C1C}">
+                <a14:useLocalDpi xmlns:a14="http://schemas.microsoft.com/office/drawing/2010/main" val="0"/>
+              </a:ext>
+            </a:extLst>
+          </a:blip>
+          <a:stretch>
+            <a:fillRect/>
+          </a:stretch>
+        </p:blipFill>
+        <p:spPr>
+          <a:xfrm>
+            <a:off x="1517764" y="2857931"/>
+            <a:ext cx="3001138" cy="1464556"/>
+          </a:xfrm>
+        </p:spPr>
+      </p:pic>
+      <p:pic>
+        <p:nvPicPr>
+          <p:cNvPr id="7" name="Content Placeholder 6"/>
+          <p:cNvPicPr>
+            <a:picLocks noGrp="1" noChangeAspect="1"/>
+          </p:cNvPicPr>
+          <p:nvPr>
+            <p:ph sz="half" idx="2"/>
+          </p:nvPr>
+        </p:nvPicPr>
+        <p:blipFill>
+          <a:blip r:embed="rId3">
+            <a:extLst>
+              <a:ext uri="{28A0092B-C50C-407E-A947-70E740481C1C}">
+                <a14:useLocalDpi xmlns:a14="http://schemas.microsoft.com/office/drawing/2010/main" val="0"/>
+              </a:ext>
+            </a:extLst>
+          </a:blip>
+          <a:stretch>
+            <a:fillRect/>
+          </a:stretch>
+        </p:blipFill>
+        <p:spPr>
+          <a:xfrm>
+            <a:off x="6218238" y="2857930"/>
+            <a:ext cx="4937125" cy="1999391"/>
+          </a:xfrm>
+        </p:spPr>
+      </p:pic>
+    </p:spTree>
+    <p:extLst>
+      <p:ext uri="{BB962C8B-B14F-4D97-AF65-F5344CB8AC3E}">
+        <p14:creationId xmlns:p14="http://schemas.microsoft.com/office/powerpoint/2010/main" val="794371629"/>
+      </p:ext>
+    </p:extLst>
+  </p:cSld>
+  <p:clrMapOvr>
+    <a:masterClrMapping/>
+  </p:clrMapOvr>
+</p:sld>
+</file>
+
+<file path=ppt/slides/slide8.xml><?xml version="1.0" encoding="utf-8"?>
+<p:sld xmlns:a="http://schemas.openxmlformats.org/drawingml/2006/main" xmlns:r="http://schemas.openxmlformats.org/officeDocument/2006/relationships" xmlns:p="http://schemas.openxmlformats.org/presentationml/2006/main">
+  <p:cSld>
+    <p:spTree>
+      <p:nvGrpSpPr>
+        <p:cNvPr id="1" name=""/>
+        <p:cNvGrpSpPr/>
+        <p:nvPr/>
+      </p:nvGrpSpPr>
+      <p:grpSpPr>
+        <a:xfrm>
+          <a:off x="0" y="0"/>
+          <a:ext cx="0" cy="0"/>
+          <a:chOff x="0" y="0"/>
+          <a:chExt cx="0" cy="0"/>
+        </a:xfrm>
+      </p:grpSpPr>
+      <p:sp>
+        <p:nvSpPr>
+          <p:cNvPr id="2" name="Title 1"/>
+          <p:cNvSpPr>
+            <a:spLocks noGrp="1"/>
+          </p:cNvSpPr>
+          <p:nvPr>
+            <p:ph type="title"/>
+          </p:nvPr>
+        </p:nvSpPr>
+        <p:spPr/>
+        <p:txBody>
+          <a:bodyPr/>
+          <a:lstStyle/>
+          <a:p>
+            <a:r>
+              <a:rPr lang="en-US" dirty="0" err="1"/>
+              <a:t>DescendantNodes</a:t>
+            </a:r>
+            <a:r>
+              <a:rPr lang="ru-RU" dirty="0"/>
+              <a:t> мне друг но производительность дороже</a:t>
+            </a:r>
+            <a:endParaRPr lang="en-US" dirty="0"/>
+          </a:p>
+        </p:txBody>
+      </p:sp>
+      <p:sp>
+        <p:nvSpPr>
+          <p:cNvPr id="3" name="Content Placeholder 2"/>
+          <p:cNvSpPr>
+            <a:spLocks noGrp="1"/>
+          </p:cNvSpPr>
+          <p:nvPr>
+            <p:ph idx="1"/>
+          </p:nvPr>
+        </p:nvSpPr>
+        <p:spPr/>
+        <p:txBody>
+          <a:bodyPr/>
+          <a:lstStyle/>
+          <a:p>
+            <a:endParaRPr lang="en-US" dirty="0"/>
+          </a:p>
+        </p:txBody>
+      </p:sp>
+    </p:spTree>
+    <p:extLst>
+      <p:ext uri="{BB962C8B-B14F-4D97-AF65-F5344CB8AC3E}">
+        <p14:creationId xmlns:p14="http://schemas.microsoft.com/office/powerpoint/2010/main" val="2351405725"/>
+      </p:ext>
+    </p:extLst>
+  </p:cSld>
+  <p:clrMapOvr>
+    <a:masterClrMapping/>
+  </p:clrMapOvr>
+</p:sld>
+</file>
+
+<file path=ppt/slides/slide9.xml><?xml version="1.0" encoding="utf-8"?>
+<p:sld xmlns:a="http://schemas.openxmlformats.org/drawingml/2006/main" xmlns:r="http://schemas.openxmlformats.org/officeDocument/2006/relationships" xmlns:p="http://schemas.openxmlformats.org/presentationml/2006/main">
+  <p:cSld>
+    <p:spTree>
+      <p:nvGrpSpPr>
+        <p:cNvPr id="1" name=""/>
+        <p:cNvGrpSpPr/>
+        <p:nvPr/>
+      </p:nvGrpSpPr>
+      <p:grpSpPr>
+        <a:xfrm>
+          <a:off x="0" y="0"/>
+          <a:ext cx="0" cy="0"/>
+          <a:chOff x="0" y="0"/>
+          <a:chExt cx="0" cy="0"/>
+        </a:xfrm>
+      </p:grpSpPr>
+      <p:sp>
+        <p:nvSpPr>
+          <p:cNvPr id="2" name="Title 1"/>
+          <p:cNvSpPr>
+            <a:spLocks noGrp="1"/>
+          </p:cNvSpPr>
+          <p:nvPr>
+            <p:ph type="title"/>
+          </p:nvPr>
+        </p:nvSpPr>
+        <p:spPr/>
+        <p:txBody>
+          <a:bodyPr/>
+          <a:lstStyle/>
+          <a:p>
+            <a:r>
+              <a:rPr lang="ru-RU" dirty="0"/>
+              <a:t>Помните про иммутабельность</a:t>
+            </a:r>
+            <a:endParaRPr lang="en-US" dirty="0"/>
+          </a:p>
+        </p:txBody>
+      </p:sp>
+      <p:sp>
+        <p:nvSpPr>
+          <p:cNvPr id="3" name="Content Placeholder 2"/>
+          <p:cNvSpPr>
+            <a:spLocks noGrp="1"/>
+          </p:cNvSpPr>
+          <p:nvPr>
+            <p:ph idx="1"/>
+          </p:nvPr>
+        </p:nvSpPr>
+        <p:spPr/>
+        <p:txBody>
+          <a:bodyPr/>
+          <a:lstStyle/>
+          <a:p>
+            <a:endParaRPr lang="en-US"/>
+          </a:p>
+        </p:txBody>
+      </p:sp>
+    </p:spTree>
+    <p:extLst>
+      <p:ext uri="{BB962C8B-B14F-4D97-AF65-F5344CB8AC3E}">
+        <p14:creationId xmlns:p14="http://schemas.microsoft.com/office/powerpoint/2010/main" val="2210063024"/>
+      </p:ext>
+    </p:extLst>
+  </p:cSld>
+  <p:clrMapOvr>
+    <a:masterClrMapping/>
+  </p:clrMapOvr>
 </p:sld>
 </file>
 
@@ -4811,4 +11364,299 @@
     </a:ext>
   </a:extLst>
 </a:theme>
+</file>
+
+<file path=ppt/theme/theme2.xml><?xml version="1.0" encoding="utf-8"?>
+<a:theme xmlns:a="http://schemas.openxmlformats.org/drawingml/2006/main" name="Office Theme">
+  <a:themeElements>
+    <a:clrScheme name="Office">
+      <a:dk1>
+        <a:sysClr val="windowText" lastClr="000000"/>
+      </a:dk1>
+      <a:lt1>
+        <a:sysClr val="window" lastClr="FFFFFF"/>
+      </a:lt1>
+      <a:dk2>
+        <a:srgbClr val="44546A"/>
+      </a:dk2>
+      <a:lt2>
+        <a:srgbClr val="E7E6E6"/>
+      </a:lt2>
+      <a:accent1>
+        <a:srgbClr val="5B9BD5"/>
+      </a:accent1>
+      <a:accent2>
+        <a:srgbClr val="ED7D31"/>
+      </a:accent2>
+      <a:accent3>
+        <a:srgbClr val="A5A5A5"/>
+      </a:accent3>
+      <a:accent4>
+        <a:srgbClr val="FFC000"/>
+      </a:accent4>
+      <a:accent5>
+        <a:srgbClr val="4472C4"/>
+      </a:accent5>
+      <a:accent6>
+        <a:srgbClr val="70AD47"/>
+      </a:accent6>
+      <a:hlink>
+        <a:srgbClr val="0563C1"/>
+      </a:hlink>
+      <a:folHlink>
+        <a:srgbClr val="954F72"/>
+      </a:folHlink>
+    </a:clrScheme>
+    <a:fontScheme name="Office">
+      <a:majorFont>
+        <a:latin typeface="Calibri Light" panose="020F0302020204030204"/>
+        <a:ea typeface=""/>
+        <a:cs typeface=""/>
+        <a:font script="Jpan" typeface="游ゴシック Light"/>
+        <a:font script="Hang" typeface="맑은 고딕"/>
+        <a:font script="Hans" typeface="等线 Light"/>
+        <a:font script="Hant" typeface="新細明體"/>
+        <a:font script="Arab" typeface="Times New Roman"/>
+        <a:font script="Hebr" typeface="Times New Roman"/>
+        <a:font script="Thai" typeface="Angsana New"/>
+        <a:font script="Ethi" typeface="Nyala"/>
+        <a:font script="Beng" typeface="Vrinda"/>
+        <a:font script="Gujr" typeface="Shruti"/>
+        <a:font script="Khmr" typeface="MoolBoran"/>
+        <a:font script="Knda" typeface="Tunga"/>
+        <a:font script="Guru" typeface="Raavi"/>
+        <a:font script="Cans" typeface="Euphemia"/>
+        <a:font script="Cher" typeface="Plantagenet Cherokee"/>
+        <a:font script="Yiii" typeface="Microsoft Yi Baiti"/>
+        <a:font script="Tibt" typeface="Microsoft Himalaya"/>
+        <a:font script="Thaa" typeface="MV Boli"/>
+        <a:font script="Deva" typeface="Mangal"/>
+        <a:font script="Telu" typeface="Gautami"/>
+        <a:font script="Taml" typeface="Latha"/>
+        <a:font script="Syrc" typeface="Estrangelo Edessa"/>
+        <a:font script="Orya" typeface="Kalinga"/>
+        <a:font script="Mlym" typeface="Kartika"/>
+        <a:font script="Laoo" typeface="DokChampa"/>
+        <a:font script="Sinh" typeface="Iskoola Pota"/>
+        <a:font script="Mong" typeface="Mongolian Baiti"/>
+        <a:font script="Viet" typeface="Times New Roman"/>
+        <a:font script="Uigh" typeface="Microsoft Uighur"/>
+        <a:font script="Geor" typeface="Sylfaen"/>
+        <a:font script="Armn" typeface="Arial"/>
+        <a:font script="Bugi" typeface="Leelawadee UI"/>
+        <a:font script="Bopo" typeface="Microsoft JhengHei"/>
+        <a:font script="Java" typeface="Javanese Text"/>
+        <a:font script="Lisu" typeface="Segoe UI"/>
+        <a:font script="Mymr" typeface="Myanmar Text"/>
+        <a:font script="Nkoo" typeface="Ebrima"/>
+        <a:font script="Olck" typeface="Nirmala UI"/>
+        <a:font script="Osma" typeface="Ebrima"/>
+        <a:font script="Phag" typeface="Phagspa"/>
+        <a:font script="Syrn" typeface="Estrangelo Edessa"/>
+        <a:font script="Syrj" typeface="Estrangelo Edessa"/>
+        <a:font script="Syre" typeface="Estrangelo Edessa"/>
+        <a:font script="Sora" typeface="Nirmala UI"/>
+        <a:font script="Tale" typeface="Microsoft Tai Le"/>
+        <a:font script="Talu" typeface="Microsoft New Tai Lue"/>
+        <a:font script="Tfng" typeface="Ebrima"/>
+      </a:majorFont>
+      <a:minorFont>
+        <a:latin typeface="Calibri" panose="020F0502020204030204"/>
+        <a:ea typeface=""/>
+        <a:cs typeface=""/>
+        <a:font script="Jpan" typeface="游ゴシック"/>
+        <a:font script="Hang" typeface="맑은 고딕"/>
+        <a:font script="Hans" typeface="等线"/>
+        <a:font script="Hant" typeface="新細明體"/>
+        <a:font script="Arab" typeface="Arial"/>
+        <a:font script="Hebr" typeface="Arial"/>
+        <a:font script="Thai" typeface="Cordia New"/>
+        <a:font script="Ethi" typeface="Nyala"/>
+        <a:font script="Beng" typeface="Vrinda"/>
+        <a:font script="Gujr" typeface="Shruti"/>
+        <a:font script="Khmr" typeface="DaunPenh"/>
+        <a:font script="Knda" typeface="Tunga"/>
+        <a:font script="Guru" typeface="Raavi"/>
+        <a:font script="Cans" typeface="Euphemia"/>
+        <a:font script="Cher" typeface="Plantagenet Cherokee"/>
+        <a:font script="Yiii" typeface="Microsoft Yi Baiti"/>
+        <a:font script="Tibt" typeface="Microsoft Himalaya"/>
+        <a:font script="Thaa" typeface="MV Boli"/>
+        <a:font script="Deva" typeface="Mangal"/>
+        <a:font script="Telu" typeface="Gautami"/>
+        <a:font script="Taml" typeface="Latha"/>
+        <a:font script="Syrc" typeface="Estrangelo Edessa"/>
+        <a:font script="Orya" typeface="Kalinga"/>
+        <a:font script="Mlym" typeface="Kartika"/>
+        <a:font script="Laoo" typeface="DokChampa"/>
+        <a:font script="Sinh" typeface="Iskoola Pota"/>
+        <a:font script="Mong" typeface="Mongolian Baiti"/>
+        <a:font script="Viet" typeface="Arial"/>
+        <a:font script="Uigh" typeface="Microsoft Uighur"/>
+        <a:font script="Geor" typeface="Sylfaen"/>
+        <a:font script="Armn" typeface="Arial"/>
+        <a:font script="Bugi" typeface="Leelawadee UI"/>
+        <a:font script="Bopo" typeface="Microsoft JhengHei"/>
+        <a:font script="Java" typeface="Javanese Text"/>
+        <a:font script="Lisu" typeface="Segoe UI"/>
+        <a:font script="Mymr" typeface="Myanmar Text"/>
+        <a:font script="Nkoo" typeface="Ebrima"/>
+        <a:font script="Olck" typeface="Nirmala UI"/>
+        <a:font script="Osma" typeface="Ebrima"/>
+        <a:font script="Phag" typeface="Phagspa"/>
+        <a:font script="Syrn" typeface="Estrangelo Edessa"/>
+        <a:font script="Syrj" typeface="Estrangelo Edessa"/>
+        <a:font script="Syre" typeface="Estrangelo Edessa"/>
+        <a:font script="Sora" typeface="Nirmala UI"/>
+        <a:font script="Tale" typeface="Microsoft Tai Le"/>
+        <a:font script="Talu" typeface="Microsoft New Tai Lue"/>
+        <a:font script="Tfng" typeface="Ebrima"/>
+      </a:minorFont>
+    </a:fontScheme>
+    <a:fmtScheme name="Office">
+      <a:fillStyleLst>
+        <a:solidFill>
+          <a:schemeClr val="phClr"/>
+        </a:solidFill>
+        <a:gradFill rotWithShape="1">
+          <a:gsLst>
+            <a:gs pos="0">
+              <a:schemeClr val="phClr">
+                <a:lumMod val="110000"/>
+                <a:satMod val="105000"/>
+                <a:tint val="67000"/>
+              </a:schemeClr>
+            </a:gs>
+            <a:gs pos="50000">
+              <a:schemeClr val="phClr">
+                <a:lumMod val="105000"/>
+                <a:satMod val="103000"/>
+                <a:tint val="73000"/>
+              </a:schemeClr>
+            </a:gs>
+            <a:gs pos="100000">
+              <a:schemeClr val="phClr">
+                <a:lumMod val="105000"/>
+                <a:satMod val="109000"/>
+                <a:tint val="81000"/>
+              </a:schemeClr>
+            </a:gs>
+          </a:gsLst>
+          <a:lin ang="5400000" scaled="0"/>
+        </a:gradFill>
+        <a:gradFill rotWithShape="1">
+          <a:gsLst>
+            <a:gs pos="0">
+              <a:schemeClr val="phClr">
+                <a:satMod val="103000"/>
+                <a:lumMod val="102000"/>
+                <a:tint val="94000"/>
+              </a:schemeClr>
+            </a:gs>
+            <a:gs pos="50000">
+              <a:schemeClr val="phClr">
+                <a:satMod val="110000"/>
+                <a:lumMod val="100000"/>
+                <a:shade val="100000"/>
+              </a:schemeClr>
+            </a:gs>
+            <a:gs pos="100000">
+              <a:schemeClr val="phClr">
+                <a:lumMod val="99000"/>
+                <a:satMod val="120000"/>
+                <a:shade val="78000"/>
+              </a:schemeClr>
+            </a:gs>
+          </a:gsLst>
+          <a:lin ang="5400000" scaled="0"/>
+        </a:gradFill>
+      </a:fillStyleLst>
+      <a:lnStyleLst>
+        <a:ln w="6350" cap="flat" cmpd="sng" algn="ctr">
+          <a:solidFill>
+            <a:schemeClr val="phClr"/>
+          </a:solidFill>
+          <a:prstDash val="solid"/>
+          <a:miter lim="800000"/>
+        </a:ln>
+        <a:ln w="12700" cap="flat" cmpd="sng" algn="ctr">
+          <a:solidFill>
+            <a:schemeClr val="phClr"/>
+          </a:solidFill>
+          <a:prstDash val="solid"/>
+          <a:miter lim="800000"/>
+        </a:ln>
+        <a:ln w="19050" cap="flat" cmpd="sng" algn="ctr">
+          <a:solidFill>
+            <a:schemeClr val="phClr"/>
+          </a:solidFill>
+          <a:prstDash val="solid"/>
+          <a:miter lim="800000"/>
+        </a:ln>
+      </a:lnStyleLst>
+      <a:effectStyleLst>
+        <a:effectStyle>
+          <a:effectLst/>
+        </a:effectStyle>
+        <a:effectStyle>
+          <a:effectLst/>
+        </a:effectStyle>
+        <a:effectStyle>
+          <a:effectLst>
+            <a:outerShdw blurRad="57150" dist="19050" dir="5400000" algn="ctr" rotWithShape="0">
+              <a:srgbClr val="000000">
+                <a:alpha val="63000"/>
+              </a:srgbClr>
+            </a:outerShdw>
+          </a:effectLst>
+        </a:effectStyle>
+      </a:effectStyleLst>
+      <a:bgFillStyleLst>
+        <a:solidFill>
+          <a:schemeClr val="phClr"/>
+        </a:solidFill>
+        <a:solidFill>
+          <a:schemeClr val="phClr">
+            <a:tint val="95000"/>
+            <a:satMod val="170000"/>
+          </a:schemeClr>
+        </a:solidFill>
+        <a:gradFill rotWithShape="1">
+          <a:gsLst>
+            <a:gs pos="0">
+              <a:schemeClr val="phClr">
+                <a:tint val="93000"/>
+                <a:satMod val="150000"/>
+                <a:shade val="98000"/>
+                <a:lumMod val="102000"/>
+              </a:schemeClr>
+            </a:gs>
+            <a:gs pos="50000">
+              <a:schemeClr val="phClr">
+                <a:tint val="98000"/>
+                <a:satMod val="130000"/>
+                <a:shade val="90000"/>
+                <a:lumMod val="103000"/>
+              </a:schemeClr>
+            </a:gs>
+            <a:gs pos="100000">
+              <a:schemeClr val="phClr">
+                <a:shade val="63000"/>
+                <a:satMod val="120000"/>
+              </a:schemeClr>
+            </a:gs>
+          </a:gsLst>
+          <a:lin ang="5400000" scaled="0"/>
+        </a:gradFill>
+      </a:bgFillStyleLst>
+    </a:fmtScheme>
+  </a:themeElements>
+  <a:objectDefaults/>
+  <a:extraClrSchemeLst/>
+  <a:extLst>
+    <a:ext uri="{05A4C25C-085E-4340-85A3-A5531E510DB2}">
+      <thm15:themeFamily xmlns:thm15="http://schemas.microsoft.com/office/thememl/2012/main" name="Office Theme" id="{62F939B6-93AF-4DB8-9C6B-D6C7DFDC589F}" vid="{4A3C46E8-61CC-4603-A589-7422A47A8E4A}"/>
+    </a:ext>
+  </a:extLst>
+</a:theme>
 </file>
--- a/P.pptx
+++ b/P.pptx
@@ -5,13 +5,13 @@
     <p:sldMasterId id="2147483707" r:id="rId1"/>
   </p:sldMasterIdLst>
   <p:notesMasterIdLst>
-    <p:notesMasterId r:id="rId27"/>
+    <p:notesMasterId r:id="rId28"/>
   </p:notesMasterIdLst>
   <p:sldIdLst>
     <p:sldId id="256" r:id="rId2"/>
-    <p:sldId id="279" r:id="rId3"/>
-    <p:sldId id="258" r:id="rId4"/>
-    <p:sldId id="280" r:id="rId5"/>
+    <p:sldId id="258" r:id="rId3"/>
+    <p:sldId id="280" r:id="rId4"/>
+    <p:sldId id="279" r:id="rId5"/>
     <p:sldId id="260" r:id="rId6"/>
     <p:sldId id="262" r:id="rId7"/>
     <p:sldId id="261" r:id="rId8"/>
@@ -32,7 +32,8 @@
     <p:sldId id="276" r:id="rId23"/>
     <p:sldId id="267" r:id="rId24"/>
     <p:sldId id="277" r:id="rId25"/>
-    <p:sldId id="278" r:id="rId26"/>
+    <p:sldId id="284" r:id="rId26"/>
+    <p:sldId id="278" r:id="rId27"/>
   </p:sldIdLst>
   <p:sldSz cx="12192000" cy="6858000"/>
   <p:notesSz cx="6858000" cy="9144000"/>
@@ -137,9 +138,9 @@
         <p14:section name="Вступление" id="{C1F03E22-852C-4194-838B-FA7F2B67B849}">
           <p14:sldIdLst>
             <p14:sldId id="256"/>
-            <p14:sldId id="279"/>
             <p14:sldId id="258"/>
             <p14:sldId id="280"/>
+            <p14:sldId id="279"/>
             <p14:sldId id="260"/>
           </p14:sldIdLst>
         </p14:section>
@@ -164,6 +165,11 @@
             <p14:sldId id="276"/>
             <p14:sldId id="267"/>
             <p14:sldId id="277"/>
+          </p14:sldIdLst>
+        </p14:section>
+        <p14:section name="Заключение" id="{98A7D6C0-C815-410A-9A88-732BF76BDC60}">
+          <p14:sldIdLst>
+            <p14:sldId id="284"/>
             <p14:sldId id="278"/>
           </p14:sldIdLst>
         </p14:section>
@@ -5782,813 +5788,6 @@
 </file>
 
 <file path=ppt/diagrams/colors8.xml><?xml version="1.0" encoding="utf-8"?>
-<dgm:colorsDef xmlns:dgm="http://schemas.openxmlformats.org/drawingml/2006/diagram" xmlns:a="http://schemas.openxmlformats.org/drawingml/2006/main" uniqueId="urn:microsoft.com/office/officeart/2005/8/colors/accent0_2">
-  <dgm:title val=""/>
-  <dgm:desc val=""/>
-  <dgm:catLst>
-    <dgm:cat type="mainScheme" pri="10200"/>
-  </dgm:catLst>
-  <dgm:styleLbl name="node0">
-    <dgm:fillClrLst meth="repeat">
-      <a:schemeClr val="lt1"/>
-    </dgm:fillClrLst>
-    <dgm:linClrLst meth="repeat">
-      <a:schemeClr val="dk2">
-        <a:shade val="80000"/>
-      </a:schemeClr>
-    </dgm:linClrLst>
-    <dgm:effectClrLst/>
-    <dgm:txLinClrLst/>
-    <dgm:txFillClrLst meth="repeat">
-      <a:schemeClr val="dk2"/>
-    </dgm:txFillClrLst>
-    <dgm:txEffectClrLst/>
-  </dgm:styleLbl>
-  <dgm:styleLbl name="node1">
-    <dgm:fillClrLst meth="repeat">
-      <a:schemeClr val="lt1"/>
-    </dgm:fillClrLst>
-    <dgm:linClrLst meth="repeat">
-      <a:schemeClr val="dk2">
-        <a:shade val="80000"/>
-      </a:schemeClr>
-    </dgm:linClrLst>
-    <dgm:effectClrLst/>
-    <dgm:txLinClrLst/>
-    <dgm:txFillClrLst meth="repeat">
-      <a:schemeClr val="dk2"/>
-    </dgm:txFillClrLst>
-    <dgm:txEffectClrLst/>
-  </dgm:styleLbl>
-  <dgm:styleLbl name="alignNode1">
-    <dgm:fillClrLst meth="repeat">
-      <a:schemeClr val="lt1"/>
-    </dgm:fillClrLst>
-    <dgm:linClrLst meth="repeat">
-      <a:schemeClr val="dk2">
-        <a:shade val="80000"/>
-      </a:schemeClr>
-    </dgm:linClrLst>
-    <dgm:effectClrLst/>
-    <dgm:txLinClrLst/>
-    <dgm:txFillClrLst meth="repeat">
-      <a:schemeClr val="dk2"/>
-    </dgm:txFillClrLst>
-    <dgm:txEffectClrLst/>
-  </dgm:styleLbl>
-  <dgm:styleLbl name="lnNode1">
-    <dgm:fillClrLst meth="repeat">
-      <a:schemeClr val="lt1"/>
-    </dgm:fillClrLst>
-    <dgm:linClrLst meth="repeat">
-      <a:schemeClr val="dk2">
-        <a:shade val="80000"/>
-      </a:schemeClr>
-    </dgm:linClrLst>
-    <dgm:effectClrLst/>
-    <dgm:txLinClrLst/>
-    <dgm:txFillClrLst meth="repeat">
-      <a:schemeClr val="dk2"/>
-    </dgm:txFillClrLst>
-    <dgm:txEffectClrLst/>
-  </dgm:styleLbl>
-  <dgm:styleLbl name="vennNode1">
-    <dgm:fillClrLst meth="repeat">
-      <a:schemeClr val="lt1">
-        <a:alpha val="50000"/>
-      </a:schemeClr>
-    </dgm:fillClrLst>
-    <dgm:linClrLst meth="repeat">
-      <a:schemeClr val="dk2">
-        <a:shade val="80000"/>
-      </a:schemeClr>
-    </dgm:linClrLst>
-    <dgm:effectClrLst/>
-    <dgm:txLinClrLst/>
-    <dgm:txFillClrLst/>
-    <dgm:txEffectClrLst/>
-  </dgm:styleLbl>
-  <dgm:styleLbl name="node2">
-    <dgm:fillClrLst meth="repeat">
-      <a:schemeClr val="lt1"/>
-    </dgm:fillClrLst>
-    <dgm:linClrLst meth="repeat">
-      <a:schemeClr val="dk2">
-        <a:shade val="80000"/>
-      </a:schemeClr>
-    </dgm:linClrLst>
-    <dgm:effectClrLst/>
-    <dgm:txLinClrLst/>
-    <dgm:txFillClrLst meth="repeat">
-      <a:schemeClr val="dk2"/>
-    </dgm:txFillClrLst>
-    <dgm:txEffectClrLst/>
-  </dgm:styleLbl>
-  <dgm:styleLbl name="node3">
-    <dgm:fillClrLst meth="repeat">
-      <a:schemeClr val="lt1"/>
-    </dgm:fillClrLst>
-    <dgm:linClrLst meth="repeat">
-      <a:schemeClr val="dk2">
-        <a:shade val="80000"/>
-      </a:schemeClr>
-    </dgm:linClrLst>
-    <dgm:effectClrLst/>
-    <dgm:txLinClrLst/>
-    <dgm:txFillClrLst meth="repeat">
-      <a:schemeClr val="dk2"/>
-    </dgm:txFillClrLst>
-    <dgm:txEffectClrLst/>
-  </dgm:styleLbl>
-  <dgm:styleLbl name="node4">
-    <dgm:fillClrLst meth="repeat">
-      <a:schemeClr val="lt1"/>
-    </dgm:fillClrLst>
-    <dgm:linClrLst meth="repeat">
-      <a:schemeClr val="dk2">
-        <a:shade val="80000"/>
-      </a:schemeClr>
-    </dgm:linClrLst>
-    <dgm:effectClrLst/>
-    <dgm:txLinClrLst/>
-    <dgm:txFillClrLst meth="repeat">
-      <a:schemeClr val="dk2"/>
-    </dgm:txFillClrLst>
-    <dgm:txEffectClrLst/>
-  </dgm:styleLbl>
-  <dgm:styleLbl name="fgImgPlace1">
-    <dgm:fillClrLst meth="repeat">
-      <a:schemeClr val="dk2">
-        <a:tint val="40000"/>
-      </a:schemeClr>
-    </dgm:fillClrLst>
-    <dgm:linClrLst meth="repeat">
-      <a:schemeClr val="dk2">
-        <a:shade val="80000"/>
-      </a:schemeClr>
-    </dgm:linClrLst>
-    <dgm:effectClrLst/>
-    <dgm:txLinClrLst/>
-    <dgm:txFillClrLst meth="repeat">
-      <a:schemeClr val="lt1"/>
-    </dgm:txFillClrLst>
-    <dgm:txEffectClrLst/>
-  </dgm:styleLbl>
-  <dgm:styleLbl name="alignImgPlace1">
-    <dgm:fillClrLst meth="repeat">
-      <a:schemeClr val="dk2">
-        <a:tint val="40000"/>
-      </a:schemeClr>
-    </dgm:fillClrLst>
-    <dgm:linClrLst meth="repeat">
-      <a:schemeClr val="dk2">
-        <a:shade val="80000"/>
-      </a:schemeClr>
-    </dgm:linClrLst>
-    <dgm:effectClrLst/>
-    <dgm:txLinClrLst/>
-    <dgm:txFillClrLst meth="repeat">
-      <a:schemeClr val="lt1"/>
-    </dgm:txFillClrLst>
-    <dgm:txEffectClrLst/>
-  </dgm:styleLbl>
-  <dgm:styleLbl name="bgImgPlace1">
-    <dgm:fillClrLst meth="repeat">
-      <a:schemeClr val="dk2">
-        <a:tint val="40000"/>
-      </a:schemeClr>
-    </dgm:fillClrLst>
-    <dgm:linClrLst meth="repeat">
-      <a:schemeClr val="dk2">
-        <a:shade val="80000"/>
-      </a:schemeClr>
-    </dgm:linClrLst>
-    <dgm:effectClrLst/>
-    <dgm:txLinClrLst/>
-    <dgm:txFillClrLst meth="repeat">
-      <a:schemeClr val="lt1"/>
-    </dgm:txFillClrLst>
-    <dgm:txEffectClrLst/>
-  </dgm:styleLbl>
-  <dgm:styleLbl name="sibTrans2D1">
-    <dgm:fillClrLst meth="repeat">
-      <a:schemeClr val="dk2">
-        <a:tint val="60000"/>
-      </a:schemeClr>
-    </dgm:fillClrLst>
-    <dgm:linClrLst meth="repeat">
-      <a:schemeClr val="dk2">
-        <a:tint val="60000"/>
-      </a:schemeClr>
-    </dgm:linClrLst>
-    <dgm:effectClrLst/>
-    <dgm:txLinClrLst/>
-    <dgm:txFillClrLst meth="repeat">
-      <a:schemeClr val="dk2"/>
-    </dgm:txFillClrLst>
-    <dgm:txEffectClrLst/>
-  </dgm:styleLbl>
-  <dgm:styleLbl name="fgSibTrans2D1">
-    <dgm:fillClrLst meth="repeat">
-      <a:schemeClr val="dk2">
-        <a:tint val="60000"/>
-      </a:schemeClr>
-    </dgm:fillClrLst>
-    <dgm:linClrLst meth="repeat">
-      <a:schemeClr val="dk2">
-        <a:tint val="60000"/>
-      </a:schemeClr>
-    </dgm:linClrLst>
-    <dgm:effectClrLst/>
-    <dgm:txLinClrLst/>
-    <dgm:txFillClrLst meth="repeat">
-      <a:schemeClr val="dk2"/>
-    </dgm:txFillClrLst>
-    <dgm:txEffectClrLst/>
-  </dgm:styleLbl>
-  <dgm:styleLbl name="bgSibTrans2D1">
-    <dgm:fillClrLst meth="repeat">
-      <a:schemeClr val="dk2">
-        <a:tint val="60000"/>
-      </a:schemeClr>
-    </dgm:fillClrLst>
-    <dgm:linClrLst meth="repeat">
-      <a:schemeClr val="dk2">
-        <a:tint val="60000"/>
-      </a:schemeClr>
-    </dgm:linClrLst>
-    <dgm:effectClrLst/>
-    <dgm:txLinClrLst/>
-    <dgm:txFillClrLst meth="repeat">
-      <a:schemeClr val="dk2"/>
-    </dgm:txFillClrLst>
-    <dgm:txEffectClrLst/>
-  </dgm:styleLbl>
-  <dgm:styleLbl name="sibTrans1D1">
-    <dgm:fillClrLst meth="repeat">
-      <a:schemeClr val="dk2"/>
-    </dgm:fillClrLst>
-    <dgm:linClrLst meth="repeat">
-      <a:schemeClr val="dk2"/>
-    </dgm:linClrLst>
-    <dgm:effectClrLst/>
-    <dgm:txLinClrLst/>
-    <dgm:txFillClrLst meth="repeat">
-      <a:schemeClr val="tx1"/>
-    </dgm:txFillClrLst>
-    <dgm:txEffectClrLst/>
-  </dgm:styleLbl>
-  <dgm:styleLbl name="callout">
-    <dgm:fillClrLst meth="repeat">
-      <a:schemeClr val="dk2"/>
-    </dgm:fillClrLst>
-    <dgm:linClrLst meth="repeat">
-      <a:schemeClr val="dk2"/>
-    </dgm:linClrLst>
-    <dgm:effectClrLst/>
-    <dgm:txLinClrLst/>
-    <dgm:txFillClrLst meth="repeat">
-      <a:schemeClr val="tx1"/>
-    </dgm:txFillClrLst>
-    <dgm:txEffectClrLst/>
-  </dgm:styleLbl>
-  <dgm:styleLbl name="asst0">
-    <dgm:fillClrLst meth="repeat">
-      <a:schemeClr val="lt1"/>
-    </dgm:fillClrLst>
-    <dgm:linClrLst meth="repeat">
-      <a:schemeClr val="dk2">
-        <a:shade val="80000"/>
-      </a:schemeClr>
-    </dgm:linClrLst>
-    <dgm:effectClrLst/>
-    <dgm:txLinClrLst/>
-    <dgm:txFillClrLst meth="repeat">
-      <a:schemeClr val="dk2"/>
-    </dgm:txFillClrLst>
-    <dgm:txEffectClrLst/>
-  </dgm:styleLbl>
-  <dgm:styleLbl name="asst1">
-    <dgm:fillClrLst meth="repeat">
-      <a:schemeClr val="lt1"/>
-    </dgm:fillClrLst>
-    <dgm:linClrLst meth="repeat">
-      <a:schemeClr val="dk2">
-        <a:shade val="80000"/>
-      </a:schemeClr>
-    </dgm:linClrLst>
-    <dgm:effectClrLst/>
-    <dgm:txLinClrLst/>
-    <dgm:txFillClrLst meth="repeat">
-      <a:schemeClr val="dk2"/>
-    </dgm:txFillClrLst>
-    <dgm:txEffectClrLst/>
-  </dgm:styleLbl>
-  <dgm:styleLbl name="asst2">
-    <dgm:fillClrLst meth="repeat">
-      <a:schemeClr val="lt1"/>
-    </dgm:fillClrLst>
-    <dgm:linClrLst meth="repeat">
-      <a:schemeClr val="dk2">
-        <a:shade val="80000"/>
-      </a:schemeClr>
-    </dgm:linClrLst>
-    <dgm:effectClrLst/>
-    <dgm:txLinClrLst/>
-    <dgm:txFillClrLst meth="repeat">
-      <a:schemeClr val="dk2"/>
-    </dgm:txFillClrLst>
-    <dgm:txEffectClrLst/>
-  </dgm:styleLbl>
-  <dgm:styleLbl name="asst3">
-    <dgm:fillClrLst meth="repeat">
-      <a:schemeClr val="lt1"/>
-    </dgm:fillClrLst>
-    <dgm:linClrLst meth="repeat">
-      <a:schemeClr val="dk2">
-        <a:shade val="80000"/>
-      </a:schemeClr>
-    </dgm:linClrLst>
-    <dgm:effectClrLst/>
-    <dgm:txLinClrLst/>
-    <dgm:txFillClrLst meth="repeat">
-      <a:schemeClr val="dk2"/>
-    </dgm:txFillClrLst>
-    <dgm:txEffectClrLst/>
-  </dgm:styleLbl>
-  <dgm:styleLbl name="asst4">
-    <dgm:fillClrLst meth="repeat">
-      <a:schemeClr val="lt1"/>
-    </dgm:fillClrLst>
-    <dgm:linClrLst meth="repeat">
-      <a:schemeClr val="dk2">
-        <a:shade val="80000"/>
-      </a:schemeClr>
-    </dgm:linClrLst>
-    <dgm:effectClrLst/>
-    <dgm:txLinClrLst/>
-    <dgm:txFillClrLst meth="repeat">
-      <a:schemeClr val="dk2"/>
-    </dgm:txFillClrLst>
-    <dgm:txEffectClrLst/>
-  </dgm:styleLbl>
-  <dgm:styleLbl name="parChTrans2D1">
-    <dgm:fillClrLst meth="repeat">
-      <a:schemeClr val="dk2">
-        <a:tint val="60000"/>
-      </a:schemeClr>
-    </dgm:fillClrLst>
-    <dgm:linClrLst meth="repeat">
-      <a:schemeClr val="dk2">
-        <a:tint val="60000"/>
-      </a:schemeClr>
-    </dgm:linClrLst>
-    <dgm:effectClrLst/>
-    <dgm:txLinClrLst/>
-    <dgm:txFillClrLst/>
-    <dgm:txEffectClrLst/>
-  </dgm:styleLbl>
-  <dgm:styleLbl name="parChTrans2D2">
-    <dgm:fillClrLst meth="repeat">
-      <a:schemeClr val="dk2"/>
-    </dgm:fillClrLst>
-    <dgm:linClrLst meth="repeat">
-      <a:schemeClr val="dk2"/>
-    </dgm:linClrLst>
-    <dgm:effectClrLst/>
-    <dgm:txLinClrLst/>
-    <dgm:txFillClrLst/>
-    <dgm:txEffectClrLst/>
-  </dgm:styleLbl>
-  <dgm:styleLbl name="parChTrans2D3">
-    <dgm:fillClrLst meth="repeat">
-      <a:schemeClr val="dk2"/>
-    </dgm:fillClrLst>
-    <dgm:linClrLst meth="repeat">
-      <a:schemeClr val="dk2"/>
-    </dgm:linClrLst>
-    <dgm:effectClrLst/>
-    <dgm:txLinClrLst/>
-    <dgm:txFillClrLst/>
-    <dgm:txEffectClrLst/>
-  </dgm:styleLbl>
-  <dgm:styleLbl name="parChTrans2D4">
-    <dgm:fillClrLst meth="repeat">
-      <a:schemeClr val="dk2"/>
-    </dgm:fillClrLst>
-    <dgm:linClrLst meth="repeat">
-      <a:schemeClr val="dk2"/>
-    </dgm:linClrLst>
-    <dgm:effectClrLst/>
-    <dgm:txLinClrLst/>
-    <dgm:txFillClrLst meth="repeat">
-      <a:schemeClr val="lt1"/>
-    </dgm:txFillClrLst>
-    <dgm:txEffectClrLst/>
-  </dgm:styleLbl>
-  <dgm:styleLbl name="parChTrans1D1">
-    <dgm:fillClrLst meth="repeat">
-      <a:schemeClr val="dk2"/>
-    </dgm:fillClrLst>
-    <dgm:linClrLst meth="repeat">
-      <a:schemeClr val="dk2">
-        <a:shade val="60000"/>
-      </a:schemeClr>
-    </dgm:linClrLst>
-    <dgm:effectClrLst/>
-    <dgm:txLinClrLst/>
-    <dgm:txFillClrLst meth="repeat">
-      <a:schemeClr val="tx1"/>
-    </dgm:txFillClrLst>
-    <dgm:txEffectClrLst/>
-  </dgm:styleLbl>
-  <dgm:styleLbl name="parChTrans1D2">
-    <dgm:fillClrLst meth="repeat">
-      <a:schemeClr val="dk2"/>
-    </dgm:fillClrLst>
-    <dgm:linClrLst meth="repeat">
-      <a:schemeClr val="dk2">
-        <a:shade val="60000"/>
-      </a:schemeClr>
-    </dgm:linClrLst>
-    <dgm:effectClrLst/>
-    <dgm:txLinClrLst/>
-    <dgm:txFillClrLst meth="repeat">
-      <a:schemeClr val="tx1"/>
-    </dgm:txFillClrLst>
-    <dgm:txEffectClrLst/>
-  </dgm:styleLbl>
-  <dgm:styleLbl name="parChTrans1D3">
-    <dgm:fillClrLst meth="repeat">
-      <a:schemeClr val="dk2"/>
-    </dgm:fillClrLst>
-    <dgm:linClrLst meth="repeat">
-      <a:schemeClr val="dk2">
-        <a:shade val="80000"/>
-      </a:schemeClr>
-    </dgm:linClrLst>
-    <dgm:effectClrLst/>
-    <dgm:txLinClrLst/>
-    <dgm:txFillClrLst meth="repeat">
-      <a:schemeClr val="tx1"/>
-    </dgm:txFillClrLst>
-    <dgm:txEffectClrLst/>
-  </dgm:styleLbl>
-  <dgm:styleLbl name="parChTrans1D4">
-    <dgm:fillClrLst meth="repeat">
-      <a:schemeClr val="dk2"/>
-    </dgm:fillClrLst>
-    <dgm:linClrLst meth="repeat">
-      <a:schemeClr val="dk2">
-        <a:shade val="80000"/>
-      </a:schemeClr>
-    </dgm:linClrLst>
-    <dgm:effectClrLst/>
-    <dgm:txLinClrLst/>
-    <dgm:txFillClrLst meth="repeat">
-      <a:schemeClr val="tx1"/>
-    </dgm:txFillClrLst>
-    <dgm:txEffectClrLst/>
-  </dgm:styleLbl>
-  <dgm:styleLbl name="fgAcc1">
-    <dgm:fillClrLst meth="repeat">
-      <a:schemeClr val="dk2">
-        <a:alpha val="90000"/>
-        <a:tint val="40000"/>
-      </a:schemeClr>
-    </dgm:fillClrLst>
-    <dgm:linClrLst meth="repeat">
-      <a:schemeClr val="dk2"/>
-    </dgm:linClrLst>
-    <dgm:effectClrLst/>
-    <dgm:txLinClrLst/>
-    <dgm:txFillClrLst meth="repeat">
-      <a:schemeClr val="dk2"/>
-    </dgm:txFillClrLst>
-    <dgm:txEffectClrLst/>
-  </dgm:styleLbl>
-  <dgm:styleLbl name="conFgAcc1">
-    <dgm:fillClrLst meth="repeat">
-      <a:schemeClr val="dk2">
-        <a:alpha val="90000"/>
-        <a:tint val="40000"/>
-      </a:schemeClr>
-    </dgm:fillClrLst>
-    <dgm:linClrLst meth="repeat">
-      <a:schemeClr val="dk2"/>
-    </dgm:linClrLst>
-    <dgm:effectClrLst/>
-    <dgm:txLinClrLst/>
-    <dgm:txFillClrLst meth="repeat">
-      <a:schemeClr val="dk2"/>
-    </dgm:txFillClrLst>
-    <dgm:txEffectClrLst/>
-  </dgm:styleLbl>
-  <dgm:styleLbl name="alignAcc1">
-    <dgm:fillClrLst meth="repeat">
-      <a:schemeClr val="dk2">
-        <a:alpha val="90000"/>
-        <a:tint val="40000"/>
-      </a:schemeClr>
-    </dgm:fillClrLst>
-    <dgm:linClrLst meth="repeat">
-      <a:schemeClr val="dk2"/>
-    </dgm:linClrLst>
-    <dgm:effectClrLst/>
-    <dgm:txLinClrLst/>
-    <dgm:txFillClrLst meth="repeat">
-      <a:schemeClr val="dk2"/>
-    </dgm:txFillClrLst>
-    <dgm:txEffectClrLst/>
-  </dgm:styleLbl>
-  <dgm:styleLbl name="trAlignAcc1">
-    <dgm:fillClrLst meth="repeat">
-      <a:schemeClr val="dk2">
-        <a:alpha val="40000"/>
-        <a:tint val="40000"/>
-      </a:schemeClr>
-    </dgm:fillClrLst>
-    <dgm:linClrLst meth="repeat">
-      <a:schemeClr val="dk2"/>
-    </dgm:linClrLst>
-    <dgm:effectClrLst/>
-    <dgm:txLinClrLst/>
-    <dgm:txFillClrLst meth="repeat">
-      <a:schemeClr val="dk2"/>
-    </dgm:txFillClrLst>
-    <dgm:txEffectClrLst/>
-  </dgm:styleLbl>
-  <dgm:styleLbl name="bgAcc1">
-    <dgm:fillClrLst meth="repeat">
-      <a:schemeClr val="dk2">
-        <a:alpha val="90000"/>
-        <a:tint val="40000"/>
-      </a:schemeClr>
-    </dgm:fillClrLst>
-    <dgm:linClrLst meth="repeat">
-      <a:schemeClr val="dk2"/>
-    </dgm:linClrLst>
-    <dgm:effectClrLst/>
-    <dgm:txLinClrLst/>
-    <dgm:txFillClrLst meth="repeat">
-      <a:schemeClr val="dk2"/>
-    </dgm:txFillClrLst>
-    <dgm:txEffectClrLst/>
-  </dgm:styleLbl>
-  <dgm:styleLbl name="solidFgAcc1">
-    <dgm:fillClrLst meth="repeat">
-      <a:schemeClr val="lt1"/>
-    </dgm:fillClrLst>
-    <dgm:linClrLst meth="repeat">
-      <a:schemeClr val="dk2"/>
-    </dgm:linClrLst>
-    <dgm:effectClrLst/>
-    <dgm:txLinClrLst/>
-    <dgm:txFillClrLst meth="repeat">
-      <a:schemeClr val="dk2"/>
-    </dgm:txFillClrLst>
-    <dgm:txEffectClrLst/>
-  </dgm:styleLbl>
-  <dgm:styleLbl name="solidAlignAcc1">
-    <dgm:fillClrLst meth="repeat">
-      <a:schemeClr val="lt1"/>
-    </dgm:fillClrLst>
-    <dgm:linClrLst meth="repeat">
-      <a:schemeClr val="dk2"/>
-    </dgm:linClrLst>
-    <dgm:effectClrLst/>
-    <dgm:txLinClrLst/>
-    <dgm:txFillClrLst meth="repeat">
-      <a:schemeClr val="dk2"/>
-    </dgm:txFillClrLst>
-    <dgm:txEffectClrLst/>
-  </dgm:styleLbl>
-  <dgm:styleLbl name="solidBgAcc1">
-    <dgm:fillClrLst meth="repeat">
-      <a:schemeClr val="lt1"/>
-    </dgm:fillClrLst>
-    <dgm:linClrLst meth="repeat">
-      <a:schemeClr val="dk2"/>
-    </dgm:linClrLst>
-    <dgm:effectClrLst/>
-    <dgm:txLinClrLst/>
-    <dgm:txFillClrLst meth="repeat">
-      <a:schemeClr val="dk2"/>
-    </dgm:txFillClrLst>
-    <dgm:txEffectClrLst/>
-  </dgm:styleLbl>
-  <dgm:styleLbl name="fgAccFollowNode1">
-    <dgm:fillClrLst meth="repeat">
-      <a:schemeClr val="lt1">
-        <a:alpha val="90000"/>
-        <a:tint val="40000"/>
-      </a:schemeClr>
-    </dgm:fillClrLst>
-    <dgm:linClrLst meth="repeat">
-      <a:schemeClr val="dk2">
-        <a:alpha val="90000"/>
-      </a:schemeClr>
-    </dgm:linClrLst>
-    <dgm:effectClrLst/>
-    <dgm:txLinClrLst/>
-    <dgm:txFillClrLst meth="repeat">
-      <a:schemeClr val="dk2"/>
-    </dgm:txFillClrLst>
-    <dgm:txEffectClrLst/>
-  </dgm:styleLbl>
-  <dgm:styleLbl name="alignAccFollowNode1">
-    <dgm:fillClrLst meth="repeat">
-      <a:schemeClr val="lt1">
-        <a:alpha val="90000"/>
-        <a:tint val="40000"/>
-      </a:schemeClr>
-    </dgm:fillClrLst>
-    <dgm:linClrLst meth="repeat">
-      <a:schemeClr val="dk2">
-        <a:alpha val="90000"/>
-      </a:schemeClr>
-    </dgm:linClrLst>
-    <dgm:effectClrLst/>
-    <dgm:txLinClrLst/>
-    <dgm:txFillClrLst meth="repeat">
-      <a:schemeClr val="dk2"/>
-    </dgm:txFillClrLst>
-    <dgm:txEffectClrLst/>
-  </dgm:styleLbl>
-  <dgm:styleLbl name="bgAccFollowNode1">
-    <dgm:fillClrLst meth="repeat">
-      <a:schemeClr val="lt1">
-        <a:alpha val="90000"/>
-        <a:tint val="40000"/>
-      </a:schemeClr>
-    </dgm:fillClrLst>
-    <dgm:linClrLst meth="repeat">
-      <a:schemeClr val="dk2">
-        <a:alpha val="90000"/>
-      </a:schemeClr>
-    </dgm:linClrLst>
-    <dgm:effectClrLst/>
-    <dgm:txLinClrLst/>
-    <dgm:txFillClrLst meth="repeat">
-      <a:schemeClr val="dk2"/>
-    </dgm:txFillClrLst>
-    <dgm:txEffectClrLst/>
-  </dgm:styleLbl>
-  <dgm:styleLbl name="fgAcc0">
-    <dgm:fillClrLst meth="repeat">
-      <a:schemeClr val="dk2">
-        <a:alpha val="90000"/>
-        <a:tint val="40000"/>
-      </a:schemeClr>
-    </dgm:fillClrLst>
-    <dgm:linClrLst meth="repeat">
-      <a:schemeClr val="dk2"/>
-    </dgm:linClrLst>
-    <dgm:effectClrLst/>
-    <dgm:txLinClrLst/>
-    <dgm:txFillClrLst meth="repeat">
-      <a:schemeClr val="dk2"/>
-    </dgm:txFillClrLst>
-    <dgm:txEffectClrLst/>
-  </dgm:styleLbl>
-  <dgm:styleLbl name="fgAcc2">
-    <dgm:fillClrLst meth="repeat">
-      <a:schemeClr val="dk2">
-        <a:alpha val="90000"/>
-        <a:tint val="40000"/>
-      </a:schemeClr>
-    </dgm:fillClrLst>
-    <dgm:linClrLst meth="repeat">
-      <a:schemeClr val="dk2"/>
-    </dgm:linClrLst>
-    <dgm:effectClrLst/>
-    <dgm:txLinClrLst/>
-    <dgm:txFillClrLst meth="repeat">
-      <a:schemeClr val="dk2"/>
-    </dgm:txFillClrLst>
-    <dgm:txEffectClrLst/>
-  </dgm:styleLbl>
-  <dgm:styleLbl name="fgAcc3">
-    <dgm:fillClrLst meth="repeat">
-      <a:schemeClr val="dk2">
-        <a:alpha val="90000"/>
-        <a:tint val="40000"/>
-      </a:schemeClr>
-    </dgm:fillClrLst>
-    <dgm:linClrLst meth="repeat">
-      <a:schemeClr val="dk2"/>
-    </dgm:linClrLst>
-    <dgm:effectClrLst/>
-    <dgm:txLinClrLst/>
-    <dgm:txFillClrLst meth="repeat">
-      <a:schemeClr val="dk2"/>
-    </dgm:txFillClrLst>
-    <dgm:txEffectClrLst/>
-  </dgm:styleLbl>
-  <dgm:styleLbl name="fgAcc4">
-    <dgm:fillClrLst meth="repeat">
-      <a:schemeClr val="dk2">
-        <a:alpha val="90000"/>
-        <a:tint val="40000"/>
-      </a:schemeClr>
-    </dgm:fillClrLst>
-    <dgm:linClrLst meth="repeat">
-      <a:schemeClr val="dk2"/>
-    </dgm:linClrLst>
-    <dgm:effectClrLst/>
-    <dgm:txLinClrLst/>
-    <dgm:txFillClrLst meth="repeat">
-      <a:schemeClr val="dk2"/>
-    </dgm:txFillClrLst>
-    <dgm:txEffectClrLst/>
-  </dgm:styleLbl>
-  <dgm:styleLbl name="bgShp">
-    <dgm:fillClrLst meth="repeat">
-      <a:schemeClr val="dk2">
-        <a:tint val="40000"/>
-      </a:schemeClr>
-    </dgm:fillClrLst>
-    <dgm:linClrLst meth="repeat">
-      <a:schemeClr val="dk2"/>
-    </dgm:linClrLst>
-    <dgm:effectClrLst/>
-    <dgm:txLinClrLst/>
-    <dgm:txFillClrLst meth="repeat">
-      <a:schemeClr val="dk1"/>
-    </dgm:txFillClrLst>
-    <dgm:txEffectClrLst/>
-  </dgm:styleLbl>
-  <dgm:styleLbl name="dkBgShp">
-    <dgm:fillClrLst meth="repeat">
-      <a:schemeClr val="dk2">
-        <a:shade val="80000"/>
-      </a:schemeClr>
-    </dgm:fillClrLst>
-    <dgm:linClrLst meth="repeat">
-      <a:schemeClr val="dk2"/>
-    </dgm:linClrLst>
-    <dgm:effectClrLst/>
-    <dgm:txLinClrLst/>
-    <dgm:txFillClrLst meth="repeat">
-      <a:schemeClr val="lt2"/>
-    </dgm:txFillClrLst>
-    <dgm:txEffectClrLst/>
-  </dgm:styleLbl>
-  <dgm:styleLbl name="trBgShp">
-    <dgm:fillClrLst meth="repeat">
-      <a:schemeClr val="dk2">
-        <a:tint val="50000"/>
-        <a:alpha val="40000"/>
-      </a:schemeClr>
-    </dgm:fillClrLst>
-    <dgm:linClrLst meth="repeat">
-      <a:schemeClr val="dk2"/>
-    </dgm:linClrLst>
-    <dgm:effectClrLst/>
-    <dgm:txLinClrLst/>
-    <dgm:txFillClrLst meth="repeat">
-      <a:schemeClr val="lt2"/>
-    </dgm:txFillClrLst>
-    <dgm:txEffectClrLst/>
-  </dgm:styleLbl>
-  <dgm:styleLbl name="fgShp">
-    <dgm:fillClrLst meth="repeat">
-      <a:schemeClr val="dk2">
-        <a:tint val="60000"/>
-      </a:schemeClr>
-    </dgm:fillClrLst>
-    <dgm:linClrLst meth="repeat">
-      <a:schemeClr val="lt1"/>
-    </dgm:linClrLst>
-    <dgm:effectClrLst/>
-    <dgm:txLinClrLst/>
-    <dgm:txFillClrLst meth="repeat">
-      <a:schemeClr val="dk2"/>
-    </dgm:txFillClrLst>
-    <dgm:txEffectClrLst/>
-  </dgm:styleLbl>
-  <dgm:styleLbl name="revTx">
-    <dgm:fillClrLst meth="repeat">
-      <a:schemeClr val="lt1">
-        <a:alpha val="0"/>
-      </a:schemeClr>
-    </dgm:fillClrLst>
-    <dgm:linClrLst meth="repeat">
-      <a:schemeClr val="dk2">
-        <a:alpha val="0"/>
-      </a:schemeClr>
-    </dgm:linClrLst>
-    <dgm:effectClrLst/>
-    <dgm:txLinClrLst/>
-    <dgm:txFillClrLst meth="repeat">
-      <a:schemeClr val="tx1"/>
-    </dgm:txFillClrLst>
-    <dgm:txEffectClrLst/>
-  </dgm:styleLbl>
-</dgm:colorsDef>
-</file>
-
-<file path=ppt/diagrams/colors9.xml><?xml version="1.0" encoding="utf-8"?>
 <dgm:colorsDef xmlns:dgm="http://schemas.openxmlformats.org/drawingml/2006/diagram" xmlns:a="http://schemas.openxmlformats.org/drawingml/2006/main" uniqueId="urn:microsoft.com/office/officeart/2005/8/colors/accent0_2">
   <dgm:title val=""/>
   <dgm:desc val=""/>
@@ -8079,26 +7278,26 @@
     </dgm:pt>
   </dgm:ptLst>
   <dgm:cxnLst>
+    <dgm:cxn modelId="{AF902732-CBDD-4562-B1FD-A47D3A834B61}" type="presOf" srcId="{896EB847-3EFD-4A63-BABF-B377F1C3BE66}" destId="{ED8ACC83-E8B3-4C7A-8169-B9FF49A03F92}" srcOrd="0" destOrd="0" presId="urn:microsoft.com/office/officeart/2005/8/layout/orgChart1"/>
+    <dgm:cxn modelId="{CCD74156-8709-4883-9E71-2EE6A367C4AD}" type="presOf" srcId="{B9E05F17-6D53-490C-880F-C0A02A440785}" destId="{AFE46486-2A9D-40F4-96A4-D00F57484C98}" srcOrd="0" destOrd="0" presId="urn:microsoft.com/office/officeart/2005/8/layout/orgChart1"/>
+    <dgm:cxn modelId="{D316981F-75E2-470A-AAAE-053316E8C59B}" srcId="{B47EC5D9-A66F-48CD-8C96-52E4A415C3D8}" destId="{939700DC-A23C-424E-984D-1457AB1C0244}" srcOrd="0" destOrd="0" parTransId="{896EB847-3EFD-4A63-BABF-B377F1C3BE66}" sibTransId="{A0F06432-3A04-4941-9B2B-351EA8C6A250}"/>
+    <dgm:cxn modelId="{F6E29071-E54B-4B30-89C9-78A5EE9F98A6}" srcId="{B47EC5D9-A66F-48CD-8C96-52E4A415C3D8}" destId="{0994183D-F68C-4A0C-ADB1-5C88AC24A212}" srcOrd="2" destOrd="0" parTransId="{A3139E46-CF40-478F-94DF-91605AE3985F}" sibTransId="{4676D27D-EB1E-4E9C-90C7-8AF0FCAE4D72}"/>
+    <dgm:cxn modelId="{34B533A5-70EA-47D4-B133-692E60697819}" type="presOf" srcId="{49F5F929-38DD-4CF8-AACD-152BFFDA38AB}" destId="{AB9A15E1-280B-4E35-AB10-65912732E745}" srcOrd="1" destOrd="0" presId="urn:microsoft.com/office/officeart/2005/8/layout/orgChart1"/>
+    <dgm:cxn modelId="{14A8F6E9-0827-48C9-B446-1D2C18524C65}" type="presOf" srcId="{B9E05F17-6D53-490C-880F-C0A02A440785}" destId="{111D885F-9FCE-4BC1-9895-A625975BF485}" srcOrd="1" destOrd="0" presId="urn:microsoft.com/office/officeart/2005/8/layout/orgChart1"/>
+    <dgm:cxn modelId="{4CF850BB-40CF-42E1-A14E-37087C6A4C16}" type="presOf" srcId="{B47EC5D9-A66F-48CD-8C96-52E4A415C3D8}" destId="{068FD07B-9C8C-4E02-8D54-CE60AFBA4949}" srcOrd="0" destOrd="0" presId="urn:microsoft.com/office/officeart/2005/8/layout/orgChart1"/>
+    <dgm:cxn modelId="{814D50B3-FD0A-4835-8B71-7B98BB62E7C4}" type="presOf" srcId="{7A6886BE-BAEF-42EA-B276-022624D63DE5}" destId="{B59C04B9-C77E-46B7-B345-7B088347CF63}" srcOrd="0" destOrd="0" presId="urn:microsoft.com/office/officeart/2005/8/layout/orgChart1"/>
+    <dgm:cxn modelId="{F8351CCC-13E0-489C-90F9-4D2EE2A8BA48}" type="presOf" srcId="{A3B069FE-2FB5-4410-AE70-6F8173C7230A}" destId="{C7F4F8AC-4C7F-46D9-AACD-CFEA5CBDC6F5}" srcOrd="0" destOrd="0" presId="urn:microsoft.com/office/officeart/2005/8/layout/orgChart1"/>
+    <dgm:cxn modelId="{C7E16CDA-014E-4BC2-A40D-662306F0DA8F}" srcId="{49F5F929-38DD-4CF8-AACD-152BFFDA38AB}" destId="{B9E05F17-6D53-490C-880F-C0A02A440785}" srcOrd="0" destOrd="0" parTransId="{A3B069FE-2FB5-4410-AE70-6F8173C7230A}" sibTransId="{B8259121-0C83-4782-B5B4-2FDD028B0C02}"/>
+    <dgm:cxn modelId="{FB1697B4-4174-4C2F-9BF4-D43A8F7ADAE4}" type="presOf" srcId="{939700DC-A23C-424E-984D-1457AB1C0244}" destId="{F5992E90-5C3E-4645-BF26-84CFD7FA0366}" srcOrd="0" destOrd="0" presId="urn:microsoft.com/office/officeart/2005/8/layout/orgChart1"/>
+    <dgm:cxn modelId="{A6D64FAD-AA82-47C9-BDE0-FAF3022218BD}" type="presOf" srcId="{A3139E46-CF40-478F-94DF-91605AE3985F}" destId="{3E7675C9-BD2F-4298-A803-AA8B565E307A}" srcOrd="0" destOrd="0" presId="urn:microsoft.com/office/officeart/2005/8/layout/orgChart1"/>
+    <dgm:cxn modelId="{CA7EDAB4-DD92-4F1C-9225-900FB933D736}" type="presOf" srcId="{64321824-3BA7-460F-8798-11FE5EA0FB47}" destId="{745061D3-BF33-40F0-A83C-52009E23F57F}" srcOrd="0" destOrd="0" presId="urn:microsoft.com/office/officeart/2005/8/layout/orgChart1"/>
     <dgm:cxn modelId="{9F3C67E8-B623-4047-A725-90102B6C488B}" srcId="{B47EC5D9-A66F-48CD-8C96-52E4A415C3D8}" destId="{49F5F929-38DD-4CF8-AACD-152BFFDA38AB}" srcOrd="1" destOrd="0" parTransId="{64321824-3BA7-460F-8798-11FE5EA0FB47}" sibTransId="{1924C387-F662-4B02-AF48-5D8F94500B7F}"/>
+    <dgm:cxn modelId="{B1D14EB5-130F-4395-A373-9E19DBE90CDA}" type="presOf" srcId="{B47EC5D9-A66F-48CD-8C96-52E4A415C3D8}" destId="{F36FE309-61AC-4D6B-993A-0D1B872977DF}" srcOrd="1" destOrd="0" presId="urn:microsoft.com/office/officeart/2005/8/layout/orgChart1"/>
+    <dgm:cxn modelId="{BB1E551B-325C-4530-A059-7B086EDE25FD}" srcId="{7A6886BE-BAEF-42EA-B276-022624D63DE5}" destId="{B47EC5D9-A66F-48CD-8C96-52E4A415C3D8}" srcOrd="0" destOrd="0" parTransId="{1C63477F-3F42-47DA-80E8-59060581CA7F}" sibTransId="{D560D9BA-1E8A-49EB-9547-3D7026E26A0E}"/>
+    <dgm:cxn modelId="{1083AE5B-FFC1-4E12-81B9-F8188A039434}" type="presOf" srcId="{49F5F929-38DD-4CF8-AACD-152BFFDA38AB}" destId="{A4953C07-EB00-49D2-96D0-34F5C40D0408}" srcOrd="0" destOrd="0" presId="urn:microsoft.com/office/officeart/2005/8/layout/orgChart1"/>
+    <dgm:cxn modelId="{8AE1F3D9-13AE-4381-BFEF-203F86FE7F90}" type="presOf" srcId="{939700DC-A23C-424E-984D-1457AB1C0244}" destId="{B2655F39-6555-4D8D-983E-FCDABF1A0E1E}" srcOrd="1" destOrd="0" presId="urn:microsoft.com/office/officeart/2005/8/layout/orgChart1"/>
+    <dgm:cxn modelId="{AFF61CA4-9CD8-4E48-B8BA-093554C61F82}" type="presOf" srcId="{0994183D-F68C-4A0C-ADB1-5C88AC24A212}" destId="{385DFA0B-4F72-4BA0-BEBC-1BEC36FEF28E}" srcOrd="1" destOrd="0" presId="urn:microsoft.com/office/officeart/2005/8/layout/orgChart1"/>
     <dgm:cxn modelId="{BEE93736-2B3E-4126-A3FA-5475273F7D44}" type="presOf" srcId="{0994183D-F68C-4A0C-ADB1-5C88AC24A212}" destId="{0624B46F-0C4F-4AE4-B3E4-5E98BCEFD94A}" srcOrd="0" destOrd="0" presId="urn:microsoft.com/office/officeart/2005/8/layout/orgChart1"/>
-    <dgm:cxn modelId="{B1D14EB5-130F-4395-A373-9E19DBE90CDA}" type="presOf" srcId="{B47EC5D9-A66F-48CD-8C96-52E4A415C3D8}" destId="{F36FE309-61AC-4D6B-993A-0D1B872977DF}" srcOrd="1" destOrd="0" presId="urn:microsoft.com/office/officeart/2005/8/layout/orgChart1"/>
-    <dgm:cxn modelId="{1083AE5B-FFC1-4E12-81B9-F8188A039434}" type="presOf" srcId="{49F5F929-38DD-4CF8-AACD-152BFFDA38AB}" destId="{A4953C07-EB00-49D2-96D0-34F5C40D0408}" srcOrd="0" destOrd="0" presId="urn:microsoft.com/office/officeart/2005/8/layout/orgChart1"/>
-    <dgm:cxn modelId="{F6E29071-E54B-4B30-89C9-78A5EE9F98A6}" srcId="{B47EC5D9-A66F-48CD-8C96-52E4A415C3D8}" destId="{0994183D-F68C-4A0C-ADB1-5C88AC24A212}" srcOrd="2" destOrd="0" parTransId="{A3139E46-CF40-478F-94DF-91605AE3985F}" sibTransId="{4676D27D-EB1E-4E9C-90C7-8AF0FCAE4D72}"/>
-    <dgm:cxn modelId="{CCD74156-8709-4883-9E71-2EE6A367C4AD}" type="presOf" srcId="{B9E05F17-6D53-490C-880F-C0A02A440785}" destId="{AFE46486-2A9D-40F4-96A4-D00F57484C98}" srcOrd="0" destOrd="0" presId="urn:microsoft.com/office/officeart/2005/8/layout/orgChart1"/>
-    <dgm:cxn modelId="{34B533A5-70EA-47D4-B133-692E60697819}" type="presOf" srcId="{49F5F929-38DD-4CF8-AACD-152BFFDA38AB}" destId="{AB9A15E1-280B-4E35-AB10-65912732E745}" srcOrd="1" destOrd="0" presId="urn:microsoft.com/office/officeart/2005/8/layout/orgChart1"/>
-    <dgm:cxn modelId="{AF902732-CBDD-4562-B1FD-A47D3A834B61}" type="presOf" srcId="{896EB847-3EFD-4A63-BABF-B377F1C3BE66}" destId="{ED8ACC83-E8B3-4C7A-8169-B9FF49A03F92}" srcOrd="0" destOrd="0" presId="urn:microsoft.com/office/officeart/2005/8/layout/orgChart1"/>
-    <dgm:cxn modelId="{8AE1F3D9-13AE-4381-BFEF-203F86FE7F90}" type="presOf" srcId="{939700DC-A23C-424E-984D-1457AB1C0244}" destId="{B2655F39-6555-4D8D-983E-FCDABF1A0E1E}" srcOrd="1" destOrd="0" presId="urn:microsoft.com/office/officeart/2005/8/layout/orgChart1"/>
-    <dgm:cxn modelId="{C7E16CDA-014E-4BC2-A40D-662306F0DA8F}" srcId="{49F5F929-38DD-4CF8-AACD-152BFFDA38AB}" destId="{B9E05F17-6D53-490C-880F-C0A02A440785}" srcOrd="0" destOrd="0" parTransId="{A3B069FE-2FB5-4410-AE70-6F8173C7230A}" sibTransId="{B8259121-0C83-4782-B5B4-2FDD028B0C02}"/>
-    <dgm:cxn modelId="{814D50B3-FD0A-4835-8B71-7B98BB62E7C4}" type="presOf" srcId="{7A6886BE-BAEF-42EA-B276-022624D63DE5}" destId="{B59C04B9-C77E-46B7-B345-7B088347CF63}" srcOrd="0" destOrd="0" presId="urn:microsoft.com/office/officeart/2005/8/layout/orgChart1"/>
-    <dgm:cxn modelId="{AFF61CA4-9CD8-4E48-B8BA-093554C61F82}" type="presOf" srcId="{0994183D-F68C-4A0C-ADB1-5C88AC24A212}" destId="{385DFA0B-4F72-4BA0-BEBC-1BEC36FEF28E}" srcOrd="1" destOrd="0" presId="urn:microsoft.com/office/officeart/2005/8/layout/orgChart1"/>
-    <dgm:cxn modelId="{4CF850BB-40CF-42E1-A14E-37087C6A4C16}" type="presOf" srcId="{B47EC5D9-A66F-48CD-8C96-52E4A415C3D8}" destId="{068FD07B-9C8C-4E02-8D54-CE60AFBA4949}" srcOrd="0" destOrd="0" presId="urn:microsoft.com/office/officeart/2005/8/layout/orgChart1"/>
-    <dgm:cxn modelId="{F8351CCC-13E0-489C-90F9-4D2EE2A8BA48}" type="presOf" srcId="{A3B069FE-2FB5-4410-AE70-6F8173C7230A}" destId="{C7F4F8AC-4C7F-46D9-AACD-CFEA5CBDC6F5}" srcOrd="0" destOrd="0" presId="urn:microsoft.com/office/officeart/2005/8/layout/orgChart1"/>
-    <dgm:cxn modelId="{14A8F6E9-0827-48C9-B446-1D2C18524C65}" type="presOf" srcId="{B9E05F17-6D53-490C-880F-C0A02A440785}" destId="{111D885F-9FCE-4BC1-9895-A625975BF485}" srcOrd="1" destOrd="0" presId="urn:microsoft.com/office/officeart/2005/8/layout/orgChart1"/>
-    <dgm:cxn modelId="{D316981F-75E2-470A-AAAE-053316E8C59B}" srcId="{B47EC5D9-A66F-48CD-8C96-52E4A415C3D8}" destId="{939700DC-A23C-424E-984D-1457AB1C0244}" srcOrd="0" destOrd="0" parTransId="{896EB847-3EFD-4A63-BABF-B377F1C3BE66}" sibTransId="{A0F06432-3A04-4941-9B2B-351EA8C6A250}"/>
-    <dgm:cxn modelId="{BB1E551B-325C-4530-A059-7B086EDE25FD}" srcId="{7A6886BE-BAEF-42EA-B276-022624D63DE5}" destId="{B47EC5D9-A66F-48CD-8C96-52E4A415C3D8}" srcOrd="0" destOrd="0" parTransId="{1C63477F-3F42-47DA-80E8-59060581CA7F}" sibTransId="{D560D9BA-1E8A-49EB-9547-3D7026E26A0E}"/>
-    <dgm:cxn modelId="{CA7EDAB4-DD92-4F1C-9225-900FB933D736}" type="presOf" srcId="{64321824-3BA7-460F-8798-11FE5EA0FB47}" destId="{745061D3-BF33-40F0-A83C-52009E23F57F}" srcOrd="0" destOrd="0" presId="urn:microsoft.com/office/officeart/2005/8/layout/orgChart1"/>
-    <dgm:cxn modelId="{A6D64FAD-AA82-47C9-BDE0-FAF3022218BD}" type="presOf" srcId="{A3139E46-CF40-478F-94DF-91605AE3985F}" destId="{3E7675C9-BD2F-4298-A803-AA8B565E307A}" srcOrd="0" destOrd="0" presId="urn:microsoft.com/office/officeart/2005/8/layout/orgChart1"/>
-    <dgm:cxn modelId="{FB1697B4-4174-4C2F-9BF4-D43A8F7ADAE4}" type="presOf" srcId="{939700DC-A23C-424E-984D-1457AB1C0244}" destId="{F5992E90-5C3E-4645-BF26-84CFD7FA0366}" srcOrd="0" destOrd="0" presId="urn:microsoft.com/office/officeart/2005/8/layout/orgChart1"/>
     <dgm:cxn modelId="{32BE90E5-192C-401C-B200-80898789B855}" type="presParOf" srcId="{B59C04B9-C77E-46B7-B345-7B088347CF63}" destId="{11F2DA1D-B269-44A8-AEAC-7C8F4EF99EAC}" srcOrd="0" destOrd="0" presId="urn:microsoft.com/office/officeart/2005/8/layout/orgChart1"/>
     <dgm:cxn modelId="{A5B411E5-1568-480D-9A26-27A5D6074123}" type="presParOf" srcId="{11F2DA1D-B269-44A8-AEAC-7C8F4EF99EAC}" destId="{35F87444-C932-4EFE-AA0E-13D4E0EABE23}" srcOrd="0" destOrd="0" presId="urn:microsoft.com/office/officeart/2005/8/layout/orgChart1"/>
     <dgm:cxn modelId="{FF4B1ED0-B226-47C0-AE83-D79DD5BB69BC}" type="presParOf" srcId="{35F87444-C932-4EFE-AA0E-13D4E0EABE23}" destId="{068FD07B-9C8C-4E02-8D54-CE60AFBA4949}" srcOrd="0" destOrd="0" presId="urn:microsoft.com/office/officeart/2005/8/layout/orgChart1"/>
@@ -9506,22 +8705,22 @@
     </dgm:pt>
   </dgm:ptLst>
   <dgm:cxnLst>
+    <dgm:cxn modelId="{CAA6C7EA-1DEC-4DBB-B74B-B9F7F04EF4D4}" type="presOf" srcId="{1CA9A764-0689-471E-A5BA-B3E1A99494A5}" destId="{67B637C7-D8B0-490D-9642-F5133505FA30}" srcOrd="1" destOrd="0" presId="urn:microsoft.com/office/officeart/2005/8/layout/orgChart1"/>
+    <dgm:cxn modelId="{5684DA7F-568E-4849-9C74-1B2E84532BD2}" srcId="{82F02F03-730A-4DAF-A057-D4D610D8A5E8}" destId="{09094470-15E0-4EBF-A323-E2FD19198363}" srcOrd="1" destOrd="0" parTransId="{DC8FD187-F37F-45CC-89B8-FC57590D8D30}" sibTransId="{42C96DCC-09FB-4AE5-97E5-4A7C4279D296}"/>
+    <dgm:cxn modelId="{1B4CDEEA-9124-4E99-B53B-C2B58DC53395}" type="presOf" srcId="{09094470-15E0-4EBF-A323-E2FD19198363}" destId="{F1A6C34D-97CE-48AF-B526-9324C873A645}" srcOrd="0" destOrd="0" presId="urn:microsoft.com/office/officeart/2005/8/layout/orgChart1"/>
+    <dgm:cxn modelId="{9C9E49A9-33A8-404B-A342-F04E48D2CD5C}" type="presOf" srcId="{D68A1F77-1578-47CD-8AE5-056C7A74C7F2}" destId="{25994067-A961-4CB2-B7B1-0EF923F95F6D}" srcOrd="0" destOrd="0" presId="urn:microsoft.com/office/officeart/2005/8/layout/orgChart1"/>
+    <dgm:cxn modelId="{BBA6054D-CE0F-4FD9-B6B1-75301A03C40E}" srcId="{82F02F03-730A-4DAF-A057-D4D610D8A5E8}" destId="{5038F9C8-3BC1-487B-AE8D-DAEB88C1A31C}" srcOrd="0" destOrd="0" parTransId="{1832E33E-7B2B-4550-AFE8-53A864FE3F84}" sibTransId="{EB20B15B-E4CD-42D1-AC3E-CF832B50C832}"/>
+    <dgm:cxn modelId="{13CDEAC5-84E6-4E86-A3CF-CB91AC1B9253}" type="presOf" srcId="{DC8FD187-F37F-45CC-89B8-FC57590D8D30}" destId="{EF99108C-757D-4CDF-ACB9-0A8ED92A59F8}" srcOrd="0" destOrd="0" presId="urn:microsoft.com/office/officeart/2005/8/layout/orgChart1"/>
+    <dgm:cxn modelId="{F3E6771B-B31E-45DB-B4CC-124B72CE53D3}" type="presOf" srcId="{5038F9C8-3BC1-487B-AE8D-DAEB88C1A31C}" destId="{CC7CC848-C007-401B-A13D-E366E4A1DC8D}" srcOrd="0" destOrd="0" presId="urn:microsoft.com/office/officeart/2005/8/layout/orgChart1"/>
     <dgm:cxn modelId="{07A051C1-3718-4FCF-B116-296E5C61E658}" srcId="{D68A1F77-1578-47CD-8AE5-056C7A74C7F2}" destId="{82F02F03-730A-4DAF-A057-D4D610D8A5E8}" srcOrd="0" destOrd="0" parTransId="{7B5DBD78-3F9C-474E-9875-5622DCB3EB95}" sibTransId="{76C6719B-D346-4A08-87C0-CBD3E0675760}"/>
-    <dgm:cxn modelId="{BBA6054D-CE0F-4FD9-B6B1-75301A03C40E}" srcId="{82F02F03-730A-4DAF-A057-D4D610D8A5E8}" destId="{5038F9C8-3BC1-487B-AE8D-DAEB88C1A31C}" srcOrd="0" destOrd="0" parTransId="{1832E33E-7B2B-4550-AFE8-53A864FE3F84}" sibTransId="{EB20B15B-E4CD-42D1-AC3E-CF832B50C832}"/>
-    <dgm:cxn modelId="{5684DA7F-568E-4849-9C74-1B2E84532BD2}" srcId="{82F02F03-730A-4DAF-A057-D4D610D8A5E8}" destId="{09094470-15E0-4EBF-A323-E2FD19198363}" srcOrd="1" destOrd="0" parTransId="{DC8FD187-F37F-45CC-89B8-FC57590D8D30}" sibTransId="{42C96DCC-09FB-4AE5-97E5-4A7C4279D296}"/>
+    <dgm:cxn modelId="{3A1491AC-5B01-4AE1-92B1-51D6ABF2D2F8}" type="presOf" srcId="{1832E33E-7B2B-4550-AFE8-53A864FE3F84}" destId="{4B3A784F-0CB9-45BE-B08B-4F8C82B8F57A}" srcOrd="0" destOrd="0" presId="urn:microsoft.com/office/officeart/2005/8/layout/orgChart1"/>
+    <dgm:cxn modelId="{E6B9D727-61C5-42D7-8646-5472CE72C090}" type="presOf" srcId="{09094470-15E0-4EBF-A323-E2FD19198363}" destId="{B02177E1-104A-4886-99C9-A8F7D7EF4F4E}" srcOrd="1" destOrd="0" presId="urn:microsoft.com/office/officeart/2005/8/layout/orgChart1"/>
+    <dgm:cxn modelId="{12B45C36-D7B4-4DC5-AC32-20F1C412A4F4}" type="presOf" srcId="{82F02F03-730A-4DAF-A057-D4D610D8A5E8}" destId="{6A2119DF-43AD-4E86-9A40-DBFA2353F0B5}" srcOrd="1" destOrd="0" presId="urn:microsoft.com/office/officeart/2005/8/layout/orgChart1"/>
+    <dgm:cxn modelId="{B572F72B-EC56-40A4-B4AB-D79E75284F37}" type="presOf" srcId="{82F02F03-730A-4DAF-A057-D4D610D8A5E8}" destId="{CFB66C49-9DBB-43C1-AC1C-A20BDD43BAAA}" srcOrd="0" destOrd="0" presId="urn:microsoft.com/office/officeart/2005/8/layout/orgChart1"/>
+    <dgm:cxn modelId="{5615011D-6EDC-49C3-8A5A-D063DC5A118B}" type="presOf" srcId="{5038F9C8-3BC1-487B-AE8D-DAEB88C1A31C}" destId="{7F648040-6254-47B7-9FA3-32C69B141683}" srcOrd="1" destOrd="0" presId="urn:microsoft.com/office/officeart/2005/8/layout/orgChart1"/>
+    <dgm:cxn modelId="{570AA49D-A10B-495C-8F76-83A0E667436B}" type="presOf" srcId="{1CA9A764-0689-471E-A5BA-B3E1A99494A5}" destId="{916EE394-35DE-474F-85AB-FD50E040F8A5}" srcOrd="0" destOrd="0" presId="urn:microsoft.com/office/officeart/2005/8/layout/orgChart1"/>
     <dgm:cxn modelId="{EABB91F7-DC39-4AB0-A1B8-80E39631F911}" type="presOf" srcId="{B6430358-897E-4976-91D7-D915E852B36D}" destId="{09CC0655-B7EE-43EB-BC5F-76223478FD78}" srcOrd="0" destOrd="0" presId="urn:microsoft.com/office/officeart/2005/8/layout/orgChart1"/>
     <dgm:cxn modelId="{5A2E3DDF-F322-470A-A249-94DE015AEAFA}" srcId="{5038F9C8-3BC1-487B-AE8D-DAEB88C1A31C}" destId="{1CA9A764-0689-471E-A5BA-B3E1A99494A5}" srcOrd="0" destOrd="0" parTransId="{B6430358-897E-4976-91D7-D915E852B36D}" sibTransId="{8B0FCB8D-5FE6-4969-AB03-28DCF44FAF5C}"/>
-    <dgm:cxn modelId="{E6B9D727-61C5-42D7-8646-5472CE72C090}" type="presOf" srcId="{09094470-15E0-4EBF-A323-E2FD19198363}" destId="{B02177E1-104A-4886-99C9-A8F7D7EF4F4E}" srcOrd="1" destOrd="0" presId="urn:microsoft.com/office/officeart/2005/8/layout/orgChart1"/>
-    <dgm:cxn modelId="{3A1491AC-5B01-4AE1-92B1-51D6ABF2D2F8}" type="presOf" srcId="{1832E33E-7B2B-4550-AFE8-53A864FE3F84}" destId="{4B3A784F-0CB9-45BE-B08B-4F8C82B8F57A}" srcOrd="0" destOrd="0" presId="urn:microsoft.com/office/officeart/2005/8/layout/orgChart1"/>
-    <dgm:cxn modelId="{F3E6771B-B31E-45DB-B4CC-124B72CE53D3}" type="presOf" srcId="{5038F9C8-3BC1-487B-AE8D-DAEB88C1A31C}" destId="{CC7CC848-C007-401B-A13D-E366E4A1DC8D}" srcOrd="0" destOrd="0" presId="urn:microsoft.com/office/officeart/2005/8/layout/orgChart1"/>
-    <dgm:cxn modelId="{B572F72B-EC56-40A4-B4AB-D79E75284F37}" type="presOf" srcId="{82F02F03-730A-4DAF-A057-D4D610D8A5E8}" destId="{CFB66C49-9DBB-43C1-AC1C-A20BDD43BAAA}" srcOrd="0" destOrd="0" presId="urn:microsoft.com/office/officeart/2005/8/layout/orgChart1"/>
-    <dgm:cxn modelId="{1B4CDEEA-9124-4E99-B53B-C2B58DC53395}" type="presOf" srcId="{09094470-15E0-4EBF-A323-E2FD19198363}" destId="{F1A6C34D-97CE-48AF-B526-9324C873A645}" srcOrd="0" destOrd="0" presId="urn:microsoft.com/office/officeart/2005/8/layout/orgChart1"/>
-    <dgm:cxn modelId="{9C9E49A9-33A8-404B-A342-F04E48D2CD5C}" type="presOf" srcId="{D68A1F77-1578-47CD-8AE5-056C7A74C7F2}" destId="{25994067-A961-4CB2-B7B1-0EF923F95F6D}" srcOrd="0" destOrd="0" presId="urn:microsoft.com/office/officeart/2005/8/layout/orgChart1"/>
-    <dgm:cxn modelId="{5615011D-6EDC-49C3-8A5A-D063DC5A118B}" type="presOf" srcId="{5038F9C8-3BC1-487B-AE8D-DAEB88C1A31C}" destId="{7F648040-6254-47B7-9FA3-32C69B141683}" srcOrd="1" destOrd="0" presId="urn:microsoft.com/office/officeart/2005/8/layout/orgChart1"/>
-    <dgm:cxn modelId="{570AA49D-A10B-495C-8F76-83A0E667436B}" type="presOf" srcId="{1CA9A764-0689-471E-A5BA-B3E1A99494A5}" destId="{916EE394-35DE-474F-85AB-FD50E040F8A5}" srcOrd="0" destOrd="0" presId="urn:microsoft.com/office/officeart/2005/8/layout/orgChart1"/>
-    <dgm:cxn modelId="{CAA6C7EA-1DEC-4DBB-B74B-B9F7F04EF4D4}" type="presOf" srcId="{1CA9A764-0689-471E-A5BA-B3E1A99494A5}" destId="{67B637C7-D8B0-490D-9642-F5133505FA30}" srcOrd="1" destOrd="0" presId="urn:microsoft.com/office/officeart/2005/8/layout/orgChart1"/>
-    <dgm:cxn modelId="{12B45C36-D7B4-4DC5-AC32-20F1C412A4F4}" type="presOf" srcId="{82F02F03-730A-4DAF-A057-D4D610D8A5E8}" destId="{6A2119DF-43AD-4E86-9A40-DBFA2353F0B5}" srcOrd="1" destOrd="0" presId="urn:microsoft.com/office/officeart/2005/8/layout/orgChart1"/>
-    <dgm:cxn modelId="{13CDEAC5-84E6-4E86-A3CF-CB91AC1B9253}" type="presOf" srcId="{DC8FD187-F37F-45CC-89B8-FC57590D8D30}" destId="{EF99108C-757D-4CDF-ACB9-0A8ED92A59F8}" srcOrd="0" destOrd="0" presId="urn:microsoft.com/office/officeart/2005/8/layout/orgChart1"/>
     <dgm:cxn modelId="{3B258A9D-00F4-4E2C-8D47-4F01B080CA09}" type="presParOf" srcId="{25994067-A961-4CB2-B7B1-0EF923F95F6D}" destId="{91D4F938-717F-436F-84CA-DF43B34C43F6}" srcOrd="0" destOrd="0" presId="urn:microsoft.com/office/officeart/2005/8/layout/orgChart1"/>
     <dgm:cxn modelId="{450931F3-9A45-4ABD-8571-F8A51E310985}" type="presParOf" srcId="{91D4F938-717F-436F-84CA-DF43B34C43F6}" destId="{34179DB5-25F8-45D1-B2E9-A8C3BA70BE77}" srcOrd="0" destOrd="0" presId="urn:microsoft.com/office/officeart/2005/8/layout/orgChart1"/>
     <dgm:cxn modelId="{9A70406E-696E-41B0-A949-2BEC5E383509}" type="presParOf" srcId="{34179DB5-25F8-45D1-B2E9-A8C3BA70BE77}" destId="{CFB66C49-9DBB-43C1-AC1C-A20BDD43BAAA}" srcOrd="0" destOrd="0" presId="urn:microsoft.com/office/officeart/2005/8/layout/orgChart1"/>
@@ -9658,14 +8857,17 @@
             <a:t>[</a:t>
           </a:r>
           <a:r>
-            <a:rPr lang="en-US" dirty="0" err="1"/>
+            <a:rPr lang="en-US" dirty="0" err="1">
+              <a:solidFill>
+                <a:schemeClr val="accent1"/>
+              </a:solidFill>
+            </a:rPr>
             <a:t>Node,Node</a:t>
           </a:r>
           <a:r>
-            <a:rPr lang="en-US"/>
+            <a:rPr lang="en-US" dirty="0"/>
             <a:t>]</a:t>
           </a:r>
-          <a:endParaRPr lang="en-US" dirty="0"/>
         </a:p>
       </dgm:t>
     </dgm:pt>
@@ -9890,8 +9092,8 @@
     <dgm:cxn modelId="{13CDEAC5-84E6-4E86-A3CF-CB91AC1B9253}" type="presOf" srcId="{DC8FD187-F37F-45CC-89B8-FC57590D8D30}" destId="{EF99108C-757D-4CDF-ACB9-0A8ED92A59F8}" srcOrd="0" destOrd="0" presId="urn:microsoft.com/office/officeart/2005/8/layout/orgChart1"/>
     <dgm:cxn modelId="{F3E6771B-B31E-45DB-B4CC-124B72CE53D3}" type="presOf" srcId="{5038F9C8-3BC1-487B-AE8D-DAEB88C1A31C}" destId="{CC7CC848-C007-401B-A13D-E366E4A1DC8D}" srcOrd="0" destOrd="0" presId="urn:microsoft.com/office/officeart/2005/8/layout/orgChart1"/>
     <dgm:cxn modelId="{07A051C1-3718-4FCF-B116-296E5C61E658}" srcId="{D68A1F77-1578-47CD-8AE5-056C7A74C7F2}" destId="{82F02F03-730A-4DAF-A057-D4D610D8A5E8}" srcOrd="0" destOrd="0" parTransId="{7B5DBD78-3F9C-474E-9875-5622DCB3EB95}" sibTransId="{76C6719B-D346-4A08-87C0-CBD3E0675760}"/>
+    <dgm:cxn modelId="{3A1491AC-5B01-4AE1-92B1-51D6ABF2D2F8}" type="presOf" srcId="{1832E33E-7B2B-4550-AFE8-53A864FE3F84}" destId="{4B3A784F-0CB9-45BE-B08B-4F8C82B8F57A}" srcOrd="0" destOrd="0" presId="urn:microsoft.com/office/officeart/2005/8/layout/orgChart1"/>
     <dgm:cxn modelId="{E6B9D727-61C5-42D7-8646-5472CE72C090}" type="presOf" srcId="{09094470-15E0-4EBF-A323-E2FD19198363}" destId="{B02177E1-104A-4886-99C9-A8F7D7EF4F4E}" srcOrd="1" destOrd="0" presId="urn:microsoft.com/office/officeart/2005/8/layout/orgChart1"/>
-    <dgm:cxn modelId="{3A1491AC-5B01-4AE1-92B1-51D6ABF2D2F8}" type="presOf" srcId="{1832E33E-7B2B-4550-AFE8-53A864FE3F84}" destId="{4B3A784F-0CB9-45BE-B08B-4F8C82B8F57A}" srcOrd="0" destOrd="0" presId="urn:microsoft.com/office/officeart/2005/8/layout/orgChart1"/>
     <dgm:cxn modelId="{12B45C36-D7B4-4DC5-AC32-20F1C412A4F4}" type="presOf" srcId="{82F02F03-730A-4DAF-A057-D4D610D8A5E8}" destId="{6A2119DF-43AD-4E86-9A40-DBFA2353F0B5}" srcOrd="1" destOrd="0" presId="urn:microsoft.com/office/officeart/2005/8/layout/orgChart1"/>
     <dgm:cxn modelId="{B572F72B-EC56-40A4-B4AB-D79E75284F37}" type="presOf" srcId="{82F02F03-730A-4DAF-A057-D4D610D8A5E8}" destId="{CFB66C49-9DBB-43C1-AC1C-A20BDD43BAAA}" srcOrd="0" destOrd="0" presId="urn:microsoft.com/office/officeart/2005/8/layout/orgChart1"/>
     <dgm:cxn modelId="{5615011D-6EDC-49C3-8A5A-D063DC5A118B}" type="presOf" srcId="{5038F9C8-3BC1-487B-AE8D-DAEB88C1A31C}" destId="{7F648040-6254-47B7-9FA3-32C69B141683}" srcOrd="1" destOrd="0" presId="urn:microsoft.com/office/officeart/2005/8/layout/orgChart1"/>
@@ -9937,387 +9139,6 @@
 </file>
 
 <file path=ppt/diagrams/data7.xml><?xml version="1.0" encoding="utf-8"?>
-<dgm:dataModel xmlns:dgm="http://schemas.openxmlformats.org/drawingml/2006/diagram" xmlns:a="http://schemas.openxmlformats.org/drawingml/2006/main">
-  <dgm:ptLst>
-    <dgm:pt modelId="{BF673BEB-DED2-4F82-BC82-53732307180D}" type="doc">
-      <dgm:prSet loTypeId="urn:microsoft.com/office/officeart/2005/8/layout/hProcess6" loCatId="process" qsTypeId="urn:microsoft.com/office/officeart/2005/8/quickstyle/simple1" qsCatId="simple" csTypeId="urn:microsoft.com/office/officeart/2005/8/colors/accent0_2" csCatId="mainScheme" phldr="1"/>
-      <dgm:spPr/>
-      <dgm:t>
-        <a:bodyPr/>
-        <a:lstStyle/>
-        <a:p>
-          <a:endParaRPr lang="en-US"/>
-        </a:p>
-      </dgm:t>
-    </dgm:pt>
-    <dgm:pt modelId="{2231FA17-A615-4BA0-B9F2-B5F17A3E00CE}">
-      <dgm:prSet phldrT="[Text]"/>
-      <dgm:spPr/>
-      <dgm:t>
-        <a:bodyPr/>
-        <a:lstStyle/>
-        <a:p>
-          <a:r>
-            <a:rPr lang="en-US" dirty="0"/>
-            <a:t>..Syntax[1]</a:t>
-          </a:r>
-        </a:p>
-      </dgm:t>
-    </dgm:pt>
-    <dgm:pt modelId="{D37E8542-5F67-4438-BDE1-565A8AA0FD63}" type="parTrans" cxnId="{B953AB2D-FABA-495A-8245-0B50754841AD}">
-      <dgm:prSet/>
-      <dgm:spPr/>
-      <dgm:t>
-        <a:bodyPr/>
-        <a:lstStyle/>
-        <a:p>
-          <a:endParaRPr lang="en-US"/>
-        </a:p>
-      </dgm:t>
-    </dgm:pt>
-    <dgm:pt modelId="{338C5301-903D-49E6-BAA6-559C332BD765}" type="sibTrans" cxnId="{B953AB2D-FABA-495A-8245-0B50754841AD}">
-      <dgm:prSet/>
-      <dgm:spPr/>
-      <dgm:t>
-        <a:bodyPr/>
-        <a:lstStyle/>
-        <a:p>
-          <a:endParaRPr lang="en-US"/>
-        </a:p>
-      </dgm:t>
-    </dgm:pt>
-    <dgm:pt modelId="{B557D040-F1CE-46D5-B99B-543C2BB18D34}">
-      <dgm:prSet phldrT="[Text]"/>
-      <dgm:spPr/>
-      <dgm:t>
-        <a:bodyPr/>
-        <a:lstStyle/>
-        <a:p>
-          <a:r>
-            <a:rPr lang="en-US" dirty="0"/>
-            <a:t>With…</a:t>
-          </a:r>
-        </a:p>
-      </dgm:t>
-    </dgm:pt>
-    <dgm:pt modelId="{C3799485-32CC-4A4F-8C12-0B48E9D1297E}" type="parTrans" cxnId="{F43A847F-DF90-4A2C-A1D1-AD2A43EA7C84}">
-      <dgm:prSet/>
-      <dgm:spPr/>
-      <dgm:t>
-        <a:bodyPr/>
-        <a:lstStyle/>
-        <a:p>
-          <a:endParaRPr lang="en-US"/>
-        </a:p>
-      </dgm:t>
-    </dgm:pt>
-    <dgm:pt modelId="{50F19C2D-D5AE-4F7F-9A09-CAF2089D6E1C}" type="sibTrans" cxnId="{F43A847F-DF90-4A2C-A1D1-AD2A43EA7C84}">
-      <dgm:prSet/>
-      <dgm:spPr/>
-      <dgm:t>
-        <a:bodyPr/>
-        <a:lstStyle/>
-        <a:p>
-          <a:endParaRPr lang="en-US"/>
-        </a:p>
-      </dgm:t>
-    </dgm:pt>
-    <dgm:pt modelId="{C6217683-B0EF-4390-A02D-41508A20A860}">
-      <dgm:prSet phldrT="[Text]"/>
-      <dgm:spPr/>
-      <dgm:t>
-        <a:bodyPr/>
-        <a:lstStyle/>
-        <a:p>
-          <a:r>
-            <a:rPr lang="en-US" dirty="0"/>
-            <a:t>..Syntax[2]</a:t>
-          </a:r>
-        </a:p>
-      </dgm:t>
-    </dgm:pt>
-    <dgm:pt modelId="{0406E7D8-3AAC-492A-A930-D4CB6DA5C897}" type="parTrans" cxnId="{4B180F13-4238-4CDF-9915-691E7C489E14}">
-      <dgm:prSet/>
-      <dgm:spPr/>
-      <dgm:t>
-        <a:bodyPr/>
-        <a:lstStyle/>
-        <a:p>
-          <a:endParaRPr lang="en-US"/>
-        </a:p>
-      </dgm:t>
-    </dgm:pt>
-    <dgm:pt modelId="{BAD469EC-824E-4B76-93DF-F364CADE43D5}" type="sibTrans" cxnId="{4B180F13-4238-4CDF-9915-691E7C489E14}">
-      <dgm:prSet/>
-      <dgm:spPr/>
-      <dgm:t>
-        <a:bodyPr/>
-        <a:lstStyle/>
-        <a:p>
-          <a:endParaRPr lang="en-US"/>
-        </a:p>
-      </dgm:t>
-    </dgm:pt>
-    <dgm:pt modelId="{E4FC9BC2-AA5A-48CE-A58A-C83DCD5D3D06}">
-      <dgm:prSet phldrT="[Text]"/>
-      <dgm:spPr/>
-      <dgm:t>
-        <a:bodyPr/>
-        <a:lstStyle/>
-        <a:p>
-          <a:r>
-            <a:rPr lang="en-US" dirty="0"/>
-            <a:t>Add…</a:t>
-          </a:r>
-        </a:p>
-      </dgm:t>
-    </dgm:pt>
-    <dgm:pt modelId="{D02C9A19-FC90-46BA-AA79-27DAEF6243CC}" type="parTrans" cxnId="{232F679F-4A9A-4F79-B70D-198743EA204D}">
-      <dgm:prSet/>
-      <dgm:spPr/>
-      <dgm:t>
-        <a:bodyPr/>
-        <a:lstStyle/>
-        <a:p>
-          <a:endParaRPr lang="en-US"/>
-        </a:p>
-      </dgm:t>
-    </dgm:pt>
-    <dgm:pt modelId="{7CDD7F7C-7E92-4025-BA43-89920224CC94}" type="sibTrans" cxnId="{232F679F-4A9A-4F79-B70D-198743EA204D}">
-      <dgm:prSet/>
-      <dgm:spPr/>
-      <dgm:t>
-        <a:bodyPr/>
-        <a:lstStyle/>
-        <a:p>
-          <a:endParaRPr lang="en-US"/>
-        </a:p>
-      </dgm:t>
-    </dgm:pt>
-    <dgm:pt modelId="{F8ADA61E-6402-4D4F-897B-688199EA84F6}">
-      <dgm:prSet phldrT="[Text]"/>
-      <dgm:spPr/>
-      <dgm:t>
-        <a:bodyPr/>
-        <a:lstStyle/>
-        <a:p>
-          <a:r>
-            <a:rPr lang="en-US" dirty="0"/>
-            <a:t>..Syntax[3]</a:t>
-          </a:r>
-        </a:p>
-      </dgm:t>
-    </dgm:pt>
-    <dgm:pt modelId="{24A13BBD-E940-4891-8787-A9351DF31B97}" type="parTrans" cxnId="{45C38BA2-EA12-4F47-B9C8-72D81AF98705}">
-      <dgm:prSet/>
-      <dgm:spPr/>
-      <dgm:t>
-        <a:bodyPr/>
-        <a:lstStyle/>
-        <a:p>
-          <a:endParaRPr lang="en-US"/>
-        </a:p>
-      </dgm:t>
-    </dgm:pt>
-    <dgm:pt modelId="{A3FEDBA7-C909-4817-87DB-A5E0D83FC337}" type="sibTrans" cxnId="{45C38BA2-EA12-4F47-B9C8-72D81AF98705}">
-      <dgm:prSet/>
-      <dgm:spPr/>
-      <dgm:t>
-        <a:bodyPr/>
-        <a:lstStyle/>
-        <a:p>
-          <a:endParaRPr lang="en-US"/>
-        </a:p>
-      </dgm:t>
-    </dgm:pt>
-    <dgm:pt modelId="{72F860FC-E3DE-40F7-9E07-8C42C9E21E7C}">
-      <dgm:prSet phldrT="[Text]"/>
-      <dgm:spPr/>
-      <dgm:t>
-        <a:bodyPr/>
-        <a:lstStyle/>
-        <a:p>
-          <a:r>
-            <a:rPr lang="en-US" dirty="0"/>
-            <a:t>Replace…</a:t>
-          </a:r>
-        </a:p>
-      </dgm:t>
-    </dgm:pt>
-    <dgm:pt modelId="{377C6C7F-4B0F-4401-91A9-3A53F0600BAC}" type="parTrans" cxnId="{240FF759-6A9C-48B0-907A-120558A2E986}">
-      <dgm:prSet/>
-      <dgm:spPr/>
-      <dgm:t>
-        <a:bodyPr/>
-        <a:lstStyle/>
-        <a:p>
-          <a:endParaRPr lang="en-US"/>
-        </a:p>
-      </dgm:t>
-    </dgm:pt>
-    <dgm:pt modelId="{75B3E507-B086-4607-A779-C3405FC83A1A}" type="sibTrans" cxnId="{240FF759-6A9C-48B0-907A-120558A2E986}">
-      <dgm:prSet/>
-      <dgm:spPr/>
-      <dgm:t>
-        <a:bodyPr/>
-        <a:lstStyle/>
-        <a:p>
-          <a:endParaRPr lang="en-US"/>
-        </a:p>
-      </dgm:t>
-    </dgm:pt>
-    <dgm:pt modelId="{4BA42AF2-CF01-43D5-9AE0-25103083669D}" type="pres">
-      <dgm:prSet presAssocID="{BF673BEB-DED2-4F82-BC82-53732307180D}" presName="theList" presStyleCnt="0">
-        <dgm:presLayoutVars>
-          <dgm:dir/>
-          <dgm:animLvl val="lvl"/>
-          <dgm:resizeHandles val="exact"/>
-        </dgm:presLayoutVars>
-      </dgm:prSet>
-      <dgm:spPr/>
-    </dgm:pt>
-    <dgm:pt modelId="{FC3BD7A7-12F4-429D-872F-6D71A0F73DB2}" type="pres">
-      <dgm:prSet presAssocID="{2231FA17-A615-4BA0-B9F2-B5F17A3E00CE}" presName="compNode" presStyleCnt="0"/>
-      <dgm:spPr/>
-    </dgm:pt>
-    <dgm:pt modelId="{6F00CB88-9690-499B-8D5A-5E066457AC09}" type="pres">
-      <dgm:prSet presAssocID="{2231FA17-A615-4BA0-B9F2-B5F17A3E00CE}" presName="noGeometry" presStyleCnt="0"/>
-      <dgm:spPr/>
-    </dgm:pt>
-    <dgm:pt modelId="{6958BDCC-04EF-4CDD-B2CB-B6DFEFD1D0C7}" type="pres">
-      <dgm:prSet presAssocID="{2231FA17-A615-4BA0-B9F2-B5F17A3E00CE}" presName="childTextVisible" presStyleLbl="bgAccFollowNode1" presStyleIdx="0" presStyleCnt="3">
-        <dgm:presLayoutVars>
-          <dgm:bulletEnabled val="1"/>
-        </dgm:presLayoutVars>
-      </dgm:prSet>
-      <dgm:spPr/>
-    </dgm:pt>
-    <dgm:pt modelId="{42348855-A221-4C44-A72C-BD0058CF9469}" type="pres">
-      <dgm:prSet presAssocID="{2231FA17-A615-4BA0-B9F2-B5F17A3E00CE}" presName="childTextHidden" presStyleLbl="bgAccFollowNode1" presStyleIdx="0" presStyleCnt="3"/>
-      <dgm:spPr/>
-    </dgm:pt>
-    <dgm:pt modelId="{87283C79-D516-4F19-967C-8612C57E59C3}" type="pres">
-      <dgm:prSet presAssocID="{2231FA17-A615-4BA0-B9F2-B5F17A3E00CE}" presName="parentText" presStyleLbl="node1" presStyleIdx="0" presStyleCnt="3">
-        <dgm:presLayoutVars>
-          <dgm:chMax val="1"/>
-          <dgm:bulletEnabled val="1"/>
-        </dgm:presLayoutVars>
-      </dgm:prSet>
-      <dgm:spPr/>
-    </dgm:pt>
-    <dgm:pt modelId="{F61AD580-C381-4565-9A7C-6EB9E2ACF593}" type="pres">
-      <dgm:prSet presAssocID="{2231FA17-A615-4BA0-B9F2-B5F17A3E00CE}" presName="aSpace" presStyleCnt="0"/>
-      <dgm:spPr/>
-    </dgm:pt>
-    <dgm:pt modelId="{8939E29D-2475-425F-86E9-5318ADAA8748}" type="pres">
-      <dgm:prSet presAssocID="{C6217683-B0EF-4390-A02D-41508A20A860}" presName="compNode" presStyleCnt="0"/>
-      <dgm:spPr/>
-    </dgm:pt>
-    <dgm:pt modelId="{3F70545B-6918-4D6A-831A-6323B2D33DC5}" type="pres">
-      <dgm:prSet presAssocID="{C6217683-B0EF-4390-A02D-41508A20A860}" presName="noGeometry" presStyleCnt="0"/>
-      <dgm:spPr/>
-    </dgm:pt>
-    <dgm:pt modelId="{17F9AD2E-AD32-4873-9F29-EFEBD4C95FBC}" type="pres">
-      <dgm:prSet presAssocID="{C6217683-B0EF-4390-A02D-41508A20A860}" presName="childTextVisible" presStyleLbl="bgAccFollowNode1" presStyleIdx="1" presStyleCnt="3">
-        <dgm:presLayoutVars>
-          <dgm:bulletEnabled val="1"/>
-        </dgm:presLayoutVars>
-      </dgm:prSet>
-      <dgm:spPr/>
-    </dgm:pt>
-    <dgm:pt modelId="{41822B57-2813-4FFE-9306-BC5799585335}" type="pres">
-      <dgm:prSet presAssocID="{C6217683-B0EF-4390-A02D-41508A20A860}" presName="childTextHidden" presStyleLbl="bgAccFollowNode1" presStyleIdx="1" presStyleCnt="3"/>
-      <dgm:spPr/>
-    </dgm:pt>
-    <dgm:pt modelId="{3005D046-1213-40D6-993D-3407A919A10D}" type="pres">
-      <dgm:prSet presAssocID="{C6217683-B0EF-4390-A02D-41508A20A860}" presName="parentText" presStyleLbl="node1" presStyleIdx="1" presStyleCnt="3">
-        <dgm:presLayoutVars>
-          <dgm:chMax val="1"/>
-          <dgm:bulletEnabled val="1"/>
-        </dgm:presLayoutVars>
-      </dgm:prSet>
-      <dgm:spPr/>
-    </dgm:pt>
-    <dgm:pt modelId="{6763B65E-630D-45E9-9564-63900E700DED}" type="pres">
-      <dgm:prSet presAssocID="{C6217683-B0EF-4390-A02D-41508A20A860}" presName="aSpace" presStyleCnt="0"/>
-      <dgm:spPr/>
-    </dgm:pt>
-    <dgm:pt modelId="{872334A1-B01E-4345-867C-1AD52E0DD0AB}" type="pres">
-      <dgm:prSet presAssocID="{F8ADA61E-6402-4D4F-897B-688199EA84F6}" presName="compNode" presStyleCnt="0"/>
-      <dgm:spPr/>
-    </dgm:pt>
-    <dgm:pt modelId="{89DB04FD-70C1-4F3E-BA23-496CE39B6011}" type="pres">
-      <dgm:prSet presAssocID="{F8ADA61E-6402-4D4F-897B-688199EA84F6}" presName="noGeometry" presStyleCnt="0"/>
-      <dgm:spPr/>
-    </dgm:pt>
-    <dgm:pt modelId="{14B628ED-21E4-4AC6-BB86-590C75108927}" type="pres">
-      <dgm:prSet presAssocID="{F8ADA61E-6402-4D4F-897B-688199EA84F6}" presName="childTextVisible" presStyleLbl="bgAccFollowNode1" presStyleIdx="2" presStyleCnt="3">
-        <dgm:presLayoutVars>
-          <dgm:bulletEnabled val="1"/>
-        </dgm:presLayoutVars>
-      </dgm:prSet>
-      <dgm:spPr/>
-    </dgm:pt>
-    <dgm:pt modelId="{DB078B84-76EE-4A1B-AACE-0DBECB35A030}" type="pres">
-      <dgm:prSet presAssocID="{F8ADA61E-6402-4D4F-897B-688199EA84F6}" presName="childTextHidden" presStyleLbl="bgAccFollowNode1" presStyleIdx="2" presStyleCnt="3"/>
-      <dgm:spPr/>
-    </dgm:pt>
-    <dgm:pt modelId="{26ABABF7-1CEB-4A89-B1CF-B989ADE85DDD}" type="pres">
-      <dgm:prSet presAssocID="{F8ADA61E-6402-4D4F-897B-688199EA84F6}" presName="parentText" presStyleLbl="node1" presStyleIdx="2" presStyleCnt="3">
-        <dgm:presLayoutVars>
-          <dgm:chMax val="1"/>
-          <dgm:bulletEnabled val="1"/>
-        </dgm:presLayoutVars>
-      </dgm:prSet>
-      <dgm:spPr/>
-    </dgm:pt>
-  </dgm:ptLst>
-  <dgm:cxnLst>
-    <dgm:cxn modelId="{A17EF9E1-389A-4474-9E3E-36D5CB9EF5EF}" type="presOf" srcId="{72F860FC-E3DE-40F7-9E07-8C42C9E21E7C}" destId="{DB078B84-76EE-4A1B-AACE-0DBECB35A030}" srcOrd="1" destOrd="0" presId="urn:microsoft.com/office/officeart/2005/8/layout/hProcess6"/>
-    <dgm:cxn modelId="{B953AB2D-FABA-495A-8245-0B50754841AD}" srcId="{BF673BEB-DED2-4F82-BC82-53732307180D}" destId="{2231FA17-A615-4BA0-B9F2-B5F17A3E00CE}" srcOrd="0" destOrd="0" parTransId="{D37E8542-5F67-4438-BDE1-565A8AA0FD63}" sibTransId="{338C5301-903D-49E6-BAA6-559C332BD765}"/>
-    <dgm:cxn modelId="{088264EF-2F5E-4725-9801-049485AFEF30}" type="presOf" srcId="{E4FC9BC2-AA5A-48CE-A58A-C83DCD5D3D06}" destId="{17F9AD2E-AD32-4873-9F29-EFEBD4C95FBC}" srcOrd="0" destOrd="0" presId="urn:microsoft.com/office/officeart/2005/8/layout/hProcess6"/>
-    <dgm:cxn modelId="{3CD80B0C-B147-4136-9C90-211A3A1A9F6A}" type="presOf" srcId="{E4FC9BC2-AA5A-48CE-A58A-C83DCD5D3D06}" destId="{41822B57-2813-4FFE-9306-BC5799585335}" srcOrd="1" destOrd="0" presId="urn:microsoft.com/office/officeart/2005/8/layout/hProcess6"/>
-    <dgm:cxn modelId="{ACEBF732-7724-4A7D-AAAB-ECA1FD9FFD5C}" type="presOf" srcId="{72F860FC-E3DE-40F7-9E07-8C42C9E21E7C}" destId="{14B628ED-21E4-4AC6-BB86-590C75108927}" srcOrd="0" destOrd="0" presId="urn:microsoft.com/office/officeart/2005/8/layout/hProcess6"/>
-    <dgm:cxn modelId="{45C38BA2-EA12-4F47-B9C8-72D81AF98705}" srcId="{BF673BEB-DED2-4F82-BC82-53732307180D}" destId="{F8ADA61E-6402-4D4F-897B-688199EA84F6}" srcOrd="2" destOrd="0" parTransId="{24A13BBD-E940-4891-8787-A9351DF31B97}" sibTransId="{A3FEDBA7-C909-4817-87DB-A5E0D83FC337}"/>
-    <dgm:cxn modelId="{4725FCAD-5505-45CC-BAD2-4D595359413C}" type="presOf" srcId="{B557D040-F1CE-46D5-B99B-543C2BB18D34}" destId="{6958BDCC-04EF-4CDD-B2CB-B6DFEFD1D0C7}" srcOrd="0" destOrd="0" presId="urn:microsoft.com/office/officeart/2005/8/layout/hProcess6"/>
-    <dgm:cxn modelId="{F43A847F-DF90-4A2C-A1D1-AD2A43EA7C84}" srcId="{2231FA17-A615-4BA0-B9F2-B5F17A3E00CE}" destId="{B557D040-F1CE-46D5-B99B-543C2BB18D34}" srcOrd="0" destOrd="0" parTransId="{C3799485-32CC-4A4F-8C12-0B48E9D1297E}" sibTransId="{50F19C2D-D5AE-4F7F-9A09-CAF2089D6E1C}"/>
-    <dgm:cxn modelId="{240FF759-6A9C-48B0-907A-120558A2E986}" srcId="{F8ADA61E-6402-4D4F-897B-688199EA84F6}" destId="{72F860FC-E3DE-40F7-9E07-8C42C9E21E7C}" srcOrd="0" destOrd="0" parTransId="{377C6C7F-4B0F-4401-91A9-3A53F0600BAC}" sibTransId="{75B3E507-B086-4607-A779-C3405FC83A1A}"/>
-    <dgm:cxn modelId="{EAF382A4-6B06-49AD-8E63-E5225973F012}" type="presOf" srcId="{C6217683-B0EF-4390-A02D-41508A20A860}" destId="{3005D046-1213-40D6-993D-3407A919A10D}" srcOrd="0" destOrd="0" presId="urn:microsoft.com/office/officeart/2005/8/layout/hProcess6"/>
-    <dgm:cxn modelId="{F0429D90-C088-4843-A340-67352AA8608A}" type="presOf" srcId="{F8ADA61E-6402-4D4F-897B-688199EA84F6}" destId="{26ABABF7-1CEB-4A89-B1CF-B989ADE85DDD}" srcOrd="0" destOrd="0" presId="urn:microsoft.com/office/officeart/2005/8/layout/hProcess6"/>
-    <dgm:cxn modelId="{4B180F13-4238-4CDF-9915-691E7C489E14}" srcId="{BF673BEB-DED2-4F82-BC82-53732307180D}" destId="{C6217683-B0EF-4390-A02D-41508A20A860}" srcOrd="1" destOrd="0" parTransId="{0406E7D8-3AAC-492A-A930-D4CB6DA5C897}" sibTransId="{BAD469EC-824E-4B76-93DF-F364CADE43D5}"/>
-    <dgm:cxn modelId="{12B72643-CA6F-4187-8C0C-0B9AAB150E6F}" type="presOf" srcId="{BF673BEB-DED2-4F82-BC82-53732307180D}" destId="{4BA42AF2-CF01-43D5-9AE0-25103083669D}" srcOrd="0" destOrd="0" presId="urn:microsoft.com/office/officeart/2005/8/layout/hProcess6"/>
-    <dgm:cxn modelId="{232F679F-4A9A-4F79-B70D-198743EA204D}" srcId="{C6217683-B0EF-4390-A02D-41508A20A860}" destId="{E4FC9BC2-AA5A-48CE-A58A-C83DCD5D3D06}" srcOrd="0" destOrd="0" parTransId="{D02C9A19-FC90-46BA-AA79-27DAEF6243CC}" sibTransId="{7CDD7F7C-7E92-4025-BA43-89920224CC94}"/>
-    <dgm:cxn modelId="{062B6CD9-F377-4634-8F1F-EEB640DAAEE8}" type="presOf" srcId="{2231FA17-A615-4BA0-B9F2-B5F17A3E00CE}" destId="{87283C79-D516-4F19-967C-8612C57E59C3}" srcOrd="0" destOrd="0" presId="urn:microsoft.com/office/officeart/2005/8/layout/hProcess6"/>
-    <dgm:cxn modelId="{A5EDED1D-C4BC-4262-97EE-E861F00DA65B}" type="presOf" srcId="{B557D040-F1CE-46D5-B99B-543C2BB18D34}" destId="{42348855-A221-4C44-A72C-BD0058CF9469}" srcOrd="1" destOrd="0" presId="urn:microsoft.com/office/officeart/2005/8/layout/hProcess6"/>
-    <dgm:cxn modelId="{281DDE3B-385D-4F10-A08D-9894375D8E1E}" type="presParOf" srcId="{4BA42AF2-CF01-43D5-9AE0-25103083669D}" destId="{FC3BD7A7-12F4-429D-872F-6D71A0F73DB2}" srcOrd="0" destOrd="0" presId="urn:microsoft.com/office/officeart/2005/8/layout/hProcess6"/>
-    <dgm:cxn modelId="{A62EB3AB-2AF7-4C98-B320-93CFD38512D3}" type="presParOf" srcId="{FC3BD7A7-12F4-429D-872F-6D71A0F73DB2}" destId="{6F00CB88-9690-499B-8D5A-5E066457AC09}" srcOrd="0" destOrd="0" presId="urn:microsoft.com/office/officeart/2005/8/layout/hProcess6"/>
-    <dgm:cxn modelId="{613063D1-2DC9-4329-94BA-A739B9E243A6}" type="presParOf" srcId="{FC3BD7A7-12F4-429D-872F-6D71A0F73DB2}" destId="{6958BDCC-04EF-4CDD-B2CB-B6DFEFD1D0C7}" srcOrd="1" destOrd="0" presId="urn:microsoft.com/office/officeart/2005/8/layout/hProcess6"/>
-    <dgm:cxn modelId="{B8B46D56-9092-469F-8A25-FF92D828EB57}" type="presParOf" srcId="{FC3BD7A7-12F4-429D-872F-6D71A0F73DB2}" destId="{42348855-A221-4C44-A72C-BD0058CF9469}" srcOrd="2" destOrd="0" presId="urn:microsoft.com/office/officeart/2005/8/layout/hProcess6"/>
-    <dgm:cxn modelId="{D4DD1C7B-57E2-4559-ADBD-274B53931337}" type="presParOf" srcId="{FC3BD7A7-12F4-429D-872F-6D71A0F73DB2}" destId="{87283C79-D516-4F19-967C-8612C57E59C3}" srcOrd="3" destOrd="0" presId="urn:microsoft.com/office/officeart/2005/8/layout/hProcess6"/>
-    <dgm:cxn modelId="{7BCA8FE4-93B2-401D-B23B-81AAF787CAC3}" type="presParOf" srcId="{4BA42AF2-CF01-43D5-9AE0-25103083669D}" destId="{F61AD580-C381-4565-9A7C-6EB9E2ACF593}" srcOrd="1" destOrd="0" presId="urn:microsoft.com/office/officeart/2005/8/layout/hProcess6"/>
-    <dgm:cxn modelId="{F502A453-6578-46CA-B340-DD6E18CA9DF5}" type="presParOf" srcId="{4BA42AF2-CF01-43D5-9AE0-25103083669D}" destId="{8939E29D-2475-425F-86E9-5318ADAA8748}" srcOrd="2" destOrd="0" presId="urn:microsoft.com/office/officeart/2005/8/layout/hProcess6"/>
-    <dgm:cxn modelId="{A7895EF7-A761-4ACF-959A-8F027DFB9BC2}" type="presParOf" srcId="{8939E29D-2475-425F-86E9-5318ADAA8748}" destId="{3F70545B-6918-4D6A-831A-6323B2D33DC5}" srcOrd="0" destOrd="0" presId="urn:microsoft.com/office/officeart/2005/8/layout/hProcess6"/>
-    <dgm:cxn modelId="{AFF034A6-9010-4B55-855F-F65A5ED462A8}" type="presParOf" srcId="{8939E29D-2475-425F-86E9-5318ADAA8748}" destId="{17F9AD2E-AD32-4873-9F29-EFEBD4C95FBC}" srcOrd="1" destOrd="0" presId="urn:microsoft.com/office/officeart/2005/8/layout/hProcess6"/>
-    <dgm:cxn modelId="{EFA136D6-6175-4F49-84ED-3300782E3546}" type="presParOf" srcId="{8939E29D-2475-425F-86E9-5318ADAA8748}" destId="{41822B57-2813-4FFE-9306-BC5799585335}" srcOrd="2" destOrd="0" presId="urn:microsoft.com/office/officeart/2005/8/layout/hProcess6"/>
-    <dgm:cxn modelId="{15C51F17-645F-4171-BF23-3D12F00CD2B5}" type="presParOf" srcId="{8939E29D-2475-425F-86E9-5318ADAA8748}" destId="{3005D046-1213-40D6-993D-3407A919A10D}" srcOrd="3" destOrd="0" presId="urn:microsoft.com/office/officeart/2005/8/layout/hProcess6"/>
-    <dgm:cxn modelId="{49632EDA-B84A-4A5D-9637-0A69571103AF}" type="presParOf" srcId="{4BA42AF2-CF01-43D5-9AE0-25103083669D}" destId="{6763B65E-630D-45E9-9564-63900E700DED}" srcOrd="3" destOrd="0" presId="urn:microsoft.com/office/officeart/2005/8/layout/hProcess6"/>
-    <dgm:cxn modelId="{ABDE83E9-970F-46FC-BA2C-52DFFF039413}" type="presParOf" srcId="{4BA42AF2-CF01-43D5-9AE0-25103083669D}" destId="{872334A1-B01E-4345-867C-1AD52E0DD0AB}" srcOrd="4" destOrd="0" presId="urn:microsoft.com/office/officeart/2005/8/layout/hProcess6"/>
-    <dgm:cxn modelId="{EE4B1365-D6D9-4F85-9499-B60CA1E89245}" type="presParOf" srcId="{872334A1-B01E-4345-867C-1AD52E0DD0AB}" destId="{89DB04FD-70C1-4F3E-BA23-496CE39B6011}" srcOrd="0" destOrd="0" presId="urn:microsoft.com/office/officeart/2005/8/layout/hProcess6"/>
-    <dgm:cxn modelId="{37CB1090-446E-4EE7-972B-EE4458F1CDE0}" type="presParOf" srcId="{872334A1-B01E-4345-867C-1AD52E0DD0AB}" destId="{14B628ED-21E4-4AC6-BB86-590C75108927}" srcOrd="1" destOrd="0" presId="urn:microsoft.com/office/officeart/2005/8/layout/hProcess6"/>
-    <dgm:cxn modelId="{32C98249-2CB4-4977-A1A0-051CB156939A}" type="presParOf" srcId="{872334A1-B01E-4345-867C-1AD52E0DD0AB}" destId="{DB078B84-76EE-4A1B-AACE-0DBECB35A030}" srcOrd="2" destOrd="0" presId="urn:microsoft.com/office/officeart/2005/8/layout/hProcess6"/>
-    <dgm:cxn modelId="{126A94DF-DCB0-4D11-8F9C-D177F02C28DF}" type="presParOf" srcId="{872334A1-B01E-4345-867C-1AD52E0DD0AB}" destId="{26ABABF7-1CEB-4A89-B1CF-B989ADE85DDD}" srcOrd="3" destOrd="0" presId="urn:microsoft.com/office/officeart/2005/8/layout/hProcess6"/>
-  </dgm:cxnLst>
-  <dgm:bg/>
-  <dgm:whole/>
-  <dgm:extLst>
-    <a:ext uri="http://schemas.microsoft.com/office/drawing/2008/diagram">
-      <dsp:dataModelExt xmlns:dsp="http://schemas.microsoft.com/office/drawing/2008/diagram" relId="rId7" minVer="http://schemas.openxmlformats.org/drawingml/2006/diagram"/>
-    </a:ext>
-  </dgm:extLst>
-</dgm:dataModel>
-</file>
-
-<file path=ppt/diagrams/data8.xml><?xml version="1.0" encoding="utf-8"?>
 <dgm:dataModel xmlns:dgm="http://schemas.openxmlformats.org/drawingml/2006/diagram" xmlns:a="http://schemas.openxmlformats.org/drawingml/2006/main">
   <dgm:ptLst>
     <dgm:pt modelId="{28B1549E-3546-47FE-BD63-090FD78DFBC2}" type="doc">
@@ -10375,7 +9196,11 @@
         <a:lstStyle/>
         <a:p>
           <a:r>
-            <a:rPr lang="en-US" dirty="0"/>
+            <a:rPr lang="en-US" dirty="0">
+              <a:solidFill>
+                <a:schemeClr val="accent1"/>
+              </a:solidFill>
+            </a:rPr>
             <a:t>Node</a:t>
           </a:r>
         </a:p>
@@ -10706,8 +9531,8 @@
     <dgm:cxn modelId="{F421553A-6ED4-42F5-8415-9E8184ABBC38}" type="presOf" srcId="{A7FA1EFD-06E4-4B50-B61C-188BC2EF8724}" destId="{1751A6E1-37FE-455D-B0B7-542E37B3D57B}" srcOrd="0" destOrd="0" presId="urn:microsoft.com/office/officeart/2005/8/layout/orgChart1"/>
     <dgm:cxn modelId="{A4073388-61D4-4667-8ECC-DFC6C0824D9B}" type="presOf" srcId="{9EC142FF-CA8E-4760-A0D5-4CCFC2A4B6E6}" destId="{50914011-4B81-4F19-9CD1-256DF84031EF}" srcOrd="0" destOrd="0" presId="urn:microsoft.com/office/officeart/2005/8/layout/orgChart1"/>
     <dgm:cxn modelId="{43007450-2E1B-4262-BF2F-AA0A9931B984}" type="presOf" srcId="{D813352F-01D1-481A-9A02-980BA7E6CD3B}" destId="{F9814A54-9B03-4B83-BA82-BC0A883318B8}" srcOrd="1" destOrd="0" presId="urn:microsoft.com/office/officeart/2005/8/layout/orgChart1"/>
+    <dgm:cxn modelId="{A8676DFC-4837-4EA4-B404-1548AB8C62A4}" type="presOf" srcId="{D93C49F0-5742-4ABD-91FD-9B609136D71C}" destId="{374C2056-CF4E-4B17-B073-0E1BDD4C8DC5}" srcOrd="1" destOrd="0" presId="urn:microsoft.com/office/officeart/2005/8/layout/orgChart1"/>
     <dgm:cxn modelId="{48F48992-799E-4804-BDF6-5E399D2610A6}" srcId="{633E2B12-D814-49FC-A04A-406D06EF8FF8}" destId="{D813352F-01D1-481A-9A02-980BA7E6CD3B}" srcOrd="1" destOrd="0" parTransId="{0233B7A2-70BB-479A-B109-198EC76B94E8}" sibTransId="{E69A91FD-D3DE-4D15-A15D-B569F242C059}"/>
-    <dgm:cxn modelId="{A8676DFC-4837-4EA4-B404-1548AB8C62A4}" type="presOf" srcId="{D93C49F0-5742-4ABD-91FD-9B609136D71C}" destId="{374C2056-CF4E-4B17-B073-0E1BDD4C8DC5}" srcOrd="1" destOrd="0" presId="urn:microsoft.com/office/officeart/2005/8/layout/orgChart1"/>
     <dgm:cxn modelId="{DBEEA940-A67A-447D-AC5B-14F167C6133C}" type="presOf" srcId="{774C59C7-E738-409A-B9AB-919891994F3B}" destId="{51120241-F399-4005-B2CE-8E9E58CF30A9}" srcOrd="0" destOrd="0" presId="urn:microsoft.com/office/officeart/2005/8/layout/orgChart1"/>
     <dgm:cxn modelId="{1B18AAAC-B523-4486-988A-A331BD970ED9}" type="presOf" srcId="{EA5638EA-EAD3-4645-A9B2-603E1F1B4DD5}" destId="{ABECBCFC-7D7C-43B3-8A70-D5A6385A2A42}" srcOrd="0" destOrd="0" presId="urn:microsoft.com/office/officeart/2005/8/layout/orgChart1"/>
     <dgm:cxn modelId="{DD60D280-26E4-4629-AE48-DAC81F5C7ABC}" srcId="{633E2B12-D814-49FC-A04A-406D06EF8FF8}" destId="{774C59C7-E738-409A-B9AB-919891994F3B}" srcOrd="2" destOrd="0" parTransId="{289F6346-45D7-4B9E-AF59-978D233D4E81}" sibTransId="{62CA1A5E-305C-443E-9368-70A1041AEDB0}"/>
@@ -10767,7 +9592,7 @@
 </dgm:dataModel>
 </file>
 
-<file path=ppt/diagrams/data9.xml><?xml version="1.0" encoding="utf-8"?>
+<file path=ppt/diagrams/data8.xml><?xml version="1.0" encoding="utf-8"?>
 <dgm:dataModel xmlns:dgm="http://schemas.openxmlformats.org/drawingml/2006/diagram" xmlns:a="http://schemas.openxmlformats.org/drawingml/2006/main">
   <dgm:ptLst>
     <dgm:pt modelId="{7AFF2EB7-C58D-4554-AA0B-B396070DBDC6}" type="doc">
@@ -11081,8 +9906,8 @@
   </dgm:ptLst>
   <dgm:cxnLst>
     <dgm:cxn modelId="{A56A21EA-B352-4C6E-8969-0CBA5F2C8723}" srcId="{EB14E3D6-1D6E-4974-A4A2-0B0D501598B9}" destId="{8FF62024-CBFA-4621-BFEB-20A32506277B}" srcOrd="0" destOrd="0" parTransId="{991F46DC-97A5-4756-B759-F7D8C5AB683F}" sibTransId="{5A6222F3-3A16-472B-8990-14236ABC22C4}"/>
+    <dgm:cxn modelId="{F4720071-0E1D-4ED7-A2E7-090A9B820D4D}" type="presOf" srcId="{991F46DC-97A5-4756-B759-F7D8C5AB683F}" destId="{94694679-51D4-426F-BB20-08CEE1DD2E3A}" srcOrd="0" destOrd="0" presId="urn:microsoft.com/office/officeart/2005/8/layout/orgChart1"/>
     <dgm:cxn modelId="{675B6F43-F616-475B-8CFD-9DCE429789FE}" srcId="{EB14E3D6-1D6E-4974-A4A2-0B0D501598B9}" destId="{5C4CCCD5-EEDC-4A29-9D72-7CC95001D2BD}" srcOrd="1" destOrd="0" parTransId="{531D5A78-F6B9-4654-B41C-BEC6F0C662D4}" sibTransId="{B087C186-FE15-4358-83EB-94AB788AD558}"/>
-    <dgm:cxn modelId="{F4720071-0E1D-4ED7-A2E7-090A9B820D4D}" type="presOf" srcId="{991F46DC-97A5-4756-B759-F7D8C5AB683F}" destId="{94694679-51D4-426F-BB20-08CEE1DD2E3A}" srcOrd="0" destOrd="0" presId="urn:microsoft.com/office/officeart/2005/8/layout/orgChart1"/>
     <dgm:cxn modelId="{04C529E4-3479-47AC-A510-99CA106BE66F}" srcId="{EB14E3D6-1D6E-4974-A4A2-0B0D501598B9}" destId="{4EB5D9F1-C378-4F07-AC88-23D445A05395}" srcOrd="2" destOrd="0" parTransId="{0D8A7912-6F0D-4082-9287-A04DB140563D}" sibTransId="{3B7144F8-4F91-4DE4-A47A-1EAB6EFECDC0}"/>
     <dgm:cxn modelId="{0967D59F-6C78-49AC-BA2B-353E7E86C8C5}" type="presOf" srcId="{EB14E3D6-1D6E-4974-A4A2-0B0D501598B9}" destId="{3CE276B0-B631-4CB9-BE29-E10F0D5A2261}" srcOrd="1" destOrd="0" presId="urn:microsoft.com/office/officeart/2005/8/layout/orgChart1"/>
     <dgm:cxn modelId="{FC6788D6-9133-4C21-BF19-2B1E115F8BCF}" type="presOf" srcId="{4EB5D9F1-C378-4F07-AC88-23D445A05395}" destId="{2EB8220E-041B-4FA1-B60B-E83DDFCE4E0F}" srcOrd="1" destOrd="0" presId="urn:microsoft.com/office/officeart/2005/8/layout/orgChart1"/>
@@ -11779,8 +10604,8 @@
       </dsp:nvSpPr>
       <dsp:spPr>
         <a:xfrm>
-          <a:off x="2218530" y="756923"/>
-          <a:ext cx="158751" cy="695482"/>
+          <a:off x="2210084" y="716988"/>
+          <a:ext cx="150527" cy="659455"/>
         </a:xfrm>
         <a:custGeom>
           <a:avLst/>
@@ -11791,13 +10616,13 @@
           <a:pathLst>
             <a:path>
               <a:moveTo>
-                <a:pt x="158751" y="0"/>
+                <a:pt x="150527" y="0"/>
               </a:moveTo>
               <a:lnTo>
-                <a:pt x="158751" y="695482"/>
+                <a:pt x="150527" y="659455"/>
               </a:lnTo>
               <a:lnTo>
-                <a:pt x="0" y="695482"/>
+                <a:pt x="0" y="659455"/>
               </a:lnTo>
             </a:path>
           </a:pathLst>
@@ -11837,8 +10662,8 @@
       </dsp:nvSpPr>
       <dsp:spPr>
         <a:xfrm>
-          <a:off x="2377281" y="756923"/>
-          <a:ext cx="914710" cy="1390965"/>
+          <a:off x="2360612" y="716988"/>
+          <a:ext cx="867327" cy="1318911"/>
         </a:xfrm>
         <a:custGeom>
           <a:avLst/>
@@ -11852,13 +10677,13 @@
                 <a:pt x="0" y="0"/>
               </a:moveTo>
               <a:lnTo>
-                <a:pt x="0" y="1232213"/>
+                <a:pt x="0" y="1168383"/>
               </a:lnTo>
               <a:lnTo>
-                <a:pt x="914710" y="1232213"/>
+                <a:pt x="867327" y="1168383"/>
               </a:lnTo>
               <a:lnTo>
-                <a:pt x="914710" y="1390965"/>
+                <a:pt x="867327" y="1318911"/>
               </a:lnTo>
             </a:path>
           </a:pathLst>
@@ -11898,8 +10723,8 @@
       </dsp:nvSpPr>
       <dsp:spPr>
         <a:xfrm>
-          <a:off x="857803" y="2903848"/>
-          <a:ext cx="226787" cy="695482"/>
+          <a:off x="919844" y="2752700"/>
+          <a:ext cx="215039" cy="659455"/>
         </a:xfrm>
         <a:custGeom>
           <a:avLst/>
@@ -11913,10 +10738,10 @@
                 <a:pt x="0" y="0"/>
               </a:moveTo>
               <a:lnTo>
-                <a:pt x="0" y="695482"/>
+                <a:pt x="0" y="659455"/>
               </a:lnTo>
               <a:lnTo>
-                <a:pt x="226787" y="695482"/>
+                <a:pt x="215039" y="659455"/>
               </a:lnTo>
             </a:path>
           </a:pathLst>
@@ -11956,8 +10781,8 @@
       </dsp:nvSpPr>
       <dsp:spPr>
         <a:xfrm>
-          <a:off x="1462570" y="756923"/>
-          <a:ext cx="914710" cy="1390965"/>
+          <a:off x="1493284" y="716988"/>
+          <a:ext cx="867327" cy="1318911"/>
         </a:xfrm>
         <a:custGeom>
           <a:avLst/>
@@ -11968,16 +10793,16 @@
           <a:pathLst>
             <a:path>
               <a:moveTo>
-                <a:pt x="914710" y="0"/>
+                <a:pt x="867327" y="0"/>
               </a:moveTo>
               <a:lnTo>
-                <a:pt x="914710" y="1232213"/>
+                <a:pt x="867327" y="1168383"/>
               </a:lnTo>
               <a:lnTo>
-                <a:pt x="0" y="1232213"/>
+                <a:pt x="0" y="1168383"/>
               </a:lnTo>
               <a:lnTo>
-                <a:pt x="0" y="1390965"/>
+                <a:pt x="0" y="1318911"/>
               </a:lnTo>
             </a:path>
           </a:pathLst>
@@ -12017,8 +10842,8 @@
       </dsp:nvSpPr>
       <dsp:spPr>
         <a:xfrm>
-          <a:off x="1621322" y="964"/>
-          <a:ext cx="1511918" cy="755959"/>
+          <a:off x="1643812" y="189"/>
+          <a:ext cx="1433599" cy="716799"/>
         </a:xfrm>
         <a:prstGeom prst="rect">
           <a:avLst/>
@@ -12060,12 +10885,12 @@
         </a:fontRef>
       </dsp:style>
       <dsp:txBody>
-        <a:bodyPr spcFirstLastPara="0" vert="horz" wrap="square" lIns="28575" tIns="28575" rIns="28575" bIns="28575" numCol="1" spcCol="1270" anchor="ctr" anchorCtr="0">
+        <a:bodyPr spcFirstLastPara="0" vert="horz" wrap="square" lIns="27305" tIns="27305" rIns="27305" bIns="27305" numCol="1" spcCol="1270" anchor="ctr" anchorCtr="0">
           <a:noAutofit/>
         </a:bodyPr>
         <a:lstStyle/>
         <a:p>
-          <a:pPr marL="0" lvl="0" indent="0" algn="ctr" defTabSz="2000250">
+          <a:pPr marL="0" lvl="0" indent="0" algn="ctr" defTabSz="1911350">
             <a:lnSpc>
               <a:spcPct val="90000"/>
             </a:lnSpc>
@@ -12078,14 +10903,14 @@
             <a:buNone/>
           </a:pPr>
           <a:r>
-            <a:rPr lang="en-US" sz="4500" kern="1200" dirty="0"/>
+            <a:rPr lang="en-US" sz="4300" kern="1200" dirty="0"/>
             <a:t>Node</a:t>
           </a:r>
         </a:p>
       </dsp:txBody>
       <dsp:txXfrm>
-        <a:off x="1621322" y="964"/>
-        <a:ext cx="1511918" cy="755959"/>
+        <a:off x="1643812" y="189"/>
+        <a:ext cx="1433599" cy="716799"/>
       </dsp:txXfrm>
     </dsp:sp>
     <dsp:sp modelId="{A4953C07-EB00-49D2-96D0-34F5C40D0408}">
@@ -12095,8 +10920,8 @@
       </dsp:nvSpPr>
       <dsp:spPr>
         <a:xfrm>
-          <a:off x="706611" y="2147888"/>
-          <a:ext cx="1511918" cy="755959"/>
+          <a:off x="776485" y="2035900"/>
+          <a:ext cx="1433599" cy="716799"/>
         </a:xfrm>
         <a:prstGeom prst="rect">
           <a:avLst/>
@@ -12138,12 +10963,12 @@
         </a:fontRef>
       </dsp:style>
       <dsp:txBody>
-        <a:bodyPr spcFirstLastPara="0" vert="horz" wrap="square" lIns="28575" tIns="28575" rIns="28575" bIns="28575" numCol="1" spcCol="1270" anchor="ctr" anchorCtr="0">
+        <a:bodyPr spcFirstLastPara="0" vert="horz" wrap="square" lIns="27305" tIns="27305" rIns="27305" bIns="27305" numCol="1" spcCol="1270" anchor="ctr" anchorCtr="0">
           <a:noAutofit/>
         </a:bodyPr>
         <a:lstStyle/>
         <a:p>
-          <a:pPr marL="0" lvl="0" indent="0" algn="ctr" defTabSz="2000250">
+          <a:pPr marL="0" lvl="0" indent="0" algn="ctr" defTabSz="1911350">
             <a:lnSpc>
               <a:spcPct val="90000"/>
             </a:lnSpc>
@@ -12156,14 +10981,14 @@
             <a:buNone/>
           </a:pPr>
           <a:r>
-            <a:rPr lang="en-US" sz="4500" kern="1200" dirty="0"/>
+            <a:rPr lang="en-US" sz="4300" kern="1200" dirty="0"/>
             <a:t>Node</a:t>
           </a:r>
         </a:p>
       </dsp:txBody>
       <dsp:txXfrm>
-        <a:off x="706611" y="2147888"/>
-        <a:ext cx="1511918" cy="755959"/>
+        <a:off x="776485" y="2035900"/>
+        <a:ext cx="1433599" cy="716799"/>
       </dsp:txXfrm>
     </dsp:sp>
     <dsp:sp modelId="{AFE46486-2A9D-40F4-96A4-D00F57484C98}">
@@ -12173,8 +10998,8 @@
       </dsp:nvSpPr>
       <dsp:spPr>
         <a:xfrm>
-          <a:off x="1084591" y="3221351"/>
-          <a:ext cx="1511918" cy="755959"/>
+          <a:off x="1134884" y="3053756"/>
+          <a:ext cx="1433599" cy="716799"/>
         </a:xfrm>
         <a:prstGeom prst="rect">
           <a:avLst/>
@@ -12216,12 +11041,12 @@
         </a:fontRef>
       </dsp:style>
       <dsp:txBody>
-        <a:bodyPr spcFirstLastPara="0" vert="horz" wrap="square" lIns="28575" tIns="28575" rIns="28575" bIns="28575" numCol="1" spcCol="1270" anchor="ctr" anchorCtr="0">
+        <a:bodyPr spcFirstLastPara="0" vert="horz" wrap="square" lIns="27305" tIns="27305" rIns="27305" bIns="27305" numCol="1" spcCol="1270" anchor="ctr" anchorCtr="0">
           <a:noAutofit/>
         </a:bodyPr>
         <a:lstStyle/>
         <a:p>
-          <a:pPr marL="0" lvl="0" indent="0" algn="ctr" defTabSz="2000250">
+          <a:pPr marL="0" lvl="0" indent="0" algn="ctr" defTabSz="1911350">
             <a:lnSpc>
               <a:spcPct val="90000"/>
             </a:lnSpc>
@@ -12234,14 +11059,14 @@
             <a:buNone/>
           </a:pPr>
           <a:r>
-            <a:rPr lang="en-US" sz="4500" kern="1200" dirty="0"/>
+            <a:rPr lang="en-US" sz="4300" kern="1200" dirty="0"/>
             <a:t>Node</a:t>
           </a:r>
         </a:p>
       </dsp:txBody>
       <dsp:txXfrm>
-        <a:off x="1084591" y="3221351"/>
-        <a:ext cx="1511918" cy="755959"/>
+        <a:off x="1134884" y="3053756"/>
+        <a:ext cx="1433599" cy="716799"/>
       </dsp:txXfrm>
     </dsp:sp>
     <dsp:sp modelId="{0624B46F-0C4F-4AE4-B3E4-5E98BCEFD94A}">
@@ -12251,8 +11076,8 @@
       </dsp:nvSpPr>
       <dsp:spPr>
         <a:xfrm>
-          <a:off x="2536032" y="2147888"/>
-          <a:ext cx="1511918" cy="755959"/>
+          <a:off x="2511140" y="2035900"/>
+          <a:ext cx="1433599" cy="716799"/>
         </a:xfrm>
         <a:prstGeom prst="rect">
           <a:avLst/>
@@ -12294,12 +11119,12 @@
         </a:fontRef>
       </dsp:style>
       <dsp:txBody>
-        <a:bodyPr spcFirstLastPara="0" vert="horz" wrap="square" lIns="28575" tIns="28575" rIns="28575" bIns="28575" numCol="1" spcCol="1270" anchor="ctr" anchorCtr="0">
+        <a:bodyPr spcFirstLastPara="0" vert="horz" wrap="square" lIns="27305" tIns="27305" rIns="27305" bIns="27305" numCol="1" spcCol="1270" anchor="ctr" anchorCtr="0">
           <a:noAutofit/>
         </a:bodyPr>
         <a:lstStyle/>
         <a:p>
-          <a:pPr marL="0" lvl="0" indent="0" algn="ctr" defTabSz="2000250">
+          <a:pPr marL="0" lvl="0" indent="0" algn="ctr" defTabSz="1911350">
             <a:lnSpc>
               <a:spcPct val="90000"/>
             </a:lnSpc>
@@ -12312,14 +11137,14 @@
             <a:buNone/>
           </a:pPr>
           <a:r>
-            <a:rPr lang="en-US" sz="4500" kern="1200" dirty="0"/>
+            <a:rPr lang="en-US" sz="4300" kern="1200" dirty="0"/>
             <a:t>Node</a:t>
           </a:r>
         </a:p>
       </dsp:txBody>
       <dsp:txXfrm>
-        <a:off x="2536032" y="2147888"/>
-        <a:ext cx="1511918" cy="755959"/>
+        <a:off x="2511140" y="2035900"/>
+        <a:ext cx="1433599" cy="716799"/>
       </dsp:txXfrm>
     </dsp:sp>
     <dsp:sp modelId="{F5992E90-5C3E-4645-BF26-84CFD7FA0366}">
@@ -12329,8 +11154,8 @@
       </dsp:nvSpPr>
       <dsp:spPr>
         <a:xfrm>
-          <a:off x="706611" y="1074426"/>
-          <a:ext cx="1511918" cy="755959"/>
+          <a:off x="776485" y="1018044"/>
+          <a:ext cx="1433599" cy="716799"/>
         </a:xfrm>
         <a:prstGeom prst="rect">
           <a:avLst/>
@@ -12372,12 +11197,12 @@
         </a:fontRef>
       </dsp:style>
       <dsp:txBody>
-        <a:bodyPr spcFirstLastPara="0" vert="horz" wrap="square" lIns="28575" tIns="28575" rIns="28575" bIns="28575" numCol="1" spcCol="1270" anchor="ctr" anchorCtr="0">
+        <a:bodyPr spcFirstLastPara="0" vert="horz" wrap="square" lIns="27305" tIns="27305" rIns="27305" bIns="27305" numCol="1" spcCol="1270" anchor="ctr" anchorCtr="0">
           <a:noAutofit/>
         </a:bodyPr>
         <a:lstStyle/>
         <a:p>
-          <a:pPr marL="0" lvl="0" indent="0" algn="ctr" defTabSz="2000250">
+          <a:pPr marL="0" lvl="0" indent="0" algn="ctr" defTabSz="1911350">
             <a:lnSpc>
               <a:spcPct val="90000"/>
             </a:lnSpc>
@@ -12390,14 +11215,14 @@
             <a:buNone/>
           </a:pPr>
           <a:r>
-            <a:rPr lang="en-US" sz="4500" kern="1200" dirty="0"/>
+            <a:rPr lang="en-US" sz="4300" kern="1200" dirty="0"/>
             <a:t>Node</a:t>
           </a:r>
         </a:p>
       </dsp:txBody>
       <dsp:txXfrm>
-        <a:off x="706611" y="1074426"/>
-        <a:ext cx="1511918" cy="755959"/>
+        <a:off x="776485" y="1018044"/>
+        <a:ext cx="1433599" cy="716799"/>
       </dsp:txXfrm>
     </dsp:sp>
   </dsp:spTree>
@@ -12419,8 +11244,8 @@
       </dsp:nvSpPr>
       <dsp:spPr>
         <a:xfrm>
-          <a:off x="1612281" y="1748"/>
-          <a:ext cx="1530000" cy="764380"/>
+          <a:off x="1668747" y="1624"/>
+          <a:ext cx="1417500" cy="710308"/>
         </a:xfrm>
         <a:prstGeom prst="rect">
           <a:avLst/>
@@ -12462,12 +11287,12 @@
         </a:fontRef>
       </dsp:style>
       <dsp:txBody>
-        <a:bodyPr spcFirstLastPara="0" vert="horz" wrap="square" lIns="104140" tIns="104140" rIns="104140" bIns="104140" numCol="1" spcCol="1270" anchor="ctr" anchorCtr="0">
+        <a:bodyPr spcFirstLastPara="0" vert="horz" wrap="square" lIns="96520" tIns="96520" rIns="96520" bIns="96520" numCol="1" spcCol="1270" anchor="ctr" anchorCtr="0">
           <a:noAutofit/>
         </a:bodyPr>
         <a:lstStyle/>
         <a:p>
-          <a:pPr marL="0" lvl="0" indent="0" algn="ctr" defTabSz="1822450">
+          <a:pPr marL="0" lvl="0" indent="0" algn="ctr" defTabSz="1689100">
             <a:lnSpc>
               <a:spcPct val="90000"/>
             </a:lnSpc>
@@ -12480,14 +11305,14 @@
             <a:buNone/>
           </a:pPr>
           <a:r>
-            <a:rPr lang="en-US" sz="4100" kern="1200" dirty="0"/>
+            <a:rPr lang="en-US" sz="3800" kern="1200" dirty="0"/>
             <a:t>Node</a:t>
           </a:r>
         </a:p>
       </dsp:txBody>
       <dsp:txXfrm>
-        <a:off x="1612281" y="1748"/>
-        <a:ext cx="1530000" cy="764380"/>
+        <a:off x="1668747" y="1624"/>
+        <a:ext cx="1417500" cy="710308"/>
       </dsp:txXfrm>
     </dsp:sp>
     <dsp:sp modelId="{4F3B6E92-B991-456F-8299-E70C572B215A}">
@@ -12497,8 +11322,8 @@
       </dsp:nvSpPr>
       <dsp:spPr>
         <a:xfrm>
-          <a:off x="1612281" y="804347"/>
-          <a:ext cx="1530000" cy="764380"/>
+          <a:off x="1668747" y="747448"/>
+          <a:ext cx="1417500" cy="710308"/>
         </a:xfrm>
         <a:prstGeom prst="rect">
           <a:avLst/>
@@ -12540,12 +11365,12 @@
         </a:fontRef>
       </dsp:style>
       <dsp:txBody>
-        <a:bodyPr spcFirstLastPara="0" vert="horz" wrap="square" lIns="104140" tIns="104140" rIns="104140" bIns="104140" numCol="1" spcCol="1270" anchor="ctr" anchorCtr="0">
+        <a:bodyPr spcFirstLastPara="0" vert="horz" wrap="square" lIns="96520" tIns="96520" rIns="96520" bIns="96520" numCol="1" spcCol="1270" anchor="ctr" anchorCtr="0">
           <a:noAutofit/>
         </a:bodyPr>
         <a:lstStyle/>
         <a:p>
-          <a:pPr marL="0" lvl="0" indent="0" algn="ctr" defTabSz="1822450">
+          <a:pPr marL="0" lvl="0" indent="0" algn="ctr" defTabSz="1689100">
             <a:lnSpc>
               <a:spcPct val="90000"/>
             </a:lnSpc>
@@ -12558,14 +11383,14 @@
             <a:buNone/>
           </a:pPr>
           <a:r>
-            <a:rPr lang="en-US" sz="4100" kern="1200" dirty="0"/>
+            <a:rPr lang="en-US" sz="3800" kern="1200" dirty="0"/>
             <a:t>Node</a:t>
           </a:r>
         </a:p>
       </dsp:txBody>
       <dsp:txXfrm>
-        <a:off x="1612281" y="804347"/>
-        <a:ext cx="1530000" cy="764380"/>
+        <a:off x="1668747" y="747448"/>
+        <a:ext cx="1417500" cy="710308"/>
       </dsp:txXfrm>
     </dsp:sp>
     <dsp:sp modelId="{B3AEB8F3-7A50-4C69-994A-966CD1BC0C61}">
@@ -12575,8 +11400,8 @@
       </dsp:nvSpPr>
       <dsp:spPr>
         <a:xfrm>
-          <a:off x="1612281" y="1606947"/>
-          <a:ext cx="1530000" cy="764380"/>
+          <a:off x="1668747" y="1493273"/>
+          <a:ext cx="1417500" cy="710308"/>
         </a:xfrm>
         <a:prstGeom prst="rect">
           <a:avLst/>
@@ -12618,12 +11443,12 @@
         </a:fontRef>
       </dsp:style>
       <dsp:txBody>
-        <a:bodyPr spcFirstLastPara="0" vert="horz" wrap="square" lIns="104140" tIns="104140" rIns="104140" bIns="104140" numCol="1" spcCol="1270" anchor="ctr" anchorCtr="0">
+        <a:bodyPr spcFirstLastPara="0" vert="horz" wrap="square" lIns="96520" tIns="96520" rIns="96520" bIns="96520" numCol="1" spcCol="1270" anchor="ctr" anchorCtr="0">
           <a:noAutofit/>
         </a:bodyPr>
         <a:lstStyle/>
         <a:p>
-          <a:pPr marL="0" lvl="0" indent="0" algn="ctr" defTabSz="1822450">
+          <a:pPr marL="0" lvl="0" indent="0" algn="ctr" defTabSz="1689100">
             <a:lnSpc>
               <a:spcPct val="90000"/>
             </a:lnSpc>
@@ -12636,14 +11461,14 @@
             <a:buNone/>
           </a:pPr>
           <a:r>
-            <a:rPr lang="en-US" sz="4100" kern="1200" dirty="0"/>
+            <a:rPr lang="en-US" sz="3800" kern="1200" dirty="0"/>
             <a:t>Node</a:t>
           </a:r>
         </a:p>
       </dsp:txBody>
       <dsp:txXfrm>
-        <a:off x="1612281" y="1606947"/>
-        <a:ext cx="1530000" cy="764380"/>
+        <a:off x="1668747" y="1493273"/>
+        <a:ext cx="1417500" cy="710308"/>
       </dsp:txXfrm>
     </dsp:sp>
     <dsp:sp modelId="{B5614BEC-C908-4AD4-B471-94AF6060825F}">
@@ -12653,8 +11478,8 @@
       </dsp:nvSpPr>
       <dsp:spPr>
         <a:xfrm>
-          <a:off x="1612281" y="2409546"/>
-          <a:ext cx="1530000" cy="764380"/>
+          <a:off x="1668747" y="2239097"/>
+          <a:ext cx="1417500" cy="710308"/>
         </a:xfrm>
         <a:prstGeom prst="rect">
           <a:avLst/>
@@ -12696,12 +11521,12 @@
         </a:fontRef>
       </dsp:style>
       <dsp:txBody>
-        <a:bodyPr spcFirstLastPara="0" vert="horz" wrap="square" lIns="104140" tIns="104140" rIns="104140" bIns="104140" numCol="1" spcCol="1270" anchor="ctr" anchorCtr="0">
+        <a:bodyPr spcFirstLastPara="0" vert="horz" wrap="square" lIns="96520" tIns="96520" rIns="96520" bIns="96520" numCol="1" spcCol="1270" anchor="ctr" anchorCtr="0">
           <a:noAutofit/>
         </a:bodyPr>
         <a:lstStyle/>
         <a:p>
-          <a:pPr marL="0" lvl="0" indent="0" algn="ctr" defTabSz="1822450">
+          <a:pPr marL="0" lvl="0" indent="0" algn="ctr" defTabSz="1689100">
             <a:lnSpc>
               <a:spcPct val="90000"/>
             </a:lnSpc>
@@ -12714,14 +11539,14 @@
             <a:buNone/>
           </a:pPr>
           <a:r>
-            <a:rPr lang="en-US" sz="4100" kern="1200" dirty="0"/>
+            <a:rPr lang="en-US" sz="3800" kern="1200" dirty="0"/>
             <a:t>Node</a:t>
           </a:r>
         </a:p>
       </dsp:txBody>
       <dsp:txXfrm>
-        <a:off x="1612281" y="2409546"/>
-        <a:ext cx="1530000" cy="764380"/>
+        <a:off x="1668747" y="2239097"/>
+        <a:ext cx="1417500" cy="710308"/>
       </dsp:txXfrm>
     </dsp:sp>
     <dsp:sp modelId="{0F0CD1E9-AA9E-4824-A94A-1E489C94583E}">
@@ -12731,8 +11556,8 @@
       </dsp:nvSpPr>
       <dsp:spPr>
         <a:xfrm>
-          <a:off x="1612281" y="3212146"/>
-          <a:ext cx="1530000" cy="764380"/>
+          <a:off x="1668747" y="2984921"/>
+          <a:ext cx="1417500" cy="710308"/>
         </a:xfrm>
         <a:prstGeom prst="rect">
           <a:avLst/>
@@ -12774,12 +11599,12 @@
         </a:fontRef>
       </dsp:style>
       <dsp:txBody>
-        <a:bodyPr spcFirstLastPara="0" vert="horz" wrap="square" lIns="104140" tIns="104140" rIns="104140" bIns="104140" numCol="1" spcCol="1270" anchor="ctr" anchorCtr="0">
+        <a:bodyPr spcFirstLastPara="0" vert="horz" wrap="square" lIns="96520" tIns="96520" rIns="96520" bIns="96520" numCol="1" spcCol="1270" anchor="ctr" anchorCtr="0">
           <a:noAutofit/>
         </a:bodyPr>
         <a:lstStyle/>
         <a:p>
-          <a:pPr marL="0" lvl="0" indent="0" algn="ctr" defTabSz="1822450">
+          <a:pPr marL="0" lvl="0" indent="0" algn="ctr" defTabSz="1689100">
             <a:lnSpc>
               <a:spcPct val="90000"/>
             </a:lnSpc>
@@ -12792,14 +11617,14 @@
             <a:buNone/>
           </a:pPr>
           <a:r>
-            <a:rPr lang="en-US" sz="4100" kern="1200" dirty="0"/>
+            <a:rPr lang="en-US" sz="3800" kern="1200" dirty="0"/>
             <a:t>Node</a:t>
           </a:r>
         </a:p>
       </dsp:txBody>
       <dsp:txXfrm>
-        <a:off x="1612281" y="3212146"/>
-        <a:ext cx="1530000" cy="764380"/>
+        <a:off x="1668747" y="2984921"/>
+        <a:ext cx="1417500" cy="710308"/>
       </dsp:txXfrm>
     </dsp:sp>
   </dsp:spTree>
@@ -15238,14 +14063,17 @@
             <a:t>[</a:t>
           </a:r>
           <a:r>
-            <a:rPr lang="en-US" sz="3400" kern="1200" dirty="0" err="1"/>
+            <a:rPr lang="en-US" sz="3400" kern="1200" dirty="0" err="1">
+              <a:solidFill>
+                <a:schemeClr val="accent1"/>
+              </a:solidFill>
+            </a:rPr>
             <a:t>Node,Node</a:t>
           </a:r>
           <a:r>
-            <a:rPr lang="en-US" sz="3400" kern="1200"/>
+            <a:rPr lang="en-US" sz="3400" kern="1200" dirty="0"/>
             <a:t>]</a:t>
           </a:r>
-          <a:endParaRPr lang="en-US" sz="3400" kern="1200" dirty="0"/>
         </a:p>
       </dsp:txBody>
       <dsp:txXfrm>
@@ -15343,495 +14171,6 @@
       <dsp:cNvGrpSpPr/>
     </dsp:nvGrpSpPr>
     <dsp:grpSpPr/>
-    <dsp:sp modelId="{6958BDCC-04EF-4CDD-B2CB-B6DFEFD1D0C7}">
-      <dsp:nvSpPr>
-        <dsp:cNvPr id="0" name=""/>
-        <dsp:cNvSpPr/>
-      </dsp:nvSpPr>
-      <dsp:spPr>
-        <a:xfrm>
-          <a:off x="653206" y="892266"/>
-          <a:ext cx="2593181" cy="2266766"/>
-        </a:xfrm>
-        <a:prstGeom prst="rightArrow">
-          <a:avLst>
-            <a:gd name="adj1" fmla="val 70000"/>
-            <a:gd name="adj2" fmla="val 50000"/>
-          </a:avLst>
-        </a:prstGeom>
-        <a:solidFill>
-          <a:schemeClr val="lt1">
-            <a:alpha val="90000"/>
-            <a:tint val="40000"/>
-            <a:hueOff val="0"/>
-            <a:satOff val="0"/>
-            <a:lumOff val="0"/>
-            <a:alphaOff val="0"/>
-          </a:schemeClr>
-        </a:solidFill>
-        <a:ln w="12700" cap="flat" cmpd="sng" algn="ctr">
-          <a:solidFill>
-            <a:schemeClr val="dk2">
-              <a:alpha val="90000"/>
-              <a:hueOff val="0"/>
-              <a:satOff val="0"/>
-              <a:lumOff val="0"/>
-              <a:alphaOff val="0"/>
-            </a:schemeClr>
-          </a:solidFill>
-          <a:prstDash val="solid"/>
-        </a:ln>
-        <a:effectLst/>
-      </dsp:spPr>
-      <dsp:style>
-        <a:lnRef idx="2">
-          <a:scrgbClr r="0" g="0" b="0"/>
-        </a:lnRef>
-        <a:fillRef idx="1">
-          <a:scrgbClr r="0" g="0" b="0"/>
-        </a:fillRef>
-        <a:effectRef idx="0">
-          <a:scrgbClr r="0" g="0" b="0"/>
-        </a:effectRef>
-        <a:fontRef idx="minor"/>
-      </dsp:style>
-      <dsp:txBody>
-        <a:bodyPr spcFirstLastPara="0" vert="horz" wrap="square" lIns="48260" tIns="12065" rIns="24130" bIns="12065" numCol="1" spcCol="1270" anchor="ctr" anchorCtr="0">
-          <a:noAutofit/>
-        </a:bodyPr>
-        <a:lstStyle/>
-        <a:p>
-          <a:pPr marL="0" lvl="0" indent="0" algn="ctr" defTabSz="844550">
-            <a:lnSpc>
-              <a:spcPct val="90000"/>
-            </a:lnSpc>
-            <a:spcBef>
-              <a:spcPct val="0"/>
-            </a:spcBef>
-            <a:spcAft>
-              <a:spcPct val="35000"/>
-            </a:spcAft>
-            <a:buNone/>
-          </a:pPr>
-          <a:r>
-            <a:rPr lang="en-US" sz="1900" kern="1200" dirty="0"/>
-            <a:t>With…</a:t>
-          </a:r>
-        </a:p>
-      </dsp:txBody>
-      <dsp:txXfrm>
-        <a:off x="1301501" y="1232281"/>
-        <a:ext cx="1264175" cy="1586736"/>
-      </dsp:txXfrm>
-    </dsp:sp>
-    <dsp:sp modelId="{87283C79-D516-4F19-967C-8612C57E59C3}">
-      <dsp:nvSpPr>
-        <dsp:cNvPr id="0" name=""/>
-        <dsp:cNvSpPr/>
-      </dsp:nvSpPr>
-      <dsp:spPr>
-        <a:xfrm>
-          <a:off x="4911" y="1377354"/>
-          <a:ext cx="1296590" cy="1296590"/>
-        </a:xfrm>
-        <a:prstGeom prst="ellipse">
-          <a:avLst/>
-        </a:prstGeom>
-        <a:solidFill>
-          <a:schemeClr val="lt1">
-            <a:hueOff val="0"/>
-            <a:satOff val="0"/>
-            <a:lumOff val="0"/>
-            <a:alphaOff val="0"/>
-          </a:schemeClr>
-        </a:solidFill>
-        <a:ln w="12700" cap="flat" cmpd="sng" algn="ctr">
-          <a:solidFill>
-            <a:schemeClr val="dk2">
-              <a:shade val="80000"/>
-              <a:hueOff val="0"/>
-              <a:satOff val="0"/>
-              <a:lumOff val="0"/>
-              <a:alphaOff val="0"/>
-            </a:schemeClr>
-          </a:solidFill>
-          <a:prstDash val="solid"/>
-        </a:ln>
-        <a:effectLst/>
-      </dsp:spPr>
-      <dsp:style>
-        <a:lnRef idx="2">
-          <a:scrgbClr r="0" g="0" b="0"/>
-        </a:lnRef>
-        <a:fillRef idx="1">
-          <a:scrgbClr r="0" g="0" b="0"/>
-        </a:fillRef>
-        <a:effectRef idx="0">
-          <a:scrgbClr r="0" g="0" b="0"/>
-        </a:effectRef>
-        <a:fontRef idx="minor">
-          <a:schemeClr val="lt1"/>
-        </a:fontRef>
-      </dsp:style>
-      <dsp:txBody>
-        <a:bodyPr spcFirstLastPara="0" vert="horz" wrap="square" lIns="8890" tIns="8890" rIns="8890" bIns="8890" numCol="1" spcCol="1270" anchor="ctr" anchorCtr="0">
-          <a:noAutofit/>
-        </a:bodyPr>
-        <a:lstStyle/>
-        <a:p>
-          <a:pPr marL="0" lvl="0" indent="0" algn="ctr" defTabSz="622300">
-            <a:lnSpc>
-              <a:spcPct val="90000"/>
-            </a:lnSpc>
-            <a:spcBef>
-              <a:spcPct val="0"/>
-            </a:spcBef>
-            <a:spcAft>
-              <a:spcPct val="35000"/>
-            </a:spcAft>
-            <a:buNone/>
-          </a:pPr>
-          <a:r>
-            <a:rPr lang="en-US" sz="1400" kern="1200" dirty="0"/>
-            <a:t>..Syntax[1]</a:t>
-          </a:r>
-        </a:p>
-      </dsp:txBody>
-      <dsp:txXfrm>
-        <a:off x="194792" y="1567235"/>
-        <a:ext cx="916828" cy="916828"/>
-      </dsp:txXfrm>
-    </dsp:sp>
-    <dsp:sp modelId="{17F9AD2E-AD32-4873-9F29-EFEBD4C95FBC}">
-      <dsp:nvSpPr>
-        <dsp:cNvPr id="0" name=""/>
-        <dsp:cNvSpPr/>
-      </dsp:nvSpPr>
-      <dsp:spPr>
-        <a:xfrm>
-          <a:off x="4056757" y="892266"/>
-          <a:ext cx="2593181" cy="2266766"/>
-        </a:xfrm>
-        <a:prstGeom prst="rightArrow">
-          <a:avLst>
-            <a:gd name="adj1" fmla="val 70000"/>
-            <a:gd name="adj2" fmla="val 50000"/>
-          </a:avLst>
-        </a:prstGeom>
-        <a:solidFill>
-          <a:schemeClr val="lt1">
-            <a:alpha val="90000"/>
-            <a:tint val="40000"/>
-            <a:hueOff val="0"/>
-            <a:satOff val="0"/>
-            <a:lumOff val="0"/>
-            <a:alphaOff val="0"/>
-          </a:schemeClr>
-        </a:solidFill>
-        <a:ln w="12700" cap="flat" cmpd="sng" algn="ctr">
-          <a:solidFill>
-            <a:schemeClr val="dk2">
-              <a:alpha val="90000"/>
-              <a:hueOff val="0"/>
-              <a:satOff val="0"/>
-              <a:lumOff val="0"/>
-              <a:alphaOff val="0"/>
-            </a:schemeClr>
-          </a:solidFill>
-          <a:prstDash val="solid"/>
-        </a:ln>
-        <a:effectLst/>
-      </dsp:spPr>
-      <dsp:style>
-        <a:lnRef idx="2">
-          <a:scrgbClr r="0" g="0" b="0"/>
-        </a:lnRef>
-        <a:fillRef idx="1">
-          <a:scrgbClr r="0" g="0" b="0"/>
-        </a:fillRef>
-        <a:effectRef idx="0">
-          <a:scrgbClr r="0" g="0" b="0"/>
-        </a:effectRef>
-        <a:fontRef idx="minor"/>
-      </dsp:style>
-      <dsp:txBody>
-        <a:bodyPr spcFirstLastPara="0" vert="horz" wrap="square" lIns="48260" tIns="12065" rIns="24130" bIns="12065" numCol="1" spcCol="1270" anchor="ctr" anchorCtr="0">
-          <a:noAutofit/>
-        </a:bodyPr>
-        <a:lstStyle/>
-        <a:p>
-          <a:pPr marL="0" lvl="0" indent="0" algn="ctr" defTabSz="844550">
-            <a:lnSpc>
-              <a:spcPct val="90000"/>
-            </a:lnSpc>
-            <a:spcBef>
-              <a:spcPct val="0"/>
-            </a:spcBef>
-            <a:spcAft>
-              <a:spcPct val="35000"/>
-            </a:spcAft>
-            <a:buNone/>
-          </a:pPr>
-          <a:r>
-            <a:rPr lang="en-US" sz="1900" kern="1200" dirty="0"/>
-            <a:t>Add…</a:t>
-          </a:r>
-        </a:p>
-      </dsp:txBody>
-      <dsp:txXfrm>
-        <a:off x="4705052" y="1232281"/>
-        <a:ext cx="1264175" cy="1586736"/>
-      </dsp:txXfrm>
-    </dsp:sp>
-    <dsp:sp modelId="{3005D046-1213-40D6-993D-3407A919A10D}">
-      <dsp:nvSpPr>
-        <dsp:cNvPr id="0" name=""/>
-        <dsp:cNvSpPr/>
-      </dsp:nvSpPr>
-      <dsp:spPr>
-        <a:xfrm>
-          <a:off x="3408461" y="1377354"/>
-          <a:ext cx="1296590" cy="1296590"/>
-        </a:xfrm>
-        <a:prstGeom prst="ellipse">
-          <a:avLst/>
-        </a:prstGeom>
-        <a:solidFill>
-          <a:schemeClr val="lt1">
-            <a:hueOff val="0"/>
-            <a:satOff val="0"/>
-            <a:lumOff val="0"/>
-            <a:alphaOff val="0"/>
-          </a:schemeClr>
-        </a:solidFill>
-        <a:ln w="12700" cap="flat" cmpd="sng" algn="ctr">
-          <a:solidFill>
-            <a:schemeClr val="dk2">
-              <a:shade val="80000"/>
-              <a:hueOff val="0"/>
-              <a:satOff val="0"/>
-              <a:lumOff val="0"/>
-              <a:alphaOff val="0"/>
-            </a:schemeClr>
-          </a:solidFill>
-          <a:prstDash val="solid"/>
-        </a:ln>
-        <a:effectLst/>
-      </dsp:spPr>
-      <dsp:style>
-        <a:lnRef idx="2">
-          <a:scrgbClr r="0" g="0" b="0"/>
-        </a:lnRef>
-        <a:fillRef idx="1">
-          <a:scrgbClr r="0" g="0" b="0"/>
-        </a:fillRef>
-        <a:effectRef idx="0">
-          <a:scrgbClr r="0" g="0" b="0"/>
-        </a:effectRef>
-        <a:fontRef idx="minor">
-          <a:schemeClr val="lt1"/>
-        </a:fontRef>
-      </dsp:style>
-      <dsp:txBody>
-        <a:bodyPr spcFirstLastPara="0" vert="horz" wrap="square" lIns="8890" tIns="8890" rIns="8890" bIns="8890" numCol="1" spcCol="1270" anchor="ctr" anchorCtr="0">
-          <a:noAutofit/>
-        </a:bodyPr>
-        <a:lstStyle/>
-        <a:p>
-          <a:pPr marL="0" lvl="0" indent="0" algn="ctr" defTabSz="622300">
-            <a:lnSpc>
-              <a:spcPct val="90000"/>
-            </a:lnSpc>
-            <a:spcBef>
-              <a:spcPct val="0"/>
-            </a:spcBef>
-            <a:spcAft>
-              <a:spcPct val="35000"/>
-            </a:spcAft>
-            <a:buNone/>
-          </a:pPr>
-          <a:r>
-            <a:rPr lang="en-US" sz="1400" kern="1200" dirty="0"/>
-            <a:t>..Syntax[2]</a:t>
-          </a:r>
-        </a:p>
-      </dsp:txBody>
-      <dsp:txXfrm>
-        <a:off x="3598342" y="1567235"/>
-        <a:ext cx="916828" cy="916828"/>
-      </dsp:txXfrm>
-    </dsp:sp>
-    <dsp:sp modelId="{14B628ED-21E4-4AC6-BB86-590C75108927}">
-      <dsp:nvSpPr>
-        <dsp:cNvPr id="0" name=""/>
-        <dsp:cNvSpPr/>
-      </dsp:nvSpPr>
-      <dsp:spPr>
-        <a:xfrm>
-          <a:off x="7460307" y="892266"/>
-          <a:ext cx="2593181" cy="2266766"/>
-        </a:xfrm>
-        <a:prstGeom prst="rightArrow">
-          <a:avLst>
-            <a:gd name="adj1" fmla="val 70000"/>
-            <a:gd name="adj2" fmla="val 50000"/>
-          </a:avLst>
-        </a:prstGeom>
-        <a:solidFill>
-          <a:schemeClr val="lt1">
-            <a:alpha val="90000"/>
-            <a:tint val="40000"/>
-            <a:hueOff val="0"/>
-            <a:satOff val="0"/>
-            <a:lumOff val="0"/>
-            <a:alphaOff val="0"/>
-          </a:schemeClr>
-        </a:solidFill>
-        <a:ln w="12700" cap="flat" cmpd="sng" algn="ctr">
-          <a:solidFill>
-            <a:schemeClr val="dk2">
-              <a:alpha val="90000"/>
-              <a:hueOff val="0"/>
-              <a:satOff val="0"/>
-              <a:lumOff val="0"/>
-              <a:alphaOff val="0"/>
-            </a:schemeClr>
-          </a:solidFill>
-          <a:prstDash val="solid"/>
-        </a:ln>
-        <a:effectLst/>
-      </dsp:spPr>
-      <dsp:style>
-        <a:lnRef idx="2">
-          <a:scrgbClr r="0" g="0" b="0"/>
-        </a:lnRef>
-        <a:fillRef idx="1">
-          <a:scrgbClr r="0" g="0" b="0"/>
-        </a:fillRef>
-        <a:effectRef idx="0">
-          <a:scrgbClr r="0" g="0" b="0"/>
-        </a:effectRef>
-        <a:fontRef idx="minor"/>
-      </dsp:style>
-      <dsp:txBody>
-        <a:bodyPr spcFirstLastPara="0" vert="horz" wrap="square" lIns="48260" tIns="12065" rIns="24130" bIns="12065" numCol="1" spcCol="1270" anchor="ctr" anchorCtr="0">
-          <a:noAutofit/>
-        </a:bodyPr>
-        <a:lstStyle/>
-        <a:p>
-          <a:pPr marL="0" lvl="0" indent="0" algn="ctr" defTabSz="844550">
-            <a:lnSpc>
-              <a:spcPct val="90000"/>
-            </a:lnSpc>
-            <a:spcBef>
-              <a:spcPct val="0"/>
-            </a:spcBef>
-            <a:spcAft>
-              <a:spcPct val="35000"/>
-            </a:spcAft>
-            <a:buNone/>
-          </a:pPr>
-          <a:r>
-            <a:rPr lang="en-US" sz="1900" kern="1200" dirty="0"/>
-            <a:t>Replace…</a:t>
-          </a:r>
-        </a:p>
-      </dsp:txBody>
-      <dsp:txXfrm>
-        <a:off x="8108602" y="1232281"/>
-        <a:ext cx="1264175" cy="1586736"/>
-      </dsp:txXfrm>
-    </dsp:sp>
-    <dsp:sp modelId="{26ABABF7-1CEB-4A89-B1CF-B989ADE85DDD}">
-      <dsp:nvSpPr>
-        <dsp:cNvPr id="0" name=""/>
-        <dsp:cNvSpPr/>
-      </dsp:nvSpPr>
-      <dsp:spPr>
-        <a:xfrm>
-          <a:off x="6812012" y="1377354"/>
-          <a:ext cx="1296590" cy="1296590"/>
-        </a:xfrm>
-        <a:prstGeom prst="ellipse">
-          <a:avLst/>
-        </a:prstGeom>
-        <a:solidFill>
-          <a:schemeClr val="lt1">
-            <a:hueOff val="0"/>
-            <a:satOff val="0"/>
-            <a:lumOff val="0"/>
-            <a:alphaOff val="0"/>
-          </a:schemeClr>
-        </a:solidFill>
-        <a:ln w="12700" cap="flat" cmpd="sng" algn="ctr">
-          <a:solidFill>
-            <a:schemeClr val="dk2">
-              <a:shade val="80000"/>
-              <a:hueOff val="0"/>
-              <a:satOff val="0"/>
-              <a:lumOff val="0"/>
-              <a:alphaOff val="0"/>
-            </a:schemeClr>
-          </a:solidFill>
-          <a:prstDash val="solid"/>
-        </a:ln>
-        <a:effectLst/>
-      </dsp:spPr>
-      <dsp:style>
-        <a:lnRef idx="2">
-          <a:scrgbClr r="0" g="0" b="0"/>
-        </a:lnRef>
-        <a:fillRef idx="1">
-          <a:scrgbClr r="0" g="0" b="0"/>
-        </a:fillRef>
-        <a:effectRef idx="0">
-          <a:scrgbClr r="0" g="0" b="0"/>
-        </a:effectRef>
-        <a:fontRef idx="minor">
-          <a:schemeClr val="lt1"/>
-        </a:fontRef>
-      </dsp:style>
-      <dsp:txBody>
-        <a:bodyPr spcFirstLastPara="0" vert="horz" wrap="square" lIns="8890" tIns="8890" rIns="8890" bIns="8890" numCol="1" spcCol="1270" anchor="ctr" anchorCtr="0">
-          <a:noAutofit/>
-        </a:bodyPr>
-        <a:lstStyle/>
-        <a:p>
-          <a:pPr marL="0" lvl="0" indent="0" algn="ctr" defTabSz="622300">
-            <a:lnSpc>
-              <a:spcPct val="90000"/>
-            </a:lnSpc>
-            <a:spcBef>
-              <a:spcPct val="0"/>
-            </a:spcBef>
-            <a:spcAft>
-              <a:spcPct val="35000"/>
-            </a:spcAft>
-            <a:buNone/>
-          </a:pPr>
-          <a:r>
-            <a:rPr lang="en-US" sz="1400" kern="1200" dirty="0"/>
-            <a:t>..Syntax[3]</a:t>
-          </a:r>
-        </a:p>
-      </dsp:txBody>
-      <dsp:txXfrm>
-        <a:off x="7001893" y="1567235"/>
-        <a:ext cx="916828" cy="916828"/>
-      </dsp:txXfrm>
-    </dsp:sp>
-  </dsp:spTree>
-</dsp:drawing>
-</file>
-
-<file path=ppt/diagrams/drawing8.xml><?xml version="1.0" encoding="utf-8"?>
-<dsp:drawing xmlns:dgm="http://schemas.openxmlformats.org/drawingml/2006/diagram" xmlns:dsp="http://schemas.microsoft.com/office/drawing/2008/diagram" xmlns:a="http://schemas.openxmlformats.org/drawingml/2006/main">
-  <dsp:spTree>
-    <dsp:nvGrpSpPr>
-      <dsp:cNvPr id="0" name=""/>
-      <dsp:cNvGrpSpPr/>
-    </dsp:nvGrpSpPr>
-    <dsp:grpSpPr/>
     <dsp:sp modelId="{ABECBCFC-7D7C-43B3-8A70-D5A6385A2A42}">
       <dsp:nvSpPr>
         <dsp:cNvPr id="0" name=""/>
@@ -15839,7 +14178,7 @@
       </dsp:nvSpPr>
       <dsp:spPr>
         <a:xfrm>
-          <a:off x="2231327" y="1349720"/>
+          <a:off x="2231327" y="1185441"/>
           <a:ext cx="145953" cy="639416"/>
         </a:xfrm>
         <a:custGeom>
@@ -15897,7 +14236,7 @@
       </dsp:nvSpPr>
       <dsp:spPr>
         <a:xfrm>
-          <a:off x="2377281" y="1349720"/>
+          <a:off x="2377281" y="1185441"/>
           <a:ext cx="1681944" cy="1278833"/>
         </a:xfrm>
         <a:custGeom>
@@ -15958,7 +14297,7 @@
       </dsp:nvSpPr>
       <dsp:spPr>
         <a:xfrm>
-          <a:off x="2331561" y="1349720"/>
+          <a:off x="2331561" y="1185441"/>
           <a:ext cx="91440" cy="1278833"/>
         </a:xfrm>
         <a:custGeom>
@@ -16013,7 +14352,7 @@
       </dsp:nvSpPr>
       <dsp:spPr>
         <a:xfrm>
-          <a:off x="695337" y="1349720"/>
+          <a:off x="695337" y="1185441"/>
           <a:ext cx="1681944" cy="1278833"/>
         </a:xfrm>
         <a:custGeom>
@@ -16074,7 +14413,7 @@
       </dsp:nvSpPr>
       <dsp:spPr>
         <a:xfrm>
-          <a:off x="1682263" y="654702"/>
+          <a:off x="1682263" y="490423"/>
           <a:ext cx="1390036" cy="695018"/>
         </a:xfrm>
         <a:prstGeom prst="rect">
@@ -16141,7 +14480,7 @@
         </a:p>
       </dsp:txBody>
       <dsp:txXfrm>
-        <a:off x="1682263" y="654702"/>
+        <a:off x="1682263" y="490423"/>
         <a:ext cx="1390036" cy="695018"/>
       </dsp:txXfrm>
     </dsp:sp>
@@ -16152,7 +14491,7 @@
       </dsp:nvSpPr>
       <dsp:spPr>
         <a:xfrm>
-          <a:off x="319" y="2628554"/>
+          <a:off x="319" y="2464275"/>
           <a:ext cx="1390036" cy="695018"/>
         </a:xfrm>
         <a:prstGeom prst="rect">
@@ -16219,7 +14558,7 @@
         </a:p>
       </dsp:txBody>
       <dsp:txXfrm>
-        <a:off x="319" y="2628554"/>
+        <a:off x="319" y="2464275"/>
         <a:ext cx="1390036" cy="695018"/>
       </dsp:txXfrm>
     </dsp:sp>
@@ -16230,7 +14569,7 @@
       </dsp:nvSpPr>
       <dsp:spPr>
         <a:xfrm>
-          <a:off x="1682263" y="2628554"/>
+          <a:off x="1682263" y="2464275"/>
           <a:ext cx="1390036" cy="695018"/>
         </a:xfrm>
         <a:prstGeom prst="rect">
@@ -16297,7 +14636,7 @@
         </a:p>
       </dsp:txBody>
       <dsp:txXfrm>
-        <a:off x="1682263" y="2628554"/>
+        <a:off x="1682263" y="2464275"/>
         <a:ext cx="1390036" cy="695018"/>
       </dsp:txXfrm>
     </dsp:sp>
@@ -16308,7 +14647,7 @@
       </dsp:nvSpPr>
       <dsp:spPr>
         <a:xfrm>
-          <a:off x="3364207" y="2628554"/>
+          <a:off x="3364207" y="2464275"/>
           <a:ext cx="1390036" cy="695018"/>
         </a:xfrm>
         <a:prstGeom prst="rect">
@@ -16375,7 +14714,7 @@
         </a:p>
       </dsp:txBody>
       <dsp:txXfrm>
-        <a:off x="3364207" y="2628554"/>
+        <a:off x="3364207" y="2464275"/>
         <a:ext cx="1390036" cy="695018"/>
       </dsp:txXfrm>
     </dsp:sp>
@@ -16386,7 +14725,7 @@
       </dsp:nvSpPr>
       <dsp:spPr>
         <a:xfrm>
-          <a:off x="841291" y="1641628"/>
+          <a:off x="841291" y="1477349"/>
           <a:ext cx="1390036" cy="695018"/>
         </a:xfrm>
         <a:prstGeom prst="rect">
@@ -16447,13 +14786,17 @@
             <a:buNone/>
           </a:pPr>
           <a:r>
-            <a:rPr lang="en-US" sz="4200" kern="1200" dirty="0"/>
+            <a:rPr lang="en-US" sz="4200" kern="1200" dirty="0">
+              <a:solidFill>
+                <a:schemeClr val="accent1"/>
+              </a:solidFill>
+            </a:rPr>
             <a:t>Node</a:t>
           </a:r>
         </a:p>
       </dsp:txBody>
       <dsp:txXfrm>
-        <a:off x="841291" y="1641628"/>
+        <a:off x="841291" y="1477349"/>
         <a:ext cx="1390036" cy="695018"/>
       </dsp:txXfrm>
     </dsp:sp>
@@ -16461,7 +14804,7 @@
 </dsp:drawing>
 </file>
 
-<file path=ppt/diagrams/drawing9.xml><?xml version="1.0" encoding="utf-8"?>
+<file path=ppt/diagrams/drawing8.xml><?xml version="1.0" encoding="utf-8"?>
 <dsp:drawing xmlns:dgm="http://schemas.openxmlformats.org/drawingml/2006/diagram" xmlns:dsp="http://schemas.microsoft.com/office/drawing/2008/diagram" xmlns:a="http://schemas.openxmlformats.org/drawingml/2006/main">
   <dsp:spTree>
     <dsp:nvGrpSpPr>
@@ -16476,7 +14819,7 @@
       </dsp:nvSpPr>
       <dsp:spPr>
         <a:xfrm>
-          <a:off x="2377281" y="1843183"/>
+          <a:off x="2377281" y="1678904"/>
           <a:ext cx="1681943" cy="291907"/>
         </a:xfrm>
         <a:custGeom>
@@ -16537,7 +14880,7 @@
       </dsp:nvSpPr>
       <dsp:spPr>
         <a:xfrm>
-          <a:off x="2331561" y="1843183"/>
+          <a:off x="2331561" y="1678904"/>
           <a:ext cx="91440" cy="291907"/>
         </a:xfrm>
         <a:custGeom>
@@ -16592,7 +14935,7 @@
       </dsp:nvSpPr>
       <dsp:spPr>
         <a:xfrm>
-          <a:off x="695337" y="1843183"/>
+          <a:off x="695337" y="1678904"/>
           <a:ext cx="1681943" cy="291907"/>
         </a:xfrm>
         <a:custGeom>
@@ -16653,7 +14996,7 @@
       </dsp:nvSpPr>
       <dsp:spPr>
         <a:xfrm>
-          <a:off x="1682262" y="1148165"/>
+          <a:off x="1682262" y="983886"/>
           <a:ext cx="1390036" cy="695018"/>
         </a:xfrm>
         <a:prstGeom prst="rect">
@@ -16720,7 +15063,7 @@
         </a:p>
       </dsp:txBody>
       <dsp:txXfrm>
-        <a:off x="1682262" y="1148165"/>
+        <a:off x="1682262" y="983886"/>
         <a:ext cx="1390036" cy="695018"/>
       </dsp:txXfrm>
     </dsp:sp>
@@ -16731,7 +15074,7 @@
       </dsp:nvSpPr>
       <dsp:spPr>
         <a:xfrm>
-          <a:off x="319" y="2135091"/>
+          <a:off x="319" y="1970812"/>
           <a:ext cx="1390036" cy="695018"/>
         </a:xfrm>
         <a:prstGeom prst="rect">
@@ -16798,7 +15141,7 @@
         </a:p>
       </dsp:txBody>
       <dsp:txXfrm>
-        <a:off x="319" y="2135091"/>
+        <a:off x="319" y="1970812"/>
         <a:ext cx="1390036" cy="695018"/>
       </dsp:txXfrm>
     </dsp:sp>
@@ -16809,7 +15152,7 @@
       </dsp:nvSpPr>
       <dsp:spPr>
         <a:xfrm>
-          <a:off x="1682262" y="2135091"/>
+          <a:off x="1682262" y="1970812"/>
           <a:ext cx="1390036" cy="695018"/>
         </a:xfrm>
         <a:prstGeom prst="rect">
@@ -16876,7 +15219,7 @@
         </a:p>
       </dsp:txBody>
       <dsp:txXfrm>
-        <a:off x="1682262" y="2135091"/>
+        <a:off x="1682262" y="1970812"/>
         <a:ext cx="1390036" cy="695018"/>
       </dsp:txXfrm>
     </dsp:sp>
@@ -16887,7 +15230,7 @@
       </dsp:nvSpPr>
       <dsp:spPr>
         <a:xfrm>
-          <a:off x="3364206" y="2135091"/>
+          <a:off x="3364206" y="1970812"/>
           <a:ext cx="1390036" cy="695018"/>
         </a:xfrm>
         <a:prstGeom prst="rect">
@@ -16954,7 +15297,7 @@
         </a:p>
       </dsp:txBody>
       <dsp:txXfrm>
-        <a:off x="3364206" y="2135091"/>
+        <a:off x="3364206" y="1970812"/>
         <a:ext cx="1390036" cy="695018"/>
       </dsp:txXfrm>
     </dsp:sp>
@@ -17227,7 +15570,7 @@
   </dgm:layoutNode>
   <dgm:extLst>
     <a:ext uri="{4F341089-5ED1-44EC-B178-C955D00A3D55}">
-      <dgm1611:autoBuNodeInfoLst xmlns="" xmlns:dgm1611="http://schemas.microsoft.com/office/drawing/2016/11/diagram">
+      <dgm1611:autoBuNodeInfoLst xmlns:dgm1611="http://schemas.microsoft.com/office/drawing/2016/11/diagram" xmlns="">
         <dgm1611:autoBuNodeInfo lvl="1" ptType="sibTrans">
           <dgm1611:buPr prefix="" leadZeros="0">
             <a:buAutoNum type="arabicParenBoth"/>
@@ -21087,300 +19430,6 @@
 </file>
 
 <file path=ppt/diagrams/layout7.xml><?xml version="1.0" encoding="utf-8"?>
-<dgm:layoutDef xmlns:dgm="http://schemas.openxmlformats.org/drawingml/2006/diagram" xmlns:a="http://schemas.openxmlformats.org/drawingml/2006/main" uniqueId="urn:microsoft.com/office/officeart/2005/8/layout/hProcess6">
-  <dgm:title val=""/>
-  <dgm:desc val=""/>
-  <dgm:catLst>
-    <dgm:cat type="process" pri="7000"/>
-  </dgm:catLst>
-  <dgm:sampData>
-    <dgm:dataModel>
-      <dgm:ptLst>
-        <dgm:pt modelId="0" type="doc"/>
-        <dgm:pt modelId="1">
-          <dgm:prSet phldr="1"/>
-        </dgm:pt>
-        <dgm:pt modelId="11">
-          <dgm:prSet phldr="1"/>
-        </dgm:pt>
-        <dgm:pt modelId="12">
-          <dgm:prSet phldr="1"/>
-        </dgm:pt>
-        <dgm:pt modelId="2">
-          <dgm:prSet phldr="1"/>
-        </dgm:pt>
-        <dgm:pt modelId="21">
-          <dgm:prSet phldr="1"/>
-        </dgm:pt>
-        <dgm:pt modelId="22">
-          <dgm:prSet phldr="1"/>
-        </dgm:pt>
-        <dgm:pt modelId="3">
-          <dgm:prSet phldr="1"/>
-        </dgm:pt>
-        <dgm:pt modelId="31">
-          <dgm:prSet phldr="1"/>
-        </dgm:pt>
-        <dgm:pt modelId="32">
-          <dgm:prSet phldr="1"/>
-        </dgm:pt>
-      </dgm:ptLst>
-      <dgm:cxnLst>
-        <dgm:cxn modelId="4" srcId="0" destId="1" srcOrd="0" destOrd="0"/>
-        <dgm:cxn modelId="5" srcId="0" destId="2" srcOrd="1" destOrd="0"/>
-        <dgm:cxn modelId="13" srcId="1" destId="11" srcOrd="0" destOrd="0"/>
-        <dgm:cxn modelId="14" srcId="1" destId="12" srcOrd="0" destOrd="0"/>
-        <dgm:cxn modelId="23" srcId="2" destId="21" srcOrd="0" destOrd="0"/>
-        <dgm:cxn modelId="24" srcId="2" destId="22" srcOrd="0" destOrd="0"/>
-        <dgm:cxn modelId="33" srcId="3" destId="31" srcOrd="0" destOrd="0"/>
-        <dgm:cxn modelId="34" srcId="3" destId="32" srcOrd="0" destOrd="0"/>
-      </dgm:cxnLst>
-      <dgm:bg/>
-      <dgm:whole/>
-    </dgm:dataModel>
-  </dgm:sampData>
-  <dgm:styleData>
-    <dgm:dataModel>
-      <dgm:ptLst>
-        <dgm:pt modelId="0" type="doc"/>
-        <dgm:pt modelId="1"/>
-        <dgm:pt modelId="11"/>
-        <dgm:pt modelId="2"/>
-        <dgm:pt modelId="21"/>
-      </dgm:ptLst>
-      <dgm:cxnLst>
-        <dgm:cxn modelId="4" srcId="0" destId="1" srcOrd="0" destOrd="0"/>
-        <dgm:cxn modelId="5" srcId="0" destId="2" srcOrd="1" destOrd="0"/>
-        <dgm:cxn modelId="13" srcId="1" destId="11" srcOrd="0" destOrd="0"/>
-        <dgm:cxn modelId="23" srcId="2" destId="21" srcOrd="0" destOrd="0"/>
-      </dgm:cxnLst>
-      <dgm:bg/>
-      <dgm:whole/>
-    </dgm:dataModel>
-  </dgm:styleData>
-  <dgm:clrData>
-    <dgm:dataModel>
-      <dgm:ptLst>
-        <dgm:pt modelId="0" type="doc"/>
-        <dgm:pt modelId="1"/>
-        <dgm:pt modelId="11"/>
-        <dgm:pt modelId="2"/>
-        <dgm:pt modelId="21"/>
-        <dgm:pt modelId="3"/>
-        <dgm:pt modelId="31"/>
-        <dgm:pt modelId="4"/>
-        <dgm:pt modelId="41"/>
-      </dgm:ptLst>
-      <dgm:cxnLst>
-        <dgm:cxn modelId="5" srcId="0" destId="1" srcOrd="0" destOrd="0"/>
-        <dgm:cxn modelId="6" srcId="0" destId="2" srcOrd="1" destOrd="0"/>
-        <dgm:cxn modelId="7" srcId="0" destId="3" srcOrd="2" destOrd="0"/>
-        <dgm:cxn modelId="8" srcId="0" destId="4" srcOrd="3" destOrd="0"/>
-        <dgm:cxn modelId="13" srcId="1" destId="11" srcOrd="0" destOrd="0"/>
-        <dgm:cxn modelId="23" srcId="2" destId="21" srcOrd="0" destOrd="0"/>
-        <dgm:cxn modelId="33" srcId="3" destId="31" srcOrd="0" destOrd="0"/>
-        <dgm:cxn modelId="43" srcId="4" destId="41" srcOrd="0" destOrd="0"/>
-      </dgm:cxnLst>
-      <dgm:bg/>
-      <dgm:whole/>
-    </dgm:dataModel>
-  </dgm:clrData>
-  <dgm:layoutNode name="theList">
-    <dgm:varLst>
-      <dgm:dir/>
-      <dgm:animLvl val="lvl"/>
-      <dgm:resizeHandles val="exact"/>
-    </dgm:varLst>
-    <dgm:choose name="Name0">
-      <dgm:if name="Name1" func="var" arg="dir" op="equ" val="norm">
-        <dgm:alg type="lin">
-          <dgm:param type="linDir" val="fromL"/>
-          <dgm:param type="nodeHorzAlign" val="l"/>
-        </dgm:alg>
-      </dgm:if>
-      <dgm:else name="Name2">
-        <dgm:alg type="lin">
-          <dgm:param type="linDir" val="fromR"/>
-          <dgm:param type="nodeHorzAlign" val="r"/>
-        </dgm:alg>
-      </dgm:else>
-    </dgm:choose>
-    <dgm:shape xmlns:r="http://schemas.openxmlformats.org/officeDocument/2006/relationships" r:blip="">
-      <dgm:adjLst/>
-    </dgm:shape>
-    <dgm:presOf/>
-    <dgm:constrLst>
-      <dgm:constr type="w" for="ch" forName="compNode" refType="w"/>
-      <dgm:constr type="h" for="ch" forName="compNode" refType="w" refFor="ch" refForName="compNode" fact="0.7"/>
-      <dgm:constr type="ctrY" for="ch" forName="compNode" refType="h" fact="0.5"/>
-      <dgm:constr type="w" for="ch" forName="aSpace" refType="w" fact="0.05"/>
-      <dgm:constr type="primFontSz" for="des" forName="childTextHidden" op="equ" val="65"/>
-      <dgm:constr type="primFontSz" for="des" forName="parentText" op="equ"/>
-    </dgm:constrLst>
-    <dgm:ruleLst/>
-    <dgm:forEach name="aNodeForEach" axis="ch" ptType="node">
-      <dgm:layoutNode name="compNode">
-        <dgm:alg type="composite">
-          <dgm:param type="ar" val="1.43"/>
-        </dgm:alg>
-        <dgm:shape xmlns:r="http://schemas.openxmlformats.org/officeDocument/2006/relationships" r:blip="">
-          <dgm:adjLst/>
-        </dgm:shape>
-        <dgm:presOf/>
-        <dgm:choose name="Name3">
-          <dgm:if name="Name4" func="var" arg="dir" op="equ" val="norm">
-            <dgm:constrLst>
-              <dgm:constr type="w" for="ch" forName="childTextVisible" refType="w" fact="0.8"/>
-              <dgm:constr type="h" for="ch" forName="childTextVisible" refType="h"/>
-              <dgm:constr type="r" for="ch" forName="childTextVisible" refType="w"/>
-              <dgm:constr type="w" for="ch" forName="childTextHidden" refType="w" fact="0.6"/>
-              <dgm:constr type="h" for="ch" forName="childTextHidden" refType="h"/>
-              <dgm:constr type="r" for="ch" forName="childTextHidden" refType="w"/>
-              <dgm:constr type="l" for="ch" forName="parentText"/>
-              <dgm:constr type="w" for="ch" forName="parentText" refType="w" fact="0.4"/>
-              <dgm:constr type="h" for="ch" forName="parentText" refType="w" refFor="ch" refForName="parentText" op="equ"/>
-              <dgm:constr type="ctrY" for="ch" forName="parentText" refType="h" fact="0.5"/>
-            </dgm:constrLst>
-          </dgm:if>
-          <dgm:else name="Name5">
-            <dgm:constrLst>
-              <dgm:constr type="w" for="ch" forName="childTextVisible" refType="w" fact="0.8"/>
-              <dgm:constr type="h" for="ch" forName="childTextVisible" refType="h"/>
-              <dgm:constr type="l" for="ch" forName="childTextVisible"/>
-              <dgm:constr type="w" for="ch" forName="childTextHidden" refType="w" fact="0.6"/>
-              <dgm:constr type="h" for="ch" forName="childTextHidden" refType="h"/>
-              <dgm:constr type="l" for="ch" forName="childTextHidden"/>
-              <dgm:constr type="r" for="ch" forName="parentText" refType="w"/>
-              <dgm:constr type="w" for="ch" forName="parentText" refType="w" fact="0.4"/>
-              <dgm:constr type="h" for="ch" forName="parentText" refType="w" refFor="ch" refForName="parentText" op="equ"/>
-              <dgm:constr type="ctrY" for="ch" forName="parentText" refType="h" fact="0.5"/>
-            </dgm:constrLst>
-          </dgm:else>
-        </dgm:choose>
-        <dgm:ruleLst/>
-        <dgm:layoutNode name="noGeometry">
-          <dgm:alg type="sp"/>
-          <dgm:shape xmlns:r="http://schemas.openxmlformats.org/officeDocument/2006/relationships" r:blip="">
-            <dgm:adjLst/>
-          </dgm:shape>
-          <dgm:presOf/>
-          <dgm:constrLst/>
-          <dgm:ruleLst/>
-        </dgm:layoutNode>
-        <dgm:layoutNode name="childTextVisible" styleLbl="bgAccFollowNode1">
-          <dgm:varLst>
-            <dgm:bulletEnabled val="1"/>
-          </dgm:varLst>
-          <dgm:alg type="sp"/>
-          <dgm:choose name="Name6">
-            <dgm:if name="Name7" func="var" arg="dir" op="equ" val="norm">
-              <dgm:shape xmlns:r="http://schemas.openxmlformats.org/officeDocument/2006/relationships" type="rightArrow" r:blip="">
-                <dgm:adjLst>
-                  <dgm:adj idx="1" val="0.7"/>
-                  <dgm:adj idx="2" val="0.5"/>
-                </dgm:adjLst>
-              </dgm:shape>
-            </dgm:if>
-            <dgm:else name="Name8">
-              <dgm:shape xmlns:r="http://schemas.openxmlformats.org/officeDocument/2006/relationships" type="leftArrow" r:blip="">
-                <dgm:adjLst>
-                  <dgm:adj idx="1" val="0.7"/>
-                  <dgm:adj idx="2" val="0.5"/>
-                </dgm:adjLst>
-              </dgm:shape>
-            </dgm:else>
-          </dgm:choose>
-          <dgm:presOf axis="des" ptType="node"/>
-          <dgm:constrLst/>
-          <dgm:ruleLst/>
-        </dgm:layoutNode>
-        <dgm:layoutNode name="childTextHidden" styleLbl="bgAccFollowNode1">
-          <dgm:choose name="Name9">
-            <dgm:if name="Name10" axis="des followSib" ptType="node node" st="1 1" cnt="1 0" func="cnt" op="gte" val="1">
-              <dgm:alg type="tx">
-                <dgm:param type="stBulletLvl" val="1"/>
-                <dgm:param type="txAnchorVertCh" val="mid"/>
-              </dgm:alg>
-            </dgm:if>
-            <dgm:else name="Name11">
-              <dgm:alg type="tx">
-                <dgm:param type="stBulletLvl" val="2"/>
-                <dgm:param type="txAnchorVertCh" val="mid"/>
-              </dgm:alg>
-            </dgm:else>
-          </dgm:choose>
-          <dgm:choose name="Name12">
-            <dgm:if name="Name13" func="var" arg="dir" op="equ" val="norm">
-              <dgm:shape xmlns:r="http://schemas.openxmlformats.org/officeDocument/2006/relationships" type="rightArrow" r:blip="" hideGeom="1">
-                <dgm:adjLst>
-                  <dgm:adj idx="1" val="0.7"/>
-                  <dgm:adj idx="2" val="0.5"/>
-                </dgm:adjLst>
-              </dgm:shape>
-            </dgm:if>
-            <dgm:else name="Name14">
-              <dgm:shape xmlns:r="http://schemas.openxmlformats.org/officeDocument/2006/relationships" type="leftArrow" r:blip="" hideGeom="1">
-                <dgm:adjLst>
-                  <dgm:adj idx="1" val="0.7"/>
-                  <dgm:adj idx="2" val="0.5"/>
-                </dgm:adjLst>
-              </dgm:shape>
-            </dgm:else>
-          </dgm:choose>
-          <dgm:presOf axis="des" ptType="node"/>
-          <dgm:constrLst>
-            <dgm:constr type="secFontSz" refType="primFontSz"/>
-            <dgm:constr type="tMarg" refType="primFontSz" fact="0.05"/>
-            <dgm:constr type="bMarg" refType="primFontSz" fact="0.05"/>
-            <dgm:constr type="rMarg" refType="primFontSz" fact="0.1"/>
-            <dgm:constr type="lMarg" refType="primFontSz" fact="0.2"/>
-          </dgm:constrLst>
-          <dgm:ruleLst>
-            <dgm:rule type="primFontSz" val="5" fact="NaN" max="NaN"/>
-          </dgm:ruleLst>
-        </dgm:layoutNode>
-        <dgm:layoutNode name="parentText" styleLbl="node1">
-          <dgm:varLst>
-            <dgm:chMax val="1"/>
-            <dgm:bulletEnabled val="1"/>
-          </dgm:varLst>
-          <dgm:alg type="tx"/>
-          <dgm:shape xmlns:r="http://schemas.openxmlformats.org/officeDocument/2006/relationships" type="ellipse" r:blip="">
-            <dgm:adjLst/>
-          </dgm:shape>
-          <dgm:presOf axis="self"/>
-          <dgm:constrLst>
-            <dgm:constr type="primFontSz" val="65"/>
-            <dgm:constr type="tMarg" refType="primFontSz" fact="0.05"/>
-            <dgm:constr type="bMarg" refType="primFontSz" fact="0.05"/>
-            <dgm:constr type="lMarg" refType="primFontSz" fact="0.05"/>
-            <dgm:constr type="rMarg" refType="primFontSz" fact="0.05"/>
-          </dgm:constrLst>
-          <dgm:ruleLst>
-            <dgm:rule type="primFontSz" val="5" fact="NaN" max="NaN"/>
-          </dgm:ruleLst>
-        </dgm:layoutNode>
-      </dgm:layoutNode>
-      <dgm:choose name="Name15">
-        <dgm:if name="Name16" axis="self" ptType="node" func="revPos" op="gte" val="2">
-          <dgm:layoutNode name="aSpace">
-            <dgm:alg type="sp"/>
-            <dgm:shape xmlns:r="http://schemas.openxmlformats.org/officeDocument/2006/relationships" r:blip="">
-              <dgm:adjLst/>
-            </dgm:shape>
-            <dgm:presOf/>
-            <dgm:constrLst/>
-            <dgm:ruleLst/>
-          </dgm:layoutNode>
-        </dgm:if>
-        <dgm:else name="Name17"/>
-      </dgm:choose>
-    </dgm:forEach>
-  </dgm:layoutNode>
-</dgm:layoutDef>
-</file>
-
-<file path=ppt/diagrams/layout8.xml><?xml version="1.0" encoding="utf-8"?>
 <dgm:layoutDef xmlns:dgm="http://schemas.openxmlformats.org/drawingml/2006/diagram" xmlns:a="http://schemas.openxmlformats.org/drawingml/2006/main" uniqueId="urn:microsoft.com/office/officeart/2005/8/layout/orgChart1">
   <dgm:title val=""/>
   <dgm:desc val=""/>
@@ -22526,7 +20575,7 @@
 </dgm:layoutDef>
 </file>
 
-<file path=ppt/diagrams/layout9.xml><?xml version="1.0" encoding="utf-8"?>
+<file path=ppt/diagrams/layout8.xml><?xml version="1.0" encoding="utf-8"?>
 <dgm:layoutDef xmlns:dgm="http://schemas.openxmlformats.org/drawingml/2006/diagram" xmlns:a="http://schemas.openxmlformats.org/drawingml/2006/main" uniqueId="urn:microsoft.com/office/officeart/2005/8/layout/orgChart1">
   <dgm:title val=""/>
   <dgm:desc val=""/>
@@ -31944,1040 +29993,6 @@
 </dgm:styleDef>
 </file>
 
-<file path=ppt/diagrams/quickStyle9.xml><?xml version="1.0" encoding="utf-8"?>
-<dgm:styleDef xmlns:dgm="http://schemas.openxmlformats.org/drawingml/2006/diagram" xmlns:a="http://schemas.openxmlformats.org/drawingml/2006/main" uniqueId="urn:microsoft.com/office/officeart/2005/8/quickstyle/simple1">
-  <dgm:title val=""/>
-  <dgm:desc val=""/>
-  <dgm:catLst>
-    <dgm:cat type="simple" pri="10100"/>
-  </dgm:catLst>
-  <dgm:scene3d>
-    <a:camera prst="orthographicFront"/>
-    <a:lightRig rig="threePt" dir="t"/>
-  </dgm:scene3d>
-  <dgm:styleLbl name="node0">
-    <dgm:scene3d>
-      <a:camera prst="orthographicFront"/>
-      <a:lightRig rig="threePt" dir="t"/>
-    </dgm:scene3d>
-    <dgm:sp3d/>
-    <dgm:txPr/>
-    <dgm:style>
-      <a:lnRef idx="2">
-        <a:scrgbClr r="0" g="0" b="0"/>
-      </a:lnRef>
-      <a:fillRef idx="1">
-        <a:scrgbClr r="0" g="0" b="0"/>
-      </a:fillRef>
-      <a:effectRef idx="0">
-        <a:scrgbClr r="0" g="0" b="0"/>
-      </a:effectRef>
-      <a:fontRef idx="minor">
-        <a:schemeClr val="lt1"/>
-      </a:fontRef>
-    </dgm:style>
-  </dgm:styleLbl>
-  <dgm:styleLbl name="lnNode1">
-    <dgm:scene3d>
-      <a:camera prst="orthographicFront"/>
-      <a:lightRig rig="threePt" dir="t"/>
-    </dgm:scene3d>
-    <dgm:sp3d/>
-    <dgm:txPr/>
-    <dgm:style>
-      <a:lnRef idx="2">
-        <a:scrgbClr r="0" g="0" b="0"/>
-      </a:lnRef>
-      <a:fillRef idx="1">
-        <a:scrgbClr r="0" g="0" b="0"/>
-      </a:fillRef>
-      <a:effectRef idx="0">
-        <a:scrgbClr r="0" g="0" b="0"/>
-      </a:effectRef>
-      <a:fontRef idx="minor">
-        <a:schemeClr val="lt1"/>
-      </a:fontRef>
-    </dgm:style>
-  </dgm:styleLbl>
-  <dgm:styleLbl name="vennNode1">
-    <dgm:scene3d>
-      <a:camera prst="orthographicFront"/>
-      <a:lightRig rig="threePt" dir="t"/>
-    </dgm:scene3d>
-    <dgm:sp3d/>
-    <dgm:txPr/>
-    <dgm:style>
-      <a:lnRef idx="2">
-        <a:scrgbClr r="0" g="0" b="0"/>
-      </a:lnRef>
-      <a:fillRef idx="1">
-        <a:scrgbClr r="0" g="0" b="0"/>
-      </a:fillRef>
-      <a:effectRef idx="0">
-        <a:scrgbClr r="0" g="0" b="0"/>
-      </a:effectRef>
-      <a:fontRef idx="minor">
-        <a:schemeClr val="tx1"/>
-      </a:fontRef>
-    </dgm:style>
-  </dgm:styleLbl>
-  <dgm:styleLbl name="alignNode1">
-    <dgm:scene3d>
-      <a:camera prst="orthographicFront"/>
-      <a:lightRig rig="threePt" dir="t"/>
-    </dgm:scene3d>
-    <dgm:sp3d/>
-    <dgm:txPr/>
-    <dgm:style>
-      <a:lnRef idx="2">
-        <a:scrgbClr r="0" g="0" b="0"/>
-      </a:lnRef>
-      <a:fillRef idx="1">
-        <a:scrgbClr r="0" g="0" b="0"/>
-      </a:fillRef>
-      <a:effectRef idx="0">
-        <a:scrgbClr r="0" g="0" b="0"/>
-      </a:effectRef>
-      <a:fontRef idx="minor">
-        <a:schemeClr val="lt1"/>
-      </a:fontRef>
-    </dgm:style>
-  </dgm:styleLbl>
-  <dgm:styleLbl name="node1">
-    <dgm:scene3d>
-      <a:camera prst="orthographicFront"/>
-      <a:lightRig rig="threePt" dir="t"/>
-    </dgm:scene3d>
-    <dgm:sp3d/>
-    <dgm:txPr/>
-    <dgm:style>
-      <a:lnRef idx="2">
-        <a:scrgbClr r="0" g="0" b="0"/>
-      </a:lnRef>
-      <a:fillRef idx="1">
-        <a:scrgbClr r="0" g="0" b="0"/>
-      </a:fillRef>
-      <a:effectRef idx="0">
-        <a:scrgbClr r="0" g="0" b="0"/>
-      </a:effectRef>
-      <a:fontRef idx="minor">
-        <a:schemeClr val="lt1"/>
-      </a:fontRef>
-    </dgm:style>
-  </dgm:styleLbl>
-  <dgm:styleLbl name="node2">
-    <dgm:scene3d>
-      <a:camera prst="orthographicFront"/>
-      <a:lightRig rig="threePt" dir="t"/>
-    </dgm:scene3d>
-    <dgm:sp3d/>
-    <dgm:txPr/>
-    <dgm:style>
-      <a:lnRef idx="2">
-        <a:scrgbClr r="0" g="0" b="0"/>
-      </a:lnRef>
-      <a:fillRef idx="1">
-        <a:scrgbClr r="0" g="0" b="0"/>
-      </a:fillRef>
-      <a:effectRef idx="0">
-        <a:scrgbClr r="0" g="0" b="0"/>
-      </a:effectRef>
-      <a:fontRef idx="minor">
-        <a:schemeClr val="lt1"/>
-      </a:fontRef>
-    </dgm:style>
-  </dgm:styleLbl>
-  <dgm:styleLbl name="node3">
-    <dgm:scene3d>
-      <a:camera prst="orthographicFront"/>
-      <a:lightRig rig="threePt" dir="t"/>
-    </dgm:scene3d>
-    <dgm:sp3d/>
-    <dgm:txPr/>
-    <dgm:style>
-      <a:lnRef idx="2">
-        <a:scrgbClr r="0" g="0" b="0"/>
-      </a:lnRef>
-      <a:fillRef idx="1">
-        <a:scrgbClr r="0" g="0" b="0"/>
-      </a:fillRef>
-      <a:effectRef idx="0">
-        <a:scrgbClr r="0" g="0" b="0"/>
-      </a:effectRef>
-      <a:fontRef idx="minor">
-        <a:schemeClr val="lt1"/>
-      </a:fontRef>
-    </dgm:style>
-  </dgm:styleLbl>
-  <dgm:styleLbl name="node4">
-    <dgm:scene3d>
-      <a:camera prst="orthographicFront"/>
-      <a:lightRig rig="threePt" dir="t"/>
-    </dgm:scene3d>
-    <dgm:sp3d/>
-    <dgm:txPr/>
-    <dgm:style>
-      <a:lnRef idx="2">
-        <a:scrgbClr r="0" g="0" b="0"/>
-      </a:lnRef>
-      <a:fillRef idx="1">
-        <a:scrgbClr r="0" g="0" b="0"/>
-      </a:fillRef>
-      <a:effectRef idx="0">
-        <a:scrgbClr r="0" g="0" b="0"/>
-      </a:effectRef>
-      <a:fontRef idx="minor">
-        <a:schemeClr val="lt1"/>
-      </a:fontRef>
-    </dgm:style>
-  </dgm:styleLbl>
-  <dgm:styleLbl name="fgImgPlace1">
-    <dgm:scene3d>
-      <a:camera prst="orthographicFront"/>
-      <a:lightRig rig="threePt" dir="t"/>
-    </dgm:scene3d>
-    <dgm:sp3d/>
-    <dgm:txPr/>
-    <dgm:style>
-      <a:lnRef idx="2">
-        <a:scrgbClr r="0" g="0" b="0"/>
-      </a:lnRef>
-      <a:fillRef idx="1">
-        <a:scrgbClr r="0" g="0" b="0"/>
-      </a:fillRef>
-      <a:effectRef idx="0">
-        <a:scrgbClr r="0" g="0" b="0"/>
-      </a:effectRef>
-      <a:fontRef idx="minor"/>
-    </dgm:style>
-  </dgm:styleLbl>
-  <dgm:styleLbl name="alignImgPlace1">
-    <dgm:scene3d>
-      <a:camera prst="orthographicFront"/>
-      <a:lightRig rig="threePt" dir="t"/>
-    </dgm:scene3d>
-    <dgm:sp3d/>
-    <dgm:txPr/>
-    <dgm:style>
-      <a:lnRef idx="2">
-        <a:scrgbClr r="0" g="0" b="0"/>
-      </a:lnRef>
-      <a:fillRef idx="1">
-        <a:scrgbClr r="0" g="0" b="0"/>
-      </a:fillRef>
-      <a:effectRef idx="0">
-        <a:scrgbClr r="0" g="0" b="0"/>
-      </a:effectRef>
-      <a:fontRef idx="minor"/>
-    </dgm:style>
-  </dgm:styleLbl>
-  <dgm:styleLbl name="bgImgPlace1">
-    <dgm:scene3d>
-      <a:camera prst="orthographicFront"/>
-      <a:lightRig rig="threePt" dir="t"/>
-    </dgm:scene3d>
-    <dgm:sp3d/>
-    <dgm:txPr/>
-    <dgm:style>
-      <a:lnRef idx="2">
-        <a:scrgbClr r="0" g="0" b="0"/>
-      </a:lnRef>
-      <a:fillRef idx="1">
-        <a:scrgbClr r="0" g="0" b="0"/>
-      </a:fillRef>
-      <a:effectRef idx="0">
-        <a:scrgbClr r="0" g="0" b="0"/>
-      </a:effectRef>
-      <a:fontRef idx="minor"/>
-    </dgm:style>
-  </dgm:styleLbl>
-  <dgm:styleLbl name="sibTrans2D1">
-    <dgm:scene3d>
-      <a:camera prst="orthographicFront"/>
-      <a:lightRig rig="threePt" dir="t"/>
-    </dgm:scene3d>
-    <dgm:sp3d/>
-    <dgm:txPr/>
-    <dgm:style>
-      <a:lnRef idx="0">
-        <a:scrgbClr r="0" g="0" b="0"/>
-      </a:lnRef>
-      <a:fillRef idx="1">
-        <a:scrgbClr r="0" g="0" b="0"/>
-      </a:fillRef>
-      <a:effectRef idx="0">
-        <a:scrgbClr r="0" g="0" b="0"/>
-      </a:effectRef>
-      <a:fontRef idx="minor">
-        <a:schemeClr val="lt1"/>
-      </a:fontRef>
-    </dgm:style>
-  </dgm:styleLbl>
-  <dgm:styleLbl name="fgSibTrans2D1">
-    <dgm:scene3d>
-      <a:camera prst="orthographicFront"/>
-      <a:lightRig rig="threePt" dir="t"/>
-    </dgm:scene3d>
-    <dgm:sp3d/>
-    <dgm:txPr/>
-    <dgm:style>
-      <a:lnRef idx="0">
-        <a:scrgbClr r="0" g="0" b="0"/>
-      </a:lnRef>
-      <a:fillRef idx="1">
-        <a:scrgbClr r="0" g="0" b="0"/>
-      </a:fillRef>
-      <a:effectRef idx="0">
-        <a:scrgbClr r="0" g="0" b="0"/>
-      </a:effectRef>
-      <a:fontRef idx="minor">
-        <a:schemeClr val="lt1"/>
-      </a:fontRef>
-    </dgm:style>
-  </dgm:styleLbl>
-  <dgm:styleLbl name="bgSibTrans2D1">
-    <dgm:scene3d>
-      <a:camera prst="orthographicFront"/>
-      <a:lightRig rig="threePt" dir="t"/>
-    </dgm:scene3d>
-    <dgm:sp3d/>
-    <dgm:txPr/>
-    <dgm:style>
-      <a:lnRef idx="0">
-        <a:scrgbClr r="0" g="0" b="0"/>
-      </a:lnRef>
-      <a:fillRef idx="1">
-        <a:scrgbClr r="0" g="0" b="0"/>
-      </a:fillRef>
-      <a:effectRef idx="0">
-        <a:scrgbClr r="0" g="0" b="0"/>
-      </a:effectRef>
-      <a:fontRef idx="minor">
-        <a:schemeClr val="lt1"/>
-      </a:fontRef>
-    </dgm:style>
-  </dgm:styleLbl>
-  <dgm:styleLbl name="sibTrans1D1">
-    <dgm:scene3d>
-      <a:camera prst="orthographicFront"/>
-      <a:lightRig rig="threePt" dir="t"/>
-    </dgm:scene3d>
-    <dgm:sp3d/>
-    <dgm:txPr/>
-    <dgm:style>
-      <a:lnRef idx="1">
-        <a:scrgbClr r="0" g="0" b="0"/>
-      </a:lnRef>
-      <a:fillRef idx="0">
-        <a:scrgbClr r="0" g="0" b="0"/>
-      </a:fillRef>
-      <a:effectRef idx="0">
-        <a:scrgbClr r="0" g="0" b="0"/>
-      </a:effectRef>
-      <a:fontRef idx="minor"/>
-    </dgm:style>
-  </dgm:styleLbl>
-  <dgm:styleLbl name="callout">
-    <dgm:scene3d>
-      <a:camera prst="orthographicFront"/>
-      <a:lightRig rig="threePt" dir="t"/>
-    </dgm:scene3d>
-    <dgm:sp3d/>
-    <dgm:txPr/>
-    <dgm:style>
-      <a:lnRef idx="2">
-        <a:scrgbClr r="0" g="0" b="0"/>
-      </a:lnRef>
-      <a:fillRef idx="1">
-        <a:scrgbClr r="0" g="0" b="0"/>
-      </a:fillRef>
-      <a:effectRef idx="0">
-        <a:scrgbClr r="0" g="0" b="0"/>
-      </a:effectRef>
-      <a:fontRef idx="minor"/>
-    </dgm:style>
-  </dgm:styleLbl>
-  <dgm:styleLbl name="asst0">
-    <dgm:scene3d>
-      <a:camera prst="orthographicFront"/>
-      <a:lightRig rig="threePt" dir="t"/>
-    </dgm:scene3d>
-    <dgm:sp3d/>
-    <dgm:txPr/>
-    <dgm:style>
-      <a:lnRef idx="2">
-        <a:scrgbClr r="0" g="0" b="0"/>
-      </a:lnRef>
-      <a:fillRef idx="1">
-        <a:scrgbClr r="0" g="0" b="0"/>
-      </a:fillRef>
-      <a:effectRef idx="0">
-        <a:scrgbClr r="0" g="0" b="0"/>
-      </a:effectRef>
-      <a:fontRef idx="minor">
-        <a:schemeClr val="lt1"/>
-      </a:fontRef>
-    </dgm:style>
-  </dgm:styleLbl>
-  <dgm:styleLbl name="asst1">
-    <dgm:scene3d>
-      <a:camera prst="orthographicFront"/>
-      <a:lightRig rig="threePt" dir="t"/>
-    </dgm:scene3d>
-    <dgm:sp3d/>
-    <dgm:txPr/>
-    <dgm:style>
-      <a:lnRef idx="2">
-        <a:scrgbClr r="0" g="0" b="0"/>
-      </a:lnRef>
-      <a:fillRef idx="1">
-        <a:scrgbClr r="0" g="0" b="0"/>
-      </a:fillRef>
-      <a:effectRef idx="0">
-        <a:scrgbClr r="0" g="0" b="0"/>
-      </a:effectRef>
-      <a:fontRef idx="minor">
-        <a:schemeClr val="lt1"/>
-      </a:fontRef>
-    </dgm:style>
-  </dgm:styleLbl>
-  <dgm:styleLbl name="asst2">
-    <dgm:scene3d>
-      <a:camera prst="orthographicFront"/>
-      <a:lightRig rig="threePt" dir="t"/>
-    </dgm:scene3d>
-    <dgm:sp3d/>
-    <dgm:txPr/>
-    <dgm:style>
-      <a:lnRef idx="2">
-        <a:scrgbClr r="0" g="0" b="0"/>
-      </a:lnRef>
-      <a:fillRef idx="1">
-        <a:scrgbClr r="0" g="0" b="0"/>
-      </a:fillRef>
-      <a:effectRef idx="0">
-        <a:scrgbClr r="0" g="0" b="0"/>
-      </a:effectRef>
-      <a:fontRef idx="minor">
-        <a:schemeClr val="lt1"/>
-      </a:fontRef>
-    </dgm:style>
-  </dgm:styleLbl>
-  <dgm:styleLbl name="asst3">
-    <dgm:scene3d>
-      <a:camera prst="orthographicFront"/>
-      <a:lightRig rig="threePt" dir="t"/>
-    </dgm:scene3d>
-    <dgm:sp3d/>
-    <dgm:txPr/>
-    <dgm:style>
-      <a:lnRef idx="2">
-        <a:scrgbClr r="0" g="0" b="0"/>
-      </a:lnRef>
-      <a:fillRef idx="1">
-        <a:scrgbClr r="0" g="0" b="0"/>
-      </a:fillRef>
-      <a:effectRef idx="0">
-        <a:scrgbClr r="0" g="0" b="0"/>
-      </a:effectRef>
-      <a:fontRef idx="minor">
-        <a:schemeClr val="lt1"/>
-      </a:fontRef>
-    </dgm:style>
-  </dgm:styleLbl>
-  <dgm:styleLbl name="asst4">
-    <dgm:scene3d>
-      <a:camera prst="orthographicFront"/>
-      <a:lightRig rig="threePt" dir="t"/>
-    </dgm:scene3d>
-    <dgm:sp3d/>
-    <dgm:txPr/>
-    <dgm:style>
-      <a:lnRef idx="2">
-        <a:scrgbClr r="0" g="0" b="0"/>
-      </a:lnRef>
-      <a:fillRef idx="1">
-        <a:scrgbClr r="0" g="0" b="0"/>
-      </a:fillRef>
-      <a:effectRef idx="0">
-        <a:scrgbClr r="0" g="0" b="0"/>
-      </a:effectRef>
-      <a:fontRef idx="minor">
-        <a:schemeClr val="lt1"/>
-      </a:fontRef>
-    </dgm:style>
-  </dgm:styleLbl>
-  <dgm:styleLbl name="parChTrans2D1">
-    <dgm:scene3d>
-      <a:camera prst="orthographicFront"/>
-      <a:lightRig rig="threePt" dir="t"/>
-    </dgm:scene3d>
-    <dgm:sp3d/>
-    <dgm:txPr/>
-    <dgm:style>
-      <a:lnRef idx="2">
-        <a:scrgbClr r="0" g="0" b="0"/>
-      </a:lnRef>
-      <a:fillRef idx="1">
-        <a:scrgbClr r="0" g="0" b="0"/>
-      </a:fillRef>
-      <a:effectRef idx="0">
-        <a:scrgbClr r="0" g="0" b="0"/>
-      </a:effectRef>
-      <a:fontRef idx="minor">
-        <a:schemeClr val="lt1"/>
-      </a:fontRef>
-    </dgm:style>
-  </dgm:styleLbl>
-  <dgm:styleLbl name="parChTrans2D2">
-    <dgm:scene3d>
-      <a:camera prst="orthographicFront"/>
-      <a:lightRig rig="threePt" dir="t"/>
-    </dgm:scene3d>
-    <dgm:sp3d/>
-    <dgm:txPr/>
-    <dgm:style>
-      <a:lnRef idx="2">
-        <a:scrgbClr r="0" g="0" b="0"/>
-      </a:lnRef>
-      <a:fillRef idx="1">
-        <a:scrgbClr r="0" g="0" b="0"/>
-      </a:fillRef>
-      <a:effectRef idx="0">
-        <a:scrgbClr r="0" g="0" b="0"/>
-      </a:effectRef>
-      <a:fontRef idx="minor">
-        <a:schemeClr val="lt1"/>
-      </a:fontRef>
-    </dgm:style>
-  </dgm:styleLbl>
-  <dgm:styleLbl name="parChTrans2D3">
-    <dgm:scene3d>
-      <a:camera prst="orthographicFront"/>
-      <a:lightRig rig="threePt" dir="t"/>
-    </dgm:scene3d>
-    <dgm:sp3d/>
-    <dgm:txPr/>
-    <dgm:style>
-      <a:lnRef idx="2">
-        <a:scrgbClr r="0" g="0" b="0"/>
-      </a:lnRef>
-      <a:fillRef idx="1">
-        <a:scrgbClr r="0" g="0" b="0"/>
-      </a:fillRef>
-      <a:effectRef idx="0">
-        <a:scrgbClr r="0" g="0" b="0"/>
-      </a:effectRef>
-      <a:fontRef idx="minor">
-        <a:schemeClr val="lt1"/>
-      </a:fontRef>
-    </dgm:style>
-  </dgm:styleLbl>
-  <dgm:styleLbl name="parChTrans2D4">
-    <dgm:scene3d>
-      <a:camera prst="orthographicFront"/>
-      <a:lightRig rig="threePt" dir="t"/>
-    </dgm:scene3d>
-    <dgm:sp3d/>
-    <dgm:txPr/>
-    <dgm:style>
-      <a:lnRef idx="2">
-        <a:scrgbClr r="0" g="0" b="0"/>
-      </a:lnRef>
-      <a:fillRef idx="1">
-        <a:scrgbClr r="0" g="0" b="0"/>
-      </a:fillRef>
-      <a:effectRef idx="0">
-        <a:scrgbClr r="0" g="0" b="0"/>
-      </a:effectRef>
-      <a:fontRef idx="minor">
-        <a:schemeClr val="lt1"/>
-      </a:fontRef>
-    </dgm:style>
-  </dgm:styleLbl>
-  <dgm:styleLbl name="parChTrans1D1">
-    <dgm:scene3d>
-      <a:camera prst="orthographicFront"/>
-      <a:lightRig rig="threePt" dir="t"/>
-    </dgm:scene3d>
-    <dgm:sp3d/>
-    <dgm:txPr/>
-    <dgm:style>
-      <a:lnRef idx="2">
-        <a:scrgbClr r="0" g="0" b="0"/>
-      </a:lnRef>
-      <a:fillRef idx="0">
-        <a:scrgbClr r="0" g="0" b="0"/>
-      </a:fillRef>
-      <a:effectRef idx="0">
-        <a:scrgbClr r="0" g="0" b="0"/>
-      </a:effectRef>
-      <a:fontRef idx="minor"/>
-    </dgm:style>
-  </dgm:styleLbl>
-  <dgm:styleLbl name="parChTrans1D2">
-    <dgm:scene3d>
-      <a:camera prst="orthographicFront"/>
-      <a:lightRig rig="threePt" dir="t"/>
-    </dgm:scene3d>
-    <dgm:sp3d/>
-    <dgm:txPr/>
-    <dgm:style>
-      <a:lnRef idx="2">
-        <a:scrgbClr r="0" g="0" b="0"/>
-      </a:lnRef>
-      <a:fillRef idx="0">
-        <a:scrgbClr r="0" g="0" b="0"/>
-      </a:fillRef>
-      <a:effectRef idx="0">
-        <a:scrgbClr r="0" g="0" b="0"/>
-      </a:effectRef>
-      <a:fontRef idx="minor"/>
-    </dgm:style>
-  </dgm:styleLbl>
-  <dgm:styleLbl name="parChTrans1D3">
-    <dgm:scene3d>
-      <a:camera prst="orthographicFront"/>
-      <a:lightRig rig="threePt" dir="t"/>
-    </dgm:scene3d>
-    <dgm:sp3d/>
-    <dgm:txPr/>
-    <dgm:style>
-      <a:lnRef idx="2">
-        <a:scrgbClr r="0" g="0" b="0"/>
-      </a:lnRef>
-      <a:fillRef idx="0">
-        <a:scrgbClr r="0" g="0" b="0"/>
-      </a:fillRef>
-      <a:effectRef idx="0">
-        <a:scrgbClr r="0" g="0" b="0"/>
-      </a:effectRef>
-      <a:fontRef idx="minor"/>
-    </dgm:style>
-  </dgm:styleLbl>
-  <dgm:styleLbl name="parChTrans1D4">
-    <dgm:scene3d>
-      <a:camera prst="orthographicFront"/>
-      <a:lightRig rig="threePt" dir="t"/>
-    </dgm:scene3d>
-    <dgm:sp3d/>
-    <dgm:txPr/>
-    <dgm:style>
-      <a:lnRef idx="2">
-        <a:scrgbClr r="0" g="0" b="0"/>
-      </a:lnRef>
-      <a:fillRef idx="0">
-        <a:scrgbClr r="0" g="0" b="0"/>
-      </a:fillRef>
-      <a:effectRef idx="0">
-        <a:scrgbClr r="0" g="0" b="0"/>
-      </a:effectRef>
-      <a:fontRef idx="minor"/>
-    </dgm:style>
-  </dgm:styleLbl>
-  <dgm:styleLbl name="fgAcc1">
-    <dgm:scene3d>
-      <a:camera prst="orthographicFront"/>
-      <a:lightRig rig="threePt" dir="t"/>
-    </dgm:scene3d>
-    <dgm:sp3d/>
-    <dgm:txPr/>
-    <dgm:style>
-      <a:lnRef idx="2">
-        <a:scrgbClr r="0" g="0" b="0"/>
-      </a:lnRef>
-      <a:fillRef idx="1">
-        <a:scrgbClr r="0" g="0" b="0"/>
-      </a:fillRef>
-      <a:effectRef idx="0">
-        <a:scrgbClr r="0" g="0" b="0"/>
-      </a:effectRef>
-      <a:fontRef idx="minor"/>
-    </dgm:style>
-  </dgm:styleLbl>
-  <dgm:styleLbl name="conFgAcc1">
-    <dgm:scene3d>
-      <a:camera prst="orthographicFront"/>
-      <a:lightRig rig="threePt" dir="t"/>
-    </dgm:scene3d>
-    <dgm:sp3d/>
-    <dgm:txPr/>
-    <dgm:style>
-      <a:lnRef idx="2">
-        <a:scrgbClr r="0" g="0" b="0"/>
-      </a:lnRef>
-      <a:fillRef idx="1">
-        <a:scrgbClr r="0" g="0" b="0"/>
-      </a:fillRef>
-      <a:effectRef idx="0">
-        <a:scrgbClr r="0" g="0" b="0"/>
-      </a:effectRef>
-      <a:fontRef idx="minor"/>
-    </dgm:style>
-  </dgm:styleLbl>
-  <dgm:styleLbl name="alignAcc1">
-    <dgm:scene3d>
-      <a:camera prst="orthographicFront"/>
-      <a:lightRig rig="threePt" dir="t"/>
-    </dgm:scene3d>
-    <dgm:sp3d/>
-    <dgm:txPr/>
-    <dgm:style>
-      <a:lnRef idx="2">
-        <a:scrgbClr r="0" g="0" b="0"/>
-      </a:lnRef>
-      <a:fillRef idx="1">
-        <a:scrgbClr r="0" g="0" b="0"/>
-      </a:fillRef>
-      <a:effectRef idx="0">
-        <a:scrgbClr r="0" g="0" b="0"/>
-      </a:effectRef>
-      <a:fontRef idx="minor"/>
-    </dgm:style>
-  </dgm:styleLbl>
-  <dgm:styleLbl name="trAlignAcc1">
-    <dgm:scene3d>
-      <a:camera prst="orthographicFront"/>
-      <a:lightRig rig="threePt" dir="t"/>
-    </dgm:scene3d>
-    <dgm:sp3d/>
-    <dgm:txPr/>
-    <dgm:style>
-      <a:lnRef idx="1">
-        <a:scrgbClr r="0" g="0" b="0"/>
-      </a:lnRef>
-      <a:fillRef idx="1">
-        <a:scrgbClr r="0" g="0" b="0"/>
-      </a:fillRef>
-      <a:effectRef idx="0">
-        <a:scrgbClr r="0" g="0" b="0"/>
-      </a:effectRef>
-      <a:fontRef idx="minor"/>
-    </dgm:style>
-  </dgm:styleLbl>
-  <dgm:styleLbl name="bgAcc1">
-    <dgm:scene3d>
-      <a:camera prst="orthographicFront"/>
-      <a:lightRig rig="threePt" dir="t"/>
-    </dgm:scene3d>
-    <dgm:sp3d/>
-    <dgm:txPr/>
-    <dgm:style>
-      <a:lnRef idx="2">
-        <a:scrgbClr r="0" g="0" b="0"/>
-      </a:lnRef>
-      <a:fillRef idx="1">
-        <a:scrgbClr r="0" g="0" b="0"/>
-      </a:fillRef>
-      <a:effectRef idx="0">
-        <a:scrgbClr r="0" g="0" b="0"/>
-      </a:effectRef>
-      <a:fontRef idx="minor"/>
-    </dgm:style>
-  </dgm:styleLbl>
-  <dgm:styleLbl name="solidFgAcc1">
-    <dgm:scene3d>
-      <a:camera prst="orthographicFront"/>
-      <a:lightRig rig="threePt" dir="t"/>
-    </dgm:scene3d>
-    <dgm:sp3d/>
-    <dgm:txPr/>
-    <dgm:style>
-      <a:lnRef idx="2">
-        <a:scrgbClr r="0" g="0" b="0"/>
-      </a:lnRef>
-      <a:fillRef idx="1">
-        <a:scrgbClr r="0" g="0" b="0"/>
-      </a:fillRef>
-      <a:effectRef idx="0">
-        <a:scrgbClr r="0" g="0" b="0"/>
-      </a:effectRef>
-      <a:fontRef idx="minor"/>
-    </dgm:style>
-  </dgm:styleLbl>
-  <dgm:styleLbl name="solidAlignAcc1">
-    <dgm:scene3d>
-      <a:camera prst="orthographicFront"/>
-      <a:lightRig rig="threePt" dir="t"/>
-    </dgm:scene3d>
-    <dgm:sp3d/>
-    <dgm:txPr/>
-    <dgm:style>
-      <a:lnRef idx="2">
-        <a:scrgbClr r="0" g="0" b="0"/>
-      </a:lnRef>
-      <a:fillRef idx="1">
-        <a:scrgbClr r="0" g="0" b="0"/>
-      </a:fillRef>
-      <a:effectRef idx="0">
-        <a:scrgbClr r="0" g="0" b="0"/>
-      </a:effectRef>
-      <a:fontRef idx="minor"/>
-    </dgm:style>
-  </dgm:styleLbl>
-  <dgm:styleLbl name="solidBgAcc1">
-    <dgm:scene3d>
-      <a:camera prst="orthographicFront"/>
-      <a:lightRig rig="threePt" dir="t"/>
-    </dgm:scene3d>
-    <dgm:sp3d/>
-    <dgm:txPr/>
-    <dgm:style>
-      <a:lnRef idx="2">
-        <a:scrgbClr r="0" g="0" b="0"/>
-      </a:lnRef>
-      <a:fillRef idx="1">
-        <a:scrgbClr r="0" g="0" b="0"/>
-      </a:fillRef>
-      <a:effectRef idx="0">
-        <a:scrgbClr r="0" g="0" b="0"/>
-      </a:effectRef>
-      <a:fontRef idx="minor"/>
-    </dgm:style>
-  </dgm:styleLbl>
-  <dgm:styleLbl name="fgAccFollowNode1">
-    <dgm:scene3d>
-      <a:camera prst="orthographicFront"/>
-      <a:lightRig rig="threePt" dir="t"/>
-    </dgm:scene3d>
-    <dgm:sp3d/>
-    <dgm:txPr/>
-    <dgm:style>
-      <a:lnRef idx="2">
-        <a:scrgbClr r="0" g="0" b="0"/>
-      </a:lnRef>
-      <a:fillRef idx="1">
-        <a:scrgbClr r="0" g="0" b="0"/>
-      </a:fillRef>
-      <a:effectRef idx="0">
-        <a:scrgbClr r="0" g="0" b="0"/>
-      </a:effectRef>
-      <a:fontRef idx="minor"/>
-    </dgm:style>
-  </dgm:styleLbl>
-  <dgm:styleLbl name="alignAccFollowNode1">
-    <dgm:scene3d>
-      <a:camera prst="orthographicFront"/>
-      <a:lightRig rig="threePt" dir="t"/>
-    </dgm:scene3d>
-    <dgm:sp3d/>
-    <dgm:txPr/>
-    <dgm:style>
-      <a:lnRef idx="2">
-        <a:scrgbClr r="0" g="0" b="0"/>
-      </a:lnRef>
-      <a:fillRef idx="1">
-        <a:scrgbClr r="0" g="0" b="0"/>
-      </a:fillRef>
-      <a:effectRef idx="0">
-        <a:scrgbClr r="0" g="0" b="0"/>
-      </a:effectRef>
-      <a:fontRef idx="minor"/>
-    </dgm:style>
-  </dgm:styleLbl>
-  <dgm:styleLbl name="bgAccFollowNode1">
-    <dgm:scene3d>
-      <a:camera prst="orthographicFront"/>
-      <a:lightRig rig="threePt" dir="t"/>
-    </dgm:scene3d>
-    <dgm:sp3d/>
-    <dgm:txPr/>
-    <dgm:style>
-      <a:lnRef idx="2">
-        <a:scrgbClr r="0" g="0" b="0"/>
-      </a:lnRef>
-      <a:fillRef idx="1">
-        <a:scrgbClr r="0" g="0" b="0"/>
-      </a:fillRef>
-      <a:effectRef idx="0">
-        <a:scrgbClr r="0" g="0" b="0"/>
-      </a:effectRef>
-      <a:fontRef idx="minor"/>
-    </dgm:style>
-  </dgm:styleLbl>
-  <dgm:styleLbl name="fgAcc0">
-    <dgm:scene3d>
-      <a:camera prst="orthographicFront"/>
-      <a:lightRig rig="threePt" dir="t"/>
-    </dgm:scene3d>
-    <dgm:sp3d/>
-    <dgm:txPr/>
-    <dgm:style>
-      <a:lnRef idx="2">
-        <a:scrgbClr r="0" g="0" b="0"/>
-      </a:lnRef>
-      <a:fillRef idx="1">
-        <a:scrgbClr r="0" g="0" b="0"/>
-      </a:fillRef>
-      <a:effectRef idx="0">
-        <a:scrgbClr r="0" g="0" b="0"/>
-      </a:effectRef>
-      <a:fontRef idx="minor"/>
-    </dgm:style>
-  </dgm:styleLbl>
-  <dgm:styleLbl name="fgAcc2">
-    <dgm:scene3d>
-      <a:camera prst="orthographicFront"/>
-      <a:lightRig rig="threePt" dir="t"/>
-    </dgm:scene3d>
-    <dgm:sp3d/>
-    <dgm:txPr/>
-    <dgm:style>
-      <a:lnRef idx="2">
-        <a:scrgbClr r="0" g="0" b="0"/>
-      </a:lnRef>
-      <a:fillRef idx="1">
-        <a:scrgbClr r="0" g="0" b="0"/>
-      </a:fillRef>
-      <a:effectRef idx="0">
-        <a:scrgbClr r="0" g="0" b="0"/>
-      </a:effectRef>
-      <a:fontRef idx="minor"/>
-    </dgm:style>
-  </dgm:styleLbl>
-  <dgm:styleLbl name="fgAcc3">
-    <dgm:scene3d>
-      <a:camera prst="orthographicFront"/>
-      <a:lightRig rig="threePt" dir="t"/>
-    </dgm:scene3d>
-    <dgm:sp3d/>
-    <dgm:txPr/>
-    <dgm:style>
-      <a:lnRef idx="2">
-        <a:scrgbClr r="0" g="0" b="0"/>
-      </a:lnRef>
-      <a:fillRef idx="1">
-        <a:scrgbClr r="0" g="0" b="0"/>
-      </a:fillRef>
-      <a:effectRef idx="0">
-        <a:scrgbClr r="0" g="0" b="0"/>
-      </a:effectRef>
-      <a:fontRef idx="minor"/>
-    </dgm:style>
-  </dgm:styleLbl>
-  <dgm:styleLbl name="fgAcc4">
-    <dgm:scene3d>
-      <a:camera prst="orthographicFront"/>
-      <a:lightRig rig="threePt" dir="t"/>
-    </dgm:scene3d>
-    <dgm:sp3d/>
-    <dgm:txPr/>
-    <dgm:style>
-      <a:lnRef idx="2">
-        <a:scrgbClr r="0" g="0" b="0"/>
-      </a:lnRef>
-      <a:fillRef idx="1">
-        <a:scrgbClr r="0" g="0" b="0"/>
-      </a:fillRef>
-      <a:effectRef idx="0">
-        <a:scrgbClr r="0" g="0" b="0"/>
-      </a:effectRef>
-      <a:fontRef idx="minor"/>
-    </dgm:style>
-  </dgm:styleLbl>
-  <dgm:styleLbl name="bgShp">
-    <dgm:scene3d>
-      <a:camera prst="orthographicFront"/>
-      <a:lightRig rig="threePt" dir="t"/>
-    </dgm:scene3d>
-    <dgm:sp3d/>
-    <dgm:txPr/>
-    <dgm:style>
-      <a:lnRef idx="0">
-        <a:scrgbClr r="0" g="0" b="0"/>
-      </a:lnRef>
-      <a:fillRef idx="1">
-        <a:scrgbClr r="0" g="0" b="0"/>
-      </a:fillRef>
-      <a:effectRef idx="0">
-        <a:scrgbClr r="0" g="0" b="0"/>
-      </a:effectRef>
-      <a:fontRef idx="minor"/>
-    </dgm:style>
-  </dgm:styleLbl>
-  <dgm:styleLbl name="dkBgShp">
-    <dgm:scene3d>
-      <a:camera prst="orthographicFront"/>
-      <a:lightRig rig="threePt" dir="t"/>
-    </dgm:scene3d>
-    <dgm:sp3d/>
-    <dgm:txPr/>
-    <dgm:style>
-      <a:lnRef idx="0">
-        <a:scrgbClr r="0" g="0" b="0"/>
-      </a:lnRef>
-      <a:fillRef idx="1">
-        <a:scrgbClr r="0" g="0" b="0"/>
-      </a:fillRef>
-      <a:effectRef idx="0">
-        <a:scrgbClr r="0" g="0" b="0"/>
-      </a:effectRef>
-      <a:fontRef idx="minor"/>
-    </dgm:style>
-  </dgm:styleLbl>
-  <dgm:styleLbl name="trBgShp">
-    <dgm:scene3d>
-      <a:camera prst="orthographicFront"/>
-      <a:lightRig rig="threePt" dir="t"/>
-    </dgm:scene3d>
-    <dgm:sp3d/>
-    <dgm:txPr/>
-    <dgm:style>
-      <a:lnRef idx="0">
-        <a:scrgbClr r="0" g="0" b="0"/>
-      </a:lnRef>
-      <a:fillRef idx="1">
-        <a:scrgbClr r="0" g="0" b="0"/>
-      </a:fillRef>
-      <a:effectRef idx="0">
-        <a:scrgbClr r="0" g="0" b="0"/>
-      </a:effectRef>
-      <a:fontRef idx="minor"/>
-    </dgm:style>
-  </dgm:styleLbl>
-  <dgm:styleLbl name="fgShp">
-    <dgm:scene3d>
-      <a:camera prst="orthographicFront"/>
-      <a:lightRig rig="threePt" dir="t"/>
-    </dgm:scene3d>
-    <dgm:sp3d/>
-    <dgm:txPr/>
-    <dgm:style>
-      <a:lnRef idx="2">
-        <a:scrgbClr r="0" g="0" b="0"/>
-      </a:lnRef>
-      <a:fillRef idx="1">
-        <a:scrgbClr r="0" g="0" b="0"/>
-      </a:fillRef>
-      <a:effectRef idx="0">
-        <a:scrgbClr r="0" g="0" b="0"/>
-      </a:effectRef>
-      <a:fontRef idx="minor"/>
-    </dgm:style>
-  </dgm:styleLbl>
-  <dgm:styleLbl name="revTx">
-    <dgm:scene3d>
-      <a:camera prst="orthographicFront"/>
-      <a:lightRig rig="threePt" dir="t"/>
-    </dgm:scene3d>
-    <dgm:sp3d/>
-    <dgm:txPr/>
-    <dgm:style>
-      <a:lnRef idx="0">
-        <a:scrgbClr r="0" g="0" b="0"/>
-      </a:lnRef>
-      <a:fillRef idx="0">
-        <a:scrgbClr r="0" g="0" b="0"/>
-      </a:fillRef>
-      <a:effectRef idx="0">
-        <a:scrgbClr r="0" g="0" b="0"/>
-      </a:effectRef>
-      <a:fontRef idx="minor"/>
-    </dgm:style>
-  </dgm:styleLbl>
-</dgm:styleDef>
-</file>
-
 <file path=ppt/notesMasters/notesMaster1.xml><?xml version="1.0" encoding="utf-8"?>
 <p:notesMaster xmlns:a="http://schemas.openxmlformats.org/drawingml/2006/main" xmlns:r="http://schemas.openxmlformats.org/officeDocument/2006/relationships" xmlns:p="http://schemas.openxmlformats.org/presentationml/2006/main">
   <p:cSld>
@@ -33060,7 +30075,7 @@
           <a:p>
             <a:fld id="{56A18366-A052-44AE-8A83-03448C514A16}" type="datetimeFigureOut">
               <a:rPr lang="en-US" smtClean="0"/>
-              <a:t>6/12/2017</a:t>
+              <a:t>6/20/2017</a:t>
             </a:fld>
             <a:endParaRPr lang="en-US"/>
           </a:p>
@@ -33373,21 +30388,35 @@
           <a:p>
             <a:r>
               <a:rPr lang="ru-RU" dirty="0"/>
-              <a:t>Последовательность выполнения методов и Dto со сложной логикой валидации</a:t>
+              <a:t>Я</a:t>
             </a:r>
-            <a:endParaRPr lang="en-US" dirty="0"/>
-          </a:p>
-          <a:p>
             <a:r>
-              <a:rPr lang="ru-RU" dirty="0"/>
-              <a:t>Я часто опечатываюсь, вводя несколько точек подряд</a:t>
+              <a:rPr lang="ru-RU" baseline="0" dirty="0"/>
+              <a:t> хотел сделать доклад о том, как можно применять </a:t>
             </a:r>
-            <a:endParaRPr lang="en-US" dirty="0"/>
-          </a:p>
-          <a:p>
             <a:r>
-              <a:rPr lang="ru-RU" dirty="0"/>
-              <a:t>Применение правил по пректно</a:t>
+              <a:rPr lang="en-US" baseline="0" dirty="0" err="1"/>
+              <a:t>CodeAnalysis</a:t>
+            </a:r>
+            <a:r>
+              <a:rPr lang="en-US" baseline="0" dirty="0"/>
+              <a:t>, </a:t>
+            </a:r>
+            <a:r>
+              <a:rPr lang="ru-RU" baseline="0" dirty="0"/>
+              <a:t>с примерами. Но потом я вспомнил, какие проблемы я встречал при изучении </a:t>
+            </a:r>
+            <a:r>
+              <a:rPr lang="en-US" baseline="0" dirty="0"/>
+              <a:t>Roslyn </a:t>
+            </a:r>
+            <a:r>
+              <a:rPr lang="ru-RU" baseline="0" dirty="0"/>
+              <a:t>и заметил, что мои коллеги и знакомые встречают аналогичные проблемы. Причина этого – сложность и некоторая необычность данного </a:t>
+            </a:r>
+            <a:r>
+              <a:rPr lang="en-US" baseline="0" dirty="0"/>
+              <a:t>API.</a:t>
             </a:r>
             <a:endParaRPr lang="en-US" dirty="0"/>
           </a:p>
@@ -33419,7 +30448,7 @@
     </p:spTree>
     <p:extLst>
       <p:ext uri="{BB962C8B-B14F-4D97-AF65-F5344CB8AC3E}">
-        <p14:creationId xmlns:p14="http://schemas.microsoft.com/office/powerpoint/2010/main" val="3547616911"/>
+        <p14:creationId xmlns:p14="http://schemas.microsoft.com/office/powerpoint/2010/main" val="2246773893"/>
       </p:ext>
     </p:extLst>
   </p:cSld>
@@ -33767,35 +30796,21 @@
           <a:p>
             <a:r>
               <a:rPr lang="ru-RU" dirty="0"/>
-              <a:t>Я</a:t>
+              <a:t>Последовательность выполнения методов и Dto со сложной логикой валидации</a:t>
             </a:r>
+            <a:endParaRPr lang="en-US" dirty="0"/>
+          </a:p>
+          <a:p>
             <a:r>
-              <a:rPr lang="ru-RU" baseline="0" dirty="0"/>
-              <a:t> хотел сделать доклад о том, как можно применять </a:t>
+              <a:rPr lang="ru-RU" dirty="0"/>
+              <a:t>Я часто опечатываюсь, вводя несколько точек подряд</a:t>
             </a:r>
+            <a:endParaRPr lang="en-US" dirty="0"/>
+          </a:p>
+          <a:p>
             <a:r>
-              <a:rPr lang="en-US" baseline="0" dirty="0" err="1"/>
-              <a:t>CodeAnalysis</a:t>
-            </a:r>
-            <a:r>
-              <a:rPr lang="en-US" baseline="0" dirty="0"/>
-              <a:t>, </a:t>
-            </a:r>
-            <a:r>
-              <a:rPr lang="ru-RU" baseline="0" dirty="0"/>
-              <a:t>с примерами. Но потом я вспомнил, какие проблемы я встречал при изучении </a:t>
-            </a:r>
-            <a:r>
-              <a:rPr lang="en-US" baseline="0" dirty="0"/>
-              <a:t>Roslyn </a:t>
-            </a:r>
-            <a:r>
-              <a:rPr lang="ru-RU" baseline="0" dirty="0"/>
-              <a:t>и заметил, что мои коллеги и знакомые встречают аналогичные проблемы. Причина этого – сложность и некоторая необычность данного </a:t>
-            </a:r>
-            <a:r>
-              <a:rPr lang="en-US" baseline="0" dirty="0"/>
-              <a:t>API.</a:t>
+              <a:rPr lang="ru-RU" dirty="0"/>
+              <a:t>Применение правил по пректно</a:t>
             </a:r>
             <a:endParaRPr lang="en-US" dirty="0"/>
           </a:p>
@@ -33818,7 +30833,7 @@
           <a:p>
             <a:fld id="{A8056219-52E5-46EB-8402-B0D5886D658D}" type="slidenum">
               <a:rPr lang="en-US" smtClean="0"/>
-              <a:t>3</a:t>
+              <a:t>4</a:t>
             </a:fld>
             <a:endParaRPr lang="en-US"/>
           </a:p>
@@ -33827,7 +30842,7 @@
     </p:spTree>
     <p:extLst>
       <p:ext uri="{BB962C8B-B14F-4D97-AF65-F5344CB8AC3E}">
-        <p14:creationId xmlns:p14="http://schemas.microsoft.com/office/powerpoint/2010/main" val="2246773893"/>
+        <p14:creationId xmlns:p14="http://schemas.microsoft.com/office/powerpoint/2010/main" val="3547616911"/>
       </p:ext>
     </p:extLst>
   </p:cSld>
@@ -34909,7 +31924,7 @@
           <a:p>
             <a:fld id="{A5EF53D7-1ACF-4A2A-9E6D-232E03173C8B}" type="datetimeFigureOut">
               <a:rPr lang="en-US" smtClean="0"/>
-              <a:t>6/12/2017</a:t>
+              <a:t>6/20/2017</a:t>
             </a:fld>
             <a:endParaRPr lang="en-US"/>
           </a:p>
@@ -35088,7 +32103,7 @@
           <a:p>
             <a:fld id="{A5EF53D7-1ACF-4A2A-9E6D-232E03173C8B}" type="datetimeFigureOut">
               <a:rPr lang="en-US" smtClean="0"/>
-              <a:t>6/12/2017</a:t>
+              <a:t>6/20/2017</a:t>
             </a:fld>
             <a:endParaRPr lang="en-US"/>
           </a:p>
@@ -35268,7 +32283,7 @@
           <a:p>
             <a:fld id="{A5EF53D7-1ACF-4A2A-9E6D-232E03173C8B}" type="datetimeFigureOut">
               <a:rPr lang="en-US" smtClean="0"/>
-              <a:t>6/12/2017</a:t>
+              <a:t>6/20/2017</a:t>
             </a:fld>
             <a:endParaRPr lang="en-US"/>
           </a:p>
@@ -35438,7 +32453,7 @@
           <a:p>
             <a:fld id="{A5EF53D7-1ACF-4A2A-9E6D-232E03173C8B}" type="datetimeFigureOut">
               <a:rPr lang="en-US" smtClean="0"/>
-              <a:t>6/12/2017</a:t>
+              <a:t>6/20/2017</a:t>
             </a:fld>
             <a:endParaRPr lang="en-US"/>
           </a:p>
@@ -35751,7 +32766,7 @@
           <a:p>
             <a:fld id="{A5EF53D7-1ACF-4A2A-9E6D-232E03173C8B}" type="datetimeFigureOut">
               <a:rPr lang="en-US" smtClean="0"/>
-              <a:t>6/12/2017</a:t>
+              <a:t>6/20/2017</a:t>
             </a:fld>
             <a:endParaRPr lang="en-US"/>
           </a:p>
@@ -36137,7 +33152,7 @@
           <a:p>
             <a:fld id="{A5EF53D7-1ACF-4A2A-9E6D-232E03173C8B}" type="datetimeFigureOut">
               <a:rPr lang="en-US" smtClean="0"/>
-              <a:t>6/12/2017</a:t>
+              <a:t>6/20/2017</a:t>
             </a:fld>
             <a:endParaRPr lang="en-US"/>
           </a:p>
@@ -36571,7 +33586,7 @@
           <a:p>
             <a:fld id="{A5EF53D7-1ACF-4A2A-9E6D-232E03173C8B}" type="datetimeFigureOut">
               <a:rPr lang="en-US" smtClean="0"/>
-              <a:t>6/12/2017</a:t>
+              <a:t>6/20/2017</a:t>
             </a:fld>
             <a:endParaRPr lang="en-US"/>
           </a:p>
@@ -36689,7 +33704,7 @@
           <a:p>
             <a:fld id="{A5EF53D7-1ACF-4A2A-9E6D-232E03173C8B}" type="datetimeFigureOut">
               <a:rPr lang="en-US" smtClean="0"/>
-              <a:t>6/12/2017</a:t>
+              <a:t>6/20/2017</a:t>
             </a:fld>
             <a:endParaRPr lang="en-US"/>
           </a:p>
@@ -36784,7 +33799,7 @@
           <a:p>
             <a:fld id="{A5EF53D7-1ACF-4A2A-9E6D-232E03173C8B}" type="datetimeFigureOut">
               <a:rPr lang="en-US" smtClean="0"/>
-              <a:t>6/12/2017</a:t>
+              <a:t>6/20/2017</a:t>
             </a:fld>
             <a:endParaRPr lang="en-US"/>
           </a:p>
@@ -37134,7 +34149,7 @@
           <a:p>
             <a:fld id="{A5EF53D7-1ACF-4A2A-9E6D-232E03173C8B}" type="datetimeFigureOut">
               <a:rPr lang="en-US" smtClean="0"/>
-              <a:t>6/12/2017</a:t>
+              <a:t>6/20/2017</a:t>
             </a:fld>
             <a:endParaRPr lang="en-US"/>
           </a:p>
@@ -37559,7 +34574,7 @@
           <a:p>
             <a:fld id="{A5EF53D7-1ACF-4A2A-9E6D-232E03173C8B}" type="datetimeFigureOut">
               <a:rPr lang="en-US" smtClean="0"/>
-              <a:t>6/12/2017</a:t>
+              <a:t>6/20/2017</a:t>
             </a:fld>
             <a:endParaRPr lang="en-US"/>
           </a:p>
@@ -37840,7 +34855,7 @@
           <a:p>
             <a:fld id="{A5EF53D7-1ACF-4A2A-9E6D-232E03173C8B}" type="datetimeFigureOut">
               <a:rPr lang="en-US" smtClean="0"/>
-              <a:t>6/12/2017</a:t>
+              <a:t>6/20/2017</a:t>
             </a:fld>
             <a:endParaRPr lang="en-US"/>
           </a:p>
@@ -38501,11 +35516,29 @@
             <p:ph type="title"/>
           </p:nvPr>
         </p:nvSpPr>
-        <p:spPr/>
+        <p:spPr>
+          <a:xfrm>
+            <a:off x="8549639" y="685800"/>
+            <a:ext cx="3513051" cy="1737360"/>
+          </a:xfrm>
+        </p:spPr>
         <p:txBody>
-          <a:bodyPr/>
+          <a:bodyPr>
+            <a:normAutofit fontScale="90000"/>
+          </a:bodyPr>
           <a:lstStyle/>
           <a:p>
+            <a:r>
+              <a:rPr lang="ru-RU" dirty="0">
+                <a:solidFill>
+                  <a:schemeClr val="accent1"/>
+                </a:solidFill>
+              </a:rPr>
+              <a:t>Неочевидность №4:</a:t>
+            </a:r>
+            <a:br>
+              <a:rPr lang="ru-RU" dirty="0"/>
+            </a:br>
             <a:r>
               <a:rPr lang="ru-RU" dirty="0"/>
               <a:t>100 простых анализаторов</a:t>
@@ -38609,6 +35642,17 @@
           <a:bodyPr/>
           <a:lstStyle/>
           <a:p>
+            <a:r>
+              <a:rPr lang="ru-RU" dirty="0">
+                <a:solidFill>
+                  <a:schemeClr val="accent1"/>
+                </a:solidFill>
+              </a:rPr>
+              <a:t>ШПАРГАЛКА №2:</a:t>
+            </a:r>
+            <a:br>
+              <a:rPr lang="ru-RU" dirty="0"/>
+            </a:br>
             <a:r>
               <a:rPr lang="en-US" dirty="0" err="1"/>
               <a:t>ReplaceNode</a:t>
@@ -38783,9 +35827,30 @@
         </p:nvSpPr>
         <p:spPr/>
         <p:txBody>
-          <a:bodyPr/>
+          <a:bodyPr>
+            <a:normAutofit fontScale="90000"/>
+          </a:bodyPr>
           <a:lstStyle/>
           <a:p>
+            <a:r>
+              <a:rPr lang="ru-RU" dirty="0">
+                <a:solidFill>
+                  <a:schemeClr val="accent1"/>
+                </a:solidFill>
+              </a:rPr>
+              <a:t>НЕОЧЕВИДНОСТЬ №5:</a:t>
+            </a:r>
+            <a:br>
+              <a:rPr lang="ru-RU" dirty="0"/>
+            </a:br>
+            <a:r>
+              <a:rPr lang="en-US" dirty="0" err="1"/>
+              <a:t>CodeAnalysys</a:t>
+            </a:r>
+            <a:r>
+              <a:rPr lang="ru-RU" dirty="0"/>
+              <a:t> очень дружественна  к </a:t>
+            </a:r>
             <a:r>
               <a:rPr lang="en-US" dirty="0"/>
               <a:t>F12</a:t>
@@ -38817,8 +35882,8 @@
         </p:blipFill>
         <p:spPr>
           <a:xfrm>
-            <a:off x="3396834" y="2120900"/>
-            <a:ext cx="5404681" cy="4051300"/>
+            <a:off x="3396834" y="2798618"/>
+            <a:ext cx="5404681" cy="3373582"/>
           </a:xfrm>
         </p:spPr>
       </p:pic>
@@ -38862,11 +35927,37 @@
             <p:ph type="title"/>
           </p:nvPr>
         </p:nvSpPr>
-        <p:spPr/>
+        <p:spPr>
+          <a:xfrm>
+            <a:off x="1069848" y="484631"/>
+            <a:ext cx="10058400" cy="1916823"/>
+          </a:xfrm>
+        </p:spPr>
         <p:txBody>
-          <a:bodyPr/>
+          <a:bodyPr>
+            <a:normAutofit fontScale="90000"/>
+          </a:bodyPr>
           <a:lstStyle/>
           <a:p>
+            <a:r>
+              <a:rPr lang="ru-RU" dirty="0">
+                <a:solidFill>
+                  <a:schemeClr val="accent1"/>
+                </a:solidFill>
+              </a:rPr>
+              <a:t>ШПАРГАЛКА №3:</a:t>
+            </a:r>
+            <a:br>
+              <a:rPr lang="ru-RU" dirty="0"/>
+            </a:br>
+            <a:r>
+              <a:rPr lang="ru-RU" dirty="0"/>
+              <a:t>Помимо типа узла есть</a:t>
+            </a:r>
+            <a:r>
+              <a:rPr lang="en-US" dirty="0"/>
+              <a:t> </a:t>
+            </a:r>
             <a:r>
               <a:rPr lang="en-US" dirty="0" err="1"/>
               <a:t>SyntaxKind</a:t>
@@ -38885,7 +35976,12 @@
             <p:ph idx="1"/>
           </p:nvPr>
         </p:nvSpPr>
-        <p:spPr/>
+        <p:spPr>
+          <a:xfrm>
+            <a:off x="1069848" y="2881744"/>
+            <a:ext cx="10058400" cy="3290455"/>
+          </a:xfrm>
+        </p:spPr>
         <p:txBody>
           <a:bodyPr/>
           <a:lstStyle/>
@@ -39006,6 +36102,17 @@
           <a:lstStyle/>
           <a:p>
             <a:r>
+              <a:rPr lang="ru-RU" dirty="0">
+                <a:solidFill>
+                  <a:schemeClr val="accent1"/>
+                </a:solidFill>
+              </a:rPr>
+              <a:t>неочевидность №6:</a:t>
+            </a:r>
+            <a:br>
+              <a:rPr lang="ru-RU" dirty="0"/>
+            </a:br>
+            <a:r>
               <a:rPr lang="ru-RU" dirty="0"/>
               <a:t>Где имя, там </a:t>
             </a:r>
@@ -39091,6 +36198,17 @@
           <a:lstStyle/>
           <a:p>
             <a:r>
+              <a:rPr lang="ru-RU" dirty="0">
+                <a:solidFill>
+                  <a:schemeClr val="accent1"/>
+                </a:solidFill>
+              </a:rPr>
+              <a:t>ШПАРГАЛКА №4:</a:t>
+            </a:r>
+            <a:br>
+              <a:rPr lang="ru-RU" dirty="0"/>
+            </a:br>
+            <a:r>
               <a:rPr lang="ru-RU" dirty="0"/>
               <a:t>Есть </a:t>
             </a:r>
@@ -39133,7 +36251,6 @@
               <a:rPr lang="en-US" dirty="0"/>
               <a:t>(false)</a:t>
             </a:r>
-            <a:endParaRPr lang="en-US" dirty="0"/>
           </a:p>
         </p:txBody>
       </p:sp>
@@ -39198,7 +36315,7 @@
             <p:ph sz="quarter" idx="4"/>
             <p:extLst>
               <p:ext uri="{D42A27DB-BD31-4B8C-83A1-F6EECF244321}">
-                <p14:modId xmlns:p14="http://schemas.microsoft.com/office/powerpoint/2010/main" val="3251981203"/>
+                <p14:modId xmlns:p14="http://schemas.microsoft.com/office/powerpoint/2010/main" val="1658850397"/>
               </p:ext>
             </p:extLst>
           </p:nvPr>
@@ -39265,9 +36382,25 @@
           <a:lstStyle/>
           <a:p>
             <a:r>
-              <a:rPr lang="en-US" sz="4000"/>
+              <a:rPr lang="ru-RU" sz="4000" dirty="0">
+                <a:solidFill>
+                  <a:schemeClr val="accent1"/>
+                </a:solidFill>
+              </a:rPr>
+              <a:t>ШПАРГАЛКА №5:</a:t>
+            </a:r>
+            <a:br>
+              <a:rPr lang="ru-RU" sz="4000" dirty="0"/>
+            </a:br>
+            <a:r>
+              <a:rPr lang="en-US" sz="4000" dirty="0" err="1"/>
               <a:t>syntaxfactory</a:t>
             </a:r>
+            <a:r>
+              <a:rPr lang="ru-RU" sz="4000" dirty="0"/>
+              <a:t> – бог этого мира</a:t>
+            </a:r>
+            <a:endParaRPr lang="en-US" sz="4000" dirty="0"/>
           </a:p>
         </p:txBody>
       </p:sp>
@@ -39345,6 +36478,17 @@
           <a:bodyPr/>
           <a:lstStyle/>
           <a:p>
+            <a:r>
+              <a:rPr lang="ru-RU" dirty="0">
+                <a:solidFill>
+                  <a:schemeClr val="accent1"/>
+                </a:solidFill>
+              </a:rPr>
+              <a:t>Шпаргалка №6:</a:t>
+            </a:r>
+            <a:br>
+              <a:rPr lang="ru-RU" dirty="0"/>
+            </a:br>
             <a:r>
               <a:rPr lang="en-US" dirty="0"/>
               <a:t>With….\Update…\Add…</a:t>
@@ -39519,6 +36663,17 @@
           <a:lstStyle/>
           <a:p>
             <a:r>
+              <a:rPr lang="ru-RU" dirty="0">
+                <a:solidFill>
+                  <a:schemeClr val="accent1"/>
+                </a:solidFill>
+              </a:rPr>
+              <a:t>ШПАРГАЛКА №7:</a:t>
+            </a:r>
+            <a:br>
+              <a:rPr lang="ru-RU" dirty="0"/>
+            </a:br>
+            <a:r>
               <a:rPr lang="en-US" dirty="0" err="1"/>
               <a:t>InsertNodesBefore</a:t>
             </a:r>
@@ -39577,6 +36732,1670 @@
 </file>
 
 <file path=ppt/slides/slide2.xml><?xml version="1.0" encoding="utf-8"?>
+<p:sld xmlns:a="http://schemas.openxmlformats.org/drawingml/2006/main" xmlns:r="http://schemas.openxmlformats.org/officeDocument/2006/relationships" xmlns:p="http://schemas.openxmlformats.org/presentationml/2006/main">
+  <p:cSld>
+    <p:spTree>
+      <p:nvGrpSpPr>
+        <p:cNvPr id="1" name=""/>
+        <p:cNvGrpSpPr/>
+        <p:nvPr/>
+      </p:nvGrpSpPr>
+      <p:grpSpPr>
+        <a:xfrm>
+          <a:off x="0" y="0"/>
+          <a:ext cx="0" cy="0"/>
+          <a:chOff x="0" y="0"/>
+          <a:chExt cx="0" cy="0"/>
+        </a:xfrm>
+      </p:grpSpPr>
+      <p:sp>
+        <p:nvSpPr>
+          <p:cNvPr id="2" name="Title 1"/>
+          <p:cNvSpPr>
+            <a:spLocks noGrp="1"/>
+          </p:cNvSpPr>
+          <p:nvPr>
+            <p:ph type="title"/>
+          </p:nvPr>
+        </p:nvSpPr>
+        <p:spPr/>
+        <p:txBody>
+          <a:bodyPr/>
+          <a:lstStyle/>
+          <a:p>
+            <a:r>
+              <a:rPr lang="ru-RU" dirty="0"/>
+              <a:t>Изучение</a:t>
+            </a:r>
+            <a:r>
+              <a:rPr lang="en-US" dirty="0"/>
+              <a:t> </a:t>
+            </a:r>
+            <a:r>
+              <a:rPr lang="en-US" dirty="0" err="1"/>
+              <a:t>Microsoft.CodeAnalysis</a:t>
+            </a:r>
+            <a:endParaRPr lang="en-US" dirty="0"/>
+          </a:p>
+        </p:txBody>
+      </p:sp>
+      <p:sp>
+        <p:nvSpPr>
+          <p:cNvPr id="4" name="Text Placeholder 3"/>
+          <p:cNvSpPr>
+            <a:spLocks noGrp="1"/>
+          </p:cNvSpPr>
+          <p:nvPr>
+            <p:ph type="body" idx="1"/>
+          </p:nvPr>
+        </p:nvSpPr>
+        <p:spPr/>
+        <p:txBody>
+          <a:bodyPr/>
+          <a:lstStyle/>
+          <a:p>
+            <a:r>
+              <a:rPr lang="ru-RU" dirty="0"/>
+              <a:t>Ожидание</a:t>
+            </a:r>
+            <a:endParaRPr lang="en-US" dirty="0"/>
+          </a:p>
+        </p:txBody>
+      </p:sp>
+      <p:pic>
+        <p:nvPicPr>
+          <p:cNvPr id="8" name="Content Placeholder 7"/>
+          <p:cNvPicPr>
+            <a:picLocks noGrp="1" noChangeAspect="1"/>
+          </p:cNvPicPr>
+          <p:nvPr>
+            <p:ph sz="half" idx="2"/>
+          </p:nvPr>
+        </p:nvPicPr>
+        <p:blipFill>
+          <a:blip r:embed="rId3">
+            <a:extLst>
+              <a:ext uri="{28A0092B-C50C-407E-A947-70E740481C1C}">
+                <a14:useLocalDpi xmlns:a14="http://schemas.microsoft.com/office/drawing/2010/main" val="0"/>
+              </a:ext>
+            </a:extLst>
+          </a:blip>
+          <a:stretch>
+            <a:fillRect/>
+          </a:stretch>
+        </p:blipFill>
+        <p:spPr>
+          <a:xfrm>
+            <a:off x="1069975" y="2847885"/>
+            <a:ext cx="4754563" cy="3083104"/>
+          </a:xfrm>
+        </p:spPr>
+      </p:pic>
+      <p:sp>
+        <p:nvSpPr>
+          <p:cNvPr id="6" name="Text Placeholder 5"/>
+          <p:cNvSpPr>
+            <a:spLocks noGrp="1"/>
+          </p:cNvSpPr>
+          <p:nvPr>
+            <p:ph type="body" sz="quarter" idx="3"/>
+          </p:nvPr>
+        </p:nvSpPr>
+        <p:spPr/>
+        <p:txBody>
+          <a:bodyPr/>
+          <a:lstStyle/>
+          <a:p>
+            <a:r>
+              <a:rPr lang="ru-RU" dirty="0"/>
+              <a:t>Реальность</a:t>
+            </a:r>
+            <a:endParaRPr lang="en-US" dirty="0"/>
+          </a:p>
+        </p:txBody>
+      </p:sp>
+      <p:pic>
+        <p:nvPicPr>
+          <p:cNvPr id="13" name="Content Placeholder 12"/>
+          <p:cNvPicPr>
+            <a:picLocks noGrp="1" noChangeAspect="1"/>
+          </p:cNvPicPr>
+          <p:nvPr>
+            <p:ph sz="quarter" idx="4"/>
+          </p:nvPr>
+        </p:nvPicPr>
+        <p:blipFill>
+          <a:blip r:embed="rId4">
+            <a:extLst>
+              <a:ext uri="{28A0092B-C50C-407E-A947-70E740481C1C}">
+                <a14:useLocalDpi xmlns:a14="http://schemas.microsoft.com/office/drawing/2010/main" val="0"/>
+              </a:ext>
+            </a:extLst>
+          </a:blip>
+          <a:stretch>
+            <a:fillRect/>
+          </a:stretch>
+        </p:blipFill>
+        <p:spPr>
+          <a:xfrm>
+            <a:off x="6513247" y="2743200"/>
+            <a:ext cx="4456643" cy="3292475"/>
+          </a:xfrm>
+        </p:spPr>
+      </p:pic>
+    </p:spTree>
+    <p:extLst>
+      <p:ext uri="{BB962C8B-B14F-4D97-AF65-F5344CB8AC3E}">
+        <p14:creationId xmlns:p14="http://schemas.microsoft.com/office/powerpoint/2010/main" val="3982417944"/>
+      </p:ext>
+    </p:extLst>
+  </p:cSld>
+  <p:clrMapOvr>
+    <a:masterClrMapping/>
+  </p:clrMapOvr>
+  <p:timing>
+    <p:tnLst>
+      <p:par>
+        <p:cTn id="1" dur="indefinite" restart="never" nodeType="tmRoot">
+          <p:childTnLst>
+            <p:seq concurrent="1" nextAc="seek">
+              <p:cTn id="2" dur="indefinite" nodeType="mainSeq">
+                <p:childTnLst>
+                  <p:par>
+                    <p:cTn id="3" fill="hold">
+                      <p:stCondLst>
+                        <p:cond delay="indefinite"/>
+                      </p:stCondLst>
+                      <p:childTnLst>
+                        <p:par>
+                          <p:cTn id="4" fill="hold">
+                            <p:stCondLst>
+                              <p:cond delay="0"/>
+                            </p:stCondLst>
+                            <p:childTnLst>
+                              <p:par>
+                                <p:cTn id="5" presetID="10" presetClass="entr" presetSubtype="0" fill="hold" nodeType="clickEffect">
+                                  <p:stCondLst>
+                                    <p:cond delay="0"/>
+                                  </p:stCondLst>
+                                  <p:childTnLst>
+                                    <p:set>
+                                      <p:cBhvr>
+                                        <p:cTn id="6" dur="1" fill="hold">
+                                          <p:stCondLst>
+                                            <p:cond delay="0"/>
+                                          </p:stCondLst>
+                                        </p:cTn>
+                                        <p:tgtEl>
+                                          <p:spTgt spid="8"/>
+                                        </p:tgtEl>
+                                        <p:attrNameLst>
+                                          <p:attrName>style.visibility</p:attrName>
+                                        </p:attrNameLst>
+                                      </p:cBhvr>
+                                      <p:to>
+                                        <p:strVal val="visible"/>
+                                      </p:to>
+                                    </p:set>
+                                    <p:animEffect transition="in" filter="fade">
+                                      <p:cBhvr>
+                                        <p:cTn id="7" dur="500"/>
+                                        <p:tgtEl>
+                                          <p:spTgt spid="8"/>
+                                        </p:tgtEl>
+                                      </p:cBhvr>
+                                    </p:animEffect>
+                                  </p:childTnLst>
+                                </p:cTn>
+                              </p:par>
+                            </p:childTnLst>
+                          </p:cTn>
+                        </p:par>
+                      </p:childTnLst>
+                    </p:cTn>
+                  </p:par>
+                  <p:par>
+                    <p:cTn id="8" fill="hold">
+                      <p:stCondLst>
+                        <p:cond delay="indefinite"/>
+                      </p:stCondLst>
+                      <p:childTnLst>
+                        <p:par>
+                          <p:cTn id="9" fill="hold">
+                            <p:stCondLst>
+                              <p:cond delay="0"/>
+                            </p:stCondLst>
+                            <p:childTnLst>
+                              <p:par>
+                                <p:cTn id="10" presetID="10" presetClass="entr" presetSubtype="0" fill="hold" nodeType="clickEffect">
+                                  <p:stCondLst>
+                                    <p:cond delay="0"/>
+                                  </p:stCondLst>
+                                  <p:childTnLst>
+                                    <p:set>
+                                      <p:cBhvr>
+                                        <p:cTn id="11" dur="1" fill="hold">
+                                          <p:stCondLst>
+                                            <p:cond delay="0"/>
+                                          </p:stCondLst>
+                                        </p:cTn>
+                                        <p:tgtEl>
+                                          <p:spTgt spid="13"/>
+                                        </p:tgtEl>
+                                        <p:attrNameLst>
+                                          <p:attrName>style.visibility</p:attrName>
+                                        </p:attrNameLst>
+                                      </p:cBhvr>
+                                      <p:to>
+                                        <p:strVal val="visible"/>
+                                      </p:to>
+                                    </p:set>
+                                    <p:animEffect transition="in" filter="fade">
+                                      <p:cBhvr>
+                                        <p:cTn id="12" dur="500"/>
+                                        <p:tgtEl>
+                                          <p:spTgt spid="13"/>
+                                        </p:tgtEl>
+                                      </p:cBhvr>
+                                    </p:animEffect>
+                                  </p:childTnLst>
+                                </p:cTn>
+                              </p:par>
+                            </p:childTnLst>
+                          </p:cTn>
+                        </p:par>
+                      </p:childTnLst>
+                    </p:cTn>
+                  </p:par>
+                </p:childTnLst>
+              </p:cTn>
+              <p:prevCondLst>
+                <p:cond evt="onPrev" delay="0">
+                  <p:tgtEl>
+                    <p:sldTgt/>
+                  </p:tgtEl>
+                </p:cond>
+              </p:prevCondLst>
+              <p:nextCondLst>
+                <p:cond evt="onNext" delay="0">
+                  <p:tgtEl>
+                    <p:sldTgt/>
+                  </p:tgtEl>
+                </p:cond>
+              </p:nextCondLst>
+            </p:seq>
+          </p:childTnLst>
+        </p:cTn>
+      </p:par>
+    </p:tnLst>
+  </p:timing>
+</p:sld>
+</file>
+
+<file path=ppt/slides/slide20.xml><?xml version="1.0" encoding="utf-8"?>
+<p:sld xmlns:a="http://schemas.openxmlformats.org/drawingml/2006/main" xmlns:r="http://schemas.openxmlformats.org/officeDocument/2006/relationships" xmlns:p="http://schemas.openxmlformats.org/presentationml/2006/main">
+  <p:cSld>
+    <p:spTree>
+      <p:nvGrpSpPr>
+        <p:cNvPr id="1" name=""/>
+        <p:cNvGrpSpPr/>
+        <p:nvPr/>
+      </p:nvGrpSpPr>
+      <p:grpSpPr>
+        <a:xfrm>
+          <a:off x="0" y="0"/>
+          <a:ext cx="0" cy="0"/>
+          <a:chOff x="0" y="0"/>
+          <a:chExt cx="0" cy="0"/>
+        </a:xfrm>
+      </p:grpSpPr>
+      <p:sp>
+        <p:nvSpPr>
+          <p:cNvPr id="2" name="Title 1"/>
+          <p:cNvSpPr>
+            <a:spLocks noGrp="1"/>
+          </p:cNvSpPr>
+          <p:nvPr>
+            <p:ph type="title"/>
+          </p:nvPr>
+        </p:nvSpPr>
+        <p:spPr/>
+        <p:txBody>
+          <a:bodyPr>
+            <a:normAutofit fontScale="90000"/>
+          </a:bodyPr>
+          <a:lstStyle/>
+          <a:p>
+            <a:r>
+              <a:rPr lang="ru-RU" dirty="0">
+                <a:solidFill>
+                  <a:schemeClr val="accent1"/>
+                </a:solidFill>
+              </a:rPr>
+              <a:t>Неочевидность №7:</a:t>
+            </a:r>
+            <a:br>
+              <a:rPr lang="ru-RU" dirty="0"/>
+            </a:br>
+            <a:r>
+              <a:rPr lang="en-US" dirty="0"/>
+              <a:t>immutability, immutability everywhere</a:t>
+            </a:r>
+          </a:p>
+        </p:txBody>
+      </p:sp>
+      <p:pic>
+        <p:nvPicPr>
+          <p:cNvPr id="5" name="Content Placeholder 4"/>
+          <p:cNvPicPr>
+            <a:picLocks noGrp="1" noChangeAspect="1"/>
+          </p:cNvPicPr>
+          <p:nvPr>
+            <p:ph idx="1"/>
+          </p:nvPr>
+        </p:nvPicPr>
+        <p:blipFill>
+          <a:blip r:embed="rId3">
+            <a:extLst>
+              <a:ext uri="{28A0092B-C50C-407E-A947-70E740481C1C}">
+                <a14:useLocalDpi xmlns:a14="http://schemas.microsoft.com/office/drawing/2010/main" val="0"/>
+              </a:ext>
+            </a:extLst>
+          </a:blip>
+          <a:stretch>
+            <a:fillRect/>
+          </a:stretch>
+        </p:blipFill>
+        <p:spPr>
+          <a:xfrm>
+            <a:off x="2301081" y="2120900"/>
+            <a:ext cx="7596187" cy="4051300"/>
+          </a:xfrm>
+        </p:spPr>
+      </p:pic>
+    </p:spTree>
+    <p:extLst>
+      <p:ext uri="{BB962C8B-B14F-4D97-AF65-F5344CB8AC3E}">
+        <p14:creationId xmlns:p14="http://schemas.microsoft.com/office/powerpoint/2010/main" val="2210063024"/>
+      </p:ext>
+    </p:extLst>
+  </p:cSld>
+  <p:clrMapOvr>
+    <a:masterClrMapping/>
+  </p:clrMapOvr>
+</p:sld>
+</file>
+
+<file path=ppt/slides/slide21.xml><?xml version="1.0" encoding="utf-8"?>
+<p:sld xmlns:a="http://schemas.openxmlformats.org/drawingml/2006/main" xmlns:r="http://schemas.openxmlformats.org/officeDocument/2006/relationships" xmlns:p="http://schemas.openxmlformats.org/presentationml/2006/main">
+  <p:cSld>
+    <p:spTree>
+      <p:nvGrpSpPr>
+        <p:cNvPr id="1" name=""/>
+        <p:cNvGrpSpPr/>
+        <p:nvPr/>
+      </p:nvGrpSpPr>
+      <p:grpSpPr>
+        <a:xfrm>
+          <a:off x="0" y="0"/>
+          <a:ext cx="0" cy="0"/>
+          <a:chOff x="0" y="0"/>
+          <a:chExt cx="0" cy="0"/>
+        </a:xfrm>
+      </p:grpSpPr>
+      <p:sp>
+        <p:nvSpPr>
+          <p:cNvPr id="2" name="Title 1"/>
+          <p:cNvSpPr>
+            <a:spLocks noGrp="1"/>
+          </p:cNvSpPr>
+          <p:nvPr>
+            <p:ph type="title"/>
+          </p:nvPr>
+        </p:nvSpPr>
+        <p:spPr/>
+        <p:txBody>
+          <a:bodyPr>
+            <a:normAutofit fontScale="90000"/>
+          </a:bodyPr>
+          <a:lstStyle/>
+          <a:p>
+            <a:r>
+              <a:rPr lang="ru-RU" dirty="0">
+                <a:solidFill>
+                  <a:schemeClr val="accent1"/>
+                </a:solidFill>
+              </a:rPr>
+              <a:t>НЕОЧЕВИДНОСТЬ №8:</a:t>
+            </a:r>
+            <a:br>
+              <a:rPr lang="en-US" dirty="0"/>
+            </a:br>
+            <a:r>
+              <a:rPr lang="ru-RU" dirty="0"/>
+              <a:t>Если меняешь узел дерева, меняешь все дерево</a:t>
+            </a:r>
+            <a:endParaRPr lang="en-US" dirty="0"/>
+          </a:p>
+        </p:txBody>
+      </p:sp>
+      <p:graphicFrame>
+        <p:nvGraphicFramePr>
+          <p:cNvPr id="8" name="Content Placeholder 7"/>
+          <p:cNvGraphicFramePr>
+            <a:graphicFrameLocks noGrp="1"/>
+          </p:cNvGraphicFramePr>
+          <p:nvPr>
+            <p:ph sz="half" idx="1"/>
+            <p:extLst>
+              <p:ext uri="{D42A27DB-BD31-4B8C-83A1-F6EECF244321}">
+                <p14:modId xmlns:p14="http://schemas.microsoft.com/office/powerpoint/2010/main" val="619301765"/>
+              </p:ext>
+            </p:extLst>
+          </p:nvPr>
+        </p:nvGraphicFramePr>
+        <p:xfrm>
+          <a:off x="1069975" y="2522483"/>
+          <a:ext cx="4754563" cy="3649717"/>
+        </p:xfrm>
+        <a:graphic>
+          <a:graphicData uri="http://schemas.openxmlformats.org/drawingml/2006/diagram">
+            <dgm:relIds xmlns:dgm="http://schemas.openxmlformats.org/drawingml/2006/diagram" xmlns:r="http://schemas.openxmlformats.org/officeDocument/2006/relationships" r:dm="rId3" r:lo="rId4" r:qs="rId5" r:cs="rId6"/>
+          </a:graphicData>
+        </a:graphic>
+      </p:graphicFrame>
+      <p:graphicFrame>
+        <p:nvGraphicFramePr>
+          <p:cNvPr id="9" name="Content Placeholder 8"/>
+          <p:cNvGraphicFramePr>
+            <a:graphicFrameLocks noGrp="1"/>
+          </p:cNvGraphicFramePr>
+          <p:nvPr>
+            <p:ph sz="half" idx="2"/>
+            <p:extLst>
+              <p:ext uri="{D42A27DB-BD31-4B8C-83A1-F6EECF244321}">
+                <p14:modId xmlns:p14="http://schemas.microsoft.com/office/powerpoint/2010/main" val="2876973783"/>
+              </p:ext>
+            </p:extLst>
+          </p:nvPr>
+        </p:nvGraphicFramePr>
+        <p:xfrm>
+          <a:off x="6364288" y="2522483"/>
+          <a:ext cx="4754562" cy="3649717"/>
+        </p:xfrm>
+        <a:graphic>
+          <a:graphicData uri="http://schemas.openxmlformats.org/drawingml/2006/diagram">
+            <dgm:relIds xmlns:dgm="http://schemas.openxmlformats.org/drawingml/2006/diagram" xmlns:r="http://schemas.openxmlformats.org/officeDocument/2006/relationships" r:dm="rId8" r:lo="rId9" r:qs="rId10" r:cs="rId11"/>
+          </a:graphicData>
+        </a:graphic>
+      </p:graphicFrame>
+    </p:spTree>
+    <p:extLst>
+      <p:ext uri="{BB962C8B-B14F-4D97-AF65-F5344CB8AC3E}">
+        <p14:creationId xmlns:p14="http://schemas.microsoft.com/office/powerpoint/2010/main" val="1268016360"/>
+      </p:ext>
+    </p:extLst>
+  </p:cSld>
+  <p:clrMapOvr>
+    <a:masterClrMapping/>
+  </p:clrMapOvr>
+  <p:timing>
+    <p:tnLst>
+      <p:par>
+        <p:cTn id="1" dur="indefinite" restart="never" nodeType="tmRoot">
+          <p:childTnLst>
+            <p:seq concurrent="1" nextAc="seek">
+              <p:cTn id="2" dur="indefinite" nodeType="mainSeq">
+                <p:childTnLst>
+                  <p:par>
+                    <p:cTn id="3" fill="hold">
+                      <p:stCondLst>
+                        <p:cond delay="indefinite"/>
+                      </p:stCondLst>
+                      <p:childTnLst>
+                        <p:par>
+                          <p:cTn id="4" fill="hold">
+                            <p:stCondLst>
+                              <p:cond delay="0"/>
+                            </p:stCondLst>
+                            <p:childTnLst>
+                              <p:par>
+                                <p:cTn id="5" presetID="1" presetClass="entr" presetSubtype="0" fill="hold" grpId="0" nodeType="clickEffect">
+                                  <p:stCondLst>
+                                    <p:cond delay="0"/>
+                                  </p:stCondLst>
+                                  <p:childTnLst>
+                                    <p:set>
+                                      <p:cBhvr>
+                                        <p:cTn id="6" dur="1" fill="hold">
+                                          <p:stCondLst>
+                                            <p:cond delay="0"/>
+                                          </p:stCondLst>
+                                        </p:cTn>
+                                        <p:tgtEl>
+                                          <p:spTgt spid="9"/>
+                                        </p:tgtEl>
+                                        <p:attrNameLst>
+                                          <p:attrName>style.visibility</p:attrName>
+                                        </p:attrNameLst>
+                                      </p:cBhvr>
+                                      <p:to>
+                                        <p:strVal val="visible"/>
+                                      </p:to>
+                                    </p:set>
+                                  </p:childTnLst>
+                                </p:cTn>
+                              </p:par>
+                            </p:childTnLst>
+                          </p:cTn>
+                        </p:par>
+                      </p:childTnLst>
+                    </p:cTn>
+                  </p:par>
+                </p:childTnLst>
+              </p:cTn>
+              <p:prevCondLst>
+                <p:cond evt="onPrev" delay="0">
+                  <p:tgtEl>
+                    <p:sldTgt/>
+                  </p:tgtEl>
+                </p:cond>
+              </p:prevCondLst>
+              <p:nextCondLst>
+                <p:cond evt="onNext" delay="0">
+                  <p:tgtEl>
+                    <p:sldTgt/>
+                  </p:tgtEl>
+                </p:cond>
+              </p:nextCondLst>
+            </p:seq>
+          </p:childTnLst>
+        </p:cTn>
+      </p:par>
+    </p:tnLst>
+    <p:bldLst>
+      <p:bldGraphic spid="9" grpId="0">
+        <p:bldAsOne/>
+      </p:bldGraphic>
+    </p:bldLst>
+  </p:timing>
+</p:sld>
+</file>
+
+<file path=ppt/slides/slide22.xml><?xml version="1.0" encoding="utf-8"?>
+<p:sld xmlns:a="http://schemas.openxmlformats.org/drawingml/2006/main" xmlns:r="http://schemas.openxmlformats.org/officeDocument/2006/relationships" xmlns:p="http://schemas.openxmlformats.org/presentationml/2006/main">
+  <p:cSld>
+    <p:spTree>
+      <p:nvGrpSpPr>
+        <p:cNvPr id="1" name=""/>
+        <p:cNvGrpSpPr/>
+        <p:nvPr/>
+      </p:nvGrpSpPr>
+      <p:grpSpPr>
+        <a:xfrm>
+          <a:off x="0" y="0"/>
+          <a:ext cx="0" cy="0"/>
+          <a:chOff x="0" y="0"/>
+          <a:chExt cx="0" cy="0"/>
+        </a:xfrm>
+      </p:grpSpPr>
+      <p:sp>
+        <p:nvSpPr>
+          <p:cNvPr id="2" name="Title 1"/>
+          <p:cNvSpPr>
+            <a:spLocks noGrp="1"/>
+          </p:cNvSpPr>
+          <p:nvPr>
+            <p:ph type="title"/>
+          </p:nvPr>
+        </p:nvSpPr>
+        <p:spPr>
+          <a:xfrm>
+            <a:off x="1069848" y="484631"/>
+            <a:ext cx="10058400" cy="1879877"/>
+          </a:xfrm>
+        </p:spPr>
+        <p:txBody>
+          <a:bodyPr>
+            <a:normAutofit fontScale="90000"/>
+          </a:bodyPr>
+          <a:lstStyle/>
+          <a:p>
+            <a:r>
+              <a:rPr lang="ru-RU" dirty="0">
+                <a:solidFill>
+                  <a:schemeClr val="accent1"/>
+                </a:solidFill>
+              </a:rPr>
+              <a:t>ШПАРгалка №8:</a:t>
+            </a:r>
+            <a:br>
+              <a:rPr lang="ru-RU" dirty="0"/>
+            </a:br>
+            <a:r>
+              <a:rPr lang="en-US" dirty="0" err="1"/>
+              <a:t>ReplaceNodes</a:t>
+            </a:r>
+            <a:r>
+              <a:rPr lang="ru-RU" dirty="0"/>
+              <a:t> – хорошо когда друзей</a:t>
+            </a:r>
+            <a:r>
+              <a:rPr lang="en-US" dirty="0"/>
+              <a:t> </a:t>
+            </a:r>
+            <a:r>
+              <a:rPr lang="ru-RU" dirty="0"/>
+              <a:t>много</a:t>
+            </a:r>
+            <a:endParaRPr lang="en-US" dirty="0"/>
+          </a:p>
+        </p:txBody>
+      </p:sp>
+      <p:pic>
+        <p:nvPicPr>
+          <p:cNvPr id="4" name="Content Placeholder 3"/>
+          <p:cNvPicPr>
+            <a:picLocks noGrp="1" noChangeAspect="1"/>
+          </p:cNvPicPr>
+          <p:nvPr>
+            <p:ph idx="1"/>
+          </p:nvPr>
+        </p:nvPicPr>
+        <p:blipFill>
+          <a:blip r:embed="rId3">
+            <a:extLst>
+              <a:ext uri="{28A0092B-C50C-407E-A947-70E740481C1C}">
+                <a14:useLocalDpi xmlns:a14="http://schemas.microsoft.com/office/drawing/2010/main" val="0"/>
+              </a:ext>
+            </a:extLst>
+          </a:blip>
+          <a:stretch>
+            <a:fillRect/>
+          </a:stretch>
+        </p:blipFill>
+        <p:spPr>
+          <a:xfrm>
+            <a:off x="3396834" y="2863272"/>
+            <a:ext cx="5404681" cy="3308927"/>
+          </a:xfrm>
+        </p:spPr>
+      </p:pic>
+    </p:spTree>
+    <p:extLst>
+      <p:ext uri="{BB962C8B-B14F-4D97-AF65-F5344CB8AC3E}">
+        <p14:creationId xmlns:p14="http://schemas.microsoft.com/office/powerpoint/2010/main" val="964625966"/>
+      </p:ext>
+    </p:extLst>
+  </p:cSld>
+  <p:clrMapOvr>
+    <a:masterClrMapping/>
+  </p:clrMapOvr>
+</p:sld>
+</file>
+
+<file path=ppt/slides/slide23.xml><?xml version="1.0" encoding="utf-8"?>
+<p:sld xmlns:a="http://schemas.openxmlformats.org/drawingml/2006/main" xmlns:r="http://schemas.openxmlformats.org/officeDocument/2006/relationships" xmlns:p="http://schemas.openxmlformats.org/presentationml/2006/main">
+  <p:cSld>
+    <p:spTree>
+      <p:nvGrpSpPr>
+        <p:cNvPr id="1" name=""/>
+        <p:cNvGrpSpPr/>
+        <p:nvPr/>
+      </p:nvGrpSpPr>
+      <p:grpSpPr>
+        <a:xfrm>
+          <a:off x="0" y="0"/>
+          <a:ext cx="0" cy="0"/>
+          <a:chOff x="0" y="0"/>
+          <a:chExt cx="0" cy="0"/>
+        </a:xfrm>
+      </p:grpSpPr>
+      <p:sp>
+        <p:nvSpPr>
+          <p:cNvPr id="2" name="Title 1"/>
+          <p:cNvSpPr>
+            <a:spLocks noGrp="1"/>
+          </p:cNvSpPr>
+          <p:nvPr>
+            <p:ph type="title"/>
+          </p:nvPr>
+        </p:nvSpPr>
+        <p:spPr/>
+        <p:txBody>
+          <a:bodyPr/>
+          <a:lstStyle/>
+          <a:p>
+            <a:r>
+              <a:rPr lang="ru-RU" dirty="0">
+                <a:solidFill>
+                  <a:schemeClr val="accent1"/>
+                </a:solidFill>
+              </a:rPr>
+              <a:t>Шпаргалка №9:</a:t>
+            </a:r>
+            <a:br>
+              <a:rPr lang="ru-RU" dirty="0"/>
+            </a:br>
+            <a:r>
+              <a:rPr lang="en-US" dirty="0" err="1"/>
+              <a:t>Tostring</a:t>
+            </a:r>
+            <a:r>
+              <a:rPr lang="en-US" dirty="0"/>
+              <a:t>…\</a:t>
+            </a:r>
+            <a:r>
+              <a:rPr lang="en-US" dirty="0" err="1"/>
+              <a:t>tofullstring</a:t>
+            </a:r>
+            <a:r>
+              <a:rPr lang="en-US" dirty="0"/>
+              <a:t>…</a:t>
+            </a:r>
+          </a:p>
+        </p:txBody>
+      </p:sp>
+      <p:sp>
+        <p:nvSpPr>
+          <p:cNvPr id="4" name="Text Placeholder 3"/>
+          <p:cNvSpPr>
+            <a:spLocks noGrp="1"/>
+          </p:cNvSpPr>
+          <p:nvPr>
+            <p:ph type="body" idx="1"/>
+          </p:nvPr>
+        </p:nvSpPr>
+        <p:spPr/>
+        <p:txBody>
+          <a:bodyPr/>
+          <a:lstStyle/>
+          <a:p>
+            <a:r>
+              <a:rPr lang="en-US" dirty="0" err="1"/>
+              <a:t>ToString</a:t>
+            </a:r>
+            <a:endParaRPr lang="en-US" dirty="0"/>
+          </a:p>
+        </p:txBody>
+      </p:sp>
+      <p:pic>
+        <p:nvPicPr>
+          <p:cNvPr id="3" name="Content Placeholder 2"/>
+          <p:cNvPicPr>
+            <a:picLocks noGrp="1" noChangeAspect="1"/>
+          </p:cNvPicPr>
+          <p:nvPr>
+            <p:ph sz="half" idx="2"/>
+          </p:nvPr>
+        </p:nvPicPr>
+        <p:blipFill>
+          <a:blip r:embed="rId2">
+            <a:extLst>
+              <a:ext uri="{28A0092B-C50C-407E-A947-70E740481C1C}">
+                <a14:useLocalDpi xmlns:a14="http://schemas.microsoft.com/office/drawing/2010/main" val="0"/>
+              </a:ext>
+            </a:extLst>
+          </a:blip>
+          <a:stretch>
+            <a:fillRect/>
+          </a:stretch>
+        </p:blipFill>
+        <p:spPr>
+          <a:xfrm>
+            <a:off x="1066800" y="2960893"/>
+            <a:ext cx="2184401" cy="1075397"/>
+          </a:xfrm>
+        </p:spPr>
+      </p:pic>
+      <p:sp>
+        <p:nvSpPr>
+          <p:cNvPr id="6" name="Text Placeholder 5"/>
+          <p:cNvSpPr>
+            <a:spLocks noGrp="1"/>
+          </p:cNvSpPr>
+          <p:nvPr>
+            <p:ph type="body" sz="quarter" idx="3"/>
+          </p:nvPr>
+        </p:nvSpPr>
+        <p:spPr/>
+        <p:txBody>
+          <a:bodyPr/>
+          <a:lstStyle/>
+          <a:p>
+            <a:r>
+              <a:rPr lang="en-US" dirty="0" err="1"/>
+              <a:t>ToFullString</a:t>
+            </a:r>
+            <a:endParaRPr lang="en-US" dirty="0"/>
+          </a:p>
+        </p:txBody>
+      </p:sp>
+      <p:pic>
+        <p:nvPicPr>
+          <p:cNvPr id="8" name="Content Placeholder 7"/>
+          <p:cNvPicPr>
+            <a:picLocks noGrp="1" noChangeAspect="1"/>
+          </p:cNvPicPr>
+          <p:nvPr>
+            <p:ph sz="quarter" idx="4"/>
+          </p:nvPr>
+        </p:nvPicPr>
+        <p:blipFill>
+          <a:blip r:embed="rId3">
+            <a:extLst>
+              <a:ext uri="{28A0092B-C50C-407E-A947-70E740481C1C}">
+                <a14:useLocalDpi xmlns:a14="http://schemas.microsoft.com/office/drawing/2010/main" val="0"/>
+              </a:ext>
+            </a:extLst>
+          </a:blip>
+          <a:stretch>
+            <a:fillRect/>
+          </a:stretch>
+        </p:blipFill>
+        <p:spPr>
+          <a:xfrm>
+            <a:off x="6364223" y="2688335"/>
+            <a:ext cx="3751537" cy="1347955"/>
+          </a:xfrm>
+        </p:spPr>
+      </p:pic>
+    </p:spTree>
+    <p:extLst>
+      <p:ext uri="{BB962C8B-B14F-4D97-AF65-F5344CB8AC3E}">
+        <p14:creationId xmlns:p14="http://schemas.microsoft.com/office/powerpoint/2010/main" val="3246753431"/>
+      </p:ext>
+    </p:extLst>
+  </p:cSld>
+  <p:clrMapOvr>
+    <a:masterClrMapping/>
+  </p:clrMapOvr>
+</p:sld>
+</file>
+
+<file path=ppt/slides/slide24.xml><?xml version="1.0" encoding="utf-8"?>
+<p:sld xmlns:a="http://schemas.openxmlformats.org/drawingml/2006/main" xmlns:r="http://schemas.openxmlformats.org/officeDocument/2006/relationships" xmlns:p="http://schemas.openxmlformats.org/presentationml/2006/main">
+  <p:cSld>
+    <p:spTree>
+      <p:nvGrpSpPr>
+        <p:cNvPr id="1" name=""/>
+        <p:cNvGrpSpPr/>
+        <p:nvPr/>
+      </p:nvGrpSpPr>
+      <p:grpSpPr>
+        <a:xfrm>
+          <a:off x="0" y="0"/>
+          <a:ext cx="0" cy="0"/>
+          <a:chOff x="0" y="0"/>
+          <a:chExt cx="0" cy="0"/>
+        </a:xfrm>
+      </p:grpSpPr>
+      <p:sp>
+        <p:nvSpPr>
+          <p:cNvPr id="2" name="Title 1"/>
+          <p:cNvSpPr>
+            <a:spLocks noGrp="1"/>
+          </p:cNvSpPr>
+          <p:nvPr>
+            <p:ph type="title"/>
+          </p:nvPr>
+        </p:nvSpPr>
+        <p:spPr/>
+        <p:txBody>
+          <a:bodyPr/>
+          <a:lstStyle/>
+          <a:p>
+            <a:r>
+              <a:rPr lang="ru-RU" dirty="0">
+                <a:solidFill>
+                  <a:schemeClr val="accent1"/>
+                </a:solidFill>
+              </a:rPr>
+              <a:t>ШПАРГАЛКА №10:</a:t>
+            </a:r>
+            <a:br>
+              <a:rPr lang="ru-RU" dirty="0"/>
+            </a:br>
+            <a:r>
+              <a:rPr lang="en-US" dirty="0" err="1"/>
+              <a:t>NormalizeWhitespace</a:t>
+            </a:r>
+            <a:r>
+              <a:rPr lang="en-US" dirty="0"/>
+              <a:t>()</a:t>
+            </a:r>
+          </a:p>
+        </p:txBody>
+      </p:sp>
+      <p:sp>
+        <p:nvSpPr>
+          <p:cNvPr id="4" name="Text Placeholder 3"/>
+          <p:cNvSpPr>
+            <a:spLocks noGrp="1"/>
+          </p:cNvSpPr>
+          <p:nvPr>
+            <p:ph type="body" idx="1"/>
+          </p:nvPr>
+        </p:nvSpPr>
+        <p:spPr/>
+        <p:txBody>
+          <a:bodyPr/>
+          <a:lstStyle/>
+          <a:p>
+            <a:r>
+              <a:rPr lang="ru-RU" dirty="0"/>
+              <a:t>До</a:t>
+            </a:r>
+            <a:endParaRPr lang="en-US" dirty="0"/>
+          </a:p>
+        </p:txBody>
+      </p:sp>
+      <p:pic>
+        <p:nvPicPr>
+          <p:cNvPr id="8" name="Content Placeholder 7"/>
+          <p:cNvPicPr>
+            <a:picLocks noGrp="1" noChangeAspect="1"/>
+          </p:cNvPicPr>
+          <p:nvPr>
+            <p:ph sz="half" idx="2"/>
+          </p:nvPr>
+        </p:nvPicPr>
+        <p:blipFill>
+          <a:blip r:embed="rId2">
+            <a:extLst>
+              <a:ext uri="{28A0092B-C50C-407E-A947-70E740481C1C}">
+                <a14:useLocalDpi xmlns:a14="http://schemas.microsoft.com/office/drawing/2010/main" val="0"/>
+              </a:ext>
+            </a:extLst>
+          </a:blip>
+          <a:stretch>
+            <a:fillRect/>
+          </a:stretch>
+        </p:blipFill>
+        <p:spPr>
+          <a:xfrm>
+            <a:off x="1069975" y="2998880"/>
+            <a:ext cx="4754563" cy="2781114"/>
+          </a:xfrm>
+        </p:spPr>
+      </p:pic>
+      <p:sp>
+        <p:nvSpPr>
+          <p:cNvPr id="6" name="Text Placeholder 5"/>
+          <p:cNvSpPr>
+            <a:spLocks noGrp="1"/>
+          </p:cNvSpPr>
+          <p:nvPr>
+            <p:ph type="body" sz="quarter" idx="3"/>
+          </p:nvPr>
+        </p:nvSpPr>
+        <p:spPr/>
+        <p:txBody>
+          <a:bodyPr/>
+          <a:lstStyle/>
+          <a:p>
+            <a:r>
+              <a:rPr lang="ru-RU" dirty="0"/>
+              <a:t>После</a:t>
+            </a:r>
+            <a:endParaRPr lang="en-US" dirty="0"/>
+          </a:p>
+        </p:txBody>
+      </p:sp>
+      <p:pic>
+        <p:nvPicPr>
+          <p:cNvPr id="9" name="Content Placeholder 8"/>
+          <p:cNvPicPr>
+            <a:picLocks noGrp="1" noChangeAspect="1"/>
+          </p:cNvPicPr>
+          <p:nvPr>
+            <p:ph sz="quarter" idx="4"/>
+          </p:nvPr>
+        </p:nvPicPr>
+        <p:blipFill>
+          <a:blip r:embed="rId3">
+            <a:extLst>
+              <a:ext uri="{28A0092B-C50C-407E-A947-70E740481C1C}">
+                <a14:useLocalDpi xmlns:a14="http://schemas.microsoft.com/office/drawing/2010/main" val="0"/>
+              </a:ext>
+            </a:extLst>
+          </a:blip>
+          <a:stretch>
+            <a:fillRect/>
+          </a:stretch>
+        </p:blipFill>
+        <p:spPr>
+          <a:xfrm>
+            <a:off x="6442005" y="2743200"/>
+            <a:ext cx="4599128" cy="3292475"/>
+          </a:xfrm>
+        </p:spPr>
+      </p:pic>
+    </p:spTree>
+    <p:extLst>
+      <p:ext uri="{BB962C8B-B14F-4D97-AF65-F5344CB8AC3E}">
+        <p14:creationId xmlns:p14="http://schemas.microsoft.com/office/powerpoint/2010/main" val="3329759663"/>
+      </p:ext>
+    </p:extLst>
+  </p:cSld>
+  <p:clrMapOvr>
+    <a:masterClrMapping/>
+  </p:clrMapOvr>
+  <p:timing>
+    <p:tnLst>
+      <p:par>
+        <p:cTn id="1" dur="indefinite" restart="never" nodeType="tmRoot">
+          <p:childTnLst>
+            <p:seq concurrent="1" nextAc="seek">
+              <p:cTn id="2" dur="indefinite" nodeType="mainSeq">
+                <p:childTnLst>
+                  <p:par>
+                    <p:cTn id="3" fill="hold">
+                      <p:stCondLst>
+                        <p:cond delay="indefinite"/>
+                      </p:stCondLst>
+                      <p:childTnLst>
+                        <p:par>
+                          <p:cTn id="4" fill="hold">
+                            <p:stCondLst>
+                              <p:cond delay="0"/>
+                            </p:stCondLst>
+                            <p:childTnLst>
+                              <p:par>
+                                <p:cTn id="5" presetID="1" presetClass="entr" presetSubtype="0" fill="hold" grpId="0" nodeType="clickEffect">
+                                  <p:stCondLst>
+                                    <p:cond delay="0"/>
+                                  </p:stCondLst>
+                                  <p:childTnLst>
+                                    <p:set>
+                                      <p:cBhvr>
+                                        <p:cTn id="6" dur="1" fill="hold">
+                                          <p:stCondLst>
+                                            <p:cond delay="0"/>
+                                          </p:stCondLst>
+                                        </p:cTn>
+                                        <p:tgtEl>
+                                          <p:spTgt spid="6">
+                                            <p:txEl>
+                                              <p:pRg st="0" end="0"/>
+                                            </p:txEl>
+                                          </p:spTgt>
+                                        </p:tgtEl>
+                                        <p:attrNameLst>
+                                          <p:attrName>style.visibility</p:attrName>
+                                        </p:attrNameLst>
+                                      </p:cBhvr>
+                                      <p:to>
+                                        <p:strVal val="visible"/>
+                                      </p:to>
+                                    </p:set>
+                                  </p:childTnLst>
+                                </p:cTn>
+                              </p:par>
+                              <p:par>
+                                <p:cTn id="7" presetID="1" presetClass="entr" presetSubtype="0" fill="hold" nodeType="withEffect">
+                                  <p:stCondLst>
+                                    <p:cond delay="0"/>
+                                  </p:stCondLst>
+                                  <p:childTnLst>
+                                    <p:set>
+                                      <p:cBhvr>
+                                        <p:cTn id="8" dur="1" fill="hold">
+                                          <p:stCondLst>
+                                            <p:cond delay="0"/>
+                                          </p:stCondLst>
+                                        </p:cTn>
+                                        <p:tgtEl>
+                                          <p:spTgt spid="9"/>
+                                        </p:tgtEl>
+                                        <p:attrNameLst>
+                                          <p:attrName>style.visibility</p:attrName>
+                                        </p:attrNameLst>
+                                      </p:cBhvr>
+                                      <p:to>
+                                        <p:strVal val="visible"/>
+                                      </p:to>
+                                    </p:set>
+                                  </p:childTnLst>
+                                </p:cTn>
+                              </p:par>
+                            </p:childTnLst>
+                          </p:cTn>
+                        </p:par>
+                      </p:childTnLst>
+                    </p:cTn>
+                  </p:par>
+                </p:childTnLst>
+              </p:cTn>
+              <p:prevCondLst>
+                <p:cond evt="onPrev" delay="0">
+                  <p:tgtEl>
+                    <p:sldTgt/>
+                  </p:tgtEl>
+                </p:cond>
+              </p:prevCondLst>
+              <p:nextCondLst>
+                <p:cond evt="onNext" delay="0">
+                  <p:tgtEl>
+                    <p:sldTgt/>
+                  </p:tgtEl>
+                </p:cond>
+              </p:nextCondLst>
+            </p:seq>
+          </p:childTnLst>
+        </p:cTn>
+      </p:par>
+    </p:tnLst>
+    <p:bldLst>
+      <p:bldP spid="6" grpId="0" build="p"/>
+    </p:bldLst>
+  </p:timing>
+</p:sld>
+</file>
+
+<file path=ppt/slides/slide25.xml><?xml version="1.0" encoding="utf-8"?>
+<p:sld xmlns:a="http://schemas.openxmlformats.org/drawingml/2006/main" xmlns:r="http://schemas.openxmlformats.org/officeDocument/2006/relationships" xmlns:p="http://schemas.openxmlformats.org/presentationml/2006/main">
+  <p:cSld>
+    <p:spTree>
+      <p:nvGrpSpPr>
+        <p:cNvPr id="1" name=""/>
+        <p:cNvGrpSpPr/>
+        <p:nvPr/>
+      </p:nvGrpSpPr>
+      <p:grpSpPr>
+        <a:xfrm>
+          <a:off x="0" y="0"/>
+          <a:ext cx="0" cy="0"/>
+          <a:chOff x="0" y="0"/>
+          <a:chExt cx="0" cy="0"/>
+        </a:xfrm>
+      </p:grpSpPr>
+      <p:sp>
+        <p:nvSpPr>
+          <p:cNvPr id="2" name="Title 1"/>
+          <p:cNvSpPr>
+            <a:spLocks noGrp="1"/>
+          </p:cNvSpPr>
+          <p:nvPr>
+            <p:ph type="title"/>
+          </p:nvPr>
+        </p:nvSpPr>
+        <p:spPr/>
+        <p:txBody>
+          <a:bodyPr/>
+          <a:lstStyle/>
+          <a:p>
+            <a:r>
+              <a:rPr lang="ru-RU" dirty="0"/>
+              <a:t>резюме</a:t>
+            </a:r>
+            <a:endParaRPr lang="en-US" dirty="0"/>
+          </a:p>
+        </p:txBody>
+      </p:sp>
+      <p:sp>
+        <p:nvSpPr>
+          <p:cNvPr id="3" name="Content Placeholder 2"/>
+          <p:cNvSpPr>
+            <a:spLocks noGrp="1"/>
+          </p:cNvSpPr>
+          <p:nvPr>
+            <p:ph idx="1"/>
+          </p:nvPr>
+        </p:nvSpPr>
+        <p:spPr/>
+        <p:txBody>
+          <a:bodyPr>
+            <a:normAutofit lnSpcReduction="10000"/>
+          </a:bodyPr>
+          <a:lstStyle/>
+          <a:p>
+            <a:pPr marL="457200" indent="-457200">
+              <a:buFont typeface="+mj-lt"/>
+              <a:buAutoNum type="arabicPeriod"/>
+            </a:pPr>
+            <a:r>
+              <a:rPr lang="ru-RU" dirty="0"/>
+              <a:t>Не забываем использовать</a:t>
+            </a:r>
+            <a:r>
+              <a:rPr lang="en-US" dirty="0"/>
+              <a:t> </a:t>
+            </a:r>
+            <a:r>
+              <a:rPr lang="en-US" dirty="0" err="1"/>
+              <a:t>SyntaxVisualizer</a:t>
+            </a:r>
+            <a:r>
+              <a:rPr lang="ru-RU" dirty="0"/>
+              <a:t> что бы понять структуру кода</a:t>
+            </a:r>
+            <a:endParaRPr lang="en-US" dirty="0"/>
+          </a:p>
+          <a:p>
+            <a:pPr marL="457200" indent="-457200">
+              <a:buFont typeface="+mj-lt"/>
+              <a:buAutoNum type="arabicPeriod"/>
+            </a:pPr>
+            <a:r>
+              <a:rPr lang="ru-RU" dirty="0"/>
+              <a:t>Самый простой способ изменения узлов - </a:t>
+            </a:r>
+            <a:r>
+              <a:rPr lang="en-US" dirty="0" err="1"/>
+              <a:t>ReplaceNode</a:t>
+            </a:r>
+            <a:endParaRPr lang="ru-RU" dirty="0"/>
+          </a:p>
+          <a:p>
+            <a:pPr marL="457200" indent="-457200">
+              <a:buFont typeface="+mj-lt"/>
+              <a:buAutoNum type="arabicPeriod"/>
+            </a:pPr>
+            <a:r>
+              <a:rPr lang="ru-RU" dirty="0"/>
+              <a:t>Узлы с одинаковым типом могут отличаться по </a:t>
+            </a:r>
+            <a:r>
+              <a:rPr lang="en-US" dirty="0" err="1"/>
+              <a:t>SyntaxKind</a:t>
+            </a:r>
+            <a:endParaRPr lang="en-US" dirty="0"/>
+          </a:p>
+          <a:p>
+            <a:pPr marL="457200" indent="-457200">
+              <a:buFont typeface="+mj-lt"/>
+              <a:buAutoNum type="arabicPeriod"/>
+            </a:pPr>
+            <a:r>
+              <a:rPr lang="ru-RU" dirty="0"/>
+              <a:t>Если необходимо сравнить узлы на «похожесть», используйте </a:t>
+            </a:r>
+            <a:r>
+              <a:rPr lang="en-US" dirty="0" err="1"/>
+              <a:t>IsEquivalentTo</a:t>
+            </a:r>
+            <a:endParaRPr lang="en-US" dirty="0"/>
+          </a:p>
+          <a:p>
+            <a:pPr marL="457200" indent="-457200">
+              <a:buFont typeface="+mj-lt"/>
+              <a:buAutoNum type="arabicPeriod"/>
+            </a:pPr>
+            <a:r>
+              <a:rPr lang="ru-RU" dirty="0"/>
+              <a:t>Все объекты синтаксической модели создаются средствами </a:t>
+            </a:r>
+            <a:r>
+              <a:rPr lang="en-US" dirty="0" err="1"/>
+              <a:t>SyntaxFactory</a:t>
+            </a:r>
+            <a:endParaRPr lang="en-US" dirty="0"/>
+          </a:p>
+          <a:p>
+            <a:pPr marL="457200" indent="-457200">
+              <a:buFont typeface="+mj-lt"/>
+              <a:buAutoNum type="arabicPeriod"/>
+            </a:pPr>
+            <a:r>
+              <a:rPr lang="ru-RU" dirty="0"/>
+              <a:t>Все синтаксические узлы следуют конфенции именования </a:t>
+            </a:r>
+            <a:r>
+              <a:rPr lang="en-US" dirty="0"/>
+              <a:t>Add/Update/With</a:t>
+            </a:r>
+          </a:p>
+          <a:p>
+            <a:pPr marL="457200" indent="-457200">
+              <a:buFont typeface="+mj-lt"/>
+              <a:buAutoNum type="arabicPeriod"/>
+            </a:pPr>
+            <a:r>
+              <a:rPr lang="ru-RU" dirty="0"/>
+              <a:t>Для добавления в узлов в список </a:t>
+            </a:r>
+            <a:r>
+              <a:rPr lang="en-US" dirty="0"/>
+              <a:t>- </a:t>
+            </a:r>
+            <a:r>
+              <a:rPr lang="en-US" dirty="0" err="1"/>
+              <a:t>InsertNodesBefore</a:t>
+            </a:r>
+            <a:r>
+              <a:rPr lang="en-US" dirty="0"/>
+              <a:t>/</a:t>
+            </a:r>
+            <a:r>
+              <a:rPr lang="en-US" dirty="0" err="1"/>
+              <a:t>InsertNodesAfter</a:t>
+            </a:r>
+            <a:endParaRPr lang="en-US" dirty="0"/>
+          </a:p>
+          <a:p>
+            <a:pPr marL="457200" indent="-457200">
+              <a:buFont typeface="+mj-lt"/>
+              <a:buAutoNum type="arabicPeriod"/>
+            </a:pPr>
+            <a:r>
+              <a:rPr lang="ru-RU" dirty="0"/>
+              <a:t>Если нужно обновить несколько узлов используйте </a:t>
+            </a:r>
+            <a:r>
+              <a:rPr lang="en-US" dirty="0" err="1"/>
+              <a:t>ReplaceNodes</a:t>
+            </a:r>
+            <a:endParaRPr lang="en-US" dirty="0"/>
+          </a:p>
+          <a:p>
+            <a:pPr marL="457200" indent="-457200">
+              <a:buFont typeface="+mj-lt"/>
+              <a:buAutoNum type="arabicPeriod"/>
+            </a:pPr>
+            <a:r>
+              <a:rPr lang="en-US" dirty="0" err="1"/>
+              <a:t>ToString</a:t>
+            </a:r>
+            <a:r>
+              <a:rPr lang="en-US" dirty="0"/>
+              <a:t> </a:t>
+            </a:r>
+            <a:r>
+              <a:rPr lang="ru-RU" dirty="0"/>
+              <a:t>не включает пробелы, комментарии и проч.</a:t>
+            </a:r>
+          </a:p>
+          <a:p>
+            <a:pPr marL="457200" indent="-457200">
+              <a:buFont typeface="+mj-lt"/>
+              <a:buAutoNum type="arabicPeriod"/>
+            </a:pPr>
+            <a:r>
+              <a:rPr lang="ru-RU" dirty="0"/>
+              <a:t>Для автоформата – </a:t>
+            </a:r>
+            <a:r>
+              <a:rPr lang="en-US" dirty="0" err="1"/>
+              <a:t>NormalizeWhitespace</a:t>
+            </a:r>
+            <a:endParaRPr lang="en-US" dirty="0"/>
+          </a:p>
+          <a:p>
+            <a:pPr marL="457200" indent="-457200">
+              <a:buFont typeface="+mj-lt"/>
+              <a:buAutoNum type="arabicPeriod"/>
+            </a:pPr>
+            <a:endParaRPr lang="en-US" dirty="0"/>
+          </a:p>
+          <a:p>
+            <a:pPr marL="457200" indent="-457200">
+              <a:buFont typeface="+mj-lt"/>
+              <a:buAutoNum type="arabicPeriod"/>
+            </a:pPr>
+            <a:endParaRPr lang="en-US" dirty="0"/>
+          </a:p>
+          <a:p>
+            <a:pPr marL="457200" indent="-457200">
+              <a:buFont typeface="+mj-lt"/>
+              <a:buAutoNum type="arabicPeriod"/>
+            </a:pPr>
+            <a:endParaRPr lang="en-US" dirty="0"/>
+          </a:p>
+        </p:txBody>
+      </p:sp>
+    </p:spTree>
+    <p:extLst>
+      <p:ext uri="{BB962C8B-B14F-4D97-AF65-F5344CB8AC3E}">
+        <p14:creationId xmlns:p14="http://schemas.microsoft.com/office/powerpoint/2010/main" val="3099621148"/>
+      </p:ext>
+    </p:extLst>
+  </p:cSld>
+  <p:clrMapOvr>
+    <a:masterClrMapping/>
+  </p:clrMapOvr>
+</p:sld>
+</file>
+
+<file path=ppt/slides/slide26.xml><?xml version="1.0" encoding="utf-8"?>
+<p:sld xmlns:a="http://schemas.openxmlformats.org/drawingml/2006/main" xmlns:r="http://schemas.openxmlformats.org/officeDocument/2006/relationships" xmlns:p="http://schemas.openxmlformats.org/presentationml/2006/main">
+  <p:cSld>
+    <p:spTree>
+      <p:nvGrpSpPr>
+        <p:cNvPr id="1" name=""/>
+        <p:cNvGrpSpPr/>
+        <p:nvPr/>
+      </p:nvGrpSpPr>
+      <p:grpSpPr>
+        <a:xfrm>
+          <a:off x="0" y="0"/>
+          <a:ext cx="0" cy="0"/>
+          <a:chOff x="0" y="0"/>
+          <a:chExt cx="0" cy="0"/>
+        </a:xfrm>
+      </p:grpSpPr>
+      <p:sp>
+        <p:nvSpPr>
+          <p:cNvPr id="2" name="Title 1"/>
+          <p:cNvSpPr>
+            <a:spLocks noGrp="1"/>
+          </p:cNvSpPr>
+          <p:nvPr>
+            <p:ph type="ctrTitle"/>
+          </p:nvPr>
+        </p:nvSpPr>
+        <p:spPr/>
+        <p:txBody>
+          <a:bodyPr/>
+          <a:lstStyle/>
+          <a:p>
+            <a:r>
+              <a:rPr lang="ru-RU" dirty="0"/>
+              <a:t>Вопросы?</a:t>
+            </a:r>
+            <a:endParaRPr lang="en-US" dirty="0"/>
+          </a:p>
+        </p:txBody>
+      </p:sp>
+      <p:sp>
+        <p:nvSpPr>
+          <p:cNvPr id="4" name="Subtitle 3"/>
+          <p:cNvSpPr>
+            <a:spLocks noGrp="1"/>
+          </p:cNvSpPr>
+          <p:nvPr>
+            <p:ph type="subTitle" idx="1"/>
+          </p:nvPr>
+        </p:nvSpPr>
+        <p:spPr/>
+        <p:txBody>
+          <a:bodyPr/>
+          <a:lstStyle/>
+          <a:p>
+            <a:endParaRPr lang="en-US"/>
+          </a:p>
+        </p:txBody>
+      </p:sp>
+    </p:spTree>
+    <p:extLst>
+      <p:ext uri="{BB962C8B-B14F-4D97-AF65-F5344CB8AC3E}">
+        <p14:creationId xmlns:p14="http://schemas.microsoft.com/office/powerpoint/2010/main" val="2591367511"/>
+      </p:ext>
+    </p:extLst>
+  </p:cSld>
+  <p:clrMapOvr>
+    <a:masterClrMapping/>
+  </p:clrMapOvr>
+</p:sld>
+</file>
+
+<file path=ppt/slides/slide3.xml><?xml version="1.0" encoding="utf-8"?>
+<p:sld xmlns:a="http://schemas.openxmlformats.org/drawingml/2006/main" xmlns:r="http://schemas.openxmlformats.org/officeDocument/2006/relationships" xmlns:p="http://schemas.openxmlformats.org/presentationml/2006/main">
+  <p:cSld>
+    <p:spTree>
+      <p:nvGrpSpPr>
+        <p:cNvPr id="1" name=""/>
+        <p:cNvGrpSpPr/>
+        <p:nvPr/>
+      </p:nvGrpSpPr>
+      <p:grpSpPr>
+        <a:xfrm>
+          <a:off x="0" y="0"/>
+          <a:ext cx="0" cy="0"/>
+          <a:chOff x="0" y="0"/>
+          <a:chExt cx="0" cy="0"/>
+        </a:xfrm>
+      </p:grpSpPr>
+      <p:sp>
+        <p:nvSpPr>
+          <p:cNvPr id="22" name="Rectangle 21"/>
+          <p:cNvSpPr>
+            <a:spLocks noGrp="1" noRot="1" noChangeAspect="1" noMove="1" noResize="1" noEditPoints="1" noAdjustHandles="1" noChangeArrowheads="1" noChangeShapeType="1" noTextEdit="1"/>
+          </p:cNvSpPr>
+          <p:nvPr>
+            <p:extLst>
+              <p:ext uri="{386F3935-93C4-4BCD-93E2-E3B085C9AB24}">
+                <p16:designElem xmlns:p16="http://schemas.microsoft.com/office/powerpoint/2015/main" val="1"/>
+              </p:ext>
+            </p:extLst>
+          </p:nvPr>
+        </p:nvSpPr>
+        <p:spPr>
+          <a:xfrm>
+            <a:off x="1066800" y="4431215"/>
+            <a:ext cx="10058400" cy="80683"/>
+          </a:xfrm>
+          <a:prstGeom prst="rect">
+            <a:avLst/>
+          </a:prstGeom>
+          <a:blipFill dpi="0" rotWithShape="1">
+            <a:blip r:embed="rId2">
+              <a:alphaModFix amt="85000"/>
+              <a:lum bright="70000" contrast="-70000"/>
+              <a:extLst>
+                <a:ext uri="{BEBA8EAE-BF5A-486C-A8C5-ECC9F3942E4B}">
+                  <a14:imgProps xmlns:a14="http://schemas.microsoft.com/office/drawing/2010/main">
+                    <a14:imgLayer r:embed="rId3">
+                      <a14:imgEffect>
+                        <a14:sharpenSoften amount="61000"/>
+                      </a14:imgEffect>
+                    </a14:imgLayer>
+                  </a14:imgProps>
+                </a:ext>
+                <a:ext uri="{28A0092B-C50C-407E-A947-70E740481C1C}">
+                  <a14:useLocalDpi xmlns:a14="http://schemas.microsoft.com/office/drawing/2010/main" val="0"/>
+                </a:ext>
+              </a:extLst>
+            </a:blip>
+            <a:srcRect/>
+            <a:tile tx="0" ty="-762000" sx="92000" sy="89000" flip="xy" algn="ctr"/>
+          </a:blipFill>
+          <a:ln>
+            <a:noFill/>
+          </a:ln>
+        </p:spPr>
+        <p:style>
+          <a:lnRef idx="2">
+            <a:schemeClr val="accent1">
+              <a:shade val="50000"/>
+            </a:schemeClr>
+          </a:lnRef>
+          <a:fillRef idx="1">
+            <a:schemeClr val="accent1"/>
+          </a:fillRef>
+          <a:effectRef idx="0">
+            <a:schemeClr val="accent1"/>
+          </a:effectRef>
+          <a:fontRef idx="minor">
+            <a:schemeClr val="lt1"/>
+          </a:fontRef>
+        </p:style>
+        <p:txBody>
+          <a:bodyPr rtlCol="0" anchor="ctr"/>
+          <a:lstStyle/>
+          <a:p>
+            <a:pPr algn="ctr"/>
+            <a:endParaRPr lang="en-US"/>
+          </a:p>
+        </p:txBody>
+      </p:sp>
+      <p:sp>
+        <p:nvSpPr>
+          <p:cNvPr id="7" name="Title 6"/>
+          <p:cNvSpPr>
+            <a:spLocks noGrp="1"/>
+          </p:cNvSpPr>
+          <p:nvPr>
+            <p:ph type="title"/>
+          </p:nvPr>
+        </p:nvSpPr>
+        <p:spPr>
+          <a:xfrm>
+            <a:off x="1066800" y="4511898"/>
+            <a:ext cx="10058400" cy="1609344"/>
+          </a:xfrm>
+        </p:spPr>
+        <p:txBody>
+          <a:bodyPr>
+            <a:normAutofit/>
+          </a:bodyPr>
+          <a:lstStyle/>
+          <a:p>
+            <a:r>
+              <a:rPr lang="ru-RU" dirty="0"/>
+              <a:t>Цели</a:t>
+            </a:r>
+            <a:r>
+              <a:rPr lang="en-US" dirty="0"/>
+              <a:t> </a:t>
+            </a:r>
+            <a:r>
+              <a:rPr lang="ru-RU" dirty="0"/>
+              <a:t>данного доклада</a:t>
+            </a:r>
+            <a:endParaRPr lang="en-US" dirty="0"/>
+          </a:p>
+        </p:txBody>
+      </p:sp>
+      <p:graphicFrame>
+        <p:nvGraphicFramePr>
+          <p:cNvPr id="17" name="Content Placeholder 7"/>
+          <p:cNvGraphicFramePr>
+            <a:graphicFrameLocks noGrp="1"/>
+          </p:cNvGraphicFramePr>
+          <p:nvPr>
+            <p:ph idx="1"/>
+            <p:extLst>
+              <p:ext uri="{D42A27DB-BD31-4B8C-83A1-F6EECF244321}">
+                <p14:modId xmlns:p14="http://schemas.microsoft.com/office/powerpoint/2010/main" val="3033710707"/>
+              </p:ext>
+            </p:extLst>
+          </p:nvPr>
+        </p:nvGraphicFramePr>
+        <p:xfrm>
+          <a:off x="1069975" y="642937"/>
+          <a:ext cx="10058400" cy="3452407"/>
+        </p:xfrm>
+        <a:graphic>
+          <a:graphicData uri="http://schemas.openxmlformats.org/drawingml/2006/diagram">
+            <dgm:relIds xmlns:dgm="http://schemas.openxmlformats.org/drawingml/2006/diagram" xmlns:r="http://schemas.openxmlformats.org/officeDocument/2006/relationships" r:dm="rId4" r:lo="rId5" r:qs="rId6" r:cs="rId7"/>
+          </a:graphicData>
+        </a:graphic>
+      </p:graphicFrame>
+    </p:spTree>
+    <p:extLst>
+      <p:ext uri="{BB962C8B-B14F-4D97-AF65-F5344CB8AC3E}">
+        <p14:creationId xmlns:p14="http://schemas.microsoft.com/office/powerpoint/2010/main" val="3911859415"/>
+      </p:ext>
+    </p:extLst>
+  </p:cSld>
+  <p:clrMapOvr>
+    <a:masterClrMapping/>
+  </p:clrMapOvr>
+</p:sld>
+</file>
+
+<file path=ppt/slides/slide4.xml><?xml version="1.0" encoding="utf-8"?>
 <p:sld xmlns:a="http://schemas.openxmlformats.org/drawingml/2006/main" xmlns:r="http://schemas.openxmlformats.org/officeDocument/2006/relationships" xmlns:p="http://schemas.openxmlformats.org/presentationml/2006/main">
   <p:cSld>
     <p:spTree>
@@ -40410,1140 +39229,6 @@
 </p:sld>
 </file>
 
-<file path=ppt/slides/slide20.xml><?xml version="1.0" encoding="utf-8"?>
-<p:sld xmlns:a="http://schemas.openxmlformats.org/drawingml/2006/main" xmlns:r="http://schemas.openxmlformats.org/officeDocument/2006/relationships" xmlns:p="http://schemas.openxmlformats.org/presentationml/2006/main">
-  <p:cSld>
-    <p:spTree>
-      <p:nvGrpSpPr>
-        <p:cNvPr id="1" name=""/>
-        <p:cNvGrpSpPr/>
-        <p:nvPr/>
-      </p:nvGrpSpPr>
-      <p:grpSpPr>
-        <a:xfrm>
-          <a:off x="0" y="0"/>
-          <a:ext cx="0" cy="0"/>
-          <a:chOff x="0" y="0"/>
-          <a:chExt cx="0" cy="0"/>
-        </a:xfrm>
-      </p:grpSpPr>
-      <p:sp>
-        <p:nvSpPr>
-          <p:cNvPr id="2" name="Title 1"/>
-          <p:cNvSpPr>
-            <a:spLocks noGrp="1"/>
-          </p:cNvSpPr>
-          <p:nvPr>
-            <p:ph type="title"/>
-          </p:nvPr>
-        </p:nvSpPr>
-        <p:spPr/>
-        <p:txBody>
-          <a:bodyPr/>
-          <a:lstStyle/>
-          <a:p>
-            <a:r>
-              <a:rPr lang="ru-RU" dirty="0"/>
-              <a:t>Помните про иммутабельность</a:t>
-            </a:r>
-            <a:endParaRPr lang="en-US" dirty="0"/>
-          </a:p>
-        </p:txBody>
-      </p:sp>
-      <p:graphicFrame>
-        <p:nvGraphicFramePr>
-          <p:cNvPr id="4" name="Content Placeholder 3"/>
-          <p:cNvGraphicFramePr>
-            <a:graphicFrameLocks noGrp="1"/>
-          </p:cNvGraphicFramePr>
-          <p:nvPr>
-            <p:ph idx="1"/>
-            <p:extLst>
-              <p:ext uri="{D42A27DB-BD31-4B8C-83A1-F6EECF244321}">
-                <p14:modId xmlns:p14="http://schemas.microsoft.com/office/powerpoint/2010/main" val="540047207"/>
-              </p:ext>
-            </p:extLst>
-          </p:nvPr>
-        </p:nvGraphicFramePr>
-        <p:xfrm>
-          <a:off x="1069975" y="2120900"/>
-          <a:ext cx="10058400" cy="4051300"/>
-        </p:xfrm>
-        <a:graphic>
-          <a:graphicData uri="http://schemas.openxmlformats.org/drawingml/2006/diagram">
-            <dgm:relIds xmlns:dgm="http://schemas.openxmlformats.org/drawingml/2006/diagram" xmlns:r="http://schemas.openxmlformats.org/officeDocument/2006/relationships" r:dm="rId3" r:lo="rId4" r:qs="rId5" r:cs="rId6"/>
-          </a:graphicData>
-        </a:graphic>
-      </p:graphicFrame>
-    </p:spTree>
-    <p:extLst>
-      <p:ext uri="{BB962C8B-B14F-4D97-AF65-F5344CB8AC3E}">
-        <p14:creationId xmlns:p14="http://schemas.microsoft.com/office/powerpoint/2010/main" val="2210063024"/>
-      </p:ext>
-    </p:extLst>
-  </p:cSld>
-  <p:clrMapOvr>
-    <a:masterClrMapping/>
-  </p:clrMapOvr>
-</p:sld>
-</file>
-
-<file path=ppt/slides/slide21.xml><?xml version="1.0" encoding="utf-8"?>
-<p:sld xmlns:a="http://schemas.openxmlformats.org/drawingml/2006/main" xmlns:r="http://schemas.openxmlformats.org/officeDocument/2006/relationships" xmlns:p="http://schemas.openxmlformats.org/presentationml/2006/main">
-  <p:cSld>
-    <p:spTree>
-      <p:nvGrpSpPr>
-        <p:cNvPr id="1" name=""/>
-        <p:cNvGrpSpPr/>
-        <p:nvPr/>
-      </p:nvGrpSpPr>
-      <p:grpSpPr>
-        <a:xfrm>
-          <a:off x="0" y="0"/>
-          <a:ext cx="0" cy="0"/>
-          <a:chOff x="0" y="0"/>
-          <a:chExt cx="0" cy="0"/>
-        </a:xfrm>
-      </p:grpSpPr>
-      <p:sp>
-        <p:nvSpPr>
-          <p:cNvPr id="2" name="Title 1"/>
-          <p:cNvSpPr>
-            <a:spLocks noGrp="1"/>
-          </p:cNvSpPr>
-          <p:nvPr>
-            <p:ph type="title"/>
-          </p:nvPr>
-        </p:nvSpPr>
-        <p:spPr/>
-        <p:txBody>
-          <a:bodyPr/>
-          <a:lstStyle/>
-          <a:p>
-            <a:r>
-              <a:rPr lang="ru-RU" dirty="0"/>
-              <a:t>Если меняешь узел дерева, меняешь все дерево</a:t>
-            </a:r>
-            <a:endParaRPr lang="en-US" dirty="0"/>
-          </a:p>
-        </p:txBody>
-      </p:sp>
-      <p:graphicFrame>
-        <p:nvGraphicFramePr>
-          <p:cNvPr id="8" name="Content Placeholder 7"/>
-          <p:cNvGraphicFramePr>
-            <a:graphicFrameLocks noGrp="1"/>
-          </p:cNvGraphicFramePr>
-          <p:nvPr>
-            <p:ph sz="half" idx="1"/>
-            <p:extLst>
-              <p:ext uri="{D42A27DB-BD31-4B8C-83A1-F6EECF244321}">
-                <p14:modId xmlns:p14="http://schemas.microsoft.com/office/powerpoint/2010/main" val="3078959840"/>
-              </p:ext>
-            </p:extLst>
-          </p:nvPr>
-        </p:nvGraphicFramePr>
-        <p:xfrm>
-          <a:off x="1069975" y="2193925"/>
-          <a:ext cx="4754563" cy="3978275"/>
-        </p:xfrm>
-        <a:graphic>
-          <a:graphicData uri="http://schemas.openxmlformats.org/drawingml/2006/diagram">
-            <dgm:relIds xmlns:dgm="http://schemas.openxmlformats.org/drawingml/2006/diagram" xmlns:r="http://schemas.openxmlformats.org/officeDocument/2006/relationships" r:dm="rId3" r:lo="rId4" r:qs="rId5" r:cs="rId6"/>
-          </a:graphicData>
-        </a:graphic>
-      </p:graphicFrame>
-      <p:graphicFrame>
-        <p:nvGraphicFramePr>
-          <p:cNvPr id="9" name="Content Placeholder 8"/>
-          <p:cNvGraphicFramePr>
-            <a:graphicFrameLocks noGrp="1"/>
-          </p:cNvGraphicFramePr>
-          <p:nvPr>
-            <p:ph sz="half" idx="2"/>
-            <p:extLst>
-              <p:ext uri="{D42A27DB-BD31-4B8C-83A1-F6EECF244321}">
-                <p14:modId xmlns:p14="http://schemas.microsoft.com/office/powerpoint/2010/main" val="1087068947"/>
-              </p:ext>
-            </p:extLst>
-          </p:nvPr>
-        </p:nvGraphicFramePr>
-        <p:xfrm>
-          <a:off x="6364288" y="2193925"/>
-          <a:ext cx="4754562" cy="3978275"/>
-        </p:xfrm>
-        <a:graphic>
-          <a:graphicData uri="http://schemas.openxmlformats.org/drawingml/2006/diagram">
-            <dgm:relIds xmlns:dgm="http://schemas.openxmlformats.org/drawingml/2006/diagram" xmlns:r="http://schemas.openxmlformats.org/officeDocument/2006/relationships" r:dm="rId8" r:lo="rId9" r:qs="rId10" r:cs="rId11"/>
-          </a:graphicData>
-        </a:graphic>
-      </p:graphicFrame>
-    </p:spTree>
-    <p:extLst>
-      <p:ext uri="{BB962C8B-B14F-4D97-AF65-F5344CB8AC3E}">
-        <p14:creationId xmlns:p14="http://schemas.microsoft.com/office/powerpoint/2010/main" val="1268016360"/>
-      </p:ext>
-    </p:extLst>
-  </p:cSld>
-  <p:clrMapOvr>
-    <a:masterClrMapping/>
-  </p:clrMapOvr>
-</p:sld>
-</file>
-
-<file path=ppt/slides/slide22.xml><?xml version="1.0" encoding="utf-8"?>
-<p:sld xmlns:a="http://schemas.openxmlformats.org/drawingml/2006/main" xmlns:r="http://schemas.openxmlformats.org/officeDocument/2006/relationships" xmlns:p="http://schemas.openxmlformats.org/presentationml/2006/main">
-  <p:cSld>
-    <p:spTree>
-      <p:nvGrpSpPr>
-        <p:cNvPr id="1" name=""/>
-        <p:cNvGrpSpPr/>
-        <p:nvPr/>
-      </p:nvGrpSpPr>
-      <p:grpSpPr>
-        <a:xfrm>
-          <a:off x="0" y="0"/>
-          <a:ext cx="0" cy="0"/>
-          <a:chOff x="0" y="0"/>
-          <a:chExt cx="0" cy="0"/>
-        </a:xfrm>
-      </p:grpSpPr>
-      <p:sp>
-        <p:nvSpPr>
-          <p:cNvPr id="2" name="Title 1"/>
-          <p:cNvSpPr>
-            <a:spLocks noGrp="1"/>
-          </p:cNvSpPr>
-          <p:nvPr>
-            <p:ph type="title"/>
-          </p:nvPr>
-        </p:nvSpPr>
-        <p:spPr/>
-        <p:txBody>
-          <a:bodyPr/>
-          <a:lstStyle/>
-          <a:p>
-            <a:r>
-              <a:rPr lang="en-US" dirty="0" err="1"/>
-              <a:t>ReplaceNodes</a:t>
-            </a:r>
-            <a:r>
-              <a:rPr lang="ru-RU" dirty="0"/>
-              <a:t> – хорошо когда друзей</a:t>
-            </a:r>
-            <a:r>
-              <a:rPr lang="en-US" dirty="0"/>
-              <a:t> </a:t>
-            </a:r>
-            <a:r>
-              <a:rPr lang="ru-RU" dirty="0"/>
-              <a:t>много</a:t>
-            </a:r>
-            <a:endParaRPr lang="en-US" dirty="0"/>
-          </a:p>
-        </p:txBody>
-      </p:sp>
-      <p:pic>
-        <p:nvPicPr>
-          <p:cNvPr id="4" name="Content Placeholder 3"/>
-          <p:cNvPicPr>
-            <a:picLocks noGrp="1" noChangeAspect="1"/>
-          </p:cNvPicPr>
-          <p:nvPr>
-            <p:ph idx="1"/>
-          </p:nvPr>
-        </p:nvPicPr>
-        <p:blipFill>
-          <a:blip r:embed="rId3">
-            <a:extLst>
-              <a:ext uri="{28A0092B-C50C-407E-A947-70E740481C1C}">
-                <a14:useLocalDpi xmlns:a14="http://schemas.microsoft.com/office/drawing/2010/main" val="0"/>
-              </a:ext>
-            </a:extLst>
-          </a:blip>
-          <a:stretch>
-            <a:fillRect/>
-          </a:stretch>
-        </p:blipFill>
-        <p:spPr>
-          <a:xfrm>
-            <a:off x="3396834" y="2120900"/>
-            <a:ext cx="5404681" cy="4051300"/>
-          </a:xfrm>
-        </p:spPr>
-      </p:pic>
-    </p:spTree>
-    <p:extLst>
-      <p:ext uri="{BB962C8B-B14F-4D97-AF65-F5344CB8AC3E}">
-        <p14:creationId xmlns:p14="http://schemas.microsoft.com/office/powerpoint/2010/main" val="964625966"/>
-      </p:ext>
-    </p:extLst>
-  </p:cSld>
-  <p:clrMapOvr>
-    <a:masterClrMapping/>
-  </p:clrMapOvr>
-</p:sld>
-</file>
-
-<file path=ppt/slides/slide23.xml><?xml version="1.0" encoding="utf-8"?>
-<p:sld xmlns:a="http://schemas.openxmlformats.org/drawingml/2006/main" xmlns:r="http://schemas.openxmlformats.org/officeDocument/2006/relationships" xmlns:p="http://schemas.openxmlformats.org/presentationml/2006/main">
-  <p:cSld>
-    <p:spTree>
-      <p:nvGrpSpPr>
-        <p:cNvPr id="1" name=""/>
-        <p:cNvGrpSpPr/>
-        <p:nvPr/>
-      </p:nvGrpSpPr>
-      <p:grpSpPr>
-        <a:xfrm>
-          <a:off x="0" y="0"/>
-          <a:ext cx="0" cy="0"/>
-          <a:chOff x="0" y="0"/>
-          <a:chExt cx="0" cy="0"/>
-        </a:xfrm>
-      </p:grpSpPr>
-      <p:sp>
-        <p:nvSpPr>
-          <p:cNvPr id="2" name="Title 1"/>
-          <p:cNvSpPr>
-            <a:spLocks noGrp="1"/>
-          </p:cNvSpPr>
-          <p:nvPr>
-            <p:ph type="title"/>
-          </p:nvPr>
-        </p:nvSpPr>
-        <p:spPr/>
-        <p:txBody>
-          <a:bodyPr/>
-          <a:lstStyle/>
-          <a:p>
-            <a:r>
-              <a:rPr lang="en-US" dirty="0" err="1"/>
-              <a:t>Tostring</a:t>
-            </a:r>
-            <a:r>
-              <a:rPr lang="en-US" dirty="0"/>
-              <a:t>…\</a:t>
-            </a:r>
-            <a:r>
-              <a:rPr lang="en-US" dirty="0" err="1"/>
-              <a:t>tofullstring</a:t>
-            </a:r>
-            <a:r>
-              <a:rPr lang="en-US" dirty="0"/>
-              <a:t>…</a:t>
-            </a:r>
-          </a:p>
-        </p:txBody>
-      </p:sp>
-      <p:sp>
-        <p:nvSpPr>
-          <p:cNvPr id="4" name="Text Placeholder 3"/>
-          <p:cNvSpPr>
-            <a:spLocks noGrp="1"/>
-          </p:cNvSpPr>
-          <p:nvPr>
-            <p:ph type="body" idx="1"/>
-          </p:nvPr>
-        </p:nvSpPr>
-        <p:spPr/>
-        <p:txBody>
-          <a:bodyPr/>
-          <a:lstStyle/>
-          <a:p>
-            <a:r>
-              <a:rPr lang="en-US" dirty="0" err="1"/>
-              <a:t>ToString</a:t>
-            </a:r>
-            <a:endParaRPr lang="en-US" dirty="0"/>
-          </a:p>
-        </p:txBody>
-      </p:sp>
-      <p:pic>
-        <p:nvPicPr>
-          <p:cNvPr id="3" name="Content Placeholder 2"/>
-          <p:cNvPicPr>
-            <a:picLocks noGrp="1" noChangeAspect="1"/>
-          </p:cNvPicPr>
-          <p:nvPr>
-            <p:ph sz="half" idx="2"/>
-          </p:nvPr>
-        </p:nvPicPr>
-        <p:blipFill>
-          <a:blip r:embed="rId2">
-            <a:extLst>
-              <a:ext uri="{28A0092B-C50C-407E-A947-70E740481C1C}">
-                <a14:useLocalDpi xmlns:a14="http://schemas.microsoft.com/office/drawing/2010/main" val="0"/>
-              </a:ext>
-            </a:extLst>
-          </a:blip>
-          <a:stretch>
-            <a:fillRect/>
-          </a:stretch>
-        </p:blipFill>
-        <p:spPr>
-          <a:xfrm>
-            <a:off x="1066800" y="2960893"/>
-            <a:ext cx="2184401" cy="1075397"/>
-          </a:xfrm>
-        </p:spPr>
-      </p:pic>
-      <p:sp>
-        <p:nvSpPr>
-          <p:cNvPr id="6" name="Text Placeholder 5"/>
-          <p:cNvSpPr>
-            <a:spLocks noGrp="1"/>
-          </p:cNvSpPr>
-          <p:nvPr>
-            <p:ph type="body" sz="quarter" idx="3"/>
-          </p:nvPr>
-        </p:nvSpPr>
-        <p:spPr/>
-        <p:txBody>
-          <a:bodyPr/>
-          <a:lstStyle/>
-          <a:p>
-            <a:r>
-              <a:rPr lang="en-US" dirty="0" err="1"/>
-              <a:t>ToFullString</a:t>
-            </a:r>
-            <a:endParaRPr lang="en-US" dirty="0"/>
-          </a:p>
-        </p:txBody>
-      </p:sp>
-      <p:pic>
-        <p:nvPicPr>
-          <p:cNvPr id="8" name="Content Placeholder 7"/>
-          <p:cNvPicPr>
-            <a:picLocks noGrp="1" noChangeAspect="1"/>
-          </p:cNvPicPr>
-          <p:nvPr>
-            <p:ph sz="quarter" idx="4"/>
-          </p:nvPr>
-        </p:nvPicPr>
-        <p:blipFill>
-          <a:blip r:embed="rId3">
-            <a:extLst>
-              <a:ext uri="{28A0092B-C50C-407E-A947-70E740481C1C}">
-                <a14:useLocalDpi xmlns:a14="http://schemas.microsoft.com/office/drawing/2010/main" val="0"/>
-              </a:ext>
-            </a:extLst>
-          </a:blip>
-          <a:stretch>
-            <a:fillRect/>
-          </a:stretch>
-        </p:blipFill>
-        <p:spPr>
-          <a:xfrm>
-            <a:off x="6364223" y="2688335"/>
-            <a:ext cx="3751537" cy="1347955"/>
-          </a:xfrm>
-        </p:spPr>
-      </p:pic>
-    </p:spTree>
-    <p:extLst>
-      <p:ext uri="{BB962C8B-B14F-4D97-AF65-F5344CB8AC3E}">
-        <p14:creationId xmlns:p14="http://schemas.microsoft.com/office/powerpoint/2010/main" val="3246753431"/>
-      </p:ext>
-    </p:extLst>
-  </p:cSld>
-  <p:clrMapOvr>
-    <a:masterClrMapping/>
-  </p:clrMapOvr>
-</p:sld>
-</file>
-
-<file path=ppt/slides/slide24.xml><?xml version="1.0" encoding="utf-8"?>
-<p:sld xmlns:a="http://schemas.openxmlformats.org/drawingml/2006/main" xmlns:r="http://schemas.openxmlformats.org/officeDocument/2006/relationships" xmlns:p="http://schemas.openxmlformats.org/presentationml/2006/main">
-  <p:cSld>
-    <p:spTree>
-      <p:nvGrpSpPr>
-        <p:cNvPr id="1" name=""/>
-        <p:cNvGrpSpPr/>
-        <p:nvPr/>
-      </p:nvGrpSpPr>
-      <p:grpSpPr>
-        <a:xfrm>
-          <a:off x="0" y="0"/>
-          <a:ext cx="0" cy="0"/>
-          <a:chOff x="0" y="0"/>
-          <a:chExt cx="0" cy="0"/>
-        </a:xfrm>
-      </p:grpSpPr>
-      <p:sp>
-        <p:nvSpPr>
-          <p:cNvPr id="2" name="Title 1"/>
-          <p:cNvSpPr>
-            <a:spLocks noGrp="1"/>
-          </p:cNvSpPr>
-          <p:nvPr>
-            <p:ph type="title"/>
-          </p:nvPr>
-        </p:nvSpPr>
-        <p:spPr/>
-        <p:txBody>
-          <a:bodyPr/>
-          <a:lstStyle/>
-          <a:p>
-            <a:r>
-              <a:rPr lang="en-US" dirty="0" err="1"/>
-              <a:t>NormalizeWhitespace</a:t>
-            </a:r>
-            <a:r>
-              <a:rPr lang="en-US" dirty="0"/>
-              <a:t>()</a:t>
-            </a:r>
-          </a:p>
-        </p:txBody>
-      </p:sp>
-      <p:sp>
-        <p:nvSpPr>
-          <p:cNvPr id="4" name="Text Placeholder 3"/>
-          <p:cNvSpPr>
-            <a:spLocks noGrp="1"/>
-          </p:cNvSpPr>
-          <p:nvPr>
-            <p:ph type="body" idx="1"/>
-          </p:nvPr>
-        </p:nvSpPr>
-        <p:spPr/>
-        <p:txBody>
-          <a:bodyPr/>
-          <a:lstStyle/>
-          <a:p>
-            <a:r>
-              <a:rPr lang="ru-RU" dirty="0"/>
-              <a:t>До</a:t>
-            </a:r>
-            <a:endParaRPr lang="en-US" dirty="0"/>
-          </a:p>
-        </p:txBody>
-      </p:sp>
-      <p:pic>
-        <p:nvPicPr>
-          <p:cNvPr id="8" name="Content Placeholder 7"/>
-          <p:cNvPicPr>
-            <a:picLocks noGrp="1" noChangeAspect="1"/>
-          </p:cNvPicPr>
-          <p:nvPr>
-            <p:ph sz="half" idx="2"/>
-          </p:nvPr>
-        </p:nvPicPr>
-        <p:blipFill>
-          <a:blip r:embed="rId2">
-            <a:extLst>
-              <a:ext uri="{28A0092B-C50C-407E-A947-70E740481C1C}">
-                <a14:useLocalDpi xmlns:a14="http://schemas.microsoft.com/office/drawing/2010/main" val="0"/>
-              </a:ext>
-            </a:extLst>
-          </a:blip>
-          <a:stretch>
-            <a:fillRect/>
-          </a:stretch>
-        </p:blipFill>
-        <p:spPr>
-          <a:xfrm>
-            <a:off x="1069975" y="2998880"/>
-            <a:ext cx="4754563" cy="2781114"/>
-          </a:xfrm>
-        </p:spPr>
-      </p:pic>
-      <p:sp>
-        <p:nvSpPr>
-          <p:cNvPr id="6" name="Text Placeholder 5"/>
-          <p:cNvSpPr>
-            <a:spLocks noGrp="1"/>
-          </p:cNvSpPr>
-          <p:nvPr>
-            <p:ph type="body" sz="quarter" idx="3"/>
-          </p:nvPr>
-        </p:nvSpPr>
-        <p:spPr/>
-        <p:txBody>
-          <a:bodyPr/>
-          <a:lstStyle/>
-          <a:p>
-            <a:r>
-              <a:rPr lang="ru-RU" dirty="0"/>
-              <a:t>После</a:t>
-            </a:r>
-            <a:endParaRPr lang="en-US" dirty="0"/>
-          </a:p>
-        </p:txBody>
-      </p:sp>
-      <p:pic>
-        <p:nvPicPr>
-          <p:cNvPr id="9" name="Content Placeholder 8"/>
-          <p:cNvPicPr>
-            <a:picLocks noGrp="1" noChangeAspect="1"/>
-          </p:cNvPicPr>
-          <p:nvPr>
-            <p:ph sz="quarter" idx="4"/>
-          </p:nvPr>
-        </p:nvPicPr>
-        <p:blipFill>
-          <a:blip r:embed="rId3">
-            <a:extLst>
-              <a:ext uri="{28A0092B-C50C-407E-A947-70E740481C1C}">
-                <a14:useLocalDpi xmlns:a14="http://schemas.microsoft.com/office/drawing/2010/main" val="0"/>
-              </a:ext>
-            </a:extLst>
-          </a:blip>
-          <a:stretch>
-            <a:fillRect/>
-          </a:stretch>
-        </p:blipFill>
-        <p:spPr>
-          <a:xfrm>
-            <a:off x="6442005" y="2743200"/>
-            <a:ext cx="4599128" cy="3292475"/>
-          </a:xfrm>
-        </p:spPr>
-      </p:pic>
-    </p:spTree>
-    <p:extLst>
-      <p:ext uri="{BB962C8B-B14F-4D97-AF65-F5344CB8AC3E}">
-        <p14:creationId xmlns:p14="http://schemas.microsoft.com/office/powerpoint/2010/main" val="3329759663"/>
-      </p:ext>
-    </p:extLst>
-  </p:cSld>
-  <p:clrMapOvr>
-    <a:masterClrMapping/>
-  </p:clrMapOvr>
-</p:sld>
-</file>
-
-<file path=ppt/slides/slide25.xml><?xml version="1.0" encoding="utf-8"?>
-<p:sld xmlns:a="http://schemas.openxmlformats.org/drawingml/2006/main" xmlns:r="http://schemas.openxmlformats.org/officeDocument/2006/relationships" xmlns:p="http://schemas.openxmlformats.org/presentationml/2006/main">
-  <p:cSld>
-    <p:spTree>
-      <p:nvGrpSpPr>
-        <p:cNvPr id="1" name=""/>
-        <p:cNvGrpSpPr/>
-        <p:nvPr/>
-      </p:nvGrpSpPr>
-      <p:grpSpPr>
-        <a:xfrm>
-          <a:off x="0" y="0"/>
-          <a:ext cx="0" cy="0"/>
-          <a:chOff x="0" y="0"/>
-          <a:chExt cx="0" cy="0"/>
-        </a:xfrm>
-      </p:grpSpPr>
-      <p:sp>
-        <p:nvSpPr>
-          <p:cNvPr id="2" name="Title 1"/>
-          <p:cNvSpPr>
-            <a:spLocks noGrp="1"/>
-          </p:cNvSpPr>
-          <p:nvPr>
-            <p:ph type="ctrTitle"/>
-          </p:nvPr>
-        </p:nvSpPr>
-        <p:spPr/>
-        <p:txBody>
-          <a:bodyPr/>
-          <a:lstStyle/>
-          <a:p>
-            <a:r>
-              <a:rPr lang="ru-RU" dirty="0"/>
-              <a:t>Вопросы?</a:t>
-            </a:r>
-            <a:endParaRPr lang="en-US" dirty="0"/>
-          </a:p>
-        </p:txBody>
-      </p:sp>
-      <p:sp>
-        <p:nvSpPr>
-          <p:cNvPr id="4" name="Subtitle 3"/>
-          <p:cNvSpPr>
-            <a:spLocks noGrp="1"/>
-          </p:cNvSpPr>
-          <p:nvPr>
-            <p:ph type="subTitle" idx="1"/>
-          </p:nvPr>
-        </p:nvSpPr>
-        <p:spPr/>
-        <p:txBody>
-          <a:bodyPr/>
-          <a:lstStyle/>
-          <a:p>
-            <a:endParaRPr lang="en-US"/>
-          </a:p>
-        </p:txBody>
-      </p:sp>
-    </p:spTree>
-    <p:extLst>
-      <p:ext uri="{BB962C8B-B14F-4D97-AF65-F5344CB8AC3E}">
-        <p14:creationId xmlns:p14="http://schemas.microsoft.com/office/powerpoint/2010/main" val="2591367511"/>
-      </p:ext>
-    </p:extLst>
-  </p:cSld>
-  <p:clrMapOvr>
-    <a:masterClrMapping/>
-  </p:clrMapOvr>
-</p:sld>
-</file>
-
-<file path=ppt/slides/slide3.xml><?xml version="1.0" encoding="utf-8"?>
-<p:sld xmlns:a="http://schemas.openxmlformats.org/drawingml/2006/main" xmlns:r="http://schemas.openxmlformats.org/officeDocument/2006/relationships" xmlns:p="http://schemas.openxmlformats.org/presentationml/2006/main">
-  <p:cSld>
-    <p:spTree>
-      <p:nvGrpSpPr>
-        <p:cNvPr id="1" name=""/>
-        <p:cNvGrpSpPr/>
-        <p:nvPr/>
-      </p:nvGrpSpPr>
-      <p:grpSpPr>
-        <a:xfrm>
-          <a:off x="0" y="0"/>
-          <a:ext cx="0" cy="0"/>
-          <a:chOff x="0" y="0"/>
-          <a:chExt cx="0" cy="0"/>
-        </a:xfrm>
-      </p:grpSpPr>
-      <p:sp>
-        <p:nvSpPr>
-          <p:cNvPr id="2" name="Title 1"/>
-          <p:cNvSpPr>
-            <a:spLocks noGrp="1"/>
-          </p:cNvSpPr>
-          <p:nvPr>
-            <p:ph type="title"/>
-          </p:nvPr>
-        </p:nvSpPr>
-        <p:spPr/>
-        <p:txBody>
-          <a:bodyPr/>
-          <a:lstStyle/>
-          <a:p>
-            <a:r>
-              <a:rPr lang="ru-RU" dirty="0"/>
-              <a:t>Изучение</a:t>
-            </a:r>
-            <a:r>
-              <a:rPr lang="en-US" dirty="0"/>
-              <a:t> </a:t>
-            </a:r>
-            <a:r>
-              <a:rPr lang="en-US" dirty="0" err="1"/>
-              <a:t>Microsoft.CodeAnalysis</a:t>
-            </a:r>
-            <a:endParaRPr lang="en-US" dirty="0"/>
-          </a:p>
-        </p:txBody>
-      </p:sp>
-      <p:sp>
-        <p:nvSpPr>
-          <p:cNvPr id="4" name="Text Placeholder 3"/>
-          <p:cNvSpPr>
-            <a:spLocks noGrp="1"/>
-          </p:cNvSpPr>
-          <p:nvPr>
-            <p:ph type="body" idx="1"/>
-          </p:nvPr>
-        </p:nvSpPr>
-        <p:spPr/>
-        <p:txBody>
-          <a:bodyPr/>
-          <a:lstStyle/>
-          <a:p>
-            <a:r>
-              <a:rPr lang="ru-RU" dirty="0"/>
-              <a:t>Ожидание</a:t>
-            </a:r>
-            <a:endParaRPr lang="en-US" dirty="0"/>
-          </a:p>
-        </p:txBody>
-      </p:sp>
-      <p:pic>
-        <p:nvPicPr>
-          <p:cNvPr id="8" name="Content Placeholder 7"/>
-          <p:cNvPicPr>
-            <a:picLocks noGrp="1" noChangeAspect="1"/>
-          </p:cNvPicPr>
-          <p:nvPr>
-            <p:ph sz="half" idx="2"/>
-          </p:nvPr>
-        </p:nvPicPr>
-        <p:blipFill>
-          <a:blip r:embed="rId3">
-            <a:extLst>
-              <a:ext uri="{28A0092B-C50C-407E-A947-70E740481C1C}">
-                <a14:useLocalDpi xmlns:a14="http://schemas.microsoft.com/office/drawing/2010/main" val="0"/>
-              </a:ext>
-            </a:extLst>
-          </a:blip>
-          <a:stretch>
-            <a:fillRect/>
-          </a:stretch>
-        </p:blipFill>
-        <p:spPr>
-          <a:xfrm>
-            <a:off x="1069975" y="2847885"/>
-            <a:ext cx="4754563" cy="3083104"/>
-          </a:xfrm>
-        </p:spPr>
-      </p:pic>
-      <p:sp>
-        <p:nvSpPr>
-          <p:cNvPr id="6" name="Text Placeholder 5"/>
-          <p:cNvSpPr>
-            <a:spLocks noGrp="1"/>
-          </p:cNvSpPr>
-          <p:nvPr>
-            <p:ph type="body" sz="quarter" idx="3"/>
-          </p:nvPr>
-        </p:nvSpPr>
-        <p:spPr/>
-        <p:txBody>
-          <a:bodyPr/>
-          <a:lstStyle/>
-          <a:p>
-            <a:r>
-              <a:rPr lang="ru-RU" dirty="0"/>
-              <a:t>Реальность</a:t>
-            </a:r>
-            <a:endParaRPr lang="en-US" dirty="0"/>
-          </a:p>
-        </p:txBody>
-      </p:sp>
-      <p:pic>
-        <p:nvPicPr>
-          <p:cNvPr id="13" name="Content Placeholder 12"/>
-          <p:cNvPicPr>
-            <a:picLocks noGrp="1" noChangeAspect="1"/>
-          </p:cNvPicPr>
-          <p:nvPr>
-            <p:ph sz="quarter" idx="4"/>
-          </p:nvPr>
-        </p:nvPicPr>
-        <p:blipFill>
-          <a:blip r:embed="rId4">
-            <a:extLst>
-              <a:ext uri="{28A0092B-C50C-407E-A947-70E740481C1C}">
-                <a14:useLocalDpi xmlns:a14="http://schemas.microsoft.com/office/drawing/2010/main" val="0"/>
-              </a:ext>
-            </a:extLst>
-          </a:blip>
-          <a:stretch>
-            <a:fillRect/>
-          </a:stretch>
-        </p:blipFill>
-        <p:spPr>
-          <a:xfrm>
-            <a:off x="6513247" y="2743200"/>
-            <a:ext cx="4456643" cy="3292475"/>
-          </a:xfrm>
-        </p:spPr>
-      </p:pic>
-    </p:spTree>
-    <p:extLst>
-      <p:ext uri="{BB962C8B-B14F-4D97-AF65-F5344CB8AC3E}">
-        <p14:creationId xmlns:p14="http://schemas.microsoft.com/office/powerpoint/2010/main" val="3982417944"/>
-      </p:ext>
-    </p:extLst>
-  </p:cSld>
-  <p:clrMapOvr>
-    <a:masterClrMapping/>
-  </p:clrMapOvr>
-  <p:timing>
-    <p:tnLst>
-      <p:par>
-        <p:cTn id="1" dur="indefinite" restart="never" nodeType="tmRoot">
-          <p:childTnLst>
-            <p:seq concurrent="1" nextAc="seek">
-              <p:cTn id="2" dur="indefinite" nodeType="mainSeq">
-                <p:childTnLst>
-                  <p:par>
-                    <p:cTn id="3" fill="hold">
-                      <p:stCondLst>
-                        <p:cond delay="indefinite"/>
-                      </p:stCondLst>
-                      <p:childTnLst>
-                        <p:par>
-                          <p:cTn id="4" fill="hold">
-                            <p:stCondLst>
-                              <p:cond delay="0"/>
-                            </p:stCondLst>
-                            <p:childTnLst>
-                              <p:par>
-                                <p:cTn id="5" presetID="10" presetClass="entr" presetSubtype="0" fill="hold" nodeType="clickEffect">
-                                  <p:stCondLst>
-                                    <p:cond delay="0"/>
-                                  </p:stCondLst>
-                                  <p:childTnLst>
-                                    <p:set>
-                                      <p:cBhvr>
-                                        <p:cTn id="6" dur="1" fill="hold">
-                                          <p:stCondLst>
-                                            <p:cond delay="0"/>
-                                          </p:stCondLst>
-                                        </p:cTn>
-                                        <p:tgtEl>
-                                          <p:spTgt spid="8"/>
-                                        </p:tgtEl>
-                                        <p:attrNameLst>
-                                          <p:attrName>style.visibility</p:attrName>
-                                        </p:attrNameLst>
-                                      </p:cBhvr>
-                                      <p:to>
-                                        <p:strVal val="visible"/>
-                                      </p:to>
-                                    </p:set>
-                                    <p:animEffect transition="in" filter="fade">
-                                      <p:cBhvr>
-                                        <p:cTn id="7" dur="500"/>
-                                        <p:tgtEl>
-                                          <p:spTgt spid="8"/>
-                                        </p:tgtEl>
-                                      </p:cBhvr>
-                                    </p:animEffect>
-                                  </p:childTnLst>
-                                </p:cTn>
-                              </p:par>
-                            </p:childTnLst>
-                          </p:cTn>
-                        </p:par>
-                      </p:childTnLst>
-                    </p:cTn>
-                  </p:par>
-                  <p:par>
-                    <p:cTn id="8" fill="hold">
-                      <p:stCondLst>
-                        <p:cond delay="indefinite"/>
-                      </p:stCondLst>
-                      <p:childTnLst>
-                        <p:par>
-                          <p:cTn id="9" fill="hold">
-                            <p:stCondLst>
-                              <p:cond delay="0"/>
-                            </p:stCondLst>
-                            <p:childTnLst>
-                              <p:par>
-                                <p:cTn id="10" presetID="10" presetClass="entr" presetSubtype="0" fill="hold" nodeType="clickEffect">
-                                  <p:stCondLst>
-                                    <p:cond delay="0"/>
-                                  </p:stCondLst>
-                                  <p:childTnLst>
-                                    <p:set>
-                                      <p:cBhvr>
-                                        <p:cTn id="11" dur="1" fill="hold">
-                                          <p:stCondLst>
-                                            <p:cond delay="0"/>
-                                          </p:stCondLst>
-                                        </p:cTn>
-                                        <p:tgtEl>
-                                          <p:spTgt spid="13"/>
-                                        </p:tgtEl>
-                                        <p:attrNameLst>
-                                          <p:attrName>style.visibility</p:attrName>
-                                        </p:attrNameLst>
-                                      </p:cBhvr>
-                                      <p:to>
-                                        <p:strVal val="visible"/>
-                                      </p:to>
-                                    </p:set>
-                                    <p:animEffect transition="in" filter="fade">
-                                      <p:cBhvr>
-                                        <p:cTn id="12" dur="500"/>
-                                        <p:tgtEl>
-                                          <p:spTgt spid="13"/>
-                                        </p:tgtEl>
-                                      </p:cBhvr>
-                                    </p:animEffect>
-                                  </p:childTnLst>
-                                </p:cTn>
-                              </p:par>
-                            </p:childTnLst>
-                          </p:cTn>
-                        </p:par>
-                      </p:childTnLst>
-                    </p:cTn>
-                  </p:par>
-                </p:childTnLst>
-              </p:cTn>
-              <p:prevCondLst>
-                <p:cond evt="onPrev" delay="0">
-                  <p:tgtEl>
-                    <p:sldTgt/>
-                  </p:tgtEl>
-                </p:cond>
-              </p:prevCondLst>
-              <p:nextCondLst>
-                <p:cond evt="onNext" delay="0">
-                  <p:tgtEl>
-                    <p:sldTgt/>
-                  </p:tgtEl>
-                </p:cond>
-              </p:nextCondLst>
-            </p:seq>
-          </p:childTnLst>
-        </p:cTn>
-      </p:par>
-    </p:tnLst>
-  </p:timing>
-</p:sld>
-</file>
-
-<file path=ppt/slides/slide4.xml><?xml version="1.0" encoding="utf-8"?>
-<p:sld xmlns:a="http://schemas.openxmlformats.org/drawingml/2006/main" xmlns:r="http://schemas.openxmlformats.org/officeDocument/2006/relationships" xmlns:p="http://schemas.openxmlformats.org/presentationml/2006/main">
-  <p:cSld>
-    <p:spTree>
-      <p:nvGrpSpPr>
-        <p:cNvPr id="1" name=""/>
-        <p:cNvGrpSpPr/>
-        <p:nvPr/>
-      </p:nvGrpSpPr>
-      <p:grpSpPr>
-        <a:xfrm>
-          <a:off x="0" y="0"/>
-          <a:ext cx="0" cy="0"/>
-          <a:chOff x="0" y="0"/>
-          <a:chExt cx="0" cy="0"/>
-        </a:xfrm>
-      </p:grpSpPr>
-      <p:sp>
-        <p:nvSpPr>
-          <p:cNvPr id="22" name="Rectangle 21"/>
-          <p:cNvSpPr>
-            <a:spLocks noGrp="1" noRot="1" noChangeAspect="1" noMove="1" noResize="1" noEditPoints="1" noAdjustHandles="1" noChangeArrowheads="1" noChangeShapeType="1" noTextEdit="1"/>
-          </p:cNvSpPr>
-          <p:nvPr>
-            <p:extLst>
-              <p:ext uri="{386F3935-93C4-4BCD-93E2-E3B085C9AB24}">
-                <p16:designElem xmlns:p16="http://schemas.microsoft.com/office/powerpoint/2015/main" val="1"/>
-              </p:ext>
-            </p:extLst>
-          </p:nvPr>
-        </p:nvSpPr>
-        <p:spPr>
-          <a:xfrm>
-            <a:off x="1066800" y="4431215"/>
-            <a:ext cx="10058400" cy="80683"/>
-          </a:xfrm>
-          <a:prstGeom prst="rect">
-            <a:avLst/>
-          </a:prstGeom>
-          <a:blipFill dpi="0" rotWithShape="1">
-            <a:blip r:embed="rId2">
-              <a:alphaModFix amt="85000"/>
-              <a:lum bright="70000" contrast="-70000"/>
-              <a:extLst>
-                <a:ext uri="{BEBA8EAE-BF5A-486C-A8C5-ECC9F3942E4B}">
-                  <a14:imgProps xmlns:a14="http://schemas.microsoft.com/office/drawing/2010/main">
-                    <a14:imgLayer r:embed="rId3">
-                      <a14:imgEffect>
-                        <a14:sharpenSoften amount="61000"/>
-                      </a14:imgEffect>
-                    </a14:imgLayer>
-                  </a14:imgProps>
-                </a:ext>
-                <a:ext uri="{28A0092B-C50C-407E-A947-70E740481C1C}">
-                  <a14:useLocalDpi xmlns:a14="http://schemas.microsoft.com/office/drawing/2010/main" val="0"/>
-                </a:ext>
-              </a:extLst>
-            </a:blip>
-            <a:srcRect/>
-            <a:tile tx="0" ty="-762000" sx="92000" sy="89000" flip="xy" algn="ctr"/>
-          </a:blipFill>
-          <a:ln>
-            <a:noFill/>
-          </a:ln>
-        </p:spPr>
-        <p:style>
-          <a:lnRef idx="2">
-            <a:schemeClr val="accent1">
-              <a:shade val="50000"/>
-            </a:schemeClr>
-          </a:lnRef>
-          <a:fillRef idx="1">
-            <a:schemeClr val="accent1"/>
-          </a:fillRef>
-          <a:effectRef idx="0">
-            <a:schemeClr val="accent1"/>
-          </a:effectRef>
-          <a:fontRef idx="minor">
-            <a:schemeClr val="lt1"/>
-          </a:fontRef>
-        </p:style>
-        <p:txBody>
-          <a:bodyPr rtlCol="0" anchor="ctr"/>
-          <a:lstStyle/>
-          <a:p>
-            <a:pPr algn="ctr"/>
-            <a:endParaRPr lang="en-US"/>
-          </a:p>
-        </p:txBody>
-      </p:sp>
-      <p:sp>
-        <p:nvSpPr>
-          <p:cNvPr id="7" name="Title 6"/>
-          <p:cNvSpPr>
-            <a:spLocks noGrp="1"/>
-          </p:cNvSpPr>
-          <p:nvPr>
-            <p:ph type="title"/>
-          </p:nvPr>
-        </p:nvSpPr>
-        <p:spPr>
-          <a:xfrm>
-            <a:off x="1066800" y="4511898"/>
-            <a:ext cx="10058400" cy="1609344"/>
-          </a:xfrm>
-        </p:spPr>
-        <p:txBody>
-          <a:bodyPr>
-            <a:normAutofit/>
-          </a:bodyPr>
-          <a:lstStyle/>
-          <a:p>
-            <a:r>
-              <a:rPr lang="ru-RU"/>
-              <a:t>Цели</a:t>
-            </a:r>
-            <a:endParaRPr lang="en-US"/>
-          </a:p>
-        </p:txBody>
-      </p:sp>
-      <p:graphicFrame>
-        <p:nvGraphicFramePr>
-          <p:cNvPr id="17" name="Content Placeholder 7"/>
-          <p:cNvGraphicFramePr>
-            <a:graphicFrameLocks noGrp="1"/>
-          </p:cNvGraphicFramePr>
-          <p:nvPr>
-            <p:ph idx="1"/>
-            <p:extLst>
-              <p:ext uri="{D42A27DB-BD31-4B8C-83A1-F6EECF244321}">
-                <p14:modId xmlns:p14="http://schemas.microsoft.com/office/powerpoint/2010/main" val="3033710707"/>
-              </p:ext>
-            </p:extLst>
-          </p:nvPr>
-        </p:nvGraphicFramePr>
-        <p:xfrm>
-          <a:off x="1069975" y="642937"/>
-          <a:ext cx="10058400" cy="3452407"/>
-        </p:xfrm>
-        <a:graphic>
-          <a:graphicData uri="http://schemas.openxmlformats.org/drawingml/2006/diagram">
-            <dgm:relIds xmlns:dgm="http://schemas.openxmlformats.org/drawingml/2006/diagram" xmlns:r="http://schemas.openxmlformats.org/officeDocument/2006/relationships" r:dm="rId4" r:lo="rId5" r:qs="rId6" r:cs="rId7"/>
-          </a:graphicData>
-        </a:graphic>
-      </p:graphicFrame>
-    </p:spTree>
-    <p:extLst>
-      <p:ext uri="{BB962C8B-B14F-4D97-AF65-F5344CB8AC3E}">
-        <p14:creationId xmlns:p14="http://schemas.microsoft.com/office/powerpoint/2010/main" val="3911859415"/>
-      </p:ext>
-    </p:extLst>
-  </p:cSld>
-  <p:clrMapOvr>
-    <a:masterClrMapping/>
-  </p:clrMapOvr>
-</p:sld>
-</file>
-
 <file path=ppt/slides/slide5.xml><?xml version="1.0" encoding="utf-8"?>
 <p:sld xmlns:a="http://schemas.openxmlformats.org/drawingml/2006/main" xmlns:r="http://schemas.openxmlformats.org/officeDocument/2006/relationships" xmlns:p="http://schemas.openxmlformats.org/presentationml/2006/main">
   <p:cSld>
@@ -42039,14 +39724,46 @@
         </p:spPr>
         <p:txBody>
           <a:bodyPr vert="horz" lIns="91440" tIns="45720" rIns="91440" bIns="45720" rtlCol="0" anchor="ctr">
-            <a:normAutofit/>
+            <a:normAutofit fontScale="90000"/>
           </a:bodyPr>
           <a:lstStyle/>
           <a:p>
             <a:r>
-              <a:rPr lang="en-US" sz="3600"/>
-              <a:t>Syntax Visualizer – Ваш лучший друг</a:t>
+              <a:rPr lang="ru-RU" sz="3600" dirty="0">
+                <a:solidFill>
+                  <a:schemeClr val="accent1"/>
+                </a:solidFill>
+              </a:rPr>
+              <a:t>ШПАРГАЛКА №1:</a:t>
             </a:r>
+            <a:br>
+              <a:rPr lang="ru-RU" sz="3600" dirty="0"/>
+            </a:br>
+            <a:r>
+              <a:rPr lang="en-US" sz="3600" dirty="0"/>
+              <a:t>Syntax Visualizer – </a:t>
+            </a:r>
+            <a:r>
+              <a:rPr lang="en-US" sz="3600" dirty="0" err="1"/>
+              <a:t>Ваш</a:t>
+            </a:r>
+            <a:r>
+              <a:rPr lang="en-US" sz="3600" dirty="0"/>
+              <a:t> </a:t>
+            </a:r>
+            <a:r>
+              <a:rPr lang="en-US" sz="3600" dirty="0" err="1"/>
+              <a:t>лучший</a:t>
+            </a:r>
+            <a:r>
+              <a:rPr lang="en-US" sz="3600" dirty="0"/>
+              <a:t> </a:t>
+            </a:r>
+            <a:r>
+              <a:rPr lang="en-US" sz="3600" dirty="0" err="1"/>
+              <a:t>друг</a:t>
+            </a:r>
+            <a:endParaRPr lang="en-US" sz="3600" dirty="0"/>
           </a:p>
         </p:txBody>
       </p:sp>
@@ -42229,6 +39946,17 @@
           <a:bodyPr/>
           <a:lstStyle/>
           <a:p>
+            <a:r>
+              <a:rPr lang="ru-RU" dirty="0">
+                <a:solidFill>
+                  <a:schemeClr val="accent1"/>
+                </a:solidFill>
+              </a:rPr>
+              <a:t>Неочевидность №1:</a:t>
+            </a:r>
+            <a:br>
+              <a:rPr lang="ru-RU" dirty="0"/>
+            </a:br>
             <a:r>
               <a:rPr lang="ru-RU" dirty="0"/>
               <a:t>Для всего есть фабрика</a:t>
@@ -42427,14 +40155,34 @@
         <p:spPr/>
         <p:txBody>
           <a:bodyPr vert="horz" lIns="91440" tIns="45720" rIns="91440" bIns="45720" rtlCol="0" anchor="ctr">
-            <a:normAutofit/>
+            <a:normAutofit fontScale="90000"/>
           </a:bodyPr>
           <a:lstStyle/>
           <a:p>
             <a:r>
-              <a:rPr lang="en-US"/>
-              <a:t>Имя узла соответствует имени класса</a:t>
+              <a:rPr lang="ru-RU" dirty="0">
+                <a:solidFill>
+                  <a:schemeClr val="accent1"/>
+                </a:solidFill>
+              </a:rPr>
+              <a:t>НЕОЧЕВИДНОСТЬ №2:</a:t>
             </a:r>
+            <a:br>
+              <a:rPr lang="ru-RU" dirty="0"/>
+            </a:br>
+            <a:r>
+              <a:rPr lang="ru-RU" dirty="0"/>
+              <a:t>В </a:t>
+            </a:r>
+            <a:r>
+              <a:rPr lang="en-US" dirty="0"/>
+              <a:t>Syntax Visualizer</a:t>
+            </a:r>
+            <a:r>
+              <a:rPr lang="ru-RU" dirty="0"/>
+              <a:t> отображается вид узла</a:t>
+            </a:r>
+            <a:endParaRPr lang="en-US" dirty="0"/>
           </a:p>
         </p:txBody>
       </p:sp>
@@ -42589,6 +40337,17 @@
           <a:lstStyle/>
           <a:p>
             <a:r>
+              <a:rPr lang="ru-RU" dirty="0">
+                <a:solidFill>
+                  <a:schemeClr val="accent1"/>
+                </a:solidFill>
+              </a:rPr>
+              <a:t>Неочевидность №3:</a:t>
+            </a:r>
+            <a:br>
+              <a:rPr lang="ru-RU" dirty="0"/>
+            </a:br>
+            <a:r>
               <a:rPr lang="en-US" dirty="0" err="1"/>
               <a:t>DescendantNodes</a:t>
             </a:r>
@@ -42610,14 +40369,14 @@
             <p:ph sz="half" idx="1"/>
             <p:extLst>
               <p:ext uri="{D42A27DB-BD31-4B8C-83A1-F6EECF244321}">
-                <p14:modId xmlns:p14="http://schemas.microsoft.com/office/powerpoint/2010/main" val="1834469425"/>
+                <p14:modId xmlns:p14="http://schemas.microsoft.com/office/powerpoint/2010/main" val="956417484"/>
               </p:ext>
             </p:extLst>
           </p:nvPr>
         </p:nvGraphicFramePr>
         <p:xfrm>
-          <a:off x="1069975" y="2193925"/>
-          <a:ext cx="4754563" cy="3978275"/>
+          <a:off x="1069975" y="2401455"/>
+          <a:ext cx="4721225" cy="3770745"/>
         </p:xfrm>
         <a:graphic>
           <a:graphicData uri="http://schemas.openxmlformats.org/drawingml/2006/diagram">
@@ -42635,14 +40394,14 @@
             <p:ph sz="half" idx="2"/>
             <p:extLst>
               <p:ext uri="{D42A27DB-BD31-4B8C-83A1-F6EECF244321}">
-                <p14:modId xmlns:p14="http://schemas.microsoft.com/office/powerpoint/2010/main" val="1455577461"/>
+                <p14:modId xmlns:p14="http://schemas.microsoft.com/office/powerpoint/2010/main" val="657432545"/>
               </p:ext>
             </p:extLst>
           </p:nvPr>
         </p:nvGraphicFramePr>
         <p:xfrm>
-          <a:off x="6364288" y="2193925"/>
-          <a:ext cx="4754562" cy="3978275"/>
+          <a:off x="6363855" y="2475345"/>
+          <a:ext cx="4754995" cy="3696855"/>
         </p:xfrm>
         <a:graphic>
           <a:graphicData uri="http://schemas.openxmlformats.org/drawingml/2006/diagram">

--- a/P.pptx
+++ b/P.pptx
@@ -6736,6 +6736,13 @@
         </dgm:presLayoutVars>
       </dgm:prSet>
       <dgm:spPr/>
+      <dgm:t>
+        <a:bodyPr/>
+        <a:lstStyle/>
+        <a:p>
+          <a:endParaRPr lang="en-US"/>
+        </a:p>
+      </dgm:t>
     </dgm:pt>
     <dgm:pt modelId="{BE83DB6E-018E-425C-A7C4-2646E15AC60C}" type="pres">
       <dgm:prSet presAssocID="{5F339ECB-A28D-4485-972D-012D6096F6BE}" presName="compositeNode" presStyleCnt="0">
@@ -6748,6 +6755,13 @@
     <dgm:pt modelId="{1FDF116F-3E29-4238-8712-2FEF338D9668}" type="pres">
       <dgm:prSet presAssocID="{5F339ECB-A28D-4485-972D-012D6096F6BE}" presName="bgRect" presStyleLbl="bgAccFollowNode1" presStyleIdx="0" presStyleCnt="3"/>
       <dgm:spPr/>
+      <dgm:t>
+        <a:bodyPr/>
+        <a:lstStyle/>
+        <a:p>
+          <a:endParaRPr lang="en-US"/>
+        </a:p>
+      </dgm:t>
     </dgm:pt>
     <dgm:pt modelId="{C8A243DA-7176-4C9C-B13C-C49B9D999CBC}" type="pres">
       <dgm:prSet presAssocID="{B91705A0-DF57-44A8-8383-112528AD4749}" presName="sibTransNodeCircle" presStyleLbl="alignNode1" presStyleIdx="0" presStyleCnt="6">
@@ -6757,6 +6771,13 @@
         </dgm:presLayoutVars>
       </dgm:prSet>
       <dgm:spPr/>
+      <dgm:t>
+        <a:bodyPr/>
+        <a:lstStyle/>
+        <a:p>
+          <a:endParaRPr lang="en-US"/>
+        </a:p>
+      </dgm:t>
     </dgm:pt>
     <dgm:pt modelId="{69408238-D25C-4975-9BB2-D27F3197305C}" type="pres">
       <dgm:prSet presAssocID="{5F339ECB-A28D-4485-972D-012D6096F6BE}" presName="bottomLine" presStyleLbl="alignNode1" presStyleIdx="1" presStyleCnt="6">
@@ -6771,6 +6792,13 @@
         </dgm:presLayoutVars>
       </dgm:prSet>
       <dgm:spPr/>
+      <dgm:t>
+        <a:bodyPr/>
+        <a:lstStyle/>
+        <a:p>
+          <a:endParaRPr lang="en-US"/>
+        </a:p>
+      </dgm:t>
     </dgm:pt>
     <dgm:pt modelId="{BBCE2C01-599A-4812-AE9F-8514E85B313C}" type="pres">
       <dgm:prSet presAssocID="{B91705A0-DF57-44A8-8383-112528AD4749}" presName="sibTrans" presStyleCnt="0"/>
@@ -6787,6 +6815,13 @@
     <dgm:pt modelId="{4A077E0F-CD31-4114-BD60-CC0437AF6827}" type="pres">
       <dgm:prSet presAssocID="{0C6A49FF-420E-460A-9F69-B5744BB1A579}" presName="bgRect" presStyleLbl="bgAccFollowNode1" presStyleIdx="1" presStyleCnt="3"/>
       <dgm:spPr/>
+      <dgm:t>
+        <a:bodyPr/>
+        <a:lstStyle/>
+        <a:p>
+          <a:endParaRPr lang="en-US"/>
+        </a:p>
+      </dgm:t>
     </dgm:pt>
     <dgm:pt modelId="{EC3FB66E-F6A4-4D9F-BC28-6B6B4C56D8A1}" type="pres">
       <dgm:prSet presAssocID="{C04CA310-BE41-4783-A867-5839A6C048BB}" presName="sibTransNodeCircle" presStyleLbl="alignNode1" presStyleIdx="2" presStyleCnt="6">
@@ -6796,6 +6831,13 @@
         </dgm:presLayoutVars>
       </dgm:prSet>
       <dgm:spPr/>
+      <dgm:t>
+        <a:bodyPr/>
+        <a:lstStyle/>
+        <a:p>
+          <a:endParaRPr lang="en-US"/>
+        </a:p>
+      </dgm:t>
     </dgm:pt>
     <dgm:pt modelId="{D7B64B7D-96EE-4F02-A97A-EDB7DA066AF6}" type="pres">
       <dgm:prSet presAssocID="{0C6A49FF-420E-460A-9F69-B5744BB1A579}" presName="bottomLine" presStyleLbl="alignNode1" presStyleIdx="3" presStyleCnt="6">
@@ -6810,6 +6852,13 @@
         </dgm:presLayoutVars>
       </dgm:prSet>
       <dgm:spPr/>
+      <dgm:t>
+        <a:bodyPr/>
+        <a:lstStyle/>
+        <a:p>
+          <a:endParaRPr lang="en-US"/>
+        </a:p>
+      </dgm:t>
     </dgm:pt>
     <dgm:pt modelId="{5070CD1A-F294-4399-8659-1F607FB9BE61}" type="pres">
       <dgm:prSet presAssocID="{C04CA310-BE41-4783-A867-5839A6C048BB}" presName="sibTrans" presStyleCnt="0"/>
@@ -6826,6 +6875,13 @@
     <dgm:pt modelId="{1D271FC5-7E62-4951-91AC-9D950D21D4A6}" type="pres">
       <dgm:prSet presAssocID="{6F079F10-D8F0-4DDB-B93D-2B0F303C521A}" presName="bgRect" presStyleLbl="bgAccFollowNode1" presStyleIdx="2" presStyleCnt="3"/>
       <dgm:spPr/>
+      <dgm:t>
+        <a:bodyPr/>
+        <a:lstStyle/>
+        <a:p>
+          <a:endParaRPr lang="en-US"/>
+        </a:p>
+      </dgm:t>
     </dgm:pt>
     <dgm:pt modelId="{FD968A71-A0CE-44C0-AEB3-036CB072C54E}" type="pres">
       <dgm:prSet presAssocID="{BB400345-5542-4EE7-8045-A837ABBA4E45}" presName="sibTransNodeCircle" presStyleLbl="alignNode1" presStyleIdx="4" presStyleCnt="6">
@@ -6835,6 +6891,13 @@
         </dgm:presLayoutVars>
       </dgm:prSet>
       <dgm:spPr/>
+      <dgm:t>
+        <a:bodyPr/>
+        <a:lstStyle/>
+        <a:p>
+          <a:endParaRPr lang="en-US"/>
+        </a:p>
+      </dgm:t>
     </dgm:pt>
     <dgm:pt modelId="{4A6A5375-00A5-429B-85D8-02801088317F}" type="pres">
       <dgm:prSet presAssocID="{6F079F10-D8F0-4DDB-B93D-2B0F303C521A}" presName="bottomLine" presStyleLbl="alignNode1" presStyleIdx="5" presStyleCnt="6">
@@ -6849,6 +6912,13 @@
         </dgm:presLayoutVars>
       </dgm:prSet>
       <dgm:spPr/>
+      <dgm:t>
+        <a:bodyPr/>
+        <a:lstStyle/>
+        <a:p>
+          <a:endParaRPr lang="en-US"/>
+        </a:p>
+      </dgm:t>
     </dgm:pt>
   </dgm:ptLst>
   <dgm:cxnLst>
@@ -7099,6 +7169,13 @@
         </dgm:presLayoutVars>
       </dgm:prSet>
       <dgm:spPr/>
+      <dgm:t>
+        <a:bodyPr/>
+        <a:lstStyle/>
+        <a:p>
+          <a:endParaRPr lang="en-US"/>
+        </a:p>
+      </dgm:t>
     </dgm:pt>
     <dgm:pt modelId="{11F2DA1D-B269-44A8-AEAC-7C8F4EF99EAC}" type="pres">
       <dgm:prSet presAssocID="{B47EC5D9-A66F-48CD-8C96-52E4A415C3D8}" presName="hierRoot1" presStyleCnt="0">
@@ -7119,10 +7196,24 @@
         </dgm:presLayoutVars>
       </dgm:prSet>
       <dgm:spPr/>
+      <dgm:t>
+        <a:bodyPr/>
+        <a:lstStyle/>
+        <a:p>
+          <a:endParaRPr lang="en-US"/>
+        </a:p>
+      </dgm:t>
     </dgm:pt>
     <dgm:pt modelId="{F36FE309-61AC-4D6B-993A-0D1B872977DF}" type="pres">
       <dgm:prSet presAssocID="{B47EC5D9-A66F-48CD-8C96-52E4A415C3D8}" presName="rootConnector1" presStyleLbl="node1" presStyleIdx="0" presStyleCnt="0"/>
       <dgm:spPr/>
+      <dgm:t>
+        <a:bodyPr/>
+        <a:lstStyle/>
+        <a:p>
+          <a:endParaRPr lang="en-US"/>
+        </a:p>
+      </dgm:t>
     </dgm:pt>
     <dgm:pt modelId="{34E70A76-75D8-44AB-B8ED-88BBAE5D6A2D}" type="pres">
       <dgm:prSet presAssocID="{B47EC5D9-A66F-48CD-8C96-52E4A415C3D8}" presName="hierChild2" presStyleCnt="0"/>
@@ -7131,6 +7222,13 @@
     <dgm:pt modelId="{745061D3-BF33-40F0-A83C-52009E23F57F}" type="pres">
       <dgm:prSet presAssocID="{64321824-3BA7-460F-8798-11FE5EA0FB47}" presName="Name37" presStyleLbl="parChTrans1D2" presStyleIdx="0" presStyleCnt="3"/>
       <dgm:spPr/>
+      <dgm:t>
+        <a:bodyPr/>
+        <a:lstStyle/>
+        <a:p>
+          <a:endParaRPr lang="en-US"/>
+        </a:p>
+      </dgm:t>
     </dgm:pt>
     <dgm:pt modelId="{C0111564-FEFA-4017-B7AB-C31E5D5783E6}" type="pres">
       <dgm:prSet presAssocID="{49F5F929-38DD-4CF8-AACD-152BFFDA38AB}" presName="hierRoot2" presStyleCnt="0">
@@ -7151,10 +7249,24 @@
         </dgm:presLayoutVars>
       </dgm:prSet>
       <dgm:spPr/>
+      <dgm:t>
+        <a:bodyPr/>
+        <a:lstStyle/>
+        <a:p>
+          <a:endParaRPr lang="en-US"/>
+        </a:p>
+      </dgm:t>
     </dgm:pt>
     <dgm:pt modelId="{AB9A15E1-280B-4E35-AB10-65912732E745}" type="pres">
       <dgm:prSet presAssocID="{49F5F929-38DD-4CF8-AACD-152BFFDA38AB}" presName="rootConnector" presStyleLbl="node2" presStyleIdx="0" presStyleCnt="2"/>
       <dgm:spPr/>
+      <dgm:t>
+        <a:bodyPr/>
+        <a:lstStyle/>
+        <a:p>
+          <a:endParaRPr lang="en-US"/>
+        </a:p>
+      </dgm:t>
     </dgm:pt>
     <dgm:pt modelId="{2DAB6325-6469-4157-817F-B6DE7998F853}" type="pres">
       <dgm:prSet presAssocID="{49F5F929-38DD-4CF8-AACD-152BFFDA38AB}" presName="hierChild4" presStyleCnt="0"/>
@@ -7163,6 +7275,13 @@
     <dgm:pt modelId="{C7F4F8AC-4C7F-46D9-AACD-CFEA5CBDC6F5}" type="pres">
       <dgm:prSet presAssocID="{A3B069FE-2FB5-4410-AE70-6F8173C7230A}" presName="Name37" presStyleLbl="parChTrans1D3" presStyleIdx="0" presStyleCnt="1"/>
       <dgm:spPr/>
+      <dgm:t>
+        <a:bodyPr/>
+        <a:lstStyle/>
+        <a:p>
+          <a:endParaRPr lang="en-US"/>
+        </a:p>
+      </dgm:t>
     </dgm:pt>
     <dgm:pt modelId="{025541A5-7644-41C4-AA12-9DE9062536CB}" type="pres">
       <dgm:prSet presAssocID="{B9E05F17-6D53-490C-880F-C0A02A440785}" presName="hierRoot2" presStyleCnt="0">
@@ -7183,10 +7302,24 @@
         </dgm:presLayoutVars>
       </dgm:prSet>
       <dgm:spPr/>
+      <dgm:t>
+        <a:bodyPr/>
+        <a:lstStyle/>
+        <a:p>
+          <a:endParaRPr lang="en-US"/>
+        </a:p>
+      </dgm:t>
     </dgm:pt>
     <dgm:pt modelId="{111D885F-9FCE-4BC1-9895-A625975BF485}" type="pres">
       <dgm:prSet presAssocID="{B9E05F17-6D53-490C-880F-C0A02A440785}" presName="rootConnector" presStyleLbl="node3" presStyleIdx="0" presStyleCnt="1"/>
       <dgm:spPr/>
+      <dgm:t>
+        <a:bodyPr/>
+        <a:lstStyle/>
+        <a:p>
+          <a:endParaRPr lang="en-US"/>
+        </a:p>
+      </dgm:t>
     </dgm:pt>
     <dgm:pt modelId="{13AD5DE5-B48D-4868-A3A5-70C8F7B2657F}" type="pres">
       <dgm:prSet presAssocID="{B9E05F17-6D53-490C-880F-C0A02A440785}" presName="hierChild4" presStyleCnt="0"/>
@@ -7203,6 +7336,13 @@
     <dgm:pt modelId="{3E7675C9-BD2F-4298-A803-AA8B565E307A}" type="pres">
       <dgm:prSet presAssocID="{A3139E46-CF40-478F-94DF-91605AE3985F}" presName="Name37" presStyleLbl="parChTrans1D2" presStyleIdx="1" presStyleCnt="3"/>
       <dgm:spPr/>
+      <dgm:t>
+        <a:bodyPr/>
+        <a:lstStyle/>
+        <a:p>
+          <a:endParaRPr lang="en-US"/>
+        </a:p>
+      </dgm:t>
     </dgm:pt>
     <dgm:pt modelId="{231FC1CB-FA90-48FE-BE72-68F4AB52FA76}" type="pres">
       <dgm:prSet presAssocID="{0994183D-F68C-4A0C-ADB1-5C88AC24A212}" presName="hierRoot2" presStyleCnt="0">
@@ -7223,10 +7363,24 @@
         </dgm:presLayoutVars>
       </dgm:prSet>
       <dgm:spPr/>
+      <dgm:t>
+        <a:bodyPr/>
+        <a:lstStyle/>
+        <a:p>
+          <a:endParaRPr lang="en-US"/>
+        </a:p>
+      </dgm:t>
     </dgm:pt>
     <dgm:pt modelId="{385DFA0B-4F72-4BA0-BEBC-1BEC36FEF28E}" type="pres">
       <dgm:prSet presAssocID="{0994183D-F68C-4A0C-ADB1-5C88AC24A212}" presName="rootConnector" presStyleLbl="node2" presStyleIdx="1" presStyleCnt="2"/>
       <dgm:spPr/>
+      <dgm:t>
+        <a:bodyPr/>
+        <a:lstStyle/>
+        <a:p>
+          <a:endParaRPr lang="en-US"/>
+        </a:p>
+      </dgm:t>
     </dgm:pt>
     <dgm:pt modelId="{7B6F0959-F381-4C7F-9301-C84C1D5B1FCF}" type="pres">
       <dgm:prSet presAssocID="{0994183D-F68C-4A0C-ADB1-5C88AC24A212}" presName="hierChild4" presStyleCnt="0"/>
@@ -7243,6 +7397,13 @@
     <dgm:pt modelId="{ED8ACC83-E8B3-4C7A-8169-B9FF49A03F92}" type="pres">
       <dgm:prSet presAssocID="{896EB847-3EFD-4A63-BABF-B377F1C3BE66}" presName="Name111" presStyleLbl="parChTrans1D2" presStyleIdx="2" presStyleCnt="3"/>
       <dgm:spPr/>
+      <dgm:t>
+        <a:bodyPr/>
+        <a:lstStyle/>
+        <a:p>
+          <a:endParaRPr lang="en-US"/>
+        </a:p>
+      </dgm:t>
     </dgm:pt>
     <dgm:pt modelId="{088C004A-07CA-49FF-88FC-87A2DCB911D0}" type="pres">
       <dgm:prSet presAssocID="{939700DC-A23C-424E-984D-1457AB1C0244}" presName="hierRoot3" presStyleCnt="0">
@@ -7263,10 +7424,24 @@
         </dgm:presLayoutVars>
       </dgm:prSet>
       <dgm:spPr/>
+      <dgm:t>
+        <a:bodyPr/>
+        <a:lstStyle/>
+        <a:p>
+          <a:endParaRPr lang="en-US"/>
+        </a:p>
+      </dgm:t>
     </dgm:pt>
     <dgm:pt modelId="{B2655F39-6555-4D8D-983E-FCDABF1A0E1E}" type="pres">
       <dgm:prSet presAssocID="{939700DC-A23C-424E-984D-1457AB1C0244}" presName="rootConnector3" presStyleLbl="asst1" presStyleIdx="0" presStyleCnt="1"/>
       <dgm:spPr/>
+      <dgm:t>
+        <a:bodyPr/>
+        <a:lstStyle/>
+        <a:p>
+          <a:endParaRPr lang="en-US"/>
+        </a:p>
+      </dgm:t>
     </dgm:pt>
     <dgm:pt modelId="{9E0BF125-1CC0-4326-BAFD-ECDDB831E96A}" type="pres">
       <dgm:prSet presAssocID="{939700DC-A23C-424E-984D-1457AB1C0244}" presName="hierChild6" presStyleCnt="0"/>
@@ -7278,26 +7453,26 @@
     </dgm:pt>
   </dgm:ptLst>
   <dgm:cxnLst>
+    <dgm:cxn modelId="{9F3C67E8-B623-4047-A725-90102B6C488B}" srcId="{B47EC5D9-A66F-48CD-8C96-52E4A415C3D8}" destId="{49F5F929-38DD-4CF8-AACD-152BFFDA38AB}" srcOrd="1" destOrd="0" parTransId="{64321824-3BA7-460F-8798-11FE5EA0FB47}" sibTransId="{1924C387-F662-4B02-AF48-5D8F94500B7F}"/>
+    <dgm:cxn modelId="{BEE93736-2B3E-4126-A3FA-5475273F7D44}" type="presOf" srcId="{0994183D-F68C-4A0C-ADB1-5C88AC24A212}" destId="{0624B46F-0C4F-4AE4-B3E4-5E98BCEFD94A}" srcOrd="0" destOrd="0" presId="urn:microsoft.com/office/officeart/2005/8/layout/orgChart1"/>
+    <dgm:cxn modelId="{B1D14EB5-130F-4395-A373-9E19DBE90CDA}" type="presOf" srcId="{B47EC5D9-A66F-48CD-8C96-52E4A415C3D8}" destId="{F36FE309-61AC-4D6B-993A-0D1B872977DF}" srcOrd="1" destOrd="0" presId="urn:microsoft.com/office/officeart/2005/8/layout/orgChart1"/>
+    <dgm:cxn modelId="{1083AE5B-FFC1-4E12-81B9-F8188A039434}" type="presOf" srcId="{49F5F929-38DD-4CF8-AACD-152BFFDA38AB}" destId="{A4953C07-EB00-49D2-96D0-34F5C40D0408}" srcOrd="0" destOrd="0" presId="urn:microsoft.com/office/officeart/2005/8/layout/orgChart1"/>
+    <dgm:cxn modelId="{F6E29071-E54B-4B30-89C9-78A5EE9F98A6}" srcId="{B47EC5D9-A66F-48CD-8C96-52E4A415C3D8}" destId="{0994183D-F68C-4A0C-ADB1-5C88AC24A212}" srcOrd="2" destOrd="0" parTransId="{A3139E46-CF40-478F-94DF-91605AE3985F}" sibTransId="{4676D27D-EB1E-4E9C-90C7-8AF0FCAE4D72}"/>
+    <dgm:cxn modelId="{CCD74156-8709-4883-9E71-2EE6A367C4AD}" type="presOf" srcId="{B9E05F17-6D53-490C-880F-C0A02A440785}" destId="{AFE46486-2A9D-40F4-96A4-D00F57484C98}" srcOrd="0" destOrd="0" presId="urn:microsoft.com/office/officeart/2005/8/layout/orgChart1"/>
+    <dgm:cxn modelId="{34B533A5-70EA-47D4-B133-692E60697819}" type="presOf" srcId="{49F5F929-38DD-4CF8-AACD-152BFFDA38AB}" destId="{AB9A15E1-280B-4E35-AB10-65912732E745}" srcOrd="1" destOrd="0" presId="urn:microsoft.com/office/officeart/2005/8/layout/orgChart1"/>
     <dgm:cxn modelId="{AF902732-CBDD-4562-B1FD-A47D3A834B61}" type="presOf" srcId="{896EB847-3EFD-4A63-BABF-B377F1C3BE66}" destId="{ED8ACC83-E8B3-4C7A-8169-B9FF49A03F92}" srcOrd="0" destOrd="0" presId="urn:microsoft.com/office/officeart/2005/8/layout/orgChart1"/>
-    <dgm:cxn modelId="{CCD74156-8709-4883-9E71-2EE6A367C4AD}" type="presOf" srcId="{B9E05F17-6D53-490C-880F-C0A02A440785}" destId="{AFE46486-2A9D-40F4-96A4-D00F57484C98}" srcOrd="0" destOrd="0" presId="urn:microsoft.com/office/officeart/2005/8/layout/orgChart1"/>
+    <dgm:cxn modelId="{8AE1F3D9-13AE-4381-BFEF-203F86FE7F90}" type="presOf" srcId="{939700DC-A23C-424E-984D-1457AB1C0244}" destId="{B2655F39-6555-4D8D-983E-FCDABF1A0E1E}" srcOrd="1" destOrd="0" presId="urn:microsoft.com/office/officeart/2005/8/layout/orgChart1"/>
+    <dgm:cxn modelId="{C7E16CDA-014E-4BC2-A40D-662306F0DA8F}" srcId="{49F5F929-38DD-4CF8-AACD-152BFFDA38AB}" destId="{B9E05F17-6D53-490C-880F-C0A02A440785}" srcOrd="0" destOrd="0" parTransId="{A3B069FE-2FB5-4410-AE70-6F8173C7230A}" sibTransId="{B8259121-0C83-4782-B5B4-2FDD028B0C02}"/>
+    <dgm:cxn modelId="{814D50B3-FD0A-4835-8B71-7B98BB62E7C4}" type="presOf" srcId="{7A6886BE-BAEF-42EA-B276-022624D63DE5}" destId="{B59C04B9-C77E-46B7-B345-7B088347CF63}" srcOrd="0" destOrd="0" presId="urn:microsoft.com/office/officeart/2005/8/layout/orgChart1"/>
+    <dgm:cxn modelId="{AFF61CA4-9CD8-4E48-B8BA-093554C61F82}" type="presOf" srcId="{0994183D-F68C-4A0C-ADB1-5C88AC24A212}" destId="{385DFA0B-4F72-4BA0-BEBC-1BEC36FEF28E}" srcOrd="1" destOrd="0" presId="urn:microsoft.com/office/officeart/2005/8/layout/orgChart1"/>
+    <dgm:cxn modelId="{4CF850BB-40CF-42E1-A14E-37087C6A4C16}" type="presOf" srcId="{B47EC5D9-A66F-48CD-8C96-52E4A415C3D8}" destId="{068FD07B-9C8C-4E02-8D54-CE60AFBA4949}" srcOrd="0" destOrd="0" presId="urn:microsoft.com/office/officeart/2005/8/layout/orgChart1"/>
+    <dgm:cxn modelId="{F8351CCC-13E0-489C-90F9-4D2EE2A8BA48}" type="presOf" srcId="{A3B069FE-2FB5-4410-AE70-6F8173C7230A}" destId="{C7F4F8AC-4C7F-46D9-AACD-CFEA5CBDC6F5}" srcOrd="0" destOrd="0" presId="urn:microsoft.com/office/officeart/2005/8/layout/orgChart1"/>
+    <dgm:cxn modelId="{14A8F6E9-0827-48C9-B446-1D2C18524C65}" type="presOf" srcId="{B9E05F17-6D53-490C-880F-C0A02A440785}" destId="{111D885F-9FCE-4BC1-9895-A625975BF485}" srcOrd="1" destOrd="0" presId="urn:microsoft.com/office/officeart/2005/8/layout/orgChart1"/>
     <dgm:cxn modelId="{D316981F-75E2-470A-AAAE-053316E8C59B}" srcId="{B47EC5D9-A66F-48CD-8C96-52E4A415C3D8}" destId="{939700DC-A23C-424E-984D-1457AB1C0244}" srcOrd="0" destOrd="0" parTransId="{896EB847-3EFD-4A63-BABF-B377F1C3BE66}" sibTransId="{A0F06432-3A04-4941-9B2B-351EA8C6A250}"/>
-    <dgm:cxn modelId="{F6E29071-E54B-4B30-89C9-78A5EE9F98A6}" srcId="{B47EC5D9-A66F-48CD-8C96-52E4A415C3D8}" destId="{0994183D-F68C-4A0C-ADB1-5C88AC24A212}" srcOrd="2" destOrd="0" parTransId="{A3139E46-CF40-478F-94DF-91605AE3985F}" sibTransId="{4676D27D-EB1E-4E9C-90C7-8AF0FCAE4D72}"/>
-    <dgm:cxn modelId="{34B533A5-70EA-47D4-B133-692E60697819}" type="presOf" srcId="{49F5F929-38DD-4CF8-AACD-152BFFDA38AB}" destId="{AB9A15E1-280B-4E35-AB10-65912732E745}" srcOrd="1" destOrd="0" presId="urn:microsoft.com/office/officeart/2005/8/layout/orgChart1"/>
-    <dgm:cxn modelId="{14A8F6E9-0827-48C9-B446-1D2C18524C65}" type="presOf" srcId="{B9E05F17-6D53-490C-880F-C0A02A440785}" destId="{111D885F-9FCE-4BC1-9895-A625975BF485}" srcOrd="1" destOrd="0" presId="urn:microsoft.com/office/officeart/2005/8/layout/orgChart1"/>
-    <dgm:cxn modelId="{4CF850BB-40CF-42E1-A14E-37087C6A4C16}" type="presOf" srcId="{B47EC5D9-A66F-48CD-8C96-52E4A415C3D8}" destId="{068FD07B-9C8C-4E02-8D54-CE60AFBA4949}" srcOrd="0" destOrd="0" presId="urn:microsoft.com/office/officeart/2005/8/layout/orgChart1"/>
-    <dgm:cxn modelId="{814D50B3-FD0A-4835-8B71-7B98BB62E7C4}" type="presOf" srcId="{7A6886BE-BAEF-42EA-B276-022624D63DE5}" destId="{B59C04B9-C77E-46B7-B345-7B088347CF63}" srcOrd="0" destOrd="0" presId="urn:microsoft.com/office/officeart/2005/8/layout/orgChart1"/>
-    <dgm:cxn modelId="{F8351CCC-13E0-489C-90F9-4D2EE2A8BA48}" type="presOf" srcId="{A3B069FE-2FB5-4410-AE70-6F8173C7230A}" destId="{C7F4F8AC-4C7F-46D9-AACD-CFEA5CBDC6F5}" srcOrd="0" destOrd="0" presId="urn:microsoft.com/office/officeart/2005/8/layout/orgChart1"/>
-    <dgm:cxn modelId="{C7E16CDA-014E-4BC2-A40D-662306F0DA8F}" srcId="{49F5F929-38DD-4CF8-AACD-152BFFDA38AB}" destId="{B9E05F17-6D53-490C-880F-C0A02A440785}" srcOrd="0" destOrd="0" parTransId="{A3B069FE-2FB5-4410-AE70-6F8173C7230A}" sibTransId="{B8259121-0C83-4782-B5B4-2FDD028B0C02}"/>
+    <dgm:cxn modelId="{BB1E551B-325C-4530-A059-7B086EDE25FD}" srcId="{7A6886BE-BAEF-42EA-B276-022624D63DE5}" destId="{B47EC5D9-A66F-48CD-8C96-52E4A415C3D8}" srcOrd="0" destOrd="0" parTransId="{1C63477F-3F42-47DA-80E8-59060581CA7F}" sibTransId="{D560D9BA-1E8A-49EB-9547-3D7026E26A0E}"/>
+    <dgm:cxn modelId="{CA7EDAB4-DD92-4F1C-9225-900FB933D736}" type="presOf" srcId="{64321824-3BA7-460F-8798-11FE5EA0FB47}" destId="{745061D3-BF33-40F0-A83C-52009E23F57F}" srcOrd="0" destOrd="0" presId="urn:microsoft.com/office/officeart/2005/8/layout/orgChart1"/>
+    <dgm:cxn modelId="{A6D64FAD-AA82-47C9-BDE0-FAF3022218BD}" type="presOf" srcId="{A3139E46-CF40-478F-94DF-91605AE3985F}" destId="{3E7675C9-BD2F-4298-A803-AA8B565E307A}" srcOrd="0" destOrd="0" presId="urn:microsoft.com/office/officeart/2005/8/layout/orgChart1"/>
     <dgm:cxn modelId="{FB1697B4-4174-4C2F-9BF4-D43A8F7ADAE4}" type="presOf" srcId="{939700DC-A23C-424E-984D-1457AB1C0244}" destId="{F5992E90-5C3E-4645-BF26-84CFD7FA0366}" srcOrd="0" destOrd="0" presId="urn:microsoft.com/office/officeart/2005/8/layout/orgChart1"/>
-    <dgm:cxn modelId="{A6D64FAD-AA82-47C9-BDE0-FAF3022218BD}" type="presOf" srcId="{A3139E46-CF40-478F-94DF-91605AE3985F}" destId="{3E7675C9-BD2F-4298-A803-AA8B565E307A}" srcOrd="0" destOrd="0" presId="urn:microsoft.com/office/officeart/2005/8/layout/orgChart1"/>
-    <dgm:cxn modelId="{CA7EDAB4-DD92-4F1C-9225-900FB933D736}" type="presOf" srcId="{64321824-3BA7-460F-8798-11FE5EA0FB47}" destId="{745061D3-BF33-40F0-A83C-52009E23F57F}" srcOrd="0" destOrd="0" presId="urn:microsoft.com/office/officeart/2005/8/layout/orgChart1"/>
-    <dgm:cxn modelId="{9F3C67E8-B623-4047-A725-90102B6C488B}" srcId="{B47EC5D9-A66F-48CD-8C96-52E4A415C3D8}" destId="{49F5F929-38DD-4CF8-AACD-152BFFDA38AB}" srcOrd="1" destOrd="0" parTransId="{64321824-3BA7-460F-8798-11FE5EA0FB47}" sibTransId="{1924C387-F662-4B02-AF48-5D8F94500B7F}"/>
-    <dgm:cxn modelId="{B1D14EB5-130F-4395-A373-9E19DBE90CDA}" type="presOf" srcId="{B47EC5D9-A66F-48CD-8C96-52E4A415C3D8}" destId="{F36FE309-61AC-4D6B-993A-0D1B872977DF}" srcOrd="1" destOrd="0" presId="urn:microsoft.com/office/officeart/2005/8/layout/orgChart1"/>
-    <dgm:cxn modelId="{BB1E551B-325C-4530-A059-7B086EDE25FD}" srcId="{7A6886BE-BAEF-42EA-B276-022624D63DE5}" destId="{B47EC5D9-A66F-48CD-8C96-52E4A415C3D8}" srcOrd="0" destOrd="0" parTransId="{1C63477F-3F42-47DA-80E8-59060581CA7F}" sibTransId="{D560D9BA-1E8A-49EB-9547-3D7026E26A0E}"/>
-    <dgm:cxn modelId="{1083AE5B-FFC1-4E12-81B9-F8188A039434}" type="presOf" srcId="{49F5F929-38DD-4CF8-AACD-152BFFDA38AB}" destId="{A4953C07-EB00-49D2-96D0-34F5C40D0408}" srcOrd="0" destOrd="0" presId="urn:microsoft.com/office/officeart/2005/8/layout/orgChart1"/>
-    <dgm:cxn modelId="{8AE1F3D9-13AE-4381-BFEF-203F86FE7F90}" type="presOf" srcId="{939700DC-A23C-424E-984D-1457AB1C0244}" destId="{B2655F39-6555-4D8D-983E-FCDABF1A0E1E}" srcOrd="1" destOrd="0" presId="urn:microsoft.com/office/officeart/2005/8/layout/orgChart1"/>
-    <dgm:cxn modelId="{AFF61CA4-9CD8-4E48-B8BA-093554C61F82}" type="presOf" srcId="{0994183D-F68C-4A0C-ADB1-5C88AC24A212}" destId="{385DFA0B-4F72-4BA0-BEBC-1BEC36FEF28E}" srcOrd="1" destOrd="0" presId="urn:microsoft.com/office/officeart/2005/8/layout/orgChart1"/>
-    <dgm:cxn modelId="{BEE93736-2B3E-4126-A3FA-5475273F7D44}" type="presOf" srcId="{0994183D-F68C-4A0C-ADB1-5C88AC24A212}" destId="{0624B46F-0C4F-4AE4-B3E4-5E98BCEFD94A}" srcOrd="0" destOrd="0" presId="urn:microsoft.com/office/officeart/2005/8/layout/orgChart1"/>
     <dgm:cxn modelId="{32BE90E5-192C-401C-B200-80898789B855}" type="presParOf" srcId="{B59C04B9-C77E-46B7-B345-7B088347CF63}" destId="{11F2DA1D-B269-44A8-AEAC-7C8F4EF99EAC}" srcOrd="0" destOrd="0" presId="urn:microsoft.com/office/officeart/2005/8/layout/orgChart1"/>
     <dgm:cxn modelId="{A5B411E5-1568-480D-9A26-27A5D6074123}" type="presParOf" srcId="{11F2DA1D-B269-44A8-AEAC-7C8F4EF99EAC}" destId="{35F87444-C932-4EFE-AA0E-13D4E0EABE23}" srcOrd="0" destOrd="0" presId="urn:microsoft.com/office/officeart/2005/8/layout/orgChart1"/>
     <dgm:cxn modelId="{FF4B1ED0-B226-47C0-AE83-D79DD5BB69BC}" type="presParOf" srcId="{35F87444-C932-4EFE-AA0E-13D4E0EABE23}" destId="{068FD07B-9C8C-4E02-8D54-CE60AFBA4949}" srcOrd="0" destOrd="0" presId="urn:microsoft.com/office/officeart/2005/8/layout/orgChart1"/>
@@ -7545,6 +7720,13 @@
         </dgm:presLayoutVars>
       </dgm:prSet>
       <dgm:spPr/>
+      <dgm:t>
+        <a:bodyPr/>
+        <a:lstStyle/>
+        <a:p>
+          <a:endParaRPr lang="en-US"/>
+        </a:p>
+      </dgm:t>
     </dgm:pt>
     <dgm:pt modelId="{D80A8E47-31F2-4B7C-A716-B83D48CD78DF}" type="pres">
       <dgm:prSet presAssocID="{D0CB48CE-D365-4A1D-8744-0CE49A65C645}" presName="space" presStyleCnt="0"/>
@@ -7557,6 +7739,13 @@
         </dgm:presLayoutVars>
       </dgm:prSet>
       <dgm:spPr/>
+      <dgm:t>
+        <a:bodyPr/>
+        <a:lstStyle/>
+        <a:p>
+          <a:endParaRPr lang="en-US"/>
+        </a:p>
+      </dgm:t>
     </dgm:pt>
     <dgm:pt modelId="{EDC3DB12-C655-4BCD-B0E5-C7B9F2A40A78}" type="pres">
       <dgm:prSet presAssocID="{E92A1DEC-836B-4380-9E65-460172F91AA0}" presName="space" presStyleCnt="0"/>
@@ -7569,6 +7758,13 @@
         </dgm:presLayoutVars>
       </dgm:prSet>
       <dgm:spPr/>
+      <dgm:t>
+        <a:bodyPr/>
+        <a:lstStyle/>
+        <a:p>
+          <a:endParaRPr lang="en-US"/>
+        </a:p>
+      </dgm:t>
     </dgm:pt>
     <dgm:pt modelId="{2497D142-993D-4A8E-9B74-5634B1BDA9DF}" type="pres">
       <dgm:prSet presAssocID="{E739502D-0E6F-4706-99DA-97DE3B203596}" presName="space" presStyleCnt="0"/>
@@ -7581,6 +7777,13 @@
         </dgm:presLayoutVars>
       </dgm:prSet>
       <dgm:spPr/>
+      <dgm:t>
+        <a:bodyPr/>
+        <a:lstStyle/>
+        <a:p>
+          <a:endParaRPr lang="en-US"/>
+        </a:p>
+      </dgm:t>
     </dgm:pt>
     <dgm:pt modelId="{FF446DDD-35E3-4186-8181-E95A7A979ED2}" type="pres">
       <dgm:prSet presAssocID="{86F5C52B-3C24-469E-82CC-96F8A0C48E54}" presName="space" presStyleCnt="0"/>
@@ -7593,6 +7796,13 @@
         </dgm:presLayoutVars>
       </dgm:prSet>
       <dgm:spPr/>
+      <dgm:t>
+        <a:bodyPr/>
+        <a:lstStyle/>
+        <a:p>
+          <a:endParaRPr lang="en-US"/>
+        </a:p>
+      </dgm:t>
     </dgm:pt>
   </dgm:ptLst>
   <dgm:cxnLst>
@@ -8084,6 +8294,13 @@
         </dgm:presLayoutVars>
       </dgm:prSet>
       <dgm:spPr/>
+      <dgm:t>
+        <a:bodyPr/>
+        <a:lstStyle/>
+        <a:p>
+          <a:endParaRPr lang="en-US"/>
+        </a:p>
+      </dgm:t>
     </dgm:pt>
     <dgm:pt modelId="{69224708-4B14-412F-A018-509DA9186A46}" type="pres">
       <dgm:prSet presAssocID="{2108F40E-9C5F-4ACB-9FA1-E752060CB95B}" presName="root1" presStyleCnt="0"/>
@@ -8096,6 +8313,13 @@
         </dgm:presLayoutVars>
       </dgm:prSet>
       <dgm:spPr/>
+      <dgm:t>
+        <a:bodyPr/>
+        <a:lstStyle/>
+        <a:p>
+          <a:endParaRPr lang="en-US"/>
+        </a:p>
+      </dgm:t>
     </dgm:pt>
     <dgm:pt modelId="{9543E4B6-9AF2-4EFD-8CCD-7DF820C47BB6}" type="pres">
       <dgm:prSet presAssocID="{2108F40E-9C5F-4ACB-9FA1-E752060CB95B}" presName="level2hierChild" presStyleCnt="0"/>
@@ -8104,10 +8328,24 @@
     <dgm:pt modelId="{3621ADDC-7295-44B9-92E3-100C0831D470}" type="pres">
       <dgm:prSet presAssocID="{5E69031F-4387-4AD8-991E-D42BA5A2EAB5}" presName="conn2-1" presStyleLbl="parChTrans1D2" presStyleIdx="0" presStyleCnt="2"/>
       <dgm:spPr/>
+      <dgm:t>
+        <a:bodyPr/>
+        <a:lstStyle/>
+        <a:p>
+          <a:endParaRPr lang="en-US"/>
+        </a:p>
+      </dgm:t>
     </dgm:pt>
     <dgm:pt modelId="{FABAB5DE-0D2B-49EA-B012-E66464E80E54}" type="pres">
       <dgm:prSet presAssocID="{5E69031F-4387-4AD8-991E-D42BA5A2EAB5}" presName="connTx" presStyleLbl="parChTrans1D2" presStyleIdx="0" presStyleCnt="2"/>
       <dgm:spPr/>
+      <dgm:t>
+        <a:bodyPr/>
+        <a:lstStyle/>
+        <a:p>
+          <a:endParaRPr lang="en-US"/>
+        </a:p>
+      </dgm:t>
     </dgm:pt>
     <dgm:pt modelId="{16B3AD29-BA29-49B3-95F3-7019A5458FD4}" type="pres">
       <dgm:prSet presAssocID="{1A55AB7C-CEA4-406E-B171-93BAE5653B0C}" presName="root2" presStyleCnt="0"/>
@@ -8120,6 +8358,13 @@
         </dgm:presLayoutVars>
       </dgm:prSet>
       <dgm:spPr/>
+      <dgm:t>
+        <a:bodyPr/>
+        <a:lstStyle/>
+        <a:p>
+          <a:endParaRPr lang="en-US"/>
+        </a:p>
+      </dgm:t>
     </dgm:pt>
     <dgm:pt modelId="{DE18175A-891B-4F64-B49E-96915D479935}" type="pres">
       <dgm:prSet presAssocID="{1A55AB7C-CEA4-406E-B171-93BAE5653B0C}" presName="level3hierChild" presStyleCnt="0"/>
@@ -8128,10 +8373,24 @@
     <dgm:pt modelId="{716D1F8C-E378-4A4A-9040-C8A31DFF530A}" type="pres">
       <dgm:prSet presAssocID="{F9328DBE-6614-48B0-B9FE-05D720169C41}" presName="conn2-1" presStyleLbl="parChTrans1D3" presStyleIdx="0" presStyleCnt="3"/>
       <dgm:spPr/>
+      <dgm:t>
+        <a:bodyPr/>
+        <a:lstStyle/>
+        <a:p>
+          <a:endParaRPr lang="en-US"/>
+        </a:p>
+      </dgm:t>
     </dgm:pt>
     <dgm:pt modelId="{A516CBD4-A789-474E-A367-500D9CA907BA}" type="pres">
       <dgm:prSet presAssocID="{F9328DBE-6614-48B0-B9FE-05D720169C41}" presName="connTx" presStyleLbl="parChTrans1D3" presStyleIdx="0" presStyleCnt="3"/>
       <dgm:spPr/>
+      <dgm:t>
+        <a:bodyPr/>
+        <a:lstStyle/>
+        <a:p>
+          <a:endParaRPr lang="en-US"/>
+        </a:p>
+      </dgm:t>
     </dgm:pt>
     <dgm:pt modelId="{1DE2DA45-3CD4-434D-BD1A-222E36FED818}" type="pres">
       <dgm:prSet presAssocID="{57C8DC3E-9763-4FB7-97D4-6F9BEC581893}" presName="root2" presStyleCnt="0"/>
@@ -8144,6 +8403,13 @@
         </dgm:presLayoutVars>
       </dgm:prSet>
       <dgm:spPr/>
+      <dgm:t>
+        <a:bodyPr/>
+        <a:lstStyle/>
+        <a:p>
+          <a:endParaRPr lang="en-US"/>
+        </a:p>
+      </dgm:t>
     </dgm:pt>
     <dgm:pt modelId="{A1D376B2-A7EC-432F-B8C9-DE9900B2D74A}" type="pres">
       <dgm:prSet presAssocID="{57C8DC3E-9763-4FB7-97D4-6F9BEC581893}" presName="level3hierChild" presStyleCnt="0"/>
@@ -8152,10 +8418,24 @@
     <dgm:pt modelId="{D4632A1E-3565-4805-B572-12228E4B9544}" type="pres">
       <dgm:prSet presAssocID="{5B06EAA6-05CD-46F0-A2C5-1C839237FFCB}" presName="conn2-1" presStyleLbl="parChTrans1D3" presStyleIdx="1" presStyleCnt="3"/>
       <dgm:spPr/>
+      <dgm:t>
+        <a:bodyPr/>
+        <a:lstStyle/>
+        <a:p>
+          <a:endParaRPr lang="en-US"/>
+        </a:p>
+      </dgm:t>
     </dgm:pt>
     <dgm:pt modelId="{25E2C4F2-7F34-462A-AE38-CC86250E3F1B}" type="pres">
       <dgm:prSet presAssocID="{5B06EAA6-05CD-46F0-A2C5-1C839237FFCB}" presName="connTx" presStyleLbl="parChTrans1D3" presStyleIdx="1" presStyleCnt="3"/>
       <dgm:spPr/>
+      <dgm:t>
+        <a:bodyPr/>
+        <a:lstStyle/>
+        <a:p>
+          <a:endParaRPr lang="en-US"/>
+        </a:p>
+      </dgm:t>
     </dgm:pt>
     <dgm:pt modelId="{05DAD1D9-CC61-4D91-B65D-3B6C39D2F2EC}" type="pres">
       <dgm:prSet presAssocID="{6BD4A8A6-452C-47CA-8BCE-AC7CAC459C54}" presName="root2" presStyleCnt="0"/>
@@ -8168,6 +8448,13 @@
         </dgm:presLayoutVars>
       </dgm:prSet>
       <dgm:spPr/>
+      <dgm:t>
+        <a:bodyPr/>
+        <a:lstStyle/>
+        <a:p>
+          <a:endParaRPr lang="en-US"/>
+        </a:p>
+      </dgm:t>
     </dgm:pt>
     <dgm:pt modelId="{0573EE0B-EC14-400F-91BD-7823E9DED618}" type="pres">
       <dgm:prSet presAssocID="{6BD4A8A6-452C-47CA-8BCE-AC7CAC459C54}" presName="level3hierChild" presStyleCnt="0"/>
@@ -8176,10 +8463,24 @@
     <dgm:pt modelId="{BF55494F-A2F3-4F10-B51F-27CF212E3C16}" type="pres">
       <dgm:prSet presAssocID="{13B853FE-FE66-4E31-B844-EAD9A33FD737}" presName="conn2-1" presStyleLbl="parChTrans1D4" presStyleIdx="0" presStyleCnt="3"/>
       <dgm:spPr/>
+      <dgm:t>
+        <a:bodyPr/>
+        <a:lstStyle/>
+        <a:p>
+          <a:endParaRPr lang="en-US"/>
+        </a:p>
+      </dgm:t>
     </dgm:pt>
     <dgm:pt modelId="{8CA65F07-0E2B-425C-AB89-A6DAAD02A125}" type="pres">
       <dgm:prSet presAssocID="{13B853FE-FE66-4E31-B844-EAD9A33FD737}" presName="connTx" presStyleLbl="parChTrans1D4" presStyleIdx="0" presStyleCnt="3"/>
       <dgm:spPr/>
+      <dgm:t>
+        <a:bodyPr/>
+        <a:lstStyle/>
+        <a:p>
+          <a:endParaRPr lang="en-US"/>
+        </a:p>
+      </dgm:t>
     </dgm:pt>
     <dgm:pt modelId="{A793162D-E84A-4AE7-AFD9-6CE2A9576E60}" type="pres">
       <dgm:prSet presAssocID="{FFC2165E-78C9-4C2A-A930-F230336750EF}" presName="root2" presStyleCnt="0"/>
@@ -8192,6 +8493,13 @@
         </dgm:presLayoutVars>
       </dgm:prSet>
       <dgm:spPr/>
+      <dgm:t>
+        <a:bodyPr/>
+        <a:lstStyle/>
+        <a:p>
+          <a:endParaRPr lang="en-US"/>
+        </a:p>
+      </dgm:t>
     </dgm:pt>
     <dgm:pt modelId="{44A4ECC6-A565-42C6-A4DA-53675E74B6A5}" type="pres">
       <dgm:prSet presAssocID="{FFC2165E-78C9-4C2A-A930-F230336750EF}" presName="level3hierChild" presStyleCnt="0"/>
@@ -8200,10 +8508,24 @@
     <dgm:pt modelId="{3398A3A8-9AC6-4EC3-9DEB-F8391423B1D3}" type="pres">
       <dgm:prSet presAssocID="{2B0D0343-FE50-462C-80F0-AC782EF275A7}" presName="conn2-1" presStyleLbl="parChTrans1D3" presStyleIdx="2" presStyleCnt="3"/>
       <dgm:spPr/>
+      <dgm:t>
+        <a:bodyPr/>
+        <a:lstStyle/>
+        <a:p>
+          <a:endParaRPr lang="en-US"/>
+        </a:p>
+      </dgm:t>
     </dgm:pt>
     <dgm:pt modelId="{2A9D59FE-3B8F-4AF7-9569-DDB13172CADA}" type="pres">
       <dgm:prSet presAssocID="{2B0D0343-FE50-462C-80F0-AC782EF275A7}" presName="connTx" presStyleLbl="parChTrans1D3" presStyleIdx="2" presStyleCnt="3"/>
       <dgm:spPr/>
+      <dgm:t>
+        <a:bodyPr/>
+        <a:lstStyle/>
+        <a:p>
+          <a:endParaRPr lang="en-US"/>
+        </a:p>
+      </dgm:t>
     </dgm:pt>
     <dgm:pt modelId="{CCFF43AE-3457-4F33-84C2-0E27433DCEF3}" type="pres">
       <dgm:prSet presAssocID="{E4EA881F-A109-464D-A449-35E0AD3D6B3C}" presName="root2" presStyleCnt="0"/>
@@ -8216,6 +8538,13 @@
         </dgm:presLayoutVars>
       </dgm:prSet>
       <dgm:spPr/>
+      <dgm:t>
+        <a:bodyPr/>
+        <a:lstStyle/>
+        <a:p>
+          <a:endParaRPr lang="en-US"/>
+        </a:p>
+      </dgm:t>
     </dgm:pt>
     <dgm:pt modelId="{AB1505EE-8A5F-4AC6-B35A-4D19A92ECF5C}" type="pres">
       <dgm:prSet presAssocID="{E4EA881F-A109-464D-A449-35E0AD3D6B3C}" presName="level3hierChild" presStyleCnt="0"/>
@@ -8224,10 +8553,24 @@
     <dgm:pt modelId="{2DCEB3B1-635B-4E90-84B0-451F573C77D8}" type="pres">
       <dgm:prSet presAssocID="{F153428A-222D-46F5-8CD4-26DD7D724689}" presName="conn2-1" presStyleLbl="parChTrans1D4" presStyleIdx="1" presStyleCnt="3"/>
       <dgm:spPr/>
+      <dgm:t>
+        <a:bodyPr/>
+        <a:lstStyle/>
+        <a:p>
+          <a:endParaRPr lang="en-US"/>
+        </a:p>
+      </dgm:t>
     </dgm:pt>
     <dgm:pt modelId="{0CE5678E-EC25-4002-8CD2-287955CC7645}" type="pres">
       <dgm:prSet presAssocID="{F153428A-222D-46F5-8CD4-26DD7D724689}" presName="connTx" presStyleLbl="parChTrans1D4" presStyleIdx="1" presStyleCnt="3"/>
       <dgm:spPr/>
+      <dgm:t>
+        <a:bodyPr/>
+        <a:lstStyle/>
+        <a:p>
+          <a:endParaRPr lang="en-US"/>
+        </a:p>
+      </dgm:t>
     </dgm:pt>
     <dgm:pt modelId="{0191D645-A898-45D2-AC70-302E59AD0D6C}" type="pres">
       <dgm:prSet presAssocID="{7AF9FFD4-3558-4A26-982E-1CDD1E56DC61}" presName="root2" presStyleCnt="0"/>
@@ -8240,6 +8583,13 @@
         </dgm:presLayoutVars>
       </dgm:prSet>
       <dgm:spPr/>
+      <dgm:t>
+        <a:bodyPr/>
+        <a:lstStyle/>
+        <a:p>
+          <a:endParaRPr lang="en-US"/>
+        </a:p>
+      </dgm:t>
     </dgm:pt>
     <dgm:pt modelId="{6BDC7F1A-A1E0-40C5-865B-29EF983F7756}" type="pres">
       <dgm:prSet presAssocID="{7AF9FFD4-3558-4A26-982E-1CDD1E56DC61}" presName="level3hierChild" presStyleCnt="0"/>
@@ -8248,10 +8598,24 @@
     <dgm:pt modelId="{65659748-38CF-4C55-AB89-8BDFF2EECC71}" type="pres">
       <dgm:prSet presAssocID="{F2DFFB1C-6285-4608-9787-9FDC8D6983C8}" presName="conn2-1" presStyleLbl="parChTrans1D4" presStyleIdx="2" presStyleCnt="3"/>
       <dgm:spPr/>
+      <dgm:t>
+        <a:bodyPr/>
+        <a:lstStyle/>
+        <a:p>
+          <a:endParaRPr lang="en-US"/>
+        </a:p>
+      </dgm:t>
     </dgm:pt>
     <dgm:pt modelId="{D316729E-1212-41B2-A261-80B470596D0E}" type="pres">
       <dgm:prSet presAssocID="{F2DFFB1C-6285-4608-9787-9FDC8D6983C8}" presName="connTx" presStyleLbl="parChTrans1D4" presStyleIdx="2" presStyleCnt="3"/>
       <dgm:spPr/>
+      <dgm:t>
+        <a:bodyPr/>
+        <a:lstStyle/>
+        <a:p>
+          <a:endParaRPr lang="en-US"/>
+        </a:p>
+      </dgm:t>
     </dgm:pt>
     <dgm:pt modelId="{5419F01E-28C5-40C9-85C3-20065DBC5F66}" type="pres">
       <dgm:prSet presAssocID="{0F85E679-8C75-4193-A8D9-294E89E259CD}" presName="root2" presStyleCnt="0"/>
@@ -8264,6 +8628,13 @@
         </dgm:presLayoutVars>
       </dgm:prSet>
       <dgm:spPr/>
+      <dgm:t>
+        <a:bodyPr/>
+        <a:lstStyle/>
+        <a:p>
+          <a:endParaRPr lang="en-US"/>
+        </a:p>
+      </dgm:t>
     </dgm:pt>
     <dgm:pt modelId="{86D9A7F1-BB62-47A3-86B4-6CC46C93F94B}" type="pres">
       <dgm:prSet presAssocID="{0F85E679-8C75-4193-A8D9-294E89E259CD}" presName="level3hierChild" presStyleCnt="0"/>
@@ -8272,10 +8643,24 @@
     <dgm:pt modelId="{B0CE050F-A959-4163-92AE-A67ABEC49925}" type="pres">
       <dgm:prSet presAssocID="{836056C2-1D03-4123-82A5-D6923A3BECAE}" presName="conn2-1" presStyleLbl="parChTrans1D2" presStyleIdx="1" presStyleCnt="2"/>
       <dgm:spPr/>
+      <dgm:t>
+        <a:bodyPr/>
+        <a:lstStyle/>
+        <a:p>
+          <a:endParaRPr lang="en-US"/>
+        </a:p>
+      </dgm:t>
     </dgm:pt>
     <dgm:pt modelId="{A2FEE7D6-0FF0-41B4-B887-F8BEC5BE3C67}" type="pres">
       <dgm:prSet presAssocID="{836056C2-1D03-4123-82A5-D6923A3BECAE}" presName="connTx" presStyleLbl="parChTrans1D2" presStyleIdx="1" presStyleCnt="2"/>
       <dgm:spPr/>
+      <dgm:t>
+        <a:bodyPr/>
+        <a:lstStyle/>
+        <a:p>
+          <a:endParaRPr lang="en-US"/>
+        </a:p>
+      </dgm:t>
     </dgm:pt>
     <dgm:pt modelId="{6C41EC18-CF55-4210-9508-06D08DE0C14A}" type="pres">
       <dgm:prSet presAssocID="{62A9B646-284B-48F5-80ED-540FC5D67322}" presName="root2" presStyleCnt="0"/>
@@ -8288,6 +8673,13 @@
         </dgm:presLayoutVars>
       </dgm:prSet>
       <dgm:spPr/>
+      <dgm:t>
+        <a:bodyPr/>
+        <a:lstStyle/>
+        <a:p>
+          <a:endParaRPr lang="en-US"/>
+        </a:p>
+      </dgm:t>
     </dgm:pt>
     <dgm:pt modelId="{334EA496-8828-4ADE-B85E-03B5914AF7F5}" type="pres">
       <dgm:prSet presAssocID="{62A9B646-284B-48F5-80ED-540FC5D67322}" presName="level3hierChild" presStyleCnt="0"/>
@@ -8562,6 +8954,13 @@
         </dgm:presLayoutVars>
       </dgm:prSet>
       <dgm:spPr/>
+      <dgm:t>
+        <a:bodyPr/>
+        <a:lstStyle/>
+        <a:p>
+          <a:endParaRPr lang="en-US"/>
+        </a:p>
+      </dgm:t>
     </dgm:pt>
     <dgm:pt modelId="{91D4F938-717F-436F-84CA-DF43B34C43F6}" type="pres">
       <dgm:prSet presAssocID="{82F02F03-730A-4DAF-A057-D4D610D8A5E8}" presName="hierRoot1" presStyleCnt="0">
@@ -8582,10 +8981,24 @@
         </dgm:presLayoutVars>
       </dgm:prSet>
       <dgm:spPr/>
+      <dgm:t>
+        <a:bodyPr/>
+        <a:lstStyle/>
+        <a:p>
+          <a:endParaRPr lang="en-US"/>
+        </a:p>
+      </dgm:t>
     </dgm:pt>
     <dgm:pt modelId="{6A2119DF-43AD-4E86-9A40-DBFA2353F0B5}" type="pres">
       <dgm:prSet presAssocID="{82F02F03-730A-4DAF-A057-D4D610D8A5E8}" presName="rootConnector1" presStyleLbl="node1" presStyleIdx="0" presStyleCnt="0"/>
       <dgm:spPr/>
+      <dgm:t>
+        <a:bodyPr/>
+        <a:lstStyle/>
+        <a:p>
+          <a:endParaRPr lang="en-US"/>
+        </a:p>
+      </dgm:t>
     </dgm:pt>
     <dgm:pt modelId="{BB9D2F33-27DA-4971-AB2B-F535644B44B5}" type="pres">
       <dgm:prSet presAssocID="{82F02F03-730A-4DAF-A057-D4D610D8A5E8}" presName="hierChild2" presStyleCnt="0"/>
@@ -8594,6 +9007,13 @@
     <dgm:pt modelId="{4B3A784F-0CB9-45BE-B08B-4F8C82B8F57A}" type="pres">
       <dgm:prSet presAssocID="{1832E33E-7B2B-4550-AFE8-53A864FE3F84}" presName="Name37" presStyleLbl="parChTrans1D2" presStyleIdx="0" presStyleCnt="2"/>
       <dgm:spPr/>
+      <dgm:t>
+        <a:bodyPr/>
+        <a:lstStyle/>
+        <a:p>
+          <a:endParaRPr lang="en-US"/>
+        </a:p>
+      </dgm:t>
     </dgm:pt>
     <dgm:pt modelId="{5F485FD0-6DFC-4AF0-963D-D5CCEAF00C38}" type="pres">
       <dgm:prSet presAssocID="{5038F9C8-3BC1-487B-AE8D-DAEB88C1A31C}" presName="hierRoot2" presStyleCnt="0">
@@ -8614,10 +9034,24 @@
         </dgm:presLayoutVars>
       </dgm:prSet>
       <dgm:spPr/>
+      <dgm:t>
+        <a:bodyPr/>
+        <a:lstStyle/>
+        <a:p>
+          <a:endParaRPr lang="en-US"/>
+        </a:p>
+      </dgm:t>
     </dgm:pt>
     <dgm:pt modelId="{7F648040-6254-47B7-9FA3-32C69B141683}" type="pres">
       <dgm:prSet presAssocID="{5038F9C8-3BC1-487B-AE8D-DAEB88C1A31C}" presName="rootConnector" presStyleLbl="node2" presStyleIdx="0" presStyleCnt="2"/>
       <dgm:spPr/>
+      <dgm:t>
+        <a:bodyPr/>
+        <a:lstStyle/>
+        <a:p>
+          <a:endParaRPr lang="en-US"/>
+        </a:p>
+      </dgm:t>
     </dgm:pt>
     <dgm:pt modelId="{721F8B45-F507-4648-9B38-68C55EF8F11D}" type="pres">
       <dgm:prSet presAssocID="{5038F9C8-3BC1-487B-AE8D-DAEB88C1A31C}" presName="hierChild4" presStyleCnt="0"/>
@@ -8626,6 +9060,13 @@
     <dgm:pt modelId="{09CC0655-B7EE-43EB-BC5F-76223478FD78}" type="pres">
       <dgm:prSet presAssocID="{B6430358-897E-4976-91D7-D915E852B36D}" presName="Name37" presStyleLbl="parChTrans1D3" presStyleIdx="0" presStyleCnt="1"/>
       <dgm:spPr/>
+      <dgm:t>
+        <a:bodyPr/>
+        <a:lstStyle/>
+        <a:p>
+          <a:endParaRPr lang="en-US"/>
+        </a:p>
+      </dgm:t>
     </dgm:pt>
     <dgm:pt modelId="{E5A4A641-74B0-4CE3-9DB5-AA384A86B330}" type="pres">
       <dgm:prSet presAssocID="{1CA9A764-0689-471E-A5BA-B3E1A99494A5}" presName="hierRoot2" presStyleCnt="0">
@@ -8646,10 +9087,24 @@
         </dgm:presLayoutVars>
       </dgm:prSet>
       <dgm:spPr/>
+      <dgm:t>
+        <a:bodyPr/>
+        <a:lstStyle/>
+        <a:p>
+          <a:endParaRPr lang="en-US"/>
+        </a:p>
+      </dgm:t>
     </dgm:pt>
     <dgm:pt modelId="{67B637C7-D8B0-490D-9642-F5133505FA30}" type="pres">
       <dgm:prSet presAssocID="{1CA9A764-0689-471E-A5BA-B3E1A99494A5}" presName="rootConnector" presStyleLbl="node3" presStyleIdx="0" presStyleCnt="1"/>
       <dgm:spPr/>
+      <dgm:t>
+        <a:bodyPr/>
+        <a:lstStyle/>
+        <a:p>
+          <a:endParaRPr lang="en-US"/>
+        </a:p>
+      </dgm:t>
     </dgm:pt>
     <dgm:pt modelId="{FF37A539-0627-4602-8815-5DDE992A5C63}" type="pres">
       <dgm:prSet presAssocID="{1CA9A764-0689-471E-A5BA-B3E1A99494A5}" presName="hierChild4" presStyleCnt="0"/>
@@ -8666,6 +9121,13 @@
     <dgm:pt modelId="{EF99108C-757D-4CDF-ACB9-0A8ED92A59F8}" type="pres">
       <dgm:prSet presAssocID="{DC8FD187-F37F-45CC-89B8-FC57590D8D30}" presName="Name37" presStyleLbl="parChTrans1D2" presStyleIdx="1" presStyleCnt="2"/>
       <dgm:spPr/>
+      <dgm:t>
+        <a:bodyPr/>
+        <a:lstStyle/>
+        <a:p>
+          <a:endParaRPr lang="en-US"/>
+        </a:p>
+      </dgm:t>
     </dgm:pt>
     <dgm:pt modelId="{D198DA8C-335F-4F68-8E7C-56756AAF83DB}" type="pres">
       <dgm:prSet presAssocID="{09094470-15E0-4EBF-A323-E2FD19198363}" presName="hierRoot2" presStyleCnt="0">
@@ -8686,10 +9148,24 @@
         </dgm:presLayoutVars>
       </dgm:prSet>
       <dgm:spPr/>
+      <dgm:t>
+        <a:bodyPr/>
+        <a:lstStyle/>
+        <a:p>
+          <a:endParaRPr lang="en-US"/>
+        </a:p>
+      </dgm:t>
     </dgm:pt>
     <dgm:pt modelId="{B02177E1-104A-4886-99C9-A8F7D7EF4F4E}" type="pres">
       <dgm:prSet presAssocID="{09094470-15E0-4EBF-A323-E2FD19198363}" presName="rootConnector" presStyleLbl="node2" presStyleIdx="1" presStyleCnt="2"/>
       <dgm:spPr/>
+      <dgm:t>
+        <a:bodyPr/>
+        <a:lstStyle/>
+        <a:p>
+          <a:endParaRPr lang="en-US"/>
+        </a:p>
+      </dgm:t>
     </dgm:pt>
     <dgm:pt modelId="{93C7316F-7769-4B3C-BA40-822E755397CF}" type="pres">
       <dgm:prSet presAssocID="{09094470-15E0-4EBF-A323-E2FD19198363}" presName="hierChild4" presStyleCnt="0"/>
@@ -8941,6 +9417,13 @@
         </dgm:presLayoutVars>
       </dgm:prSet>
       <dgm:spPr/>
+      <dgm:t>
+        <a:bodyPr/>
+        <a:lstStyle/>
+        <a:p>
+          <a:endParaRPr lang="en-US"/>
+        </a:p>
+      </dgm:t>
     </dgm:pt>
     <dgm:pt modelId="{91D4F938-717F-436F-84CA-DF43B34C43F6}" type="pres">
       <dgm:prSet presAssocID="{82F02F03-730A-4DAF-A057-D4D610D8A5E8}" presName="hierRoot1" presStyleCnt="0">
@@ -8961,10 +9444,24 @@
         </dgm:presLayoutVars>
       </dgm:prSet>
       <dgm:spPr/>
+      <dgm:t>
+        <a:bodyPr/>
+        <a:lstStyle/>
+        <a:p>
+          <a:endParaRPr lang="en-US"/>
+        </a:p>
+      </dgm:t>
     </dgm:pt>
     <dgm:pt modelId="{6A2119DF-43AD-4E86-9A40-DBFA2353F0B5}" type="pres">
       <dgm:prSet presAssocID="{82F02F03-730A-4DAF-A057-D4D610D8A5E8}" presName="rootConnector1" presStyleLbl="node1" presStyleIdx="0" presStyleCnt="0"/>
       <dgm:spPr/>
+      <dgm:t>
+        <a:bodyPr/>
+        <a:lstStyle/>
+        <a:p>
+          <a:endParaRPr lang="en-US"/>
+        </a:p>
+      </dgm:t>
     </dgm:pt>
     <dgm:pt modelId="{BB9D2F33-27DA-4971-AB2B-F535644B44B5}" type="pres">
       <dgm:prSet presAssocID="{82F02F03-730A-4DAF-A057-D4D610D8A5E8}" presName="hierChild2" presStyleCnt="0"/>
@@ -8973,6 +9470,13 @@
     <dgm:pt modelId="{4B3A784F-0CB9-45BE-B08B-4F8C82B8F57A}" type="pres">
       <dgm:prSet presAssocID="{1832E33E-7B2B-4550-AFE8-53A864FE3F84}" presName="Name37" presStyleLbl="parChTrans1D2" presStyleIdx="0" presStyleCnt="2"/>
       <dgm:spPr/>
+      <dgm:t>
+        <a:bodyPr/>
+        <a:lstStyle/>
+        <a:p>
+          <a:endParaRPr lang="en-US"/>
+        </a:p>
+      </dgm:t>
     </dgm:pt>
     <dgm:pt modelId="{5F485FD0-6DFC-4AF0-963D-D5CCEAF00C38}" type="pres">
       <dgm:prSet presAssocID="{5038F9C8-3BC1-487B-AE8D-DAEB88C1A31C}" presName="hierRoot2" presStyleCnt="0">
@@ -8993,10 +9497,24 @@
         </dgm:presLayoutVars>
       </dgm:prSet>
       <dgm:spPr/>
+      <dgm:t>
+        <a:bodyPr/>
+        <a:lstStyle/>
+        <a:p>
+          <a:endParaRPr lang="en-US"/>
+        </a:p>
+      </dgm:t>
     </dgm:pt>
     <dgm:pt modelId="{7F648040-6254-47B7-9FA3-32C69B141683}" type="pres">
       <dgm:prSet presAssocID="{5038F9C8-3BC1-487B-AE8D-DAEB88C1A31C}" presName="rootConnector" presStyleLbl="node2" presStyleIdx="0" presStyleCnt="2"/>
       <dgm:spPr/>
+      <dgm:t>
+        <a:bodyPr/>
+        <a:lstStyle/>
+        <a:p>
+          <a:endParaRPr lang="en-US"/>
+        </a:p>
+      </dgm:t>
     </dgm:pt>
     <dgm:pt modelId="{721F8B45-F507-4648-9B38-68C55EF8F11D}" type="pres">
       <dgm:prSet presAssocID="{5038F9C8-3BC1-487B-AE8D-DAEB88C1A31C}" presName="hierChild4" presStyleCnt="0"/>
@@ -9005,6 +9523,13 @@
     <dgm:pt modelId="{09CC0655-B7EE-43EB-BC5F-76223478FD78}" type="pres">
       <dgm:prSet presAssocID="{B6430358-897E-4976-91D7-D915E852B36D}" presName="Name37" presStyleLbl="parChTrans1D3" presStyleIdx="0" presStyleCnt="1"/>
       <dgm:spPr/>
+      <dgm:t>
+        <a:bodyPr/>
+        <a:lstStyle/>
+        <a:p>
+          <a:endParaRPr lang="en-US"/>
+        </a:p>
+      </dgm:t>
     </dgm:pt>
     <dgm:pt modelId="{E5A4A641-74B0-4CE3-9DB5-AA384A86B330}" type="pres">
       <dgm:prSet presAssocID="{1CA9A764-0689-471E-A5BA-B3E1A99494A5}" presName="hierRoot2" presStyleCnt="0">
@@ -9025,10 +9550,24 @@
         </dgm:presLayoutVars>
       </dgm:prSet>
       <dgm:spPr/>
+      <dgm:t>
+        <a:bodyPr/>
+        <a:lstStyle/>
+        <a:p>
+          <a:endParaRPr lang="en-US"/>
+        </a:p>
+      </dgm:t>
     </dgm:pt>
     <dgm:pt modelId="{67B637C7-D8B0-490D-9642-F5133505FA30}" type="pres">
       <dgm:prSet presAssocID="{1CA9A764-0689-471E-A5BA-B3E1A99494A5}" presName="rootConnector" presStyleLbl="node3" presStyleIdx="0" presStyleCnt="1"/>
       <dgm:spPr/>
+      <dgm:t>
+        <a:bodyPr/>
+        <a:lstStyle/>
+        <a:p>
+          <a:endParaRPr lang="en-US"/>
+        </a:p>
+      </dgm:t>
     </dgm:pt>
     <dgm:pt modelId="{FF37A539-0627-4602-8815-5DDE992A5C63}" type="pres">
       <dgm:prSet presAssocID="{1CA9A764-0689-471E-A5BA-B3E1A99494A5}" presName="hierChild4" presStyleCnt="0"/>
@@ -9045,6 +9584,13 @@
     <dgm:pt modelId="{EF99108C-757D-4CDF-ACB9-0A8ED92A59F8}" type="pres">
       <dgm:prSet presAssocID="{DC8FD187-F37F-45CC-89B8-FC57590D8D30}" presName="Name37" presStyleLbl="parChTrans1D2" presStyleIdx="1" presStyleCnt="2"/>
       <dgm:spPr/>
+      <dgm:t>
+        <a:bodyPr/>
+        <a:lstStyle/>
+        <a:p>
+          <a:endParaRPr lang="en-US"/>
+        </a:p>
+      </dgm:t>
     </dgm:pt>
     <dgm:pt modelId="{D198DA8C-335F-4F68-8E7C-56756AAF83DB}" type="pres">
       <dgm:prSet presAssocID="{09094470-15E0-4EBF-A323-E2FD19198363}" presName="hierRoot2" presStyleCnt="0">
@@ -9065,10 +9611,24 @@
         </dgm:presLayoutVars>
       </dgm:prSet>
       <dgm:spPr/>
+      <dgm:t>
+        <a:bodyPr/>
+        <a:lstStyle/>
+        <a:p>
+          <a:endParaRPr lang="en-US"/>
+        </a:p>
+      </dgm:t>
     </dgm:pt>
     <dgm:pt modelId="{B02177E1-104A-4886-99C9-A8F7D7EF4F4E}" type="pres">
       <dgm:prSet presAssocID="{09094470-15E0-4EBF-A323-E2FD19198363}" presName="rootConnector" presStyleLbl="node2" presStyleIdx="1" presStyleCnt="2"/>
       <dgm:spPr/>
+      <dgm:t>
+        <a:bodyPr/>
+        <a:lstStyle/>
+        <a:p>
+          <a:endParaRPr lang="en-US"/>
+        </a:p>
+      </dgm:t>
     </dgm:pt>
     <dgm:pt modelId="{93C7316F-7769-4B3C-BA40-822E755397CF}" type="pres">
       <dgm:prSet presAssocID="{09094470-15E0-4EBF-A323-E2FD19198363}" presName="hierChild4" presStyleCnt="0"/>
@@ -9348,6 +9908,13 @@
         </dgm:presLayoutVars>
       </dgm:prSet>
       <dgm:spPr/>
+      <dgm:t>
+        <a:bodyPr/>
+        <a:lstStyle/>
+        <a:p>
+          <a:endParaRPr lang="en-US"/>
+        </a:p>
+      </dgm:t>
     </dgm:pt>
     <dgm:pt modelId="{ECA2C88C-D615-4E2E-B42C-C00BC416D797}" type="pres">
       <dgm:prSet presAssocID="{633E2B12-D814-49FC-A04A-406D06EF8FF8}" presName="hierRoot1" presStyleCnt="0">
@@ -9368,10 +9935,24 @@
         </dgm:presLayoutVars>
       </dgm:prSet>
       <dgm:spPr/>
+      <dgm:t>
+        <a:bodyPr/>
+        <a:lstStyle/>
+        <a:p>
+          <a:endParaRPr lang="en-US"/>
+        </a:p>
+      </dgm:t>
     </dgm:pt>
     <dgm:pt modelId="{660A4CDC-B7CC-42E3-A254-083E39E51A93}" type="pres">
       <dgm:prSet presAssocID="{633E2B12-D814-49FC-A04A-406D06EF8FF8}" presName="rootConnector1" presStyleLbl="node1" presStyleIdx="0" presStyleCnt="0"/>
       <dgm:spPr/>
+      <dgm:t>
+        <a:bodyPr/>
+        <a:lstStyle/>
+        <a:p>
+          <a:endParaRPr lang="en-US"/>
+        </a:p>
+      </dgm:t>
     </dgm:pt>
     <dgm:pt modelId="{FB63E89E-25FC-41EF-B05F-4E6AAFF77E72}" type="pres">
       <dgm:prSet presAssocID="{633E2B12-D814-49FC-A04A-406D06EF8FF8}" presName="hierChild2" presStyleCnt="0"/>
@@ -9380,6 +9961,13 @@
     <dgm:pt modelId="{0BDCFCEF-4DA5-4F84-8CF1-79A298925354}" type="pres">
       <dgm:prSet presAssocID="{0233B7A2-70BB-479A-B109-198EC76B94E8}" presName="Name37" presStyleLbl="parChTrans1D2" presStyleIdx="0" presStyleCnt="4"/>
       <dgm:spPr/>
+      <dgm:t>
+        <a:bodyPr/>
+        <a:lstStyle/>
+        <a:p>
+          <a:endParaRPr lang="en-US"/>
+        </a:p>
+      </dgm:t>
     </dgm:pt>
     <dgm:pt modelId="{B1CA1298-C794-49FC-ADB6-A1711E3D5FCB}" type="pres">
       <dgm:prSet presAssocID="{D813352F-01D1-481A-9A02-980BA7E6CD3B}" presName="hierRoot2" presStyleCnt="0">
@@ -9400,10 +9988,24 @@
         </dgm:presLayoutVars>
       </dgm:prSet>
       <dgm:spPr/>
+      <dgm:t>
+        <a:bodyPr/>
+        <a:lstStyle/>
+        <a:p>
+          <a:endParaRPr lang="en-US"/>
+        </a:p>
+      </dgm:t>
     </dgm:pt>
     <dgm:pt modelId="{F9814A54-9B03-4B83-BA82-BC0A883318B8}" type="pres">
       <dgm:prSet presAssocID="{D813352F-01D1-481A-9A02-980BA7E6CD3B}" presName="rootConnector" presStyleLbl="node2" presStyleIdx="0" presStyleCnt="3"/>
       <dgm:spPr/>
+      <dgm:t>
+        <a:bodyPr/>
+        <a:lstStyle/>
+        <a:p>
+          <a:endParaRPr lang="en-US"/>
+        </a:p>
+      </dgm:t>
     </dgm:pt>
     <dgm:pt modelId="{2D4EC02B-7C1A-4384-BD76-8CEBF8926D99}" type="pres">
       <dgm:prSet presAssocID="{D813352F-01D1-481A-9A02-980BA7E6CD3B}" presName="hierChild4" presStyleCnt="0"/>
@@ -9416,6 +10018,13 @@
     <dgm:pt modelId="{CA1E57DC-8384-4B34-8F86-0E010111B660}" type="pres">
       <dgm:prSet presAssocID="{289F6346-45D7-4B9E-AF59-978D233D4E81}" presName="Name37" presStyleLbl="parChTrans1D2" presStyleIdx="1" presStyleCnt="4"/>
       <dgm:spPr/>
+      <dgm:t>
+        <a:bodyPr/>
+        <a:lstStyle/>
+        <a:p>
+          <a:endParaRPr lang="en-US"/>
+        </a:p>
+      </dgm:t>
     </dgm:pt>
     <dgm:pt modelId="{B4343245-4B8E-47C2-9DD1-E75C54AA6821}" type="pres">
       <dgm:prSet presAssocID="{774C59C7-E738-409A-B9AB-919891994F3B}" presName="hierRoot2" presStyleCnt="0">
@@ -9436,10 +10045,24 @@
         </dgm:presLayoutVars>
       </dgm:prSet>
       <dgm:spPr/>
+      <dgm:t>
+        <a:bodyPr/>
+        <a:lstStyle/>
+        <a:p>
+          <a:endParaRPr lang="en-US"/>
+        </a:p>
+      </dgm:t>
     </dgm:pt>
     <dgm:pt modelId="{87005E1C-4A48-4414-B42C-19FDC708ED69}" type="pres">
       <dgm:prSet presAssocID="{774C59C7-E738-409A-B9AB-919891994F3B}" presName="rootConnector" presStyleLbl="node2" presStyleIdx="1" presStyleCnt="3"/>
       <dgm:spPr/>
+      <dgm:t>
+        <a:bodyPr/>
+        <a:lstStyle/>
+        <a:p>
+          <a:endParaRPr lang="en-US"/>
+        </a:p>
+      </dgm:t>
     </dgm:pt>
     <dgm:pt modelId="{5B5955E0-DF23-4C62-9D00-5A1084BC4E80}" type="pres">
       <dgm:prSet presAssocID="{774C59C7-E738-409A-B9AB-919891994F3B}" presName="hierChild4" presStyleCnt="0"/>
@@ -9452,6 +10075,13 @@
     <dgm:pt modelId="{1751A6E1-37FE-455D-B0B7-542E37B3D57B}" type="pres">
       <dgm:prSet presAssocID="{A7FA1EFD-06E4-4B50-B61C-188BC2EF8724}" presName="Name37" presStyleLbl="parChTrans1D2" presStyleIdx="2" presStyleCnt="4"/>
       <dgm:spPr/>
+      <dgm:t>
+        <a:bodyPr/>
+        <a:lstStyle/>
+        <a:p>
+          <a:endParaRPr lang="en-US"/>
+        </a:p>
+      </dgm:t>
     </dgm:pt>
     <dgm:pt modelId="{716A3725-7B21-40E3-945C-5B476FC75EC8}" type="pres">
       <dgm:prSet presAssocID="{9EC142FF-CA8E-4760-A0D5-4CCFC2A4B6E6}" presName="hierRoot2" presStyleCnt="0">
@@ -9472,10 +10102,24 @@
         </dgm:presLayoutVars>
       </dgm:prSet>
       <dgm:spPr/>
+      <dgm:t>
+        <a:bodyPr/>
+        <a:lstStyle/>
+        <a:p>
+          <a:endParaRPr lang="en-US"/>
+        </a:p>
+      </dgm:t>
     </dgm:pt>
     <dgm:pt modelId="{2C4D7FEB-693A-40E6-948D-3E239CCB3192}" type="pres">
       <dgm:prSet presAssocID="{9EC142FF-CA8E-4760-A0D5-4CCFC2A4B6E6}" presName="rootConnector" presStyleLbl="node2" presStyleIdx="2" presStyleCnt="3"/>
       <dgm:spPr/>
+      <dgm:t>
+        <a:bodyPr/>
+        <a:lstStyle/>
+        <a:p>
+          <a:endParaRPr lang="en-US"/>
+        </a:p>
+      </dgm:t>
     </dgm:pt>
     <dgm:pt modelId="{D683FC35-ACA3-4AE2-9107-C6A718905D4B}" type="pres">
       <dgm:prSet presAssocID="{9EC142FF-CA8E-4760-A0D5-4CCFC2A4B6E6}" presName="hierChild4" presStyleCnt="0"/>
@@ -9492,6 +10136,13 @@
     <dgm:pt modelId="{ABECBCFC-7D7C-43B3-8A70-D5A6385A2A42}" type="pres">
       <dgm:prSet presAssocID="{EA5638EA-EAD3-4645-A9B2-603E1F1B4DD5}" presName="Name111" presStyleLbl="parChTrans1D2" presStyleIdx="3" presStyleCnt="4"/>
       <dgm:spPr/>
+      <dgm:t>
+        <a:bodyPr/>
+        <a:lstStyle/>
+        <a:p>
+          <a:endParaRPr lang="en-US"/>
+        </a:p>
+      </dgm:t>
     </dgm:pt>
     <dgm:pt modelId="{EC4098E9-2FAF-4C7D-8E2B-D449B69CD4E3}" type="pres">
       <dgm:prSet presAssocID="{D93C49F0-5742-4ABD-91FD-9B609136D71C}" presName="hierRoot3" presStyleCnt="0">
@@ -9512,10 +10163,24 @@
         </dgm:presLayoutVars>
       </dgm:prSet>
       <dgm:spPr/>
+      <dgm:t>
+        <a:bodyPr/>
+        <a:lstStyle/>
+        <a:p>
+          <a:endParaRPr lang="en-US"/>
+        </a:p>
+      </dgm:t>
     </dgm:pt>
     <dgm:pt modelId="{374C2056-CF4E-4B17-B073-0E1BDD4C8DC5}" type="pres">
       <dgm:prSet presAssocID="{D93C49F0-5742-4ABD-91FD-9B609136D71C}" presName="rootConnector3" presStyleLbl="asst1" presStyleIdx="0" presStyleCnt="1"/>
       <dgm:spPr/>
+      <dgm:t>
+        <a:bodyPr/>
+        <a:lstStyle/>
+        <a:p>
+          <a:endParaRPr lang="en-US"/>
+        </a:p>
+      </dgm:t>
     </dgm:pt>
     <dgm:pt modelId="{96B33EDD-D1B3-4024-9F31-B1E4C4D2A49E}" type="pres">
       <dgm:prSet presAssocID="{D93C49F0-5742-4ABD-91FD-9B609136D71C}" presName="hierChild6" presStyleCnt="0"/>
@@ -9762,6 +10427,13 @@
         </dgm:presLayoutVars>
       </dgm:prSet>
       <dgm:spPr/>
+      <dgm:t>
+        <a:bodyPr/>
+        <a:lstStyle/>
+        <a:p>
+          <a:endParaRPr lang="en-US"/>
+        </a:p>
+      </dgm:t>
     </dgm:pt>
     <dgm:pt modelId="{C8A4DCA0-6240-4E48-9155-0BF76163054A}" type="pres">
       <dgm:prSet presAssocID="{EB14E3D6-1D6E-4974-A4A2-0B0D501598B9}" presName="hierRoot1" presStyleCnt="0">
@@ -9782,10 +10454,24 @@
         </dgm:presLayoutVars>
       </dgm:prSet>
       <dgm:spPr/>
+      <dgm:t>
+        <a:bodyPr/>
+        <a:lstStyle/>
+        <a:p>
+          <a:endParaRPr lang="en-US"/>
+        </a:p>
+      </dgm:t>
     </dgm:pt>
     <dgm:pt modelId="{3CE276B0-B631-4CB9-BE29-E10F0D5A2261}" type="pres">
       <dgm:prSet presAssocID="{EB14E3D6-1D6E-4974-A4A2-0B0D501598B9}" presName="rootConnector1" presStyleLbl="node1" presStyleIdx="0" presStyleCnt="0"/>
       <dgm:spPr/>
+      <dgm:t>
+        <a:bodyPr/>
+        <a:lstStyle/>
+        <a:p>
+          <a:endParaRPr lang="en-US"/>
+        </a:p>
+      </dgm:t>
     </dgm:pt>
     <dgm:pt modelId="{F3D4E69B-1F51-4FCC-97F9-769282B3AC71}" type="pres">
       <dgm:prSet presAssocID="{EB14E3D6-1D6E-4974-A4A2-0B0D501598B9}" presName="hierChild2" presStyleCnt="0"/>
@@ -9794,6 +10480,13 @@
     <dgm:pt modelId="{94694679-51D4-426F-BB20-08CEE1DD2E3A}" type="pres">
       <dgm:prSet presAssocID="{991F46DC-97A5-4756-B759-F7D8C5AB683F}" presName="Name37" presStyleLbl="parChTrans1D2" presStyleIdx="0" presStyleCnt="3"/>
       <dgm:spPr/>
+      <dgm:t>
+        <a:bodyPr/>
+        <a:lstStyle/>
+        <a:p>
+          <a:endParaRPr lang="en-US"/>
+        </a:p>
+      </dgm:t>
     </dgm:pt>
     <dgm:pt modelId="{A835DE1E-0C0A-4433-B53C-DD6F9105E87C}" type="pres">
       <dgm:prSet presAssocID="{8FF62024-CBFA-4621-BFEB-20A32506277B}" presName="hierRoot2" presStyleCnt="0">
@@ -9814,10 +10507,24 @@
         </dgm:presLayoutVars>
       </dgm:prSet>
       <dgm:spPr/>
+      <dgm:t>
+        <a:bodyPr/>
+        <a:lstStyle/>
+        <a:p>
+          <a:endParaRPr lang="en-US"/>
+        </a:p>
+      </dgm:t>
     </dgm:pt>
     <dgm:pt modelId="{9B3A5B8A-24F0-4CA3-9EB1-4F06E87A8DCC}" type="pres">
       <dgm:prSet presAssocID="{8FF62024-CBFA-4621-BFEB-20A32506277B}" presName="rootConnector" presStyleLbl="node2" presStyleIdx="0" presStyleCnt="3"/>
       <dgm:spPr/>
+      <dgm:t>
+        <a:bodyPr/>
+        <a:lstStyle/>
+        <a:p>
+          <a:endParaRPr lang="en-US"/>
+        </a:p>
+      </dgm:t>
     </dgm:pt>
     <dgm:pt modelId="{8C735027-517E-456C-8DBC-760628954431}" type="pres">
       <dgm:prSet presAssocID="{8FF62024-CBFA-4621-BFEB-20A32506277B}" presName="hierChild4" presStyleCnt="0"/>
@@ -9830,6 +10537,13 @@
     <dgm:pt modelId="{28A4C586-4049-471D-8C29-D6BB2D8A9BE2}" type="pres">
       <dgm:prSet presAssocID="{531D5A78-F6B9-4654-B41C-BEC6F0C662D4}" presName="Name37" presStyleLbl="parChTrans1D2" presStyleIdx="1" presStyleCnt="3"/>
       <dgm:spPr/>
+      <dgm:t>
+        <a:bodyPr/>
+        <a:lstStyle/>
+        <a:p>
+          <a:endParaRPr lang="en-US"/>
+        </a:p>
+      </dgm:t>
     </dgm:pt>
     <dgm:pt modelId="{50F5C2EE-805E-4EA7-B5ED-A4981C7A18DA}" type="pres">
       <dgm:prSet presAssocID="{5C4CCCD5-EEDC-4A29-9D72-7CC95001D2BD}" presName="hierRoot2" presStyleCnt="0">
@@ -9850,10 +10564,24 @@
         </dgm:presLayoutVars>
       </dgm:prSet>
       <dgm:spPr/>
+      <dgm:t>
+        <a:bodyPr/>
+        <a:lstStyle/>
+        <a:p>
+          <a:endParaRPr lang="en-US"/>
+        </a:p>
+      </dgm:t>
     </dgm:pt>
     <dgm:pt modelId="{0B4FA188-9CB9-4B7D-BC77-D4DBCC4116B5}" type="pres">
       <dgm:prSet presAssocID="{5C4CCCD5-EEDC-4A29-9D72-7CC95001D2BD}" presName="rootConnector" presStyleLbl="node2" presStyleIdx="1" presStyleCnt="3"/>
       <dgm:spPr/>
+      <dgm:t>
+        <a:bodyPr/>
+        <a:lstStyle/>
+        <a:p>
+          <a:endParaRPr lang="en-US"/>
+        </a:p>
+      </dgm:t>
     </dgm:pt>
     <dgm:pt modelId="{95FCC2CC-395D-431D-B018-BDB2ED96AA75}" type="pres">
       <dgm:prSet presAssocID="{5C4CCCD5-EEDC-4A29-9D72-7CC95001D2BD}" presName="hierChild4" presStyleCnt="0"/>
@@ -9866,6 +10594,13 @@
     <dgm:pt modelId="{A6041F65-F668-47CB-8E40-1DD9336F32DA}" type="pres">
       <dgm:prSet presAssocID="{0D8A7912-6F0D-4082-9287-A04DB140563D}" presName="Name37" presStyleLbl="parChTrans1D2" presStyleIdx="2" presStyleCnt="3"/>
       <dgm:spPr/>
+      <dgm:t>
+        <a:bodyPr/>
+        <a:lstStyle/>
+        <a:p>
+          <a:endParaRPr lang="en-US"/>
+        </a:p>
+      </dgm:t>
     </dgm:pt>
     <dgm:pt modelId="{4A42761C-2E3E-47C8-84F7-B6B32658D6FB}" type="pres">
       <dgm:prSet presAssocID="{4EB5D9F1-C378-4F07-AC88-23D445A05395}" presName="hierRoot2" presStyleCnt="0">
@@ -9886,10 +10621,24 @@
         </dgm:presLayoutVars>
       </dgm:prSet>
       <dgm:spPr/>
+      <dgm:t>
+        <a:bodyPr/>
+        <a:lstStyle/>
+        <a:p>
+          <a:endParaRPr lang="en-US"/>
+        </a:p>
+      </dgm:t>
     </dgm:pt>
     <dgm:pt modelId="{2EB8220E-041B-4FA1-B60B-E83DDFCE4E0F}" type="pres">
       <dgm:prSet presAssocID="{4EB5D9F1-C378-4F07-AC88-23D445A05395}" presName="rootConnector" presStyleLbl="node2" presStyleIdx="2" presStyleCnt="3"/>
       <dgm:spPr/>
+      <dgm:t>
+        <a:bodyPr/>
+        <a:lstStyle/>
+        <a:p>
+          <a:endParaRPr lang="en-US"/>
+        </a:p>
+      </dgm:t>
     </dgm:pt>
     <dgm:pt modelId="{475051FF-1DBC-43BE-8C93-C773786DDA75}" type="pres">
       <dgm:prSet presAssocID="{4EB5D9F1-C378-4F07-AC88-23D445A05395}" presName="hierChild4" presStyleCnt="0"/>
@@ -10023,7 +10772,7 @@
         </a:bodyPr>
         <a:lstStyle/>
         <a:p>
-          <a:pPr marL="0" lvl="0" indent="0" algn="l" defTabSz="889000">
+          <a:pPr lvl="0" algn="l" defTabSz="889000">
             <a:lnSpc>
               <a:spcPct val="90000"/>
             </a:lnSpc>
@@ -10033,7 +10782,6 @@
             <a:spcAft>
               <a:spcPct val="35000"/>
             </a:spcAft>
-            <a:buNone/>
           </a:pPr>
           <a:r>
             <a:rPr lang="ru-RU" sz="2000" kern="1200" dirty="0"/>
@@ -10101,7 +10849,7 @@
         </a:bodyPr>
         <a:lstStyle/>
         <a:p>
-          <a:pPr marL="0" lvl="0" indent="0" algn="ctr" defTabSz="2133600">
+          <a:pPr lvl="0" algn="ctr" defTabSz="2133600">
             <a:lnSpc>
               <a:spcPct val="90000"/>
             </a:lnSpc>
@@ -10111,7 +10859,6 @@
             <a:spcAft>
               <a:spcPct val="35000"/>
             </a:spcAft>
-            <a:buNone/>
           </a:pPr>
           <a:r>
             <a:rPr lang="en-US" sz="4800" kern="1200" dirty="0"/>
@@ -10229,7 +10976,7 @@
         </a:bodyPr>
         <a:lstStyle/>
         <a:p>
-          <a:pPr marL="0" lvl="0" indent="0" algn="l" defTabSz="889000">
+          <a:pPr lvl="0" algn="l" defTabSz="889000">
             <a:lnSpc>
               <a:spcPct val="90000"/>
             </a:lnSpc>
@@ -10239,7 +10986,6 @@
             <a:spcAft>
               <a:spcPct val="35000"/>
             </a:spcAft>
-            <a:buNone/>
           </a:pPr>
           <a:r>
             <a:rPr lang="ru-RU" sz="2000" kern="1200"/>
@@ -10307,7 +11053,7 @@
         </a:bodyPr>
         <a:lstStyle/>
         <a:p>
-          <a:pPr marL="0" lvl="0" indent="0" algn="ctr" defTabSz="2133600">
+          <a:pPr lvl="0" algn="ctr" defTabSz="2133600">
             <a:lnSpc>
               <a:spcPct val="90000"/>
             </a:lnSpc>
@@ -10317,7 +11063,6 @@
             <a:spcAft>
               <a:spcPct val="35000"/>
             </a:spcAft>
-            <a:buNone/>
           </a:pPr>
           <a:r>
             <a:rPr lang="en-US" sz="4800" kern="1200"/>
@@ -10435,7 +11180,7 @@
         </a:bodyPr>
         <a:lstStyle/>
         <a:p>
-          <a:pPr marL="0" lvl="0" indent="0" algn="l" defTabSz="889000">
+          <a:pPr lvl="0" algn="l" defTabSz="889000">
             <a:lnSpc>
               <a:spcPct val="90000"/>
             </a:lnSpc>
@@ -10445,7 +11190,6 @@
             <a:spcAft>
               <a:spcPct val="35000"/>
             </a:spcAft>
-            <a:buNone/>
           </a:pPr>
           <a:r>
             <a:rPr lang="ru-RU" sz="2000" kern="1200"/>
@@ -10513,7 +11257,7 @@
         </a:bodyPr>
         <a:lstStyle/>
         <a:p>
-          <a:pPr marL="0" lvl="0" indent="0" algn="ctr" defTabSz="2133600">
+          <a:pPr lvl="0" algn="ctr" defTabSz="2133600">
             <a:lnSpc>
               <a:spcPct val="90000"/>
             </a:lnSpc>
@@ -10523,7 +11267,6 @@
             <a:spcAft>
               <a:spcPct val="35000"/>
             </a:spcAft>
-            <a:buNone/>
           </a:pPr>
           <a:r>
             <a:rPr lang="en-US" sz="4800" kern="1200"/>
@@ -10885,12 +11628,12 @@
         </a:fontRef>
       </dsp:style>
       <dsp:txBody>
-        <a:bodyPr spcFirstLastPara="0" vert="horz" wrap="square" lIns="27305" tIns="27305" rIns="27305" bIns="27305" numCol="1" spcCol="1270" anchor="ctr" anchorCtr="0">
+        <a:bodyPr spcFirstLastPara="0" vert="horz" wrap="square" lIns="26035" tIns="26035" rIns="26035" bIns="26035" numCol="1" spcCol="1270" anchor="ctr" anchorCtr="0">
           <a:noAutofit/>
         </a:bodyPr>
         <a:lstStyle/>
         <a:p>
-          <a:pPr marL="0" lvl="0" indent="0" algn="ctr" defTabSz="1911350">
+          <a:pPr lvl="0" algn="ctr" defTabSz="1822450">
             <a:lnSpc>
               <a:spcPct val="90000"/>
             </a:lnSpc>
@@ -10900,10 +11643,9 @@
             <a:spcAft>
               <a:spcPct val="35000"/>
             </a:spcAft>
-            <a:buNone/>
           </a:pPr>
           <a:r>
-            <a:rPr lang="en-US" sz="4300" kern="1200" dirty="0"/>
+            <a:rPr lang="en-US" sz="4100" kern="1200" dirty="0"/>
             <a:t>Node</a:t>
           </a:r>
         </a:p>
@@ -10963,12 +11705,12 @@
         </a:fontRef>
       </dsp:style>
       <dsp:txBody>
-        <a:bodyPr spcFirstLastPara="0" vert="horz" wrap="square" lIns="27305" tIns="27305" rIns="27305" bIns="27305" numCol="1" spcCol="1270" anchor="ctr" anchorCtr="0">
+        <a:bodyPr spcFirstLastPara="0" vert="horz" wrap="square" lIns="26035" tIns="26035" rIns="26035" bIns="26035" numCol="1" spcCol="1270" anchor="ctr" anchorCtr="0">
           <a:noAutofit/>
         </a:bodyPr>
         <a:lstStyle/>
         <a:p>
-          <a:pPr marL="0" lvl="0" indent="0" algn="ctr" defTabSz="1911350">
+          <a:pPr lvl="0" algn="ctr" defTabSz="1822450">
             <a:lnSpc>
               <a:spcPct val="90000"/>
             </a:lnSpc>
@@ -10978,10 +11720,9 @@
             <a:spcAft>
               <a:spcPct val="35000"/>
             </a:spcAft>
-            <a:buNone/>
           </a:pPr>
           <a:r>
-            <a:rPr lang="en-US" sz="4300" kern="1200" dirty="0"/>
+            <a:rPr lang="en-US" sz="4100" kern="1200" dirty="0"/>
             <a:t>Node</a:t>
           </a:r>
         </a:p>
@@ -11041,12 +11782,12 @@
         </a:fontRef>
       </dsp:style>
       <dsp:txBody>
-        <a:bodyPr spcFirstLastPara="0" vert="horz" wrap="square" lIns="27305" tIns="27305" rIns="27305" bIns="27305" numCol="1" spcCol="1270" anchor="ctr" anchorCtr="0">
+        <a:bodyPr spcFirstLastPara="0" vert="horz" wrap="square" lIns="26035" tIns="26035" rIns="26035" bIns="26035" numCol="1" spcCol="1270" anchor="ctr" anchorCtr="0">
           <a:noAutofit/>
         </a:bodyPr>
         <a:lstStyle/>
         <a:p>
-          <a:pPr marL="0" lvl="0" indent="0" algn="ctr" defTabSz="1911350">
+          <a:pPr lvl="0" algn="ctr" defTabSz="1822450">
             <a:lnSpc>
               <a:spcPct val="90000"/>
             </a:lnSpc>
@@ -11056,10 +11797,9 @@
             <a:spcAft>
               <a:spcPct val="35000"/>
             </a:spcAft>
-            <a:buNone/>
           </a:pPr>
           <a:r>
-            <a:rPr lang="en-US" sz="4300" kern="1200" dirty="0"/>
+            <a:rPr lang="en-US" sz="4100" kern="1200" dirty="0"/>
             <a:t>Node</a:t>
           </a:r>
         </a:p>
@@ -11119,12 +11859,12 @@
         </a:fontRef>
       </dsp:style>
       <dsp:txBody>
-        <a:bodyPr spcFirstLastPara="0" vert="horz" wrap="square" lIns="27305" tIns="27305" rIns="27305" bIns="27305" numCol="1" spcCol="1270" anchor="ctr" anchorCtr="0">
+        <a:bodyPr spcFirstLastPara="0" vert="horz" wrap="square" lIns="26035" tIns="26035" rIns="26035" bIns="26035" numCol="1" spcCol="1270" anchor="ctr" anchorCtr="0">
           <a:noAutofit/>
         </a:bodyPr>
         <a:lstStyle/>
         <a:p>
-          <a:pPr marL="0" lvl="0" indent="0" algn="ctr" defTabSz="1911350">
+          <a:pPr lvl="0" algn="ctr" defTabSz="1822450">
             <a:lnSpc>
               <a:spcPct val="90000"/>
             </a:lnSpc>
@@ -11134,10 +11874,9 @@
             <a:spcAft>
               <a:spcPct val="35000"/>
             </a:spcAft>
-            <a:buNone/>
           </a:pPr>
           <a:r>
-            <a:rPr lang="en-US" sz="4300" kern="1200" dirty="0"/>
+            <a:rPr lang="en-US" sz="4100" kern="1200" dirty="0"/>
             <a:t>Node</a:t>
           </a:r>
         </a:p>
@@ -11197,12 +11936,12 @@
         </a:fontRef>
       </dsp:style>
       <dsp:txBody>
-        <a:bodyPr spcFirstLastPara="0" vert="horz" wrap="square" lIns="27305" tIns="27305" rIns="27305" bIns="27305" numCol="1" spcCol="1270" anchor="ctr" anchorCtr="0">
+        <a:bodyPr spcFirstLastPara="0" vert="horz" wrap="square" lIns="26035" tIns="26035" rIns="26035" bIns="26035" numCol="1" spcCol="1270" anchor="ctr" anchorCtr="0">
           <a:noAutofit/>
         </a:bodyPr>
         <a:lstStyle/>
         <a:p>
-          <a:pPr marL="0" lvl="0" indent="0" algn="ctr" defTabSz="1911350">
+          <a:pPr lvl="0" algn="ctr" defTabSz="1822450">
             <a:lnSpc>
               <a:spcPct val="90000"/>
             </a:lnSpc>
@@ -11212,10 +11951,9 @@
             <a:spcAft>
               <a:spcPct val="35000"/>
             </a:spcAft>
-            <a:buNone/>
           </a:pPr>
           <a:r>
-            <a:rPr lang="en-US" sz="4300" kern="1200" dirty="0"/>
+            <a:rPr lang="en-US" sz="4100" kern="1200" dirty="0"/>
             <a:t>Node</a:t>
           </a:r>
         </a:p>
@@ -11244,8 +11982,8 @@
       </dsp:nvSpPr>
       <dsp:spPr>
         <a:xfrm>
-          <a:off x="1668747" y="1624"/>
-          <a:ext cx="1417500" cy="710308"/>
+          <a:off x="1634997" y="1624"/>
+          <a:ext cx="1485000" cy="710308"/>
         </a:xfrm>
         <a:prstGeom prst="rect">
           <a:avLst/>
@@ -11292,7 +12030,7 @@
         </a:bodyPr>
         <a:lstStyle/>
         <a:p>
-          <a:pPr marL="0" lvl="0" indent="0" algn="ctr" defTabSz="1689100">
+          <a:pPr lvl="0" algn="ctr" defTabSz="1689100">
             <a:lnSpc>
               <a:spcPct val="90000"/>
             </a:lnSpc>
@@ -11302,7 +12040,6 @@
             <a:spcAft>
               <a:spcPct val="35000"/>
             </a:spcAft>
-            <a:buNone/>
           </a:pPr>
           <a:r>
             <a:rPr lang="en-US" sz="3800" kern="1200" dirty="0"/>
@@ -11311,8 +12048,8 @@
         </a:p>
       </dsp:txBody>
       <dsp:txXfrm>
-        <a:off x="1668747" y="1624"/>
-        <a:ext cx="1417500" cy="710308"/>
+        <a:off x="1634997" y="1624"/>
+        <a:ext cx="1485000" cy="710308"/>
       </dsp:txXfrm>
     </dsp:sp>
     <dsp:sp modelId="{4F3B6E92-B991-456F-8299-E70C572B215A}">
@@ -11322,8 +12059,8 @@
       </dsp:nvSpPr>
       <dsp:spPr>
         <a:xfrm>
-          <a:off x="1668747" y="747448"/>
-          <a:ext cx="1417500" cy="710308"/>
+          <a:off x="1634997" y="747448"/>
+          <a:ext cx="1485000" cy="710308"/>
         </a:xfrm>
         <a:prstGeom prst="rect">
           <a:avLst/>
@@ -11370,7 +12107,7 @@
         </a:bodyPr>
         <a:lstStyle/>
         <a:p>
-          <a:pPr marL="0" lvl="0" indent="0" algn="ctr" defTabSz="1689100">
+          <a:pPr lvl="0" algn="ctr" defTabSz="1689100">
             <a:lnSpc>
               <a:spcPct val="90000"/>
             </a:lnSpc>
@@ -11380,7 +12117,6 @@
             <a:spcAft>
               <a:spcPct val="35000"/>
             </a:spcAft>
-            <a:buNone/>
           </a:pPr>
           <a:r>
             <a:rPr lang="en-US" sz="3800" kern="1200" dirty="0"/>
@@ -11389,8 +12125,8 @@
         </a:p>
       </dsp:txBody>
       <dsp:txXfrm>
-        <a:off x="1668747" y="747448"/>
-        <a:ext cx="1417500" cy="710308"/>
+        <a:off x="1634997" y="747448"/>
+        <a:ext cx="1485000" cy="710308"/>
       </dsp:txXfrm>
     </dsp:sp>
     <dsp:sp modelId="{B3AEB8F3-7A50-4C69-994A-966CD1BC0C61}">
@@ -11400,8 +12136,8 @@
       </dsp:nvSpPr>
       <dsp:spPr>
         <a:xfrm>
-          <a:off x="1668747" y="1493273"/>
-          <a:ext cx="1417500" cy="710308"/>
+          <a:off x="1634997" y="1493273"/>
+          <a:ext cx="1485000" cy="710308"/>
         </a:xfrm>
         <a:prstGeom prst="rect">
           <a:avLst/>
@@ -11448,7 +12184,7 @@
         </a:bodyPr>
         <a:lstStyle/>
         <a:p>
-          <a:pPr marL="0" lvl="0" indent="0" algn="ctr" defTabSz="1689100">
+          <a:pPr lvl="0" algn="ctr" defTabSz="1689100">
             <a:lnSpc>
               <a:spcPct val="90000"/>
             </a:lnSpc>
@@ -11458,7 +12194,6 @@
             <a:spcAft>
               <a:spcPct val="35000"/>
             </a:spcAft>
-            <a:buNone/>
           </a:pPr>
           <a:r>
             <a:rPr lang="en-US" sz="3800" kern="1200" dirty="0"/>
@@ -11467,8 +12202,8 @@
         </a:p>
       </dsp:txBody>
       <dsp:txXfrm>
-        <a:off x="1668747" y="1493273"/>
-        <a:ext cx="1417500" cy="710308"/>
+        <a:off x="1634997" y="1493273"/>
+        <a:ext cx="1485000" cy="710308"/>
       </dsp:txXfrm>
     </dsp:sp>
     <dsp:sp modelId="{B5614BEC-C908-4AD4-B471-94AF6060825F}">
@@ -11478,8 +12213,8 @@
       </dsp:nvSpPr>
       <dsp:spPr>
         <a:xfrm>
-          <a:off x="1668747" y="2239097"/>
-          <a:ext cx="1417500" cy="710308"/>
+          <a:off x="1634997" y="2239097"/>
+          <a:ext cx="1485000" cy="710308"/>
         </a:xfrm>
         <a:prstGeom prst="rect">
           <a:avLst/>
@@ -11526,7 +12261,7 @@
         </a:bodyPr>
         <a:lstStyle/>
         <a:p>
-          <a:pPr marL="0" lvl="0" indent="0" algn="ctr" defTabSz="1689100">
+          <a:pPr lvl="0" algn="ctr" defTabSz="1689100">
             <a:lnSpc>
               <a:spcPct val="90000"/>
             </a:lnSpc>
@@ -11536,7 +12271,6 @@
             <a:spcAft>
               <a:spcPct val="35000"/>
             </a:spcAft>
-            <a:buNone/>
           </a:pPr>
           <a:r>
             <a:rPr lang="en-US" sz="3800" kern="1200" dirty="0"/>
@@ -11545,8 +12279,8 @@
         </a:p>
       </dsp:txBody>
       <dsp:txXfrm>
-        <a:off x="1668747" y="2239097"/>
-        <a:ext cx="1417500" cy="710308"/>
+        <a:off x="1634997" y="2239097"/>
+        <a:ext cx="1485000" cy="710308"/>
       </dsp:txXfrm>
     </dsp:sp>
     <dsp:sp modelId="{0F0CD1E9-AA9E-4824-A94A-1E489C94583E}">
@@ -11556,8 +12290,8 @@
       </dsp:nvSpPr>
       <dsp:spPr>
         <a:xfrm>
-          <a:off x="1668747" y="2984921"/>
-          <a:ext cx="1417500" cy="710308"/>
+          <a:off x="1634997" y="2984921"/>
+          <a:ext cx="1485000" cy="710308"/>
         </a:xfrm>
         <a:prstGeom prst="rect">
           <a:avLst/>
@@ -11604,7 +12338,7 @@
         </a:bodyPr>
         <a:lstStyle/>
         <a:p>
-          <a:pPr marL="0" lvl="0" indent="0" algn="ctr" defTabSz="1689100">
+          <a:pPr lvl="0" algn="ctr" defTabSz="1689100">
             <a:lnSpc>
               <a:spcPct val="90000"/>
             </a:lnSpc>
@@ -11614,7 +12348,6 @@
             <a:spcAft>
               <a:spcPct val="35000"/>
             </a:spcAft>
-            <a:buNone/>
           </a:pPr>
           <a:r>
             <a:rPr lang="en-US" sz="3800" kern="1200" dirty="0"/>
@@ -11623,8 +12356,8 @@
         </a:p>
       </dsp:txBody>
       <dsp:txXfrm>
-        <a:off x="1668747" y="2984921"/>
-        <a:ext cx="1417500" cy="710308"/>
+        <a:off x="1634997" y="2984921"/>
+        <a:ext cx="1485000" cy="710308"/>
       </dsp:txXfrm>
     </dsp:sp>
   </dsp:spTree>
@@ -11705,7 +12438,7 @@
         </a:bodyPr>
         <a:lstStyle/>
         <a:p>
-          <a:pPr marL="0" lvl="0" indent="0" algn="ctr" defTabSz="222250">
+          <a:pPr lvl="0" algn="ctr" defTabSz="222250">
             <a:lnSpc>
               <a:spcPct val="90000"/>
             </a:lnSpc>
@@ -11715,7 +12448,6 @@
             <a:spcAft>
               <a:spcPct val="35000"/>
             </a:spcAft>
-            <a:buNone/>
           </a:pPr>
           <a:endParaRPr lang="en-US" sz="500" kern="1200"/>
         </a:p>
@@ -11791,7 +12523,7 @@
         </a:bodyPr>
         <a:lstStyle/>
         <a:p>
-          <a:pPr marL="0" lvl="0" indent="0" algn="ctr" defTabSz="222250">
+          <a:pPr lvl="0" algn="ctr" defTabSz="222250">
             <a:lnSpc>
               <a:spcPct val="90000"/>
             </a:lnSpc>
@@ -11801,7 +12533,6 @@
             <a:spcAft>
               <a:spcPct val="35000"/>
             </a:spcAft>
-            <a:buNone/>
           </a:pPr>
           <a:endParaRPr lang="en-US" sz="500" kern="1200"/>
         </a:p>
@@ -11877,7 +12608,7 @@
         </a:bodyPr>
         <a:lstStyle/>
         <a:p>
-          <a:pPr marL="0" lvl="0" indent="0" algn="ctr" defTabSz="222250">
+          <a:pPr lvl="0" algn="ctr" defTabSz="222250">
             <a:lnSpc>
               <a:spcPct val="90000"/>
             </a:lnSpc>
@@ -11887,7 +12618,6 @@
             <a:spcAft>
               <a:spcPct val="35000"/>
             </a:spcAft>
-            <a:buNone/>
           </a:pPr>
           <a:endParaRPr lang="en-US" sz="500" kern="1200"/>
         </a:p>
@@ -11963,7 +12693,7 @@
         </a:bodyPr>
         <a:lstStyle/>
         <a:p>
-          <a:pPr marL="0" lvl="0" indent="0" algn="ctr" defTabSz="222250">
+          <a:pPr lvl="0" algn="ctr" defTabSz="222250">
             <a:lnSpc>
               <a:spcPct val="90000"/>
             </a:lnSpc>
@@ -11973,7 +12703,6 @@
             <a:spcAft>
               <a:spcPct val="35000"/>
             </a:spcAft>
-            <a:buNone/>
           </a:pPr>
           <a:endParaRPr lang="en-US" sz="500" kern="1200"/>
         </a:p>
@@ -12043,7 +12772,7 @@
         </a:bodyPr>
         <a:lstStyle/>
         <a:p>
-          <a:pPr marL="0" lvl="0" indent="0" algn="ctr" defTabSz="222250">
+          <a:pPr lvl="0" algn="ctr" defTabSz="222250">
             <a:lnSpc>
               <a:spcPct val="90000"/>
             </a:lnSpc>
@@ -12053,7 +12782,6 @@
             <a:spcAft>
               <a:spcPct val="35000"/>
             </a:spcAft>
-            <a:buNone/>
           </a:pPr>
           <a:endParaRPr lang="en-US" sz="500" kern="1200"/>
         </a:p>
@@ -12129,7 +12857,7 @@
         </a:bodyPr>
         <a:lstStyle/>
         <a:p>
-          <a:pPr marL="0" lvl="0" indent="0" algn="ctr" defTabSz="222250">
+          <a:pPr lvl="0" algn="ctr" defTabSz="222250">
             <a:lnSpc>
               <a:spcPct val="90000"/>
             </a:lnSpc>
@@ -12139,7 +12867,6 @@
             <a:spcAft>
               <a:spcPct val="35000"/>
             </a:spcAft>
-            <a:buNone/>
           </a:pPr>
           <a:endParaRPr lang="en-US" sz="500" kern="1200"/>
         </a:p>
@@ -12215,7 +12942,7 @@
         </a:bodyPr>
         <a:lstStyle/>
         <a:p>
-          <a:pPr marL="0" lvl="0" indent="0" algn="ctr" defTabSz="222250">
+          <a:pPr lvl="0" algn="ctr" defTabSz="222250">
             <a:lnSpc>
               <a:spcPct val="90000"/>
             </a:lnSpc>
@@ -12225,7 +12952,6 @@
             <a:spcAft>
               <a:spcPct val="35000"/>
             </a:spcAft>
-            <a:buNone/>
           </a:pPr>
           <a:endParaRPr lang="en-US" sz="500" kern="1200"/>
         </a:p>
@@ -12301,7 +13027,7 @@
         </a:bodyPr>
         <a:lstStyle/>
         <a:p>
-          <a:pPr marL="0" lvl="0" indent="0" algn="ctr" defTabSz="222250">
+          <a:pPr lvl="0" algn="ctr" defTabSz="222250">
             <a:lnSpc>
               <a:spcPct val="90000"/>
             </a:lnSpc>
@@ -12311,7 +13037,6 @@
             <a:spcAft>
               <a:spcPct val="35000"/>
             </a:spcAft>
-            <a:buNone/>
           </a:pPr>
           <a:endParaRPr lang="en-US" sz="500" kern="1200"/>
         </a:p>
@@ -12371,12 +13096,12 @@
         </a:fontRef>
       </dsp:style>
       <dsp:txBody>
-        <a:bodyPr spcFirstLastPara="0" vert="horz" wrap="square" lIns="19685" tIns="19685" rIns="19685" bIns="19685" numCol="1" spcCol="1270" anchor="ctr" anchorCtr="0">
+        <a:bodyPr spcFirstLastPara="0" vert="horz" wrap="square" lIns="17780" tIns="17780" rIns="17780" bIns="17780" numCol="1" spcCol="1270" anchor="ctr" anchorCtr="0">
           <a:noAutofit/>
         </a:bodyPr>
         <a:lstStyle/>
         <a:p>
-          <a:pPr marL="0" lvl="0" indent="0" algn="ctr" defTabSz="1377950">
+          <a:pPr lvl="0" algn="ctr" defTabSz="1244600">
             <a:lnSpc>
               <a:spcPct val="90000"/>
             </a:lnSpc>
@@ -12386,13 +13111,12 @@
             <a:spcAft>
               <a:spcPct val="35000"/>
             </a:spcAft>
-            <a:buNone/>
           </a:pPr>
           <a:r>
-            <a:rPr lang="en-US" sz="3100" kern="1200" dirty="0" err="1"/>
+            <a:rPr lang="en-US" sz="2800" kern="1200" dirty="0" err="1"/>
             <a:t>InvocationExpression</a:t>
           </a:r>
-          <a:endParaRPr lang="en-US" sz="3100" kern="1200" dirty="0"/>
+          <a:endParaRPr lang="en-US" sz="2800" kern="1200" dirty="0"/>
         </a:p>
       </dsp:txBody>
       <dsp:txXfrm>
@@ -12450,12 +13174,12 @@
         </a:fontRef>
       </dsp:style>
       <dsp:txBody>
-        <a:bodyPr spcFirstLastPara="0" vert="horz" wrap="square" lIns="7620" tIns="7620" rIns="7620" bIns="7620" numCol="1" spcCol="1270" anchor="ctr" anchorCtr="0">
+        <a:bodyPr spcFirstLastPara="0" vert="horz" wrap="square" lIns="6985" tIns="6985" rIns="6985" bIns="6985" numCol="1" spcCol="1270" anchor="ctr" anchorCtr="0">
           <a:noAutofit/>
         </a:bodyPr>
         <a:lstStyle/>
         <a:p>
-          <a:pPr marL="0" lvl="0" indent="0" algn="ctr" defTabSz="533400">
+          <a:pPr lvl="0" algn="ctr" defTabSz="488950">
             <a:lnSpc>
               <a:spcPct val="90000"/>
             </a:lnSpc>
@@ -12465,18 +13189,17 @@
             <a:spcAft>
               <a:spcPct val="35000"/>
             </a:spcAft>
-            <a:buNone/>
           </a:pPr>
           <a:r>
-            <a:rPr lang="en-US" sz="1200" kern="1200" dirty="0" err="1"/>
+            <a:rPr lang="en-US" sz="1100" kern="1200" dirty="0" err="1"/>
             <a:t>SimpleMemberAccessExpression</a:t>
           </a:r>
           <a:r>
-            <a:rPr lang="en-US" sz="1200" kern="1200" dirty="0"/>
+            <a:rPr lang="en-US" sz="1100" kern="1200" dirty="0"/>
             <a:t>: </a:t>
           </a:r>
           <a:r>
-            <a:rPr lang="en-US" sz="1200" kern="1200" dirty="0" err="1">
+            <a:rPr lang="en-US" sz="1100" kern="1200" dirty="0" err="1">
               <a:solidFill>
                 <a:schemeClr val="accent1"/>
               </a:solidFill>
@@ -12484,7 +13207,7 @@
             <a:t>ServiceLocator.Resolve</a:t>
           </a:r>
           <a:r>
-            <a:rPr lang="en-US" sz="1200" kern="1200" dirty="0">
+            <a:rPr lang="en-US" sz="1100" kern="1200" dirty="0">
               <a:solidFill>
                 <a:schemeClr val="accent1"/>
               </a:solidFill>
@@ -12548,12 +13271,12 @@
         </a:fontRef>
       </dsp:style>
       <dsp:txBody>
-        <a:bodyPr spcFirstLastPara="0" vert="horz" wrap="square" lIns="7620" tIns="7620" rIns="7620" bIns="7620" numCol="1" spcCol="1270" anchor="ctr" anchorCtr="0">
+        <a:bodyPr spcFirstLastPara="0" vert="horz" wrap="square" lIns="6985" tIns="6985" rIns="6985" bIns="6985" numCol="1" spcCol="1270" anchor="ctr" anchorCtr="0">
           <a:noAutofit/>
         </a:bodyPr>
         <a:lstStyle/>
         <a:p>
-          <a:pPr marL="0" lvl="0" indent="0" algn="ctr" defTabSz="533400">
+          <a:pPr lvl="0" algn="ctr" defTabSz="488950">
             <a:lnSpc>
               <a:spcPct val="90000"/>
             </a:lnSpc>
@@ -12563,18 +13286,17 @@
             <a:spcAft>
               <a:spcPct val="35000"/>
             </a:spcAft>
-            <a:buNone/>
           </a:pPr>
           <a:r>
-            <a:rPr lang="en-US" sz="1200" kern="1200" dirty="0" err="1"/>
+            <a:rPr lang="en-US" sz="1100" kern="1200" dirty="0" err="1"/>
             <a:t>OperatorToken</a:t>
           </a:r>
           <a:r>
-            <a:rPr lang="en-US" sz="1200" kern="1200" dirty="0"/>
+            <a:rPr lang="en-US" sz="1100" kern="1200" dirty="0"/>
             <a:t>: </a:t>
           </a:r>
           <a:r>
-            <a:rPr lang="en-US" sz="1200" kern="1200" dirty="0">
+            <a:rPr lang="en-US" sz="1100" kern="1200" dirty="0">
               <a:solidFill>
                 <a:schemeClr val="accent1"/>
               </a:solidFill>
@@ -12638,12 +13360,12 @@
         </a:fontRef>
       </dsp:style>
       <dsp:txBody>
-        <a:bodyPr spcFirstLastPara="0" vert="horz" wrap="square" lIns="7620" tIns="7620" rIns="7620" bIns="7620" numCol="1" spcCol="1270" anchor="ctr" anchorCtr="0">
+        <a:bodyPr spcFirstLastPara="0" vert="horz" wrap="square" lIns="6985" tIns="6985" rIns="6985" bIns="6985" numCol="1" spcCol="1270" anchor="ctr" anchorCtr="0">
           <a:noAutofit/>
         </a:bodyPr>
         <a:lstStyle/>
         <a:p>
-          <a:pPr marL="0" lvl="0" indent="0" algn="ctr" defTabSz="533400">
+          <a:pPr lvl="0" algn="ctr" defTabSz="488950">
             <a:lnSpc>
               <a:spcPct val="90000"/>
             </a:lnSpc>
@@ -12653,25 +13375,24 @@
             <a:spcAft>
               <a:spcPct val="35000"/>
             </a:spcAft>
-            <a:buNone/>
           </a:pPr>
           <a:r>
-            <a:rPr lang="en-US" sz="1200" kern="1200" dirty="0" err="1"/>
+            <a:rPr lang="en-US" sz="1100" kern="1200" dirty="0" err="1"/>
             <a:t>IdentifierName</a:t>
           </a:r>
           <a:r>
-            <a:rPr lang="en-US" sz="1200" kern="1200" dirty="0"/>
+            <a:rPr lang="en-US" sz="1100" kern="1200" dirty="0"/>
             <a:t>: </a:t>
           </a:r>
           <a:r>
-            <a:rPr lang="en-US" sz="1200" kern="1200" dirty="0" err="1">
+            <a:rPr lang="en-US" sz="1100" kern="1200" dirty="0" err="1">
               <a:solidFill>
                 <a:schemeClr val="accent1"/>
               </a:solidFill>
             </a:rPr>
             <a:t>ServiceLocator</a:t>
           </a:r>
-          <a:endParaRPr lang="en-US" sz="1200" kern="1200" dirty="0">
+          <a:endParaRPr lang="en-US" sz="1100" kern="1200" dirty="0">
             <a:solidFill>
               <a:schemeClr val="accent1"/>
             </a:solidFill>
@@ -12733,12 +13454,12 @@
         </a:fontRef>
       </dsp:style>
       <dsp:txBody>
-        <a:bodyPr spcFirstLastPara="0" vert="horz" wrap="square" lIns="7620" tIns="7620" rIns="7620" bIns="7620" numCol="1" spcCol="1270" anchor="ctr" anchorCtr="0">
+        <a:bodyPr spcFirstLastPara="0" vert="horz" wrap="square" lIns="6985" tIns="6985" rIns="6985" bIns="6985" numCol="1" spcCol="1270" anchor="ctr" anchorCtr="0">
           <a:noAutofit/>
         </a:bodyPr>
         <a:lstStyle/>
         <a:p>
-          <a:pPr marL="0" lvl="0" indent="0" algn="ctr" defTabSz="533400">
+          <a:pPr lvl="0" algn="ctr" defTabSz="488950">
             <a:lnSpc>
               <a:spcPct val="90000"/>
             </a:lnSpc>
@@ -12748,21 +13469,20 @@
             <a:spcAft>
               <a:spcPct val="35000"/>
             </a:spcAft>
-            <a:buNone/>
           </a:pPr>
           <a:r>
-            <a:rPr lang="en-US" sz="1200" kern="1200" dirty="0"/>
+            <a:rPr lang="en-US" sz="1100" kern="1200" dirty="0"/>
             <a:t>Identifier: </a:t>
           </a:r>
           <a:r>
-            <a:rPr lang="en-US" sz="1200" kern="1200" dirty="0" err="1">
+            <a:rPr lang="en-US" sz="1100" kern="1200" dirty="0" err="1">
               <a:solidFill>
                 <a:schemeClr val="accent1"/>
               </a:solidFill>
             </a:rPr>
             <a:t>ServiceLocator</a:t>
           </a:r>
-          <a:endParaRPr lang="en-US" sz="1200" kern="1200" dirty="0">
+          <a:endParaRPr lang="en-US" sz="1100" kern="1200" dirty="0">
             <a:solidFill>
               <a:schemeClr val="accent1"/>
             </a:solidFill>
@@ -12824,12 +13544,12 @@
         </a:fontRef>
       </dsp:style>
       <dsp:txBody>
-        <a:bodyPr spcFirstLastPara="0" vert="horz" wrap="square" lIns="7620" tIns="7620" rIns="7620" bIns="7620" numCol="1" spcCol="1270" anchor="ctr" anchorCtr="0">
+        <a:bodyPr spcFirstLastPara="0" vert="horz" wrap="square" lIns="6985" tIns="6985" rIns="6985" bIns="6985" numCol="1" spcCol="1270" anchor="ctr" anchorCtr="0">
           <a:noAutofit/>
         </a:bodyPr>
         <a:lstStyle/>
         <a:p>
-          <a:pPr marL="0" lvl="0" indent="0" algn="ctr" defTabSz="533400">
+          <a:pPr lvl="0" algn="ctr" defTabSz="488950">
             <a:lnSpc>
               <a:spcPct val="90000"/>
             </a:lnSpc>
@@ -12839,25 +13559,24 @@
             <a:spcAft>
               <a:spcPct val="35000"/>
             </a:spcAft>
-            <a:buNone/>
           </a:pPr>
           <a:r>
-            <a:rPr lang="en-US" sz="1200" kern="1200" dirty="0" err="1"/>
+            <a:rPr lang="en-US" sz="1100" kern="1200" dirty="0" err="1"/>
             <a:t>GenericName</a:t>
           </a:r>
           <a:r>
-            <a:rPr lang="en-US" sz="1200" kern="1200" dirty="0"/>
+            <a:rPr lang="en-US" sz="1100" kern="1200" dirty="0"/>
             <a:t>: </a:t>
           </a:r>
           <a:r>
-            <a:rPr lang="en-US" sz="1200" kern="1200" dirty="0">
+            <a:rPr lang="en-US" sz="1100" kern="1200" dirty="0">
               <a:solidFill>
                 <a:schemeClr val="accent1"/>
               </a:solidFill>
             </a:rPr>
             <a:t>Resolve&lt;Service&gt;</a:t>
           </a:r>
-          <a:endParaRPr lang="en-US" sz="1200" kern="1200" dirty="0"/>
+          <a:endParaRPr lang="en-US" sz="1100" kern="1200" dirty="0"/>
         </a:p>
       </dsp:txBody>
       <dsp:txXfrm>
@@ -12915,12 +13634,12 @@
         </a:fontRef>
       </dsp:style>
       <dsp:txBody>
-        <a:bodyPr spcFirstLastPara="0" vert="horz" wrap="square" lIns="7620" tIns="7620" rIns="7620" bIns="7620" numCol="1" spcCol="1270" anchor="ctr" anchorCtr="0">
+        <a:bodyPr spcFirstLastPara="0" vert="horz" wrap="square" lIns="6985" tIns="6985" rIns="6985" bIns="6985" numCol="1" spcCol="1270" anchor="ctr" anchorCtr="0">
           <a:noAutofit/>
         </a:bodyPr>
         <a:lstStyle/>
         <a:p>
-          <a:pPr marL="0" lvl="0" indent="0" algn="ctr" defTabSz="533400">
+          <a:pPr lvl="0" algn="ctr" defTabSz="488950">
             <a:lnSpc>
               <a:spcPct val="90000"/>
             </a:lnSpc>
@@ -12930,14 +13649,13 @@
             <a:spcAft>
               <a:spcPct val="35000"/>
             </a:spcAft>
-            <a:buNone/>
           </a:pPr>
           <a:r>
-            <a:rPr lang="en-US" sz="1200" kern="1200" dirty="0"/>
+            <a:rPr lang="en-US" sz="1100" kern="1200" dirty="0"/>
             <a:t>Identifier: </a:t>
           </a:r>
           <a:r>
-            <a:rPr lang="en-US" sz="1200" kern="1200" dirty="0">
+            <a:rPr lang="en-US" sz="1100" kern="1200" dirty="0">
               <a:solidFill>
                 <a:schemeClr val="accent1"/>
               </a:solidFill>
@@ -13001,12 +13719,12 @@
         </a:fontRef>
       </dsp:style>
       <dsp:txBody>
-        <a:bodyPr spcFirstLastPara="0" vert="horz" wrap="square" lIns="7620" tIns="7620" rIns="7620" bIns="7620" numCol="1" spcCol="1270" anchor="ctr" anchorCtr="0">
+        <a:bodyPr spcFirstLastPara="0" vert="horz" wrap="square" lIns="6985" tIns="6985" rIns="6985" bIns="6985" numCol="1" spcCol="1270" anchor="ctr" anchorCtr="0">
           <a:noAutofit/>
         </a:bodyPr>
         <a:lstStyle/>
         <a:p>
-          <a:pPr marL="0" lvl="0" indent="0" algn="ctr" defTabSz="533400">
+          <a:pPr lvl="0" algn="ctr" defTabSz="488950">
             <a:lnSpc>
               <a:spcPct val="90000"/>
             </a:lnSpc>
@@ -13016,18 +13734,17 @@
             <a:spcAft>
               <a:spcPct val="35000"/>
             </a:spcAft>
-            <a:buNone/>
           </a:pPr>
           <a:r>
-            <a:rPr lang="en-US" sz="1200" kern="1200" dirty="0" err="1"/>
+            <a:rPr lang="en-US" sz="1100" kern="1200" dirty="0" err="1"/>
             <a:t>TypeArgumentList</a:t>
           </a:r>
           <a:r>
-            <a:rPr lang="en-US" sz="1200" kern="1200" dirty="0"/>
+            <a:rPr lang="en-US" sz="1100" kern="1200" dirty="0"/>
             <a:t>: </a:t>
           </a:r>
           <a:r>
-            <a:rPr lang="en-US" sz="1200" kern="1200" dirty="0">
+            <a:rPr lang="en-US" sz="1100" kern="1200" dirty="0">
               <a:solidFill>
                 <a:schemeClr val="accent1"/>
               </a:solidFill>
@@ -13091,12 +13808,12 @@
         </a:fontRef>
       </dsp:style>
       <dsp:txBody>
-        <a:bodyPr spcFirstLastPara="0" vert="horz" wrap="square" lIns="7620" tIns="7620" rIns="7620" bIns="7620" numCol="1" spcCol="1270" anchor="ctr" anchorCtr="0">
+        <a:bodyPr spcFirstLastPara="0" vert="horz" wrap="square" lIns="6985" tIns="6985" rIns="6985" bIns="6985" numCol="1" spcCol="1270" anchor="ctr" anchorCtr="0">
           <a:noAutofit/>
         </a:bodyPr>
         <a:lstStyle/>
         <a:p>
-          <a:pPr marL="0" lvl="0" indent="0" algn="ctr" defTabSz="533400">
+          <a:pPr lvl="0" algn="ctr" defTabSz="488950">
             <a:lnSpc>
               <a:spcPct val="90000"/>
             </a:lnSpc>
@@ -13106,18 +13823,17 @@
             <a:spcAft>
               <a:spcPct val="35000"/>
             </a:spcAft>
-            <a:buNone/>
           </a:pPr>
           <a:r>
-            <a:rPr lang="en-US" sz="1200" kern="1200" dirty="0" err="1"/>
+            <a:rPr lang="en-US" sz="1100" kern="1200" dirty="0" err="1"/>
             <a:t>ArgumentList</a:t>
           </a:r>
           <a:r>
-            <a:rPr lang="en-US" sz="1200" kern="1200" dirty="0"/>
+            <a:rPr lang="en-US" sz="1100" kern="1200" dirty="0"/>
             <a:t>: </a:t>
           </a:r>
           <a:r>
-            <a:rPr lang="en-US" sz="1200" kern="1200" dirty="0">
+            <a:rPr lang="en-US" sz="1100" kern="1200" dirty="0">
               <a:solidFill>
                 <a:schemeClr val="accent1"/>
               </a:solidFill>
@@ -13373,12 +14089,12 @@
         </a:fontRef>
       </dsp:style>
       <dsp:txBody>
-        <a:bodyPr spcFirstLastPara="0" vert="horz" wrap="square" lIns="20955" tIns="20955" rIns="20955" bIns="20955" numCol="1" spcCol="1270" anchor="ctr" anchorCtr="0">
+        <a:bodyPr spcFirstLastPara="0" vert="horz" wrap="square" lIns="20320" tIns="20320" rIns="20320" bIns="20320" numCol="1" spcCol="1270" anchor="ctr" anchorCtr="0">
           <a:noAutofit/>
         </a:bodyPr>
         <a:lstStyle/>
         <a:p>
-          <a:pPr marL="0" lvl="0" indent="0" algn="ctr" defTabSz="1466850">
+          <a:pPr lvl="0" algn="ctr" defTabSz="1422400">
             <a:lnSpc>
               <a:spcPct val="90000"/>
             </a:lnSpc>
@@ -13388,10 +14104,9 @@
             <a:spcAft>
               <a:spcPct val="35000"/>
             </a:spcAft>
-            <a:buNone/>
           </a:pPr>
           <a:r>
-            <a:rPr lang="en-US" sz="3300" b="1" kern="1200" dirty="0"/>
+            <a:rPr lang="en-US" sz="3200" b="1" kern="1200" dirty="0"/>
             <a:t>Node</a:t>
           </a:r>
         </a:p>
@@ -13451,12 +14166,12 @@
         </a:fontRef>
       </dsp:style>
       <dsp:txBody>
-        <a:bodyPr spcFirstLastPara="0" vert="horz" wrap="square" lIns="20955" tIns="20955" rIns="20955" bIns="20955" numCol="1" spcCol="1270" anchor="ctr" anchorCtr="0">
+        <a:bodyPr spcFirstLastPara="0" vert="horz" wrap="square" lIns="20320" tIns="20320" rIns="20320" bIns="20320" numCol="1" spcCol="1270" anchor="ctr" anchorCtr="0">
           <a:noAutofit/>
         </a:bodyPr>
         <a:lstStyle/>
         <a:p>
-          <a:pPr marL="0" lvl="0" indent="0" algn="ctr" defTabSz="1466850">
+          <a:pPr lvl="0" algn="ctr" defTabSz="1422400">
             <a:lnSpc>
               <a:spcPct val="90000"/>
             </a:lnSpc>
@@ -13466,10 +14181,9 @@
             <a:spcAft>
               <a:spcPct val="35000"/>
             </a:spcAft>
-            <a:buNone/>
           </a:pPr>
           <a:r>
-            <a:rPr lang="en-US" sz="3300" b="1" kern="1200" dirty="0"/>
+            <a:rPr lang="en-US" sz="3200" b="1" kern="1200" dirty="0"/>
             <a:t>Node</a:t>
           </a:r>
         </a:p>
@@ -13529,12 +14243,12 @@
         </a:fontRef>
       </dsp:style>
       <dsp:txBody>
-        <a:bodyPr spcFirstLastPara="0" vert="horz" wrap="square" lIns="20955" tIns="20955" rIns="20955" bIns="20955" numCol="1" spcCol="1270" anchor="ctr" anchorCtr="0">
+        <a:bodyPr spcFirstLastPara="0" vert="horz" wrap="square" lIns="20320" tIns="20320" rIns="20320" bIns="20320" numCol="1" spcCol="1270" anchor="ctr" anchorCtr="0">
           <a:noAutofit/>
         </a:bodyPr>
         <a:lstStyle/>
         <a:p>
-          <a:pPr marL="0" lvl="0" indent="0" algn="ctr" defTabSz="1466850">
+          <a:pPr lvl="0" algn="ctr" defTabSz="1422400">
             <a:lnSpc>
               <a:spcPct val="90000"/>
             </a:lnSpc>
@@ -13544,18 +14258,17 @@
             <a:spcAft>
               <a:spcPct val="35000"/>
             </a:spcAft>
-            <a:buNone/>
           </a:pPr>
           <a:r>
-            <a:rPr lang="en-US" sz="3300" b="1" kern="1200" dirty="0"/>
+            <a:rPr lang="en-US" sz="3200" b="1" kern="1200" dirty="0"/>
             <a:t>[</a:t>
           </a:r>
           <a:r>
-            <a:rPr lang="en-US" sz="3300" b="1" kern="1200" dirty="0" err="1"/>
+            <a:rPr lang="en-US" sz="3200" b="1" kern="1200" dirty="0" err="1"/>
             <a:t>Node,Node</a:t>
           </a:r>
           <a:r>
-            <a:rPr lang="en-US" sz="3300" b="1" kern="1200" dirty="0"/>
+            <a:rPr lang="en-US" sz="3200" b="1" kern="1200" dirty="0"/>
             <a:t>]</a:t>
           </a:r>
         </a:p>
@@ -13615,12 +14328,12 @@
         </a:fontRef>
       </dsp:style>
       <dsp:txBody>
-        <a:bodyPr spcFirstLastPara="0" vert="horz" wrap="square" lIns="20955" tIns="20955" rIns="20955" bIns="20955" numCol="1" spcCol="1270" anchor="ctr" anchorCtr="0">
+        <a:bodyPr spcFirstLastPara="0" vert="horz" wrap="square" lIns="20320" tIns="20320" rIns="20320" bIns="20320" numCol="1" spcCol="1270" anchor="ctr" anchorCtr="0">
           <a:noAutofit/>
         </a:bodyPr>
         <a:lstStyle/>
         <a:p>
-          <a:pPr marL="0" lvl="0" indent="0" algn="ctr" defTabSz="1466850">
+          <a:pPr lvl="0" algn="ctr" defTabSz="1422400">
             <a:lnSpc>
               <a:spcPct val="90000"/>
             </a:lnSpc>
@@ -13630,10 +14343,9 @@
             <a:spcAft>
               <a:spcPct val="35000"/>
             </a:spcAft>
-            <a:buNone/>
           </a:pPr>
           <a:r>
-            <a:rPr lang="en-US" sz="3300" b="1" kern="1200" dirty="0"/>
+            <a:rPr lang="en-US" sz="3200" b="1" kern="1200" dirty="0"/>
             <a:t>Node</a:t>
           </a:r>
         </a:p>
@@ -13885,12 +14597,12 @@
         </a:fontRef>
       </dsp:style>
       <dsp:txBody>
-        <a:bodyPr spcFirstLastPara="0" vert="horz" wrap="square" lIns="21590" tIns="21590" rIns="21590" bIns="21590" numCol="1" spcCol="1270" anchor="ctr" anchorCtr="0">
+        <a:bodyPr spcFirstLastPara="0" vert="horz" wrap="square" lIns="20955" tIns="20955" rIns="20955" bIns="20955" numCol="1" spcCol="1270" anchor="ctr" anchorCtr="0">
           <a:noAutofit/>
         </a:bodyPr>
         <a:lstStyle/>
         <a:p>
-          <a:pPr marL="0" lvl="0" indent="0" algn="ctr" defTabSz="1511300">
+          <a:pPr lvl="0" algn="ctr" defTabSz="1466850">
             <a:lnSpc>
               <a:spcPct val="90000"/>
             </a:lnSpc>
@@ -13900,10 +14612,9 @@
             <a:spcAft>
               <a:spcPct val="35000"/>
             </a:spcAft>
-            <a:buNone/>
           </a:pPr>
           <a:r>
-            <a:rPr lang="en-US" sz="3400" b="1" kern="1200" dirty="0"/>
+            <a:rPr lang="en-US" sz="3300" b="1" kern="1200" dirty="0"/>
             <a:t>Node</a:t>
           </a:r>
         </a:p>
@@ -13963,12 +14674,12 @@
         </a:fontRef>
       </dsp:style>
       <dsp:txBody>
-        <a:bodyPr spcFirstLastPara="0" vert="horz" wrap="square" lIns="21590" tIns="21590" rIns="21590" bIns="21590" numCol="1" spcCol="1270" anchor="ctr" anchorCtr="0">
+        <a:bodyPr spcFirstLastPara="0" vert="horz" wrap="square" lIns="20955" tIns="20955" rIns="20955" bIns="20955" numCol="1" spcCol="1270" anchor="ctr" anchorCtr="0">
           <a:noAutofit/>
         </a:bodyPr>
         <a:lstStyle/>
         <a:p>
-          <a:pPr marL="0" lvl="0" indent="0" algn="ctr" defTabSz="1511300">
+          <a:pPr lvl="0" algn="ctr" defTabSz="1466850">
             <a:lnSpc>
               <a:spcPct val="90000"/>
             </a:lnSpc>
@@ -13978,10 +14689,9 @@
             <a:spcAft>
               <a:spcPct val="35000"/>
             </a:spcAft>
-            <a:buNone/>
           </a:pPr>
           <a:r>
-            <a:rPr lang="en-US" sz="3400" b="1" kern="1200" dirty="0"/>
+            <a:rPr lang="en-US" sz="3300" b="1" kern="1200" dirty="0"/>
             <a:t>Node</a:t>
           </a:r>
         </a:p>
@@ -14041,12 +14751,12 @@
         </a:fontRef>
       </dsp:style>
       <dsp:txBody>
-        <a:bodyPr spcFirstLastPara="0" vert="horz" wrap="square" lIns="21590" tIns="21590" rIns="21590" bIns="21590" numCol="1" spcCol="1270" anchor="ctr" anchorCtr="0">
+        <a:bodyPr spcFirstLastPara="0" vert="horz" wrap="square" lIns="20955" tIns="20955" rIns="20955" bIns="20955" numCol="1" spcCol="1270" anchor="ctr" anchorCtr="0">
           <a:noAutofit/>
         </a:bodyPr>
         <a:lstStyle/>
         <a:p>
-          <a:pPr marL="0" lvl="0" indent="0" algn="ctr" defTabSz="1511300">
+          <a:pPr lvl="0" algn="ctr" defTabSz="1466850">
             <a:lnSpc>
               <a:spcPct val="90000"/>
             </a:lnSpc>
@@ -14056,14 +14766,13 @@
             <a:spcAft>
               <a:spcPct val="35000"/>
             </a:spcAft>
-            <a:buNone/>
           </a:pPr>
           <a:r>
-            <a:rPr lang="en-US" sz="3400" kern="1200" dirty="0"/>
+            <a:rPr lang="en-US" sz="3300" kern="1200" dirty="0"/>
             <a:t>[</a:t>
           </a:r>
           <a:r>
-            <a:rPr lang="en-US" sz="3400" kern="1200" dirty="0" err="1">
+            <a:rPr lang="en-US" sz="3300" kern="1200" dirty="0" err="1">
               <a:solidFill>
                 <a:schemeClr val="accent1"/>
               </a:solidFill>
@@ -14071,7 +14780,7 @@
             <a:t>Node,Node</a:t>
           </a:r>
           <a:r>
-            <a:rPr lang="en-US" sz="3400" kern="1200" dirty="0"/>
+            <a:rPr lang="en-US" sz="3300" kern="1200" dirty="0"/>
             <a:t>]</a:t>
           </a:r>
         </a:p>
@@ -14131,12 +14840,12 @@
         </a:fontRef>
       </dsp:style>
       <dsp:txBody>
-        <a:bodyPr spcFirstLastPara="0" vert="horz" wrap="square" lIns="21590" tIns="21590" rIns="21590" bIns="21590" numCol="1" spcCol="1270" anchor="ctr" anchorCtr="0">
+        <a:bodyPr spcFirstLastPara="0" vert="horz" wrap="square" lIns="20955" tIns="20955" rIns="20955" bIns="20955" numCol="1" spcCol="1270" anchor="ctr" anchorCtr="0">
           <a:noAutofit/>
         </a:bodyPr>
         <a:lstStyle/>
         <a:p>
-          <a:pPr marL="0" lvl="0" indent="0" algn="ctr" defTabSz="1511300">
+          <a:pPr lvl="0" algn="ctr" defTabSz="1466850">
             <a:lnSpc>
               <a:spcPct val="90000"/>
             </a:lnSpc>
@@ -14146,10 +14855,9 @@
             <a:spcAft>
               <a:spcPct val="35000"/>
             </a:spcAft>
-            <a:buNone/>
           </a:pPr>
           <a:r>
-            <a:rPr lang="en-US" sz="3400" b="1" kern="1200" dirty="0"/>
+            <a:rPr lang="en-US" sz="3300" b="1" kern="1200" dirty="0"/>
             <a:t>Node</a:t>
           </a:r>
         </a:p>
@@ -14461,7 +15169,7 @@
         </a:bodyPr>
         <a:lstStyle/>
         <a:p>
-          <a:pPr marL="0" lvl="0" indent="0" algn="ctr" defTabSz="1866900">
+          <a:pPr lvl="0" algn="ctr" defTabSz="1866900">
             <a:lnSpc>
               <a:spcPct val="90000"/>
             </a:lnSpc>
@@ -14471,7 +15179,6 @@
             <a:spcAft>
               <a:spcPct val="35000"/>
             </a:spcAft>
-            <a:buNone/>
           </a:pPr>
           <a:r>
             <a:rPr lang="en-US" sz="4200" kern="1200" dirty="0"/>
@@ -14539,7 +15246,7 @@
         </a:bodyPr>
         <a:lstStyle/>
         <a:p>
-          <a:pPr marL="0" lvl="0" indent="0" algn="ctr" defTabSz="1866900">
+          <a:pPr lvl="0" algn="ctr" defTabSz="1866900">
             <a:lnSpc>
               <a:spcPct val="90000"/>
             </a:lnSpc>
@@ -14549,7 +15256,6 @@
             <a:spcAft>
               <a:spcPct val="35000"/>
             </a:spcAft>
-            <a:buNone/>
           </a:pPr>
           <a:r>
             <a:rPr lang="en-US" sz="4200" kern="1200" dirty="0"/>
@@ -14617,7 +15323,7 @@
         </a:bodyPr>
         <a:lstStyle/>
         <a:p>
-          <a:pPr marL="0" lvl="0" indent="0" algn="ctr" defTabSz="1866900">
+          <a:pPr lvl="0" algn="ctr" defTabSz="1866900">
             <a:lnSpc>
               <a:spcPct val="90000"/>
             </a:lnSpc>
@@ -14627,7 +15333,6 @@
             <a:spcAft>
               <a:spcPct val="35000"/>
             </a:spcAft>
-            <a:buNone/>
           </a:pPr>
           <a:r>
             <a:rPr lang="en-US" sz="4200" kern="1200" dirty="0"/>
@@ -14695,7 +15400,7 @@
         </a:bodyPr>
         <a:lstStyle/>
         <a:p>
-          <a:pPr marL="0" lvl="0" indent="0" algn="ctr" defTabSz="1866900">
+          <a:pPr lvl="0" algn="ctr" defTabSz="1866900">
             <a:lnSpc>
               <a:spcPct val="90000"/>
             </a:lnSpc>
@@ -14705,7 +15410,6 @@
             <a:spcAft>
               <a:spcPct val="35000"/>
             </a:spcAft>
-            <a:buNone/>
           </a:pPr>
           <a:r>
             <a:rPr lang="en-US" sz="4200" kern="1200" dirty="0"/>
@@ -14773,7 +15477,7 @@
         </a:bodyPr>
         <a:lstStyle/>
         <a:p>
-          <a:pPr marL="0" lvl="0" indent="0" algn="ctr" defTabSz="1866900">
+          <a:pPr lvl="0" algn="ctr" defTabSz="1866900">
             <a:lnSpc>
               <a:spcPct val="90000"/>
             </a:lnSpc>
@@ -14783,7 +15487,6 @@
             <a:spcAft>
               <a:spcPct val="35000"/>
             </a:spcAft>
-            <a:buNone/>
           </a:pPr>
           <a:r>
             <a:rPr lang="en-US" sz="4200" kern="1200" dirty="0">
@@ -15044,7 +15747,7 @@
         </a:bodyPr>
         <a:lstStyle/>
         <a:p>
-          <a:pPr marL="0" lvl="0" indent="0" algn="ctr" defTabSz="1555750">
+          <a:pPr lvl="0" algn="ctr" defTabSz="1555750">
             <a:lnSpc>
               <a:spcPct val="90000"/>
             </a:lnSpc>
@@ -15054,7 +15757,6 @@
             <a:spcAft>
               <a:spcPct val="35000"/>
             </a:spcAft>
-            <a:buNone/>
           </a:pPr>
           <a:r>
             <a:rPr lang="en-US" sz="3500" kern="1200" dirty="0"/>
@@ -15122,7 +15824,7 @@
         </a:bodyPr>
         <a:lstStyle/>
         <a:p>
-          <a:pPr marL="0" lvl="0" indent="0" algn="ctr" defTabSz="1555750">
+          <a:pPr lvl="0" algn="ctr" defTabSz="1555750">
             <a:lnSpc>
               <a:spcPct val="90000"/>
             </a:lnSpc>
@@ -15132,7 +15834,6 @@
             <a:spcAft>
               <a:spcPct val="35000"/>
             </a:spcAft>
-            <a:buNone/>
           </a:pPr>
           <a:r>
             <a:rPr lang="en-US" sz="3500" kern="1200" dirty="0"/>
@@ -15200,7 +15901,7 @@
         </a:bodyPr>
         <a:lstStyle/>
         <a:p>
-          <a:pPr marL="0" lvl="0" indent="0" algn="ctr" defTabSz="1555750">
+          <a:pPr lvl="0" algn="ctr" defTabSz="1555750">
             <a:lnSpc>
               <a:spcPct val="90000"/>
             </a:lnSpc>
@@ -15210,7 +15911,6 @@
             <a:spcAft>
               <a:spcPct val="35000"/>
             </a:spcAft>
-            <a:buNone/>
           </a:pPr>
           <a:r>
             <a:rPr lang="en-US" sz="3500" kern="1200" dirty="0"/>
@@ -15278,7 +15978,7 @@
         </a:bodyPr>
         <a:lstStyle/>
         <a:p>
-          <a:pPr marL="0" lvl="0" indent="0" algn="ctr" defTabSz="1555750">
+          <a:pPr lvl="0" algn="ctr" defTabSz="1555750">
             <a:lnSpc>
               <a:spcPct val="90000"/>
             </a:lnSpc>
@@ -15288,7 +15988,6 @@
             <a:spcAft>
               <a:spcPct val="35000"/>
             </a:spcAft>
-            <a:buNone/>
           </a:pPr>
           <a:r>
             <a:rPr lang="en-US" sz="3500" kern="1200" dirty="0"/>
@@ -15570,7 +16269,7 @@
   </dgm:layoutNode>
   <dgm:extLst>
     <a:ext uri="{4F341089-5ED1-44EC-B178-C955D00A3D55}">
-      <dgm1611:autoBuNodeInfoLst xmlns:dgm1611="http://schemas.microsoft.com/office/drawing/2016/11/diagram" xmlns="">
+      <dgm1611:autoBuNodeInfoLst xmlns="" xmlns:dgm1611="http://schemas.microsoft.com/office/drawing/2016/11/diagram">
         <dgm1611:autoBuNodeInfo lvl="1" ptType="sibTrans">
           <dgm1611:buPr prefix="" leadZeros="0">
             <a:buAutoNum type="arabicParenBoth"/>
@@ -30075,7 +30774,7 @@
           <a:p>
             <a:fld id="{56A18366-A052-44AE-8A83-03448C514A16}" type="datetimeFigureOut">
               <a:rPr lang="en-US" smtClean="0"/>
-              <a:t>6/20/2017</a:t>
+              <a:t>6/22/2017</a:t>
             </a:fld>
             <a:endParaRPr lang="en-US"/>
           </a:p>
@@ -31924,7 +32623,7 @@
           <a:p>
             <a:fld id="{A5EF53D7-1ACF-4A2A-9E6D-232E03173C8B}" type="datetimeFigureOut">
               <a:rPr lang="en-US" smtClean="0"/>
-              <a:t>6/20/2017</a:t>
+              <a:t>6/22/2017</a:t>
             </a:fld>
             <a:endParaRPr lang="en-US"/>
           </a:p>
@@ -32103,7 +32802,7 @@
           <a:p>
             <a:fld id="{A5EF53D7-1ACF-4A2A-9E6D-232E03173C8B}" type="datetimeFigureOut">
               <a:rPr lang="en-US" smtClean="0"/>
-              <a:t>6/20/2017</a:t>
+              <a:t>6/22/2017</a:t>
             </a:fld>
             <a:endParaRPr lang="en-US"/>
           </a:p>
@@ -32283,7 +32982,7 @@
           <a:p>
             <a:fld id="{A5EF53D7-1ACF-4A2A-9E6D-232E03173C8B}" type="datetimeFigureOut">
               <a:rPr lang="en-US" smtClean="0"/>
-              <a:t>6/20/2017</a:t>
+              <a:t>6/22/2017</a:t>
             </a:fld>
             <a:endParaRPr lang="en-US"/>
           </a:p>
@@ -32453,7 +33152,7 @@
           <a:p>
             <a:fld id="{A5EF53D7-1ACF-4A2A-9E6D-232E03173C8B}" type="datetimeFigureOut">
               <a:rPr lang="en-US" smtClean="0"/>
-              <a:t>6/20/2017</a:t>
+              <a:t>6/22/2017</a:t>
             </a:fld>
             <a:endParaRPr lang="en-US"/>
           </a:p>
@@ -32766,7 +33465,7 @@
           <a:p>
             <a:fld id="{A5EF53D7-1ACF-4A2A-9E6D-232E03173C8B}" type="datetimeFigureOut">
               <a:rPr lang="en-US" smtClean="0"/>
-              <a:t>6/20/2017</a:t>
+              <a:t>6/22/2017</a:t>
             </a:fld>
             <a:endParaRPr lang="en-US"/>
           </a:p>
@@ -33152,7 +33851,7 @@
           <a:p>
             <a:fld id="{A5EF53D7-1ACF-4A2A-9E6D-232E03173C8B}" type="datetimeFigureOut">
               <a:rPr lang="en-US" smtClean="0"/>
-              <a:t>6/20/2017</a:t>
+              <a:t>6/22/2017</a:t>
             </a:fld>
             <a:endParaRPr lang="en-US"/>
           </a:p>
@@ -33586,7 +34285,7 @@
           <a:p>
             <a:fld id="{A5EF53D7-1ACF-4A2A-9E6D-232E03173C8B}" type="datetimeFigureOut">
               <a:rPr lang="en-US" smtClean="0"/>
-              <a:t>6/20/2017</a:t>
+              <a:t>6/22/2017</a:t>
             </a:fld>
             <a:endParaRPr lang="en-US"/>
           </a:p>
@@ -33704,7 +34403,7 @@
           <a:p>
             <a:fld id="{A5EF53D7-1ACF-4A2A-9E6D-232E03173C8B}" type="datetimeFigureOut">
               <a:rPr lang="en-US" smtClean="0"/>
-              <a:t>6/20/2017</a:t>
+              <a:t>6/22/2017</a:t>
             </a:fld>
             <a:endParaRPr lang="en-US"/>
           </a:p>
@@ -33799,7 +34498,7 @@
           <a:p>
             <a:fld id="{A5EF53D7-1ACF-4A2A-9E6D-232E03173C8B}" type="datetimeFigureOut">
               <a:rPr lang="en-US" smtClean="0"/>
-              <a:t>6/20/2017</a:t>
+              <a:t>6/22/2017</a:t>
             </a:fld>
             <a:endParaRPr lang="en-US"/>
           </a:p>
@@ -34149,7 +34848,7 @@
           <a:p>
             <a:fld id="{A5EF53D7-1ACF-4A2A-9E6D-232E03173C8B}" type="datetimeFigureOut">
               <a:rPr lang="en-US" smtClean="0"/>
-              <a:t>6/20/2017</a:t>
+              <a:t>6/22/2017</a:t>
             </a:fld>
             <a:endParaRPr lang="en-US"/>
           </a:p>
@@ -34574,7 +35273,7 @@
           <a:p>
             <a:fld id="{A5EF53D7-1ACF-4A2A-9E6D-232E03173C8B}" type="datetimeFigureOut">
               <a:rPr lang="en-US" smtClean="0"/>
-              <a:t>6/20/2017</a:t>
+              <a:t>6/22/2017</a:t>
             </a:fld>
             <a:endParaRPr lang="en-US"/>
           </a:p>
@@ -34855,7 +35554,7 @@
           <a:p>
             <a:fld id="{A5EF53D7-1ACF-4A2A-9E6D-232E03173C8B}" type="datetimeFigureOut">
               <a:rPr lang="en-US" smtClean="0"/>
-              <a:t>6/20/2017</a:t>
+              <a:t>6/22/2017</a:t>
             </a:fld>
             <a:endParaRPr lang="en-US"/>
           </a:p>
@@ -35536,6 +36235,10 @@
               </a:rPr>
               <a:t>Неочевидность №4:</a:t>
             </a:r>
+            <a:r>
+              <a:rPr lang="ru-RU" dirty="0"/>
+              <a:t/>
+            </a:r>
             <a:br>
               <a:rPr lang="ru-RU" dirty="0"/>
             </a:br>
@@ -35547,31 +36250,6 @@
           </a:p>
         </p:txBody>
       </p:sp>
-      <p:pic>
-        <p:nvPicPr>
-          <p:cNvPr id="6" name="Picture Placeholder 5"/>
-          <p:cNvPicPr>
-            <a:picLocks noGrp="1" noChangeAspect="1"/>
-          </p:cNvPicPr>
-          <p:nvPr>
-            <p:ph type="pic" idx="1"/>
-          </p:nvPr>
-        </p:nvPicPr>
-        <p:blipFill>
-          <a:blip r:embed="rId2">
-            <a:extLst>
-              <a:ext uri="{28A0092B-C50C-407E-A947-70E740481C1C}">
-                <a14:useLocalDpi xmlns:a14="http://schemas.microsoft.com/office/drawing/2010/main" val="0"/>
-              </a:ext>
-            </a:extLst>
-          </a:blip>
-          <a:srcRect l="4617" r="4617"/>
-          <a:stretch>
-            <a:fillRect/>
-          </a:stretch>
-        </p:blipFill>
-        <p:spPr/>
-      </p:pic>
       <p:sp>
         <p:nvSpPr>
           <p:cNvPr id="4" name="Subtitle 3"/>
@@ -35597,6 +36275,31 @@
           </a:p>
         </p:txBody>
       </p:sp>
+      <p:pic>
+        <p:nvPicPr>
+          <p:cNvPr id="8" name="Picture Placeholder 7"/>
+          <p:cNvPicPr>
+            <a:picLocks noGrp="1" noChangeAspect="1"/>
+          </p:cNvPicPr>
+          <p:nvPr>
+            <p:ph type="pic" idx="1"/>
+          </p:nvPr>
+        </p:nvPicPr>
+        <p:blipFill>
+          <a:blip r:embed="rId2">
+            <a:extLst>
+              <a:ext uri="{28A0092B-C50C-407E-A947-70E740481C1C}">
+                <a14:useLocalDpi xmlns:a14="http://schemas.microsoft.com/office/drawing/2010/main" val="0"/>
+              </a:ext>
+            </a:extLst>
+          </a:blip>
+          <a:srcRect l="15944" r="15944"/>
+          <a:stretch>
+            <a:fillRect/>
+          </a:stretch>
+        </p:blipFill>
+        <p:spPr/>
+      </p:pic>
     </p:spTree>
     <p:extLst>
       <p:ext uri="{BB962C8B-B14F-4D97-AF65-F5344CB8AC3E}">
@@ -35639,7 +36342,9 @@
         </p:nvSpPr>
         <p:spPr/>
         <p:txBody>
-          <a:bodyPr/>
+          <a:bodyPr>
+            <a:normAutofit fontScale="90000"/>
+          </a:bodyPr>
           <a:lstStyle/>
           <a:p>
             <a:r>
@@ -35649,6 +36354,10 @@
                 </a:solidFill>
               </a:rPr>
               <a:t>ШПАРГАЛКА №2:</a:t>
+            </a:r>
+            <a:r>
+              <a:rPr lang="ru-RU" dirty="0"/>
+              <a:t/>
             </a:r>
             <a:br>
               <a:rPr lang="ru-RU" dirty="0"/>
@@ -35667,7 +36376,7 @@
       </p:sp>
       <p:pic>
         <p:nvPicPr>
-          <p:cNvPr id="4" name="Content Placeholder 3"/>
+          <p:cNvPr id="5" name="Content Placeholder 4"/>
           <p:cNvPicPr>
             <a:picLocks noGrp="1" noChangeAspect="1"/>
           </p:cNvPicPr>
@@ -35676,7 +36385,7 @@
           </p:nvPr>
         </p:nvPicPr>
         <p:blipFill>
-          <a:blip r:embed="rId3">
+          <a:blip r:embed="rId3" cstate="hqprint">
             <a:extLst>
               <a:ext uri="{28A0092B-C50C-407E-A947-70E740481C1C}">
                 <a14:useLocalDpi xmlns:a14="http://schemas.microsoft.com/office/drawing/2010/main" val="0"/>
@@ -35689,8 +36398,8 @@
         </p:blipFill>
         <p:spPr>
           <a:xfrm>
-            <a:off x="3396834" y="2120900"/>
-            <a:ext cx="5404681" cy="4051300"/>
+            <a:off x="3990692" y="2120900"/>
+            <a:ext cx="4216966" cy="4051300"/>
           </a:xfrm>
         </p:spPr>
       </p:pic>
@@ -35825,7 +36534,12 @@
             <p:ph type="title"/>
           </p:nvPr>
         </p:nvSpPr>
-        <p:spPr/>
+        <p:spPr>
+          <a:xfrm>
+            <a:off x="1069848" y="484631"/>
+            <a:ext cx="6702552" cy="3260891"/>
+          </a:xfrm>
+        </p:spPr>
         <p:txBody>
           <a:bodyPr>
             <a:normAutofit fontScale="90000"/>
@@ -35839,6 +36553,10 @@
                 </a:solidFill>
               </a:rPr>
               <a:t>НЕОЧЕВИДНОСТЬ №5:</a:t>
+            </a:r>
+            <a:r>
+              <a:rPr lang="ru-RU" dirty="0"/>
+              <a:t/>
             </a:r>
             <a:br>
               <a:rPr lang="ru-RU" dirty="0"/>
@@ -35860,7 +36578,7 @@
       </p:sp>
       <p:pic>
         <p:nvPicPr>
-          <p:cNvPr id="4" name="Content Placeholder 3"/>
+          <p:cNvPr id="5" name="Content Placeholder 4"/>
           <p:cNvPicPr>
             <a:picLocks noGrp="1" noChangeAspect="1"/>
           </p:cNvPicPr>
@@ -35869,7 +36587,7 @@
           </p:nvPr>
         </p:nvPicPr>
         <p:blipFill>
-          <a:blip r:embed="rId2">
+          <a:blip r:embed="rId2" cstate="hqprint">
             <a:extLst>
               <a:ext uri="{28A0092B-C50C-407E-A947-70E740481C1C}">
                 <a14:useLocalDpi xmlns:a14="http://schemas.microsoft.com/office/drawing/2010/main" val="0"/>
@@ -35882,8 +36600,8 @@
         </p:blipFill>
         <p:spPr>
           <a:xfrm>
-            <a:off x="3396834" y="2798618"/>
-            <a:ext cx="5404681" cy="3373582"/>
+            <a:off x="6866792" y="2984900"/>
+            <a:ext cx="4261456" cy="3196092"/>
           </a:xfrm>
         </p:spPr>
       </p:pic>
@@ -35946,6 +36664,10 @@
                 </a:solidFill>
               </a:rPr>
               <a:t>ШПАРГАЛКА №3:</a:t>
+            </a:r>
+            <a:r>
+              <a:rPr lang="ru-RU" dirty="0"/>
+              <a:t/>
             </a:r>
             <a:br>
               <a:rPr lang="ru-RU" dirty="0"/>
@@ -36109,6 +36831,10 @@
               </a:rPr>
               <a:t>неочевидность №6:</a:t>
             </a:r>
+            <a:r>
+              <a:rPr lang="ru-RU" dirty="0"/>
+              <a:t/>
+            </a:r>
             <a:br>
               <a:rPr lang="ru-RU" dirty="0"/>
             </a:br>
@@ -36125,7 +36851,7 @@
       </p:sp>
       <p:pic>
         <p:nvPicPr>
-          <p:cNvPr id="4" name="Content Placeholder 3"/>
+          <p:cNvPr id="7" name="Content Placeholder 6"/>
           <p:cNvPicPr>
             <a:picLocks noGrp="1" noChangeAspect="1"/>
           </p:cNvPicPr>
@@ -36147,8 +36873,8 @@
         </p:blipFill>
         <p:spPr>
           <a:xfrm>
-            <a:off x="3396834" y="2120900"/>
-            <a:ext cx="5404681" cy="4051300"/>
+            <a:off x="2858008" y="2314331"/>
+            <a:ext cx="6482080" cy="4051300"/>
           </a:xfrm>
         </p:spPr>
       </p:pic>
@@ -36194,7 +36920,9 @@
         </p:nvSpPr>
         <p:spPr/>
         <p:txBody>
-          <a:bodyPr/>
+          <a:bodyPr>
+            <a:normAutofit fontScale="90000"/>
+          </a:bodyPr>
           <a:lstStyle/>
           <a:p>
             <a:r>
@@ -36204,6 +36932,10 @@
                 </a:solidFill>
               </a:rPr>
               <a:t>ШПАРГАЛКА №4:</a:t>
+            </a:r>
+            <a:r>
+              <a:rPr lang="ru-RU" dirty="0"/>
+              <a:t/>
             </a:r>
             <a:br>
               <a:rPr lang="ru-RU" dirty="0"/>
@@ -36377,7 +37109,7 @@
         </p:spPr>
         <p:txBody>
           <a:bodyPr>
-            <a:normAutofit/>
+            <a:normAutofit fontScale="90000"/>
           </a:bodyPr>
           <a:lstStyle/>
           <a:p>
@@ -36389,6 +37121,10 @@
               </a:rPr>
               <a:t>ШПАРГАЛКА №5:</a:t>
             </a:r>
+            <a:r>
+              <a:rPr lang="ru-RU" sz="4000" dirty="0"/>
+              <a:t/>
+            </a:r>
             <a:br>
               <a:rPr lang="ru-RU" sz="4000" dirty="0"/>
             </a:br>
@@ -36398,7 +37134,19 @@
             </a:r>
             <a:r>
               <a:rPr lang="ru-RU" sz="4000" dirty="0"/>
-              <a:t> – бог этого мира</a:t>
+              <a:t> – </a:t>
+            </a:r>
+            <a:r>
+              <a:rPr lang="ru-RU" sz="4000" dirty="0" smtClean="0"/>
+              <a:t>король</a:t>
+            </a:r>
+            <a:r>
+              <a:rPr lang="ru-RU" sz="4000" dirty="0" smtClean="0"/>
+              <a:t> </a:t>
+            </a:r>
+            <a:r>
+              <a:rPr lang="ru-RU" sz="4000" dirty="0"/>
+              <a:t>этого мира</a:t>
             </a:r>
             <a:endParaRPr lang="en-US" sz="4000" dirty="0"/>
           </a:p>
@@ -36406,7 +37154,7 @@
       </p:sp>
       <p:pic>
         <p:nvPicPr>
-          <p:cNvPr id="4" name="Content Placeholder 3"/>
+          <p:cNvPr id="5" name="Content Placeholder 4"/>
           <p:cNvPicPr>
             <a:picLocks noGrp="1" noChangeAspect="1"/>
           </p:cNvPicPr>
@@ -36428,8 +37176,8 @@
         </p:blipFill>
         <p:spPr>
           <a:xfrm>
-            <a:off x="3396834" y="2120900"/>
-            <a:ext cx="5404681" cy="4051300"/>
+            <a:off x="2268087" y="2093976"/>
+            <a:ext cx="6952230" cy="4051300"/>
           </a:xfrm>
         </p:spPr>
       </p:pic>
@@ -36485,6 +37233,10 @@
                 </a:solidFill>
               </a:rPr>
               <a:t>Шпаргалка №6:</a:t>
+            </a:r>
+            <a:r>
+              <a:rPr lang="ru-RU" dirty="0"/>
+              <a:t/>
             </a:r>
             <a:br>
               <a:rPr lang="ru-RU" dirty="0"/>
@@ -36657,9 +37409,16 @@
             <p:ph type="title"/>
           </p:nvPr>
         </p:nvSpPr>
-        <p:spPr/>
+        <p:spPr>
+          <a:xfrm>
+            <a:off x="1069848" y="484631"/>
+            <a:ext cx="10058400" cy="1898083"/>
+          </a:xfrm>
+        </p:spPr>
         <p:txBody>
-          <a:bodyPr/>
+          <a:bodyPr>
+            <a:normAutofit fontScale="90000"/>
+          </a:bodyPr>
           <a:lstStyle/>
           <a:p>
             <a:r>
@@ -36670,19 +37429,27 @@
               </a:rPr>
               <a:t>ШПАРГАЛКА №7:</a:t>
             </a:r>
+            <a:r>
+              <a:rPr lang="ru-RU" dirty="0"/>
+              <a:t/>
+            </a:r>
             <a:br>
               <a:rPr lang="ru-RU" dirty="0"/>
             </a:br>
             <a:r>
-              <a:rPr lang="en-US" dirty="0" err="1"/>
+              <a:rPr lang="en-US" dirty="0" err="1" smtClean="0"/>
               <a:t>InsertNodesBefore</a:t>
             </a:r>
             <a:r>
-              <a:rPr lang="en-US" dirty="0"/>
-              <a:t>/</a:t>
+              <a:rPr lang="ru-RU" dirty="0" smtClean="0"/>
+              <a:t> </a:t>
             </a:r>
             <a:r>
-              <a:rPr lang="en-US" dirty="0" err="1"/>
+              <a:rPr lang="ru-RU" dirty="0" smtClean="0"/>
+              <a:t>и </a:t>
+            </a:r>
+            <a:r>
+              <a:rPr lang="en-US" dirty="0" err="1" smtClean="0"/>
               <a:t>InsertNodesAfter</a:t>
             </a:r>
             <a:endParaRPr lang="en-US" dirty="0"/>
@@ -36691,7 +37458,7 @@
       </p:sp>
       <p:pic>
         <p:nvPicPr>
-          <p:cNvPr id="4" name="Content Placeholder 3"/>
+          <p:cNvPr id="7" name="Content Placeholder 6"/>
           <p:cNvPicPr>
             <a:picLocks noGrp="1" noChangeAspect="1"/>
           </p:cNvPicPr>
@@ -36700,7 +37467,7 @@
           </p:nvPr>
         </p:nvPicPr>
         <p:blipFill>
-          <a:blip r:embed="rId2">
+          <a:blip r:embed="rId2" cstate="print">
             <a:extLst>
               <a:ext uri="{28A0092B-C50C-407E-A947-70E740481C1C}">
                 <a14:useLocalDpi xmlns:a14="http://schemas.microsoft.com/office/drawing/2010/main" val="0"/>
@@ -36713,8 +37480,8 @@
         </p:blipFill>
         <p:spPr>
           <a:xfrm>
-            <a:off x="3396834" y="2120900"/>
-            <a:ext cx="5404681" cy="4051300"/>
+            <a:off x="1069848" y="2778645"/>
+            <a:ext cx="8570674" cy="3586986"/>
           </a:xfrm>
         </p:spPr>
       </p:pic>
@@ -37074,6 +37841,10 @@
               </a:rPr>
               <a:t>Неочевидность №7:</a:t>
             </a:r>
+            <a:r>
+              <a:rPr lang="ru-RU" dirty="0"/>
+              <a:t/>
+            </a:r>
             <a:br>
               <a:rPr lang="ru-RU" dirty="0"/>
             </a:br>
@@ -37108,7 +37879,7 @@
         </p:blipFill>
         <p:spPr>
           <a:xfrm>
-            <a:off x="2301081" y="2120900"/>
+            <a:off x="3532061" y="2481385"/>
             <a:ext cx="7596187" cy="4051300"/>
           </a:xfrm>
         </p:spPr>
@@ -37167,6 +37938,10 @@
                 </a:solidFill>
               </a:rPr>
               <a:t>НЕОЧЕВИДНОСТЬ №8:</a:t>
+            </a:r>
+            <a:r>
+              <a:rPr lang="en-US" dirty="0"/>
+              <a:t/>
             </a:r>
             <a:br>
               <a:rPr lang="en-US" dirty="0"/>
@@ -37351,8 +38126,8 @@
         </p:nvSpPr>
         <p:spPr>
           <a:xfrm>
-            <a:off x="1069848" y="484631"/>
-            <a:ext cx="10058400" cy="1879877"/>
+            <a:off x="1069848" y="484630"/>
+            <a:ext cx="6306898" cy="3340023"/>
           </a:xfrm>
         </p:spPr>
         <p:txBody>
@@ -37368,6 +38143,10 @@
                 </a:solidFill>
               </a:rPr>
               <a:t>ШПАРгалка №8:</a:t>
+            </a:r>
+            <a:r>
+              <a:rPr lang="ru-RU" dirty="0"/>
+              <a:t/>
             </a:r>
             <a:br>
               <a:rPr lang="ru-RU" dirty="0"/>
@@ -37385,7 +38164,14 @@
               <a:t> </a:t>
             </a:r>
             <a:r>
-              <a:rPr lang="ru-RU" dirty="0"/>
+              <a:rPr lang="ru-RU" dirty="0" smtClean="0"/>
+              <a:t/>
+            </a:r>
+            <a:br>
+              <a:rPr lang="ru-RU" dirty="0" smtClean="0"/>
+            </a:br>
+            <a:r>
+              <a:rPr lang="ru-RU" dirty="0" smtClean="0"/>
               <a:t>много</a:t>
             </a:r>
             <a:endParaRPr lang="en-US" dirty="0"/>
@@ -37394,7 +38180,7 @@
       </p:sp>
       <p:pic>
         <p:nvPicPr>
-          <p:cNvPr id="4" name="Content Placeholder 3"/>
+          <p:cNvPr id="5" name="Content Placeholder 4"/>
           <p:cNvPicPr>
             <a:picLocks noGrp="1" noChangeAspect="1"/>
           </p:cNvPicPr>
@@ -37403,7 +38189,7 @@
           </p:nvPr>
         </p:nvPicPr>
         <p:blipFill>
-          <a:blip r:embed="rId3">
+          <a:blip r:embed="rId3" cstate="print">
             <a:extLst>
               <a:ext uri="{28A0092B-C50C-407E-A947-70E740481C1C}">
                 <a14:useLocalDpi xmlns:a14="http://schemas.microsoft.com/office/drawing/2010/main" val="0"/>
@@ -37416,8 +38202,8 @@
         </p:blipFill>
         <p:spPr>
           <a:xfrm>
-            <a:off x="3396834" y="2863272"/>
-            <a:ext cx="5404681" cy="3308927"/>
+            <a:off x="3775590" y="2490177"/>
+            <a:ext cx="7202311" cy="4051300"/>
           </a:xfrm>
         </p:spPr>
       </p:pic>
@@ -37463,7 +38249,9 @@
         </p:nvSpPr>
         <p:spPr/>
         <p:txBody>
-          <a:bodyPr/>
+          <a:bodyPr>
+            <a:normAutofit fontScale="90000"/>
+          </a:bodyPr>
           <a:lstStyle/>
           <a:p>
             <a:r>
@@ -37473,6 +38261,10 @@
                 </a:solidFill>
               </a:rPr>
               <a:t>Шпаргалка №9:</a:t>
+            </a:r>
+            <a:r>
+              <a:rPr lang="ru-RU" dirty="0"/>
+              <a:t/>
             </a:r>
             <a:br>
               <a:rPr lang="ru-RU" dirty="0"/>
@@ -37652,6 +38444,10 @@
                 </a:solidFill>
               </a:rPr>
               <a:t>ШПАРГАЛКА №10:</a:t>
+            </a:r>
+            <a:r>
+              <a:rPr lang="ru-RU" dirty="0"/>
+              <a:t/>
             </a:r>
             <a:br>
               <a:rPr lang="ru-RU" dirty="0"/>
@@ -38433,17 +39229,14 @@
           <a:lstStyle/>
           <a:p>
             <a:r>
-              <a:rPr lang="ru-RU" dirty="0"/>
-              <a:t>Зачем нам изучать </a:t>
+              <a:rPr lang="ru-RU" dirty="0" smtClean="0"/>
+              <a:t>Зачем писать анализаторы</a:t>
             </a:r>
             <a:r>
-              <a:rPr lang="en-US" dirty="0" err="1"/>
-              <a:t>Microsoft.CodeAnalysis</a:t>
-            </a:r>
-            <a:r>
-              <a:rPr lang="en-US" dirty="0"/>
+              <a:rPr lang="en-US" dirty="0" smtClean="0"/>
               <a:t>?</a:t>
             </a:r>
+            <a:endParaRPr lang="en-US" dirty="0"/>
           </a:p>
         </p:txBody>
       </p:sp>
@@ -38459,7 +39252,7 @@
         </p:nvSpPr>
         <p:spPr>
           <a:xfrm>
-            <a:off x="1069848" y="2121408"/>
+            <a:off x="3810000" y="2093976"/>
             <a:ext cx="7104334" cy="4050792"/>
           </a:xfrm>
         </p:spPr>
@@ -38537,7 +39330,7 @@
       </p:sp>
       <p:pic>
         <p:nvPicPr>
-          <p:cNvPr id="4" name="Picture 3"/>
+          <p:cNvPr id="5" name="Picture 4"/>
           <p:cNvPicPr>
             <a:picLocks noChangeAspect="1"/>
           </p:cNvPicPr>
@@ -38557,8 +39350,8 @@
         </p:blipFill>
         <p:spPr>
           <a:xfrm>
-            <a:off x="9144186" y="1607128"/>
-            <a:ext cx="2567956" cy="1924916"/>
+            <a:off x="0" y="3048000"/>
+            <a:ext cx="3810000" cy="3810000"/>
           </a:xfrm>
           <a:prstGeom prst="rect">
             <a:avLst/>
@@ -39259,7 +40052,7 @@
         <p:spPr/>
         <p:txBody>
           <a:bodyPr vert="horz" lIns="91440" tIns="45720" rIns="91440" bIns="45720" rtlCol="0" anchor="b">
-            <a:normAutofit/>
+            <a:normAutofit fontScale="90000"/>
           </a:bodyPr>
           <a:lstStyle/>
           <a:p>
@@ -39736,6 +40529,10 @@
               </a:rPr>
               <a:t>ШПАРГАЛКА №1:</a:t>
             </a:r>
+            <a:r>
+              <a:rPr lang="ru-RU" sz="3600" dirty="0"/>
+              <a:t/>
+            </a:r>
             <a:br>
               <a:rPr lang="ru-RU" sz="3600" dirty="0"/>
             </a:br>
@@ -39954,6 +40751,10 @@
               </a:rPr>
               <a:t>Неочевидность №1:</a:t>
             </a:r>
+            <a:r>
+              <a:rPr lang="ru-RU" dirty="0"/>
+              <a:t/>
+            </a:r>
             <a:br>
               <a:rPr lang="ru-RU" dirty="0"/>
             </a:br>
@@ -40084,7 +40885,7 @@
       </p:sp>
       <p:pic>
         <p:nvPicPr>
-          <p:cNvPr id="12" name="Picture 11"/>
+          <p:cNvPr id="3" name="Picture 2"/>
           <p:cNvPicPr>
             <a:picLocks noChangeAspect="1"/>
           </p:cNvPicPr>
@@ -40104,8 +40905,8 @@
         </p:blipFill>
         <p:spPr>
           <a:xfrm>
-            <a:off x="4583791" y="4401417"/>
-            <a:ext cx="2475778" cy="1855820"/>
+            <a:off x="2672437" y="3752193"/>
+            <a:ext cx="6844079" cy="2854402"/>
           </a:xfrm>
           <a:prstGeom prst="rect">
             <a:avLst/>
@@ -40166,6 +40967,10 @@
                 </a:solidFill>
               </a:rPr>
               <a:t>НЕОЧЕВИДНОСТЬ №2:</a:t>
+            </a:r>
+            <a:r>
+              <a:rPr lang="ru-RU" dirty="0"/>
+              <a:t/>
             </a:r>
             <a:br>
               <a:rPr lang="ru-RU" dirty="0"/>
@@ -40343,6 +41148,10 @@
                 </a:solidFill>
               </a:rPr>
               <a:t>Неочевидность №3:</a:t>
+            </a:r>
+            <a:r>
+              <a:rPr lang="ru-RU" dirty="0"/>
+              <a:t/>
             </a:r>
             <a:br>
               <a:rPr lang="ru-RU" dirty="0"/>

--- a/P.pptx
+++ b/P.pptx
@@ -19,19 +19,19 @@
     <p:sldId id="264" r:id="rId10"/>
     <p:sldId id="281" r:id="rId11"/>
     <p:sldId id="266" r:id="rId12"/>
-    <p:sldId id="282" r:id="rId13"/>
-    <p:sldId id="268" r:id="rId14"/>
-    <p:sldId id="269" r:id="rId15"/>
-    <p:sldId id="270" r:id="rId16"/>
-    <p:sldId id="271" r:id="rId17"/>
-    <p:sldId id="283" r:id="rId18"/>
-    <p:sldId id="274" r:id="rId19"/>
-    <p:sldId id="272" r:id="rId20"/>
-    <p:sldId id="265" r:id="rId21"/>
-    <p:sldId id="273" r:id="rId22"/>
-    <p:sldId id="276" r:id="rId23"/>
-    <p:sldId id="267" r:id="rId24"/>
-    <p:sldId id="277" r:id="rId25"/>
+    <p:sldId id="267" r:id="rId13"/>
+    <p:sldId id="282" r:id="rId14"/>
+    <p:sldId id="268" r:id="rId15"/>
+    <p:sldId id="269" r:id="rId16"/>
+    <p:sldId id="270" r:id="rId17"/>
+    <p:sldId id="271" r:id="rId18"/>
+    <p:sldId id="283" r:id="rId19"/>
+    <p:sldId id="274" r:id="rId20"/>
+    <p:sldId id="277" r:id="rId21"/>
+    <p:sldId id="272" r:id="rId22"/>
+    <p:sldId id="265" r:id="rId23"/>
+    <p:sldId id="273" r:id="rId24"/>
+    <p:sldId id="276" r:id="rId25"/>
     <p:sldId id="284" r:id="rId26"/>
     <p:sldId id="278" r:id="rId27"/>
   </p:sldIdLst>
@@ -152,6 +152,7 @@
             <p14:sldId id="264"/>
             <p14:sldId id="281"/>
             <p14:sldId id="266"/>
+            <p14:sldId id="267"/>
             <p14:sldId id="282"/>
             <p14:sldId id="268"/>
             <p14:sldId id="269"/>
@@ -159,12 +160,11 @@
             <p14:sldId id="271"/>
             <p14:sldId id="283"/>
             <p14:sldId id="274"/>
+            <p14:sldId id="277"/>
             <p14:sldId id="272"/>
             <p14:sldId id="265"/>
             <p14:sldId id="273"/>
             <p14:sldId id="276"/>
-            <p14:sldId id="267"/>
-            <p14:sldId id="277"/>
           </p14:sldIdLst>
         </p14:section>
         <p14:section name="Заключение" id="{98A7D6C0-C815-410A-9A88-732BF76BDC60}">
@@ -6736,13 +6736,6 @@
         </dgm:presLayoutVars>
       </dgm:prSet>
       <dgm:spPr/>
-      <dgm:t>
-        <a:bodyPr/>
-        <a:lstStyle/>
-        <a:p>
-          <a:endParaRPr lang="en-US"/>
-        </a:p>
-      </dgm:t>
     </dgm:pt>
     <dgm:pt modelId="{BE83DB6E-018E-425C-A7C4-2646E15AC60C}" type="pres">
       <dgm:prSet presAssocID="{5F339ECB-A28D-4485-972D-012D6096F6BE}" presName="compositeNode" presStyleCnt="0">
@@ -6755,13 +6748,6 @@
     <dgm:pt modelId="{1FDF116F-3E29-4238-8712-2FEF338D9668}" type="pres">
       <dgm:prSet presAssocID="{5F339ECB-A28D-4485-972D-012D6096F6BE}" presName="bgRect" presStyleLbl="bgAccFollowNode1" presStyleIdx="0" presStyleCnt="3"/>
       <dgm:spPr/>
-      <dgm:t>
-        <a:bodyPr/>
-        <a:lstStyle/>
-        <a:p>
-          <a:endParaRPr lang="en-US"/>
-        </a:p>
-      </dgm:t>
     </dgm:pt>
     <dgm:pt modelId="{C8A243DA-7176-4C9C-B13C-C49B9D999CBC}" type="pres">
       <dgm:prSet presAssocID="{B91705A0-DF57-44A8-8383-112528AD4749}" presName="sibTransNodeCircle" presStyleLbl="alignNode1" presStyleIdx="0" presStyleCnt="6">
@@ -6771,13 +6757,6 @@
         </dgm:presLayoutVars>
       </dgm:prSet>
       <dgm:spPr/>
-      <dgm:t>
-        <a:bodyPr/>
-        <a:lstStyle/>
-        <a:p>
-          <a:endParaRPr lang="en-US"/>
-        </a:p>
-      </dgm:t>
     </dgm:pt>
     <dgm:pt modelId="{69408238-D25C-4975-9BB2-D27F3197305C}" type="pres">
       <dgm:prSet presAssocID="{5F339ECB-A28D-4485-972D-012D6096F6BE}" presName="bottomLine" presStyleLbl="alignNode1" presStyleIdx="1" presStyleCnt="6">
@@ -6792,13 +6771,6 @@
         </dgm:presLayoutVars>
       </dgm:prSet>
       <dgm:spPr/>
-      <dgm:t>
-        <a:bodyPr/>
-        <a:lstStyle/>
-        <a:p>
-          <a:endParaRPr lang="en-US"/>
-        </a:p>
-      </dgm:t>
     </dgm:pt>
     <dgm:pt modelId="{BBCE2C01-599A-4812-AE9F-8514E85B313C}" type="pres">
       <dgm:prSet presAssocID="{B91705A0-DF57-44A8-8383-112528AD4749}" presName="sibTrans" presStyleCnt="0"/>
@@ -6815,13 +6787,6 @@
     <dgm:pt modelId="{4A077E0F-CD31-4114-BD60-CC0437AF6827}" type="pres">
       <dgm:prSet presAssocID="{0C6A49FF-420E-460A-9F69-B5744BB1A579}" presName="bgRect" presStyleLbl="bgAccFollowNode1" presStyleIdx="1" presStyleCnt="3"/>
       <dgm:spPr/>
-      <dgm:t>
-        <a:bodyPr/>
-        <a:lstStyle/>
-        <a:p>
-          <a:endParaRPr lang="en-US"/>
-        </a:p>
-      </dgm:t>
     </dgm:pt>
     <dgm:pt modelId="{EC3FB66E-F6A4-4D9F-BC28-6B6B4C56D8A1}" type="pres">
       <dgm:prSet presAssocID="{C04CA310-BE41-4783-A867-5839A6C048BB}" presName="sibTransNodeCircle" presStyleLbl="alignNode1" presStyleIdx="2" presStyleCnt="6">
@@ -6831,13 +6796,6 @@
         </dgm:presLayoutVars>
       </dgm:prSet>
       <dgm:spPr/>
-      <dgm:t>
-        <a:bodyPr/>
-        <a:lstStyle/>
-        <a:p>
-          <a:endParaRPr lang="en-US"/>
-        </a:p>
-      </dgm:t>
     </dgm:pt>
     <dgm:pt modelId="{D7B64B7D-96EE-4F02-A97A-EDB7DA066AF6}" type="pres">
       <dgm:prSet presAssocID="{0C6A49FF-420E-460A-9F69-B5744BB1A579}" presName="bottomLine" presStyleLbl="alignNode1" presStyleIdx="3" presStyleCnt="6">
@@ -6852,13 +6810,6 @@
         </dgm:presLayoutVars>
       </dgm:prSet>
       <dgm:spPr/>
-      <dgm:t>
-        <a:bodyPr/>
-        <a:lstStyle/>
-        <a:p>
-          <a:endParaRPr lang="en-US"/>
-        </a:p>
-      </dgm:t>
     </dgm:pt>
     <dgm:pt modelId="{5070CD1A-F294-4399-8659-1F607FB9BE61}" type="pres">
       <dgm:prSet presAssocID="{C04CA310-BE41-4783-A867-5839A6C048BB}" presName="sibTrans" presStyleCnt="0"/>
@@ -6875,13 +6826,6 @@
     <dgm:pt modelId="{1D271FC5-7E62-4951-91AC-9D950D21D4A6}" type="pres">
       <dgm:prSet presAssocID="{6F079F10-D8F0-4DDB-B93D-2B0F303C521A}" presName="bgRect" presStyleLbl="bgAccFollowNode1" presStyleIdx="2" presStyleCnt="3"/>
       <dgm:spPr/>
-      <dgm:t>
-        <a:bodyPr/>
-        <a:lstStyle/>
-        <a:p>
-          <a:endParaRPr lang="en-US"/>
-        </a:p>
-      </dgm:t>
     </dgm:pt>
     <dgm:pt modelId="{FD968A71-A0CE-44C0-AEB3-036CB072C54E}" type="pres">
       <dgm:prSet presAssocID="{BB400345-5542-4EE7-8045-A837ABBA4E45}" presName="sibTransNodeCircle" presStyleLbl="alignNode1" presStyleIdx="4" presStyleCnt="6">
@@ -6891,13 +6835,6 @@
         </dgm:presLayoutVars>
       </dgm:prSet>
       <dgm:spPr/>
-      <dgm:t>
-        <a:bodyPr/>
-        <a:lstStyle/>
-        <a:p>
-          <a:endParaRPr lang="en-US"/>
-        </a:p>
-      </dgm:t>
     </dgm:pt>
     <dgm:pt modelId="{4A6A5375-00A5-429B-85D8-02801088317F}" type="pres">
       <dgm:prSet presAssocID="{6F079F10-D8F0-4DDB-B93D-2B0F303C521A}" presName="bottomLine" presStyleLbl="alignNode1" presStyleIdx="5" presStyleCnt="6">
@@ -6912,29 +6849,22 @@
         </dgm:presLayoutVars>
       </dgm:prSet>
       <dgm:spPr/>
-      <dgm:t>
-        <a:bodyPr/>
-        <a:lstStyle/>
-        <a:p>
-          <a:endParaRPr lang="en-US"/>
-        </a:p>
-      </dgm:t>
     </dgm:pt>
   </dgm:ptLst>
   <dgm:cxnLst>
     <dgm:cxn modelId="{F585081B-DE49-43B0-9855-188F9E4ECE4F}" type="presOf" srcId="{0C6A49FF-420E-460A-9F69-B5744BB1A579}" destId="{4A077E0F-CD31-4114-BD60-CC0437AF6827}" srcOrd="0" destOrd="0" presId="urn:microsoft.com/office/officeart/2016/7/layout/BasicLinearProcessNumbered"/>
+    <dgm:cxn modelId="{26877622-CEA5-4AC7-AA61-5650DEF62C4A}" type="presOf" srcId="{BB400345-5542-4EE7-8045-A837ABBA4E45}" destId="{FD968A71-A0CE-44C0-AEB3-036CB072C54E}" srcOrd="0" destOrd="0" presId="urn:microsoft.com/office/officeart/2016/7/layout/BasicLinearProcessNumbered"/>
+    <dgm:cxn modelId="{75714E3D-C62E-4660-BDED-FA102AFEC4FA}" type="presOf" srcId="{C04CA310-BE41-4783-A867-5839A6C048BB}" destId="{EC3FB66E-F6A4-4D9F-BC28-6B6B4C56D8A1}" srcOrd="0" destOrd="0" presId="urn:microsoft.com/office/officeart/2016/7/layout/BasicLinearProcessNumbered"/>
+    <dgm:cxn modelId="{FE696E5F-8E39-4B67-B6C7-36C824DF4246}" type="presOf" srcId="{B526DCB3-1416-49A4-AE0C-03F42AB2B7A9}" destId="{46404BEE-81C8-4247-A2D8-4F3B08BA9962}" srcOrd="0" destOrd="0" presId="urn:microsoft.com/office/officeart/2016/7/layout/BasicLinearProcessNumbered"/>
+    <dgm:cxn modelId="{67B05744-8AAC-42AB-99E9-D1EFC836E7B3}" type="presOf" srcId="{6F079F10-D8F0-4DDB-B93D-2B0F303C521A}" destId="{1D271FC5-7E62-4951-91AC-9D950D21D4A6}" srcOrd="0" destOrd="0" presId="urn:microsoft.com/office/officeart/2016/7/layout/BasicLinearProcessNumbered"/>
+    <dgm:cxn modelId="{BA8ECD65-61F8-4C05-BDDF-734E4CBF4235}" srcId="{B526DCB3-1416-49A4-AE0C-03F42AB2B7A9}" destId="{5F339ECB-A28D-4485-972D-012D6096F6BE}" srcOrd="0" destOrd="0" parTransId="{4C4AE10A-E914-451F-B6F4-7D2D9ED34C50}" sibTransId="{B91705A0-DF57-44A8-8383-112528AD4749}"/>
+    <dgm:cxn modelId="{5483186B-F375-4447-8B92-165FDD589393}" type="presOf" srcId="{5F339ECB-A28D-4485-972D-012D6096F6BE}" destId="{0DF7034A-7846-449E-A3CE-FC9C7AA6CBDC}" srcOrd="1" destOrd="0" presId="urn:microsoft.com/office/officeart/2016/7/layout/BasicLinearProcessNumbered"/>
     <dgm:cxn modelId="{6056ED58-2E50-408B-8669-67A854B00BC7}" srcId="{B526DCB3-1416-49A4-AE0C-03F42AB2B7A9}" destId="{6F079F10-D8F0-4DDB-B93D-2B0F303C521A}" srcOrd="2" destOrd="0" parTransId="{CA2DB711-2CFE-48B8-A0AB-ED15D527442F}" sibTransId="{BB400345-5542-4EE7-8045-A837ABBA4E45}"/>
+    <dgm:cxn modelId="{BCF935A6-0F31-4311-8424-8DC5DE015D0E}" srcId="{B526DCB3-1416-49A4-AE0C-03F42AB2B7A9}" destId="{0C6A49FF-420E-460A-9F69-B5744BB1A579}" srcOrd="1" destOrd="0" parTransId="{2B0E24CE-A873-4A6B-97A2-DF0F5DCCD2C2}" sibTransId="{C04CA310-BE41-4783-A867-5839A6C048BB}"/>
     <dgm:cxn modelId="{A8B1FDCE-F645-4BBE-B4A6-9C6AAC4B2381}" type="presOf" srcId="{5F339ECB-A28D-4485-972D-012D6096F6BE}" destId="{1FDF116F-3E29-4238-8712-2FEF338D9668}" srcOrd="0" destOrd="0" presId="urn:microsoft.com/office/officeart/2016/7/layout/BasicLinearProcessNumbered"/>
-    <dgm:cxn modelId="{BA8ECD65-61F8-4C05-BDDF-734E4CBF4235}" srcId="{B526DCB3-1416-49A4-AE0C-03F42AB2B7A9}" destId="{5F339ECB-A28D-4485-972D-012D6096F6BE}" srcOrd="0" destOrd="0" parTransId="{4C4AE10A-E914-451F-B6F4-7D2D9ED34C50}" sibTransId="{B91705A0-DF57-44A8-8383-112528AD4749}"/>
+    <dgm:cxn modelId="{CD70E4E1-CE47-457E-8869-048134AEC81C}" type="presOf" srcId="{B91705A0-DF57-44A8-8383-112528AD4749}" destId="{C8A243DA-7176-4C9C-B13C-C49B9D999CBC}" srcOrd="0" destOrd="0" presId="urn:microsoft.com/office/officeart/2016/7/layout/BasicLinearProcessNumbered"/>
     <dgm:cxn modelId="{21EAC2FB-22DE-430D-B761-C94DC990D3B0}" type="presOf" srcId="{6F079F10-D8F0-4DDB-B93D-2B0F303C521A}" destId="{92B5D44F-34F1-447F-864E-2EA19A79A808}" srcOrd="1" destOrd="0" presId="urn:microsoft.com/office/officeart/2016/7/layout/BasicLinearProcessNumbered"/>
-    <dgm:cxn modelId="{75714E3D-C62E-4660-BDED-FA102AFEC4FA}" type="presOf" srcId="{C04CA310-BE41-4783-A867-5839A6C048BB}" destId="{EC3FB66E-F6A4-4D9F-BC28-6B6B4C56D8A1}" srcOrd="0" destOrd="0" presId="urn:microsoft.com/office/officeart/2016/7/layout/BasicLinearProcessNumbered"/>
-    <dgm:cxn modelId="{BCF935A6-0F31-4311-8424-8DC5DE015D0E}" srcId="{B526DCB3-1416-49A4-AE0C-03F42AB2B7A9}" destId="{0C6A49FF-420E-460A-9F69-B5744BB1A579}" srcOrd="1" destOrd="0" parTransId="{2B0E24CE-A873-4A6B-97A2-DF0F5DCCD2C2}" sibTransId="{C04CA310-BE41-4783-A867-5839A6C048BB}"/>
-    <dgm:cxn modelId="{FE696E5F-8E39-4B67-B6C7-36C824DF4246}" type="presOf" srcId="{B526DCB3-1416-49A4-AE0C-03F42AB2B7A9}" destId="{46404BEE-81C8-4247-A2D8-4F3B08BA9962}" srcOrd="0" destOrd="0" presId="urn:microsoft.com/office/officeart/2016/7/layout/BasicLinearProcessNumbered"/>
     <dgm:cxn modelId="{3D134EFD-96A5-4F5F-A058-71B38C2D3055}" type="presOf" srcId="{0C6A49FF-420E-460A-9F69-B5744BB1A579}" destId="{A8DBDE4B-8505-44F8-BC68-39339A11C373}" srcOrd="1" destOrd="0" presId="urn:microsoft.com/office/officeart/2016/7/layout/BasicLinearProcessNumbered"/>
-    <dgm:cxn modelId="{67B05744-8AAC-42AB-99E9-D1EFC836E7B3}" type="presOf" srcId="{6F079F10-D8F0-4DDB-B93D-2B0F303C521A}" destId="{1D271FC5-7E62-4951-91AC-9D950D21D4A6}" srcOrd="0" destOrd="0" presId="urn:microsoft.com/office/officeart/2016/7/layout/BasicLinearProcessNumbered"/>
-    <dgm:cxn modelId="{26877622-CEA5-4AC7-AA61-5650DEF62C4A}" type="presOf" srcId="{BB400345-5542-4EE7-8045-A837ABBA4E45}" destId="{FD968A71-A0CE-44C0-AEB3-036CB072C54E}" srcOrd="0" destOrd="0" presId="urn:microsoft.com/office/officeart/2016/7/layout/BasicLinearProcessNumbered"/>
-    <dgm:cxn modelId="{CD70E4E1-CE47-457E-8869-048134AEC81C}" type="presOf" srcId="{B91705A0-DF57-44A8-8383-112528AD4749}" destId="{C8A243DA-7176-4C9C-B13C-C49B9D999CBC}" srcOrd="0" destOrd="0" presId="urn:microsoft.com/office/officeart/2016/7/layout/BasicLinearProcessNumbered"/>
-    <dgm:cxn modelId="{5483186B-F375-4447-8B92-165FDD589393}" type="presOf" srcId="{5F339ECB-A28D-4485-972D-012D6096F6BE}" destId="{0DF7034A-7846-449E-A3CE-FC9C7AA6CBDC}" srcOrd="1" destOrd="0" presId="urn:microsoft.com/office/officeart/2016/7/layout/BasicLinearProcessNumbered"/>
     <dgm:cxn modelId="{F168E267-65E1-43CC-BF38-4D713C4EFDCA}" type="presParOf" srcId="{46404BEE-81C8-4247-A2D8-4F3B08BA9962}" destId="{BE83DB6E-018E-425C-A7C4-2646E15AC60C}" srcOrd="0" destOrd="0" presId="urn:microsoft.com/office/officeart/2016/7/layout/BasicLinearProcessNumbered"/>
     <dgm:cxn modelId="{AC3323E7-7A7F-4E80-82E0-C8F308D8D3F0}" type="presParOf" srcId="{BE83DB6E-018E-425C-A7C4-2646E15AC60C}" destId="{1FDF116F-3E29-4238-8712-2FEF338D9668}" srcOrd="0" destOrd="0" presId="urn:microsoft.com/office/officeart/2016/7/layout/BasicLinearProcessNumbered"/>
     <dgm:cxn modelId="{5C8B069B-A866-4DD8-B4DC-C00E65C424A3}" type="presParOf" srcId="{BE83DB6E-018E-425C-A7C4-2646E15AC60C}" destId="{C8A243DA-7176-4C9C-B13C-C49B9D999CBC}" srcOrd="1" destOrd="0" presId="urn:microsoft.com/office/officeart/2016/7/layout/BasicLinearProcessNumbered"/>
@@ -7169,13 +7099,6 @@
         </dgm:presLayoutVars>
       </dgm:prSet>
       <dgm:spPr/>
-      <dgm:t>
-        <a:bodyPr/>
-        <a:lstStyle/>
-        <a:p>
-          <a:endParaRPr lang="en-US"/>
-        </a:p>
-      </dgm:t>
     </dgm:pt>
     <dgm:pt modelId="{11F2DA1D-B269-44A8-AEAC-7C8F4EF99EAC}" type="pres">
       <dgm:prSet presAssocID="{B47EC5D9-A66F-48CD-8C96-52E4A415C3D8}" presName="hierRoot1" presStyleCnt="0">
@@ -7196,24 +7119,10 @@
         </dgm:presLayoutVars>
       </dgm:prSet>
       <dgm:spPr/>
-      <dgm:t>
-        <a:bodyPr/>
-        <a:lstStyle/>
-        <a:p>
-          <a:endParaRPr lang="en-US"/>
-        </a:p>
-      </dgm:t>
     </dgm:pt>
     <dgm:pt modelId="{F36FE309-61AC-4D6B-993A-0D1B872977DF}" type="pres">
       <dgm:prSet presAssocID="{B47EC5D9-A66F-48CD-8C96-52E4A415C3D8}" presName="rootConnector1" presStyleLbl="node1" presStyleIdx="0" presStyleCnt="0"/>
       <dgm:spPr/>
-      <dgm:t>
-        <a:bodyPr/>
-        <a:lstStyle/>
-        <a:p>
-          <a:endParaRPr lang="en-US"/>
-        </a:p>
-      </dgm:t>
     </dgm:pt>
     <dgm:pt modelId="{34E70A76-75D8-44AB-B8ED-88BBAE5D6A2D}" type="pres">
       <dgm:prSet presAssocID="{B47EC5D9-A66F-48CD-8C96-52E4A415C3D8}" presName="hierChild2" presStyleCnt="0"/>
@@ -7222,13 +7131,6 @@
     <dgm:pt modelId="{745061D3-BF33-40F0-A83C-52009E23F57F}" type="pres">
       <dgm:prSet presAssocID="{64321824-3BA7-460F-8798-11FE5EA0FB47}" presName="Name37" presStyleLbl="parChTrans1D2" presStyleIdx="0" presStyleCnt="3"/>
       <dgm:spPr/>
-      <dgm:t>
-        <a:bodyPr/>
-        <a:lstStyle/>
-        <a:p>
-          <a:endParaRPr lang="en-US"/>
-        </a:p>
-      </dgm:t>
     </dgm:pt>
     <dgm:pt modelId="{C0111564-FEFA-4017-B7AB-C31E5D5783E6}" type="pres">
       <dgm:prSet presAssocID="{49F5F929-38DD-4CF8-AACD-152BFFDA38AB}" presName="hierRoot2" presStyleCnt="0">
@@ -7249,24 +7151,10 @@
         </dgm:presLayoutVars>
       </dgm:prSet>
       <dgm:spPr/>
-      <dgm:t>
-        <a:bodyPr/>
-        <a:lstStyle/>
-        <a:p>
-          <a:endParaRPr lang="en-US"/>
-        </a:p>
-      </dgm:t>
     </dgm:pt>
     <dgm:pt modelId="{AB9A15E1-280B-4E35-AB10-65912732E745}" type="pres">
       <dgm:prSet presAssocID="{49F5F929-38DD-4CF8-AACD-152BFFDA38AB}" presName="rootConnector" presStyleLbl="node2" presStyleIdx="0" presStyleCnt="2"/>
       <dgm:spPr/>
-      <dgm:t>
-        <a:bodyPr/>
-        <a:lstStyle/>
-        <a:p>
-          <a:endParaRPr lang="en-US"/>
-        </a:p>
-      </dgm:t>
     </dgm:pt>
     <dgm:pt modelId="{2DAB6325-6469-4157-817F-B6DE7998F853}" type="pres">
       <dgm:prSet presAssocID="{49F5F929-38DD-4CF8-AACD-152BFFDA38AB}" presName="hierChild4" presStyleCnt="0"/>
@@ -7275,13 +7163,6 @@
     <dgm:pt modelId="{C7F4F8AC-4C7F-46D9-AACD-CFEA5CBDC6F5}" type="pres">
       <dgm:prSet presAssocID="{A3B069FE-2FB5-4410-AE70-6F8173C7230A}" presName="Name37" presStyleLbl="parChTrans1D3" presStyleIdx="0" presStyleCnt="1"/>
       <dgm:spPr/>
-      <dgm:t>
-        <a:bodyPr/>
-        <a:lstStyle/>
-        <a:p>
-          <a:endParaRPr lang="en-US"/>
-        </a:p>
-      </dgm:t>
     </dgm:pt>
     <dgm:pt modelId="{025541A5-7644-41C4-AA12-9DE9062536CB}" type="pres">
       <dgm:prSet presAssocID="{B9E05F17-6D53-490C-880F-C0A02A440785}" presName="hierRoot2" presStyleCnt="0">
@@ -7302,24 +7183,10 @@
         </dgm:presLayoutVars>
       </dgm:prSet>
       <dgm:spPr/>
-      <dgm:t>
-        <a:bodyPr/>
-        <a:lstStyle/>
-        <a:p>
-          <a:endParaRPr lang="en-US"/>
-        </a:p>
-      </dgm:t>
     </dgm:pt>
     <dgm:pt modelId="{111D885F-9FCE-4BC1-9895-A625975BF485}" type="pres">
       <dgm:prSet presAssocID="{B9E05F17-6D53-490C-880F-C0A02A440785}" presName="rootConnector" presStyleLbl="node3" presStyleIdx="0" presStyleCnt="1"/>
       <dgm:spPr/>
-      <dgm:t>
-        <a:bodyPr/>
-        <a:lstStyle/>
-        <a:p>
-          <a:endParaRPr lang="en-US"/>
-        </a:p>
-      </dgm:t>
     </dgm:pt>
     <dgm:pt modelId="{13AD5DE5-B48D-4868-A3A5-70C8F7B2657F}" type="pres">
       <dgm:prSet presAssocID="{B9E05F17-6D53-490C-880F-C0A02A440785}" presName="hierChild4" presStyleCnt="0"/>
@@ -7336,13 +7203,6 @@
     <dgm:pt modelId="{3E7675C9-BD2F-4298-A803-AA8B565E307A}" type="pres">
       <dgm:prSet presAssocID="{A3139E46-CF40-478F-94DF-91605AE3985F}" presName="Name37" presStyleLbl="parChTrans1D2" presStyleIdx="1" presStyleCnt="3"/>
       <dgm:spPr/>
-      <dgm:t>
-        <a:bodyPr/>
-        <a:lstStyle/>
-        <a:p>
-          <a:endParaRPr lang="en-US"/>
-        </a:p>
-      </dgm:t>
     </dgm:pt>
     <dgm:pt modelId="{231FC1CB-FA90-48FE-BE72-68F4AB52FA76}" type="pres">
       <dgm:prSet presAssocID="{0994183D-F68C-4A0C-ADB1-5C88AC24A212}" presName="hierRoot2" presStyleCnt="0">
@@ -7363,24 +7223,10 @@
         </dgm:presLayoutVars>
       </dgm:prSet>
       <dgm:spPr/>
-      <dgm:t>
-        <a:bodyPr/>
-        <a:lstStyle/>
-        <a:p>
-          <a:endParaRPr lang="en-US"/>
-        </a:p>
-      </dgm:t>
     </dgm:pt>
     <dgm:pt modelId="{385DFA0B-4F72-4BA0-BEBC-1BEC36FEF28E}" type="pres">
       <dgm:prSet presAssocID="{0994183D-F68C-4A0C-ADB1-5C88AC24A212}" presName="rootConnector" presStyleLbl="node2" presStyleIdx="1" presStyleCnt="2"/>
       <dgm:spPr/>
-      <dgm:t>
-        <a:bodyPr/>
-        <a:lstStyle/>
-        <a:p>
-          <a:endParaRPr lang="en-US"/>
-        </a:p>
-      </dgm:t>
     </dgm:pt>
     <dgm:pt modelId="{7B6F0959-F381-4C7F-9301-C84C1D5B1FCF}" type="pres">
       <dgm:prSet presAssocID="{0994183D-F68C-4A0C-ADB1-5C88AC24A212}" presName="hierChild4" presStyleCnt="0"/>
@@ -7397,13 +7243,6 @@
     <dgm:pt modelId="{ED8ACC83-E8B3-4C7A-8169-B9FF49A03F92}" type="pres">
       <dgm:prSet presAssocID="{896EB847-3EFD-4A63-BABF-B377F1C3BE66}" presName="Name111" presStyleLbl="parChTrans1D2" presStyleIdx="2" presStyleCnt="3"/>
       <dgm:spPr/>
-      <dgm:t>
-        <a:bodyPr/>
-        <a:lstStyle/>
-        <a:p>
-          <a:endParaRPr lang="en-US"/>
-        </a:p>
-      </dgm:t>
     </dgm:pt>
     <dgm:pt modelId="{088C004A-07CA-49FF-88FC-87A2DCB911D0}" type="pres">
       <dgm:prSet presAssocID="{939700DC-A23C-424E-984D-1457AB1C0244}" presName="hierRoot3" presStyleCnt="0">
@@ -7424,24 +7263,10 @@
         </dgm:presLayoutVars>
       </dgm:prSet>
       <dgm:spPr/>
-      <dgm:t>
-        <a:bodyPr/>
-        <a:lstStyle/>
-        <a:p>
-          <a:endParaRPr lang="en-US"/>
-        </a:p>
-      </dgm:t>
     </dgm:pt>
     <dgm:pt modelId="{B2655F39-6555-4D8D-983E-FCDABF1A0E1E}" type="pres">
       <dgm:prSet presAssocID="{939700DC-A23C-424E-984D-1457AB1C0244}" presName="rootConnector3" presStyleLbl="asst1" presStyleIdx="0" presStyleCnt="1"/>
       <dgm:spPr/>
-      <dgm:t>
-        <a:bodyPr/>
-        <a:lstStyle/>
-        <a:p>
-          <a:endParaRPr lang="en-US"/>
-        </a:p>
-      </dgm:t>
     </dgm:pt>
     <dgm:pt modelId="{9E0BF125-1CC0-4326-BAFD-ECDDB831E96A}" type="pres">
       <dgm:prSet presAssocID="{939700DC-A23C-424E-984D-1457AB1C0244}" presName="hierChild6" presStyleCnt="0"/>
@@ -7453,26 +7278,26 @@
     </dgm:pt>
   </dgm:ptLst>
   <dgm:cxnLst>
-    <dgm:cxn modelId="{9F3C67E8-B623-4047-A725-90102B6C488B}" srcId="{B47EC5D9-A66F-48CD-8C96-52E4A415C3D8}" destId="{49F5F929-38DD-4CF8-AACD-152BFFDA38AB}" srcOrd="1" destOrd="0" parTransId="{64321824-3BA7-460F-8798-11FE5EA0FB47}" sibTransId="{1924C387-F662-4B02-AF48-5D8F94500B7F}"/>
+    <dgm:cxn modelId="{BB1E551B-325C-4530-A059-7B086EDE25FD}" srcId="{7A6886BE-BAEF-42EA-B276-022624D63DE5}" destId="{B47EC5D9-A66F-48CD-8C96-52E4A415C3D8}" srcOrd="0" destOrd="0" parTransId="{1C63477F-3F42-47DA-80E8-59060581CA7F}" sibTransId="{D560D9BA-1E8A-49EB-9547-3D7026E26A0E}"/>
+    <dgm:cxn modelId="{D316981F-75E2-470A-AAAE-053316E8C59B}" srcId="{B47EC5D9-A66F-48CD-8C96-52E4A415C3D8}" destId="{939700DC-A23C-424E-984D-1457AB1C0244}" srcOrd="0" destOrd="0" parTransId="{896EB847-3EFD-4A63-BABF-B377F1C3BE66}" sibTransId="{A0F06432-3A04-4941-9B2B-351EA8C6A250}"/>
+    <dgm:cxn modelId="{AF902732-CBDD-4562-B1FD-A47D3A834B61}" type="presOf" srcId="{896EB847-3EFD-4A63-BABF-B377F1C3BE66}" destId="{ED8ACC83-E8B3-4C7A-8169-B9FF49A03F92}" srcOrd="0" destOrd="0" presId="urn:microsoft.com/office/officeart/2005/8/layout/orgChart1"/>
     <dgm:cxn modelId="{BEE93736-2B3E-4126-A3FA-5475273F7D44}" type="presOf" srcId="{0994183D-F68C-4A0C-ADB1-5C88AC24A212}" destId="{0624B46F-0C4F-4AE4-B3E4-5E98BCEFD94A}" srcOrd="0" destOrd="0" presId="urn:microsoft.com/office/officeart/2005/8/layout/orgChart1"/>
-    <dgm:cxn modelId="{B1D14EB5-130F-4395-A373-9E19DBE90CDA}" type="presOf" srcId="{B47EC5D9-A66F-48CD-8C96-52E4A415C3D8}" destId="{F36FE309-61AC-4D6B-993A-0D1B872977DF}" srcOrd="1" destOrd="0" presId="urn:microsoft.com/office/officeart/2005/8/layout/orgChart1"/>
     <dgm:cxn modelId="{1083AE5B-FFC1-4E12-81B9-F8188A039434}" type="presOf" srcId="{49F5F929-38DD-4CF8-AACD-152BFFDA38AB}" destId="{A4953C07-EB00-49D2-96D0-34F5C40D0408}" srcOrd="0" destOrd="0" presId="urn:microsoft.com/office/officeart/2005/8/layout/orgChart1"/>
     <dgm:cxn modelId="{F6E29071-E54B-4B30-89C9-78A5EE9F98A6}" srcId="{B47EC5D9-A66F-48CD-8C96-52E4A415C3D8}" destId="{0994183D-F68C-4A0C-ADB1-5C88AC24A212}" srcOrd="2" destOrd="0" parTransId="{A3139E46-CF40-478F-94DF-91605AE3985F}" sibTransId="{4676D27D-EB1E-4E9C-90C7-8AF0FCAE4D72}"/>
     <dgm:cxn modelId="{CCD74156-8709-4883-9E71-2EE6A367C4AD}" type="presOf" srcId="{B9E05F17-6D53-490C-880F-C0A02A440785}" destId="{AFE46486-2A9D-40F4-96A4-D00F57484C98}" srcOrd="0" destOrd="0" presId="urn:microsoft.com/office/officeart/2005/8/layout/orgChart1"/>
+    <dgm:cxn modelId="{AFF61CA4-9CD8-4E48-B8BA-093554C61F82}" type="presOf" srcId="{0994183D-F68C-4A0C-ADB1-5C88AC24A212}" destId="{385DFA0B-4F72-4BA0-BEBC-1BEC36FEF28E}" srcOrd="1" destOrd="0" presId="urn:microsoft.com/office/officeart/2005/8/layout/orgChart1"/>
     <dgm:cxn modelId="{34B533A5-70EA-47D4-B133-692E60697819}" type="presOf" srcId="{49F5F929-38DD-4CF8-AACD-152BFFDA38AB}" destId="{AB9A15E1-280B-4E35-AB10-65912732E745}" srcOrd="1" destOrd="0" presId="urn:microsoft.com/office/officeart/2005/8/layout/orgChart1"/>
-    <dgm:cxn modelId="{AF902732-CBDD-4562-B1FD-A47D3A834B61}" type="presOf" srcId="{896EB847-3EFD-4A63-BABF-B377F1C3BE66}" destId="{ED8ACC83-E8B3-4C7A-8169-B9FF49A03F92}" srcOrd="0" destOrd="0" presId="urn:microsoft.com/office/officeart/2005/8/layout/orgChart1"/>
+    <dgm:cxn modelId="{A6D64FAD-AA82-47C9-BDE0-FAF3022218BD}" type="presOf" srcId="{A3139E46-CF40-478F-94DF-91605AE3985F}" destId="{3E7675C9-BD2F-4298-A803-AA8B565E307A}" srcOrd="0" destOrd="0" presId="urn:microsoft.com/office/officeart/2005/8/layout/orgChart1"/>
+    <dgm:cxn modelId="{814D50B3-FD0A-4835-8B71-7B98BB62E7C4}" type="presOf" srcId="{7A6886BE-BAEF-42EA-B276-022624D63DE5}" destId="{B59C04B9-C77E-46B7-B345-7B088347CF63}" srcOrd="0" destOrd="0" presId="urn:microsoft.com/office/officeart/2005/8/layout/orgChart1"/>
+    <dgm:cxn modelId="{FB1697B4-4174-4C2F-9BF4-D43A8F7ADAE4}" type="presOf" srcId="{939700DC-A23C-424E-984D-1457AB1C0244}" destId="{F5992E90-5C3E-4645-BF26-84CFD7FA0366}" srcOrd="0" destOrd="0" presId="urn:microsoft.com/office/officeart/2005/8/layout/orgChart1"/>
+    <dgm:cxn modelId="{CA7EDAB4-DD92-4F1C-9225-900FB933D736}" type="presOf" srcId="{64321824-3BA7-460F-8798-11FE5EA0FB47}" destId="{745061D3-BF33-40F0-A83C-52009E23F57F}" srcOrd="0" destOrd="0" presId="urn:microsoft.com/office/officeart/2005/8/layout/orgChart1"/>
+    <dgm:cxn modelId="{B1D14EB5-130F-4395-A373-9E19DBE90CDA}" type="presOf" srcId="{B47EC5D9-A66F-48CD-8C96-52E4A415C3D8}" destId="{F36FE309-61AC-4D6B-993A-0D1B872977DF}" srcOrd="1" destOrd="0" presId="urn:microsoft.com/office/officeart/2005/8/layout/orgChart1"/>
+    <dgm:cxn modelId="{4CF850BB-40CF-42E1-A14E-37087C6A4C16}" type="presOf" srcId="{B47EC5D9-A66F-48CD-8C96-52E4A415C3D8}" destId="{068FD07B-9C8C-4E02-8D54-CE60AFBA4949}" srcOrd="0" destOrd="0" presId="urn:microsoft.com/office/officeart/2005/8/layout/orgChart1"/>
+    <dgm:cxn modelId="{F8351CCC-13E0-489C-90F9-4D2EE2A8BA48}" type="presOf" srcId="{A3B069FE-2FB5-4410-AE70-6F8173C7230A}" destId="{C7F4F8AC-4C7F-46D9-AACD-CFEA5CBDC6F5}" srcOrd="0" destOrd="0" presId="urn:microsoft.com/office/officeart/2005/8/layout/orgChart1"/>
     <dgm:cxn modelId="{8AE1F3D9-13AE-4381-BFEF-203F86FE7F90}" type="presOf" srcId="{939700DC-A23C-424E-984D-1457AB1C0244}" destId="{B2655F39-6555-4D8D-983E-FCDABF1A0E1E}" srcOrd="1" destOrd="0" presId="urn:microsoft.com/office/officeart/2005/8/layout/orgChart1"/>
     <dgm:cxn modelId="{C7E16CDA-014E-4BC2-A40D-662306F0DA8F}" srcId="{49F5F929-38DD-4CF8-AACD-152BFFDA38AB}" destId="{B9E05F17-6D53-490C-880F-C0A02A440785}" srcOrd="0" destOrd="0" parTransId="{A3B069FE-2FB5-4410-AE70-6F8173C7230A}" sibTransId="{B8259121-0C83-4782-B5B4-2FDD028B0C02}"/>
-    <dgm:cxn modelId="{814D50B3-FD0A-4835-8B71-7B98BB62E7C4}" type="presOf" srcId="{7A6886BE-BAEF-42EA-B276-022624D63DE5}" destId="{B59C04B9-C77E-46B7-B345-7B088347CF63}" srcOrd="0" destOrd="0" presId="urn:microsoft.com/office/officeart/2005/8/layout/orgChart1"/>
-    <dgm:cxn modelId="{AFF61CA4-9CD8-4E48-B8BA-093554C61F82}" type="presOf" srcId="{0994183D-F68C-4A0C-ADB1-5C88AC24A212}" destId="{385DFA0B-4F72-4BA0-BEBC-1BEC36FEF28E}" srcOrd="1" destOrd="0" presId="urn:microsoft.com/office/officeart/2005/8/layout/orgChart1"/>
-    <dgm:cxn modelId="{4CF850BB-40CF-42E1-A14E-37087C6A4C16}" type="presOf" srcId="{B47EC5D9-A66F-48CD-8C96-52E4A415C3D8}" destId="{068FD07B-9C8C-4E02-8D54-CE60AFBA4949}" srcOrd="0" destOrd="0" presId="urn:microsoft.com/office/officeart/2005/8/layout/orgChart1"/>
-    <dgm:cxn modelId="{F8351CCC-13E0-489C-90F9-4D2EE2A8BA48}" type="presOf" srcId="{A3B069FE-2FB5-4410-AE70-6F8173C7230A}" destId="{C7F4F8AC-4C7F-46D9-AACD-CFEA5CBDC6F5}" srcOrd="0" destOrd="0" presId="urn:microsoft.com/office/officeart/2005/8/layout/orgChart1"/>
+    <dgm:cxn modelId="{9F3C67E8-B623-4047-A725-90102B6C488B}" srcId="{B47EC5D9-A66F-48CD-8C96-52E4A415C3D8}" destId="{49F5F929-38DD-4CF8-AACD-152BFFDA38AB}" srcOrd="1" destOrd="0" parTransId="{64321824-3BA7-460F-8798-11FE5EA0FB47}" sibTransId="{1924C387-F662-4B02-AF48-5D8F94500B7F}"/>
     <dgm:cxn modelId="{14A8F6E9-0827-48C9-B446-1D2C18524C65}" type="presOf" srcId="{B9E05F17-6D53-490C-880F-C0A02A440785}" destId="{111D885F-9FCE-4BC1-9895-A625975BF485}" srcOrd="1" destOrd="0" presId="urn:microsoft.com/office/officeart/2005/8/layout/orgChart1"/>
-    <dgm:cxn modelId="{D316981F-75E2-470A-AAAE-053316E8C59B}" srcId="{B47EC5D9-A66F-48CD-8C96-52E4A415C3D8}" destId="{939700DC-A23C-424E-984D-1457AB1C0244}" srcOrd="0" destOrd="0" parTransId="{896EB847-3EFD-4A63-BABF-B377F1C3BE66}" sibTransId="{A0F06432-3A04-4941-9B2B-351EA8C6A250}"/>
-    <dgm:cxn modelId="{BB1E551B-325C-4530-A059-7B086EDE25FD}" srcId="{7A6886BE-BAEF-42EA-B276-022624D63DE5}" destId="{B47EC5D9-A66F-48CD-8C96-52E4A415C3D8}" srcOrd="0" destOrd="0" parTransId="{1C63477F-3F42-47DA-80E8-59060581CA7F}" sibTransId="{D560D9BA-1E8A-49EB-9547-3D7026E26A0E}"/>
-    <dgm:cxn modelId="{CA7EDAB4-DD92-4F1C-9225-900FB933D736}" type="presOf" srcId="{64321824-3BA7-460F-8798-11FE5EA0FB47}" destId="{745061D3-BF33-40F0-A83C-52009E23F57F}" srcOrd="0" destOrd="0" presId="urn:microsoft.com/office/officeart/2005/8/layout/orgChart1"/>
-    <dgm:cxn modelId="{A6D64FAD-AA82-47C9-BDE0-FAF3022218BD}" type="presOf" srcId="{A3139E46-CF40-478F-94DF-91605AE3985F}" destId="{3E7675C9-BD2F-4298-A803-AA8B565E307A}" srcOrd="0" destOrd="0" presId="urn:microsoft.com/office/officeart/2005/8/layout/orgChart1"/>
-    <dgm:cxn modelId="{FB1697B4-4174-4C2F-9BF4-D43A8F7ADAE4}" type="presOf" srcId="{939700DC-A23C-424E-984D-1457AB1C0244}" destId="{F5992E90-5C3E-4645-BF26-84CFD7FA0366}" srcOrd="0" destOrd="0" presId="urn:microsoft.com/office/officeart/2005/8/layout/orgChart1"/>
     <dgm:cxn modelId="{32BE90E5-192C-401C-B200-80898789B855}" type="presParOf" srcId="{B59C04B9-C77E-46B7-B345-7B088347CF63}" destId="{11F2DA1D-B269-44A8-AEAC-7C8F4EF99EAC}" srcOrd="0" destOrd="0" presId="urn:microsoft.com/office/officeart/2005/8/layout/orgChart1"/>
     <dgm:cxn modelId="{A5B411E5-1568-480D-9A26-27A5D6074123}" type="presParOf" srcId="{11F2DA1D-B269-44A8-AEAC-7C8F4EF99EAC}" destId="{35F87444-C932-4EFE-AA0E-13D4E0EABE23}" srcOrd="0" destOrd="0" presId="urn:microsoft.com/office/officeart/2005/8/layout/orgChart1"/>
     <dgm:cxn modelId="{FF4B1ED0-B226-47C0-AE83-D79DD5BB69BC}" type="presParOf" srcId="{35F87444-C932-4EFE-AA0E-13D4E0EABE23}" destId="{068FD07B-9C8C-4E02-8D54-CE60AFBA4949}" srcOrd="0" destOrd="0" presId="urn:microsoft.com/office/officeart/2005/8/layout/orgChart1"/>
@@ -7720,13 +7545,6 @@
         </dgm:presLayoutVars>
       </dgm:prSet>
       <dgm:spPr/>
-      <dgm:t>
-        <a:bodyPr/>
-        <a:lstStyle/>
-        <a:p>
-          <a:endParaRPr lang="en-US"/>
-        </a:p>
-      </dgm:t>
     </dgm:pt>
     <dgm:pt modelId="{D80A8E47-31F2-4B7C-A716-B83D48CD78DF}" type="pres">
       <dgm:prSet presAssocID="{D0CB48CE-D365-4A1D-8744-0CE49A65C645}" presName="space" presStyleCnt="0"/>
@@ -7739,13 +7557,6 @@
         </dgm:presLayoutVars>
       </dgm:prSet>
       <dgm:spPr/>
-      <dgm:t>
-        <a:bodyPr/>
-        <a:lstStyle/>
-        <a:p>
-          <a:endParaRPr lang="en-US"/>
-        </a:p>
-      </dgm:t>
     </dgm:pt>
     <dgm:pt modelId="{EDC3DB12-C655-4BCD-B0E5-C7B9F2A40A78}" type="pres">
       <dgm:prSet presAssocID="{E92A1DEC-836B-4380-9E65-460172F91AA0}" presName="space" presStyleCnt="0"/>
@@ -7758,13 +7569,6 @@
         </dgm:presLayoutVars>
       </dgm:prSet>
       <dgm:spPr/>
-      <dgm:t>
-        <a:bodyPr/>
-        <a:lstStyle/>
-        <a:p>
-          <a:endParaRPr lang="en-US"/>
-        </a:p>
-      </dgm:t>
     </dgm:pt>
     <dgm:pt modelId="{2497D142-993D-4A8E-9B74-5634B1BDA9DF}" type="pres">
       <dgm:prSet presAssocID="{E739502D-0E6F-4706-99DA-97DE3B203596}" presName="space" presStyleCnt="0"/>
@@ -7777,13 +7581,6 @@
         </dgm:presLayoutVars>
       </dgm:prSet>
       <dgm:spPr/>
-      <dgm:t>
-        <a:bodyPr/>
-        <a:lstStyle/>
-        <a:p>
-          <a:endParaRPr lang="en-US"/>
-        </a:p>
-      </dgm:t>
     </dgm:pt>
     <dgm:pt modelId="{FF446DDD-35E3-4186-8181-E95A7A979ED2}" type="pres">
       <dgm:prSet presAssocID="{86F5C52B-3C24-469E-82CC-96F8A0C48E54}" presName="space" presStyleCnt="0"/>
@@ -7796,26 +7593,19 @@
         </dgm:presLayoutVars>
       </dgm:prSet>
       <dgm:spPr/>
-      <dgm:t>
-        <a:bodyPr/>
-        <a:lstStyle/>
-        <a:p>
-          <a:endParaRPr lang="en-US"/>
-        </a:p>
-      </dgm:t>
     </dgm:pt>
   </dgm:ptLst>
   <dgm:cxnLst>
+    <dgm:cxn modelId="{C2F78E0D-4746-46D1-9DB7-0F933CC0923B}" srcId="{76984C2C-6D30-4655-8A39-39D94214098B}" destId="{A5EAF11E-1E9C-4D05-92A6-549486EBEAA5}" srcOrd="3" destOrd="0" parTransId="{1A559FDD-0135-4C6F-B5D9-696D11B9470A}" sibTransId="{86F5C52B-3C24-469E-82CC-96F8A0C48E54}"/>
+    <dgm:cxn modelId="{AE9C2E0E-EE21-4931-935A-28E584C25296}" srcId="{76984C2C-6D30-4655-8A39-39D94214098B}" destId="{092872AE-16BF-43BA-94C6-770086B8164A}" srcOrd="0" destOrd="0" parTransId="{EB1F1D55-AB93-41AE-8DCE-CF8069605B67}" sibTransId="{D0CB48CE-D365-4A1D-8744-0CE49A65C645}"/>
     <dgm:cxn modelId="{BAD74E10-50AC-48F4-90D9-F3C2C549E7EA}" type="presOf" srcId="{76984C2C-6D30-4655-8A39-39D94214098B}" destId="{AD94708A-AD67-4928-B8AE-FDCA2AC48282}" srcOrd="0" destOrd="0" presId="urn:diagrams.loki3.com/VaryingWidthList"/>
     <dgm:cxn modelId="{B3267236-EC75-41DA-A5B3-F5D0D11B97CA}" type="presOf" srcId="{A5EAF11E-1E9C-4D05-92A6-549486EBEAA5}" destId="{B5614BEC-C908-4AD4-B471-94AF6060825F}" srcOrd="0" destOrd="0" presId="urn:diagrams.loki3.com/VaryingWidthList"/>
-    <dgm:cxn modelId="{E8414FD6-E7FA-4E9B-82AD-989C78B10D7C}" type="presOf" srcId="{AE3F5DCC-2C77-4DB6-8398-DE74BCA0BDF9}" destId="{0F0CD1E9-AA9E-4824-A94A-1E489C94583E}" srcOrd="0" destOrd="0" presId="urn:diagrams.loki3.com/VaryingWidthList"/>
     <dgm:cxn modelId="{9D575536-5DB0-432E-8D12-DDFA169CBA0F}" srcId="{76984C2C-6D30-4655-8A39-39D94214098B}" destId="{418236CC-A5C4-4230-8193-0381900CB945}" srcOrd="1" destOrd="0" parTransId="{0BD41660-B13B-4025-8723-6EAAEAB59990}" sibTransId="{E92A1DEC-836B-4380-9E65-460172F91AA0}"/>
     <dgm:cxn modelId="{1D117D52-8841-4A1A-832A-374D9C328A4E}" srcId="{76984C2C-6D30-4655-8A39-39D94214098B}" destId="{626C9363-FC6B-498D-A00E-9755EEC5EE83}" srcOrd="2" destOrd="0" parTransId="{B52E80D1-FCE9-4B0D-B917-D06240878FCE}" sibTransId="{E739502D-0E6F-4706-99DA-97DE3B203596}"/>
-    <dgm:cxn modelId="{AE9C2E0E-EE21-4931-935A-28E584C25296}" srcId="{76984C2C-6D30-4655-8A39-39D94214098B}" destId="{092872AE-16BF-43BA-94C6-770086B8164A}" srcOrd="0" destOrd="0" parTransId="{EB1F1D55-AB93-41AE-8DCE-CF8069605B67}" sibTransId="{D0CB48CE-D365-4A1D-8744-0CE49A65C645}"/>
+    <dgm:cxn modelId="{336F9B85-3C15-4CBA-B541-18C81190424F}" type="presOf" srcId="{626C9363-FC6B-498D-A00E-9755EEC5EE83}" destId="{B3AEB8F3-7A50-4C69-994A-966CD1BC0C61}" srcOrd="0" destOrd="0" presId="urn:diagrams.loki3.com/VaryingWidthList"/>
     <dgm:cxn modelId="{94379097-09D1-42B3-A631-FA59A220515C}" type="presOf" srcId="{418236CC-A5C4-4230-8193-0381900CB945}" destId="{4F3B6E92-B991-456F-8299-E70C572B215A}" srcOrd="0" destOrd="0" presId="urn:diagrams.loki3.com/VaryingWidthList"/>
-    <dgm:cxn modelId="{C2F78E0D-4746-46D1-9DB7-0F933CC0923B}" srcId="{76984C2C-6D30-4655-8A39-39D94214098B}" destId="{A5EAF11E-1E9C-4D05-92A6-549486EBEAA5}" srcOrd="3" destOrd="0" parTransId="{1A559FDD-0135-4C6F-B5D9-696D11B9470A}" sibTransId="{86F5C52B-3C24-469E-82CC-96F8A0C48E54}"/>
     <dgm:cxn modelId="{6A64A199-ADFD-44A0-8E3F-4C341419E476}" type="presOf" srcId="{092872AE-16BF-43BA-94C6-770086B8164A}" destId="{8D6E7145-F8CF-47B0-90A7-DF3D56C8089B}" srcOrd="0" destOrd="0" presId="urn:diagrams.loki3.com/VaryingWidthList"/>
-    <dgm:cxn modelId="{336F9B85-3C15-4CBA-B541-18C81190424F}" type="presOf" srcId="{626C9363-FC6B-498D-A00E-9755EEC5EE83}" destId="{B3AEB8F3-7A50-4C69-994A-966CD1BC0C61}" srcOrd="0" destOrd="0" presId="urn:diagrams.loki3.com/VaryingWidthList"/>
+    <dgm:cxn modelId="{E8414FD6-E7FA-4E9B-82AD-989C78B10D7C}" type="presOf" srcId="{AE3F5DCC-2C77-4DB6-8398-DE74BCA0BDF9}" destId="{0F0CD1E9-AA9E-4824-A94A-1E489C94583E}" srcOrd="0" destOrd="0" presId="urn:diagrams.loki3.com/VaryingWidthList"/>
     <dgm:cxn modelId="{08C0EFF0-5F74-463D-89F0-8F450A76BE23}" srcId="{76984C2C-6D30-4655-8A39-39D94214098B}" destId="{AE3F5DCC-2C77-4DB6-8398-DE74BCA0BDF9}" srcOrd="4" destOrd="0" parTransId="{BB16EF0E-7AB9-4954-AC20-4C4243C551A6}" sibTransId="{283ACA15-8032-44DA-AF0E-3D90908B6AEF}"/>
     <dgm:cxn modelId="{487003FA-9070-4FAF-A509-4829D2F6DF18}" type="presParOf" srcId="{AD94708A-AD67-4928-B8AE-FDCA2AC48282}" destId="{8D6E7145-F8CF-47B0-90A7-DF3D56C8089B}" srcOrd="0" destOrd="0" presId="urn:diagrams.loki3.com/VaryingWidthList"/>
     <dgm:cxn modelId="{0874CCF4-CE6B-4562-9EB4-AD52BA2F8483}" type="presParOf" srcId="{AD94708A-AD67-4928-B8AE-FDCA2AC48282}" destId="{D80A8E47-31F2-4B7C-A716-B83D48CD78DF}" srcOrd="1" destOrd="0" presId="urn:diagrams.loki3.com/VaryingWidthList"/>
@@ -8294,13 +8084,6 @@
         </dgm:presLayoutVars>
       </dgm:prSet>
       <dgm:spPr/>
-      <dgm:t>
-        <a:bodyPr/>
-        <a:lstStyle/>
-        <a:p>
-          <a:endParaRPr lang="en-US"/>
-        </a:p>
-      </dgm:t>
     </dgm:pt>
     <dgm:pt modelId="{69224708-4B14-412F-A018-509DA9186A46}" type="pres">
       <dgm:prSet presAssocID="{2108F40E-9C5F-4ACB-9FA1-E752060CB95B}" presName="root1" presStyleCnt="0"/>
@@ -8313,13 +8096,6 @@
         </dgm:presLayoutVars>
       </dgm:prSet>
       <dgm:spPr/>
-      <dgm:t>
-        <a:bodyPr/>
-        <a:lstStyle/>
-        <a:p>
-          <a:endParaRPr lang="en-US"/>
-        </a:p>
-      </dgm:t>
     </dgm:pt>
     <dgm:pt modelId="{9543E4B6-9AF2-4EFD-8CCD-7DF820C47BB6}" type="pres">
       <dgm:prSet presAssocID="{2108F40E-9C5F-4ACB-9FA1-E752060CB95B}" presName="level2hierChild" presStyleCnt="0"/>
@@ -8328,24 +8104,10 @@
     <dgm:pt modelId="{3621ADDC-7295-44B9-92E3-100C0831D470}" type="pres">
       <dgm:prSet presAssocID="{5E69031F-4387-4AD8-991E-D42BA5A2EAB5}" presName="conn2-1" presStyleLbl="parChTrans1D2" presStyleIdx="0" presStyleCnt="2"/>
       <dgm:spPr/>
-      <dgm:t>
-        <a:bodyPr/>
-        <a:lstStyle/>
-        <a:p>
-          <a:endParaRPr lang="en-US"/>
-        </a:p>
-      </dgm:t>
     </dgm:pt>
     <dgm:pt modelId="{FABAB5DE-0D2B-49EA-B012-E66464E80E54}" type="pres">
       <dgm:prSet presAssocID="{5E69031F-4387-4AD8-991E-D42BA5A2EAB5}" presName="connTx" presStyleLbl="parChTrans1D2" presStyleIdx="0" presStyleCnt="2"/>
       <dgm:spPr/>
-      <dgm:t>
-        <a:bodyPr/>
-        <a:lstStyle/>
-        <a:p>
-          <a:endParaRPr lang="en-US"/>
-        </a:p>
-      </dgm:t>
     </dgm:pt>
     <dgm:pt modelId="{16B3AD29-BA29-49B3-95F3-7019A5458FD4}" type="pres">
       <dgm:prSet presAssocID="{1A55AB7C-CEA4-406E-B171-93BAE5653B0C}" presName="root2" presStyleCnt="0"/>
@@ -8358,13 +8120,6 @@
         </dgm:presLayoutVars>
       </dgm:prSet>
       <dgm:spPr/>
-      <dgm:t>
-        <a:bodyPr/>
-        <a:lstStyle/>
-        <a:p>
-          <a:endParaRPr lang="en-US"/>
-        </a:p>
-      </dgm:t>
     </dgm:pt>
     <dgm:pt modelId="{DE18175A-891B-4F64-B49E-96915D479935}" type="pres">
       <dgm:prSet presAssocID="{1A55AB7C-CEA4-406E-B171-93BAE5653B0C}" presName="level3hierChild" presStyleCnt="0"/>
@@ -8373,24 +8128,10 @@
     <dgm:pt modelId="{716D1F8C-E378-4A4A-9040-C8A31DFF530A}" type="pres">
       <dgm:prSet presAssocID="{F9328DBE-6614-48B0-B9FE-05D720169C41}" presName="conn2-1" presStyleLbl="parChTrans1D3" presStyleIdx="0" presStyleCnt="3"/>
       <dgm:spPr/>
-      <dgm:t>
-        <a:bodyPr/>
-        <a:lstStyle/>
-        <a:p>
-          <a:endParaRPr lang="en-US"/>
-        </a:p>
-      </dgm:t>
     </dgm:pt>
     <dgm:pt modelId="{A516CBD4-A789-474E-A367-500D9CA907BA}" type="pres">
       <dgm:prSet presAssocID="{F9328DBE-6614-48B0-B9FE-05D720169C41}" presName="connTx" presStyleLbl="parChTrans1D3" presStyleIdx="0" presStyleCnt="3"/>
       <dgm:spPr/>
-      <dgm:t>
-        <a:bodyPr/>
-        <a:lstStyle/>
-        <a:p>
-          <a:endParaRPr lang="en-US"/>
-        </a:p>
-      </dgm:t>
     </dgm:pt>
     <dgm:pt modelId="{1DE2DA45-3CD4-434D-BD1A-222E36FED818}" type="pres">
       <dgm:prSet presAssocID="{57C8DC3E-9763-4FB7-97D4-6F9BEC581893}" presName="root2" presStyleCnt="0"/>
@@ -8403,13 +8144,6 @@
         </dgm:presLayoutVars>
       </dgm:prSet>
       <dgm:spPr/>
-      <dgm:t>
-        <a:bodyPr/>
-        <a:lstStyle/>
-        <a:p>
-          <a:endParaRPr lang="en-US"/>
-        </a:p>
-      </dgm:t>
     </dgm:pt>
     <dgm:pt modelId="{A1D376B2-A7EC-432F-B8C9-DE9900B2D74A}" type="pres">
       <dgm:prSet presAssocID="{57C8DC3E-9763-4FB7-97D4-6F9BEC581893}" presName="level3hierChild" presStyleCnt="0"/>
@@ -8418,24 +8152,10 @@
     <dgm:pt modelId="{D4632A1E-3565-4805-B572-12228E4B9544}" type="pres">
       <dgm:prSet presAssocID="{5B06EAA6-05CD-46F0-A2C5-1C839237FFCB}" presName="conn2-1" presStyleLbl="parChTrans1D3" presStyleIdx="1" presStyleCnt="3"/>
       <dgm:spPr/>
-      <dgm:t>
-        <a:bodyPr/>
-        <a:lstStyle/>
-        <a:p>
-          <a:endParaRPr lang="en-US"/>
-        </a:p>
-      </dgm:t>
     </dgm:pt>
     <dgm:pt modelId="{25E2C4F2-7F34-462A-AE38-CC86250E3F1B}" type="pres">
       <dgm:prSet presAssocID="{5B06EAA6-05CD-46F0-A2C5-1C839237FFCB}" presName="connTx" presStyleLbl="parChTrans1D3" presStyleIdx="1" presStyleCnt="3"/>
       <dgm:spPr/>
-      <dgm:t>
-        <a:bodyPr/>
-        <a:lstStyle/>
-        <a:p>
-          <a:endParaRPr lang="en-US"/>
-        </a:p>
-      </dgm:t>
     </dgm:pt>
     <dgm:pt modelId="{05DAD1D9-CC61-4D91-B65D-3B6C39D2F2EC}" type="pres">
       <dgm:prSet presAssocID="{6BD4A8A6-452C-47CA-8BCE-AC7CAC459C54}" presName="root2" presStyleCnt="0"/>
@@ -8448,13 +8168,6 @@
         </dgm:presLayoutVars>
       </dgm:prSet>
       <dgm:spPr/>
-      <dgm:t>
-        <a:bodyPr/>
-        <a:lstStyle/>
-        <a:p>
-          <a:endParaRPr lang="en-US"/>
-        </a:p>
-      </dgm:t>
     </dgm:pt>
     <dgm:pt modelId="{0573EE0B-EC14-400F-91BD-7823E9DED618}" type="pres">
       <dgm:prSet presAssocID="{6BD4A8A6-452C-47CA-8BCE-AC7CAC459C54}" presName="level3hierChild" presStyleCnt="0"/>
@@ -8463,24 +8176,10 @@
     <dgm:pt modelId="{BF55494F-A2F3-4F10-B51F-27CF212E3C16}" type="pres">
       <dgm:prSet presAssocID="{13B853FE-FE66-4E31-B844-EAD9A33FD737}" presName="conn2-1" presStyleLbl="parChTrans1D4" presStyleIdx="0" presStyleCnt="3"/>
       <dgm:spPr/>
-      <dgm:t>
-        <a:bodyPr/>
-        <a:lstStyle/>
-        <a:p>
-          <a:endParaRPr lang="en-US"/>
-        </a:p>
-      </dgm:t>
     </dgm:pt>
     <dgm:pt modelId="{8CA65F07-0E2B-425C-AB89-A6DAAD02A125}" type="pres">
       <dgm:prSet presAssocID="{13B853FE-FE66-4E31-B844-EAD9A33FD737}" presName="connTx" presStyleLbl="parChTrans1D4" presStyleIdx="0" presStyleCnt="3"/>
       <dgm:spPr/>
-      <dgm:t>
-        <a:bodyPr/>
-        <a:lstStyle/>
-        <a:p>
-          <a:endParaRPr lang="en-US"/>
-        </a:p>
-      </dgm:t>
     </dgm:pt>
     <dgm:pt modelId="{A793162D-E84A-4AE7-AFD9-6CE2A9576E60}" type="pres">
       <dgm:prSet presAssocID="{FFC2165E-78C9-4C2A-A930-F230336750EF}" presName="root2" presStyleCnt="0"/>
@@ -8493,13 +8192,6 @@
         </dgm:presLayoutVars>
       </dgm:prSet>
       <dgm:spPr/>
-      <dgm:t>
-        <a:bodyPr/>
-        <a:lstStyle/>
-        <a:p>
-          <a:endParaRPr lang="en-US"/>
-        </a:p>
-      </dgm:t>
     </dgm:pt>
     <dgm:pt modelId="{44A4ECC6-A565-42C6-A4DA-53675E74B6A5}" type="pres">
       <dgm:prSet presAssocID="{FFC2165E-78C9-4C2A-A930-F230336750EF}" presName="level3hierChild" presStyleCnt="0"/>
@@ -8508,24 +8200,10 @@
     <dgm:pt modelId="{3398A3A8-9AC6-4EC3-9DEB-F8391423B1D3}" type="pres">
       <dgm:prSet presAssocID="{2B0D0343-FE50-462C-80F0-AC782EF275A7}" presName="conn2-1" presStyleLbl="parChTrans1D3" presStyleIdx="2" presStyleCnt="3"/>
       <dgm:spPr/>
-      <dgm:t>
-        <a:bodyPr/>
-        <a:lstStyle/>
-        <a:p>
-          <a:endParaRPr lang="en-US"/>
-        </a:p>
-      </dgm:t>
     </dgm:pt>
     <dgm:pt modelId="{2A9D59FE-3B8F-4AF7-9569-DDB13172CADA}" type="pres">
       <dgm:prSet presAssocID="{2B0D0343-FE50-462C-80F0-AC782EF275A7}" presName="connTx" presStyleLbl="parChTrans1D3" presStyleIdx="2" presStyleCnt="3"/>
       <dgm:spPr/>
-      <dgm:t>
-        <a:bodyPr/>
-        <a:lstStyle/>
-        <a:p>
-          <a:endParaRPr lang="en-US"/>
-        </a:p>
-      </dgm:t>
     </dgm:pt>
     <dgm:pt modelId="{CCFF43AE-3457-4F33-84C2-0E27433DCEF3}" type="pres">
       <dgm:prSet presAssocID="{E4EA881F-A109-464D-A449-35E0AD3D6B3C}" presName="root2" presStyleCnt="0"/>
@@ -8538,13 +8216,6 @@
         </dgm:presLayoutVars>
       </dgm:prSet>
       <dgm:spPr/>
-      <dgm:t>
-        <a:bodyPr/>
-        <a:lstStyle/>
-        <a:p>
-          <a:endParaRPr lang="en-US"/>
-        </a:p>
-      </dgm:t>
     </dgm:pt>
     <dgm:pt modelId="{AB1505EE-8A5F-4AC6-B35A-4D19A92ECF5C}" type="pres">
       <dgm:prSet presAssocID="{E4EA881F-A109-464D-A449-35E0AD3D6B3C}" presName="level3hierChild" presStyleCnt="0"/>
@@ -8553,24 +8224,10 @@
     <dgm:pt modelId="{2DCEB3B1-635B-4E90-84B0-451F573C77D8}" type="pres">
       <dgm:prSet presAssocID="{F153428A-222D-46F5-8CD4-26DD7D724689}" presName="conn2-1" presStyleLbl="parChTrans1D4" presStyleIdx="1" presStyleCnt="3"/>
       <dgm:spPr/>
-      <dgm:t>
-        <a:bodyPr/>
-        <a:lstStyle/>
-        <a:p>
-          <a:endParaRPr lang="en-US"/>
-        </a:p>
-      </dgm:t>
     </dgm:pt>
     <dgm:pt modelId="{0CE5678E-EC25-4002-8CD2-287955CC7645}" type="pres">
       <dgm:prSet presAssocID="{F153428A-222D-46F5-8CD4-26DD7D724689}" presName="connTx" presStyleLbl="parChTrans1D4" presStyleIdx="1" presStyleCnt="3"/>
       <dgm:spPr/>
-      <dgm:t>
-        <a:bodyPr/>
-        <a:lstStyle/>
-        <a:p>
-          <a:endParaRPr lang="en-US"/>
-        </a:p>
-      </dgm:t>
     </dgm:pt>
     <dgm:pt modelId="{0191D645-A898-45D2-AC70-302E59AD0D6C}" type="pres">
       <dgm:prSet presAssocID="{7AF9FFD4-3558-4A26-982E-1CDD1E56DC61}" presName="root2" presStyleCnt="0"/>
@@ -8583,13 +8240,6 @@
         </dgm:presLayoutVars>
       </dgm:prSet>
       <dgm:spPr/>
-      <dgm:t>
-        <a:bodyPr/>
-        <a:lstStyle/>
-        <a:p>
-          <a:endParaRPr lang="en-US"/>
-        </a:p>
-      </dgm:t>
     </dgm:pt>
     <dgm:pt modelId="{6BDC7F1A-A1E0-40C5-865B-29EF983F7756}" type="pres">
       <dgm:prSet presAssocID="{7AF9FFD4-3558-4A26-982E-1CDD1E56DC61}" presName="level3hierChild" presStyleCnt="0"/>
@@ -8598,24 +8248,10 @@
     <dgm:pt modelId="{65659748-38CF-4C55-AB89-8BDFF2EECC71}" type="pres">
       <dgm:prSet presAssocID="{F2DFFB1C-6285-4608-9787-9FDC8D6983C8}" presName="conn2-1" presStyleLbl="parChTrans1D4" presStyleIdx="2" presStyleCnt="3"/>
       <dgm:spPr/>
-      <dgm:t>
-        <a:bodyPr/>
-        <a:lstStyle/>
-        <a:p>
-          <a:endParaRPr lang="en-US"/>
-        </a:p>
-      </dgm:t>
     </dgm:pt>
     <dgm:pt modelId="{D316729E-1212-41B2-A261-80B470596D0E}" type="pres">
       <dgm:prSet presAssocID="{F2DFFB1C-6285-4608-9787-9FDC8D6983C8}" presName="connTx" presStyleLbl="parChTrans1D4" presStyleIdx="2" presStyleCnt="3"/>
       <dgm:spPr/>
-      <dgm:t>
-        <a:bodyPr/>
-        <a:lstStyle/>
-        <a:p>
-          <a:endParaRPr lang="en-US"/>
-        </a:p>
-      </dgm:t>
     </dgm:pt>
     <dgm:pt modelId="{5419F01E-28C5-40C9-85C3-20065DBC5F66}" type="pres">
       <dgm:prSet presAssocID="{0F85E679-8C75-4193-A8D9-294E89E259CD}" presName="root2" presStyleCnt="0"/>
@@ -8628,13 +8264,6 @@
         </dgm:presLayoutVars>
       </dgm:prSet>
       <dgm:spPr/>
-      <dgm:t>
-        <a:bodyPr/>
-        <a:lstStyle/>
-        <a:p>
-          <a:endParaRPr lang="en-US"/>
-        </a:p>
-      </dgm:t>
     </dgm:pt>
     <dgm:pt modelId="{86D9A7F1-BB62-47A3-86B4-6CC46C93F94B}" type="pres">
       <dgm:prSet presAssocID="{0F85E679-8C75-4193-A8D9-294E89E259CD}" presName="level3hierChild" presStyleCnt="0"/>
@@ -8643,24 +8272,10 @@
     <dgm:pt modelId="{B0CE050F-A959-4163-92AE-A67ABEC49925}" type="pres">
       <dgm:prSet presAssocID="{836056C2-1D03-4123-82A5-D6923A3BECAE}" presName="conn2-1" presStyleLbl="parChTrans1D2" presStyleIdx="1" presStyleCnt="2"/>
       <dgm:spPr/>
-      <dgm:t>
-        <a:bodyPr/>
-        <a:lstStyle/>
-        <a:p>
-          <a:endParaRPr lang="en-US"/>
-        </a:p>
-      </dgm:t>
     </dgm:pt>
     <dgm:pt modelId="{A2FEE7D6-0FF0-41B4-B887-F8BEC5BE3C67}" type="pres">
       <dgm:prSet presAssocID="{836056C2-1D03-4123-82A5-D6923A3BECAE}" presName="connTx" presStyleLbl="parChTrans1D2" presStyleIdx="1" presStyleCnt="2"/>
       <dgm:spPr/>
-      <dgm:t>
-        <a:bodyPr/>
-        <a:lstStyle/>
-        <a:p>
-          <a:endParaRPr lang="en-US"/>
-        </a:p>
-      </dgm:t>
     </dgm:pt>
     <dgm:pt modelId="{6C41EC18-CF55-4210-9508-06D08DE0C14A}" type="pres">
       <dgm:prSet presAssocID="{62A9B646-284B-48F5-80ED-540FC5D67322}" presName="root2" presStyleCnt="0"/>
@@ -8673,13 +8288,6 @@
         </dgm:presLayoutVars>
       </dgm:prSet>
       <dgm:spPr/>
-      <dgm:t>
-        <a:bodyPr/>
-        <a:lstStyle/>
-        <a:p>
-          <a:endParaRPr lang="en-US"/>
-        </a:p>
-      </dgm:t>
     </dgm:pt>
     <dgm:pt modelId="{334EA496-8828-4ADE-B85E-03B5914AF7F5}" type="pres">
       <dgm:prSet presAssocID="{62A9B646-284B-48F5-80ED-540FC5D67322}" presName="level3hierChild" presStyleCnt="0"/>
@@ -8687,41 +8295,41 @@
     </dgm:pt>
   </dgm:ptLst>
   <dgm:cxnLst>
+    <dgm:cxn modelId="{731C0D0D-212C-4116-AD23-1A99B08E37BE}" type="presOf" srcId="{5B06EAA6-05CD-46F0-A2C5-1C839237FFCB}" destId="{D4632A1E-3565-4805-B572-12228E4B9544}" srcOrd="0" destOrd="0" presId="urn:microsoft.com/office/officeart/2008/layout/HorizontalMultiLevelHierarchy"/>
+    <dgm:cxn modelId="{10DEFE0D-5B1A-4B20-BB25-49FCF8E2FE45}" type="presOf" srcId="{F9328DBE-6614-48B0-B9FE-05D720169C41}" destId="{716D1F8C-E378-4A4A-9040-C8A31DFF530A}" srcOrd="0" destOrd="0" presId="urn:microsoft.com/office/officeart/2008/layout/HorizontalMultiLevelHierarchy"/>
+    <dgm:cxn modelId="{8A9B330F-116A-4879-A5C2-F50371A354C8}" srcId="{1A55AB7C-CEA4-406E-B171-93BAE5653B0C}" destId="{E4EA881F-A109-464D-A449-35E0AD3D6B3C}" srcOrd="2" destOrd="0" parTransId="{2B0D0343-FE50-462C-80F0-AC782EF275A7}" sibTransId="{DC96A733-F8B0-4099-BDEF-A75C92B96D17}"/>
+    <dgm:cxn modelId="{78EC5116-703F-495A-B9AD-34ED3BA6991D}" type="presOf" srcId="{1A55AB7C-CEA4-406E-B171-93BAE5653B0C}" destId="{CD64E07C-5D45-42C5-8A4B-A9EB66FF00CD}" srcOrd="0" destOrd="0" presId="urn:microsoft.com/office/officeart/2008/layout/HorizontalMultiLevelHierarchy"/>
+    <dgm:cxn modelId="{A91D1319-3CB2-450A-83EA-BD01E8EE9401}" type="presOf" srcId="{F153428A-222D-46F5-8CD4-26DD7D724689}" destId="{0CE5678E-EC25-4002-8CD2-287955CC7645}" srcOrd="1" destOrd="0" presId="urn:microsoft.com/office/officeart/2008/layout/HorizontalMultiLevelHierarchy"/>
+    <dgm:cxn modelId="{91CEF422-D81F-4788-B9F6-530B1EB335A6}" srcId="{2108F40E-9C5F-4ACB-9FA1-E752060CB95B}" destId="{62A9B646-284B-48F5-80ED-540FC5D67322}" srcOrd="1" destOrd="0" parTransId="{836056C2-1D03-4123-82A5-D6923A3BECAE}" sibTransId="{392722DC-19FF-4AD9-A80E-23816A3701F4}"/>
+    <dgm:cxn modelId="{1BD35729-CE62-4AF0-9B34-8B364AAD9A70}" type="presOf" srcId="{5E69031F-4387-4AD8-991E-D42BA5A2EAB5}" destId="{3621ADDC-7295-44B9-92E3-100C0831D470}" srcOrd="0" destOrd="0" presId="urn:microsoft.com/office/officeart/2008/layout/HorizontalMultiLevelHierarchy"/>
+    <dgm:cxn modelId="{1DE0372F-0109-4316-8AA9-FA2E2B17524D}" srcId="{1A55AB7C-CEA4-406E-B171-93BAE5653B0C}" destId="{6BD4A8A6-452C-47CA-8BCE-AC7CAC459C54}" srcOrd="1" destOrd="0" parTransId="{5B06EAA6-05CD-46F0-A2C5-1C839237FFCB}" sibTransId="{F26D3AF3-AB31-455E-BCB0-FD555C29C9FF}"/>
+    <dgm:cxn modelId="{EBFF0C3F-D96E-4FAE-87C9-25FAE008413F}" type="presOf" srcId="{F2DFFB1C-6285-4608-9787-9FDC8D6983C8}" destId="{D316729E-1212-41B2-A261-80B470596D0E}" srcOrd="1" destOrd="0" presId="urn:microsoft.com/office/officeart/2008/layout/HorizontalMultiLevelHierarchy"/>
+    <dgm:cxn modelId="{B3F86762-4CAA-4D70-9E85-0CC05996D569}" srcId="{2108F40E-9C5F-4ACB-9FA1-E752060CB95B}" destId="{1A55AB7C-CEA4-406E-B171-93BAE5653B0C}" srcOrd="0" destOrd="0" parTransId="{5E69031F-4387-4AD8-991E-D42BA5A2EAB5}" sibTransId="{5E9E6BBA-9339-4E57-BCF7-37DCCCA9EDC8}"/>
+    <dgm:cxn modelId="{0E9B6A46-97B5-4A81-BEDD-CD7AB4E999D8}" srcId="{1A55AB7C-CEA4-406E-B171-93BAE5653B0C}" destId="{57C8DC3E-9763-4FB7-97D4-6F9BEC581893}" srcOrd="0" destOrd="0" parTransId="{F9328DBE-6614-48B0-B9FE-05D720169C41}" sibTransId="{57CE7E44-5897-4717-8F9A-3406A8E184BB}"/>
+    <dgm:cxn modelId="{D2FA3F6A-E17A-42EB-9582-DAE801502EBA}" type="presOf" srcId="{13B853FE-FE66-4E31-B844-EAD9A33FD737}" destId="{8CA65F07-0E2B-425C-AB89-A6DAAD02A125}" srcOrd="1" destOrd="0" presId="urn:microsoft.com/office/officeart/2008/layout/HorizontalMultiLevelHierarchy"/>
     <dgm:cxn modelId="{DD79276E-7A1B-4D22-A99E-F9A3893247C7}" type="presOf" srcId="{E4EA881F-A109-464D-A449-35E0AD3D6B3C}" destId="{AA857162-3442-4D9F-A68F-E95AF746E5F4}" srcOrd="0" destOrd="0" presId="urn:microsoft.com/office/officeart/2008/layout/HorizontalMultiLevelHierarchy"/>
-    <dgm:cxn modelId="{78EC5116-703F-495A-B9AD-34ED3BA6991D}" type="presOf" srcId="{1A55AB7C-CEA4-406E-B171-93BAE5653B0C}" destId="{CD64E07C-5D45-42C5-8A4B-A9EB66FF00CD}" srcOrd="0" destOrd="0" presId="urn:microsoft.com/office/officeart/2008/layout/HorizontalMultiLevelHierarchy"/>
+    <dgm:cxn modelId="{2442424F-5E5C-4658-AE4F-03EB41572826}" type="presOf" srcId="{F9328DBE-6614-48B0-B9FE-05D720169C41}" destId="{A516CBD4-A789-474E-A367-500D9CA907BA}" srcOrd="1" destOrd="0" presId="urn:microsoft.com/office/officeart/2008/layout/HorizontalMultiLevelHierarchy"/>
     <dgm:cxn modelId="{1E0D654F-E4F3-4D96-A4B8-E3C0E38BEC71}" type="presOf" srcId="{57C8DC3E-9763-4FB7-97D4-6F9BEC581893}" destId="{BAB8F9F6-7885-4755-941C-062DF42B078C}" srcOrd="0" destOrd="0" presId="urn:microsoft.com/office/officeart/2008/layout/HorizontalMultiLevelHierarchy"/>
+    <dgm:cxn modelId="{34A19B55-FFE5-4F29-AC47-BCF971E82276}" type="presOf" srcId="{0F85E679-8C75-4193-A8D9-294E89E259CD}" destId="{18EF8273-E954-4D26-A95A-1EE83CF0D316}" srcOrd="0" destOrd="0" presId="urn:microsoft.com/office/officeart/2008/layout/HorizontalMultiLevelHierarchy"/>
+    <dgm:cxn modelId="{FC1BE975-BD7D-47FF-B749-F811907D4E83}" type="presOf" srcId="{C077A9BE-20EE-4821-8BAA-E3E1BD097820}" destId="{3A9957A6-52E0-420E-862B-7D8228F5A71D}" srcOrd="0" destOrd="0" presId="urn:microsoft.com/office/officeart/2008/layout/HorizontalMultiLevelHierarchy"/>
+    <dgm:cxn modelId="{AFCEAB7E-F348-4DFE-BF7C-35F603877094}" type="presOf" srcId="{6BD4A8A6-452C-47CA-8BCE-AC7CAC459C54}" destId="{C1BD5470-1FE1-4016-BA4F-348BFAA6A0DD}" srcOrd="0" destOrd="0" presId="urn:microsoft.com/office/officeart/2008/layout/HorizontalMultiLevelHierarchy"/>
+    <dgm:cxn modelId="{75864D80-137B-45AD-9831-9791216C3686}" type="presOf" srcId="{F153428A-222D-46F5-8CD4-26DD7D724689}" destId="{2DCEB3B1-635B-4E90-84B0-451F573C77D8}" srcOrd="0" destOrd="0" presId="urn:microsoft.com/office/officeart/2008/layout/HorizontalMultiLevelHierarchy"/>
+    <dgm:cxn modelId="{0EDC838B-1F1A-4509-87C8-42938FF0C46F}" type="presOf" srcId="{5B06EAA6-05CD-46F0-A2C5-1C839237FFCB}" destId="{25E2C4F2-7F34-462A-AE38-CC86250E3F1B}" srcOrd="1" destOrd="0" presId="urn:microsoft.com/office/officeart/2008/layout/HorizontalMultiLevelHierarchy"/>
+    <dgm:cxn modelId="{0398DE8B-1B68-4A27-BF6A-0A03841C923B}" type="presOf" srcId="{FFC2165E-78C9-4C2A-A930-F230336750EF}" destId="{6F9B968D-880A-4243-8F42-35F821483CC1}" srcOrd="0" destOrd="0" presId="urn:microsoft.com/office/officeart/2008/layout/HorizontalMultiLevelHierarchy"/>
+    <dgm:cxn modelId="{54107F91-BF89-4E43-AC61-83DCFCA7428A}" type="presOf" srcId="{2B0D0343-FE50-462C-80F0-AC782EF275A7}" destId="{2A9D59FE-3B8F-4AF7-9569-DDB13172CADA}" srcOrd="1" destOrd="0" presId="urn:microsoft.com/office/officeart/2008/layout/HorizontalMultiLevelHierarchy"/>
+    <dgm:cxn modelId="{DC9E6A95-8D27-4111-911F-65075AA8213C}" srcId="{E4EA881F-A109-464D-A449-35E0AD3D6B3C}" destId="{0F85E679-8C75-4193-A8D9-294E89E259CD}" srcOrd="1" destOrd="0" parTransId="{F2DFFB1C-6285-4608-9787-9FDC8D6983C8}" sibTransId="{A398352F-6BC0-4B00-BE7C-F0EAB785C5C6}"/>
+    <dgm:cxn modelId="{37C2F1B2-8687-4D87-8184-75C8B9387FBC}" type="presOf" srcId="{62A9B646-284B-48F5-80ED-540FC5D67322}" destId="{08667CF8-668A-4E0C-80BE-1ECA55A60758}" srcOrd="0" destOrd="0" presId="urn:microsoft.com/office/officeart/2008/layout/HorizontalMultiLevelHierarchy"/>
+    <dgm:cxn modelId="{5A981DB7-380F-441C-BA62-FC65E7623269}" type="presOf" srcId="{F2DFFB1C-6285-4608-9787-9FDC8D6983C8}" destId="{65659748-38CF-4C55-AB89-8BDFF2EECC71}" srcOrd="0" destOrd="0" presId="urn:microsoft.com/office/officeart/2008/layout/HorizontalMultiLevelHierarchy"/>
+    <dgm:cxn modelId="{EED58DC2-07DD-4D66-82ED-79F4924B2554}" type="presOf" srcId="{13B853FE-FE66-4E31-B844-EAD9A33FD737}" destId="{BF55494F-A2F3-4F10-B51F-27CF212E3C16}" srcOrd="0" destOrd="0" presId="urn:microsoft.com/office/officeart/2008/layout/HorizontalMultiLevelHierarchy"/>
+    <dgm:cxn modelId="{6861AFC5-22DA-4EDD-A81A-30B6CC80A44F}" type="presOf" srcId="{836056C2-1D03-4123-82A5-D6923A3BECAE}" destId="{A2FEE7D6-0FF0-41B4-B887-F8BEC5BE3C67}" srcOrd="1" destOrd="0" presId="urn:microsoft.com/office/officeart/2008/layout/HorizontalMultiLevelHierarchy"/>
+    <dgm:cxn modelId="{D97619CA-2472-49A1-A424-FA5F75AC1300}" srcId="{C077A9BE-20EE-4821-8BAA-E3E1BD097820}" destId="{2108F40E-9C5F-4ACB-9FA1-E752060CB95B}" srcOrd="0" destOrd="0" parTransId="{BBDC8041-B71B-4423-B1D5-F7253CA02DB1}" sibTransId="{7B5DF54E-8890-4097-B794-3D80F8D746B5}"/>
+    <dgm:cxn modelId="{F878B4CA-74F7-43ED-9557-503B92EB5630}" srcId="{6BD4A8A6-452C-47CA-8BCE-AC7CAC459C54}" destId="{FFC2165E-78C9-4C2A-A930-F230336750EF}" srcOrd="0" destOrd="0" parTransId="{13B853FE-FE66-4E31-B844-EAD9A33FD737}" sibTransId="{AC5D3722-9839-48C6-99DF-00902571F23C}"/>
+    <dgm:cxn modelId="{0A020ECD-16F7-47F6-8396-879FEF7D964C}" type="presOf" srcId="{2B0D0343-FE50-462C-80F0-AC782EF275A7}" destId="{3398A3A8-9AC6-4EC3-9DEB-F8391423B1D3}" srcOrd="0" destOrd="0" presId="urn:microsoft.com/office/officeart/2008/layout/HorizontalMultiLevelHierarchy"/>
+    <dgm:cxn modelId="{5C754CCF-A95B-4D81-8279-41FE56FF2C51}" type="presOf" srcId="{2108F40E-9C5F-4ACB-9FA1-E752060CB95B}" destId="{002B1973-FA78-4CCC-9FB5-D3070C78CFC4}" srcOrd="0" destOrd="0" presId="urn:microsoft.com/office/officeart/2008/layout/HorizontalMultiLevelHierarchy"/>
+    <dgm:cxn modelId="{6FD0ABD1-5A0A-4791-876C-8461C5F38701}" type="presOf" srcId="{7AF9FFD4-3558-4A26-982E-1CDD1E56DC61}" destId="{F340892F-B816-4C7B-B2E4-47DB10E3A0ED}" srcOrd="0" destOrd="0" presId="urn:microsoft.com/office/officeart/2008/layout/HorizontalMultiLevelHierarchy"/>
+    <dgm:cxn modelId="{A2BAA2E1-C95D-48D3-9D5B-D1192CF85C40}" type="presOf" srcId="{5E69031F-4387-4AD8-991E-D42BA5A2EAB5}" destId="{FABAB5DE-0D2B-49EA-B012-E66464E80E54}" srcOrd="1" destOrd="0" presId="urn:microsoft.com/office/officeart/2008/layout/HorizontalMultiLevelHierarchy"/>
     <dgm:cxn modelId="{D4523AF1-60E6-4156-810F-36921A275B3F}" type="presOf" srcId="{836056C2-1D03-4123-82A5-D6923A3BECAE}" destId="{B0CE050F-A959-4163-92AE-A67ABEC49925}" srcOrd="0" destOrd="0" presId="urn:microsoft.com/office/officeart/2008/layout/HorizontalMultiLevelHierarchy"/>
-    <dgm:cxn modelId="{731C0D0D-212C-4116-AD23-1A99B08E37BE}" type="presOf" srcId="{5B06EAA6-05CD-46F0-A2C5-1C839237FFCB}" destId="{D4632A1E-3565-4805-B572-12228E4B9544}" srcOrd="0" destOrd="0" presId="urn:microsoft.com/office/officeart/2008/layout/HorizontalMultiLevelHierarchy"/>
-    <dgm:cxn modelId="{37C2F1B2-8687-4D87-8184-75C8B9387FBC}" type="presOf" srcId="{62A9B646-284B-48F5-80ED-540FC5D67322}" destId="{08667CF8-668A-4E0C-80BE-1ECA55A60758}" srcOrd="0" destOrd="0" presId="urn:microsoft.com/office/officeart/2008/layout/HorizontalMultiLevelHierarchy"/>
-    <dgm:cxn modelId="{1BD35729-CE62-4AF0-9B34-8B364AAD9A70}" type="presOf" srcId="{5E69031F-4387-4AD8-991E-D42BA5A2EAB5}" destId="{3621ADDC-7295-44B9-92E3-100C0831D470}" srcOrd="0" destOrd="0" presId="urn:microsoft.com/office/officeart/2008/layout/HorizontalMultiLevelHierarchy"/>
-    <dgm:cxn modelId="{8A9B330F-116A-4879-A5C2-F50371A354C8}" srcId="{1A55AB7C-CEA4-406E-B171-93BAE5653B0C}" destId="{E4EA881F-A109-464D-A449-35E0AD3D6B3C}" srcOrd="2" destOrd="0" parTransId="{2B0D0343-FE50-462C-80F0-AC782EF275A7}" sibTransId="{DC96A733-F8B0-4099-BDEF-A75C92B96D17}"/>
-    <dgm:cxn modelId="{DC9E6A95-8D27-4111-911F-65075AA8213C}" srcId="{E4EA881F-A109-464D-A449-35E0AD3D6B3C}" destId="{0F85E679-8C75-4193-A8D9-294E89E259CD}" srcOrd="1" destOrd="0" parTransId="{F2DFFB1C-6285-4608-9787-9FDC8D6983C8}" sibTransId="{A398352F-6BC0-4B00-BE7C-F0EAB785C5C6}"/>
-    <dgm:cxn modelId="{34A19B55-FFE5-4F29-AC47-BCF971E82276}" type="presOf" srcId="{0F85E679-8C75-4193-A8D9-294E89E259CD}" destId="{18EF8273-E954-4D26-A95A-1EE83CF0D316}" srcOrd="0" destOrd="0" presId="urn:microsoft.com/office/officeart/2008/layout/HorizontalMultiLevelHierarchy"/>
-    <dgm:cxn modelId="{A91D1319-3CB2-450A-83EA-BD01E8EE9401}" type="presOf" srcId="{F153428A-222D-46F5-8CD4-26DD7D724689}" destId="{0CE5678E-EC25-4002-8CD2-287955CC7645}" srcOrd="1" destOrd="0" presId="urn:microsoft.com/office/officeart/2008/layout/HorizontalMultiLevelHierarchy"/>
-    <dgm:cxn modelId="{D97619CA-2472-49A1-A424-FA5F75AC1300}" srcId="{C077A9BE-20EE-4821-8BAA-E3E1BD097820}" destId="{2108F40E-9C5F-4ACB-9FA1-E752060CB95B}" srcOrd="0" destOrd="0" parTransId="{BBDC8041-B71B-4423-B1D5-F7253CA02DB1}" sibTransId="{7B5DF54E-8890-4097-B794-3D80F8D746B5}"/>
-    <dgm:cxn modelId="{10DEFE0D-5B1A-4B20-BB25-49FCF8E2FE45}" type="presOf" srcId="{F9328DBE-6614-48B0-B9FE-05D720169C41}" destId="{716D1F8C-E378-4A4A-9040-C8A31DFF530A}" srcOrd="0" destOrd="0" presId="urn:microsoft.com/office/officeart/2008/layout/HorizontalMultiLevelHierarchy"/>
-    <dgm:cxn modelId="{FC1BE975-BD7D-47FF-B749-F811907D4E83}" type="presOf" srcId="{C077A9BE-20EE-4821-8BAA-E3E1BD097820}" destId="{3A9957A6-52E0-420E-862B-7D8228F5A71D}" srcOrd="0" destOrd="0" presId="urn:microsoft.com/office/officeart/2008/layout/HorizontalMultiLevelHierarchy"/>
-    <dgm:cxn modelId="{0E9B6A46-97B5-4A81-BEDD-CD7AB4E999D8}" srcId="{1A55AB7C-CEA4-406E-B171-93BAE5653B0C}" destId="{57C8DC3E-9763-4FB7-97D4-6F9BEC581893}" srcOrd="0" destOrd="0" parTransId="{F9328DBE-6614-48B0-B9FE-05D720169C41}" sibTransId="{57CE7E44-5897-4717-8F9A-3406A8E184BB}"/>
-    <dgm:cxn modelId="{AFCEAB7E-F348-4DFE-BF7C-35F603877094}" type="presOf" srcId="{6BD4A8A6-452C-47CA-8BCE-AC7CAC459C54}" destId="{C1BD5470-1FE1-4016-BA4F-348BFAA6A0DD}" srcOrd="0" destOrd="0" presId="urn:microsoft.com/office/officeart/2008/layout/HorizontalMultiLevelHierarchy"/>
-    <dgm:cxn modelId="{0EDC838B-1F1A-4509-87C8-42938FF0C46F}" type="presOf" srcId="{5B06EAA6-05CD-46F0-A2C5-1C839237FFCB}" destId="{25E2C4F2-7F34-462A-AE38-CC86250E3F1B}" srcOrd="1" destOrd="0" presId="urn:microsoft.com/office/officeart/2008/layout/HorizontalMultiLevelHierarchy"/>
-    <dgm:cxn modelId="{6861AFC5-22DA-4EDD-A81A-30B6CC80A44F}" type="presOf" srcId="{836056C2-1D03-4123-82A5-D6923A3BECAE}" destId="{A2FEE7D6-0FF0-41B4-B887-F8BEC5BE3C67}" srcOrd="1" destOrd="0" presId="urn:microsoft.com/office/officeart/2008/layout/HorizontalMultiLevelHierarchy"/>
-    <dgm:cxn modelId="{5C754CCF-A95B-4D81-8279-41FE56FF2C51}" type="presOf" srcId="{2108F40E-9C5F-4ACB-9FA1-E752060CB95B}" destId="{002B1973-FA78-4CCC-9FB5-D3070C78CFC4}" srcOrd="0" destOrd="0" presId="urn:microsoft.com/office/officeart/2008/layout/HorizontalMultiLevelHierarchy"/>
-    <dgm:cxn modelId="{B3F86762-4CAA-4D70-9E85-0CC05996D569}" srcId="{2108F40E-9C5F-4ACB-9FA1-E752060CB95B}" destId="{1A55AB7C-CEA4-406E-B171-93BAE5653B0C}" srcOrd="0" destOrd="0" parTransId="{5E69031F-4387-4AD8-991E-D42BA5A2EAB5}" sibTransId="{5E9E6BBA-9339-4E57-BCF7-37DCCCA9EDC8}"/>
-    <dgm:cxn modelId="{0A020ECD-16F7-47F6-8396-879FEF7D964C}" type="presOf" srcId="{2B0D0343-FE50-462C-80F0-AC782EF275A7}" destId="{3398A3A8-9AC6-4EC3-9DEB-F8391423B1D3}" srcOrd="0" destOrd="0" presId="urn:microsoft.com/office/officeart/2008/layout/HorizontalMultiLevelHierarchy"/>
-    <dgm:cxn modelId="{54107F91-BF89-4E43-AC61-83DCFCA7428A}" type="presOf" srcId="{2B0D0343-FE50-462C-80F0-AC782EF275A7}" destId="{2A9D59FE-3B8F-4AF7-9569-DDB13172CADA}" srcOrd="1" destOrd="0" presId="urn:microsoft.com/office/officeart/2008/layout/HorizontalMultiLevelHierarchy"/>
-    <dgm:cxn modelId="{2442424F-5E5C-4658-AE4F-03EB41572826}" type="presOf" srcId="{F9328DBE-6614-48B0-B9FE-05D720169C41}" destId="{A516CBD4-A789-474E-A367-500D9CA907BA}" srcOrd="1" destOrd="0" presId="urn:microsoft.com/office/officeart/2008/layout/HorizontalMultiLevelHierarchy"/>
-    <dgm:cxn modelId="{0398DE8B-1B68-4A27-BF6A-0A03841C923B}" type="presOf" srcId="{FFC2165E-78C9-4C2A-A930-F230336750EF}" destId="{6F9B968D-880A-4243-8F42-35F821483CC1}" srcOrd="0" destOrd="0" presId="urn:microsoft.com/office/officeart/2008/layout/HorizontalMultiLevelHierarchy"/>
-    <dgm:cxn modelId="{EED58DC2-07DD-4D66-82ED-79F4924B2554}" type="presOf" srcId="{13B853FE-FE66-4E31-B844-EAD9A33FD737}" destId="{BF55494F-A2F3-4F10-B51F-27CF212E3C16}" srcOrd="0" destOrd="0" presId="urn:microsoft.com/office/officeart/2008/layout/HorizontalMultiLevelHierarchy"/>
-    <dgm:cxn modelId="{D2FA3F6A-E17A-42EB-9582-DAE801502EBA}" type="presOf" srcId="{13B853FE-FE66-4E31-B844-EAD9A33FD737}" destId="{8CA65F07-0E2B-425C-AB89-A6DAAD02A125}" srcOrd="1" destOrd="0" presId="urn:microsoft.com/office/officeart/2008/layout/HorizontalMultiLevelHierarchy"/>
-    <dgm:cxn modelId="{75864D80-137B-45AD-9831-9791216C3686}" type="presOf" srcId="{F153428A-222D-46F5-8CD4-26DD7D724689}" destId="{2DCEB3B1-635B-4E90-84B0-451F573C77D8}" srcOrd="0" destOrd="0" presId="urn:microsoft.com/office/officeart/2008/layout/HorizontalMultiLevelHierarchy"/>
-    <dgm:cxn modelId="{A2BAA2E1-C95D-48D3-9D5B-D1192CF85C40}" type="presOf" srcId="{5E69031F-4387-4AD8-991E-D42BA5A2EAB5}" destId="{FABAB5DE-0D2B-49EA-B012-E66464E80E54}" srcOrd="1" destOrd="0" presId="urn:microsoft.com/office/officeart/2008/layout/HorizontalMultiLevelHierarchy"/>
-    <dgm:cxn modelId="{6FD0ABD1-5A0A-4791-876C-8461C5F38701}" type="presOf" srcId="{7AF9FFD4-3558-4A26-982E-1CDD1E56DC61}" destId="{F340892F-B816-4C7B-B2E4-47DB10E3A0ED}" srcOrd="0" destOrd="0" presId="urn:microsoft.com/office/officeart/2008/layout/HorizontalMultiLevelHierarchy"/>
-    <dgm:cxn modelId="{1DE0372F-0109-4316-8AA9-FA2E2B17524D}" srcId="{1A55AB7C-CEA4-406E-B171-93BAE5653B0C}" destId="{6BD4A8A6-452C-47CA-8BCE-AC7CAC459C54}" srcOrd="1" destOrd="0" parTransId="{5B06EAA6-05CD-46F0-A2C5-1C839237FFCB}" sibTransId="{F26D3AF3-AB31-455E-BCB0-FD555C29C9FF}"/>
-    <dgm:cxn modelId="{91CEF422-D81F-4788-B9F6-530B1EB335A6}" srcId="{2108F40E-9C5F-4ACB-9FA1-E752060CB95B}" destId="{62A9B646-284B-48F5-80ED-540FC5D67322}" srcOrd="1" destOrd="0" parTransId="{836056C2-1D03-4123-82A5-D6923A3BECAE}" sibTransId="{392722DC-19FF-4AD9-A80E-23816A3701F4}"/>
-    <dgm:cxn modelId="{F878B4CA-74F7-43ED-9557-503B92EB5630}" srcId="{6BD4A8A6-452C-47CA-8BCE-AC7CAC459C54}" destId="{FFC2165E-78C9-4C2A-A930-F230336750EF}" srcOrd="0" destOrd="0" parTransId="{13B853FE-FE66-4E31-B844-EAD9A33FD737}" sibTransId="{AC5D3722-9839-48C6-99DF-00902571F23C}"/>
-    <dgm:cxn modelId="{EBFF0C3F-D96E-4FAE-87C9-25FAE008413F}" type="presOf" srcId="{F2DFFB1C-6285-4608-9787-9FDC8D6983C8}" destId="{D316729E-1212-41B2-A261-80B470596D0E}" srcOrd="1" destOrd="0" presId="urn:microsoft.com/office/officeart/2008/layout/HorizontalMultiLevelHierarchy"/>
     <dgm:cxn modelId="{DA8F9FFA-C83B-4217-92C0-F59C8117636C}" srcId="{E4EA881F-A109-464D-A449-35E0AD3D6B3C}" destId="{7AF9FFD4-3558-4A26-982E-1CDD1E56DC61}" srcOrd="0" destOrd="0" parTransId="{F153428A-222D-46F5-8CD4-26DD7D724689}" sibTransId="{33EF4FB8-90E6-4E17-BDEC-58E50159C311}"/>
-    <dgm:cxn modelId="{5A981DB7-380F-441C-BA62-FC65E7623269}" type="presOf" srcId="{F2DFFB1C-6285-4608-9787-9FDC8D6983C8}" destId="{65659748-38CF-4C55-AB89-8BDFF2EECC71}" srcOrd="0" destOrd="0" presId="urn:microsoft.com/office/officeart/2008/layout/HorizontalMultiLevelHierarchy"/>
     <dgm:cxn modelId="{70E84152-C842-498C-B745-6E7120B986B3}" type="presParOf" srcId="{3A9957A6-52E0-420E-862B-7D8228F5A71D}" destId="{69224708-4B14-412F-A018-509DA9186A46}" srcOrd="0" destOrd="0" presId="urn:microsoft.com/office/officeart/2008/layout/HorizontalMultiLevelHierarchy"/>
     <dgm:cxn modelId="{6081D0D6-AA0D-48C7-AB15-0309389407A1}" type="presParOf" srcId="{69224708-4B14-412F-A018-509DA9186A46}" destId="{002B1973-FA78-4CCC-9FB5-D3070C78CFC4}" srcOrd="0" destOrd="0" presId="urn:microsoft.com/office/officeart/2008/layout/HorizontalMultiLevelHierarchy"/>
     <dgm:cxn modelId="{D61C1225-9F3F-4272-94C1-052E3F2515AF}" type="presParOf" srcId="{69224708-4B14-412F-A018-509DA9186A46}" destId="{9543E4B6-9AF2-4EFD-8CCD-7DF820C47BB6}" srcOrd="1" destOrd="0" presId="urn:microsoft.com/office/officeart/2008/layout/HorizontalMultiLevelHierarchy"/>
@@ -8954,13 +8562,6 @@
         </dgm:presLayoutVars>
       </dgm:prSet>
       <dgm:spPr/>
-      <dgm:t>
-        <a:bodyPr/>
-        <a:lstStyle/>
-        <a:p>
-          <a:endParaRPr lang="en-US"/>
-        </a:p>
-      </dgm:t>
     </dgm:pt>
     <dgm:pt modelId="{91D4F938-717F-436F-84CA-DF43B34C43F6}" type="pres">
       <dgm:prSet presAssocID="{82F02F03-730A-4DAF-A057-D4D610D8A5E8}" presName="hierRoot1" presStyleCnt="0">
@@ -8981,24 +8582,10 @@
         </dgm:presLayoutVars>
       </dgm:prSet>
       <dgm:spPr/>
-      <dgm:t>
-        <a:bodyPr/>
-        <a:lstStyle/>
-        <a:p>
-          <a:endParaRPr lang="en-US"/>
-        </a:p>
-      </dgm:t>
     </dgm:pt>
     <dgm:pt modelId="{6A2119DF-43AD-4E86-9A40-DBFA2353F0B5}" type="pres">
       <dgm:prSet presAssocID="{82F02F03-730A-4DAF-A057-D4D610D8A5E8}" presName="rootConnector1" presStyleLbl="node1" presStyleIdx="0" presStyleCnt="0"/>
       <dgm:spPr/>
-      <dgm:t>
-        <a:bodyPr/>
-        <a:lstStyle/>
-        <a:p>
-          <a:endParaRPr lang="en-US"/>
-        </a:p>
-      </dgm:t>
     </dgm:pt>
     <dgm:pt modelId="{BB9D2F33-27DA-4971-AB2B-F535644B44B5}" type="pres">
       <dgm:prSet presAssocID="{82F02F03-730A-4DAF-A057-D4D610D8A5E8}" presName="hierChild2" presStyleCnt="0"/>
@@ -9007,13 +8594,6 @@
     <dgm:pt modelId="{4B3A784F-0CB9-45BE-B08B-4F8C82B8F57A}" type="pres">
       <dgm:prSet presAssocID="{1832E33E-7B2B-4550-AFE8-53A864FE3F84}" presName="Name37" presStyleLbl="parChTrans1D2" presStyleIdx="0" presStyleCnt="2"/>
       <dgm:spPr/>
-      <dgm:t>
-        <a:bodyPr/>
-        <a:lstStyle/>
-        <a:p>
-          <a:endParaRPr lang="en-US"/>
-        </a:p>
-      </dgm:t>
     </dgm:pt>
     <dgm:pt modelId="{5F485FD0-6DFC-4AF0-963D-D5CCEAF00C38}" type="pres">
       <dgm:prSet presAssocID="{5038F9C8-3BC1-487B-AE8D-DAEB88C1A31C}" presName="hierRoot2" presStyleCnt="0">
@@ -9034,24 +8614,10 @@
         </dgm:presLayoutVars>
       </dgm:prSet>
       <dgm:spPr/>
-      <dgm:t>
-        <a:bodyPr/>
-        <a:lstStyle/>
-        <a:p>
-          <a:endParaRPr lang="en-US"/>
-        </a:p>
-      </dgm:t>
     </dgm:pt>
     <dgm:pt modelId="{7F648040-6254-47B7-9FA3-32C69B141683}" type="pres">
       <dgm:prSet presAssocID="{5038F9C8-3BC1-487B-AE8D-DAEB88C1A31C}" presName="rootConnector" presStyleLbl="node2" presStyleIdx="0" presStyleCnt="2"/>
       <dgm:spPr/>
-      <dgm:t>
-        <a:bodyPr/>
-        <a:lstStyle/>
-        <a:p>
-          <a:endParaRPr lang="en-US"/>
-        </a:p>
-      </dgm:t>
     </dgm:pt>
     <dgm:pt modelId="{721F8B45-F507-4648-9B38-68C55EF8F11D}" type="pres">
       <dgm:prSet presAssocID="{5038F9C8-3BC1-487B-AE8D-DAEB88C1A31C}" presName="hierChild4" presStyleCnt="0"/>
@@ -9060,13 +8626,6 @@
     <dgm:pt modelId="{09CC0655-B7EE-43EB-BC5F-76223478FD78}" type="pres">
       <dgm:prSet presAssocID="{B6430358-897E-4976-91D7-D915E852B36D}" presName="Name37" presStyleLbl="parChTrans1D3" presStyleIdx="0" presStyleCnt="1"/>
       <dgm:spPr/>
-      <dgm:t>
-        <a:bodyPr/>
-        <a:lstStyle/>
-        <a:p>
-          <a:endParaRPr lang="en-US"/>
-        </a:p>
-      </dgm:t>
     </dgm:pt>
     <dgm:pt modelId="{E5A4A641-74B0-4CE3-9DB5-AA384A86B330}" type="pres">
       <dgm:prSet presAssocID="{1CA9A764-0689-471E-A5BA-B3E1A99494A5}" presName="hierRoot2" presStyleCnt="0">
@@ -9087,24 +8646,10 @@
         </dgm:presLayoutVars>
       </dgm:prSet>
       <dgm:spPr/>
-      <dgm:t>
-        <a:bodyPr/>
-        <a:lstStyle/>
-        <a:p>
-          <a:endParaRPr lang="en-US"/>
-        </a:p>
-      </dgm:t>
     </dgm:pt>
     <dgm:pt modelId="{67B637C7-D8B0-490D-9642-F5133505FA30}" type="pres">
       <dgm:prSet presAssocID="{1CA9A764-0689-471E-A5BA-B3E1A99494A5}" presName="rootConnector" presStyleLbl="node3" presStyleIdx="0" presStyleCnt="1"/>
       <dgm:spPr/>
-      <dgm:t>
-        <a:bodyPr/>
-        <a:lstStyle/>
-        <a:p>
-          <a:endParaRPr lang="en-US"/>
-        </a:p>
-      </dgm:t>
     </dgm:pt>
     <dgm:pt modelId="{FF37A539-0627-4602-8815-5DDE992A5C63}" type="pres">
       <dgm:prSet presAssocID="{1CA9A764-0689-471E-A5BA-B3E1A99494A5}" presName="hierChild4" presStyleCnt="0"/>
@@ -9121,13 +8666,6 @@
     <dgm:pt modelId="{EF99108C-757D-4CDF-ACB9-0A8ED92A59F8}" type="pres">
       <dgm:prSet presAssocID="{DC8FD187-F37F-45CC-89B8-FC57590D8D30}" presName="Name37" presStyleLbl="parChTrans1D2" presStyleIdx="1" presStyleCnt="2"/>
       <dgm:spPr/>
-      <dgm:t>
-        <a:bodyPr/>
-        <a:lstStyle/>
-        <a:p>
-          <a:endParaRPr lang="en-US"/>
-        </a:p>
-      </dgm:t>
     </dgm:pt>
     <dgm:pt modelId="{D198DA8C-335F-4F68-8E7C-56756AAF83DB}" type="pres">
       <dgm:prSet presAssocID="{09094470-15E0-4EBF-A323-E2FD19198363}" presName="hierRoot2" presStyleCnt="0">
@@ -9148,24 +8686,10 @@
         </dgm:presLayoutVars>
       </dgm:prSet>
       <dgm:spPr/>
-      <dgm:t>
-        <a:bodyPr/>
-        <a:lstStyle/>
-        <a:p>
-          <a:endParaRPr lang="en-US"/>
-        </a:p>
-      </dgm:t>
     </dgm:pt>
     <dgm:pt modelId="{B02177E1-104A-4886-99C9-A8F7D7EF4F4E}" type="pres">
       <dgm:prSet presAssocID="{09094470-15E0-4EBF-A323-E2FD19198363}" presName="rootConnector" presStyleLbl="node2" presStyleIdx="1" presStyleCnt="2"/>
       <dgm:spPr/>
-      <dgm:t>
-        <a:bodyPr/>
-        <a:lstStyle/>
-        <a:p>
-          <a:endParaRPr lang="en-US"/>
-        </a:p>
-      </dgm:t>
     </dgm:pt>
     <dgm:pt modelId="{93C7316F-7769-4B3C-BA40-822E755397CF}" type="pres">
       <dgm:prSet presAssocID="{09094470-15E0-4EBF-A323-E2FD19198363}" presName="hierChild4" presStyleCnt="0"/>
@@ -9181,22 +8705,22 @@
     </dgm:pt>
   </dgm:ptLst>
   <dgm:cxnLst>
+    <dgm:cxn modelId="{F3E6771B-B31E-45DB-B4CC-124B72CE53D3}" type="presOf" srcId="{5038F9C8-3BC1-487B-AE8D-DAEB88C1A31C}" destId="{CC7CC848-C007-401B-A13D-E366E4A1DC8D}" srcOrd="0" destOrd="0" presId="urn:microsoft.com/office/officeart/2005/8/layout/orgChart1"/>
+    <dgm:cxn modelId="{5615011D-6EDC-49C3-8A5A-D063DC5A118B}" type="presOf" srcId="{5038F9C8-3BC1-487B-AE8D-DAEB88C1A31C}" destId="{7F648040-6254-47B7-9FA3-32C69B141683}" srcOrd="1" destOrd="0" presId="urn:microsoft.com/office/officeart/2005/8/layout/orgChart1"/>
+    <dgm:cxn modelId="{E6B9D727-61C5-42D7-8646-5472CE72C090}" type="presOf" srcId="{09094470-15E0-4EBF-A323-E2FD19198363}" destId="{B02177E1-104A-4886-99C9-A8F7D7EF4F4E}" srcOrd="1" destOrd="0" presId="urn:microsoft.com/office/officeart/2005/8/layout/orgChart1"/>
+    <dgm:cxn modelId="{B572F72B-EC56-40A4-B4AB-D79E75284F37}" type="presOf" srcId="{82F02F03-730A-4DAF-A057-D4D610D8A5E8}" destId="{CFB66C49-9DBB-43C1-AC1C-A20BDD43BAAA}" srcOrd="0" destOrd="0" presId="urn:microsoft.com/office/officeart/2005/8/layout/orgChart1"/>
+    <dgm:cxn modelId="{12B45C36-D7B4-4DC5-AC32-20F1C412A4F4}" type="presOf" srcId="{82F02F03-730A-4DAF-A057-D4D610D8A5E8}" destId="{6A2119DF-43AD-4E86-9A40-DBFA2353F0B5}" srcOrd="1" destOrd="0" presId="urn:microsoft.com/office/officeart/2005/8/layout/orgChart1"/>
+    <dgm:cxn modelId="{BBA6054D-CE0F-4FD9-B6B1-75301A03C40E}" srcId="{82F02F03-730A-4DAF-A057-D4D610D8A5E8}" destId="{5038F9C8-3BC1-487B-AE8D-DAEB88C1A31C}" srcOrd="0" destOrd="0" parTransId="{1832E33E-7B2B-4550-AFE8-53A864FE3F84}" sibTransId="{EB20B15B-E4CD-42D1-AC3E-CF832B50C832}"/>
+    <dgm:cxn modelId="{5684DA7F-568E-4849-9C74-1B2E84532BD2}" srcId="{82F02F03-730A-4DAF-A057-D4D610D8A5E8}" destId="{09094470-15E0-4EBF-A323-E2FD19198363}" srcOrd="1" destOrd="0" parTransId="{DC8FD187-F37F-45CC-89B8-FC57590D8D30}" sibTransId="{42C96DCC-09FB-4AE5-97E5-4A7C4279D296}"/>
+    <dgm:cxn modelId="{570AA49D-A10B-495C-8F76-83A0E667436B}" type="presOf" srcId="{1CA9A764-0689-471E-A5BA-B3E1A99494A5}" destId="{916EE394-35DE-474F-85AB-FD50E040F8A5}" srcOrd="0" destOrd="0" presId="urn:microsoft.com/office/officeart/2005/8/layout/orgChart1"/>
+    <dgm:cxn modelId="{9C9E49A9-33A8-404B-A342-F04E48D2CD5C}" type="presOf" srcId="{D68A1F77-1578-47CD-8AE5-056C7A74C7F2}" destId="{25994067-A961-4CB2-B7B1-0EF923F95F6D}" srcOrd="0" destOrd="0" presId="urn:microsoft.com/office/officeart/2005/8/layout/orgChart1"/>
+    <dgm:cxn modelId="{3A1491AC-5B01-4AE1-92B1-51D6ABF2D2F8}" type="presOf" srcId="{1832E33E-7B2B-4550-AFE8-53A864FE3F84}" destId="{4B3A784F-0CB9-45BE-B08B-4F8C82B8F57A}" srcOrd="0" destOrd="0" presId="urn:microsoft.com/office/officeart/2005/8/layout/orgChart1"/>
+    <dgm:cxn modelId="{07A051C1-3718-4FCF-B116-296E5C61E658}" srcId="{D68A1F77-1578-47CD-8AE5-056C7A74C7F2}" destId="{82F02F03-730A-4DAF-A057-D4D610D8A5E8}" srcOrd="0" destOrd="0" parTransId="{7B5DBD78-3F9C-474E-9875-5622DCB3EB95}" sibTransId="{76C6719B-D346-4A08-87C0-CBD3E0675760}"/>
+    <dgm:cxn modelId="{13CDEAC5-84E6-4E86-A3CF-CB91AC1B9253}" type="presOf" srcId="{DC8FD187-F37F-45CC-89B8-FC57590D8D30}" destId="{EF99108C-757D-4CDF-ACB9-0A8ED92A59F8}" srcOrd="0" destOrd="0" presId="urn:microsoft.com/office/officeart/2005/8/layout/orgChart1"/>
+    <dgm:cxn modelId="{5A2E3DDF-F322-470A-A249-94DE015AEAFA}" srcId="{5038F9C8-3BC1-487B-AE8D-DAEB88C1A31C}" destId="{1CA9A764-0689-471E-A5BA-B3E1A99494A5}" srcOrd="0" destOrd="0" parTransId="{B6430358-897E-4976-91D7-D915E852B36D}" sibTransId="{8B0FCB8D-5FE6-4969-AB03-28DCF44FAF5C}"/>
     <dgm:cxn modelId="{CAA6C7EA-1DEC-4DBB-B74B-B9F7F04EF4D4}" type="presOf" srcId="{1CA9A764-0689-471E-A5BA-B3E1A99494A5}" destId="{67B637C7-D8B0-490D-9642-F5133505FA30}" srcOrd="1" destOrd="0" presId="urn:microsoft.com/office/officeart/2005/8/layout/orgChart1"/>
-    <dgm:cxn modelId="{5684DA7F-568E-4849-9C74-1B2E84532BD2}" srcId="{82F02F03-730A-4DAF-A057-D4D610D8A5E8}" destId="{09094470-15E0-4EBF-A323-E2FD19198363}" srcOrd="1" destOrd="0" parTransId="{DC8FD187-F37F-45CC-89B8-FC57590D8D30}" sibTransId="{42C96DCC-09FB-4AE5-97E5-4A7C4279D296}"/>
     <dgm:cxn modelId="{1B4CDEEA-9124-4E99-B53B-C2B58DC53395}" type="presOf" srcId="{09094470-15E0-4EBF-A323-E2FD19198363}" destId="{F1A6C34D-97CE-48AF-B526-9324C873A645}" srcOrd="0" destOrd="0" presId="urn:microsoft.com/office/officeart/2005/8/layout/orgChart1"/>
-    <dgm:cxn modelId="{9C9E49A9-33A8-404B-A342-F04E48D2CD5C}" type="presOf" srcId="{D68A1F77-1578-47CD-8AE5-056C7A74C7F2}" destId="{25994067-A961-4CB2-B7B1-0EF923F95F6D}" srcOrd="0" destOrd="0" presId="urn:microsoft.com/office/officeart/2005/8/layout/orgChart1"/>
-    <dgm:cxn modelId="{BBA6054D-CE0F-4FD9-B6B1-75301A03C40E}" srcId="{82F02F03-730A-4DAF-A057-D4D610D8A5E8}" destId="{5038F9C8-3BC1-487B-AE8D-DAEB88C1A31C}" srcOrd="0" destOrd="0" parTransId="{1832E33E-7B2B-4550-AFE8-53A864FE3F84}" sibTransId="{EB20B15B-E4CD-42D1-AC3E-CF832B50C832}"/>
-    <dgm:cxn modelId="{13CDEAC5-84E6-4E86-A3CF-CB91AC1B9253}" type="presOf" srcId="{DC8FD187-F37F-45CC-89B8-FC57590D8D30}" destId="{EF99108C-757D-4CDF-ACB9-0A8ED92A59F8}" srcOrd="0" destOrd="0" presId="urn:microsoft.com/office/officeart/2005/8/layout/orgChart1"/>
-    <dgm:cxn modelId="{F3E6771B-B31E-45DB-B4CC-124B72CE53D3}" type="presOf" srcId="{5038F9C8-3BC1-487B-AE8D-DAEB88C1A31C}" destId="{CC7CC848-C007-401B-A13D-E366E4A1DC8D}" srcOrd="0" destOrd="0" presId="urn:microsoft.com/office/officeart/2005/8/layout/orgChart1"/>
-    <dgm:cxn modelId="{07A051C1-3718-4FCF-B116-296E5C61E658}" srcId="{D68A1F77-1578-47CD-8AE5-056C7A74C7F2}" destId="{82F02F03-730A-4DAF-A057-D4D610D8A5E8}" srcOrd="0" destOrd="0" parTransId="{7B5DBD78-3F9C-474E-9875-5622DCB3EB95}" sibTransId="{76C6719B-D346-4A08-87C0-CBD3E0675760}"/>
-    <dgm:cxn modelId="{3A1491AC-5B01-4AE1-92B1-51D6ABF2D2F8}" type="presOf" srcId="{1832E33E-7B2B-4550-AFE8-53A864FE3F84}" destId="{4B3A784F-0CB9-45BE-B08B-4F8C82B8F57A}" srcOrd="0" destOrd="0" presId="urn:microsoft.com/office/officeart/2005/8/layout/orgChart1"/>
-    <dgm:cxn modelId="{E6B9D727-61C5-42D7-8646-5472CE72C090}" type="presOf" srcId="{09094470-15E0-4EBF-A323-E2FD19198363}" destId="{B02177E1-104A-4886-99C9-A8F7D7EF4F4E}" srcOrd="1" destOrd="0" presId="urn:microsoft.com/office/officeart/2005/8/layout/orgChart1"/>
-    <dgm:cxn modelId="{12B45C36-D7B4-4DC5-AC32-20F1C412A4F4}" type="presOf" srcId="{82F02F03-730A-4DAF-A057-D4D610D8A5E8}" destId="{6A2119DF-43AD-4E86-9A40-DBFA2353F0B5}" srcOrd="1" destOrd="0" presId="urn:microsoft.com/office/officeart/2005/8/layout/orgChart1"/>
-    <dgm:cxn modelId="{B572F72B-EC56-40A4-B4AB-D79E75284F37}" type="presOf" srcId="{82F02F03-730A-4DAF-A057-D4D610D8A5E8}" destId="{CFB66C49-9DBB-43C1-AC1C-A20BDD43BAAA}" srcOrd="0" destOrd="0" presId="urn:microsoft.com/office/officeart/2005/8/layout/orgChart1"/>
-    <dgm:cxn modelId="{5615011D-6EDC-49C3-8A5A-D063DC5A118B}" type="presOf" srcId="{5038F9C8-3BC1-487B-AE8D-DAEB88C1A31C}" destId="{7F648040-6254-47B7-9FA3-32C69B141683}" srcOrd="1" destOrd="0" presId="urn:microsoft.com/office/officeart/2005/8/layout/orgChart1"/>
-    <dgm:cxn modelId="{570AA49D-A10B-495C-8F76-83A0E667436B}" type="presOf" srcId="{1CA9A764-0689-471E-A5BA-B3E1A99494A5}" destId="{916EE394-35DE-474F-85AB-FD50E040F8A5}" srcOrd="0" destOrd="0" presId="urn:microsoft.com/office/officeart/2005/8/layout/orgChart1"/>
     <dgm:cxn modelId="{EABB91F7-DC39-4AB0-A1B8-80E39631F911}" type="presOf" srcId="{B6430358-897E-4976-91D7-D915E852B36D}" destId="{09CC0655-B7EE-43EB-BC5F-76223478FD78}" srcOrd="0" destOrd="0" presId="urn:microsoft.com/office/officeart/2005/8/layout/orgChart1"/>
-    <dgm:cxn modelId="{5A2E3DDF-F322-470A-A249-94DE015AEAFA}" srcId="{5038F9C8-3BC1-487B-AE8D-DAEB88C1A31C}" destId="{1CA9A764-0689-471E-A5BA-B3E1A99494A5}" srcOrd="0" destOrd="0" parTransId="{B6430358-897E-4976-91D7-D915E852B36D}" sibTransId="{8B0FCB8D-5FE6-4969-AB03-28DCF44FAF5C}"/>
     <dgm:cxn modelId="{3B258A9D-00F4-4E2C-8D47-4F01B080CA09}" type="presParOf" srcId="{25994067-A961-4CB2-B7B1-0EF923F95F6D}" destId="{91D4F938-717F-436F-84CA-DF43B34C43F6}" srcOrd="0" destOrd="0" presId="urn:microsoft.com/office/officeart/2005/8/layout/orgChart1"/>
     <dgm:cxn modelId="{450931F3-9A45-4ABD-8571-F8A51E310985}" type="presParOf" srcId="{91D4F938-717F-436F-84CA-DF43B34C43F6}" destId="{34179DB5-25F8-45D1-B2E9-A8C3BA70BE77}" srcOrd="0" destOrd="0" presId="urn:microsoft.com/office/officeart/2005/8/layout/orgChart1"/>
     <dgm:cxn modelId="{9A70406E-696E-41B0-A949-2BEC5E383509}" type="presParOf" srcId="{34179DB5-25F8-45D1-B2E9-A8C3BA70BE77}" destId="{CFB66C49-9DBB-43C1-AC1C-A20BDD43BAAA}" srcOrd="0" destOrd="0" presId="urn:microsoft.com/office/officeart/2005/8/layout/orgChart1"/>
@@ -9417,13 +8941,6 @@
         </dgm:presLayoutVars>
       </dgm:prSet>
       <dgm:spPr/>
-      <dgm:t>
-        <a:bodyPr/>
-        <a:lstStyle/>
-        <a:p>
-          <a:endParaRPr lang="en-US"/>
-        </a:p>
-      </dgm:t>
     </dgm:pt>
     <dgm:pt modelId="{91D4F938-717F-436F-84CA-DF43B34C43F6}" type="pres">
       <dgm:prSet presAssocID="{82F02F03-730A-4DAF-A057-D4D610D8A5E8}" presName="hierRoot1" presStyleCnt="0">
@@ -9444,24 +8961,10 @@
         </dgm:presLayoutVars>
       </dgm:prSet>
       <dgm:spPr/>
-      <dgm:t>
-        <a:bodyPr/>
-        <a:lstStyle/>
-        <a:p>
-          <a:endParaRPr lang="en-US"/>
-        </a:p>
-      </dgm:t>
     </dgm:pt>
     <dgm:pt modelId="{6A2119DF-43AD-4E86-9A40-DBFA2353F0B5}" type="pres">
       <dgm:prSet presAssocID="{82F02F03-730A-4DAF-A057-D4D610D8A5E8}" presName="rootConnector1" presStyleLbl="node1" presStyleIdx="0" presStyleCnt="0"/>
       <dgm:spPr/>
-      <dgm:t>
-        <a:bodyPr/>
-        <a:lstStyle/>
-        <a:p>
-          <a:endParaRPr lang="en-US"/>
-        </a:p>
-      </dgm:t>
     </dgm:pt>
     <dgm:pt modelId="{BB9D2F33-27DA-4971-AB2B-F535644B44B5}" type="pres">
       <dgm:prSet presAssocID="{82F02F03-730A-4DAF-A057-D4D610D8A5E8}" presName="hierChild2" presStyleCnt="0"/>
@@ -9470,13 +8973,6 @@
     <dgm:pt modelId="{4B3A784F-0CB9-45BE-B08B-4F8C82B8F57A}" type="pres">
       <dgm:prSet presAssocID="{1832E33E-7B2B-4550-AFE8-53A864FE3F84}" presName="Name37" presStyleLbl="parChTrans1D2" presStyleIdx="0" presStyleCnt="2"/>
       <dgm:spPr/>
-      <dgm:t>
-        <a:bodyPr/>
-        <a:lstStyle/>
-        <a:p>
-          <a:endParaRPr lang="en-US"/>
-        </a:p>
-      </dgm:t>
     </dgm:pt>
     <dgm:pt modelId="{5F485FD0-6DFC-4AF0-963D-D5CCEAF00C38}" type="pres">
       <dgm:prSet presAssocID="{5038F9C8-3BC1-487B-AE8D-DAEB88C1A31C}" presName="hierRoot2" presStyleCnt="0">
@@ -9497,24 +8993,10 @@
         </dgm:presLayoutVars>
       </dgm:prSet>
       <dgm:spPr/>
-      <dgm:t>
-        <a:bodyPr/>
-        <a:lstStyle/>
-        <a:p>
-          <a:endParaRPr lang="en-US"/>
-        </a:p>
-      </dgm:t>
     </dgm:pt>
     <dgm:pt modelId="{7F648040-6254-47B7-9FA3-32C69B141683}" type="pres">
       <dgm:prSet presAssocID="{5038F9C8-3BC1-487B-AE8D-DAEB88C1A31C}" presName="rootConnector" presStyleLbl="node2" presStyleIdx="0" presStyleCnt="2"/>
       <dgm:spPr/>
-      <dgm:t>
-        <a:bodyPr/>
-        <a:lstStyle/>
-        <a:p>
-          <a:endParaRPr lang="en-US"/>
-        </a:p>
-      </dgm:t>
     </dgm:pt>
     <dgm:pt modelId="{721F8B45-F507-4648-9B38-68C55EF8F11D}" type="pres">
       <dgm:prSet presAssocID="{5038F9C8-3BC1-487B-AE8D-DAEB88C1A31C}" presName="hierChild4" presStyleCnt="0"/>
@@ -9523,13 +9005,6 @@
     <dgm:pt modelId="{09CC0655-B7EE-43EB-BC5F-76223478FD78}" type="pres">
       <dgm:prSet presAssocID="{B6430358-897E-4976-91D7-D915E852B36D}" presName="Name37" presStyleLbl="parChTrans1D3" presStyleIdx="0" presStyleCnt="1"/>
       <dgm:spPr/>
-      <dgm:t>
-        <a:bodyPr/>
-        <a:lstStyle/>
-        <a:p>
-          <a:endParaRPr lang="en-US"/>
-        </a:p>
-      </dgm:t>
     </dgm:pt>
     <dgm:pt modelId="{E5A4A641-74B0-4CE3-9DB5-AA384A86B330}" type="pres">
       <dgm:prSet presAssocID="{1CA9A764-0689-471E-A5BA-B3E1A99494A5}" presName="hierRoot2" presStyleCnt="0">
@@ -9550,24 +9025,10 @@
         </dgm:presLayoutVars>
       </dgm:prSet>
       <dgm:spPr/>
-      <dgm:t>
-        <a:bodyPr/>
-        <a:lstStyle/>
-        <a:p>
-          <a:endParaRPr lang="en-US"/>
-        </a:p>
-      </dgm:t>
     </dgm:pt>
     <dgm:pt modelId="{67B637C7-D8B0-490D-9642-F5133505FA30}" type="pres">
       <dgm:prSet presAssocID="{1CA9A764-0689-471E-A5BA-B3E1A99494A5}" presName="rootConnector" presStyleLbl="node3" presStyleIdx="0" presStyleCnt="1"/>
       <dgm:spPr/>
-      <dgm:t>
-        <a:bodyPr/>
-        <a:lstStyle/>
-        <a:p>
-          <a:endParaRPr lang="en-US"/>
-        </a:p>
-      </dgm:t>
     </dgm:pt>
     <dgm:pt modelId="{FF37A539-0627-4602-8815-5DDE992A5C63}" type="pres">
       <dgm:prSet presAssocID="{1CA9A764-0689-471E-A5BA-B3E1A99494A5}" presName="hierChild4" presStyleCnt="0"/>
@@ -9584,13 +9045,6 @@
     <dgm:pt modelId="{EF99108C-757D-4CDF-ACB9-0A8ED92A59F8}" type="pres">
       <dgm:prSet presAssocID="{DC8FD187-F37F-45CC-89B8-FC57590D8D30}" presName="Name37" presStyleLbl="parChTrans1D2" presStyleIdx="1" presStyleCnt="2"/>
       <dgm:spPr/>
-      <dgm:t>
-        <a:bodyPr/>
-        <a:lstStyle/>
-        <a:p>
-          <a:endParaRPr lang="en-US"/>
-        </a:p>
-      </dgm:t>
     </dgm:pt>
     <dgm:pt modelId="{D198DA8C-335F-4F68-8E7C-56756AAF83DB}" type="pres">
       <dgm:prSet presAssocID="{09094470-15E0-4EBF-A323-E2FD19198363}" presName="hierRoot2" presStyleCnt="0">
@@ -9611,24 +9065,10 @@
         </dgm:presLayoutVars>
       </dgm:prSet>
       <dgm:spPr/>
-      <dgm:t>
-        <a:bodyPr/>
-        <a:lstStyle/>
-        <a:p>
-          <a:endParaRPr lang="en-US"/>
-        </a:p>
-      </dgm:t>
     </dgm:pt>
     <dgm:pt modelId="{B02177E1-104A-4886-99C9-A8F7D7EF4F4E}" type="pres">
       <dgm:prSet presAssocID="{09094470-15E0-4EBF-A323-E2FD19198363}" presName="rootConnector" presStyleLbl="node2" presStyleIdx="1" presStyleCnt="2"/>
       <dgm:spPr/>
-      <dgm:t>
-        <a:bodyPr/>
-        <a:lstStyle/>
-        <a:p>
-          <a:endParaRPr lang="en-US"/>
-        </a:p>
-      </dgm:t>
     </dgm:pt>
     <dgm:pt modelId="{93C7316F-7769-4B3C-BA40-822E755397CF}" type="pres">
       <dgm:prSet presAssocID="{09094470-15E0-4EBF-A323-E2FD19198363}" presName="hierChild4" presStyleCnt="0"/>
@@ -9644,22 +9084,22 @@
     </dgm:pt>
   </dgm:ptLst>
   <dgm:cxnLst>
+    <dgm:cxn modelId="{F3E6771B-B31E-45DB-B4CC-124B72CE53D3}" type="presOf" srcId="{5038F9C8-3BC1-487B-AE8D-DAEB88C1A31C}" destId="{CC7CC848-C007-401B-A13D-E366E4A1DC8D}" srcOrd="0" destOrd="0" presId="urn:microsoft.com/office/officeart/2005/8/layout/orgChart1"/>
+    <dgm:cxn modelId="{5615011D-6EDC-49C3-8A5A-D063DC5A118B}" type="presOf" srcId="{5038F9C8-3BC1-487B-AE8D-DAEB88C1A31C}" destId="{7F648040-6254-47B7-9FA3-32C69B141683}" srcOrd="1" destOrd="0" presId="urn:microsoft.com/office/officeart/2005/8/layout/orgChart1"/>
+    <dgm:cxn modelId="{E6B9D727-61C5-42D7-8646-5472CE72C090}" type="presOf" srcId="{09094470-15E0-4EBF-A323-E2FD19198363}" destId="{B02177E1-104A-4886-99C9-A8F7D7EF4F4E}" srcOrd="1" destOrd="0" presId="urn:microsoft.com/office/officeart/2005/8/layout/orgChart1"/>
+    <dgm:cxn modelId="{B572F72B-EC56-40A4-B4AB-D79E75284F37}" type="presOf" srcId="{82F02F03-730A-4DAF-A057-D4D610D8A5E8}" destId="{CFB66C49-9DBB-43C1-AC1C-A20BDD43BAAA}" srcOrd="0" destOrd="0" presId="urn:microsoft.com/office/officeart/2005/8/layout/orgChart1"/>
+    <dgm:cxn modelId="{12B45C36-D7B4-4DC5-AC32-20F1C412A4F4}" type="presOf" srcId="{82F02F03-730A-4DAF-A057-D4D610D8A5E8}" destId="{6A2119DF-43AD-4E86-9A40-DBFA2353F0B5}" srcOrd="1" destOrd="0" presId="urn:microsoft.com/office/officeart/2005/8/layout/orgChart1"/>
+    <dgm:cxn modelId="{BBA6054D-CE0F-4FD9-B6B1-75301A03C40E}" srcId="{82F02F03-730A-4DAF-A057-D4D610D8A5E8}" destId="{5038F9C8-3BC1-487B-AE8D-DAEB88C1A31C}" srcOrd="0" destOrd="0" parTransId="{1832E33E-7B2B-4550-AFE8-53A864FE3F84}" sibTransId="{EB20B15B-E4CD-42D1-AC3E-CF832B50C832}"/>
+    <dgm:cxn modelId="{5684DA7F-568E-4849-9C74-1B2E84532BD2}" srcId="{82F02F03-730A-4DAF-A057-D4D610D8A5E8}" destId="{09094470-15E0-4EBF-A323-E2FD19198363}" srcOrd="1" destOrd="0" parTransId="{DC8FD187-F37F-45CC-89B8-FC57590D8D30}" sibTransId="{42C96DCC-09FB-4AE5-97E5-4A7C4279D296}"/>
+    <dgm:cxn modelId="{570AA49D-A10B-495C-8F76-83A0E667436B}" type="presOf" srcId="{1CA9A764-0689-471E-A5BA-B3E1A99494A5}" destId="{916EE394-35DE-474F-85AB-FD50E040F8A5}" srcOrd="0" destOrd="0" presId="urn:microsoft.com/office/officeart/2005/8/layout/orgChart1"/>
+    <dgm:cxn modelId="{9C9E49A9-33A8-404B-A342-F04E48D2CD5C}" type="presOf" srcId="{D68A1F77-1578-47CD-8AE5-056C7A74C7F2}" destId="{25994067-A961-4CB2-B7B1-0EF923F95F6D}" srcOrd="0" destOrd="0" presId="urn:microsoft.com/office/officeart/2005/8/layout/orgChart1"/>
+    <dgm:cxn modelId="{3A1491AC-5B01-4AE1-92B1-51D6ABF2D2F8}" type="presOf" srcId="{1832E33E-7B2B-4550-AFE8-53A864FE3F84}" destId="{4B3A784F-0CB9-45BE-B08B-4F8C82B8F57A}" srcOrd="0" destOrd="0" presId="urn:microsoft.com/office/officeart/2005/8/layout/orgChart1"/>
+    <dgm:cxn modelId="{07A051C1-3718-4FCF-B116-296E5C61E658}" srcId="{D68A1F77-1578-47CD-8AE5-056C7A74C7F2}" destId="{82F02F03-730A-4DAF-A057-D4D610D8A5E8}" srcOrd="0" destOrd="0" parTransId="{7B5DBD78-3F9C-474E-9875-5622DCB3EB95}" sibTransId="{76C6719B-D346-4A08-87C0-CBD3E0675760}"/>
+    <dgm:cxn modelId="{13CDEAC5-84E6-4E86-A3CF-CB91AC1B9253}" type="presOf" srcId="{DC8FD187-F37F-45CC-89B8-FC57590D8D30}" destId="{EF99108C-757D-4CDF-ACB9-0A8ED92A59F8}" srcOrd="0" destOrd="0" presId="urn:microsoft.com/office/officeart/2005/8/layout/orgChart1"/>
+    <dgm:cxn modelId="{5A2E3DDF-F322-470A-A249-94DE015AEAFA}" srcId="{5038F9C8-3BC1-487B-AE8D-DAEB88C1A31C}" destId="{1CA9A764-0689-471E-A5BA-B3E1A99494A5}" srcOrd="0" destOrd="0" parTransId="{B6430358-897E-4976-91D7-D915E852B36D}" sibTransId="{8B0FCB8D-5FE6-4969-AB03-28DCF44FAF5C}"/>
     <dgm:cxn modelId="{CAA6C7EA-1DEC-4DBB-B74B-B9F7F04EF4D4}" type="presOf" srcId="{1CA9A764-0689-471E-A5BA-B3E1A99494A5}" destId="{67B637C7-D8B0-490D-9642-F5133505FA30}" srcOrd="1" destOrd="0" presId="urn:microsoft.com/office/officeart/2005/8/layout/orgChart1"/>
-    <dgm:cxn modelId="{5684DA7F-568E-4849-9C74-1B2E84532BD2}" srcId="{82F02F03-730A-4DAF-A057-D4D610D8A5E8}" destId="{09094470-15E0-4EBF-A323-E2FD19198363}" srcOrd="1" destOrd="0" parTransId="{DC8FD187-F37F-45CC-89B8-FC57590D8D30}" sibTransId="{42C96DCC-09FB-4AE5-97E5-4A7C4279D296}"/>
     <dgm:cxn modelId="{1B4CDEEA-9124-4E99-B53B-C2B58DC53395}" type="presOf" srcId="{09094470-15E0-4EBF-A323-E2FD19198363}" destId="{F1A6C34D-97CE-48AF-B526-9324C873A645}" srcOrd="0" destOrd="0" presId="urn:microsoft.com/office/officeart/2005/8/layout/orgChart1"/>
-    <dgm:cxn modelId="{9C9E49A9-33A8-404B-A342-F04E48D2CD5C}" type="presOf" srcId="{D68A1F77-1578-47CD-8AE5-056C7A74C7F2}" destId="{25994067-A961-4CB2-B7B1-0EF923F95F6D}" srcOrd="0" destOrd="0" presId="urn:microsoft.com/office/officeart/2005/8/layout/orgChart1"/>
-    <dgm:cxn modelId="{BBA6054D-CE0F-4FD9-B6B1-75301A03C40E}" srcId="{82F02F03-730A-4DAF-A057-D4D610D8A5E8}" destId="{5038F9C8-3BC1-487B-AE8D-DAEB88C1A31C}" srcOrd="0" destOrd="0" parTransId="{1832E33E-7B2B-4550-AFE8-53A864FE3F84}" sibTransId="{EB20B15B-E4CD-42D1-AC3E-CF832B50C832}"/>
-    <dgm:cxn modelId="{13CDEAC5-84E6-4E86-A3CF-CB91AC1B9253}" type="presOf" srcId="{DC8FD187-F37F-45CC-89B8-FC57590D8D30}" destId="{EF99108C-757D-4CDF-ACB9-0A8ED92A59F8}" srcOrd="0" destOrd="0" presId="urn:microsoft.com/office/officeart/2005/8/layout/orgChart1"/>
-    <dgm:cxn modelId="{F3E6771B-B31E-45DB-B4CC-124B72CE53D3}" type="presOf" srcId="{5038F9C8-3BC1-487B-AE8D-DAEB88C1A31C}" destId="{CC7CC848-C007-401B-A13D-E366E4A1DC8D}" srcOrd="0" destOrd="0" presId="urn:microsoft.com/office/officeart/2005/8/layout/orgChart1"/>
-    <dgm:cxn modelId="{07A051C1-3718-4FCF-B116-296E5C61E658}" srcId="{D68A1F77-1578-47CD-8AE5-056C7A74C7F2}" destId="{82F02F03-730A-4DAF-A057-D4D610D8A5E8}" srcOrd="0" destOrd="0" parTransId="{7B5DBD78-3F9C-474E-9875-5622DCB3EB95}" sibTransId="{76C6719B-D346-4A08-87C0-CBD3E0675760}"/>
-    <dgm:cxn modelId="{3A1491AC-5B01-4AE1-92B1-51D6ABF2D2F8}" type="presOf" srcId="{1832E33E-7B2B-4550-AFE8-53A864FE3F84}" destId="{4B3A784F-0CB9-45BE-B08B-4F8C82B8F57A}" srcOrd="0" destOrd="0" presId="urn:microsoft.com/office/officeart/2005/8/layout/orgChart1"/>
-    <dgm:cxn modelId="{E6B9D727-61C5-42D7-8646-5472CE72C090}" type="presOf" srcId="{09094470-15E0-4EBF-A323-E2FD19198363}" destId="{B02177E1-104A-4886-99C9-A8F7D7EF4F4E}" srcOrd="1" destOrd="0" presId="urn:microsoft.com/office/officeart/2005/8/layout/orgChart1"/>
-    <dgm:cxn modelId="{12B45C36-D7B4-4DC5-AC32-20F1C412A4F4}" type="presOf" srcId="{82F02F03-730A-4DAF-A057-D4D610D8A5E8}" destId="{6A2119DF-43AD-4E86-9A40-DBFA2353F0B5}" srcOrd="1" destOrd="0" presId="urn:microsoft.com/office/officeart/2005/8/layout/orgChart1"/>
-    <dgm:cxn modelId="{B572F72B-EC56-40A4-B4AB-D79E75284F37}" type="presOf" srcId="{82F02F03-730A-4DAF-A057-D4D610D8A5E8}" destId="{CFB66C49-9DBB-43C1-AC1C-A20BDD43BAAA}" srcOrd="0" destOrd="0" presId="urn:microsoft.com/office/officeart/2005/8/layout/orgChart1"/>
-    <dgm:cxn modelId="{5615011D-6EDC-49C3-8A5A-D063DC5A118B}" type="presOf" srcId="{5038F9C8-3BC1-487B-AE8D-DAEB88C1A31C}" destId="{7F648040-6254-47B7-9FA3-32C69B141683}" srcOrd="1" destOrd="0" presId="urn:microsoft.com/office/officeart/2005/8/layout/orgChart1"/>
-    <dgm:cxn modelId="{570AA49D-A10B-495C-8F76-83A0E667436B}" type="presOf" srcId="{1CA9A764-0689-471E-A5BA-B3E1A99494A5}" destId="{916EE394-35DE-474F-85AB-FD50E040F8A5}" srcOrd="0" destOrd="0" presId="urn:microsoft.com/office/officeart/2005/8/layout/orgChart1"/>
     <dgm:cxn modelId="{EABB91F7-DC39-4AB0-A1B8-80E39631F911}" type="presOf" srcId="{B6430358-897E-4976-91D7-D915E852B36D}" destId="{09CC0655-B7EE-43EB-BC5F-76223478FD78}" srcOrd="0" destOrd="0" presId="urn:microsoft.com/office/officeart/2005/8/layout/orgChart1"/>
-    <dgm:cxn modelId="{5A2E3DDF-F322-470A-A249-94DE015AEAFA}" srcId="{5038F9C8-3BC1-487B-AE8D-DAEB88C1A31C}" destId="{1CA9A764-0689-471E-A5BA-B3E1A99494A5}" srcOrd="0" destOrd="0" parTransId="{B6430358-897E-4976-91D7-D915E852B36D}" sibTransId="{8B0FCB8D-5FE6-4969-AB03-28DCF44FAF5C}"/>
     <dgm:cxn modelId="{3B258A9D-00F4-4E2C-8D47-4F01B080CA09}" type="presParOf" srcId="{25994067-A961-4CB2-B7B1-0EF923F95F6D}" destId="{91D4F938-717F-436F-84CA-DF43B34C43F6}" srcOrd="0" destOrd="0" presId="urn:microsoft.com/office/officeart/2005/8/layout/orgChart1"/>
     <dgm:cxn modelId="{450931F3-9A45-4ABD-8571-F8A51E310985}" type="presParOf" srcId="{91D4F938-717F-436F-84CA-DF43B34C43F6}" destId="{34179DB5-25F8-45D1-B2E9-A8C3BA70BE77}" srcOrd="0" destOrd="0" presId="urn:microsoft.com/office/officeart/2005/8/layout/orgChart1"/>
     <dgm:cxn modelId="{9A70406E-696E-41B0-A949-2BEC5E383509}" type="presParOf" srcId="{34179DB5-25F8-45D1-B2E9-A8C3BA70BE77}" destId="{CFB66C49-9DBB-43C1-AC1C-A20BDD43BAAA}" srcOrd="0" destOrd="0" presId="urn:microsoft.com/office/officeart/2005/8/layout/orgChart1"/>
@@ -9908,13 +9348,6 @@
         </dgm:presLayoutVars>
       </dgm:prSet>
       <dgm:spPr/>
-      <dgm:t>
-        <a:bodyPr/>
-        <a:lstStyle/>
-        <a:p>
-          <a:endParaRPr lang="en-US"/>
-        </a:p>
-      </dgm:t>
     </dgm:pt>
     <dgm:pt modelId="{ECA2C88C-D615-4E2E-B42C-C00BC416D797}" type="pres">
       <dgm:prSet presAssocID="{633E2B12-D814-49FC-A04A-406D06EF8FF8}" presName="hierRoot1" presStyleCnt="0">
@@ -9935,24 +9368,10 @@
         </dgm:presLayoutVars>
       </dgm:prSet>
       <dgm:spPr/>
-      <dgm:t>
-        <a:bodyPr/>
-        <a:lstStyle/>
-        <a:p>
-          <a:endParaRPr lang="en-US"/>
-        </a:p>
-      </dgm:t>
     </dgm:pt>
     <dgm:pt modelId="{660A4CDC-B7CC-42E3-A254-083E39E51A93}" type="pres">
       <dgm:prSet presAssocID="{633E2B12-D814-49FC-A04A-406D06EF8FF8}" presName="rootConnector1" presStyleLbl="node1" presStyleIdx="0" presStyleCnt="0"/>
       <dgm:spPr/>
-      <dgm:t>
-        <a:bodyPr/>
-        <a:lstStyle/>
-        <a:p>
-          <a:endParaRPr lang="en-US"/>
-        </a:p>
-      </dgm:t>
     </dgm:pt>
     <dgm:pt modelId="{FB63E89E-25FC-41EF-B05F-4E6AAFF77E72}" type="pres">
       <dgm:prSet presAssocID="{633E2B12-D814-49FC-A04A-406D06EF8FF8}" presName="hierChild2" presStyleCnt="0"/>
@@ -9961,13 +9380,6 @@
     <dgm:pt modelId="{0BDCFCEF-4DA5-4F84-8CF1-79A298925354}" type="pres">
       <dgm:prSet presAssocID="{0233B7A2-70BB-479A-B109-198EC76B94E8}" presName="Name37" presStyleLbl="parChTrans1D2" presStyleIdx="0" presStyleCnt="4"/>
       <dgm:spPr/>
-      <dgm:t>
-        <a:bodyPr/>
-        <a:lstStyle/>
-        <a:p>
-          <a:endParaRPr lang="en-US"/>
-        </a:p>
-      </dgm:t>
     </dgm:pt>
     <dgm:pt modelId="{B1CA1298-C794-49FC-ADB6-A1711E3D5FCB}" type="pres">
       <dgm:prSet presAssocID="{D813352F-01D1-481A-9A02-980BA7E6CD3B}" presName="hierRoot2" presStyleCnt="0">
@@ -9988,24 +9400,10 @@
         </dgm:presLayoutVars>
       </dgm:prSet>
       <dgm:spPr/>
-      <dgm:t>
-        <a:bodyPr/>
-        <a:lstStyle/>
-        <a:p>
-          <a:endParaRPr lang="en-US"/>
-        </a:p>
-      </dgm:t>
     </dgm:pt>
     <dgm:pt modelId="{F9814A54-9B03-4B83-BA82-BC0A883318B8}" type="pres">
       <dgm:prSet presAssocID="{D813352F-01D1-481A-9A02-980BA7E6CD3B}" presName="rootConnector" presStyleLbl="node2" presStyleIdx="0" presStyleCnt="3"/>
       <dgm:spPr/>
-      <dgm:t>
-        <a:bodyPr/>
-        <a:lstStyle/>
-        <a:p>
-          <a:endParaRPr lang="en-US"/>
-        </a:p>
-      </dgm:t>
     </dgm:pt>
     <dgm:pt modelId="{2D4EC02B-7C1A-4384-BD76-8CEBF8926D99}" type="pres">
       <dgm:prSet presAssocID="{D813352F-01D1-481A-9A02-980BA7E6CD3B}" presName="hierChild4" presStyleCnt="0"/>
@@ -10018,13 +9416,6 @@
     <dgm:pt modelId="{CA1E57DC-8384-4B34-8F86-0E010111B660}" type="pres">
       <dgm:prSet presAssocID="{289F6346-45D7-4B9E-AF59-978D233D4E81}" presName="Name37" presStyleLbl="parChTrans1D2" presStyleIdx="1" presStyleCnt="4"/>
       <dgm:spPr/>
-      <dgm:t>
-        <a:bodyPr/>
-        <a:lstStyle/>
-        <a:p>
-          <a:endParaRPr lang="en-US"/>
-        </a:p>
-      </dgm:t>
     </dgm:pt>
     <dgm:pt modelId="{B4343245-4B8E-47C2-9DD1-E75C54AA6821}" type="pres">
       <dgm:prSet presAssocID="{774C59C7-E738-409A-B9AB-919891994F3B}" presName="hierRoot2" presStyleCnt="0">
@@ -10045,24 +9436,10 @@
         </dgm:presLayoutVars>
       </dgm:prSet>
       <dgm:spPr/>
-      <dgm:t>
-        <a:bodyPr/>
-        <a:lstStyle/>
-        <a:p>
-          <a:endParaRPr lang="en-US"/>
-        </a:p>
-      </dgm:t>
     </dgm:pt>
     <dgm:pt modelId="{87005E1C-4A48-4414-B42C-19FDC708ED69}" type="pres">
       <dgm:prSet presAssocID="{774C59C7-E738-409A-B9AB-919891994F3B}" presName="rootConnector" presStyleLbl="node2" presStyleIdx="1" presStyleCnt="3"/>
       <dgm:spPr/>
-      <dgm:t>
-        <a:bodyPr/>
-        <a:lstStyle/>
-        <a:p>
-          <a:endParaRPr lang="en-US"/>
-        </a:p>
-      </dgm:t>
     </dgm:pt>
     <dgm:pt modelId="{5B5955E0-DF23-4C62-9D00-5A1084BC4E80}" type="pres">
       <dgm:prSet presAssocID="{774C59C7-E738-409A-B9AB-919891994F3B}" presName="hierChild4" presStyleCnt="0"/>
@@ -10075,13 +9452,6 @@
     <dgm:pt modelId="{1751A6E1-37FE-455D-B0B7-542E37B3D57B}" type="pres">
       <dgm:prSet presAssocID="{A7FA1EFD-06E4-4B50-B61C-188BC2EF8724}" presName="Name37" presStyleLbl="parChTrans1D2" presStyleIdx="2" presStyleCnt="4"/>
       <dgm:spPr/>
-      <dgm:t>
-        <a:bodyPr/>
-        <a:lstStyle/>
-        <a:p>
-          <a:endParaRPr lang="en-US"/>
-        </a:p>
-      </dgm:t>
     </dgm:pt>
     <dgm:pt modelId="{716A3725-7B21-40E3-945C-5B476FC75EC8}" type="pres">
       <dgm:prSet presAssocID="{9EC142FF-CA8E-4760-A0D5-4CCFC2A4B6E6}" presName="hierRoot2" presStyleCnt="0">
@@ -10102,24 +9472,10 @@
         </dgm:presLayoutVars>
       </dgm:prSet>
       <dgm:spPr/>
-      <dgm:t>
-        <a:bodyPr/>
-        <a:lstStyle/>
-        <a:p>
-          <a:endParaRPr lang="en-US"/>
-        </a:p>
-      </dgm:t>
     </dgm:pt>
     <dgm:pt modelId="{2C4D7FEB-693A-40E6-948D-3E239CCB3192}" type="pres">
       <dgm:prSet presAssocID="{9EC142FF-CA8E-4760-A0D5-4CCFC2A4B6E6}" presName="rootConnector" presStyleLbl="node2" presStyleIdx="2" presStyleCnt="3"/>
       <dgm:spPr/>
-      <dgm:t>
-        <a:bodyPr/>
-        <a:lstStyle/>
-        <a:p>
-          <a:endParaRPr lang="en-US"/>
-        </a:p>
-      </dgm:t>
     </dgm:pt>
     <dgm:pt modelId="{D683FC35-ACA3-4AE2-9107-C6A718905D4B}" type="pres">
       <dgm:prSet presAssocID="{9EC142FF-CA8E-4760-A0D5-4CCFC2A4B6E6}" presName="hierChild4" presStyleCnt="0"/>
@@ -10136,13 +9492,6 @@
     <dgm:pt modelId="{ABECBCFC-7D7C-43B3-8A70-D5A6385A2A42}" type="pres">
       <dgm:prSet presAssocID="{EA5638EA-EAD3-4645-A9B2-603E1F1B4DD5}" presName="Name111" presStyleLbl="parChTrans1D2" presStyleIdx="3" presStyleCnt="4"/>
       <dgm:spPr/>
-      <dgm:t>
-        <a:bodyPr/>
-        <a:lstStyle/>
-        <a:p>
-          <a:endParaRPr lang="en-US"/>
-        </a:p>
-      </dgm:t>
     </dgm:pt>
     <dgm:pt modelId="{EC4098E9-2FAF-4C7D-8E2B-D449B69CD4E3}" type="pres">
       <dgm:prSet presAssocID="{D93C49F0-5742-4ABD-91FD-9B609136D71C}" presName="hierRoot3" presStyleCnt="0">
@@ -10163,24 +9512,10 @@
         </dgm:presLayoutVars>
       </dgm:prSet>
       <dgm:spPr/>
-      <dgm:t>
-        <a:bodyPr/>
-        <a:lstStyle/>
-        <a:p>
-          <a:endParaRPr lang="en-US"/>
-        </a:p>
-      </dgm:t>
     </dgm:pt>
     <dgm:pt modelId="{374C2056-CF4E-4B17-B073-0E1BDD4C8DC5}" type="pres">
       <dgm:prSet presAssocID="{D93C49F0-5742-4ABD-91FD-9B609136D71C}" presName="rootConnector3" presStyleLbl="asst1" presStyleIdx="0" presStyleCnt="1"/>
       <dgm:spPr/>
-      <dgm:t>
-        <a:bodyPr/>
-        <a:lstStyle/>
-        <a:p>
-          <a:endParaRPr lang="en-US"/>
-        </a:p>
-      </dgm:t>
     </dgm:pt>
     <dgm:pt modelId="{96B33EDD-D1B3-4024-9F31-B1E4C4D2A49E}" type="pres">
       <dgm:prSet presAssocID="{D93C49F0-5742-4ABD-91FD-9B609136D71C}" presName="hierChild6" presStyleCnt="0"/>
@@ -10192,26 +9527,26 @@
     </dgm:pt>
   </dgm:ptLst>
   <dgm:cxnLst>
+    <dgm:cxn modelId="{BAEA0920-8E85-4BB6-A3B0-A5D32AB10575}" type="presOf" srcId="{28B1549E-3546-47FE-BD63-090FD78DFBC2}" destId="{058C8B29-D9C4-4B25-9838-F513E946ECD0}" srcOrd="0" destOrd="0" presId="urn:microsoft.com/office/officeart/2005/8/layout/orgChart1"/>
+    <dgm:cxn modelId="{49A04527-4CE5-45DD-9FBC-19A5DD8AA5F1}" type="presOf" srcId="{0233B7A2-70BB-479A-B109-198EC76B94E8}" destId="{0BDCFCEF-4DA5-4F84-8CF1-79A298925354}" srcOrd="0" destOrd="0" presId="urn:microsoft.com/office/officeart/2005/8/layout/orgChart1"/>
     <dgm:cxn modelId="{B4949330-19A4-4817-939A-CEAE5A6EED0F}" type="presOf" srcId="{D813352F-01D1-481A-9A02-980BA7E6CD3B}" destId="{5A678087-D1F4-48FF-9198-4DA2E9452FA8}" srcOrd="0" destOrd="0" presId="urn:microsoft.com/office/officeart/2005/8/layout/orgChart1"/>
     <dgm:cxn modelId="{F421553A-6ED4-42F5-8415-9E8184ABBC38}" type="presOf" srcId="{A7FA1EFD-06E4-4B50-B61C-188BC2EF8724}" destId="{1751A6E1-37FE-455D-B0B7-542E37B3D57B}" srcOrd="0" destOrd="0" presId="urn:microsoft.com/office/officeart/2005/8/layout/orgChart1"/>
+    <dgm:cxn modelId="{B8FD353E-3E96-4206-9904-980313F68BCE}" type="presOf" srcId="{9EC142FF-CA8E-4760-A0D5-4CCFC2A4B6E6}" destId="{2C4D7FEB-693A-40E6-948D-3E239CCB3192}" srcOrd="1" destOrd="0" presId="urn:microsoft.com/office/officeart/2005/8/layout/orgChart1"/>
+    <dgm:cxn modelId="{D75A6940-62A5-4AE5-9DF1-2CE5F21103A3}" type="presOf" srcId="{774C59C7-E738-409A-B9AB-919891994F3B}" destId="{87005E1C-4A48-4414-B42C-19FDC708ED69}" srcOrd="1" destOrd="0" presId="urn:microsoft.com/office/officeart/2005/8/layout/orgChart1"/>
+    <dgm:cxn modelId="{DBEEA940-A67A-447D-AC5B-14F167C6133C}" type="presOf" srcId="{774C59C7-E738-409A-B9AB-919891994F3B}" destId="{51120241-F399-4005-B2CE-8E9E58CF30A9}" srcOrd="0" destOrd="0" presId="urn:microsoft.com/office/officeart/2005/8/layout/orgChart1"/>
+    <dgm:cxn modelId="{E116A667-53EA-415C-AB9D-F24C92038E95}" srcId="{633E2B12-D814-49FC-A04A-406D06EF8FF8}" destId="{D93C49F0-5742-4ABD-91FD-9B609136D71C}" srcOrd="0" destOrd="0" parTransId="{EA5638EA-EAD3-4645-A9B2-603E1F1B4DD5}" sibTransId="{C783F9D4-DAF7-4FB2-B9BD-5ACB754B350E}"/>
+    <dgm:cxn modelId="{43007450-2E1B-4262-BF2F-AA0A9931B984}" type="presOf" srcId="{D813352F-01D1-481A-9A02-980BA7E6CD3B}" destId="{F9814A54-9B03-4B83-BA82-BC0A883318B8}" srcOrd="1" destOrd="0" presId="urn:microsoft.com/office/officeart/2005/8/layout/orgChart1"/>
+    <dgm:cxn modelId="{1860537C-E7F7-4F65-8C9A-0122CF41A351}" type="presOf" srcId="{633E2B12-D814-49FC-A04A-406D06EF8FF8}" destId="{660A4CDC-B7CC-42E3-A254-083E39E51A93}" srcOrd="1" destOrd="0" presId="urn:microsoft.com/office/officeart/2005/8/layout/orgChart1"/>
+    <dgm:cxn modelId="{DD60D280-26E4-4629-AE48-DAC81F5C7ABC}" srcId="{633E2B12-D814-49FC-A04A-406D06EF8FF8}" destId="{774C59C7-E738-409A-B9AB-919891994F3B}" srcOrd="2" destOrd="0" parTransId="{289F6346-45D7-4B9E-AF59-978D233D4E81}" sibTransId="{62CA1A5E-305C-443E-9368-70A1041AEDB0}"/>
     <dgm:cxn modelId="{A4073388-61D4-4667-8ECC-DFC6C0824D9B}" type="presOf" srcId="{9EC142FF-CA8E-4760-A0D5-4CCFC2A4B6E6}" destId="{50914011-4B81-4F19-9CD1-256DF84031EF}" srcOrd="0" destOrd="0" presId="urn:microsoft.com/office/officeart/2005/8/layout/orgChart1"/>
-    <dgm:cxn modelId="{43007450-2E1B-4262-BF2F-AA0A9931B984}" type="presOf" srcId="{D813352F-01D1-481A-9A02-980BA7E6CD3B}" destId="{F9814A54-9B03-4B83-BA82-BC0A883318B8}" srcOrd="1" destOrd="0" presId="urn:microsoft.com/office/officeart/2005/8/layout/orgChart1"/>
+    <dgm:cxn modelId="{48F48992-799E-4804-BDF6-5E399D2610A6}" srcId="{633E2B12-D814-49FC-A04A-406D06EF8FF8}" destId="{D813352F-01D1-481A-9A02-980BA7E6CD3B}" srcOrd="1" destOrd="0" parTransId="{0233B7A2-70BB-479A-B109-198EC76B94E8}" sibTransId="{E69A91FD-D3DE-4D15-A15D-B569F242C059}"/>
+    <dgm:cxn modelId="{16160EAC-4C1F-4BA7-A77C-FD77D05E0C74}" type="presOf" srcId="{289F6346-45D7-4B9E-AF59-978D233D4E81}" destId="{CA1E57DC-8384-4B34-8F86-0E010111B660}" srcOrd="0" destOrd="0" presId="urn:microsoft.com/office/officeart/2005/8/layout/orgChart1"/>
+    <dgm:cxn modelId="{1B18AAAC-B523-4486-988A-A331BD970ED9}" type="presOf" srcId="{EA5638EA-EAD3-4645-A9B2-603E1F1B4DD5}" destId="{ABECBCFC-7D7C-43B3-8A70-D5A6385A2A42}" srcOrd="0" destOrd="0" presId="urn:microsoft.com/office/officeart/2005/8/layout/orgChart1"/>
+    <dgm:cxn modelId="{4A5B72AF-2019-4533-8471-B85E4DA5D11F}" type="presOf" srcId="{D93C49F0-5742-4ABD-91FD-9B609136D71C}" destId="{1D3A18E8-FF26-448F-A81E-482C1B9BECAE}" srcOrd="0" destOrd="0" presId="urn:microsoft.com/office/officeart/2005/8/layout/orgChart1"/>
+    <dgm:cxn modelId="{D5144ECB-976C-4D14-989E-590CB326C62D}" type="presOf" srcId="{633E2B12-D814-49FC-A04A-406D06EF8FF8}" destId="{8BBE96AC-76B8-483E-A0E7-C5D6BEB78158}" srcOrd="0" destOrd="0" presId="urn:microsoft.com/office/officeart/2005/8/layout/orgChart1"/>
+    <dgm:cxn modelId="{08F359CF-E68C-47DE-BF7A-0D42EF5B8777}" srcId="{633E2B12-D814-49FC-A04A-406D06EF8FF8}" destId="{9EC142FF-CA8E-4760-A0D5-4CCFC2A4B6E6}" srcOrd="3" destOrd="0" parTransId="{A7FA1EFD-06E4-4B50-B61C-188BC2EF8724}" sibTransId="{332E4547-64C1-4BFB-85C5-FF5514CB4D49}"/>
     <dgm:cxn modelId="{A8676DFC-4837-4EA4-B404-1548AB8C62A4}" type="presOf" srcId="{D93C49F0-5742-4ABD-91FD-9B609136D71C}" destId="{374C2056-CF4E-4B17-B073-0E1BDD4C8DC5}" srcOrd="1" destOrd="0" presId="urn:microsoft.com/office/officeart/2005/8/layout/orgChart1"/>
-    <dgm:cxn modelId="{48F48992-799E-4804-BDF6-5E399D2610A6}" srcId="{633E2B12-D814-49FC-A04A-406D06EF8FF8}" destId="{D813352F-01D1-481A-9A02-980BA7E6CD3B}" srcOrd="1" destOrd="0" parTransId="{0233B7A2-70BB-479A-B109-198EC76B94E8}" sibTransId="{E69A91FD-D3DE-4D15-A15D-B569F242C059}"/>
-    <dgm:cxn modelId="{DBEEA940-A67A-447D-AC5B-14F167C6133C}" type="presOf" srcId="{774C59C7-E738-409A-B9AB-919891994F3B}" destId="{51120241-F399-4005-B2CE-8E9E58CF30A9}" srcOrd="0" destOrd="0" presId="urn:microsoft.com/office/officeart/2005/8/layout/orgChart1"/>
-    <dgm:cxn modelId="{1B18AAAC-B523-4486-988A-A331BD970ED9}" type="presOf" srcId="{EA5638EA-EAD3-4645-A9B2-603E1F1B4DD5}" destId="{ABECBCFC-7D7C-43B3-8A70-D5A6385A2A42}" srcOrd="0" destOrd="0" presId="urn:microsoft.com/office/officeart/2005/8/layout/orgChart1"/>
-    <dgm:cxn modelId="{DD60D280-26E4-4629-AE48-DAC81F5C7ABC}" srcId="{633E2B12-D814-49FC-A04A-406D06EF8FF8}" destId="{774C59C7-E738-409A-B9AB-919891994F3B}" srcOrd="2" destOrd="0" parTransId="{289F6346-45D7-4B9E-AF59-978D233D4E81}" sibTransId="{62CA1A5E-305C-443E-9368-70A1041AEDB0}"/>
-    <dgm:cxn modelId="{08F359CF-E68C-47DE-BF7A-0D42EF5B8777}" srcId="{633E2B12-D814-49FC-A04A-406D06EF8FF8}" destId="{9EC142FF-CA8E-4760-A0D5-4CCFC2A4B6E6}" srcOrd="3" destOrd="0" parTransId="{A7FA1EFD-06E4-4B50-B61C-188BC2EF8724}" sibTransId="{332E4547-64C1-4BFB-85C5-FF5514CB4D49}"/>
     <dgm:cxn modelId="{AA6BE5FE-ED45-4E9A-8A44-7526FE88D719}" srcId="{28B1549E-3546-47FE-BD63-090FD78DFBC2}" destId="{633E2B12-D814-49FC-A04A-406D06EF8FF8}" srcOrd="0" destOrd="0" parTransId="{FA783F79-0534-438B-9DA8-6B588362A5C2}" sibTransId="{A3A1DA8A-105A-409D-A215-32D37946D070}"/>
-    <dgm:cxn modelId="{1860537C-E7F7-4F65-8C9A-0122CF41A351}" type="presOf" srcId="{633E2B12-D814-49FC-A04A-406D06EF8FF8}" destId="{660A4CDC-B7CC-42E3-A254-083E39E51A93}" srcOrd="1" destOrd="0" presId="urn:microsoft.com/office/officeart/2005/8/layout/orgChart1"/>
-    <dgm:cxn modelId="{E116A667-53EA-415C-AB9D-F24C92038E95}" srcId="{633E2B12-D814-49FC-A04A-406D06EF8FF8}" destId="{D93C49F0-5742-4ABD-91FD-9B609136D71C}" srcOrd="0" destOrd="0" parTransId="{EA5638EA-EAD3-4645-A9B2-603E1F1B4DD5}" sibTransId="{C783F9D4-DAF7-4FB2-B9BD-5ACB754B350E}"/>
-    <dgm:cxn modelId="{49A04527-4CE5-45DD-9FBC-19A5DD8AA5F1}" type="presOf" srcId="{0233B7A2-70BB-479A-B109-198EC76B94E8}" destId="{0BDCFCEF-4DA5-4F84-8CF1-79A298925354}" srcOrd="0" destOrd="0" presId="urn:microsoft.com/office/officeart/2005/8/layout/orgChart1"/>
-    <dgm:cxn modelId="{BAEA0920-8E85-4BB6-A3B0-A5D32AB10575}" type="presOf" srcId="{28B1549E-3546-47FE-BD63-090FD78DFBC2}" destId="{058C8B29-D9C4-4B25-9838-F513E946ECD0}" srcOrd="0" destOrd="0" presId="urn:microsoft.com/office/officeart/2005/8/layout/orgChart1"/>
-    <dgm:cxn modelId="{16160EAC-4C1F-4BA7-A77C-FD77D05E0C74}" type="presOf" srcId="{289F6346-45D7-4B9E-AF59-978D233D4E81}" destId="{CA1E57DC-8384-4B34-8F86-0E010111B660}" srcOrd="0" destOrd="0" presId="urn:microsoft.com/office/officeart/2005/8/layout/orgChart1"/>
-    <dgm:cxn modelId="{4A5B72AF-2019-4533-8471-B85E4DA5D11F}" type="presOf" srcId="{D93C49F0-5742-4ABD-91FD-9B609136D71C}" destId="{1D3A18E8-FF26-448F-A81E-482C1B9BECAE}" srcOrd="0" destOrd="0" presId="urn:microsoft.com/office/officeart/2005/8/layout/orgChart1"/>
-    <dgm:cxn modelId="{D75A6940-62A5-4AE5-9DF1-2CE5F21103A3}" type="presOf" srcId="{774C59C7-E738-409A-B9AB-919891994F3B}" destId="{87005E1C-4A48-4414-B42C-19FDC708ED69}" srcOrd="1" destOrd="0" presId="urn:microsoft.com/office/officeart/2005/8/layout/orgChart1"/>
-    <dgm:cxn modelId="{D5144ECB-976C-4D14-989E-590CB326C62D}" type="presOf" srcId="{633E2B12-D814-49FC-A04A-406D06EF8FF8}" destId="{8BBE96AC-76B8-483E-A0E7-C5D6BEB78158}" srcOrd="0" destOrd="0" presId="urn:microsoft.com/office/officeart/2005/8/layout/orgChart1"/>
-    <dgm:cxn modelId="{B8FD353E-3E96-4206-9904-980313F68BCE}" type="presOf" srcId="{9EC142FF-CA8E-4760-A0D5-4CCFC2A4B6E6}" destId="{2C4D7FEB-693A-40E6-948D-3E239CCB3192}" srcOrd="1" destOrd="0" presId="urn:microsoft.com/office/officeart/2005/8/layout/orgChart1"/>
     <dgm:cxn modelId="{01390401-53B6-4923-96DD-9DB25135EFE8}" type="presParOf" srcId="{058C8B29-D9C4-4B25-9838-F513E946ECD0}" destId="{ECA2C88C-D615-4E2E-B42C-C00BC416D797}" srcOrd="0" destOrd="0" presId="urn:microsoft.com/office/officeart/2005/8/layout/orgChart1"/>
     <dgm:cxn modelId="{1E7DAC30-67F8-46AD-98E5-638AA75D4413}" type="presParOf" srcId="{ECA2C88C-D615-4E2E-B42C-C00BC416D797}" destId="{ADC7B1E5-2F90-4608-9BC1-721EED10B99C}" srcOrd="0" destOrd="0" presId="urn:microsoft.com/office/officeart/2005/8/layout/orgChart1"/>
     <dgm:cxn modelId="{60AB0C16-07B0-4ECD-B1F5-9510A6378657}" type="presParOf" srcId="{ADC7B1E5-2F90-4608-9BC1-721EED10B99C}" destId="{8BBE96AC-76B8-483E-A0E7-C5D6BEB78158}" srcOrd="0" destOrd="0" presId="urn:microsoft.com/office/officeart/2005/8/layout/orgChart1"/>
@@ -10427,13 +9762,6 @@
         </dgm:presLayoutVars>
       </dgm:prSet>
       <dgm:spPr/>
-      <dgm:t>
-        <a:bodyPr/>
-        <a:lstStyle/>
-        <a:p>
-          <a:endParaRPr lang="en-US"/>
-        </a:p>
-      </dgm:t>
     </dgm:pt>
     <dgm:pt modelId="{C8A4DCA0-6240-4E48-9155-0BF76163054A}" type="pres">
       <dgm:prSet presAssocID="{EB14E3D6-1D6E-4974-A4A2-0B0D501598B9}" presName="hierRoot1" presStyleCnt="0">
@@ -10454,24 +9782,10 @@
         </dgm:presLayoutVars>
       </dgm:prSet>
       <dgm:spPr/>
-      <dgm:t>
-        <a:bodyPr/>
-        <a:lstStyle/>
-        <a:p>
-          <a:endParaRPr lang="en-US"/>
-        </a:p>
-      </dgm:t>
     </dgm:pt>
     <dgm:pt modelId="{3CE276B0-B631-4CB9-BE29-E10F0D5A2261}" type="pres">
       <dgm:prSet presAssocID="{EB14E3D6-1D6E-4974-A4A2-0B0D501598B9}" presName="rootConnector1" presStyleLbl="node1" presStyleIdx="0" presStyleCnt="0"/>
       <dgm:spPr/>
-      <dgm:t>
-        <a:bodyPr/>
-        <a:lstStyle/>
-        <a:p>
-          <a:endParaRPr lang="en-US"/>
-        </a:p>
-      </dgm:t>
     </dgm:pt>
     <dgm:pt modelId="{F3D4E69B-1F51-4FCC-97F9-769282B3AC71}" type="pres">
       <dgm:prSet presAssocID="{EB14E3D6-1D6E-4974-A4A2-0B0D501598B9}" presName="hierChild2" presStyleCnt="0"/>
@@ -10480,13 +9794,6 @@
     <dgm:pt modelId="{94694679-51D4-426F-BB20-08CEE1DD2E3A}" type="pres">
       <dgm:prSet presAssocID="{991F46DC-97A5-4756-B759-F7D8C5AB683F}" presName="Name37" presStyleLbl="parChTrans1D2" presStyleIdx="0" presStyleCnt="3"/>
       <dgm:spPr/>
-      <dgm:t>
-        <a:bodyPr/>
-        <a:lstStyle/>
-        <a:p>
-          <a:endParaRPr lang="en-US"/>
-        </a:p>
-      </dgm:t>
     </dgm:pt>
     <dgm:pt modelId="{A835DE1E-0C0A-4433-B53C-DD6F9105E87C}" type="pres">
       <dgm:prSet presAssocID="{8FF62024-CBFA-4621-BFEB-20A32506277B}" presName="hierRoot2" presStyleCnt="0">
@@ -10507,24 +9814,10 @@
         </dgm:presLayoutVars>
       </dgm:prSet>
       <dgm:spPr/>
-      <dgm:t>
-        <a:bodyPr/>
-        <a:lstStyle/>
-        <a:p>
-          <a:endParaRPr lang="en-US"/>
-        </a:p>
-      </dgm:t>
     </dgm:pt>
     <dgm:pt modelId="{9B3A5B8A-24F0-4CA3-9EB1-4F06E87A8DCC}" type="pres">
       <dgm:prSet presAssocID="{8FF62024-CBFA-4621-BFEB-20A32506277B}" presName="rootConnector" presStyleLbl="node2" presStyleIdx="0" presStyleCnt="3"/>
       <dgm:spPr/>
-      <dgm:t>
-        <a:bodyPr/>
-        <a:lstStyle/>
-        <a:p>
-          <a:endParaRPr lang="en-US"/>
-        </a:p>
-      </dgm:t>
     </dgm:pt>
     <dgm:pt modelId="{8C735027-517E-456C-8DBC-760628954431}" type="pres">
       <dgm:prSet presAssocID="{8FF62024-CBFA-4621-BFEB-20A32506277B}" presName="hierChild4" presStyleCnt="0"/>
@@ -10537,13 +9830,6 @@
     <dgm:pt modelId="{28A4C586-4049-471D-8C29-D6BB2D8A9BE2}" type="pres">
       <dgm:prSet presAssocID="{531D5A78-F6B9-4654-B41C-BEC6F0C662D4}" presName="Name37" presStyleLbl="parChTrans1D2" presStyleIdx="1" presStyleCnt="3"/>
       <dgm:spPr/>
-      <dgm:t>
-        <a:bodyPr/>
-        <a:lstStyle/>
-        <a:p>
-          <a:endParaRPr lang="en-US"/>
-        </a:p>
-      </dgm:t>
     </dgm:pt>
     <dgm:pt modelId="{50F5C2EE-805E-4EA7-B5ED-A4981C7A18DA}" type="pres">
       <dgm:prSet presAssocID="{5C4CCCD5-EEDC-4A29-9D72-7CC95001D2BD}" presName="hierRoot2" presStyleCnt="0">
@@ -10564,24 +9850,10 @@
         </dgm:presLayoutVars>
       </dgm:prSet>
       <dgm:spPr/>
-      <dgm:t>
-        <a:bodyPr/>
-        <a:lstStyle/>
-        <a:p>
-          <a:endParaRPr lang="en-US"/>
-        </a:p>
-      </dgm:t>
     </dgm:pt>
     <dgm:pt modelId="{0B4FA188-9CB9-4B7D-BC77-D4DBCC4116B5}" type="pres">
       <dgm:prSet presAssocID="{5C4CCCD5-EEDC-4A29-9D72-7CC95001D2BD}" presName="rootConnector" presStyleLbl="node2" presStyleIdx="1" presStyleCnt="3"/>
       <dgm:spPr/>
-      <dgm:t>
-        <a:bodyPr/>
-        <a:lstStyle/>
-        <a:p>
-          <a:endParaRPr lang="en-US"/>
-        </a:p>
-      </dgm:t>
     </dgm:pt>
     <dgm:pt modelId="{95FCC2CC-395D-431D-B018-BDB2ED96AA75}" type="pres">
       <dgm:prSet presAssocID="{5C4CCCD5-EEDC-4A29-9D72-7CC95001D2BD}" presName="hierChild4" presStyleCnt="0"/>
@@ -10594,13 +9866,6 @@
     <dgm:pt modelId="{A6041F65-F668-47CB-8E40-1DD9336F32DA}" type="pres">
       <dgm:prSet presAssocID="{0D8A7912-6F0D-4082-9287-A04DB140563D}" presName="Name37" presStyleLbl="parChTrans1D2" presStyleIdx="2" presStyleCnt="3"/>
       <dgm:spPr/>
-      <dgm:t>
-        <a:bodyPr/>
-        <a:lstStyle/>
-        <a:p>
-          <a:endParaRPr lang="en-US"/>
-        </a:p>
-      </dgm:t>
     </dgm:pt>
     <dgm:pt modelId="{4A42761C-2E3E-47C8-84F7-B6B32658D6FB}" type="pres">
       <dgm:prSet presAssocID="{4EB5D9F1-C378-4F07-AC88-23D445A05395}" presName="hierRoot2" presStyleCnt="0">
@@ -10621,24 +9886,10 @@
         </dgm:presLayoutVars>
       </dgm:prSet>
       <dgm:spPr/>
-      <dgm:t>
-        <a:bodyPr/>
-        <a:lstStyle/>
-        <a:p>
-          <a:endParaRPr lang="en-US"/>
-        </a:p>
-      </dgm:t>
     </dgm:pt>
     <dgm:pt modelId="{2EB8220E-041B-4FA1-B60B-E83DDFCE4E0F}" type="pres">
       <dgm:prSet presAssocID="{4EB5D9F1-C378-4F07-AC88-23D445A05395}" presName="rootConnector" presStyleLbl="node2" presStyleIdx="2" presStyleCnt="3"/>
       <dgm:spPr/>
-      <dgm:t>
-        <a:bodyPr/>
-        <a:lstStyle/>
-        <a:p>
-          <a:endParaRPr lang="en-US"/>
-        </a:p>
-      </dgm:t>
     </dgm:pt>
     <dgm:pt modelId="{475051FF-1DBC-43BE-8C93-C773786DDA75}" type="pres">
       <dgm:prSet presAssocID="{4EB5D9F1-C378-4F07-AC88-23D445A05395}" presName="hierChild4" presStyleCnt="0"/>
@@ -10654,22 +9905,22 @@
     </dgm:pt>
   </dgm:ptLst>
   <dgm:cxnLst>
-    <dgm:cxn modelId="{A56A21EA-B352-4C6E-8969-0CBA5F2C8723}" srcId="{EB14E3D6-1D6E-4974-A4A2-0B0D501598B9}" destId="{8FF62024-CBFA-4621-BFEB-20A32506277B}" srcOrd="0" destOrd="0" parTransId="{991F46DC-97A5-4756-B759-F7D8C5AB683F}" sibTransId="{5A6222F3-3A16-472B-8990-14236ABC22C4}"/>
+    <dgm:cxn modelId="{675B6F43-F616-475B-8CFD-9DCE429789FE}" srcId="{EB14E3D6-1D6E-4974-A4A2-0B0D501598B9}" destId="{5C4CCCD5-EEDC-4A29-9D72-7CC95001D2BD}" srcOrd="1" destOrd="0" parTransId="{531D5A78-F6B9-4654-B41C-BEC6F0C662D4}" sibTransId="{B087C186-FE15-4358-83EB-94AB788AD558}"/>
     <dgm:cxn modelId="{F4720071-0E1D-4ED7-A2E7-090A9B820D4D}" type="presOf" srcId="{991F46DC-97A5-4756-B759-F7D8C5AB683F}" destId="{94694679-51D4-426F-BB20-08CEE1DD2E3A}" srcOrd="0" destOrd="0" presId="urn:microsoft.com/office/officeart/2005/8/layout/orgChart1"/>
-    <dgm:cxn modelId="{675B6F43-F616-475B-8CFD-9DCE429789FE}" srcId="{EB14E3D6-1D6E-4974-A4A2-0B0D501598B9}" destId="{5C4CCCD5-EEDC-4A29-9D72-7CC95001D2BD}" srcOrd="1" destOrd="0" parTransId="{531D5A78-F6B9-4654-B41C-BEC6F0C662D4}" sibTransId="{B087C186-FE15-4358-83EB-94AB788AD558}"/>
-    <dgm:cxn modelId="{04C529E4-3479-47AC-A510-99CA106BE66F}" srcId="{EB14E3D6-1D6E-4974-A4A2-0B0D501598B9}" destId="{4EB5D9F1-C378-4F07-AC88-23D445A05395}" srcOrd="2" destOrd="0" parTransId="{0D8A7912-6F0D-4082-9287-A04DB140563D}" sibTransId="{3B7144F8-4F91-4DE4-A47A-1EAB6EFECDC0}"/>
-    <dgm:cxn modelId="{0967D59F-6C78-49AC-BA2B-353E7E86C8C5}" type="presOf" srcId="{EB14E3D6-1D6E-4974-A4A2-0B0D501598B9}" destId="{3CE276B0-B631-4CB9-BE29-E10F0D5A2261}" srcOrd="1" destOrd="0" presId="urn:microsoft.com/office/officeart/2005/8/layout/orgChart1"/>
-    <dgm:cxn modelId="{FC6788D6-9133-4C21-BF19-2B1E115F8BCF}" type="presOf" srcId="{4EB5D9F1-C378-4F07-AC88-23D445A05395}" destId="{2EB8220E-041B-4FA1-B60B-E83DDFCE4E0F}" srcOrd="1" destOrd="0" presId="urn:microsoft.com/office/officeart/2005/8/layout/orgChart1"/>
+    <dgm:cxn modelId="{00655271-C635-492F-98D2-A1928C293744}" type="presOf" srcId="{0D8A7912-6F0D-4082-9287-A04DB140563D}" destId="{A6041F65-F668-47CB-8E40-1DD9336F32DA}" srcOrd="0" destOrd="0" presId="urn:microsoft.com/office/officeart/2005/8/layout/orgChart1"/>
+    <dgm:cxn modelId="{D20E3A55-0D1E-465C-B5BD-F88A29E7EF89}" type="presOf" srcId="{8FF62024-CBFA-4621-BFEB-20A32506277B}" destId="{9B3A5B8A-24F0-4CA3-9EB1-4F06E87A8DCC}" srcOrd="1" destOrd="0" presId="urn:microsoft.com/office/officeart/2005/8/layout/orgChart1"/>
     <dgm:cxn modelId="{89BE0077-1451-408F-B01F-F367224F1206}" type="presOf" srcId="{531D5A78-F6B9-4654-B41C-BEC6F0C662D4}" destId="{28A4C586-4049-471D-8C29-D6BB2D8A9BE2}" srcOrd="0" destOrd="0" presId="urn:microsoft.com/office/officeart/2005/8/layout/orgChart1"/>
     <dgm:cxn modelId="{C9B73786-F4AA-4321-86C7-D82E9C37C8C9}" type="presOf" srcId="{5C4CCCD5-EEDC-4A29-9D72-7CC95001D2BD}" destId="{A86FF4BE-53DE-4763-8E5E-5F563B363A0D}" srcOrd="0" destOrd="0" presId="urn:microsoft.com/office/officeart/2005/8/layout/orgChart1"/>
-    <dgm:cxn modelId="{F5E026B3-108A-4A54-B4DA-0164CBC5447D}" type="presOf" srcId="{EB14E3D6-1D6E-4974-A4A2-0B0D501598B9}" destId="{CD26B4E5-F4C9-4032-97BE-3F807397455E}" srcOrd="0" destOrd="0" presId="urn:microsoft.com/office/officeart/2005/8/layout/orgChart1"/>
-    <dgm:cxn modelId="{9B43B2F6-8FD2-48D6-A56E-3CC9A1109BBD}" type="presOf" srcId="{5C4CCCD5-EEDC-4A29-9D72-7CC95001D2BD}" destId="{0B4FA188-9CB9-4B7D-BC77-D4DBCC4116B5}" srcOrd="1" destOrd="0" presId="urn:microsoft.com/office/officeart/2005/8/layout/orgChart1"/>
-    <dgm:cxn modelId="{00655271-C635-492F-98D2-A1928C293744}" type="presOf" srcId="{0D8A7912-6F0D-4082-9287-A04DB140563D}" destId="{A6041F65-F668-47CB-8E40-1DD9336F32DA}" srcOrd="0" destOrd="0" presId="urn:microsoft.com/office/officeart/2005/8/layout/orgChart1"/>
+    <dgm:cxn modelId="{F8738396-4838-4BC5-B292-14A4D225C11A}" type="presOf" srcId="{4EB5D9F1-C378-4F07-AC88-23D445A05395}" destId="{40D211F9-2DE1-41CE-8A74-F13770053BCB}" srcOrd="0" destOrd="0" presId="urn:microsoft.com/office/officeart/2005/8/layout/orgChart1"/>
+    <dgm:cxn modelId="{0967D59F-6C78-49AC-BA2B-353E7E86C8C5}" type="presOf" srcId="{EB14E3D6-1D6E-4974-A4A2-0B0D501598B9}" destId="{3CE276B0-B631-4CB9-BE29-E10F0D5A2261}" srcOrd="1" destOrd="0" presId="urn:microsoft.com/office/officeart/2005/8/layout/orgChart1"/>
     <dgm:cxn modelId="{29A805A3-3B24-4812-9F27-23E7F9405523}" type="presOf" srcId="{8FF62024-CBFA-4621-BFEB-20A32506277B}" destId="{7DDA172B-4677-40A0-B47A-EBB24C907C81}" srcOrd="0" destOrd="0" presId="urn:microsoft.com/office/officeart/2005/8/layout/orgChart1"/>
     <dgm:cxn modelId="{8F5E5DAD-6754-4225-AEC9-42D78002DF1B}" type="presOf" srcId="{7AFF2EB7-C58D-4554-AA0B-B396070DBDC6}" destId="{2EC4B6A9-232D-4A8B-859D-5B20343255D7}" srcOrd="0" destOrd="0" presId="urn:microsoft.com/office/officeart/2005/8/layout/orgChart1"/>
-    <dgm:cxn modelId="{D20E3A55-0D1E-465C-B5BD-F88A29E7EF89}" type="presOf" srcId="{8FF62024-CBFA-4621-BFEB-20A32506277B}" destId="{9B3A5B8A-24F0-4CA3-9EB1-4F06E87A8DCC}" srcOrd="1" destOrd="0" presId="urn:microsoft.com/office/officeart/2005/8/layout/orgChart1"/>
+    <dgm:cxn modelId="{F5E026B3-108A-4A54-B4DA-0164CBC5447D}" type="presOf" srcId="{EB14E3D6-1D6E-4974-A4A2-0B0D501598B9}" destId="{CD26B4E5-F4C9-4032-97BE-3F807397455E}" srcOrd="0" destOrd="0" presId="urn:microsoft.com/office/officeart/2005/8/layout/orgChart1"/>
+    <dgm:cxn modelId="{FC6788D6-9133-4C21-BF19-2B1E115F8BCF}" type="presOf" srcId="{4EB5D9F1-C378-4F07-AC88-23D445A05395}" destId="{2EB8220E-041B-4FA1-B60B-E83DDFCE4E0F}" srcOrd="1" destOrd="0" presId="urn:microsoft.com/office/officeart/2005/8/layout/orgChart1"/>
+    <dgm:cxn modelId="{04C529E4-3479-47AC-A510-99CA106BE66F}" srcId="{EB14E3D6-1D6E-4974-A4A2-0B0D501598B9}" destId="{4EB5D9F1-C378-4F07-AC88-23D445A05395}" srcOrd="2" destOrd="0" parTransId="{0D8A7912-6F0D-4082-9287-A04DB140563D}" sibTransId="{3B7144F8-4F91-4DE4-A47A-1EAB6EFECDC0}"/>
+    <dgm:cxn modelId="{A56A21EA-B352-4C6E-8969-0CBA5F2C8723}" srcId="{EB14E3D6-1D6E-4974-A4A2-0B0D501598B9}" destId="{8FF62024-CBFA-4621-BFEB-20A32506277B}" srcOrd="0" destOrd="0" parTransId="{991F46DC-97A5-4756-B759-F7D8C5AB683F}" sibTransId="{5A6222F3-3A16-472B-8990-14236ABC22C4}"/>
+    <dgm:cxn modelId="{9B43B2F6-8FD2-48D6-A56E-3CC9A1109BBD}" type="presOf" srcId="{5C4CCCD5-EEDC-4A29-9D72-7CC95001D2BD}" destId="{0B4FA188-9CB9-4B7D-BC77-D4DBCC4116B5}" srcOrd="1" destOrd="0" presId="urn:microsoft.com/office/officeart/2005/8/layout/orgChart1"/>
     <dgm:cxn modelId="{D3F64FFE-DA6E-4282-AB0E-4F7B239CDDC2}" srcId="{7AFF2EB7-C58D-4554-AA0B-B396070DBDC6}" destId="{EB14E3D6-1D6E-4974-A4A2-0B0D501598B9}" srcOrd="0" destOrd="0" parTransId="{7ABC5975-AEBD-43CD-AE73-10F8C88F243A}" sibTransId="{6C1A945E-CFFE-4E26-A643-13E95CBC2FCB}"/>
-    <dgm:cxn modelId="{F8738396-4838-4BC5-B292-14A4D225C11A}" type="presOf" srcId="{4EB5D9F1-C378-4F07-AC88-23D445A05395}" destId="{40D211F9-2DE1-41CE-8A74-F13770053BCB}" srcOrd="0" destOrd="0" presId="urn:microsoft.com/office/officeart/2005/8/layout/orgChart1"/>
     <dgm:cxn modelId="{CBEBA3E5-A4CA-4D03-9575-A009ABB2547D}" type="presParOf" srcId="{2EC4B6A9-232D-4A8B-859D-5B20343255D7}" destId="{C8A4DCA0-6240-4E48-9155-0BF76163054A}" srcOrd="0" destOrd="0" presId="urn:microsoft.com/office/officeart/2005/8/layout/orgChart1"/>
     <dgm:cxn modelId="{16493EB7-22E7-4DCD-A433-12493D3914A5}" type="presParOf" srcId="{C8A4DCA0-6240-4E48-9155-0BF76163054A}" destId="{FDA9ED23-19E7-487F-BB73-09D360B41837}" srcOrd="0" destOrd="0" presId="urn:microsoft.com/office/officeart/2005/8/layout/orgChart1"/>
     <dgm:cxn modelId="{26732CB4-4D88-4B1B-A743-0CD7A78BA325}" type="presParOf" srcId="{FDA9ED23-19E7-487F-BB73-09D360B41837}" destId="{CD26B4E5-F4C9-4032-97BE-3F807397455E}" srcOrd="0" destOrd="0" presId="urn:microsoft.com/office/officeart/2005/8/layout/orgChart1"/>
@@ -10772,7 +10023,7 @@
         </a:bodyPr>
         <a:lstStyle/>
         <a:p>
-          <a:pPr lvl="0" algn="l" defTabSz="889000">
+          <a:pPr marL="0" lvl="0" indent="0" algn="l" defTabSz="889000">
             <a:lnSpc>
               <a:spcPct val="90000"/>
             </a:lnSpc>
@@ -10782,6 +10033,7 @@
             <a:spcAft>
               <a:spcPct val="35000"/>
             </a:spcAft>
+            <a:buNone/>
           </a:pPr>
           <a:r>
             <a:rPr lang="ru-RU" sz="2000" kern="1200" dirty="0"/>
@@ -10849,7 +10101,7 @@
         </a:bodyPr>
         <a:lstStyle/>
         <a:p>
-          <a:pPr lvl="0" algn="ctr" defTabSz="2133600">
+          <a:pPr marL="0" lvl="0" indent="0" algn="ctr" defTabSz="2133600">
             <a:lnSpc>
               <a:spcPct val="90000"/>
             </a:lnSpc>
@@ -10859,6 +10111,7 @@
             <a:spcAft>
               <a:spcPct val="35000"/>
             </a:spcAft>
+            <a:buNone/>
           </a:pPr>
           <a:r>
             <a:rPr lang="en-US" sz="4800" kern="1200" dirty="0"/>
@@ -10976,7 +10229,7 @@
         </a:bodyPr>
         <a:lstStyle/>
         <a:p>
-          <a:pPr lvl="0" algn="l" defTabSz="889000">
+          <a:pPr marL="0" lvl="0" indent="0" algn="l" defTabSz="889000">
             <a:lnSpc>
               <a:spcPct val="90000"/>
             </a:lnSpc>
@@ -10986,6 +10239,7 @@
             <a:spcAft>
               <a:spcPct val="35000"/>
             </a:spcAft>
+            <a:buNone/>
           </a:pPr>
           <a:r>
             <a:rPr lang="ru-RU" sz="2000" kern="1200"/>
@@ -11053,7 +10307,7 @@
         </a:bodyPr>
         <a:lstStyle/>
         <a:p>
-          <a:pPr lvl="0" algn="ctr" defTabSz="2133600">
+          <a:pPr marL="0" lvl="0" indent="0" algn="ctr" defTabSz="2133600">
             <a:lnSpc>
               <a:spcPct val="90000"/>
             </a:lnSpc>
@@ -11063,6 +10317,7 @@
             <a:spcAft>
               <a:spcPct val="35000"/>
             </a:spcAft>
+            <a:buNone/>
           </a:pPr>
           <a:r>
             <a:rPr lang="en-US" sz="4800" kern="1200"/>
@@ -11180,7 +10435,7 @@
         </a:bodyPr>
         <a:lstStyle/>
         <a:p>
-          <a:pPr lvl="0" algn="l" defTabSz="889000">
+          <a:pPr marL="0" lvl="0" indent="0" algn="l" defTabSz="889000">
             <a:lnSpc>
               <a:spcPct val="90000"/>
             </a:lnSpc>
@@ -11190,6 +10445,7 @@
             <a:spcAft>
               <a:spcPct val="35000"/>
             </a:spcAft>
+            <a:buNone/>
           </a:pPr>
           <a:r>
             <a:rPr lang="ru-RU" sz="2000" kern="1200"/>
@@ -11257,7 +10513,7 @@
         </a:bodyPr>
         <a:lstStyle/>
         <a:p>
-          <a:pPr lvl="0" algn="ctr" defTabSz="2133600">
+          <a:pPr marL="0" lvl="0" indent="0" algn="ctr" defTabSz="2133600">
             <a:lnSpc>
               <a:spcPct val="90000"/>
             </a:lnSpc>
@@ -11267,6 +10523,7 @@
             <a:spcAft>
               <a:spcPct val="35000"/>
             </a:spcAft>
+            <a:buNone/>
           </a:pPr>
           <a:r>
             <a:rPr lang="en-US" sz="4800" kern="1200"/>
@@ -11633,7 +10890,7 @@
         </a:bodyPr>
         <a:lstStyle/>
         <a:p>
-          <a:pPr lvl="0" algn="ctr" defTabSz="1822450">
+          <a:pPr marL="0" lvl="0" indent="0" algn="ctr" defTabSz="1822450">
             <a:lnSpc>
               <a:spcPct val="90000"/>
             </a:lnSpc>
@@ -11643,6 +10900,7 @@
             <a:spcAft>
               <a:spcPct val="35000"/>
             </a:spcAft>
+            <a:buNone/>
           </a:pPr>
           <a:r>
             <a:rPr lang="en-US" sz="4100" kern="1200" dirty="0"/>
@@ -11710,7 +10968,7 @@
         </a:bodyPr>
         <a:lstStyle/>
         <a:p>
-          <a:pPr lvl="0" algn="ctr" defTabSz="1822450">
+          <a:pPr marL="0" lvl="0" indent="0" algn="ctr" defTabSz="1822450">
             <a:lnSpc>
               <a:spcPct val="90000"/>
             </a:lnSpc>
@@ -11720,6 +10978,7 @@
             <a:spcAft>
               <a:spcPct val="35000"/>
             </a:spcAft>
+            <a:buNone/>
           </a:pPr>
           <a:r>
             <a:rPr lang="en-US" sz="4100" kern="1200" dirty="0"/>
@@ -11787,7 +11046,7 @@
         </a:bodyPr>
         <a:lstStyle/>
         <a:p>
-          <a:pPr lvl="0" algn="ctr" defTabSz="1822450">
+          <a:pPr marL="0" lvl="0" indent="0" algn="ctr" defTabSz="1822450">
             <a:lnSpc>
               <a:spcPct val="90000"/>
             </a:lnSpc>
@@ -11797,6 +11056,7 @@
             <a:spcAft>
               <a:spcPct val="35000"/>
             </a:spcAft>
+            <a:buNone/>
           </a:pPr>
           <a:r>
             <a:rPr lang="en-US" sz="4100" kern="1200" dirty="0"/>
@@ -11864,7 +11124,7 @@
         </a:bodyPr>
         <a:lstStyle/>
         <a:p>
-          <a:pPr lvl="0" algn="ctr" defTabSz="1822450">
+          <a:pPr marL="0" lvl="0" indent="0" algn="ctr" defTabSz="1822450">
             <a:lnSpc>
               <a:spcPct val="90000"/>
             </a:lnSpc>
@@ -11874,6 +11134,7 @@
             <a:spcAft>
               <a:spcPct val="35000"/>
             </a:spcAft>
+            <a:buNone/>
           </a:pPr>
           <a:r>
             <a:rPr lang="en-US" sz="4100" kern="1200" dirty="0"/>
@@ -11941,7 +11202,7 @@
         </a:bodyPr>
         <a:lstStyle/>
         <a:p>
-          <a:pPr lvl="0" algn="ctr" defTabSz="1822450">
+          <a:pPr marL="0" lvl="0" indent="0" algn="ctr" defTabSz="1822450">
             <a:lnSpc>
               <a:spcPct val="90000"/>
             </a:lnSpc>
@@ -11951,6 +11212,7 @@
             <a:spcAft>
               <a:spcPct val="35000"/>
             </a:spcAft>
+            <a:buNone/>
           </a:pPr>
           <a:r>
             <a:rPr lang="en-US" sz="4100" kern="1200" dirty="0"/>
@@ -12030,7 +11292,7 @@
         </a:bodyPr>
         <a:lstStyle/>
         <a:p>
-          <a:pPr lvl="0" algn="ctr" defTabSz="1689100">
+          <a:pPr marL="0" lvl="0" indent="0" algn="ctr" defTabSz="1689100">
             <a:lnSpc>
               <a:spcPct val="90000"/>
             </a:lnSpc>
@@ -12040,6 +11302,7 @@
             <a:spcAft>
               <a:spcPct val="35000"/>
             </a:spcAft>
+            <a:buNone/>
           </a:pPr>
           <a:r>
             <a:rPr lang="en-US" sz="3800" kern="1200" dirty="0"/>
@@ -12107,7 +11370,7 @@
         </a:bodyPr>
         <a:lstStyle/>
         <a:p>
-          <a:pPr lvl="0" algn="ctr" defTabSz="1689100">
+          <a:pPr marL="0" lvl="0" indent="0" algn="ctr" defTabSz="1689100">
             <a:lnSpc>
               <a:spcPct val="90000"/>
             </a:lnSpc>
@@ -12117,6 +11380,7 @@
             <a:spcAft>
               <a:spcPct val="35000"/>
             </a:spcAft>
+            <a:buNone/>
           </a:pPr>
           <a:r>
             <a:rPr lang="en-US" sz="3800" kern="1200" dirty="0"/>
@@ -12184,7 +11448,7 @@
         </a:bodyPr>
         <a:lstStyle/>
         <a:p>
-          <a:pPr lvl="0" algn="ctr" defTabSz="1689100">
+          <a:pPr marL="0" lvl="0" indent="0" algn="ctr" defTabSz="1689100">
             <a:lnSpc>
               <a:spcPct val="90000"/>
             </a:lnSpc>
@@ -12194,6 +11458,7 @@
             <a:spcAft>
               <a:spcPct val="35000"/>
             </a:spcAft>
+            <a:buNone/>
           </a:pPr>
           <a:r>
             <a:rPr lang="en-US" sz="3800" kern="1200" dirty="0"/>
@@ -12261,7 +11526,7 @@
         </a:bodyPr>
         <a:lstStyle/>
         <a:p>
-          <a:pPr lvl="0" algn="ctr" defTabSz="1689100">
+          <a:pPr marL="0" lvl="0" indent="0" algn="ctr" defTabSz="1689100">
             <a:lnSpc>
               <a:spcPct val="90000"/>
             </a:lnSpc>
@@ -12271,6 +11536,7 @@
             <a:spcAft>
               <a:spcPct val="35000"/>
             </a:spcAft>
+            <a:buNone/>
           </a:pPr>
           <a:r>
             <a:rPr lang="en-US" sz="3800" kern="1200" dirty="0"/>
@@ -12338,7 +11604,7 @@
         </a:bodyPr>
         <a:lstStyle/>
         <a:p>
-          <a:pPr lvl="0" algn="ctr" defTabSz="1689100">
+          <a:pPr marL="0" lvl="0" indent="0" algn="ctr" defTabSz="1689100">
             <a:lnSpc>
               <a:spcPct val="90000"/>
             </a:lnSpc>
@@ -12348,6 +11614,7 @@
             <a:spcAft>
               <a:spcPct val="35000"/>
             </a:spcAft>
+            <a:buNone/>
           </a:pPr>
           <a:r>
             <a:rPr lang="en-US" sz="3800" kern="1200" dirty="0"/>
@@ -12438,7 +11705,7 @@
         </a:bodyPr>
         <a:lstStyle/>
         <a:p>
-          <a:pPr lvl="0" algn="ctr" defTabSz="222250">
+          <a:pPr marL="0" lvl="0" indent="0" algn="ctr" defTabSz="222250">
             <a:lnSpc>
               <a:spcPct val="90000"/>
             </a:lnSpc>
@@ -12448,6 +11715,7 @@
             <a:spcAft>
               <a:spcPct val="35000"/>
             </a:spcAft>
+            <a:buNone/>
           </a:pPr>
           <a:endParaRPr lang="en-US" sz="500" kern="1200"/>
         </a:p>
@@ -12523,7 +11791,7 @@
         </a:bodyPr>
         <a:lstStyle/>
         <a:p>
-          <a:pPr lvl="0" algn="ctr" defTabSz="222250">
+          <a:pPr marL="0" lvl="0" indent="0" algn="ctr" defTabSz="222250">
             <a:lnSpc>
               <a:spcPct val="90000"/>
             </a:lnSpc>
@@ -12533,6 +11801,7 @@
             <a:spcAft>
               <a:spcPct val="35000"/>
             </a:spcAft>
+            <a:buNone/>
           </a:pPr>
           <a:endParaRPr lang="en-US" sz="500" kern="1200"/>
         </a:p>
@@ -12608,7 +11877,7 @@
         </a:bodyPr>
         <a:lstStyle/>
         <a:p>
-          <a:pPr lvl="0" algn="ctr" defTabSz="222250">
+          <a:pPr marL="0" lvl="0" indent="0" algn="ctr" defTabSz="222250">
             <a:lnSpc>
               <a:spcPct val="90000"/>
             </a:lnSpc>
@@ -12618,6 +11887,7 @@
             <a:spcAft>
               <a:spcPct val="35000"/>
             </a:spcAft>
+            <a:buNone/>
           </a:pPr>
           <a:endParaRPr lang="en-US" sz="500" kern="1200"/>
         </a:p>
@@ -12693,7 +11963,7 @@
         </a:bodyPr>
         <a:lstStyle/>
         <a:p>
-          <a:pPr lvl="0" algn="ctr" defTabSz="222250">
+          <a:pPr marL="0" lvl="0" indent="0" algn="ctr" defTabSz="222250">
             <a:lnSpc>
               <a:spcPct val="90000"/>
             </a:lnSpc>
@@ -12703,6 +11973,7 @@
             <a:spcAft>
               <a:spcPct val="35000"/>
             </a:spcAft>
+            <a:buNone/>
           </a:pPr>
           <a:endParaRPr lang="en-US" sz="500" kern="1200"/>
         </a:p>
@@ -12772,7 +12043,7 @@
         </a:bodyPr>
         <a:lstStyle/>
         <a:p>
-          <a:pPr lvl="0" algn="ctr" defTabSz="222250">
+          <a:pPr marL="0" lvl="0" indent="0" algn="ctr" defTabSz="222250">
             <a:lnSpc>
               <a:spcPct val="90000"/>
             </a:lnSpc>
@@ -12782,6 +12053,7 @@
             <a:spcAft>
               <a:spcPct val="35000"/>
             </a:spcAft>
+            <a:buNone/>
           </a:pPr>
           <a:endParaRPr lang="en-US" sz="500" kern="1200"/>
         </a:p>
@@ -12857,7 +12129,7 @@
         </a:bodyPr>
         <a:lstStyle/>
         <a:p>
-          <a:pPr lvl="0" algn="ctr" defTabSz="222250">
+          <a:pPr marL="0" lvl="0" indent="0" algn="ctr" defTabSz="222250">
             <a:lnSpc>
               <a:spcPct val="90000"/>
             </a:lnSpc>
@@ -12867,6 +12139,7 @@
             <a:spcAft>
               <a:spcPct val="35000"/>
             </a:spcAft>
+            <a:buNone/>
           </a:pPr>
           <a:endParaRPr lang="en-US" sz="500" kern="1200"/>
         </a:p>
@@ -12942,7 +12215,7 @@
         </a:bodyPr>
         <a:lstStyle/>
         <a:p>
-          <a:pPr lvl="0" algn="ctr" defTabSz="222250">
+          <a:pPr marL="0" lvl="0" indent="0" algn="ctr" defTabSz="222250">
             <a:lnSpc>
               <a:spcPct val="90000"/>
             </a:lnSpc>
@@ -12952,6 +12225,7 @@
             <a:spcAft>
               <a:spcPct val="35000"/>
             </a:spcAft>
+            <a:buNone/>
           </a:pPr>
           <a:endParaRPr lang="en-US" sz="500" kern="1200"/>
         </a:p>
@@ -13027,7 +12301,7 @@
         </a:bodyPr>
         <a:lstStyle/>
         <a:p>
-          <a:pPr lvl="0" algn="ctr" defTabSz="222250">
+          <a:pPr marL="0" lvl="0" indent="0" algn="ctr" defTabSz="222250">
             <a:lnSpc>
               <a:spcPct val="90000"/>
             </a:lnSpc>
@@ -13037,6 +12311,7 @@
             <a:spcAft>
               <a:spcPct val="35000"/>
             </a:spcAft>
+            <a:buNone/>
           </a:pPr>
           <a:endParaRPr lang="en-US" sz="500" kern="1200"/>
         </a:p>
@@ -13101,7 +12376,7 @@
         </a:bodyPr>
         <a:lstStyle/>
         <a:p>
-          <a:pPr lvl="0" algn="ctr" defTabSz="1244600">
+          <a:pPr marL="0" lvl="0" indent="0" algn="ctr" defTabSz="1244600">
             <a:lnSpc>
               <a:spcPct val="90000"/>
             </a:lnSpc>
@@ -13111,6 +12386,7 @@
             <a:spcAft>
               <a:spcPct val="35000"/>
             </a:spcAft>
+            <a:buNone/>
           </a:pPr>
           <a:r>
             <a:rPr lang="en-US" sz="2800" kern="1200" dirty="0" err="1"/>
@@ -13179,7 +12455,7 @@
         </a:bodyPr>
         <a:lstStyle/>
         <a:p>
-          <a:pPr lvl="0" algn="ctr" defTabSz="488950">
+          <a:pPr marL="0" lvl="0" indent="0" algn="ctr" defTabSz="488950">
             <a:lnSpc>
               <a:spcPct val="90000"/>
             </a:lnSpc>
@@ -13189,6 +12465,7 @@
             <a:spcAft>
               <a:spcPct val="35000"/>
             </a:spcAft>
+            <a:buNone/>
           </a:pPr>
           <a:r>
             <a:rPr lang="en-US" sz="1100" kern="1200" dirty="0" err="1"/>
@@ -13276,7 +12553,7 @@
         </a:bodyPr>
         <a:lstStyle/>
         <a:p>
-          <a:pPr lvl="0" algn="ctr" defTabSz="488950">
+          <a:pPr marL="0" lvl="0" indent="0" algn="ctr" defTabSz="488950">
             <a:lnSpc>
               <a:spcPct val="90000"/>
             </a:lnSpc>
@@ -13286,6 +12563,7 @@
             <a:spcAft>
               <a:spcPct val="35000"/>
             </a:spcAft>
+            <a:buNone/>
           </a:pPr>
           <a:r>
             <a:rPr lang="en-US" sz="1100" kern="1200" dirty="0" err="1"/>
@@ -13365,7 +12643,7 @@
         </a:bodyPr>
         <a:lstStyle/>
         <a:p>
-          <a:pPr lvl="0" algn="ctr" defTabSz="488950">
+          <a:pPr marL="0" lvl="0" indent="0" algn="ctr" defTabSz="488950">
             <a:lnSpc>
               <a:spcPct val="90000"/>
             </a:lnSpc>
@@ -13375,6 +12653,7 @@
             <a:spcAft>
               <a:spcPct val="35000"/>
             </a:spcAft>
+            <a:buNone/>
           </a:pPr>
           <a:r>
             <a:rPr lang="en-US" sz="1100" kern="1200" dirty="0" err="1"/>
@@ -13459,7 +12738,7 @@
         </a:bodyPr>
         <a:lstStyle/>
         <a:p>
-          <a:pPr lvl="0" algn="ctr" defTabSz="488950">
+          <a:pPr marL="0" lvl="0" indent="0" algn="ctr" defTabSz="488950">
             <a:lnSpc>
               <a:spcPct val="90000"/>
             </a:lnSpc>
@@ -13469,6 +12748,7 @@
             <a:spcAft>
               <a:spcPct val="35000"/>
             </a:spcAft>
+            <a:buNone/>
           </a:pPr>
           <a:r>
             <a:rPr lang="en-US" sz="1100" kern="1200" dirty="0"/>
@@ -13549,7 +12829,7 @@
         </a:bodyPr>
         <a:lstStyle/>
         <a:p>
-          <a:pPr lvl="0" algn="ctr" defTabSz="488950">
+          <a:pPr marL="0" lvl="0" indent="0" algn="ctr" defTabSz="488950">
             <a:lnSpc>
               <a:spcPct val="90000"/>
             </a:lnSpc>
@@ -13559,6 +12839,7 @@
             <a:spcAft>
               <a:spcPct val="35000"/>
             </a:spcAft>
+            <a:buNone/>
           </a:pPr>
           <a:r>
             <a:rPr lang="en-US" sz="1100" kern="1200" dirty="0" err="1"/>
@@ -13639,7 +12920,7 @@
         </a:bodyPr>
         <a:lstStyle/>
         <a:p>
-          <a:pPr lvl="0" algn="ctr" defTabSz="488950">
+          <a:pPr marL="0" lvl="0" indent="0" algn="ctr" defTabSz="488950">
             <a:lnSpc>
               <a:spcPct val="90000"/>
             </a:lnSpc>
@@ -13649,6 +12930,7 @@
             <a:spcAft>
               <a:spcPct val="35000"/>
             </a:spcAft>
+            <a:buNone/>
           </a:pPr>
           <a:r>
             <a:rPr lang="en-US" sz="1100" kern="1200" dirty="0"/>
@@ -13724,7 +13006,7 @@
         </a:bodyPr>
         <a:lstStyle/>
         <a:p>
-          <a:pPr lvl="0" algn="ctr" defTabSz="488950">
+          <a:pPr marL="0" lvl="0" indent="0" algn="ctr" defTabSz="488950">
             <a:lnSpc>
               <a:spcPct val="90000"/>
             </a:lnSpc>
@@ -13734,6 +13016,7 @@
             <a:spcAft>
               <a:spcPct val="35000"/>
             </a:spcAft>
+            <a:buNone/>
           </a:pPr>
           <a:r>
             <a:rPr lang="en-US" sz="1100" kern="1200" dirty="0" err="1"/>
@@ -13813,7 +13096,7 @@
         </a:bodyPr>
         <a:lstStyle/>
         <a:p>
-          <a:pPr lvl="0" algn="ctr" defTabSz="488950">
+          <a:pPr marL="0" lvl="0" indent="0" algn="ctr" defTabSz="488950">
             <a:lnSpc>
               <a:spcPct val="90000"/>
             </a:lnSpc>
@@ -13823,6 +13106,7 @@
             <a:spcAft>
               <a:spcPct val="35000"/>
             </a:spcAft>
+            <a:buNone/>
           </a:pPr>
           <a:r>
             <a:rPr lang="en-US" sz="1100" kern="1200" dirty="0" err="1"/>
@@ -14089,12 +13373,12 @@
         </a:fontRef>
       </dsp:style>
       <dsp:txBody>
-        <a:bodyPr spcFirstLastPara="0" vert="horz" wrap="square" lIns="20320" tIns="20320" rIns="20320" bIns="20320" numCol="1" spcCol="1270" anchor="ctr" anchorCtr="0">
+        <a:bodyPr spcFirstLastPara="0" vert="horz" wrap="square" lIns="20955" tIns="20955" rIns="20955" bIns="20955" numCol="1" spcCol="1270" anchor="ctr" anchorCtr="0">
           <a:noAutofit/>
         </a:bodyPr>
         <a:lstStyle/>
         <a:p>
-          <a:pPr lvl="0" algn="ctr" defTabSz="1422400">
+          <a:pPr marL="0" lvl="0" indent="0" algn="ctr" defTabSz="1466850">
             <a:lnSpc>
               <a:spcPct val="90000"/>
             </a:lnSpc>
@@ -14104,9 +13388,10 @@
             <a:spcAft>
               <a:spcPct val="35000"/>
             </a:spcAft>
+            <a:buNone/>
           </a:pPr>
           <a:r>
-            <a:rPr lang="en-US" sz="3200" b="1" kern="1200" dirty="0"/>
+            <a:rPr lang="en-US" sz="3300" b="1" kern="1200" dirty="0"/>
             <a:t>Node</a:t>
           </a:r>
         </a:p>
@@ -14166,12 +13451,12 @@
         </a:fontRef>
       </dsp:style>
       <dsp:txBody>
-        <a:bodyPr spcFirstLastPara="0" vert="horz" wrap="square" lIns="20320" tIns="20320" rIns="20320" bIns="20320" numCol="1" spcCol="1270" anchor="ctr" anchorCtr="0">
+        <a:bodyPr spcFirstLastPara="0" vert="horz" wrap="square" lIns="20955" tIns="20955" rIns="20955" bIns="20955" numCol="1" spcCol="1270" anchor="ctr" anchorCtr="0">
           <a:noAutofit/>
         </a:bodyPr>
         <a:lstStyle/>
         <a:p>
-          <a:pPr lvl="0" algn="ctr" defTabSz="1422400">
+          <a:pPr marL="0" lvl="0" indent="0" algn="ctr" defTabSz="1466850">
             <a:lnSpc>
               <a:spcPct val="90000"/>
             </a:lnSpc>
@@ -14181,9 +13466,10 @@
             <a:spcAft>
               <a:spcPct val="35000"/>
             </a:spcAft>
+            <a:buNone/>
           </a:pPr>
           <a:r>
-            <a:rPr lang="en-US" sz="3200" b="1" kern="1200" dirty="0"/>
+            <a:rPr lang="en-US" sz="3300" b="1" kern="1200" dirty="0"/>
             <a:t>Node</a:t>
           </a:r>
         </a:p>
@@ -14243,12 +13529,12 @@
         </a:fontRef>
       </dsp:style>
       <dsp:txBody>
-        <a:bodyPr spcFirstLastPara="0" vert="horz" wrap="square" lIns="20320" tIns="20320" rIns="20320" bIns="20320" numCol="1" spcCol="1270" anchor="ctr" anchorCtr="0">
+        <a:bodyPr spcFirstLastPara="0" vert="horz" wrap="square" lIns="20955" tIns="20955" rIns="20955" bIns="20955" numCol="1" spcCol="1270" anchor="ctr" anchorCtr="0">
           <a:noAutofit/>
         </a:bodyPr>
         <a:lstStyle/>
         <a:p>
-          <a:pPr lvl="0" algn="ctr" defTabSz="1422400">
+          <a:pPr marL="0" lvl="0" indent="0" algn="ctr" defTabSz="1466850">
             <a:lnSpc>
               <a:spcPct val="90000"/>
             </a:lnSpc>
@@ -14258,17 +13544,18 @@
             <a:spcAft>
               <a:spcPct val="35000"/>
             </a:spcAft>
+            <a:buNone/>
           </a:pPr>
           <a:r>
-            <a:rPr lang="en-US" sz="3200" b="1" kern="1200" dirty="0"/>
+            <a:rPr lang="en-US" sz="3300" b="1" kern="1200" dirty="0"/>
             <a:t>[</a:t>
           </a:r>
           <a:r>
-            <a:rPr lang="en-US" sz="3200" b="1" kern="1200" dirty="0" err="1"/>
+            <a:rPr lang="en-US" sz="3300" b="1" kern="1200" dirty="0" err="1"/>
             <a:t>Node,Node</a:t>
           </a:r>
           <a:r>
-            <a:rPr lang="en-US" sz="3200" b="1" kern="1200" dirty="0"/>
+            <a:rPr lang="en-US" sz="3300" b="1" kern="1200" dirty="0"/>
             <a:t>]</a:t>
           </a:r>
         </a:p>
@@ -14328,12 +13615,12 @@
         </a:fontRef>
       </dsp:style>
       <dsp:txBody>
-        <a:bodyPr spcFirstLastPara="0" vert="horz" wrap="square" lIns="20320" tIns="20320" rIns="20320" bIns="20320" numCol="1" spcCol="1270" anchor="ctr" anchorCtr="0">
+        <a:bodyPr spcFirstLastPara="0" vert="horz" wrap="square" lIns="20955" tIns="20955" rIns="20955" bIns="20955" numCol="1" spcCol="1270" anchor="ctr" anchorCtr="0">
           <a:noAutofit/>
         </a:bodyPr>
         <a:lstStyle/>
         <a:p>
-          <a:pPr lvl="0" algn="ctr" defTabSz="1422400">
+          <a:pPr marL="0" lvl="0" indent="0" algn="ctr" defTabSz="1466850">
             <a:lnSpc>
               <a:spcPct val="90000"/>
             </a:lnSpc>
@@ -14343,9 +13630,10 @@
             <a:spcAft>
               <a:spcPct val="35000"/>
             </a:spcAft>
+            <a:buNone/>
           </a:pPr>
           <a:r>
-            <a:rPr lang="en-US" sz="3200" b="1" kern="1200" dirty="0"/>
+            <a:rPr lang="en-US" sz="3300" b="1" kern="1200" dirty="0"/>
             <a:t>Node</a:t>
           </a:r>
         </a:p>
@@ -14597,12 +13885,12 @@
         </a:fontRef>
       </dsp:style>
       <dsp:txBody>
-        <a:bodyPr spcFirstLastPara="0" vert="horz" wrap="square" lIns="20955" tIns="20955" rIns="20955" bIns="20955" numCol="1" spcCol="1270" anchor="ctr" anchorCtr="0">
+        <a:bodyPr spcFirstLastPara="0" vert="horz" wrap="square" lIns="21590" tIns="21590" rIns="21590" bIns="21590" numCol="1" spcCol="1270" anchor="ctr" anchorCtr="0">
           <a:noAutofit/>
         </a:bodyPr>
         <a:lstStyle/>
         <a:p>
-          <a:pPr lvl="0" algn="ctr" defTabSz="1466850">
+          <a:pPr marL="0" lvl="0" indent="0" algn="ctr" defTabSz="1511300">
             <a:lnSpc>
               <a:spcPct val="90000"/>
             </a:lnSpc>
@@ -14612,9 +13900,10 @@
             <a:spcAft>
               <a:spcPct val="35000"/>
             </a:spcAft>
+            <a:buNone/>
           </a:pPr>
           <a:r>
-            <a:rPr lang="en-US" sz="3300" b="1" kern="1200" dirty="0"/>
+            <a:rPr lang="en-US" sz="3400" b="1" kern="1200" dirty="0"/>
             <a:t>Node</a:t>
           </a:r>
         </a:p>
@@ -14674,12 +13963,12 @@
         </a:fontRef>
       </dsp:style>
       <dsp:txBody>
-        <a:bodyPr spcFirstLastPara="0" vert="horz" wrap="square" lIns="20955" tIns="20955" rIns="20955" bIns="20955" numCol="1" spcCol="1270" anchor="ctr" anchorCtr="0">
+        <a:bodyPr spcFirstLastPara="0" vert="horz" wrap="square" lIns="21590" tIns="21590" rIns="21590" bIns="21590" numCol="1" spcCol="1270" anchor="ctr" anchorCtr="0">
           <a:noAutofit/>
         </a:bodyPr>
         <a:lstStyle/>
         <a:p>
-          <a:pPr lvl="0" algn="ctr" defTabSz="1466850">
+          <a:pPr marL="0" lvl="0" indent="0" algn="ctr" defTabSz="1511300">
             <a:lnSpc>
               <a:spcPct val="90000"/>
             </a:lnSpc>
@@ -14689,9 +13978,10 @@
             <a:spcAft>
               <a:spcPct val="35000"/>
             </a:spcAft>
+            <a:buNone/>
           </a:pPr>
           <a:r>
-            <a:rPr lang="en-US" sz="3300" b="1" kern="1200" dirty="0"/>
+            <a:rPr lang="en-US" sz="3400" b="1" kern="1200" dirty="0"/>
             <a:t>Node</a:t>
           </a:r>
         </a:p>
@@ -14751,12 +14041,12 @@
         </a:fontRef>
       </dsp:style>
       <dsp:txBody>
-        <a:bodyPr spcFirstLastPara="0" vert="horz" wrap="square" lIns="20955" tIns="20955" rIns="20955" bIns="20955" numCol="1" spcCol="1270" anchor="ctr" anchorCtr="0">
+        <a:bodyPr spcFirstLastPara="0" vert="horz" wrap="square" lIns="21590" tIns="21590" rIns="21590" bIns="21590" numCol="1" spcCol="1270" anchor="ctr" anchorCtr="0">
           <a:noAutofit/>
         </a:bodyPr>
         <a:lstStyle/>
         <a:p>
-          <a:pPr lvl="0" algn="ctr" defTabSz="1466850">
+          <a:pPr marL="0" lvl="0" indent="0" algn="ctr" defTabSz="1511300">
             <a:lnSpc>
               <a:spcPct val="90000"/>
             </a:lnSpc>
@@ -14766,13 +14056,14 @@
             <a:spcAft>
               <a:spcPct val="35000"/>
             </a:spcAft>
+            <a:buNone/>
           </a:pPr>
           <a:r>
-            <a:rPr lang="en-US" sz="3300" kern="1200" dirty="0"/>
+            <a:rPr lang="en-US" sz="3400" kern="1200" dirty="0"/>
             <a:t>[</a:t>
           </a:r>
           <a:r>
-            <a:rPr lang="en-US" sz="3300" kern="1200" dirty="0" err="1">
+            <a:rPr lang="en-US" sz="3400" kern="1200" dirty="0" err="1">
               <a:solidFill>
                 <a:schemeClr val="accent1"/>
               </a:solidFill>
@@ -14780,7 +14071,7 @@
             <a:t>Node,Node</a:t>
           </a:r>
           <a:r>
-            <a:rPr lang="en-US" sz="3300" kern="1200" dirty="0"/>
+            <a:rPr lang="en-US" sz="3400" kern="1200" dirty="0"/>
             <a:t>]</a:t>
           </a:r>
         </a:p>
@@ -14840,12 +14131,12 @@
         </a:fontRef>
       </dsp:style>
       <dsp:txBody>
-        <a:bodyPr spcFirstLastPara="0" vert="horz" wrap="square" lIns="20955" tIns="20955" rIns="20955" bIns="20955" numCol="1" spcCol="1270" anchor="ctr" anchorCtr="0">
+        <a:bodyPr spcFirstLastPara="0" vert="horz" wrap="square" lIns="21590" tIns="21590" rIns="21590" bIns="21590" numCol="1" spcCol="1270" anchor="ctr" anchorCtr="0">
           <a:noAutofit/>
         </a:bodyPr>
         <a:lstStyle/>
         <a:p>
-          <a:pPr lvl="0" algn="ctr" defTabSz="1466850">
+          <a:pPr marL="0" lvl="0" indent="0" algn="ctr" defTabSz="1511300">
             <a:lnSpc>
               <a:spcPct val="90000"/>
             </a:lnSpc>
@@ -14855,9 +14146,10 @@
             <a:spcAft>
               <a:spcPct val="35000"/>
             </a:spcAft>
+            <a:buNone/>
           </a:pPr>
           <a:r>
-            <a:rPr lang="en-US" sz="3300" b="1" kern="1200" dirty="0"/>
+            <a:rPr lang="en-US" sz="3400" b="1" kern="1200" dirty="0"/>
             <a:t>Node</a:t>
           </a:r>
         </a:p>
@@ -15169,7 +14461,7 @@
         </a:bodyPr>
         <a:lstStyle/>
         <a:p>
-          <a:pPr lvl="0" algn="ctr" defTabSz="1866900">
+          <a:pPr marL="0" lvl="0" indent="0" algn="ctr" defTabSz="1866900">
             <a:lnSpc>
               <a:spcPct val="90000"/>
             </a:lnSpc>
@@ -15179,6 +14471,7 @@
             <a:spcAft>
               <a:spcPct val="35000"/>
             </a:spcAft>
+            <a:buNone/>
           </a:pPr>
           <a:r>
             <a:rPr lang="en-US" sz="4200" kern="1200" dirty="0"/>
@@ -15246,7 +14539,7 @@
         </a:bodyPr>
         <a:lstStyle/>
         <a:p>
-          <a:pPr lvl="0" algn="ctr" defTabSz="1866900">
+          <a:pPr marL="0" lvl="0" indent="0" algn="ctr" defTabSz="1866900">
             <a:lnSpc>
               <a:spcPct val="90000"/>
             </a:lnSpc>
@@ -15256,6 +14549,7 @@
             <a:spcAft>
               <a:spcPct val="35000"/>
             </a:spcAft>
+            <a:buNone/>
           </a:pPr>
           <a:r>
             <a:rPr lang="en-US" sz="4200" kern="1200" dirty="0"/>
@@ -15323,7 +14617,7 @@
         </a:bodyPr>
         <a:lstStyle/>
         <a:p>
-          <a:pPr lvl="0" algn="ctr" defTabSz="1866900">
+          <a:pPr marL="0" lvl="0" indent="0" algn="ctr" defTabSz="1866900">
             <a:lnSpc>
               <a:spcPct val="90000"/>
             </a:lnSpc>
@@ -15333,6 +14627,7 @@
             <a:spcAft>
               <a:spcPct val="35000"/>
             </a:spcAft>
+            <a:buNone/>
           </a:pPr>
           <a:r>
             <a:rPr lang="en-US" sz="4200" kern="1200" dirty="0"/>
@@ -15400,7 +14695,7 @@
         </a:bodyPr>
         <a:lstStyle/>
         <a:p>
-          <a:pPr lvl="0" algn="ctr" defTabSz="1866900">
+          <a:pPr marL="0" lvl="0" indent="0" algn="ctr" defTabSz="1866900">
             <a:lnSpc>
               <a:spcPct val="90000"/>
             </a:lnSpc>
@@ -15410,6 +14705,7 @@
             <a:spcAft>
               <a:spcPct val="35000"/>
             </a:spcAft>
+            <a:buNone/>
           </a:pPr>
           <a:r>
             <a:rPr lang="en-US" sz="4200" kern="1200" dirty="0"/>
@@ -15477,7 +14773,7 @@
         </a:bodyPr>
         <a:lstStyle/>
         <a:p>
-          <a:pPr lvl="0" algn="ctr" defTabSz="1866900">
+          <a:pPr marL="0" lvl="0" indent="0" algn="ctr" defTabSz="1866900">
             <a:lnSpc>
               <a:spcPct val="90000"/>
             </a:lnSpc>
@@ -15487,6 +14783,7 @@
             <a:spcAft>
               <a:spcPct val="35000"/>
             </a:spcAft>
+            <a:buNone/>
           </a:pPr>
           <a:r>
             <a:rPr lang="en-US" sz="4200" kern="1200" dirty="0">
@@ -15747,7 +15044,7 @@
         </a:bodyPr>
         <a:lstStyle/>
         <a:p>
-          <a:pPr lvl="0" algn="ctr" defTabSz="1555750">
+          <a:pPr marL="0" lvl="0" indent="0" algn="ctr" defTabSz="1555750">
             <a:lnSpc>
               <a:spcPct val="90000"/>
             </a:lnSpc>
@@ -15757,6 +15054,7 @@
             <a:spcAft>
               <a:spcPct val="35000"/>
             </a:spcAft>
+            <a:buNone/>
           </a:pPr>
           <a:r>
             <a:rPr lang="en-US" sz="3500" kern="1200" dirty="0"/>
@@ -15824,7 +15122,7 @@
         </a:bodyPr>
         <a:lstStyle/>
         <a:p>
-          <a:pPr lvl="0" algn="ctr" defTabSz="1555750">
+          <a:pPr marL="0" lvl="0" indent="0" algn="ctr" defTabSz="1555750">
             <a:lnSpc>
               <a:spcPct val="90000"/>
             </a:lnSpc>
@@ -15834,6 +15132,7 @@
             <a:spcAft>
               <a:spcPct val="35000"/>
             </a:spcAft>
+            <a:buNone/>
           </a:pPr>
           <a:r>
             <a:rPr lang="en-US" sz="3500" kern="1200" dirty="0"/>
@@ -15901,7 +15200,7 @@
         </a:bodyPr>
         <a:lstStyle/>
         <a:p>
-          <a:pPr lvl="0" algn="ctr" defTabSz="1555750">
+          <a:pPr marL="0" lvl="0" indent="0" algn="ctr" defTabSz="1555750">
             <a:lnSpc>
               <a:spcPct val="90000"/>
             </a:lnSpc>
@@ -15911,6 +15210,7 @@
             <a:spcAft>
               <a:spcPct val="35000"/>
             </a:spcAft>
+            <a:buNone/>
           </a:pPr>
           <a:r>
             <a:rPr lang="en-US" sz="3500" kern="1200" dirty="0"/>
@@ -15978,7 +15278,7 @@
         </a:bodyPr>
         <a:lstStyle/>
         <a:p>
-          <a:pPr lvl="0" algn="ctr" defTabSz="1555750">
+          <a:pPr marL="0" lvl="0" indent="0" algn="ctr" defTabSz="1555750">
             <a:lnSpc>
               <a:spcPct val="90000"/>
             </a:lnSpc>
@@ -15988,6 +15288,7 @@
             <a:spcAft>
               <a:spcPct val="35000"/>
             </a:spcAft>
+            <a:buNone/>
           </a:pPr>
           <a:r>
             <a:rPr lang="en-US" sz="3500" kern="1200" dirty="0"/>
@@ -16269,7 +15570,7 @@
   </dgm:layoutNode>
   <dgm:extLst>
     <a:ext uri="{4F341089-5ED1-44EC-B178-C955D00A3D55}">
-      <dgm1611:autoBuNodeInfoLst xmlns="" xmlns:dgm1611="http://schemas.microsoft.com/office/drawing/2016/11/diagram">
+      <dgm1611:autoBuNodeInfoLst xmlns:dgm1611="http://schemas.microsoft.com/office/drawing/2016/11/diagram">
         <dgm1611:autoBuNodeInfo lvl="1" ptType="sibTrans">
           <dgm1611:buPr prefix="" leadZeros="0">
             <a:buAutoNum type="arabicParenBoth"/>
@@ -30774,7 +30075,7 @@
           <a:p>
             <a:fld id="{56A18366-A052-44AE-8A83-03448C514A16}" type="datetimeFigureOut">
               <a:rPr lang="en-US" smtClean="0"/>
-              <a:t>6/22/2017</a:t>
+              <a:t>6/26/2017</a:t>
             </a:fld>
             <a:endParaRPr lang="en-US"/>
           </a:p>
@@ -31242,7 +30543,7 @@
           <a:p>
             <a:fld id="{A8056219-52E5-46EB-8402-B0D5886D658D}" type="slidenum">
               <a:rPr lang="en-US" smtClean="0"/>
-              <a:t>20</a:t>
+              <a:t>22</a:t>
             </a:fld>
             <a:endParaRPr lang="en-US"/>
           </a:p>
@@ -31338,7 +30639,7 @@
           <a:p>
             <a:fld id="{A8056219-52E5-46EB-8402-B0D5886D658D}" type="slidenum">
               <a:rPr lang="en-US" smtClean="0"/>
-              <a:t>21</a:t>
+              <a:t>23</a:t>
             </a:fld>
             <a:endParaRPr lang="en-US"/>
           </a:p>
@@ -31430,7 +30731,7 @@
           <a:p>
             <a:fld id="{A8056219-52E5-46EB-8402-B0D5886D658D}" type="slidenum">
               <a:rPr lang="en-US" smtClean="0"/>
-              <a:t>22</a:t>
+              <a:t>24</a:t>
             </a:fld>
             <a:endParaRPr lang="en-US"/>
           </a:p>
@@ -32013,7 +31314,7 @@
           <a:p>
             <a:fld id="{A8056219-52E5-46EB-8402-B0D5886D658D}" type="slidenum">
               <a:rPr lang="en-US" smtClean="0"/>
-              <a:t>12</a:t>
+              <a:t>13</a:t>
             </a:fld>
             <a:endParaRPr lang="en-US"/>
           </a:p>
@@ -32109,7 +31410,7 @@
           <a:p>
             <a:fld id="{A8056219-52E5-46EB-8402-B0D5886D658D}" type="slidenum">
               <a:rPr lang="en-US" smtClean="0"/>
-              <a:t>14</a:t>
+              <a:t>15</a:t>
             </a:fld>
             <a:endParaRPr lang="en-US"/>
           </a:p>
@@ -32201,7 +31502,7 @@
           <a:p>
             <a:fld id="{A8056219-52E5-46EB-8402-B0D5886D658D}" type="slidenum">
               <a:rPr lang="en-US" smtClean="0"/>
-              <a:t>17</a:t>
+              <a:t>18</a:t>
             </a:fld>
             <a:endParaRPr lang="en-US"/>
           </a:p>
@@ -32623,7 +31924,7 @@
           <a:p>
             <a:fld id="{A5EF53D7-1ACF-4A2A-9E6D-232E03173C8B}" type="datetimeFigureOut">
               <a:rPr lang="en-US" smtClean="0"/>
-              <a:t>6/22/2017</a:t>
+              <a:t>6/26/2017</a:t>
             </a:fld>
             <a:endParaRPr lang="en-US"/>
           </a:p>
@@ -32802,7 +32103,7 @@
           <a:p>
             <a:fld id="{A5EF53D7-1ACF-4A2A-9E6D-232E03173C8B}" type="datetimeFigureOut">
               <a:rPr lang="en-US" smtClean="0"/>
-              <a:t>6/22/2017</a:t>
+              <a:t>6/26/2017</a:t>
             </a:fld>
             <a:endParaRPr lang="en-US"/>
           </a:p>
@@ -32982,7 +32283,7 @@
           <a:p>
             <a:fld id="{A5EF53D7-1ACF-4A2A-9E6D-232E03173C8B}" type="datetimeFigureOut">
               <a:rPr lang="en-US" smtClean="0"/>
-              <a:t>6/22/2017</a:t>
+              <a:t>6/26/2017</a:t>
             </a:fld>
             <a:endParaRPr lang="en-US"/>
           </a:p>
@@ -33152,7 +32453,7 @@
           <a:p>
             <a:fld id="{A5EF53D7-1ACF-4A2A-9E6D-232E03173C8B}" type="datetimeFigureOut">
               <a:rPr lang="en-US" smtClean="0"/>
-              <a:t>6/22/2017</a:t>
+              <a:t>6/26/2017</a:t>
             </a:fld>
             <a:endParaRPr lang="en-US"/>
           </a:p>
@@ -33465,7 +32766,7 @@
           <a:p>
             <a:fld id="{A5EF53D7-1ACF-4A2A-9E6D-232E03173C8B}" type="datetimeFigureOut">
               <a:rPr lang="en-US" smtClean="0"/>
-              <a:t>6/22/2017</a:t>
+              <a:t>6/26/2017</a:t>
             </a:fld>
             <a:endParaRPr lang="en-US"/>
           </a:p>
@@ -33851,7 +33152,7 @@
           <a:p>
             <a:fld id="{A5EF53D7-1ACF-4A2A-9E6D-232E03173C8B}" type="datetimeFigureOut">
               <a:rPr lang="en-US" smtClean="0"/>
-              <a:t>6/22/2017</a:t>
+              <a:t>6/26/2017</a:t>
             </a:fld>
             <a:endParaRPr lang="en-US"/>
           </a:p>
@@ -34285,7 +33586,7 @@
           <a:p>
             <a:fld id="{A5EF53D7-1ACF-4A2A-9E6D-232E03173C8B}" type="datetimeFigureOut">
               <a:rPr lang="en-US" smtClean="0"/>
-              <a:t>6/22/2017</a:t>
+              <a:t>6/26/2017</a:t>
             </a:fld>
             <a:endParaRPr lang="en-US"/>
           </a:p>
@@ -34403,7 +33704,7 @@
           <a:p>
             <a:fld id="{A5EF53D7-1ACF-4A2A-9E6D-232E03173C8B}" type="datetimeFigureOut">
               <a:rPr lang="en-US" smtClean="0"/>
-              <a:t>6/22/2017</a:t>
+              <a:t>6/26/2017</a:t>
             </a:fld>
             <a:endParaRPr lang="en-US"/>
           </a:p>
@@ -34498,7 +33799,7 @@
           <a:p>
             <a:fld id="{A5EF53D7-1ACF-4A2A-9E6D-232E03173C8B}" type="datetimeFigureOut">
               <a:rPr lang="en-US" smtClean="0"/>
-              <a:t>6/22/2017</a:t>
+              <a:t>6/26/2017</a:t>
             </a:fld>
             <a:endParaRPr lang="en-US"/>
           </a:p>
@@ -34848,7 +34149,7 @@
           <a:p>
             <a:fld id="{A5EF53D7-1ACF-4A2A-9E6D-232E03173C8B}" type="datetimeFigureOut">
               <a:rPr lang="en-US" smtClean="0"/>
-              <a:t>6/22/2017</a:t>
+              <a:t>6/26/2017</a:t>
             </a:fld>
             <a:endParaRPr lang="en-US"/>
           </a:p>
@@ -35273,7 +34574,7 @@
           <a:p>
             <a:fld id="{A5EF53D7-1ACF-4A2A-9E6D-232E03173C8B}" type="datetimeFigureOut">
               <a:rPr lang="en-US" smtClean="0"/>
-              <a:t>6/22/2017</a:t>
+              <a:t>6/26/2017</a:t>
             </a:fld>
             <a:endParaRPr lang="en-US"/>
           </a:p>
@@ -35554,7 +34855,7 @@
           <a:p>
             <a:fld id="{A5EF53D7-1ACF-4A2A-9E6D-232E03173C8B}" type="datetimeFigureOut">
               <a:rPr lang="en-US" smtClean="0"/>
-              <a:t>6/22/2017</a:t>
+              <a:t>6/26/2017</a:t>
             </a:fld>
             <a:endParaRPr lang="en-US"/>
           </a:p>
@@ -36235,10 +35536,6 @@
               </a:rPr>
               <a:t>Неочевидность №4:</a:t>
             </a:r>
-            <a:r>
-              <a:rPr lang="ru-RU" dirty="0"/>
-              <a:t/>
-            </a:r>
             <a:br>
               <a:rPr lang="ru-RU" dirty="0"/>
             </a:br>
@@ -36343,7 +35640,7 @@
         <p:spPr/>
         <p:txBody>
           <a:bodyPr>
-            <a:normAutofit fontScale="90000"/>
+            <a:normAutofit/>
           </a:bodyPr>
           <a:lstStyle/>
           <a:p>
@@ -36354,10 +35651,6 @@
                 </a:solidFill>
               </a:rPr>
               <a:t>ШПАРГАЛКА №2:</a:t>
-            </a:r>
-            <a:r>
-              <a:rPr lang="ru-RU" dirty="0"/>
-              <a:t/>
             </a:r>
             <a:br>
               <a:rPr lang="ru-RU" dirty="0"/>
@@ -36451,6 +35744,187 @@
           <a:lstStyle/>
           <a:p>
             <a:r>
+              <a:rPr lang="ru-RU" dirty="0">
+                <a:solidFill>
+                  <a:schemeClr val="accent1"/>
+                </a:solidFill>
+              </a:rPr>
+              <a:t>Шпаргалка №3:</a:t>
+            </a:r>
+            <a:br>
+              <a:rPr lang="ru-RU" dirty="0"/>
+            </a:br>
+            <a:r>
+              <a:rPr lang="en-US" dirty="0" err="1"/>
+              <a:t>Tostring</a:t>
+            </a:r>
+            <a:r>
+              <a:rPr lang="en-US" dirty="0"/>
+              <a:t>…\</a:t>
+            </a:r>
+            <a:r>
+              <a:rPr lang="en-US" dirty="0" err="1"/>
+              <a:t>tofullstring</a:t>
+            </a:r>
+            <a:r>
+              <a:rPr lang="en-US" dirty="0"/>
+              <a:t>…</a:t>
+            </a:r>
+          </a:p>
+        </p:txBody>
+      </p:sp>
+      <p:sp>
+        <p:nvSpPr>
+          <p:cNvPr id="4" name="Text Placeholder 3"/>
+          <p:cNvSpPr>
+            <a:spLocks noGrp="1"/>
+          </p:cNvSpPr>
+          <p:nvPr>
+            <p:ph type="body" idx="1"/>
+          </p:nvPr>
+        </p:nvSpPr>
+        <p:spPr/>
+        <p:txBody>
+          <a:bodyPr/>
+          <a:lstStyle/>
+          <a:p>
+            <a:r>
+              <a:rPr lang="en-US" dirty="0" err="1"/>
+              <a:t>ToString</a:t>
+            </a:r>
+            <a:endParaRPr lang="en-US" dirty="0"/>
+          </a:p>
+        </p:txBody>
+      </p:sp>
+      <p:pic>
+        <p:nvPicPr>
+          <p:cNvPr id="3" name="Content Placeholder 2"/>
+          <p:cNvPicPr>
+            <a:picLocks noGrp="1" noChangeAspect="1"/>
+          </p:cNvPicPr>
+          <p:nvPr>
+            <p:ph sz="half" idx="2"/>
+          </p:nvPr>
+        </p:nvPicPr>
+        <p:blipFill>
+          <a:blip r:embed="rId2">
+            <a:extLst>
+              <a:ext uri="{28A0092B-C50C-407E-A947-70E740481C1C}">
+                <a14:useLocalDpi xmlns:a14="http://schemas.microsoft.com/office/drawing/2010/main" val="0"/>
+              </a:ext>
+            </a:extLst>
+          </a:blip>
+          <a:stretch>
+            <a:fillRect/>
+          </a:stretch>
+        </p:blipFill>
+        <p:spPr>
+          <a:xfrm>
+            <a:off x="1066800" y="2960893"/>
+            <a:ext cx="2184401" cy="1075397"/>
+          </a:xfrm>
+        </p:spPr>
+      </p:pic>
+      <p:sp>
+        <p:nvSpPr>
+          <p:cNvPr id="6" name="Text Placeholder 5"/>
+          <p:cNvSpPr>
+            <a:spLocks noGrp="1"/>
+          </p:cNvSpPr>
+          <p:nvPr>
+            <p:ph type="body" sz="quarter" idx="3"/>
+          </p:nvPr>
+        </p:nvSpPr>
+        <p:spPr/>
+        <p:txBody>
+          <a:bodyPr/>
+          <a:lstStyle/>
+          <a:p>
+            <a:r>
+              <a:rPr lang="en-US" dirty="0" err="1"/>
+              <a:t>ToFullString</a:t>
+            </a:r>
+            <a:endParaRPr lang="en-US" dirty="0"/>
+          </a:p>
+        </p:txBody>
+      </p:sp>
+      <p:pic>
+        <p:nvPicPr>
+          <p:cNvPr id="8" name="Content Placeholder 7"/>
+          <p:cNvPicPr>
+            <a:picLocks noGrp="1" noChangeAspect="1"/>
+          </p:cNvPicPr>
+          <p:nvPr>
+            <p:ph sz="quarter" idx="4"/>
+          </p:nvPr>
+        </p:nvPicPr>
+        <p:blipFill>
+          <a:blip r:embed="rId3">
+            <a:extLst>
+              <a:ext uri="{28A0092B-C50C-407E-A947-70E740481C1C}">
+                <a14:useLocalDpi xmlns:a14="http://schemas.microsoft.com/office/drawing/2010/main" val="0"/>
+              </a:ext>
+            </a:extLst>
+          </a:blip>
+          <a:stretch>
+            <a:fillRect/>
+          </a:stretch>
+        </p:blipFill>
+        <p:spPr>
+          <a:xfrm>
+            <a:off x="6364223" y="2688335"/>
+            <a:ext cx="3751537" cy="1347955"/>
+          </a:xfrm>
+        </p:spPr>
+      </p:pic>
+    </p:spTree>
+    <p:extLst>
+      <p:ext uri="{BB962C8B-B14F-4D97-AF65-F5344CB8AC3E}">
+        <p14:creationId xmlns:p14="http://schemas.microsoft.com/office/powerpoint/2010/main" val="3246753431"/>
+      </p:ext>
+    </p:extLst>
+  </p:cSld>
+  <p:clrMapOvr>
+    <a:masterClrMapping/>
+  </p:clrMapOvr>
+</p:sld>
+</file>
+
+<file path=ppt/slides/slide13.xml><?xml version="1.0" encoding="utf-8"?>
+<p:sld xmlns:a="http://schemas.openxmlformats.org/drawingml/2006/main" xmlns:r="http://schemas.openxmlformats.org/officeDocument/2006/relationships" xmlns:p="http://schemas.openxmlformats.org/presentationml/2006/main">
+  <p:cSld>
+    <p:spTree>
+      <p:nvGrpSpPr>
+        <p:cNvPr id="1" name=""/>
+        <p:cNvGrpSpPr/>
+        <p:nvPr/>
+      </p:nvGrpSpPr>
+      <p:grpSpPr>
+        <a:xfrm>
+          <a:off x="0" y="0"/>
+          <a:ext cx="0" cy="0"/>
+          <a:chOff x="0" y="0"/>
+          <a:chExt cx="0" cy="0"/>
+        </a:xfrm>
+      </p:grpSpPr>
+      <p:sp>
+        <p:nvSpPr>
+          <p:cNvPr id="2" name="Title 1"/>
+          <p:cNvSpPr>
+            <a:spLocks noGrp="1"/>
+          </p:cNvSpPr>
+          <p:nvPr>
+            <p:ph type="title"/>
+          </p:nvPr>
+        </p:nvSpPr>
+        <p:spPr/>
+        <p:txBody>
+          <a:bodyPr>
+            <a:normAutofit/>
+          </a:bodyPr>
+          <a:lstStyle/>
+          <a:p>
+            <a:r>
               <a:rPr lang="en-US" dirty="0" err="1"/>
               <a:t>ServiceLocator.Resolve</a:t>
             </a:r>
@@ -36507,7 +35981,7 @@
 </p:sld>
 </file>
 
-<file path=ppt/slides/slide13.xml><?xml version="1.0" encoding="utf-8"?>
+<file path=ppt/slides/slide14.xml><?xml version="1.0" encoding="utf-8"?>
 <p:sld xmlns:a="http://schemas.openxmlformats.org/drawingml/2006/main" xmlns:r="http://schemas.openxmlformats.org/officeDocument/2006/relationships" xmlns:p="http://schemas.openxmlformats.org/presentationml/2006/main">
   <p:cSld>
     <p:spTree>
@@ -36553,10 +36027,6 @@
                 </a:solidFill>
               </a:rPr>
               <a:t>НЕОЧЕВИДНОСТЬ №5:</a:t>
-            </a:r>
-            <a:r>
-              <a:rPr lang="ru-RU" dirty="0"/>
-              <a:t/>
             </a:r>
             <a:br>
               <a:rPr lang="ru-RU" dirty="0"/>
@@ -36618,7 +36088,7 @@
 </p:sld>
 </file>
 
-<file path=ppt/slides/slide14.xml><?xml version="1.0" encoding="utf-8"?>
+<file path=ppt/slides/slide15.xml><?xml version="1.0" encoding="utf-8"?>
 <p:sld xmlns:a="http://schemas.openxmlformats.org/drawingml/2006/main" xmlns:r="http://schemas.openxmlformats.org/officeDocument/2006/relationships" xmlns:p="http://schemas.openxmlformats.org/presentationml/2006/main">
   <p:cSld>
     <p:spTree>
@@ -36663,11 +36133,7 @@
                   <a:schemeClr val="accent1"/>
                 </a:solidFill>
               </a:rPr>
-              <a:t>ШПАРГАЛКА №3:</a:t>
-            </a:r>
-            <a:r>
-              <a:rPr lang="ru-RU" dirty="0"/>
-              <a:t/>
+              <a:t>ШПАРГАЛКА №4:</a:t>
             </a:r>
             <a:br>
               <a:rPr lang="ru-RU" dirty="0"/>
@@ -36791,7 +36257,7 @@
 </p:sld>
 </file>
 
-<file path=ppt/slides/slide15.xml><?xml version="1.0" encoding="utf-8"?>
+<file path=ppt/slides/slide16.xml><?xml version="1.0" encoding="utf-8"?>
 <p:sld xmlns:a="http://schemas.openxmlformats.org/drawingml/2006/main" xmlns:r="http://schemas.openxmlformats.org/officeDocument/2006/relationships" xmlns:p="http://schemas.openxmlformats.org/presentationml/2006/main">
   <p:cSld>
     <p:spTree>
@@ -36830,10 +36296,6 @@
                 </a:solidFill>
               </a:rPr>
               <a:t>неочевидность №6:</a:t>
-            </a:r>
-            <a:r>
-              <a:rPr lang="ru-RU" dirty="0"/>
-              <a:t/>
             </a:r>
             <a:br>
               <a:rPr lang="ru-RU" dirty="0"/>
@@ -36891,7 +36353,7 @@
 </p:sld>
 </file>
 
-<file path=ppt/slides/slide16.xml><?xml version="1.0" encoding="utf-8"?>
+<file path=ppt/slides/slide17.xml><?xml version="1.0" encoding="utf-8"?>
 <p:sld xmlns:a="http://schemas.openxmlformats.org/drawingml/2006/main" xmlns:r="http://schemas.openxmlformats.org/officeDocument/2006/relationships" xmlns:p="http://schemas.openxmlformats.org/presentationml/2006/main">
   <p:cSld>
     <p:spTree>
@@ -36921,7 +36383,7 @@
         <p:spPr/>
         <p:txBody>
           <a:bodyPr>
-            <a:normAutofit fontScale="90000"/>
+            <a:normAutofit/>
           </a:bodyPr>
           <a:lstStyle/>
           <a:p>
@@ -36931,11 +36393,7 @@
                   <a:schemeClr val="accent1"/>
                 </a:solidFill>
               </a:rPr>
-              <a:t>ШПАРГАЛКА №4:</a:t>
-            </a:r>
-            <a:r>
-              <a:rPr lang="ru-RU" dirty="0"/>
-              <a:t/>
+              <a:t>ШПАРГАЛКА №5:</a:t>
             </a:r>
             <a:br>
               <a:rPr lang="ru-RU" dirty="0"/>
@@ -37075,7 +36533,7 @@
 </p:sld>
 </file>
 
-<file path=ppt/slides/slide17.xml><?xml version="1.0" encoding="utf-8"?>
+<file path=ppt/slides/slide18.xml><?xml version="1.0" encoding="utf-8"?>
 <p:sld xmlns:a="http://schemas.openxmlformats.org/drawingml/2006/main" xmlns:r="http://schemas.openxmlformats.org/officeDocument/2006/relationships" xmlns:p="http://schemas.openxmlformats.org/presentationml/2006/main">
   <p:cSld>
     <p:spTree>
@@ -37109,7 +36567,7 @@
         </p:spPr>
         <p:txBody>
           <a:bodyPr>
-            <a:normAutofit fontScale="90000"/>
+            <a:normAutofit/>
           </a:bodyPr>
           <a:lstStyle/>
           <a:p>
@@ -37119,11 +36577,7 @@
                   <a:schemeClr val="accent1"/>
                 </a:solidFill>
               </a:rPr>
-              <a:t>ШПАРГАЛКА №5:</a:t>
-            </a:r>
-            <a:r>
-              <a:rPr lang="ru-RU" sz="4000" dirty="0"/>
-              <a:t/>
+              <a:t>ШПАРГАЛКА №6:</a:t>
             </a:r>
             <a:br>
               <a:rPr lang="ru-RU" sz="4000" dirty="0"/>
@@ -37134,19 +36588,7 @@
             </a:r>
             <a:r>
               <a:rPr lang="ru-RU" sz="4000" dirty="0"/>
-              <a:t> – </a:t>
-            </a:r>
-            <a:r>
-              <a:rPr lang="ru-RU" sz="4000" dirty="0" smtClean="0"/>
-              <a:t>король</a:t>
-            </a:r>
-            <a:r>
-              <a:rPr lang="ru-RU" sz="4000" dirty="0" smtClean="0"/>
-              <a:t> </a:t>
-            </a:r>
-            <a:r>
-              <a:rPr lang="ru-RU" sz="4000" dirty="0"/>
-              <a:t>этого мира</a:t>
+              <a:t> – король этого мира</a:t>
             </a:r>
             <a:endParaRPr lang="en-US" sz="4000" dirty="0"/>
           </a:p>
@@ -37194,7 +36636,7 @@
 </p:sld>
 </file>
 
-<file path=ppt/slides/slide18.xml><?xml version="1.0" encoding="utf-8"?>
+<file path=ppt/slides/slide19.xml><?xml version="1.0" encoding="utf-8"?>
 <p:sld xmlns:a="http://schemas.openxmlformats.org/drawingml/2006/main" xmlns:r="http://schemas.openxmlformats.org/officeDocument/2006/relationships" xmlns:p="http://schemas.openxmlformats.org/presentationml/2006/main">
   <p:cSld>
     <p:spTree>
@@ -37232,11 +36674,7 @@
                   <a:schemeClr val="accent1"/>
                 </a:solidFill>
               </a:rPr>
-              <a:t>Шпаргалка №6:</a:t>
-            </a:r>
-            <a:r>
-              <a:rPr lang="ru-RU" dirty="0"/>
-              <a:t/>
+              <a:t>Шпаргалка №7:</a:t>
             </a:r>
             <a:br>
               <a:rPr lang="ru-RU" dirty="0"/>
@@ -37373,122 +36811,6 @@
     <p:extLst>
       <p:ext uri="{BB962C8B-B14F-4D97-AF65-F5344CB8AC3E}">
         <p14:creationId xmlns:p14="http://schemas.microsoft.com/office/powerpoint/2010/main" val="3218549126"/>
-      </p:ext>
-    </p:extLst>
-  </p:cSld>
-  <p:clrMapOvr>
-    <a:masterClrMapping/>
-  </p:clrMapOvr>
-</p:sld>
-</file>
-
-<file path=ppt/slides/slide19.xml><?xml version="1.0" encoding="utf-8"?>
-<p:sld xmlns:a="http://schemas.openxmlformats.org/drawingml/2006/main" xmlns:r="http://schemas.openxmlformats.org/officeDocument/2006/relationships" xmlns:p="http://schemas.openxmlformats.org/presentationml/2006/main">
-  <p:cSld>
-    <p:spTree>
-      <p:nvGrpSpPr>
-        <p:cNvPr id="1" name=""/>
-        <p:cNvGrpSpPr/>
-        <p:nvPr/>
-      </p:nvGrpSpPr>
-      <p:grpSpPr>
-        <a:xfrm>
-          <a:off x="0" y="0"/>
-          <a:ext cx="0" cy="0"/>
-          <a:chOff x="0" y="0"/>
-          <a:chExt cx="0" cy="0"/>
-        </a:xfrm>
-      </p:grpSpPr>
-      <p:sp>
-        <p:nvSpPr>
-          <p:cNvPr id="2" name="Title 1"/>
-          <p:cNvSpPr>
-            <a:spLocks noGrp="1"/>
-          </p:cNvSpPr>
-          <p:nvPr>
-            <p:ph type="title"/>
-          </p:nvPr>
-        </p:nvSpPr>
-        <p:spPr>
-          <a:xfrm>
-            <a:off x="1069848" y="484631"/>
-            <a:ext cx="10058400" cy="1898083"/>
-          </a:xfrm>
-        </p:spPr>
-        <p:txBody>
-          <a:bodyPr>
-            <a:normAutofit fontScale="90000"/>
-          </a:bodyPr>
-          <a:lstStyle/>
-          <a:p>
-            <a:r>
-              <a:rPr lang="ru-RU" dirty="0">
-                <a:solidFill>
-                  <a:schemeClr val="accent1"/>
-                </a:solidFill>
-              </a:rPr>
-              <a:t>ШПАРГАЛКА №7:</a:t>
-            </a:r>
-            <a:r>
-              <a:rPr lang="ru-RU" dirty="0"/>
-              <a:t/>
-            </a:r>
-            <a:br>
-              <a:rPr lang="ru-RU" dirty="0"/>
-            </a:br>
-            <a:r>
-              <a:rPr lang="en-US" dirty="0" err="1" smtClean="0"/>
-              <a:t>InsertNodesBefore</a:t>
-            </a:r>
-            <a:r>
-              <a:rPr lang="ru-RU" dirty="0" smtClean="0"/>
-              <a:t> </a:t>
-            </a:r>
-            <a:r>
-              <a:rPr lang="ru-RU" dirty="0" smtClean="0"/>
-              <a:t>и </a:t>
-            </a:r>
-            <a:r>
-              <a:rPr lang="en-US" dirty="0" err="1" smtClean="0"/>
-              <a:t>InsertNodesAfter</a:t>
-            </a:r>
-            <a:endParaRPr lang="en-US" dirty="0"/>
-          </a:p>
-        </p:txBody>
-      </p:sp>
-      <p:pic>
-        <p:nvPicPr>
-          <p:cNvPr id="7" name="Content Placeholder 6"/>
-          <p:cNvPicPr>
-            <a:picLocks noGrp="1" noChangeAspect="1"/>
-          </p:cNvPicPr>
-          <p:nvPr>
-            <p:ph idx="1"/>
-          </p:nvPr>
-        </p:nvPicPr>
-        <p:blipFill>
-          <a:blip r:embed="rId2" cstate="print">
-            <a:extLst>
-              <a:ext uri="{28A0092B-C50C-407E-A947-70E740481C1C}">
-                <a14:useLocalDpi xmlns:a14="http://schemas.microsoft.com/office/drawing/2010/main" val="0"/>
-              </a:ext>
-            </a:extLst>
-          </a:blip>
-          <a:stretch>
-            <a:fillRect/>
-          </a:stretch>
-        </p:blipFill>
-        <p:spPr>
-          <a:xfrm>
-            <a:off x="1069848" y="2778645"/>
-            <a:ext cx="8570674" cy="3586986"/>
-          </a:xfrm>
-        </p:spPr>
-      </p:pic>
-    </p:spTree>
-    <p:extLst>
-      <p:ext uri="{BB962C8B-B14F-4D97-AF65-F5344CB8AC3E}">
-        <p14:creationId xmlns:p14="http://schemas.microsoft.com/office/powerpoint/2010/main" val="1231915307"/>
       </p:ext>
     </p:extLst>
   </p:cSld>
@@ -37828,612 +37150,6 @@
         </p:nvSpPr>
         <p:spPr/>
         <p:txBody>
-          <a:bodyPr>
-            <a:normAutofit fontScale="90000"/>
-          </a:bodyPr>
-          <a:lstStyle/>
-          <a:p>
-            <a:r>
-              <a:rPr lang="ru-RU" dirty="0">
-                <a:solidFill>
-                  <a:schemeClr val="accent1"/>
-                </a:solidFill>
-              </a:rPr>
-              <a:t>Неочевидность №7:</a:t>
-            </a:r>
-            <a:r>
-              <a:rPr lang="ru-RU" dirty="0"/>
-              <a:t/>
-            </a:r>
-            <a:br>
-              <a:rPr lang="ru-RU" dirty="0"/>
-            </a:br>
-            <a:r>
-              <a:rPr lang="en-US" dirty="0"/>
-              <a:t>immutability, immutability everywhere</a:t>
-            </a:r>
-          </a:p>
-        </p:txBody>
-      </p:sp>
-      <p:pic>
-        <p:nvPicPr>
-          <p:cNvPr id="5" name="Content Placeholder 4"/>
-          <p:cNvPicPr>
-            <a:picLocks noGrp="1" noChangeAspect="1"/>
-          </p:cNvPicPr>
-          <p:nvPr>
-            <p:ph idx="1"/>
-          </p:nvPr>
-        </p:nvPicPr>
-        <p:blipFill>
-          <a:blip r:embed="rId3">
-            <a:extLst>
-              <a:ext uri="{28A0092B-C50C-407E-A947-70E740481C1C}">
-                <a14:useLocalDpi xmlns:a14="http://schemas.microsoft.com/office/drawing/2010/main" val="0"/>
-              </a:ext>
-            </a:extLst>
-          </a:blip>
-          <a:stretch>
-            <a:fillRect/>
-          </a:stretch>
-        </p:blipFill>
-        <p:spPr>
-          <a:xfrm>
-            <a:off x="3532061" y="2481385"/>
-            <a:ext cx="7596187" cy="4051300"/>
-          </a:xfrm>
-        </p:spPr>
-      </p:pic>
-    </p:spTree>
-    <p:extLst>
-      <p:ext uri="{BB962C8B-B14F-4D97-AF65-F5344CB8AC3E}">
-        <p14:creationId xmlns:p14="http://schemas.microsoft.com/office/powerpoint/2010/main" val="2210063024"/>
-      </p:ext>
-    </p:extLst>
-  </p:cSld>
-  <p:clrMapOvr>
-    <a:masterClrMapping/>
-  </p:clrMapOvr>
-</p:sld>
-</file>
-
-<file path=ppt/slides/slide21.xml><?xml version="1.0" encoding="utf-8"?>
-<p:sld xmlns:a="http://schemas.openxmlformats.org/drawingml/2006/main" xmlns:r="http://schemas.openxmlformats.org/officeDocument/2006/relationships" xmlns:p="http://schemas.openxmlformats.org/presentationml/2006/main">
-  <p:cSld>
-    <p:spTree>
-      <p:nvGrpSpPr>
-        <p:cNvPr id="1" name=""/>
-        <p:cNvGrpSpPr/>
-        <p:nvPr/>
-      </p:nvGrpSpPr>
-      <p:grpSpPr>
-        <a:xfrm>
-          <a:off x="0" y="0"/>
-          <a:ext cx="0" cy="0"/>
-          <a:chOff x="0" y="0"/>
-          <a:chExt cx="0" cy="0"/>
-        </a:xfrm>
-      </p:grpSpPr>
-      <p:sp>
-        <p:nvSpPr>
-          <p:cNvPr id="2" name="Title 1"/>
-          <p:cNvSpPr>
-            <a:spLocks noGrp="1"/>
-          </p:cNvSpPr>
-          <p:nvPr>
-            <p:ph type="title"/>
-          </p:nvPr>
-        </p:nvSpPr>
-        <p:spPr/>
-        <p:txBody>
-          <a:bodyPr>
-            <a:normAutofit fontScale="90000"/>
-          </a:bodyPr>
-          <a:lstStyle/>
-          <a:p>
-            <a:r>
-              <a:rPr lang="ru-RU" dirty="0">
-                <a:solidFill>
-                  <a:schemeClr val="accent1"/>
-                </a:solidFill>
-              </a:rPr>
-              <a:t>НЕОЧЕВИДНОСТЬ №8:</a:t>
-            </a:r>
-            <a:r>
-              <a:rPr lang="en-US" dirty="0"/>
-              <a:t/>
-            </a:r>
-            <a:br>
-              <a:rPr lang="en-US" dirty="0"/>
-            </a:br>
-            <a:r>
-              <a:rPr lang="ru-RU" dirty="0"/>
-              <a:t>Если меняешь узел дерева, меняешь все дерево</a:t>
-            </a:r>
-            <a:endParaRPr lang="en-US" dirty="0"/>
-          </a:p>
-        </p:txBody>
-      </p:sp>
-      <p:graphicFrame>
-        <p:nvGraphicFramePr>
-          <p:cNvPr id="8" name="Content Placeholder 7"/>
-          <p:cNvGraphicFramePr>
-            <a:graphicFrameLocks noGrp="1"/>
-          </p:cNvGraphicFramePr>
-          <p:nvPr>
-            <p:ph sz="half" idx="1"/>
-            <p:extLst>
-              <p:ext uri="{D42A27DB-BD31-4B8C-83A1-F6EECF244321}">
-                <p14:modId xmlns:p14="http://schemas.microsoft.com/office/powerpoint/2010/main" val="619301765"/>
-              </p:ext>
-            </p:extLst>
-          </p:nvPr>
-        </p:nvGraphicFramePr>
-        <p:xfrm>
-          <a:off x="1069975" y="2522483"/>
-          <a:ext cx="4754563" cy="3649717"/>
-        </p:xfrm>
-        <a:graphic>
-          <a:graphicData uri="http://schemas.openxmlformats.org/drawingml/2006/diagram">
-            <dgm:relIds xmlns:dgm="http://schemas.openxmlformats.org/drawingml/2006/diagram" xmlns:r="http://schemas.openxmlformats.org/officeDocument/2006/relationships" r:dm="rId3" r:lo="rId4" r:qs="rId5" r:cs="rId6"/>
-          </a:graphicData>
-        </a:graphic>
-      </p:graphicFrame>
-      <p:graphicFrame>
-        <p:nvGraphicFramePr>
-          <p:cNvPr id="9" name="Content Placeholder 8"/>
-          <p:cNvGraphicFramePr>
-            <a:graphicFrameLocks noGrp="1"/>
-          </p:cNvGraphicFramePr>
-          <p:nvPr>
-            <p:ph sz="half" idx="2"/>
-            <p:extLst>
-              <p:ext uri="{D42A27DB-BD31-4B8C-83A1-F6EECF244321}">
-                <p14:modId xmlns:p14="http://schemas.microsoft.com/office/powerpoint/2010/main" val="2876973783"/>
-              </p:ext>
-            </p:extLst>
-          </p:nvPr>
-        </p:nvGraphicFramePr>
-        <p:xfrm>
-          <a:off x="6364288" y="2522483"/>
-          <a:ext cx="4754562" cy="3649717"/>
-        </p:xfrm>
-        <a:graphic>
-          <a:graphicData uri="http://schemas.openxmlformats.org/drawingml/2006/diagram">
-            <dgm:relIds xmlns:dgm="http://schemas.openxmlformats.org/drawingml/2006/diagram" xmlns:r="http://schemas.openxmlformats.org/officeDocument/2006/relationships" r:dm="rId8" r:lo="rId9" r:qs="rId10" r:cs="rId11"/>
-          </a:graphicData>
-        </a:graphic>
-      </p:graphicFrame>
-    </p:spTree>
-    <p:extLst>
-      <p:ext uri="{BB962C8B-B14F-4D97-AF65-F5344CB8AC3E}">
-        <p14:creationId xmlns:p14="http://schemas.microsoft.com/office/powerpoint/2010/main" val="1268016360"/>
-      </p:ext>
-    </p:extLst>
-  </p:cSld>
-  <p:clrMapOvr>
-    <a:masterClrMapping/>
-  </p:clrMapOvr>
-  <p:timing>
-    <p:tnLst>
-      <p:par>
-        <p:cTn id="1" dur="indefinite" restart="never" nodeType="tmRoot">
-          <p:childTnLst>
-            <p:seq concurrent="1" nextAc="seek">
-              <p:cTn id="2" dur="indefinite" nodeType="mainSeq">
-                <p:childTnLst>
-                  <p:par>
-                    <p:cTn id="3" fill="hold">
-                      <p:stCondLst>
-                        <p:cond delay="indefinite"/>
-                      </p:stCondLst>
-                      <p:childTnLst>
-                        <p:par>
-                          <p:cTn id="4" fill="hold">
-                            <p:stCondLst>
-                              <p:cond delay="0"/>
-                            </p:stCondLst>
-                            <p:childTnLst>
-                              <p:par>
-                                <p:cTn id="5" presetID="1" presetClass="entr" presetSubtype="0" fill="hold" grpId="0" nodeType="clickEffect">
-                                  <p:stCondLst>
-                                    <p:cond delay="0"/>
-                                  </p:stCondLst>
-                                  <p:childTnLst>
-                                    <p:set>
-                                      <p:cBhvr>
-                                        <p:cTn id="6" dur="1" fill="hold">
-                                          <p:stCondLst>
-                                            <p:cond delay="0"/>
-                                          </p:stCondLst>
-                                        </p:cTn>
-                                        <p:tgtEl>
-                                          <p:spTgt spid="9"/>
-                                        </p:tgtEl>
-                                        <p:attrNameLst>
-                                          <p:attrName>style.visibility</p:attrName>
-                                        </p:attrNameLst>
-                                      </p:cBhvr>
-                                      <p:to>
-                                        <p:strVal val="visible"/>
-                                      </p:to>
-                                    </p:set>
-                                  </p:childTnLst>
-                                </p:cTn>
-                              </p:par>
-                            </p:childTnLst>
-                          </p:cTn>
-                        </p:par>
-                      </p:childTnLst>
-                    </p:cTn>
-                  </p:par>
-                </p:childTnLst>
-              </p:cTn>
-              <p:prevCondLst>
-                <p:cond evt="onPrev" delay="0">
-                  <p:tgtEl>
-                    <p:sldTgt/>
-                  </p:tgtEl>
-                </p:cond>
-              </p:prevCondLst>
-              <p:nextCondLst>
-                <p:cond evt="onNext" delay="0">
-                  <p:tgtEl>
-                    <p:sldTgt/>
-                  </p:tgtEl>
-                </p:cond>
-              </p:nextCondLst>
-            </p:seq>
-          </p:childTnLst>
-        </p:cTn>
-      </p:par>
-    </p:tnLst>
-    <p:bldLst>
-      <p:bldGraphic spid="9" grpId="0">
-        <p:bldAsOne/>
-      </p:bldGraphic>
-    </p:bldLst>
-  </p:timing>
-</p:sld>
-</file>
-
-<file path=ppt/slides/slide22.xml><?xml version="1.0" encoding="utf-8"?>
-<p:sld xmlns:a="http://schemas.openxmlformats.org/drawingml/2006/main" xmlns:r="http://schemas.openxmlformats.org/officeDocument/2006/relationships" xmlns:p="http://schemas.openxmlformats.org/presentationml/2006/main">
-  <p:cSld>
-    <p:spTree>
-      <p:nvGrpSpPr>
-        <p:cNvPr id="1" name=""/>
-        <p:cNvGrpSpPr/>
-        <p:nvPr/>
-      </p:nvGrpSpPr>
-      <p:grpSpPr>
-        <a:xfrm>
-          <a:off x="0" y="0"/>
-          <a:ext cx="0" cy="0"/>
-          <a:chOff x="0" y="0"/>
-          <a:chExt cx="0" cy="0"/>
-        </a:xfrm>
-      </p:grpSpPr>
-      <p:sp>
-        <p:nvSpPr>
-          <p:cNvPr id="2" name="Title 1"/>
-          <p:cNvSpPr>
-            <a:spLocks noGrp="1"/>
-          </p:cNvSpPr>
-          <p:nvPr>
-            <p:ph type="title"/>
-          </p:nvPr>
-        </p:nvSpPr>
-        <p:spPr>
-          <a:xfrm>
-            <a:off x="1069848" y="484630"/>
-            <a:ext cx="6306898" cy="3340023"/>
-          </a:xfrm>
-        </p:spPr>
-        <p:txBody>
-          <a:bodyPr>
-            <a:normAutofit fontScale="90000"/>
-          </a:bodyPr>
-          <a:lstStyle/>
-          <a:p>
-            <a:r>
-              <a:rPr lang="ru-RU" dirty="0">
-                <a:solidFill>
-                  <a:schemeClr val="accent1"/>
-                </a:solidFill>
-              </a:rPr>
-              <a:t>ШПАРгалка №8:</a:t>
-            </a:r>
-            <a:r>
-              <a:rPr lang="ru-RU" dirty="0"/>
-              <a:t/>
-            </a:r>
-            <a:br>
-              <a:rPr lang="ru-RU" dirty="0"/>
-            </a:br>
-            <a:r>
-              <a:rPr lang="en-US" dirty="0" err="1"/>
-              <a:t>ReplaceNodes</a:t>
-            </a:r>
-            <a:r>
-              <a:rPr lang="ru-RU" dirty="0"/>
-              <a:t> – хорошо когда друзей</a:t>
-            </a:r>
-            <a:r>
-              <a:rPr lang="en-US" dirty="0"/>
-              <a:t> </a:t>
-            </a:r>
-            <a:r>
-              <a:rPr lang="ru-RU" dirty="0" smtClean="0"/>
-              <a:t/>
-            </a:r>
-            <a:br>
-              <a:rPr lang="ru-RU" dirty="0" smtClean="0"/>
-            </a:br>
-            <a:r>
-              <a:rPr lang="ru-RU" dirty="0" smtClean="0"/>
-              <a:t>много</a:t>
-            </a:r>
-            <a:endParaRPr lang="en-US" dirty="0"/>
-          </a:p>
-        </p:txBody>
-      </p:sp>
-      <p:pic>
-        <p:nvPicPr>
-          <p:cNvPr id="5" name="Content Placeholder 4"/>
-          <p:cNvPicPr>
-            <a:picLocks noGrp="1" noChangeAspect="1"/>
-          </p:cNvPicPr>
-          <p:nvPr>
-            <p:ph idx="1"/>
-          </p:nvPr>
-        </p:nvPicPr>
-        <p:blipFill>
-          <a:blip r:embed="rId3" cstate="print">
-            <a:extLst>
-              <a:ext uri="{28A0092B-C50C-407E-A947-70E740481C1C}">
-                <a14:useLocalDpi xmlns:a14="http://schemas.microsoft.com/office/drawing/2010/main" val="0"/>
-              </a:ext>
-            </a:extLst>
-          </a:blip>
-          <a:stretch>
-            <a:fillRect/>
-          </a:stretch>
-        </p:blipFill>
-        <p:spPr>
-          <a:xfrm>
-            <a:off x="3775590" y="2490177"/>
-            <a:ext cx="7202311" cy="4051300"/>
-          </a:xfrm>
-        </p:spPr>
-      </p:pic>
-    </p:spTree>
-    <p:extLst>
-      <p:ext uri="{BB962C8B-B14F-4D97-AF65-F5344CB8AC3E}">
-        <p14:creationId xmlns:p14="http://schemas.microsoft.com/office/powerpoint/2010/main" val="964625966"/>
-      </p:ext>
-    </p:extLst>
-  </p:cSld>
-  <p:clrMapOvr>
-    <a:masterClrMapping/>
-  </p:clrMapOvr>
-</p:sld>
-</file>
-
-<file path=ppt/slides/slide23.xml><?xml version="1.0" encoding="utf-8"?>
-<p:sld xmlns:a="http://schemas.openxmlformats.org/drawingml/2006/main" xmlns:r="http://schemas.openxmlformats.org/officeDocument/2006/relationships" xmlns:p="http://schemas.openxmlformats.org/presentationml/2006/main">
-  <p:cSld>
-    <p:spTree>
-      <p:nvGrpSpPr>
-        <p:cNvPr id="1" name=""/>
-        <p:cNvGrpSpPr/>
-        <p:nvPr/>
-      </p:nvGrpSpPr>
-      <p:grpSpPr>
-        <a:xfrm>
-          <a:off x="0" y="0"/>
-          <a:ext cx="0" cy="0"/>
-          <a:chOff x="0" y="0"/>
-          <a:chExt cx="0" cy="0"/>
-        </a:xfrm>
-      </p:grpSpPr>
-      <p:sp>
-        <p:nvSpPr>
-          <p:cNvPr id="2" name="Title 1"/>
-          <p:cNvSpPr>
-            <a:spLocks noGrp="1"/>
-          </p:cNvSpPr>
-          <p:nvPr>
-            <p:ph type="title"/>
-          </p:nvPr>
-        </p:nvSpPr>
-        <p:spPr/>
-        <p:txBody>
-          <a:bodyPr>
-            <a:normAutofit fontScale="90000"/>
-          </a:bodyPr>
-          <a:lstStyle/>
-          <a:p>
-            <a:r>
-              <a:rPr lang="ru-RU" dirty="0">
-                <a:solidFill>
-                  <a:schemeClr val="accent1"/>
-                </a:solidFill>
-              </a:rPr>
-              <a:t>Шпаргалка №9:</a:t>
-            </a:r>
-            <a:r>
-              <a:rPr lang="ru-RU" dirty="0"/>
-              <a:t/>
-            </a:r>
-            <a:br>
-              <a:rPr lang="ru-RU" dirty="0"/>
-            </a:br>
-            <a:r>
-              <a:rPr lang="en-US" dirty="0" err="1"/>
-              <a:t>Tostring</a:t>
-            </a:r>
-            <a:r>
-              <a:rPr lang="en-US" dirty="0"/>
-              <a:t>…\</a:t>
-            </a:r>
-            <a:r>
-              <a:rPr lang="en-US" dirty="0" err="1"/>
-              <a:t>tofullstring</a:t>
-            </a:r>
-            <a:r>
-              <a:rPr lang="en-US" dirty="0"/>
-              <a:t>…</a:t>
-            </a:r>
-          </a:p>
-        </p:txBody>
-      </p:sp>
-      <p:sp>
-        <p:nvSpPr>
-          <p:cNvPr id="4" name="Text Placeholder 3"/>
-          <p:cNvSpPr>
-            <a:spLocks noGrp="1"/>
-          </p:cNvSpPr>
-          <p:nvPr>
-            <p:ph type="body" idx="1"/>
-          </p:nvPr>
-        </p:nvSpPr>
-        <p:spPr/>
-        <p:txBody>
-          <a:bodyPr/>
-          <a:lstStyle/>
-          <a:p>
-            <a:r>
-              <a:rPr lang="en-US" dirty="0" err="1"/>
-              <a:t>ToString</a:t>
-            </a:r>
-            <a:endParaRPr lang="en-US" dirty="0"/>
-          </a:p>
-        </p:txBody>
-      </p:sp>
-      <p:pic>
-        <p:nvPicPr>
-          <p:cNvPr id="3" name="Content Placeholder 2"/>
-          <p:cNvPicPr>
-            <a:picLocks noGrp="1" noChangeAspect="1"/>
-          </p:cNvPicPr>
-          <p:nvPr>
-            <p:ph sz="half" idx="2"/>
-          </p:nvPr>
-        </p:nvPicPr>
-        <p:blipFill>
-          <a:blip r:embed="rId2">
-            <a:extLst>
-              <a:ext uri="{28A0092B-C50C-407E-A947-70E740481C1C}">
-                <a14:useLocalDpi xmlns:a14="http://schemas.microsoft.com/office/drawing/2010/main" val="0"/>
-              </a:ext>
-            </a:extLst>
-          </a:blip>
-          <a:stretch>
-            <a:fillRect/>
-          </a:stretch>
-        </p:blipFill>
-        <p:spPr>
-          <a:xfrm>
-            <a:off x="1066800" y="2960893"/>
-            <a:ext cx="2184401" cy="1075397"/>
-          </a:xfrm>
-        </p:spPr>
-      </p:pic>
-      <p:sp>
-        <p:nvSpPr>
-          <p:cNvPr id="6" name="Text Placeholder 5"/>
-          <p:cNvSpPr>
-            <a:spLocks noGrp="1"/>
-          </p:cNvSpPr>
-          <p:nvPr>
-            <p:ph type="body" sz="quarter" idx="3"/>
-          </p:nvPr>
-        </p:nvSpPr>
-        <p:spPr/>
-        <p:txBody>
-          <a:bodyPr/>
-          <a:lstStyle/>
-          <a:p>
-            <a:r>
-              <a:rPr lang="en-US" dirty="0" err="1"/>
-              <a:t>ToFullString</a:t>
-            </a:r>
-            <a:endParaRPr lang="en-US" dirty="0"/>
-          </a:p>
-        </p:txBody>
-      </p:sp>
-      <p:pic>
-        <p:nvPicPr>
-          <p:cNvPr id="8" name="Content Placeholder 7"/>
-          <p:cNvPicPr>
-            <a:picLocks noGrp="1" noChangeAspect="1"/>
-          </p:cNvPicPr>
-          <p:nvPr>
-            <p:ph sz="quarter" idx="4"/>
-          </p:nvPr>
-        </p:nvPicPr>
-        <p:blipFill>
-          <a:blip r:embed="rId3">
-            <a:extLst>
-              <a:ext uri="{28A0092B-C50C-407E-A947-70E740481C1C}">
-                <a14:useLocalDpi xmlns:a14="http://schemas.microsoft.com/office/drawing/2010/main" val="0"/>
-              </a:ext>
-            </a:extLst>
-          </a:blip>
-          <a:stretch>
-            <a:fillRect/>
-          </a:stretch>
-        </p:blipFill>
-        <p:spPr>
-          <a:xfrm>
-            <a:off x="6364223" y="2688335"/>
-            <a:ext cx="3751537" cy="1347955"/>
-          </a:xfrm>
-        </p:spPr>
-      </p:pic>
-    </p:spTree>
-    <p:extLst>
-      <p:ext uri="{BB962C8B-B14F-4D97-AF65-F5344CB8AC3E}">
-        <p14:creationId xmlns:p14="http://schemas.microsoft.com/office/powerpoint/2010/main" val="3246753431"/>
-      </p:ext>
-    </p:extLst>
-  </p:cSld>
-  <p:clrMapOvr>
-    <a:masterClrMapping/>
-  </p:clrMapOvr>
-</p:sld>
-</file>
-
-<file path=ppt/slides/slide24.xml><?xml version="1.0" encoding="utf-8"?>
-<p:sld xmlns:a="http://schemas.openxmlformats.org/drawingml/2006/main" xmlns:r="http://schemas.openxmlformats.org/officeDocument/2006/relationships" xmlns:p="http://schemas.openxmlformats.org/presentationml/2006/main">
-  <p:cSld>
-    <p:spTree>
-      <p:nvGrpSpPr>
-        <p:cNvPr id="1" name=""/>
-        <p:cNvGrpSpPr/>
-        <p:nvPr/>
-      </p:nvGrpSpPr>
-      <p:grpSpPr>
-        <a:xfrm>
-          <a:off x="0" y="0"/>
-          <a:ext cx="0" cy="0"/>
-          <a:chOff x="0" y="0"/>
-          <a:chExt cx="0" cy="0"/>
-        </a:xfrm>
-      </p:grpSpPr>
-      <p:sp>
-        <p:nvSpPr>
-          <p:cNvPr id="2" name="Title 1"/>
-          <p:cNvSpPr>
-            <a:spLocks noGrp="1"/>
-          </p:cNvSpPr>
-          <p:nvPr>
-            <p:ph type="title"/>
-          </p:nvPr>
-        </p:nvSpPr>
-        <p:spPr/>
-        <p:txBody>
           <a:bodyPr/>
           <a:lstStyle/>
           <a:p>
@@ -38443,11 +37159,7 @@
                   <a:schemeClr val="accent1"/>
                 </a:solidFill>
               </a:rPr>
-              <a:t>ШПАРГАЛКА №10:</a:t>
-            </a:r>
-            <a:r>
-              <a:rPr lang="ru-RU" dirty="0"/>
-              <a:t/>
+              <a:t>ШПАРГАЛКА №8:</a:t>
             </a:r>
             <a:br>
               <a:rPr lang="ru-RU" dirty="0"/>
@@ -38686,6 +37398,519 @@
       <p:bldP spid="6" grpId="0" build="p"/>
     </p:bldLst>
   </p:timing>
+</p:sld>
+</file>
+
+<file path=ppt/slides/slide21.xml><?xml version="1.0" encoding="utf-8"?>
+<p:sld xmlns:a="http://schemas.openxmlformats.org/drawingml/2006/main" xmlns:r="http://schemas.openxmlformats.org/officeDocument/2006/relationships" xmlns:p="http://schemas.openxmlformats.org/presentationml/2006/main">
+  <p:cSld>
+    <p:spTree>
+      <p:nvGrpSpPr>
+        <p:cNvPr id="1" name=""/>
+        <p:cNvGrpSpPr/>
+        <p:nvPr/>
+      </p:nvGrpSpPr>
+      <p:grpSpPr>
+        <a:xfrm>
+          <a:off x="0" y="0"/>
+          <a:ext cx="0" cy="0"/>
+          <a:chOff x="0" y="0"/>
+          <a:chExt cx="0" cy="0"/>
+        </a:xfrm>
+      </p:grpSpPr>
+      <p:sp>
+        <p:nvSpPr>
+          <p:cNvPr id="2" name="Title 1"/>
+          <p:cNvSpPr>
+            <a:spLocks noGrp="1"/>
+          </p:cNvSpPr>
+          <p:nvPr>
+            <p:ph type="title"/>
+          </p:nvPr>
+        </p:nvSpPr>
+        <p:spPr>
+          <a:xfrm>
+            <a:off x="1069848" y="484631"/>
+            <a:ext cx="10058400" cy="1898083"/>
+          </a:xfrm>
+        </p:spPr>
+        <p:txBody>
+          <a:bodyPr>
+            <a:normAutofit fontScale="90000"/>
+          </a:bodyPr>
+          <a:lstStyle/>
+          <a:p>
+            <a:r>
+              <a:rPr lang="ru-RU" dirty="0">
+                <a:solidFill>
+                  <a:schemeClr val="accent1"/>
+                </a:solidFill>
+              </a:rPr>
+              <a:t>ШПАРГАЛКА №9:</a:t>
+            </a:r>
+            <a:br>
+              <a:rPr lang="ru-RU" dirty="0"/>
+            </a:br>
+            <a:r>
+              <a:rPr lang="en-US" dirty="0" err="1"/>
+              <a:t>InsertNodesBefore</a:t>
+            </a:r>
+            <a:r>
+              <a:rPr lang="ru-RU" dirty="0"/>
+              <a:t> и </a:t>
+            </a:r>
+            <a:r>
+              <a:rPr lang="en-US" dirty="0" err="1"/>
+              <a:t>InsertNodesAfter</a:t>
+            </a:r>
+            <a:endParaRPr lang="en-US" dirty="0"/>
+          </a:p>
+        </p:txBody>
+      </p:sp>
+      <p:pic>
+        <p:nvPicPr>
+          <p:cNvPr id="7" name="Content Placeholder 6"/>
+          <p:cNvPicPr>
+            <a:picLocks noGrp="1" noChangeAspect="1"/>
+          </p:cNvPicPr>
+          <p:nvPr>
+            <p:ph idx="1"/>
+          </p:nvPr>
+        </p:nvPicPr>
+        <p:blipFill>
+          <a:blip r:embed="rId2" cstate="print">
+            <a:extLst>
+              <a:ext uri="{28A0092B-C50C-407E-A947-70E740481C1C}">
+                <a14:useLocalDpi xmlns:a14="http://schemas.microsoft.com/office/drawing/2010/main" val="0"/>
+              </a:ext>
+            </a:extLst>
+          </a:blip>
+          <a:stretch>
+            <a:fillRect/>
+          </a:stretch>
+        </p:blipFill>
+        <p:spPr>
+          <a:xfrm>
+            <a:off x="1069848" y="2778645"/>
+            <a:ext cx="8570674" cy="3586986"/>
+          </a:xfrm>
+        </p:spPr>
+      </p:pic>
+    </p:spTree>
+    <p:extLst>
+      <p:ext uri="{BB962C8B-B14F-4D97-AF65-F5344CB8AC3E}">
+        <p14:creationId xmlns:p14="http://schemas.microsoft.com/office/powerpoint/2010/main" val="1231915307"/>
+      </p:ext>
+    </p:extLst>
+  </p:cSld>
+  <p:clrMapOvr>
+    <a:masterClrMapping/>
+  </p:clrMapOvr>
+</p:sld>
+</file>
+
+<file path=ppt/slides/slide22.xml><?xml version="1.0" encoding="utf-8"?>
+<p:sld xmlns:a="http://schemas.openxmlformats.org/drawingml/2006/main" xmlns:r="http://schemas.openxmlformats.org/officeDocument/2006/relationships" xmlns:p="http://schemas.openxmlformats.org/presentationml/2006/main">
+  <p:cSld>
+    <p:spTree>
+      <p:nvGrpSpPr>
+        <p:cNvPr id="1" name=""/>
+        <p:cNvGrpSpPr/>
+        <p:nvPr/>
+      </p:nvGrpSpPr>
+      <p:grpSpPr>
+        <a:xfrm>
+          <a:off x="0" y="0"/>
+          <a:ext cx="0" cy="0"/>
+          <a:chOff x="0" y="0"/>
+          <a:chExt cx="0" cy="0"/>
+        </a:xfrm>
+      </p:grpSpPr>
+      <p:sp>
+        <p:nvSpPr>
+          <p:cNvPr id="2" name="Title 1"/>
+          <p:cNvSpPr>
+            <a:spLocks noGrp="1"/>
+          </p:cNvSpPr>
+          <p:nvPr>
+            <p:ph type="title"/>
+          </p:nvPr>
+        </p:nvSpPr>
+        <p:spPr/>
+        <p:txBody>
+          <a:bodyPr>
+            <a:normAutofit fontScale="90000"/>
+          </a:bodyPr>
+          <a:lstStyle/>
+          <a:p>
+            <a:r>
+              <a:rPr lang="ru-RU" dirty="0">
+                <a:solidFill>
+                  <a:schemeClr val="accent1"/>
+                </a:solidFill>
+              </a:rPr>
+              <a:t>Неочевидность №7:</a:t>
+            </a:r>
+            <a:br>
+              <a:rPr lang="ru-RU" dirty="0"/>
+            </a:br>
+            <a:r>
+              <a:rPr lang="en-US" dirty="0"/>
+              <a:t>immutability, immutability everywhere</a:t>
+            </a:r>
+          </a:p>
+        </p:txBody>
+      </p:sp>
+      <p:pic>
+        <p:nvPicPr>
+          <p:cNvPr id="5" name="Content Placeholder 4"/>
+          <p:cNvPicPr>
+            <a:picLocks noGrp="1" noChangeAspect="1"/>
+          </p:cNvPicPr>
+          <p:nvPr>
+            <p:ph idx="1"/>
+          </p:nvPr>
+        </p:nvPicPr>
+        <p:blipFill>
+          <a:blip r:embed="rId3">
+            <a:extLst>
+              <a:ext uri="{28A0092B-C50C-407E-A947-70E740481C1C}">
+                <a14:useLocalDpi xmlns:a14="http://schemas.microsoft.com/office/drawing/2010/main" val="0"/>
+              </a:ext>
+            </a:extLst>
+          </a:blip>
+          <a:stretch>
+            <a:fillRect/>
+          </a:stretch>
+        </p:blipFill>
+        <p:spPr>
+          <a:xfrm>
+            <a:off x="3532061" y="2481385"/>
+            <a:ext cx="7596187" cy="4051300"/>
+          </a:xfrm>
+        </p:spPr>
+      </p:pic>
+    </p:spTree>
+    <p:extLst>
+      <p:ext uri="{BB962C8B-B14F-4D97-AF65-F5344CB8AC3E}">
+        <p14:creationId xmlns:p14="http://schemas.microsoft.com/office/powerpoint/2010/main" val="2210063024"/>
+      </p:ext>
+    </p:extLst>
+  </p:cSld>
+  <p:clrMapOvr>
+    <a:masterClrMapping/>
+  </p:clrMapOvr>
+</p:sld>
+</file>
+
+<file path=ppt/slides/slide23.xml><?xml version="1.0" encoding="utf-8"?>
+<p:sld xmlns:a="http://schemas.openxmlformats.org/drawingml/2006/main" xmlns:r="http://schemas.openxmlformats.org/officeDocument/2006/relationships" xmlns:p="http://schemas.openxmlformats.org/presentationml/2006/main">
+  <p:cSld>
+    <p:spTree>
+      <p:nvGrpSpPr>
+        <p:cNvPr id="1" name=""/>
+        <p:cNvGrpSpPr/>
+        <p:nvPr/>
+      </p:nvGrpSpPr>
+      <p:grpSpPr>
+        <a:xfrm>
+          <a:off x="0" y="0"/>
+          <a:ext cx="0" cy="0"/>
+          <a:chOff x="0" y="0"/>
+          <a:chExt cx="0" cy="0"/>
+        </a:xfrm>
+      </p:grpSpPr>
+      <p:sp>
+        <p:nvSpPr>
+          <p:cNvPr id="2" name="Title 1"/>
+          <p:cNvSpPr>
+            <a:spLocks noGrp="1"/>
+          </p:cNvSpPr>
+          <p:nvPr>
+            <p:ph type="title"/>
+          </p:nvPr>
+        </p:nvSpPr>
+        <p:spPr/>
+        <p:txBody>
+          <a:bodyPr>
+            <a:normAutofit fontScale="90000"/>
+          </a:bodyPr>
+          <a:lstStyle/>
+          <a:p>
+            <a:r>
+              <a:rPr lang="ru-RU" dirty="0">
+                <a:solidFill>
+                  <a:schemeClr val="accent1"/>
+                </a:solidFill>
+              </a:rPr>
+              <a:t>НЕОЧЕВИДНОСТЬ №8:</a:t>
+            </a:r>
+            <a:br>
+              <a:rPr lang="en-US" dirty="0"/>
+            </a:br>
+            <a:r>
+              <a:rPr lang="ru-RU" dirty="0"/>
+              <a:t>Если меняешь узел дерева, меняешь все дерево</a:t>
+            </a:r>
+            <a:endParaRPr lang="en-US" dirty="0"/>
+          </a:p>
+        </p:txBody>
+      </p:sp>
+      <p:graphicFrame>
+        <p:nvGraphicFramePr>
+          <p:cNvPr id="8" name="Content Placeholder 7"/>
+          <p:cNvGraphicFramePr>
+            <a:graphicFrameLocks noGrp="1"/>
+          </p:cNvGraphicFramePr>
+          <p:nvPr>
+            <p:ph sz="half" idx="1"/>
+            <p:extLst>
+              <p:ext uri="{D42A27DB-BD31-4B8C-83A1-F6EECF244321}">
+                <p14:modId xmlns:p14="http://schemas.microsoft.com/office/powerpoint/2010/main" val="619301765"/>
+              </p:ext>
+            </p:extLst>
+          </p:nvPr>
+        </p:nvGraphicFramePr>
+        <p:xfrm>
+          <a:off x="1069975" y="2522483"/>
+          <a:ext cx="4754563" cy="3649717"/>
+        </p:xfrm>
+        <a:graphic>
+          <a:graphicData uri="http://schemas.openxmlformats.org/drawingml/2006/diagram">
+            <dgm:relIds xmlns:dgm="http://schemas.openxmlformats.org/drawingml/2006/diagram" xmlns:r="http://schemas.openxmlformats.org/officeDocument/2006/relationships" r:dm="rId3" r:lo="rId4" r:qs="rId5" r:cs="rId6"/>
+          </a:graphicData>
+        </a:graphic>
+      </p:graphicFrame>
+      <p:graphicFrame>
+        <p:nvGraphicFramePr>
+          <p:cNvPr id="9" name="Content Placeholder 8"/>
+          <p:cNvGraphicFramePr>
+            <a:graphicFrameLocks noGrp="1"/>
+          </p:cNvGraphicFramePr>
+          <p:nvPr>
+            <p:ph sz="half" idx="2"/>
+            <p:extLst>
+              <p:ext uri="{D42A27DB-BD31-4B8C-83A1-F6EECF244321}">
+                <p14:modId xmlns:p14="http://schemas.microsoft.com/office/powerpoint/2010/main" val="2876973783"/>
+              </p:ext>
+            </p:extLst>
+          </p:nvPr>
+        </p:nvGraphicFramePr>
+        <p:xfrm>
+          <a:off x="6364288" y="2522483"/>
+          <a:ext cx="4754562" cy="3649717"/>
+        </p:xfrm>
+        <a:graphic>
+          <a:graphicData uri="http://schemas.openxmlformats.org/drawingml/2006/diagram">
+            <dgm:relIds xmlns:dgm="http://schemas.openxmlformats.org/drawingml/2006/diagram" xmlns:r="http://schemas.openxmlformats.org/officeDocument/2006/relationships" r:dm="rId8" r:lo="rId9" r:qs="rId10" r:cs="rId11"/>
+          </a:graphicData>
+        </a:graphic>
+      </p:graphicFrame>
+    </p:spTree>
+    <p:extLst>
+      <p:ext uri="{BB962C8B-B14F-4D97-AF65-F5344CB8AC3E}">
+        <p14:creationId xmlns:p14="http://schemas.microsoft.com/office/powerpoint/2010/main" val="1268016360"/>
+      </p:ext>
+    </p:extLst>
+  </p:cSld>
+  <p:clrMapOvr>
+    <a:masterClrMapping/>
+  </p:clrMapOvr>
+  <p:timing>
+    <p:tnLst>
+      <p:par>
+        <p:cTn id="1" dur="indefinite" restart="never" nodeType="tmRoot">
+          <p:childTnLst>
+            <p:seq concurrent="1" nextAc="seek">
+              <p:cTn id="2" dur="indefinite" nodeType="mainSeq">
+                <p:childTnLst>
+                  <p:par>
+                    <p:cTn id="3" fill="hold">
+                      <p:stCondLst>
+                        <p:cond delay="indefinite"/>
+                      </p:stCondLst>
+                      <p:childTnLst>
+                        <p:par>
+                          <p:cTn id="4" fill="hold">
+                            <p:stCondLst>
+                              <p:cond delay="0"/>
+                            </p:stCondLst>
+                            <p:childTnLst>
+                              <p:par>
+                                <p:cTn id="5" presetID="1" presetClass="entr" presetSubtype="0" fill="hold" grpId="0" nodeType="clickEffect">
+                                  <p:stCondLst>
+                                    <p:cond delay="0"/>
+                                  </p:stCondLst>
+                                  <p:childTnLst>
+                                    <p:set>
+                                      <p:cBhvr>
+                                        <p:cTn id="6" dur="1" fill="hold">
+                                          <p:stCondLst>
+                                            <p:cond delay="0"/>
+                                          </p:stCondLst>
+                                        </p:cTn>
+                                        <p:tgtEl>
+                                          <p:spTgt spid="9"/>
+                                        </p:tgtEl>
+                                        <p:attrNameLst>
+                                          <p:attrName>style.visibility</p:attrName>
+                                        </p:attrNameLst>
+                                      </p:cBhvr>
+                                      <p:to>
+                                        <p:strVal val="visible"/>
+                                      </p:to>
+                                    </p:set>
+                                  </p:childTnLst>
+                                </p:cTn>
+                              </p:par>
+                            </p:childTnLst>
+                          </p:cTn>
+                        </p:par>
+                      </p:childTnLst>
+                    </p:cTn>
+                  </p:par>
+                </p:childTnLst>
+              </p:cTn>
+              <p:prevCondLst>
+                <p:cond evt="onPrev" delay="0">
+                  <p:tgtEl>
+                    <p:sldTgt/>
+                  </p:tgtEl>
+                </p:cond>
+              </p:prevCondLst>
+              <p:nextCondLst>
+                <p:cond evt="onNext" delay="0">
+                  <p:tgtEl>
+                    <p:sldTgt/>
+                  </p:tgtEl>
+                </p:cond>
+              </p:nextCondLst>
+            </p:seq>
+          </p:childTnLst>
+        </p:cTn>
+      </p:par>
+    </p:tnLst>
+    <p:bldLst>
+      <p:bldGraphic spid="9" grpId="0">
+        <p:bldAsOne/>
+      </p:bldGraphic>
+    </p:bldLst>
+  </p:timing>
+</p:sld>
+</file>
+
+<file path=ppt/slides/slide24.xml><?xml version="1.0" encoding="utf-8"?>
+<p:sld xmlns:a="http://schemas.openxmlformats.org/drawingml/2006/main" xmlns:r="http://schemas.openxmlformats.org/officeDocument/2006/relationships" xmlns:p="http://schemas.openxmlformats.org/presentationml/2006/main">
+  <p:cSld>
+    <p:spTree>
+      <p:nvGrpSpPr>
+        <p:cNvPr id="1" name=""/>
+        <p:cNvGrpSpPr/>
+        <p:nvPr/>
+      </p:nvGrpSpPr>
+      <p:grpSpPr>
+        <a:xfrm>
+          <a:off x="0" y="0"/>
+          <a:ext cx="0" cy="0"/>
+          <a:chOff x="0" y="0"/>
+          <a:chExt cx="0" cy="0"/>
+        </a:xfrm>
+      </p:grpSpPr>
+      <p:sp>
+        <p:nvSpPr>
+          <p:cNvPr id="2" name="Title 1"/>
+          <p:cNvSpPr>
+            <a:spLocks noGrp="1"/>
+          </p:cNvSpPr>
+          <p:nvPr>
+            <p:ph type="title"/>
+          </p:nvPr>
+        </p:nvSpPr>
+        <p:spPr>
+          <a:xfrm>
+            <a:off x="1069848" y="484630"/>
+            <a:ext cx="6306898" cy="3340023"/>
+          </a:xfrm>
+        </p:spPr>
+        <p:txBody>
+          <a:bodyPr>
+            <a:normAutofit fontScale="90000"/>
+          </a:bodyPr>
+          <a:lstStyle/>
+          <a:p>
+            <a:r>
+              <a:rPr lang="ru-RU" dirty="0">
+                <a:solidFill>
+                  <a:schemeClr val="accent1"/>
+                </a:solidFill>
+              </a:rPr>
+              <a:t>ШПАРгалка №10:</a:t>
+            </a:r>
+            <a:br>
+              <a:rPr lang="ru-RU" dirty="0"/>
+            </a:br>
+            <a:r>
+              <a:rPr lang="en-US" dirty="0" err="1"/>
+              <a:t>ReplaceNodes</a:t>
+            </a:r>
+            <a:r>
+              <a:rPr lang="ru-RU" dirty="0"/>
+              <a:t> – хорошо когда друзей</a:t>
+            </a:r>
+            <a:r>
+              <a:rPr lang="en-US" dirty="0"/>
+              <a:t> </a:t>
+            </a:r>
+            <a:br>
+              <a:rPr lang="ru-RU" dirty="0"/>
+            </a:br>
+            <a:r>
+              <a:rPr lang="ru-RU" dirty="0"/>
+              <a:t>много</a:t>
+            </a:r>
+            <a:endParaRPr lang="en-US" dirty="0"/>
+          </a:p>
+        </p:txBody>
+      </p:sp>
+      <p:pic>
+        <p:nvPicPr>
+          <p:cNvPr id="5" name="Content Placeholder 4"/>
+          <p:cNvPicPr>
+            <a:picLocks noGrp="1" noChangeAspect="1"/>
+          </p:cNvPicPr>
+          <p:nvPr>
+            <p:ph idx="1"/>
+          </p:nvPr>
+        </p:nvPicPr>
+        <p:blipFill>
+          <a:blip r:embed="rId3" cstate="print">
+            <a:extLst>
+              <a:ext uri="{28A0092B-C50C-407E-A947-70E740481C1C}">
+                <a14:useLocalDpi xmlns:a14="http://schemas.microsoft.com/office/drawing/2010/main" val="0"/>
+              </a:ext>
+            </a:extLst>
+          </a:blip>
+          <a:stretch>
+            <a:fillRect/>
+          </a:stretch>
+        </p:blipFill>
+        <p:spPr>
+          <a:xfrm>
+            <a:off x="3775590" y="2490177"/>
+            <a:ext cx="7202311" cy="4051300"/>
+          </a:xfrm>
+        </p:spPr>
+      </p:pic>
+    </p:spTree>
+    <p:extLst>
+      <p:ext uri="{BB962C8B-B14F-4D97-AF65-F5344CB8AC3E}">
+        <p14:creationId xmlns:p14="http://schemas.microsoft.com/office/powerpoint/2010/main" val="964625966"/>
+      </p:ext>
+    </p:extLst>
+  </p:cSld>
+  <p:clrMapOvr>
+    <a:masterClrMapping/>
+  </p:clrMapOvr>
 </p:sld>
 </file>
 
@@ -38950,6 +38175,1069 @@
   <p:clrMapOvr>
     <a:masterClrMapping/>
   </p:clrMapOvr>
+  <p:timing>
+    <p:tnLst>
+      <p:par>
+        <p:cTn id="1" dur="indefinite" restart="never" nodeType="tmRoot">
+          <p:childTnLst>
+            <p:seq concurrent="1" nextAc="seek">
+              <p:cTn id="2" dur="indefinite" nodeType="mainSeq">
+                <p:childTnLst>
+                  <p:par>
+                    <p:cTn id="3" fill="hold">
+                      <p:stCondLst>
+                        <p:cond delay="indefinite"/>
+                      </p:stCondLst>
+                      <p:childTnLst>
+                        <p:par>
+                          <p:cTn id="4" fill="hold">
+                            <p:stCondLst>
+                              <p:cond delay="0"/>
+                            </p:stCondLst>
+                            <p:childTnLst>
+                              <p:par>
+                                <p:cTn id="5" presetID="2" presetClass="entr" presetSubtype="4" fill="hold" grpId="0" nodeType="clickEffect">
+                                  <p:stCondLst>
+                                    <p:cond delay="0"/>
+                                  </p:stCondLst>
+                                  <p:childTnLst>
+                                    <p:set>
+                                      <p:cBhvr>
+                                        <p:cTn id="6" dur="1" fill="hold">
+                                          <p:stCondLst>
+                                            <p:cond delay="0"/>
+                                          </p:stCondLst>
+                                        </p:cTn>
+                                        <p:tgtEl>
+                                          <p:spTgt spid="3">
+                                            <p:txEl>
+                                              <p:pRg st="0" end="0"/>
+                                            </p:txEl>
+                                          </p:spTgt>
+                                        </p:tgtEl>
+                                        <p:attrNameLst>
+                                          <p:attrName>style.visibility</p:attrName>
+                                        </p:attrNameLst>
+                                      </p:cBhvr>
+                                      <p:to>
+                                        <p:strVal val="visible"/>
+                                      </p:to>
+                                    </p:set>
+                                    <p:anim calcmode="lin" valueType="num">
+                                      <p:cBhvr additive="base">
+                                        <p:cTn id="7" dur="500" fill="hold"/>
+                                        <p:tgtEl>
+                                          <p:spTgt spid="3">
+                                            <p:txEl>
+                                              <p:pRg st="0" end="0"/>
+                                            </p:txEl>
+                                          </p:spTgt>
+                                        </p:tgtEl>
+                                        <p:attrNameLst>
+                                          <p:attrName>ppt_x</p:attrName>
+                                        </p:attrNameLst>
+                                      </p:cBhvr>
+                                      <p:tavLst>
+                                        <p:tav tm="0">
+                                          <p:val>
+                                            <p:strVal val="#ppt_x"/>
+                                          </p:val>
+                                        </p:tav>
+                                        <p:tav tm="100000">
+                                          <p:val>
+                                            <p:strVal val="#ppt_x"/>
+                                          </p:val>
+                                        </p:tav>
+                                      </p:tavLst>
+                                    </p:anim>
+                                    <p:anim calcmode="lin" valueType="num">
+                                      <p:cBhvr additive="base">
+                                        <p:cTn id="8" dur="500" fill="hold"/>
+                                        <p:tgtEl>
+                                          <p:spTgt spid="3">
+                                            <p:txEl>
+                                              <p:pRg st="0" end="0"/>
+                                            </p:txEl>
+                                          </p:spTgt>
+                                        </p:tgtEl>
+                                        <p:attrNameLst>
+                                          <p:attrName>ppt_y</p:attrName>
+                                        </p:attrNameLst>
+                                      </p:cBhvr>
+                                      <p:tavLst>
+                                        <p:tav tm="0">
+                                          <p:val>
+                                            <p:strVal val="1+#ppt_h/2"/>
+                                          </p:val>
+                                        </p:tav>
+                                        <p:tav tm="100000">
+                                          <p:val>
+                                            <p:strVal val="#ppt_y"/>
+                                          </p:val>
+                                        </p:tav>
+                                      </p:tavLst>
+                                    </p:anim>
+                                  </p:childTnLst>
+                                </p:cTn>
+                              </p:par>
+                            </p:childTnLst>
+                          </p:cTn>
+                        </p:par>
+                      </p:childTnLst>
+                    </p:cTn>
+                  </p:par>
+                  <p:par>
+                    <p:cTn id="9" fill="hold">
+                      <p:stCondLst>
+                        <p:cond delay="indefinite"/>
+                      </p:stCondLst>
+                      <p:childTnLst>
+                        <p:par>
+                          <p:cTn id="10" fill="hold">
+                            <p:stCondLst>
+                              <p:cond delay="0"/>
+                            </p:stCondLst>
+                            <p:childTnLst>
+                              <p:par>
+                                <p:cTn id="11" presetID="2" presetClass="entr" presetSubtype="4" fill="hold" grpId="0" nodeType="clickEffect">
+                                  <p:stCondLst>
+                                    <p:cond delay="0"/>
+                                  </p:stCondLst>
+                                  <p:childTnLst>
+                                    <p:set>
+                                      <p:cBhvr>
+                                        <p:cTn id="12" dur="1" fill="hold">
+                                          <p:stCondLst>
+                                            <p:cond delay="0"/>
+                                          </p:stCondLst>
+                                        </p:cTn>
+                                        <p:tgtEl>
+                                          <p:spTgt spid="3">
+                                            <p:txEl>
+                                              <p:pRg st="1" end="1"/>
+                                            </p:txEl>
+                                          </p:spTgt>
+                                        </p:tgtEl>
+                                        <p:attrNameLst>
+                                          <p:attrName>style.visibility</p:attrName>
+                                        </p:attrNameLst>
+                                      </p:cBhvr>
+                                      <p:to>
+                                        <p:strVal val="visible"/>
+                                      </p:to>
+                                    </p:set>
+                                    <p:anim calcmode="lin" valueType="num">
+                                      <p:cBhvr additive="base">
+                                        <p:cTn id="13" dur="500" fill="hold"/>
+                                        <p:tgtEl>
+                                          <p:spTgt spid="3">
+                                            <p:txEl>
+                                              <p:pRg st="1" end="1"/>
+                                            </p:txEl>
+                                          </p:spTgt>
+                                        </p:tgtEl>
+                                        <p:attrNameLst>
+                                          <p:attrName>ppt_x</p:attrName>
+                                        </p:attrNameLst>
+                                      </p:cBhvr>
+                                      <p:tavLst>
+                                        <p:tav tm="0">
+                                          <p:val>
+                                            <p:strVal val="#ppt_x"/>
+                                          </p:val>
+                                        </p:tav>
+                                        <p:tav tm="100000">
+                                          <p:val>
+                                            <p:strVal val="#ppt_x"/>
+                                          </p:val>
+                                        </p:tav>
+                                      </p:tavLst>
+                                    </p:anim>
+                                    <p:anim calcmode="lin" valueType="num">
+                                      <p:cBhvr additive="base">
+                                        <p:cTn id="14" dur="500" fill="hold"/>
+                                        <p:tgtEl>
+                                          <p:spTgt spid="3">
+                                            <p:txEl>
+                                              <p:pRg st="1" end="1"/>
+                                            </p:txEl>
+                                          </p:spTgt>
+                                        </p:tgtEl>
+                                        <p:attrNameLst>
+                                          <p:attrName>ppt_y</p:attrName>
+                                        </p:attrNameLst>
+                                      </p:cBhvr>
+                                      <p:tavLst>
+                                        <p:tav tm="0">
+                                          <p:val>
+                                            <p:strVal val="1+#ppt_h/2"/>
+                                          </p:val>
+                                        </p:tav>
+                                        <p:tav tm="100000">
+                                          <p:val>
+                                            <p:strVal val="#ppt_y"/>
+                                          </p:val>
+                                        </p:tav>
+                                      </p:tavLst>
+                                    </p:anim>
+                                  </p:childTnLst>
+                                </p:cTn>
+                              </p:par>
+                            </p:childTnLst>
+                          </p:cTn>
+                        </p:par>
+                      </p:childTnLst>
+                    </p:cTn>
+                  </p:par>
+                  <p:par>
+                    <p:cTn id="15" fill="hold">
+                      <p:stCondLst>
+                        <p:cond delay="indefinite"/>
+                      </p:stCondLst>
+                      <p:childTnLst>
+                        <p:par>
+                          <p:cTn id="16" fill="hold">
+                            <p:stCondLst>
+                              <p:cond delay="0"/>
+                            </p:stCondLst>
+                            <p:childTnLst>
+                              <p:par>
+                                <p:cTn id="17" presetID="2" presetClass="entr" presetSubtype="4" fill="hold" grpId="0" nodeType="clickEffect">
+                                  <p:stCondLst>
+                                    <p:cond delay="0"/>
+                                  </p:stCondLst>
+                                  <p:childTnLst>
+                                    <p:set>
+                                      <p:cBhvr>
+                                        <p:cTn id="18" dur="1" fill="hold">
+                                          <p:stCondLst>
+                                            <p:cond delay="0"/>
+                                          </p:stCondLst>
+                                        </p:cTn>
+                                        <p:tgtEl>
+                                          <p:spTgt spid="3">
+                                            <p:txEl>
+                                              <p:pRg st="2" end="2"/>
+                                            </p:txEl>
+                                          </p:spTgt>
+                                        </p:tgtEl>
+                                        <p:attrNameLst>
+                                          <p:attrName>style.visibility</p:attrName>
+                                        </p:attrNameLst>
+                                      </p:cBhvr>
+                                      <p:to>
+                                        <p:strVal val="visible"/>
+                                      </p:to>
+                                    </p:set>
+                                    <p:anim calcmode="lin" valueType="num">
+                                      <p:cBhvr additive="base">
+                                        <p:cTn id="19" dur="500" fill="hold"/>
+                                        <p:tgtEl>
+                                          <p:spTgt spid="3">
+                                            <p:txEl>
+                                              <p:pRg st="2" end="2"/>
+                                            </p:txEl>
+                                          </p:spTgt>
+                                        </p:tgtEl>
+                                        <p:attrNameLst>
+                                          <p:attrName>ppt_x</p:attrName>
+                                        </p:attrNameLst>
+                                      </p:cBhvr>
+                                      <p:tavLst>
+                                        <p:tav tm="0">
+                                          <p:val>
+                                            <p:strVal val="#ppt_x"/>
+                                          </p:val>
+                                        </p:tav>
+                                        <p:tav tm="100000">
+                                          <p:val>
+                                            <p:strVal val="#ppt_x"/>
+                                          </p:val>
+                                        </p:tav>
+                                      </p:tavLst>
+                                    </p:anim>
+                                    <p:anim calcmode="lin" valueType="num">
+                                      <p:cBhvr additive="base">
+                                        <p:cTn id="20" dur="500" fill="hold"/>
+                                        <p:tgtEl>
+                                          <p:spTgt spid="3">
+                                            <p:txEl>
+                                              <p:pRg st="2" end="2"/>
+                                            </p:txEl>
+                                          </p:spTgt>
+                                        </p:tgtEl>
+                                        <p:attrNameLst>
+                                          <p:attrName>ppt_y</p:attrName>
+                                        </p:attrNameLst>
+                                      </p:cBhvr>
+                                      <p:tavLst>
+                                        <p:tav tm="0">
+                                          <p:val>
+                                            <p:strVal val="1+#ppt_h/2"/>
+                                          </p:val>
+                                        </p:tav>
+                                        <p:tav tm="100000">
+                                          <p:val>
+                                            <p:strVal val="#ppt_y"/>
+                                          </p:val>
+                                        </p:tav>
+                                      </p:tavLst>
+                                    </p:anim>
+                                  </p:childTnLst>
+                                </p:cTn>
+                              </p:par>
+                            </p:childTnLst>
+                          </p:cTn>
+                        </p:par>
+                      </p:childTnLst>
+                    </p:cTn>
+                  </p:par>
+                  <p:par>
+                    <p:cTn id="21" fill="hold">
+                      <p:stCondLst>
+                        <p:cond delay="indefinite"/>
+                      </p:stCondLst>
+                      <p:childTnLst>
+                        <p:par>
+                          <p:cTn id="22" fill="hold">
+                            <p:stCondLst>
+                              <p:cond delay="0"/>
+                            </p:stCondLst>
+                            <p:childTnLst>
+                              <p:par>
+                                <p:cTn id="23" presetID="2" presetClass="entr" presetSubtype="4" fill="hold" grpId="0" nodeType="clickEffect">
+                                  <p:stCondLst>
+                                    <p:cond delay="0"/>
+                                  </p:stCondLst>
+                                  <p:childTnLst>
+                                    <p:set>
+                                      <p:cBhvr>
+                                        <p:cTn id="24" dur="1" fill="hold">
+                                          <p:stCondLst>
+                                            <p:cond delay="0"/>
+                                          </p:stCondLst>
+                                        </p:cTn>
+                                        <p:tgtEl>
+                                          <p:spTgt spid="3">
+                                            <p:txEl>
+                                              <p:pRg st="3" end="3"/>
+                                            </p:txEl>
+                                          </p:spTgt>
+                                        </p:tgtEl>
+                                        <p:attrNameLst>
+                                          <p:attrName>style.visibility</p:attrName>
+                                        </p:attrNameLst>
+                                      </p:cBhvr>
+                                      <p:to>
+                                        <p:strVal val="visible"/>
+                                      </p:to>
+                                    </p:set>
+                                    <p:anim calcmode="lin" valueType="num">
+                                      <p:cBhvr additive="base">
+                                        <p:cTn id="25" dur="500" fill="hold"/>
+                                        <p:tgtEl>
+                                          <p:spTgt spid="3">
+                                            <p:txEl>
+                                              <p:pRg st="3" end="3"/>
+                                            </p:txEl>
+                                          </p:spTgt>
+                                        </p:tgtEl>
+                                        <p:attrNameLst>
+                                          <p:attrName>ppt_x</p:attrName>
+                                        </p:attrNameLst>
+                                      </p:cBhvr>
+                                      <p:tavLst>
+                                        <p:tav tm="0">
+                                          <p:val>
+                                            <p:strVal val="#ppt_x"/>
+                                          </p:val>
+                                        </p:tav>
+                                        <p:tav tm="100000">
+                                          <p:val>
+                                            <p:strVal val="#ppt_x"/>
+                                          </p:val>
+                                        </p:tav>
+                                      </p:tavLst>
+                                    </p:anim>
+                                    <p:anim calcmode="lin" valueType="num">
+                                      <p:cBhvr additive="base">
+                                        <p:cTn id="26" dur="500" fill="hold"/>
+                                        <p:tgtEl>
+                                          <p:spTgt spid="3">
+                                            <p:txEl>
+                                              <p:pRg st="3" end="3"/>
+                                            </p:txEl>
+                                          </p:spTgt>
+                                        </p:tgtEl>
+                                        <p:attrNameLst>
+                                          <p:attrName>ppt_y</p:attrName>
+                                        </p:attrNameLst>
+                                      </p:cBhvr>
+                                      <p:tavLst>
+                                        <p:tav tm="0">
+                                          <p:val>
+                                            <p:strVal val="1+#ppt_h/2"/>
+                                          </p:val>
+                                        </p:tav>
+                                        <p:tav tm="100000">
+                                          <p:val>
+                                            <p:strVal val="#ppt_y"/>
+                                          </p:val>
+                                        </p:tav>
+                                      </p:tavLst>
+                                    </p:anim>
+                                  </p:childTnLst>
+                                </p:cTn>
+                              </p:par>
+                            </p:childTnLst>
+                          </p:cTn>
+                        </p:par>
+                      </p:childTnLst>
+                    </p:cTn>
+                  </p:par>
+                  <p:par>
+                    <p:cTn id="27" fill="hold">
+                      <p:stCondLst>
+                        <p:cond delay="indefinite"/>
+                      </p:stCondLst>
+                      <p:childTnLst>
+                        <p:par>
+                          <p:cTn id="28" fill="hold">
+                            <p:stCondLst>
+                              <p:cond delay="0"/>
+                            </p:stCondLst>
+                            <p:childTnLst>
+                              <p:par>
+                                <p:cTn id="29" presetID="2" presetClass="entr" presetSubtype="4" fill="hold" grpId="0" nodeType="clickEffect">
+                                  <p:stCondLst>
+                                    <p:cond delay="0"/>
+                                  </p:stCondLst>
+                                  <p:childTnLst>
+                                    <p:set>
+                                      <p:cBhvr>
+                                        <p:cTn id="30" dur="1" fill="hold">
+                                          <p:stCondLst>
+                                            <p:cond delay="0"/>
+                                          </p:stCondLst>
+                                        </p:cTn>
+                                        <p:tgtEl>
+                                          <p:spTgt spid="3">
+                                            <p:txEl>
+                                              <p:pRg st="4" end="4"/>
+                                            </p:txEl>
+                                          </p:spTgt>
+                                        </p:tgtEl>
+                                        <p:attrNameLst>
+                                          <p:attrName>style.visibility</p:attrName>
+                                        </p:attrNameLst>
+                                      </p:cBhvr>
+                                      <p:to>
+                                        <p:strVal val="visible"/>
+                                      </p:to>
+                                    </p:set>
+                                    <p:anim calcmode="lin" valueType="num">
+                                      <p:cBhvr additive="base">
+                                        <p:cTn id="31" dur="500" fill="hold"/>
+                                        <p:tgtEl>
+                                          <p:spTgt spid="3">
+                                            <p:txEl>
+                                              <p:pRg st="4" end="4"/>
+                                            </p:txEl>
+                                          </p:spTgt>
+                                        </p:tgtEl>
+                                        <p:attrNameLst>
+                                          <p:attrName>ppt_x</p:attrName>
+                                        </p:attrNameLst>
+                                      </p:cBhvr>
+                                      <p:tavLst>
+                                        <p:tav tm="0">
+                                          <p:val>
+                                            <p:strVal val="#ppt_x"/>
+                                          </p:val>
+                                        </p:tav>
+                                        <p:tav tm="100000">
+                                          <p:val>
+                                            <p:strVal val="#ppt_x"/>
+                                          </p:val>
+                                        </p:tav>
+                                      </p:tavLst>
+                                    </p:anim>
+                                    <p:anim calcmode="lin" valueType="num">
+                                      <p:cBhvr additive="base">
+                                        <p:cTn id="32" dur="500" fill="hold"/>
+                                        <p:tgtEl>
+                                          <p:spTgt spid="3">
+                                            <p:txEl>
+                                              <p:pRg st="4" end="4"/>
+                                            </p:txEl>
+                                          </p:spTgt>
+                                        </p:tgtEl>
+                                        <p:attrNameLst>
+                                          <p:attrName>ppt_y</p:attrName>
+                                        </p:attrNameLst>
+                                      </p:cBhvr>
+                                      <p:tavLst>
+                                        <p:tav tm="0">
+                                          <p:val>
+                                            <p:strVal val="1+#ppt_h/2"/>
+                                          </p:val>
+                                        </p:tav>
+                                        <p:tav tm="100000">
+                                          <p:val>
+                                            <p:strVal val="#ppt_y"/>
+                                          </p:val>
+                                        </p:tav>
+                                      </p:tavLst>
+                                    </p:anim>
+                                  </p:childTnLst>
+                                </p:cTn>
+                              </p:par>
+                            </p:childTnLst>
+                          </p:cTn>
+                        </p:par>
+                      </p:childTnLst>
+                    </p:cTn>
+                  </p:par>
+                  <p:par>
+                    <p:cTn id="33" fill="hold">
+                      <p:stCondLst>
+                        <p:cond delay="indefinite"/>
+                      </p:stCondLst>
+                      <p:childTnLst>
+                        <p:par>
+                          <p:cTn id="34" fill="hold">
+                            <p:stCondLst>
+                              <p:cond delay="0"/>
+                            </p:stCondLst>
+                            <p:childTnLst>
+                              <p:par>
+                                <p:cTn id="35" presetID="2" presetClass="entr" presetSubtype="4" fill="hold" grpId="0" nodeType="clickEffect">
+                                  <p:stCondLst>
+                                    <p:cond delay="0"/>
+                                  </p:stCondLst>
+                                  <p:childTnLst>
+                                    <p:set>
+                                      <p:cBhvr>
+                                        <p:cTn id="36" dur="1" fill="hold">
+                                          <p:stCondLst>
+                                            <p:cond delay="0"/>
+                                          </p:stCondLst>
+                                        </p:cTn>
+                                        <p:tgtEl>
+                                          <p:spTgt spid="3">
+                                            <p:txEl>
+                                              <p:pRg st="5" end="5"/>
+                                            </p:txEl>
+                                          </p:spTgt>
+                                        </p:tgtEl>
+                                        <p:attrNameLst>
+                                          <p:attrName>style.visibility</p:attrName>
+                                        </p:attrNameLst>
+                                      </p:cBhvr>
+                                      <p:to>
+                                        <p:strVal val="visible"/>
+                                      </p:to>
+                                    </p:set>
+                                    <p:anim calcmode="lin" valueType="num">
+                                      <p:cBhvr additive="base">
+                                        <p:cTn id="37" dur="500" fill="hold"/>
+                                        <p:tgtEl>
+                                          <p:spTgt spid="3">
+                                            <p:txEl>
+                                              <p:pRg st="5" end="5"/>
+                                            </p:txEl>
+                                          </p:spTgt>
+                                        </p:tgtEl>
+                                        <p:attrNameLst>
+                                          <p:attrName>ppt_x</p:attrName>
+                                        </p:attrNameLst>
+                                      </p:cBhvr>
+                                      <p:tavLst>
+                                        <p:tav tm="0">
+                                          <p:val>
+                                            <p:strVal val="#ppt_x"/>
+                                          </p:val>
+                                        </p:tav>
+                                        <p:tav tm="100000">
+                                          <p:val>
+                                            <p:strVal val="#ppt_x"/>
+                                          </p:val>
+                                        </p:tav>
+                                      </p:tavLst>
+                                    </p:anim>
+                                    <p:anim calcmode="lin" valueType="num">
+                                      <p:cBhvr additive="base">
+                                        <p:cTn id="38" dur="500" fill="hold"/>
+                                        <p:tgtEl>
+                                          <p:spTgt spid="3">
+                                            <p:txEl>
+                                              <p:pRg st="5" end="5"/>
+                                            </p:txEl>
+                                          </p:spTgt>
+                                        </p:tgtEl>
+                                        <p:attrNameLst>
+                                          <p:attrName>ppt_y</p:attrName>
+                                        </p:attrNameLst>
+                                      </p:cBhvr>
+                                      <p:tavLst>
+                                        <p:tav tm="0">
+                                          <p:val>
+                                            <p:strVal val="1+#ppt_h/2"/>
+                                          </p:val>
+                                        </p:tav>
+                                        <p:tav tm="100000">
+                                          <p:val>
+                                            <p:strVal val="#ppt_y"/>
+                                          </p:val>
+                                        </p:tav>
+                                      </p:tavLst>
+                                    </p:anim>
+                                  </p:childTnLst>
+                                </p:cTn>
+                              </p:par>
+                            </p:childTnLst>
+                          </p:cTn>
+                        </p:par>
+                      </p:childTnLst>
+                    </p:cTn>
+                  </p:par>
+                  <p:par>
+                    <p:cTn id="39" fill="hold">
+                      <p:stCondLst>
+                        <p:cond delay="indefinite"/>
+                      </p:stCondLst>
+                      <p:childTnLst>
+                        <p:par>
+                          <p:cTn id="40" fill="hold">
+                            <p:stCondLst>
+                              <p:cond delay="0"/>
+                            </p:stCondLst>
+                            <p:childTnLst>
+                              <p:par>
+                                <p:cTn id="41" presetID="2" presetClass="entr" presetSubtype="4" fill="hold" grpId="0" nodeType="clickEffect">
+                                  <p:stCondLst>
+                                    <p:cond delay="0"/>
+                                  </p:stCondLst>
+                                  <p:childTnLst>
+                                    <p:set>
+                                      <p:cBhvr>
+                                        <p:cTn id="42" dur="1" fill="hold">
+                                          <p:stCondLst>
+                                            <p:cond delay="0"/>
+                                          </p:stCondLst>
+                                        </p:cTn>
+                                        <p:tgtEl>
+                                          <p:spTgt spid="3">
+                                            <p:txEl>
+                                              <p:pRg st="6" end="6"/>
+                                            </p:txEl>
+                                          </p:spTgt>
+                                        </p:tgtEl>
+                                        <p:attrNameLst>
+                                          <p:attrName>style.visibility</p:attrName>
+                                        </p:attrNameLst>
+                                      </p:cBhvr>
+                                      <p:to>
+                                        <p:strVal val="visible"/>
+                                      </p:to>
+                                    </p:set>
+                                    <p:anim calcmode="lin" valueType="num">
+                                      <p:cBhvr additive="base">
+                                        <p:cTn id="43" dur="500" fill="hold"/>
+                                        <p:tgtEl>
+                                          <p:spTgt spid="3">
+                                            <p:txEl>
+                                              <p:pRg st="6" end="6"/>
+                                            </p:txEl>
+                                          </p:spTgt>
+                                        </p:tgtEl>
+                                        <p:attrNameLst>
+                                          <p:attrName>ppt_x</p:attrName>
+                                        </p:attrNameLst>
+                                      </p:cBhvr>
+                                      <p:tavLst>
+                                        <p:tav tm="0">
+                                          <p:val>
+                                            <p:strVal val="#ppt_x"/>
+                                          </p:val>
+                                        </p:tav>
+                                        <p:tav tm="100000">
+                                          <p:val>
+                                            <p:strVal val="#ppt_x"/>
+                                          </p:val>
+                                        </p:tav>
+                                      </p:tavLst>
+                                    </p:anim>
+                                    <p:anim calcmode="lin" valueType="num">
+                                      <p:cBhvr additive="base">
+                                        <p:cTn id="44" dur="500" fill="hold"/>
+                                        <p:tgtEl>
+                                          <p:spTgt spid="3">
+                                            <p:txEl>
+                                              <p:pRg st="6" end="6"/>
+                                            </p:txEl>
+                                          </p:spTgt>
+                                        </p:tgtEl>
+                                        <p:attrNameLst>
+                                          <p:attrName>ppt_y</p:attrName>
+                                        </p:attrNameLst>
+                                      </p:cBhvr>
+                                      <p:tavLst>
+                                        <p:tav tm="0">
+                                          <p:val>
+                                            <p:strVal val="1+#ppt_h/2"/>
+                                          </p:val>
+                                        </p:tav>
+                                        <p:tav tm="100000">
+                                          <p:val>
+                                            <p:strVal val="#ppt_y"/>
+                                          </p:val>
+                                        </p:tav>
+                                      </p:tavLst>
+                                    </p:anim>
+                                  </p:childTnLst>
+                                </p:cTn>
+                              </p:par>
+                            </p:childTnLst>
+                          </p:cTn>
+                        </p:par>
+                      </p:childTnLst>
+                    </p:cTn>
+                  </p:par>
+                  <p:par>
+                    <p:cTn id="45" fill="hold">
+                      <p:stCondLst>
+                        <p:cond delay="indefinite"/>
+                      </p:stCondLst>
+                      <p:childTnLst>
+                        <p:par>
+                          <p:cTn id="46" fill="hold">
+                            <p:stCondLst>
+                              <p:cond delay="0"/>
+                            </p:stCondLst>
+                            <p:childTnLst>
+                              <p:par>
+                                <p:cTn id="47" presetID="2" presetClass="entr" presetSubtype="4" fill="hold" grpId="0" nodeType="clickEffect">
+                                  <p:stCondLst>
+                                    <p:cond delay="0"/>
+                                  </p:stCondLst>
+                                  <p:childTnLst>
+                                    <p:set>
+                                      <p:cBhvr>
+                                        <p:cTn id="48" dur="1" fill="hold">
+                                          <p:stCondLst>
+                                            <p:cond delay="0"/>
+                                          </p:stCondLst>
+                                        </p:cTn>
+                                        <p:tgtEl>
+                                          <p:spTgt spid="3">
+                                            <p:txEl>
+                                              <p:pRg st="7" end="7"/>
+                                            </p:txEl>
+                                          </p:spTgt>
+                                        </p:tgtEl>
+                                        <p:attrNameLst>
+                                          <p:attrName>style.visibility</p:attrName>
+                                        </p:attrNameLst>
+                                      </p:cBhvr>
+                                      <p:to>
+                                        <p:strVal val="visible"/>
+                                      </p:to>
+                                    </p:set>
+                                    <p:anim calcmode="lin" valueType="num">
+                                      <p:cBhvr additive="base">
+                                        <p:cTn id="49" dur="500" fill="hold"/>
+                                        <p:tgtEl>
+                                          <p:spTgt spid="3">
+                                            <p:txEl>
+                                              <p:pRg st="7" end="7"/>
+                                            </p:txEl>
+                                          </p:spTgt>
+                                        </p:tgtEl>
+                                        <p:attrNameLst>
+                                          <p:attrName>ppt_x</p:attrName>
+                                        </p:attrNameLst>
+                                      </p:cBhvr>
+                                      <p:tavLst>
+                                        <p:tav tm="0">
+                                          <p:val>
+                                            <p:strVal val="#ppt_x"/>
+                                          </p:val>
+                                        </p:tav>
+                                        <p:tav tm="100000">
+                                          <p:val>
+                                            <p:strVal val="#ppt_x"/>
+                                          </p:val>
+                                        </p:tav>
+                                      </p:tavLst>
+                                    </p:anim>
+                                    <p:anim calcmode="lin" valueType="num">
+                                      <p:cBhvr additive="base">
+                                        <p:cTn id="50" dur="500" fill="hold"/>
+                                        <p:tgtEl>
+                                          <p:spTgt spid="3">
+                                            <p:txEl>
+                                              <p:pRg st="7" end="7"/>
+                                            </p:txEl>
+                                          </p:spTgt>
+                                        </p:tgtEl>
+                                        <p:attrNameLst>
+                                          <p:attrName>ppt_y</p:attrName>
+                                        </p:attrNameLst>
+                                      </p:cBhvr>
+                                      <p:tavLst>
+                                        <p:tav tm="0">
+                                          <p:val>
+                                            <p:strVal val="1+#ppt_h/2"/>
+                                          </p:val>
+                                        </p:tav>
+                                        <p:tav tm="100000">
+                                          <p:val>
+                                            <p:strVal val="#ppt_y"/>
+                                          </p:val>
+                                        </p:tav>
+                                      </p:tavLst>
+                                    </p:anim>
+                                  </p:childTnLst>
+                                </p:cTn>
+                              </p:par>
+                            </p:childTnLst>
+                          </p:cTn>
+                        </p:par>
+                      </p:childTnLst>
+                    </p:cTn>
+                  </p:par>
+                  <p:par>
+                    <p:cTn id="51" fill="hold">
+                      <p:stCondLst>
+                        <p:cond delay="indefinite"/>
+                      </p:stCondLst>
+                      <p:childTnLst>
+                        <p:par>
+                          <p:cTn id="52" fill="hold">
+                            <p:stCondLst>
+                              <p:cond delay="0"/>
+                            </p:stCondLst>
+                            <p:childTnLst>
+                              <p:par>
+                                <p:cTn id="53" presetID="2" presetClass="entr" presetSubtype="4" fill="hold" grpId="0" nodeType="clickEffect">
+                                  <p:stCondLst>
+                                    <p:cond delay="0"/>
+                                  </p:stCondLst>
+                                  <p:childTnLst>
+                                    <p:set>
+                                      <p:cBhvr>
+                                        <p:cTn id="54" dur="1" fill="hold">
+                                          <p:stCondLst>
+                                            <p:cond delay="0"/>
+                                          </p:stCondLst>
+                                        </p:cTn>
+                                        <p:tgtEl>
+                                          <p:spTgt spid="3">
+                                            <p:txEl>
+                                              <p:pRg st="8" end="8"/>
+                                            </p:txEl>
+                                          </p:spTgt>
+                                        </p:tgtEl>
+                                        <p:attrNameLst>
+                                          <p:attrName>style.visibility</p:attrName>
+                                        </p:attrNameLst>
+                                      </p:cBhvr>
+                                      <p:to>
+                                        <p:strVal val="visible"/>
+                                      </p:to>
+                                    </p:set>
+                                    <p:anim calcmode="lin" valueType="num">
+                                      <p:cBhvr additive="base">
+                                        <p:cTn id="55" dur="500" fill="hold"/>
+                                        <p:tgtEl>
+                                          <p:spTgt spid="3">
+                                            <p:txEl>
+                                              <p:pRg st="8" end="8"/>
+                                            </p:txEl>
+                                          </p:spTgt>
+                                        </p:tgtEl>
+                                        <p:attrNameLst>
+                                          <p:attrName>ppt_x</p:attrName>
+                                        </p:attrNameLst>
+                                      </p:cBhvr>
+                                      <p:tavLst>
+                                        <p:tav tm="0">
+                                          <p:val>
+                                            <p:strVal val="#ppt_x"/>
+                                          </p:val>
+                                        </p:tav>
+                                        <p:tav tm="100000">
+                                          <p:val>
+                                            <p:strVal val="#ppt_x"/>
+                                          </p:val>
+                                        </p:tav>
+                                      </p:tavLst>
+                                    </p:anim>
+                                    <p:anim calcmode="lin" valueType="num">
+                                      <p:cBhvr additive="base">
+                                        <p:cTn id="56" dur="500" fill="hold"/>
+                                        <p:tgtEl>
+                                          <p:spTgt spid="3">
+                                            <p:txEl>
+                                              <p:pRg st="8" end="8"/>
+                                            </p:txEl>
+                                          </p:spTgt>
+                                        </p:tgtEl>
+                                        <p:attrNameLst>
+                                          <p:attrName>ppt_y</p:attrName>
+                                        </p:attrNameLst>
+                                      </p:cBhvr>
+                                      <p:tavLst>
+                                        <p:tav tm="0">
+                                          <p:val>
+                                            <p:strVal val="1+#ppt_h/2"/>
+                                          </p:val>
+                                        </p:tav>
+                                        <p:tav tm="100000">
+                                          <p:val>
+                                            <p:strVal val="#ppt_y"/>
+                                          </p:val>
+                                        </p:tav>
+                                      </p:tavLst>
+                                    </p:anim>
+                                  </p:childTnLst>
+                                </p:cTn>
+                              </p:par>
+                            </p:childTnLst>
+                          </p:cTn>
+                        </p:par>
+                      </p:childTnLst>
+                    </p:cTn>
+                  </p:par>
+                  <p:par>
+                    <p:cTn id="57" fill="hold">
+                      <p:stCondLst>
+                        <p:cond delay="indefinite"/>
+                      </p:stCondLst>
+                      <p:childTnLst>
+                        <p:par>
+                          <p:cTn id="58" fill="hold">
+                            <p:stCondLst>
+                              <p:cond delay="0"/>
+                            </p:stCondLst>
+                            <p:childTnLst>
+                              <p:par>
+                                <p:cTn id="59" presetID="2" presetClass="entr" presetSubtype="4" fill="hold" grpId="0" nodeType="clickEffect">
+                                  <p:stCondLst>
+                                    <p:cond delay="0"/>
+                                  </p:stCondLst>
+                                  <p:childTnLst>
+                                    <p:set>
+                                      <p:cBhvr>
+                                        <p:cTn id="60" dur="1" fill="hold">
+                                          <p:stCondLst>
+                                            <p:cond delay="0"/>
+                                          </p:stCondLst>
+                                        </p:cTn>
+                                        <p:tgtEl>
+                                          <p:spTgt spid="3">
+                                            <p:txEl>
+                                              <p:pRg st="9" end="9"/>
+                                            </p:txEl>
+                                          </p:spTgt>
+                                        </p:tgtEl>
+                                        <p:attrNameLst>
+                                          <p:attrName>style.visibility</p:attrName>
+                                        </p:attrNameLst>
+                                      </p:cBhvr>
+                                      <p:to>
+                                        <p:strVal val="visible"/>
+                                      </p:to>
+                                    </p:set>
+                                    <p:anim calcmode="lin" valueType="num">
+                                      <p:cBhvr additive="base">
+                                        <p:cTn id="61" dur="500" fill="hold"/>
+                                        <p:tgtEl>
+                                          <p:spTgt spid="3">
+                                            <p:txEl>
+                                              <p:pRg st="9" end="9"/>
+                                            </p:txEl>
+                                          </p:spTgt>
+                                        </p:tgtEl>
+                                        <p:attrNameLst>
+                                          <p:attrName>ppt_x</p:attrName>
+                                        </p:attrNameLst>
+                                      </p:cBhvr>
+                                      <p:tavLst>
+                                        <p:tav tm="0">
+                                          <p:val>
+                                            <p:strVal val="#ppt_x"/>
+                                          </p:val>
+                                        </p:tav>
+                                        <p:tav tm="100000">
+                                          <p:val>
+                                            <p:strVal val="#ppt_x"/>
+                                          </p:val>
+                                        </p:tav>
+                                      </p:tavLst>
+                                    </p:anim>
+                                    <p:anim calcmode="lin" valueType="num">
+                                      <p:cBhvr additive="base">
+                                        <p:cTn id="62" dur="500" fill="hold"/>
+                                        <p:tgtEl>
+                                          <p:spTgt spid="3">
+                                            <p:txEl>
+                                              <p:pRg st="9" end="9"/>
+                                            </p:txEl>
+                                          </p:spTgt>
+                                        </p:tgtEl>
+                                        <p:attrNameLst>
+                                          <p:attrName>ppt_y</p:attrName>
+                                        </p:attrNameLst>
+                                      </p:cBhvr>
+                                      <p:tavLst>
+                                        <p:tav tm="0">
+                                          <p:val>
+                                            <p:strVal val="1+#ppt_h/2"/>
+                                          </p:val>
+                                        </p:tav>
+                                        <p:tav tm="100000">
+                                          <p:val>
+                                            <p:strVal val="#ppt_y"/>
+                                          </p:val>
+                                        </p:tav>
+                                      </p:tavLst>
+                                    </p:anim>
+                                  </p:childTnLst>
+                                </p:cTn>
+                              </p:par>
+                            </p:childTnLst>
+                          </p:cTn>
+                        </p:par>
+                      </p:childTnLst>
+                    </p:cTn>
+                  </p:par>
+                </p:childTnLst>
+              </p:cTn>
+              <p:prevCondLst>
+                <p:cond evt="onPrev" delay="0">
+                  <p:tgtEl>
+                    <p:sldTgt/>
+                  </p:tgtEl>
+                </p:cond>
+              </p:prevCondLst>
+              <p:nextCondLst>
+                <p:cond evt="onNext" delay="0">
+                  <p:tgtEl>
+                    <p:sldTgt/>
+                  </p:tgtEl>
+                </p:cond>
+              </p:nextCondLst>
+            </p:seq>
+          </p:childTnLst>
+        </p:cTn>
+      </p:par>
+    </p:tnLst>
+    <p:bldLst>
+      <p:bldP spid="3" grpId="0" build="p"/>
+    </p:bldLst>
+  </p:timing>
 </p:sld>
 </file>
 
@@ -39229,14 +39517,13 @@
           <a:lstStyle/>
           <a:p>
             <a:r>
-              <a:rPr lang="ru-RU" dirty="0" smtClean="0"/>
+              <a:rPr lang="ru-RU" dirty="0"/>
               <a:t>Зачем писать анализаторы</a:t>
             </a:r>
             <a:r>
-              <a:rPr lang="en-US" dirty="0" smtClean="0"/>
+              <a:rPr lang="en-US" dirty="0"/>
               <a:t>?</a:t>
             </a:r>
-            <a:endParaRPr lang="en-US" dirty="0"/>
           </a:p>
         </p:txBody>
       </p:sp>
@@ -40052,7 +40339,7 @@
         <p:spPr/>
         <p:txBody>
           <a:bodyPr vert="horz" lIns="91440" tIns="45720" rIns="91440" bIns="45720" rtlCol="0" anchor="b">
-            <a:normAutofit fontScale="90000"/>
+            <a:normAutofit/>
           </a:bodyPr>
           <a:lstStyle/>
           <a:p>
@@ -40529,10 +40816,6 @@
               </a:rPr>
               <a:t>ШПАРГАЛКА №1:</a:t>
             </a:r>
-            <a:r>
-              <a:rPr lang="ru-RU" sz="3600" dirty="0"/>
-              <a:t/>
-            </a:r>
             <a:br>
               <a:rPr lang="ru-RU" sz="3600" dirty="0"/>
             </a:br>
@@ -40751,10 +41034,6 @@
               </a:rPr>
               <a:t>Неочевидность №1:</a:t>
             </a:r>
-            <a:r>
-              <a:rPr lang="ru-RU" dirty="0"/>
-              <a:t/>
-            </a:r>
             <a:br>
               <a:rPr lang="ru-RU" dirty="0"/>
             </a:br>
@@ -40968,10 +41247,6 @@
               </a:rPr>
               <a:t>НЕОЧЕВИДНОСТЬ №2:</a:t>
             </a:r>
-            <a:r>
-              <a:rPr lang="ru-RU" dirty="0"/>
-              <a:t/>
-            </a:r>
             <a:br>
               <a:rPr lang="ru-RU" dirty="0"/>
             </a:br>
@@ -41148,10 +41423,6 @@
                 </a:solidFill>
               </a:rPr>
               <a:t>Неочевидность №3:</a:t>
-            </a:r>
-            <a:r>
-              <a:rPr lang="ru-RU" dirty="0"/>
-              <a:t/>
             </a:r>
             <a:br>
               <a:rPr lang="ru-RU" dirty="0"/>

--- a/P.pptx
+++ b/P.pptx
@@ -6736,6 +6736,13 @@
         </dgm:presLayoutVars>
       </dgm:prSet>
       <dgm:spPr/>
+      <dgm:t>
+        <a:bodyPr/>
+        <a:lstStyle/>
+        <a:p>
+          <a:endParaRPr lang="en-US"/>
+        </a:p>
+      </dgm:t>
     </dgm:pt>
     <dgm:pt modelId="{BE83DB6E-018E-425C-A7C4-2646E15AC60C}" type="pres">
       <dgm:prSet presAssocID="{5F339ECB-A28D-4485-972D-012D6096F6BE}" presName="compositeNode" presStyleCnt="0">
@@ -6748,6 +6755,13 @@
     <dgm:pt modelId="{1FDF116F-3E29-4238-8712-2FEF338D9668}" type="pres">
       <dgm:prSet presAssocID="{5F339ECB-A28D-4485-972D-012D6096F6BE}" presName="bgRect" presStyleLbl="bgAccFollowNode1" presStyleIdx="0" presStyleCnt="3"/>
       <dgm:spPr/>
+      <dgm:t>
+        <a:bodyPr/>
+        <a:lstStyle/>
+        <a:p>
+          <a:endParaRPr lang="en-US"/>
+        </a:p>
+      </dgm:t>
     </dgm:pt>
     <dgm:pt modelId="{C8A243DA-7176-4C9C-B13C-C49B9D999CBC}" type="pres">
       <dgm:prSet presAssocID="{B91705A0-DF57-44A8-8383-112528AD4749}" presName="sibTransNodeCircle" presStyleLbl="alignNode1" presStyleIdx="0" presStyleCnt="6">
@@ -6757,6 +6771,13 @@
         </dgm:presLayoutVars>
       </dgm:prSet>
       <dgm:spPr/>
+      <dgm:t>
+        <a:bodyPr/>
+        <a:lstStyle/>
+        <a:p>
+          <a:endParaRPr lang="en-US"/>
+        </a:p>
+      </dgm:t>
     </dgm:pt>
     <dgm:pt modelId="{69408238-D25C-4975-9BB2-D27F3197305C}" type="pres">
       <dgm:prSet presAssocID="{5F339ECB-A28D-4485-972D-012D6096F6BE}" presName="bottomLine" presStyleLbl="alignNode1" presStyleIdx="1" presStyleCnt="6">
@@ -6771,6 +6792,13 @@
         </dgm:presLayoutVars>
       </dgm:prSet>
       <dgm:spPr/>
+      <dgm:t>
+        <a:bodyPr/>
+        <a:lstStyle/>
+        <a:p>
+          <a:endParaRPr lang="en-US"/>
+        </a:p>
+      </dgm:t>
     </dgm:pt>
     <dgm:pt modelId="{BBCE2C01-599A-4812-AE9F-8514E85B313C}" type="pres">
       <dgm:prSet presAssocID="{B91705A0-DF57-44A8-8383-112528AD4749}" presName="sibTrans" presStyleCnt="0"/>
@@ -6787,6 +6815,13 @@
     <dgm:pt modelId="{4A077E0F-CD31-4114-BD60-CC0437AF6827}" type="pres">
       <dgm:prSet presAssocID="{0C6A49FF-420E-460A-9F69-B5744BB1A579}" presName="bgRect" presStyleLbl="bgAccFollowNode1" presStyleIdx="1" presStyleCnt="3"/>
       <dgm:spPr/>
+      <dgm:t>
+        <a:bodyPr/>
+        <a:lstStyle/>
+        <a:p>
+          <a:endParaRPr lang="en-US"/>
+        </a:p>
+      </dgm:t>
     </dgm:pt>
     <dgm:pt modelId="{EC3FB66E-F6A4-4D9F-BC28-6B6B4C56D8A1}" type="pres">
       <dgm:prSet presAssocID="{C04CA310-BE41-4783-A867-5839A6C048BB}" presName="sibTransNodeCircle" presStyleLbl="alignNode1" presStyleIdx="2" presStyleCnt="6">
@@ -6796,6 +6831,13 @@
         </dgm:presLayoutVars>
       </dgm:prSet>
       <dgm:spPr/>
+      <dgm:t>
+        <a:bodyPr/>
+        <a:lstStyle/>
+        <a:p>
+          <a:endParaRPr lang="en-US"/>
+        </a:p>
+      </dgm:t>
     </dgm:pt>
     <dgm:pt modelId="{D7B64B7D-96EE-4F02-A97A-EDB7DA066AF6}" type="pres">
       <dgm:prSet presAssocID="{0C6A49FF-420E-460A-9F69-B5744BB1A579}" presName="bottomLine" presStyleLbl="alignNode1" presStyleIdx="3" presStyleCnt="6">
@@ -6810,6 +6852,13 @@
         </dgm:presLayoutVars>
       </dgm:prSet>
       <dgm:spPr/>
+      <dgm:t>
+        <a:bodyPr/>
+        <a:lstStyle/>
+        <a:p>
+          <a:endParaRPr lang="en-US"/>
+        </a:p>
+      </dgm:t>
     </dgm:pt>
     <dgm:pt modelId="{5070CD1A-F294-4399-8659-1F607FB9BE61}" type="pres">
       <dgm:prSet presAssocID="{C04CA310-BE41-4783-A867-5839A6C048BB}" presName="sibTrans" presStyleCnt="0"/>
@@ -6826,6 +6875,13 @@
     <dgm:pt modelId="{1D271FC5-7E62-4951-91AC-9D950D21D4A6}" type="pres">
       <dgm:prSet presAssocID="{6F079F10-D8F0-4DDB-B93D-2B0F303C521A}" presName="bgRect" presStyleLbl="bgAccFollowNode1" presStyleIdx="2" presStyleCnt="3"/>
       <dgm:spPr/>
+      <dgm:t>
+        <a:bodyPr/>
+        <a:lstStyle/>
+        <a:p>
+          <a:endParaRPr lang="en-US"/>
+        </a:p>
+      </dgm:t>
     </dgm:pt>
     <dgm:pt modelId="{FD968A71-A0CE-44C0-AEB3-036CB072C54E}" type="pres">
       <dgm:prSet presAssocID="{BB400345-5542-4EE7-8045-A837ABBA4E45}" presName="sibTransNodeCircle" presStyleLbl="alignNode1" presStyleIdx="4" presStyleCnt="6">
@@ -6835,6 +6891,13 @@
         </dgm:presLayoutVars>
       </dgm:prSet>
       <dgm:spPr/>
+      <dgm:t>
+        <a:bodyPr/>
+        <a:lstStyle/>
+        <a:p>
+          <a:endParaRPr lang="en-US"/>
+        </a:p>
+      </dgm:t>
     </dgm:pt>
     <dgm:pt modelId="{4A6A5375-00A5-429B-85D8-02801088317F}" type="pres">
       <dgm:prSet presAssocID="{6F079F10-D8F0-4DDB-B93D-2B0F303C521A}" presName="bottomLine" presStyleLbl="alignNode1" presStyleIdx="5" presStyleCnt="6">
@@ -6849,22 +6912,29 @@
         </dgm:presLayoutVars>
       </dgm:prSet>
       <dgm:spPr/>
+      <dgm:t>
+        <a:bodyPr/>
+        <a:lstStyle/>
+        <a:p>
+          <a:endParaRPr lang="en-US"/>
+        </a:p>
+      </dgm:t>
     </dgm:pt>
   </dgm:ptLst>
   <dgm:cxnLst>
     <dgm:cxn modelId="{F585081B-DE49-43B0-9855-188F9E4ECE4F}" type="presOf" srcId="{0C6A49FF-420E-460A-9F69-B5744BB1A579}" destId="{4A077E0F-CD31-4114-BD60-CC0437AF6827}" srcOrd="0" destOrd="0" presId="urn:microsoft.com/office/officeart/2016/7/layout/BasicLinearProcessNumbered"/>
+    <dgm:cxn modelId="{6056ED58-2E50-408B-8669-67A854B00BC7}" srcId="{B526DCB3-1416-49A4-AE0C-03F42AB2B7A9}" destId="{6F079F10-D8F0-4DDB-B93D-2B0F303C521A}" srcOrd="2" destOrd="0" parTransId="{CA2DB711-2CFE-48B8-A0AB-ED15D527442F}" sibTransId="{BB400345-5542-4EE7-8045-A837ABBA4E45}"/>
+    <dgm:cxn modelId="{A8B1FDCE-F645-4BBE-B4A6-9C6AAC4B2381}" type="presOf" srcId="{5F339ECB-A28D-4485-972D-012D6096F6BE}" destId="{1FDF116F-3E29-4238-8712-2FEF338D9668}" srcOrd="0" destOrd="0" presId="urn:microsoft.com/office/officeart/2016/7/layout/BasicLinearProcessNumbered"/>
+    <dgm:cxn modelId="{BA8ECD65-61F8-4C05-BDDF-734E4CBF4235}" srcId="{B526DCB3-1416-49A4-AE0C-03F42AB2B7A9}" destId="{5F339ECB-A28D-4485-972D-012D6096F6BE}" srcOrd="0" destOrd="0" parTransId="{4C4AE10A-E914-451F-B6F4-7D2D9ED34C50}" sibTransId="{B91705A0-DF57-44A8-8383-112528AD4749}"/>
+    <dgm:cxn modelId="{21EAC2FB-22DE-430D-B761-C94DC990D3B0}" type="presOf" srcId="{6F079F10-D8F0-4DDB-B93D-2B0F303C521A}" destId="{92B5D44F-34F1-447F-864E-2EA19A79A808}" srcOrd="1" destOrd="0" presId="urn:microsoft.com/office/officeart/2016/7/layout/BasicLinearProcessNumbered"/>
+    <dgm:cxn modelId="{75714E3D-C62E-4660-BDED-FA102AFEC4FA}" type="presOf" srcId="{C04CA310-BE41-4783-A867-5839A6C048BB}" destId="{EC3FB66E-F6A4-4D9F-BC28-6B6B4C56D8A1}" srcOrd="0" destOrd="0" presId="urn:microsoft.com/office/officeart/2016/7/layout/BasicLinearProcessNumbered"/>
+    <dgm:cxn modelId="{BCF935A6-0F31-4311-8424-8DC5DE015D0E}" srcId="{B526DCB3-1416-49A4-AE0C-03F42AB2B7A9}" destId="{0C6A49FF-420E-460A-9F69-B5744BB1A579}" srcOrd="1" destOrd="0" parTransId="{2B0E24CE-A873-4A6B-97A2-DF0F5DCCD2C2}" sibTransId="{C04CA310-BE41-4783-A867-5839A6C048BB}"/>
+    <dgm:cxn modelId="{FE696E5F-8E39-4B67-B6C7-36C824DF4246}" type="presOf" srcId="{B526DCB3-1416-49A4-AE0C-03F42AB2B7A9}" destId="{46404BEE-81C8-4247-A2D8-4F3B08BA9962}" srcOrd="0" destOrd="0" presId="urn:microsoft.com/office/officeart/2016/7/layout/BasicLinearProcessNumbered"/>
+    <dgm:cxn modelId="{3D134EFD-96A5-4F5F-A058-71B38C2D3055}" type="presOf" srcId="{0C6A49FF-420E-460A-9F69-B5744BB1A579}" destId="{A8DBDE4B-8505-44F8-BC68-39339A11C373}" srcOrd="1" destOrd="0" presId="urn:microsoft.com/office/officeart/2016/7/layout/BasicLinearProcessNumbered"/>
+    <dgm:cxn modelId="{67B05744-8AAC-42AB-99E9-D1EFC836E7B3}" type="presOf" srcId="{6F079F10-D8F0-4DDB-B93D-2B0F303C521A}" destId="{1D271FC5-7E62-4951-91AC-9D950D21D4A6}" srcOrd="0" destOrd="0" presId="urn:microsoft.com/office/officeart/2016/7/layout/BasicLinearProcessNumbered"/>
     <dgm:cxn modelId="{26877622-CEA5-4AC7-AA61-5650DEF62C4A}" type="presOf" srcId="{BB400345-5542-4EE7-8045-A837ABBA4E45}" destId="{FD968A71-A0CE-44C0-AEB3-036CB072C54E}" srcOrd="0" destOrd="0" presId="urn:microsoft.com/office/officeart/2016/7/layout/BasicLinearProcessNumbered"/>
-    <dgm:cxn modelId="{75714E3D-C62E-4660-BDED-FA102AFEC4FA}" type="presOf" srcId="{C04CA310-BE41-4783-A867-5839A6C048BB}" destId="{EC3FB66E-F6A4-4D9F-BC28-6B6B4C56D8A1}" srcOrd="0" destOrd="0" presId="urn:microsoft.com/office/officeart/2016/7/layout/BasicLinearProcessNumbered"/>
-    <dgm:cxn modelId="{FE696E5F-8E39-4B67-B6C7-36C824DF4246}" type="presOf" srcId="{B526DCB3-1416-49A4-AE0C-03F42AB2B7A9}" destId="{46404BEE-81C8-4247-A2D8-4F3B08BA9962}" srcOrd="0" destOrd="0" presId="urn:microsoft.com/office/officeart/2016/7/layout/BasicLinearProcessNumbered"/>
-    <dgm:cxn modelId="{67B05744-8AAC-42AB-99E9-D1EFC836E7B3}" type="presOf" srcId="{6F079F10-D8F0-4DDB-B93D-2B0F303C521A}" destId="{1D271FC5-7E62-4951-91AC-9D950D21D4A6}" srcOrd="0" destOrd="0" presId="urn:microsoft.com/office/officeart/2016/7/layout/BasicLinearProcessNumbered"/>
-    <dgm:cxn modelId="{BA8ECD65-61F8-4C05-BDDF-734E4CBF4235}" srcId="{B526DCB3-1416-49A4-AE0C-03F42AB2B7A9}" destId="{5F339ECB-A28D-4485-972D-012D6096F6BE}" srcOrd="0" destOrd="0" parTransId="{4C4AE10A-E914-451F-B6F4-7D2D9ED34C50}" sibTransId="{B91705A0-DF57-44A8-8383-112528AD4749}"/>
+    <dgm:cxn modelId="{CD70E4E1-CE47-457E-8869-048134AEC81C}" type="presOf" srcId="{B91705A0-DF57-44A8-8383-112528AD4749}" destId="{C8A243DA-7176-4C9C-B13C-C49B9D999CBC}" srcOrd="0" destOrd="0" presId="urn:microsoft.com/office/officeart/2016/7/layout/BasicLinearProcessNumbered"/>
     <dgm:cxn modelId="{5483186B-F375-4447-8B92-165FDD589393}" type="presOf" srcId="{5F339ECB-A28D-4485-972D-012D6096F6BE}" destId="{0DF7034A-7846-449E-A3CE-FC9C7AA6CBDC}" srcOrd="1" destOrd="0" presId="urn:microsoft.com/office/officeart/2016/7/layout/BasicLinearProcessNumbered"/>
-    <dgm:cxn modelId="{6056ED58-2E50-408B-8669-67A854B00BC7}" srcId="{B526DCB3-1416-49A4-AE0C-03F42AB2B7A9}" destId="{6F079F10-D8F0-4DDB-B93D-2B0F303C521A}" srcOrd="2" destOrd="0" parTransId="{CA2DB711-2CFE-48B8-A0AB-ED15D527442F}" sibTransId="{BB400345-5542-4EE7-8045-A837ABBA4E45}"/>
-    <dgm:cxn modelId="{BCF935A6-0F31-4311-8424-8DC5DE015D0E}" srcId="{B526DCB3-1416-49A4-AE0C-03F42AB2B7A9}" destId="{0C6A49FF-420E-460A-9F69-B5744BB1A579}" srcOrd="1" destOrd="0" parTransId="{2B0E24CE-A873-4A6B-97A2-DF0F5DCCD2C2}" sibTransId="{C04CA310-BE41-4783-A867-5839A6C048BB}"/>
-    <dgm:cxn modelId="{A8B1FDCE-F645-4BBE-B4A6-9C6AAC4B2381}" type="presOf" srcId="{5F339ECB-A28D-4485-972D-012D6096F6BE}" destId="{1FDF116F-3E29-4238-8712-2FEF338D9668}" srcOrd="0" destOrd="0" presId="urn:microsoft.com/office/officeart/2016/7/layout/BasicLinearProcessNumbered"/>
-    <dgm:cxn modelId="{CD70E4E1-CE47-457E-8869-048134AEC81C}" type="presOf" srcId="{B91705A0-DF57-44A8-8383-112528AD4749}" destId="{C8A243DA-7176-4C9C-B13C-C49B9D999CBC}" srcOrd="0" destOrd="0" presId="urn:microsoft.com/office/officeart/2016/7/layout/BasicLinearProcessNumbered"/>
-    <dgm:cxn modelId="{21EAC2FB-22DE-430D-B761-C94DC990D3B0}" type="presOf" srcId="{6F079F10-D8F0-4DDB-B93D-2B0F303C521A}" destId="{92B5D44F-34F1-447F-864E-2EA19A79A808}" srcOrd="1" destOrd="0" presId="urn:microsoft.com/office/officeart/2016/7/layout/BasicLinearProcessNumbered"/>
-    <dgm:cxn modelId="{3D134EFD-96A5-4F5F-A058-71B38C2D3055}" type="presOf" srcId="{0C6A49FF-420E-460A-9F69-B5744BB1A579}" destId="{A8DBDE4B-8505-44F8-BC68-39339A11C373}" srcOrd="1" destOrd="0" presId="urn:microsoft.com/office/officeart/2016/7/layout/BasicLinearProcessNumbered"/>
     <dgm:cxn modelId="{F168E267-65E1-43CC-BF38-4D713C4EFDCA}" type="presParOf" srcId="{46404BEE-81C8-4247-A2D8-4F3B08BA9962}" destId="{BE83DB6E-018E-425C-A7C4-2646E15AC60C}" srcOrd="0" destOrd="0" presId="urn:microsoft.com/office/officeart/2016/7/layout/BasicLinearProcessNumbered"/>
     <dgm:cxn modelId="{AC3323E7-7A7F-4E80-82E0-C8F308D8D3F0}" type="presParOf" srcId="{BE83DB6E-018E-425C-A7C4-2646E15AC60C}" destId="{1FDF116F-3E29-4238-8712-2FEF338D9668}" srcOrd="0" destOrd="0" presId="urn:microsoft.com/office/officeart/2016/7/layout/BasicLinearProcessNumbered"/>
     <dgm:cxn modelId="{5C8B069B-A866-4DD8-B4DC-C00E65C424A3}" type="presParOf" srcId="{BE83DB6E-018E-425C-A7C4-2646E15AC60C}" destId="{C8A243DA-7176-4C9C-B13C-C49B9D999CBC}" srcOrd="1" destOrd="0" presId="urn:microsoft.com/office/officeart/2016/7/layout/BasicLinearProcessNumbered"/>
@@ -7099,6 +7169,13 @@
         </dgm:presLayoutVars>
       </dgm:prSet>
       <dgm:spPr/>
+      <dgm:t>
+        <a:bodyPr/>
+        <a:lstStyle/>
+        <a:p>
+          <a:endParaRPr lang="en-US"/>
+        </a:p>
+      </dgm:t>
     </dgm:pt>
     <dgm:pt modelId="{11F2DA1D-B269-44A8-AEAC-7C8F4EF99EAC}" type="pres">
       <dgm:prSet presAssocID="{B47EC5D9-A66F-48CD-8C96-52E4A415C3D8}" presName="hierRoot1" presStyleCnt="0">
@@ -7119,10 +7196,24 @@
         </dgm:presLayoutVars>
       </dgm:prSet>
       <dgm:spPr/>
+      <dgm:t>
+        <a:bodyPr/>
+        <a:lstStyle/>
+        <a:p>
+          <a:endParaRPr lang="en-US"/>
+        </a:p>
+      </dgm:t>
     </dgm:pt>
     <dgm:pt modelId="{F36FE309-61AC-4D6B-993A-0D1B872977DF}" type="pres">
       <dgm:prSet presAssocID="{B47EC5D9-A66F-48CD-8C96-52E4A415C3D8}" presName="rootConnector1" presStyleLbl="node1" presStyleIdx="0" presStyleCnt="0"/>
       <dgm:spPr/>
+      <dgm:t>
+        <a:bodyPr/>
+        <a:lstStyle/>
+        <a:p>
+          <a:endParaRPr lang="en-US"/>
+        </a:p>
+      </dgm:t>
     </dgm:pt>
     <dgm:pt modelId="{34E70A76-75D8-44AB-B8ED-88BBAE5D6A2D}" type="pres">
       <dgm:prSet presAssocID="{B47EC5D9-A66F-48CD-8C96-52E4A415C3D8}" presName="hierChild2" presStyleCnt="0"/>
@@ -7131,6 +7222,13 @@
     <dgm:pt modelId="{745061D3-BF33-40F0-A83C-52009E23F57F}" type="pres">
       <dgm:prSet presAssocID="{64321824-3BA7-460F-8798-11FE5EA0FB47}" presName="Name37" presStyleLbl="parChTrans1D2" presStyleIdx="0" presStyleCnt="3"/>
       <dgm:spPr/>
+      <dgm:t>
+        <a:bodyPr/>
+        <a:lstStyle/>
+        <a:p>
+          <a:endParaRPr lang="en-US"/>
+        </a:p>
+      </dgm:t>
     </dgm:pt>
     <dgm:pt modelId="{C0111564-FEFA-4017-B7AB-C31E5D5783E6}" type="pres">
       <dgm:prSet presAssocID="{49F5F929-38DD-4CF8-AACD-152BFFDA38AB}" presName="hierRoot2" presStyleCnt="0">
@@ -7151,10 +7249,24 @@
         </dgm:presLayoutVars>
       </dgm:prSet>
       <dgm:spPr/>
+      <dgm:t>
+        <a:bodyPr/>
+        <a:lstStyle/>
+        <a:p>
+          <a:endParaRPr lang="en-US"/>
+        </a:p>
+      </dgm:t>
     </dgm:pt>
     <dgm:pt modelId="{AB9A15E1-280B-4E35-AB10-65912732E745}" type="pres">
       <dgm:prSet presAssocID="{49F5F929-38DD-4CF8-AACD-152BFFDA38AB}" presName="rootConnector" presStyleLbl="node2" presStyleIdx="0" presStyleCnt="2"/>
       <dgm:spPr/>
+      <dgm:t>
+        <a:bodyPr/>
+        <a:lstStyle/>
+        <a:p>
+          <a:endParaRPr lang="en-US"/>
+        </a:p>
+      </dgm:t>
     </dgm:pt>
     <dgm:pt modelId="{2DAB6325-6469-4157-817F-B6DE7998F853}" type="pres">
       <dgm:prSet presAssocID="{49F5F929-38DD-4CF8-AACD-152BFFDA38AB}" presName="hierChild4" presStyleCnt="0"/>
@@ -7163,6 +7275,13 @@
     <dgm:pt modelId="{C7F4F8AC-4C7F-46D9-AACD-CFEA5CBDC6F5}" type="pres">
       <dgm:prSet presAssocID="{A3B069FE-2FB5-4410-AE70-6F8173C7230A}" presName="Name37" presStyleLbl="parChTrans1D3" presStyleIdx="0" presStyleCnt="1"/>
       <dgm:spPr/>
+      <dgm:t>
+        <a:bodyPr/>
+        <a:lstStyle/>
+        <a:p>
+          <a:endParaRPr lang="en-US"/>
+        </a:p>
+      </dgm:t>
     </dgm:pt>
     <dgm:pt modelId="{025541A5-7644-41C4-AA12-9DE9062536CB}" type="pres">
       <dgm:prSet presAssocID="{B9E05F17-6D53-490C-880F-C0A02A440785}" presName="hierRoot2" presStyleCnt="0">
@@ -7183,10 +7302,24 @@
         </dgm:presLayoutVars>
       </dgm:prSet>
       <dgm:spPr/>
+      <dgm:t>
+        <a:bodyPr/>
+        <a:lstStyle/>
+        <a:p>
+          <a:endParaRPr lang="en-US"/>
+        </a:p>
+      </dgm:t>
     </dgm:pt>
     <dgm:pt modelId="{111D885F-9FCE-4BC1-9895-A625975BF485}" type="pres">
       <dgm:prSet presAssocID="{B9E05F17-6D53-490C-880F-C0A02A440785}" presName="rootConnector" presStyleLbl="node3" presStyleIdx="0" presStyleCnt="1"/>
       <dgm:spPr/>
+      <dgm:t>
+        <a:bodyPr/>
+        <a:lstStyle/>
+        <a:p>
+          <a:endParaRPr lang="en-US"/>
+        </a:p>
+      </dgm:t>
     </dgm:pt>
     <dgm:pt modelId="{13AD5DE5-B48D-4868-A3A5-70C8F7B2657F}" type="pres">
       <dgm:prSet presAssocID="{B9E05F17-6D53-490C-880F-C0A02A440785}" presName="hierChild4" presStyleCnt="0"/>
@@ -7203,6 +7336,13 @@
     <dgm:pt modelId="{3E7675C9-BD2F-4298-A803-AA8B565E307A}" type="pres">
       <dgm:prSet presAssocID="{A3139E46-CF40-478F-94DF-91605AE3985F}" presName="Name37" presStyleLbl="parChTrans1D2" presStyleIdx="1" presStyleCnt="3"/>
       <dgm:spPr/>
+      <dgm:t>
+        <a:bodyPr/>
+        <a:lstStyle/>
+        <a:p>
+          <a:endParaRPr lang="en-US"/>
+        </a:p>
+      </dgm:t>
     </dgm:pt>
     <dgm:pt modelId="{231FC1CB-FA90-48FE-BE72-68F4AB52FA76}" type="pres">
       <dgm:prSet presAssocID="{0994183D-F68C-4A0C-ADB1-5C88AC24A212}" presName="hierRoot2" presStyleCnt="0">
@@ -7223,10 +7363,24 @@
         </dgm:presLayoutVars>
       </dgm:prSet>
       <dgm:spPr/>
+      <dgm:t>
+        <a:bodyPr/>
+        <a:lstStyle/>
+        <a:p>
+          <a:endParaRPr lang="en-US"/>
+        </a:p>
+      </dgm:t>
     </dgm:pt>
     <dgm:pt modelId="{385DFA0B-4F72-4BA0-BEBC-1BEC36FEF28E}" type="pres">
       <dgm:prSet presAssocID="{0994183D-F68C-4A0C-ADB1-5C88AC24A212}" presName="rootConnector" presStyleLbl="node2" presStyleIdx="1" presStyleCnt="2"/>
       <dgm:spPr/>
+      <dgm:t>
+        <a:bodyPr/>
+        <a:lstStyle/>
+        <a:p>
+          <a:endParaRPr lang="en-US"/>
+        </a:p>
+      </dgm:t>
     </dgm:pt>
     <dgm:pt modelId="{7B6F0959-F381-4C7F-9301-C84C1D5B1FCF}" type="pres">
       <dgm:prSet presAssocID="{0994183D-F68C-4A0C-ADB1-5C88AC24A212}" presName="hierChild4" presStyleCnt="0"/>
@@ -7243,6 +7397,13 @@
     <dgm:pt modelId="{ED8ACC83-E8B3-4C7A-8169-B9FF49A03F92}" type="pres">
       <dgm:prSet presAssocID="{896EB847-3EFD-4A63-BABF-B377F1C3BE66}" presName="Name111" presStyleLbl="parChTrans1D2" presStyleIdx="2" presStyleCnt="3"/>
       <dgm:spPr/>
+      <dgm:t>
+        <a:bodyPr/>
+        <a:lstStyle/>
+        <a:p>
+          <a:endParaRPr lang="en-US"/>
+        </a:p>
+      </dgm:t>
     </dgm:pt>
     <dgm:pt modelId="{088C004A-07CA-49FF-88FC-87A2DCB911D0}" type="pres">
       <dgm:prSet presAssocID="{939700DC-A23C-424E-984D-1457AB1C0244}" presName="hierRoot3" presStyleCnt="0">
@@ -7263,10 +7424,24 @@
         </dgm:presLayoutVars>
       </dgm:prSet>
       <dgm:spPr/>
+      <dgm:t>
+        <a:bodyPr/>
+        <a:lstStyle/>
+        <a:p>
+          <a:endParaRPr lang="en-US"/>
+        </a:p>
+      </dgm:t>
     </dgm:pt>
     <dgm:pt modelId="{B2655F39-6555-4D8D-983E-FCDABF1A0E1E}" type="pres">
       <dgm:prSet presAssocID="{939700DC-A23C-424E-984D-1457AB1C0244}" presName="rootConnector3" presStyleLbl="asst1" presStyleIdx="0" presStyleCnt="1"/>
       <dgm:spPr/>
+      <dgm:t>
+        <a:bodyPr/>
+        <a:lstStyle/>
+        <a:p>
+          <a:endParaRPr lang="en-US"/>
+        </a:p>
+      </dgm:t>
     </dgm:pt>
     <dgm:pt modelId="{9E0BF125-1CC0-4326-BAFD-ECDDB831E96A}" type="pres">
       <dgm:prSet presAssocID="{939700DC-A23C-424E-984D-1457AB1C0244}" presName="hierChild6" presStyleCnt="0"/>
@@ -7278,26 +7453,26 @@
     </dgm:pt>
   </dgm:ptLst>
   <dgm:cxnLst>
-    <dgm:cxn modelId="{BB1E551B-325C-4530-A059-7B086EDE25FD}" srcId="{7A6886BE-BAEF-42EA-B276-022624D63DE5}" destId="{B47EC5D9-A66F-48CD-8C96-52E4A415C3D8}" srcOrd="0" destOrd="0" parTransId="{1C63477F-3F42-47DA-80E8-59060581CA7F}" sibTransId="{D560D9BA-1E8A-49EB-9547-3D7026E26A0E}"/>
-    <dgm:cxn modelId="{D316981F-75E2-470A-AAAE-053316E8C59B}" srcId="{B47EC5D9-A66F-48CD-8C96-52E4A415C3D8}" destId="{939700DC-A23C-424E-984D-1457AB1C0244}" srcOrd="0" destOrd="0" parTransId="{896EB847-3EFD-4A63-BABF-B377F1C3BE66}" sibTransId="{A0F06432-3A04-4941-9B2B-351EA8C6A250}"/>
-    <dgm:cxn modelId="{AF902732-CBDD-4562-B1FD-A47D3A834B61}" type="presOf" srcId="{896EB847-3EFD-4A63-BABF-B377F1C3BE66}" destId="{ED8ACC83-E8B3-4C7A-8169-B9FF49A03F92}" srcOrd="0" destOrd="0" presId="urn:microsoft.com/office/officeart/2005/8/layout/orgChart1"/>
+    <dgm:cxn modelId="{9F3C67E8-B623-4047-A725-90102B6C488B}" srcId="{B47EC5D9-A66F-48CD-8C96-52E4A415C3D8}" destId="{49F5F929-38DD-4CF8-AACD-152BFFDA38AB}" srcOrd="1" destOrd="0" parTransId="{64321824-3BA7-460F-8798-11FE5EA0FB47}" sibTransId="{1924C387-F662-4B02-AF48-5D8F94500B7F}"/>
     <dgm:cxn modelId="{BEE93736-2B3E-4126-A3FA-5475273F7D44}" type="presOf" srcId="{0994183D-F68C-4A0C-ADB1-5C88AC24A212}" destId="{0624B46F-0C4F-4AE4-B3E4-5E98BCEFD94A}" srcOrd="0" destOrd="0" presId="urn:microsoft.com/office/officeart/2005/8/layout/orgChart1"/>
+    <dgm:cxn modelId="{B1D14EB5-130F-4395-A373-9E19DBE90CDA}" type="presOf" srcId="{B47EC5D9-A66F-48CD-8C96-52E4A415C3D8}" destId="{F36FE309-61AC-4D6B-993A-0D1B872977DF}" srcOrd="1" destOrd="0" presId="urn:microsoft.com/office/officeart/2005/8/layout/orgChart1"/>
     <dgm:cxn modelId="{1083AE5B-FFC1-4E12-81B9-F8188A039434}" type="presOf" srcId="{49F5F929-38DD-4CF8-AACD-152BFFDA38AB}" destId="{A4953C07-EB00-49D2-96D0-34F5C40D0408}" srcOrd="0" destOrd="0" presId="urn:microsoft.com/office/officeart/2005/8/layout/orgChart1"/>
     <dgm:cxn modelId="{F6E29071-E54B-4B30-89C9-78A5EE9F98A6}" srcId="{B47EC5D9-A66F-48CD-8C96-52E4A415C3D8}" destId="{0994183D-F68C-4A0C-ADB1-5C88AC24A212}" srcOrd="2" destOrd="0" parTransId="{A3139E46-CF40-478F-94DF-91605AE3985F}" sibTransId="{4676D27D-EB1E-4E9C-90C7-8AF0FCAE4D72}"/>
     <dgm:cxn modelId="{CCD74156-8709-4883-9E71-2EE6A367C4AD}" type="presOf" srcId="{B9E05F17-6D53-490C-880F-C0A02A440785}" destId="{AFE46486-2A9D-40F4-96A4-D00F57484C98}" srcOrd="0" destOrd="0" presId="urn:microsoft.com/office/officeart/2005/8/layout/orgChart1"/>
+    <dgm:cxn modelId="{34B533A5-70EA-47D4-B133-692E60697819}" type="presOf" srcId="{49F5F929-38DD-4CF8-AACD-152BFFDA38AB}" destId="{AB9A15E1-280B-4E35-AB10-65912732E745}" srcOrd="1" destOrd="0" presId="urn:microsoft.com/office/officeart/2005/8/layout/orgChart1"/>
+    <dgm:cxn modelId="{AF902732-CBDD-4562-B1FD-A47D3A834B61}" type="presOf" srcId="{896EB847-3EFD-4A63-BABF-B377F1C3BE66}" destId="{ED8ACC83-E8B3-4C7A-8169-B9FF49A03F92}" srcOrd="0" destOrd="0" presId="urn:microsoft.com/office/officeart/2005/8/layout/orgChart1"/>
+    <dgm:cxn modelId="{8AE1F3D9-13AE-4381-BFEF-203F86FE7F90}" type="presOf" srcId="{939700DC-A23C-424E-984D-1457AB1C0244}" destId="{B2655F39-6555-4D8D-983E-FCDABF1A0E1E}" srcOrd="1" destOrd="0" presId="urn:microsoft.com/office/officeart/2005/8/layout/orgChart1"/>
+    <dgm:cxn modelId="{C7E16CDA-014E-4BC2-A40D-662306F0DA8F}" srcId="{49F5F929-38DD-4CF8-AACD-152BFFDA38AB}" destId="{B9E05F17-6D53-490C-880F-C0A02A440785}" srcOrd="0" destOrd="0" parTransId="{A3B069FE-2FB5-4410-AE70-6F8173C7230A}" sibTransId="{B8259121-0C83-4782-B5B4-2FDD028B0C02}"/>
+    <dgm:cxn modelId="{814D50B3-FD0A-4835-8B71-7B98BB62E7C4}" type="presOf" srcId="{7A6886BE-BAEF-42EA-B276-022624D63DE5}" destId="{B59C04B9-C77E-46B7-B345-7B088347CF63}" srcOrd="0" destOrd="0" presId="urn:microsoft.com/office/officeart/2005/8/layout/orgChart1"/>
     <dgm:cxn modelId="{AFF61CA4-9CD8-4E48-B8BA-093554C61F82}" type="presOf" srcId="{0994183D-F68C-4A0C-ADB1-5C88AC24A212}" destId="{385DFA0B-4F72-4BA0-BEBC-1BEC36FEF28E}" srcOrd="1" destOrd="0" presId="urn:microsoft.com/office/officeart/2005/8/layout/orgChart1"/>
-    <dgm:cxn modelId="{34B533A5-70EA-47D4-B133-692E60697819}" type="presOf" srcId="{49F5F929-38DD-4CF8-AACD-152BFFDA38AB}" destId="{AB9A15E1-280B-4E35-AB10-65912732E745}" srcOrd="1" destOrd="0" presId="urn:microsoft.com/office/officeart/2005/8/layout/orgChart1"/>
-    <dgm:cxn modelId="{A6D64FAD-AA82-47C9-BDE0-FAF3022218BD}" type="presOf" srcId="{A3139E46-CF40-478F-94DF-91605AE3985F}" destId="{3E7675C9-BD2F-4298-A803-AA8B565E307A}" srcOrd="0" destOrd="0" presId="urn:microsoft.com/office/officeart/2005/8/layout/orgChart1"/>
-    <dgm:cxn modelId="{814D50B3-FD0A-4835-8B71-7B98BB62E7C4}" type="presOf" srcId="{7A6886BE-BAEF-42EA-B276-022624D63DE5}" destId="{B59C04B9-C77E-46B7-B345-7B088347CF63}" srcOrd="0" destOrd="0" presId="urn:microsoft.com/office/officeart/2005/8/layout/orgChart1"/>
-    <dgm:cxn modelId="{FB1697B4-4174-4C2F-9BF4-D43A8F7ADAE4}" type="presOf" srcId="{939700DC-A23C-424E-984D-1457AB1C0244}" destId="{F5992E90-5C3E-4645-BF26-84CFD7FA0366}" srcOrd="0" destOrd="0" presId="urn:microsoft.com/office/officeart/2005/8/layout/orgChart1"/>
-    <dgm:cxn modelId="{CA7EDAB4-DD92-4F1C-9225-900FB933D736}" type="presOf" srcId="{64321824-3BA7-460F-8798-11FE5EA0FB47}" destId="{745061D3-BF33-40F0-A83C-52009E23F57F}" srcOrd="0" destOrd="0" presId="urn:microsoft.com/office/officeart/2005/8/layout/orgChart1"/>
-    <dgm:cxn modelId="{B1D14EB5-130F-4395-A373-9E19DBE90CDA}" type="presOf" srcId="{B47EC5D9-A66F-48CD-8C96-52E4A415C3D8}" destId="{F36FE309-61AC-4D6B-993A-0D1B872977DF}" srcOrd="1" destOrd="0" presId="urn:microsoft.com/office/officeart/2005/8/layout/orgChart1"/>
     <dgm:cxn modelId="{4CF850BB-40CF-42E1-A14E-37087C6A4C16}" type="presOf" srcId="{B47EC5D9-A66F-48CD-8C96-52E4A415C3D8}" destId="{068FD07B-9C8C-4E02-8D54-CE60AFBA4949}" srcOrd="0" destOrd="0" presId="urn:microsoft.com/office/officeart/2005/8/layout/orgChart1"/>
     <dgm:cxn modelId="{F8351CCC-13E0-489C-90F9-4D2EE2A8BA48}" type="presOf" srcId="{A3B069FE-2FB5-4410-AE70-6F8173C7230A}" destId="{C7F4F8AC-4C7F-46D9-AACD-CFEA5CBDC6F5}" srcOrd="0" destOrd="0" presId="urn:microsoft.com/office/officeart/2005/8/layout/orgChart1"/>
-    <dgm:cxn modelId="{8AE1F3D9-13AE-4381-BFEF-203F86FE7F90}" type="presOf" srcId="{939700DC-A23C-424E-984D-1457AB1C0244}" destId="{B2655F39-6555-4D8D-983E-FCDABF1A0E1E}" srcOrd="1" destOrd="0" presId="urn:microsoft.com/office/officeart/2005/8/layout/orgChart1"/>
-    <dgm:cxn modelId="{C7E16CDA-014E-4BC2-A40D-662306F0DA8F}" srcId="{49F5F929-38DD-4CF8-AACD-152BFFDA38AB}" destId="{B9E05F17-6D53-490C-880F-C0A02A440785}" srcOrd="0" destOrd="0" parTransId="{A3B069FE-2FB5-4410-AE70-6F8173C7230A}" sibTransId="{B8259121-0C83-4782-B5B4-2FDD028B0C02}"/>
-    <dgm:cxn modelId="{9F3C67E8-B623-4047-A725-90102B6C488B}" srcId="{B47EC5D9-A66F-48CD-8C96-52E4A415C3D8}" destId="{49F5F929-38DD-4CF8-AACD-152BFFDA38AB}" srcOrd="1" destOrd="0" parTransId="{64321824-3BA7-460F-8798-11FE5EA0FB47}" sibTransId="{1924C387-F662-4B02-AF48-5D8F94500B7F}"/>
     <dgm:cxn modelId="{14A8F6E9-0827-48C9-B446-1D2C18524C65}" type="presOf" srcId="{B9E05F17-6D53-490C-880F-C0A02A440785}" destId="{111D885F-9FCE-4BC1-9895-A625975BF485}" srcOrd="1" destOrd="0" presId="urn:microsoft.com/office/officeart/2005/8/layout/orgChart1"/>
+    <dgm:cxn modelId="{D316981F-75E2-470A-AAAE-053316E8C59B}" srcId="{B47EC5D9-A66F-48CD-8C96-52E4A415C3D8}" destId="{939700DC-A23C-424E-984D-1457AB1C0244}" srcOrd="0" destOrd="0" parTransId="{896EB847-3EFD-4A63-BABF-B377F1C3BE66}" sibTransId="{A0F06432-3A04-4941-9B2B-351EA8C6A250}"/>
+    <dgm:cxn modelId="{BB1E551B-325C-4530-A059-7B086EDE25FD}" srcId="{7A6886BE-BAEF-42EA-B276-022624D63DE5}" destId="{B47EC5D9-A66F-48CD-8C96-52E4A415C3D8}" srcOrd="0" destOrd="0" parTransId="{1C63477F-3F42-47DA-80E8-59060581CA7F}" sibTransId="{D560D9BA-1E8A-49EB-9547-3D7026E26A0E}"/>
+    <dgm:cxn modelId="{CA7EDAB4-DD92-4F1C-9225-900FB933D736}" type="presOf" srcId="{64321824-3BA7-460F-8798-11FE5EA0FB47}" destId="{745061D3-BF33-40F0-A83C-52009E23F57F}" srcOrd="0" destOrd="0" presId="urn:microsoft.com/office/officeart/2005/8/layout/orgChart1"/>
+    <dgm:cxn modelId="{A6D64FAD-AA82-47C9-BDE0-FAF3022218BD}" type="presOf" srcId="{A3139E46-CF40-478F-94DF-91605AE3985F}" destId="{3E7675C9-BD2F-4298-A803-AA8B565E307A}" srcOrd="0" destOrd="0" presId="urn:microsoft.com/office/officeart/2005/8/layout/orgChart1"/>
+    <dgm:cxn modelId="{FB1697B4-4174-4C2F-9BF4-D43A8F7ADAE4}" type="presOf" srcId="{939700DC-A23C-424E-984D-1457AB1C0244}" destId="{F5992E90-5C3E-4645-BF26-84CFD7FA0366}" srcOrd="0" destOrd="0" presId="urn:microsoft.com/office/officeart/2005/8/layout/orgChart1"/>
     <dgm:cxn modelId="{32BE90E5-192C-401C-B200-80898789B855}" type="presParOf" srcId="{B59C04B9-C77E-46B7-B345-7B088347CF63}" destId="{11F2DA1D-B269-44A8-AEAC-7C8F4EF99EAC}" srcOrd="0" destOrd="0" presId="urn:microsoft.com/office/officeart/2005/8/layout/orgChart1"/>
     <dgm:cxn modelId="{A5B411E5-1568-480D-9A26-27A5D6074123}" type="presParOf" srcId="{11F2DA1D-B269-44A8-AEAC-7C8F4EF99EAC}" destId="{35F87444-C932-4EFE-AA0E-13D4E0EABE23}" srcOrd="0" destOrd="0" presId="urn:microsoft.com/office/officeart/2005/8/layout/orgChart1"/>
     <dgm:cxn modelId="{FF4B1ED0-B226-47C0-AE83-D79DD5BB69BC}" type="presParOf" srcId="{35F87444-C932-4EFE-AA0E-13D4E0EABE23}" destId="{068FD07B-9C8C-4E02-8D54-CE60AFBA4949}" srcOrd="0" destOrd="0" presId="urn:microsoft.com/office/officeart/2005/8/layout/orgChart1"/>
@@ -7545,6 +7720,13 @@
         </dgm:presLayoutVars>
       </dgm:prSet>
       <dgm:spPr/>
+      <dgm:t>
+        <a:bodyPr/>
+        <a:lstStyle/>
+        <a:p>
+          <a:endParaRPr lang="en-US"/>
+        </a:p>
+      </dgm:t>
     </dgm:pt>
     <dgm:pt modelId="{D80A8E47-31F2-4B7C-A716-B83D48CD78DF}" type="pres">
       <dgm:prSet presAssocID="{D0CB48CE-D365-4A1D-8744-0CE49A65C645}" presName="space" presStyleCnt="0"/>
@@ -7557,6 +7739,13 @@
         </dgm:presLayoutVars>
       </dgm:prSet>
       <dgm:spPr/>
+      <dgm:t>
+        <a:bodyPr/>
+        <a:lstStyle/>
+        <a:p>
+          <a:endParaRPr lang="en-US"/>
+        </a:p>
+      </dgm:t>
     </dgm:pt>
     <dgm:pt modelId="{EDC3DB12-C655-4BCD-B0E5-C7B9F2A40A78}" type="pres">
       <dgm:prSet presAssocID="{E92A1DEC-836B-4380-9E65-460172F91AA0}" presName="space" presStyleCnt="0"/>
@@ -7569,6 +7758,13 @@
         </dgm:presLayoutVars>
       </dgm:prSet>
       <dgm:spPr/>
+      <dgm:t>
+        <a:bodyPr/>
+        <a:lstStyle/>
+        <a:p>
+          <a:endParaRPr lang="en-US"/>
+        </a:p>
+      </dgm:t>
     </dgm:pt>
     <dgm:pt modelId="{2497D142-993D-4A8E-9B74-5634B1BDA9DF}" type="pres">
       <dgm:prSet presAssocID="{E739502D-0E6F-4706-99DA-97DE3B203596}" presName="space" presStyleCnt="0"/>
@@ -7581,6 +7777,13 @@
         </dgm:presLayoutVars>
       </dgm:prSet>
       <dgm:spPr/>
+      <dgm:t>
+        <a:bodyPr/>
+        <a:lstStyle/>
+        <a:p>
+          <a:endParaRPr lang="en-US"/>
+        </a:p>
+      </dgm:t>
     </dgm:pt>
     <dgm:pt modelId="{FF446DDD-35E3-4186-8181-E95A7A979ED2}" type="pres">
       <dgm:prSet presAssocID="{86F5C52B-3C24-469E-82CC-96F8A0C48E54}" presName="space" presStyleCnt="0"/>
@@ -7593,19 +7796,26 @@
         </dgm:presLayoutVars>
       </dgm:prSet>
       <dgm:spPr/>
+      <dgm:t>
+        <a:bodyPr/>
+        <a:lstStyle/>
+        <a:p>
+          <a:endParaRPr lang="en-US"/>
+        </a:p>
+      </dgm:t>
     </dgm:pt>
   </dgm:ptLst>
   <dgm:cxnLst>
-    <dgm:cxn modelId="{C2F78E0D-4746-46D1-9DB7-0F933CC0923B}" srcId="{76984C2C-6D30-4655-8A39-39D94214098B}" destId="{A5EAF11E-1E9C-4D05-92A6-549486EBEAA5}" srcOrd="3" destOrd="0" parTransId="{1A559FDD-0135-4C6F-B5D9-696D11B9470A}" sibTransId="{86F5C52B-3C24-469E-82CC-96F8A0C48E54}"/>
-    <dgm:cxn modelId="{AE9C2E0E-EE21-4931-935A-28E584C25296}" srcId="{76984C2C-6D30-4655-8A39-39D94214098B}" destId="{092872AE-16BF-43BA-94C6-770086B8164A}" srcOrd="0" destOrd="0" parTransId="{EB1F1D55-AB93-41AE-8DCE-CF8069605B67}" sibTransId="{D0CB48CE-D365-4A1D-8744-0CE49A65C645}"/>
     <dgm:cxn modelId="{BAD74E10-50AC-48F4-90D9-F3C2C549E7EA}" type="presOf" srcId="{76984C2C-6D30-4655-8A39-39D94214098B}" destId="{AD94708A-AD67-4928-B8AE-FDCA2AC48282}" srcOrd="0" destOrd="0" presId="urn:diagrams.loki3.com/VaryingWidthList"/>
     <dgm:cxn modelId="{B3267236-EC75-41DA-A5B3-F5D0D11B97CA}" type="presOf" srcId="{A5EAF11E-1E9C-4D05-92A6-549486EBEAA5}" destId="{B5614BEC-C908-4AD4-B471-94AF6060825F}" srcOrd="0" destOrd="0" presId="urn:diagrams.loki3.com/VaryingWidthList"/>
+    <dgm:cxn modelId="{E8414FD6-E7FA-4E9B-82AD-989C78B10D7C}" type="presOf" srcId="{AE3F5DCC-2C77-4DB6-8398-DE74BCA0BDF9}" destId="{0F0CD1E9-AA9E-4824-A94A-1E489C94583E}" srcOrd="0" destOrd="0" presId="urn:diagrams.loki3.com/VaryingWidthList"/>
     <dgm:cxn modelId="{9D575536-5DB0-432E-8D12-DDFA169CBA0F}" srcId="{76984C2C-6D30-4655-8A39-39D94214098B}" destId="{418236CC-A5C4-4230-8193-0381900CB945}" srcOrd="1" destOrd="0" parTransId="{0BD41660-B13B-4025-8723-6EAAEAB59990}" sibTransId="{E92A1DEC-836B-4380-9E65-460172F91AA0}"/>
     <dgm:cxn modelId="{1D117D52-8841-4A1A-832A-374D9C328A4E}" srcId="{76984C2C-6D30-4655-8A39-39D94214098B}" destId="{626C9363-FC6B-498D-A00E-9755EEC5EE83}" srcOrd="2" destOrd="0" parTransId="{B52E80D1-FCE9-4B0D-B917-D06240878FCE}" sibTransId="{E739502D-0E6F-4706-99DA-97DE3B203596}"/>
+    <dgm:cxn modelId="{AE9C2E0E-EE21-4931-935A-28E584C25296}" srcId="{76984C2C-6D30-4655-8A39-39D94214098B}" destId="{092872AE-16BF-43BA-94C6-770086B8164A}" srcOrd="0" destOrd="0" parTransId="{EB1F1D55-AB93-41AE-8DCE-CF8069605B67}" sibTransId="{D0CB48CE-D365-4A1D-8744-0CE49A65C645}"/>
+    <dgm:cxn modelId="{94379097-09D1-42B3-A631-FA59A220515C}" type="presOf" srcId="{418236CC-A5C4-4230-8193-0381900CB945}" destId="{4F3B6E92-B991-456F-8299-E70C572B215A}" srcOrd="0" destOrd="0" presId="urn:diagrams.loki3.com/VaryingWidthList"/>
+    <dgm:cxn modelId="{C2F78E0D-4746-46D1-9DB7-0F933CC0923B}" srcId="{76984C2C-6D30-4655-8A39-39D94214098B}" destId="{A5EAF11E-1E9C-4D05-92A6-549486EBEAA5}" srcOrd="3" destOrd="0" parTransId="{1A559FDD-0135-4C6F-B5D9-696D11B9470A}" sibTransId="{86F5C52B-3C24-469E-82CC-96F8A0C48E54}"/>
+    <dgm:cxn modelId="{6A64A199-ADFD-44A0-8E3F-4C341419E476}" type="presOf" srcId="{092872AE-16BF-43BA-94C6-770086B8164A}" destId="{8D6E7145-F8CF-47B0-90A7-DF3D56C8089B}" srcOrd="0" destOrd="0" presId="urn:diagrams.loki3.com/VaryingWidthList"/>
     <dgm:cxn modelId="{336F9B85-3C15-4CBA-B541-18C81190424F}" type="presOf" srcId="{626C9363-FC6B-498D-A00E-9755EEC5EE83}" destId="{B3AEB8F3-7A50-4C69-994A-966CD1BC0C61}" srcOrd="0" destOrd="0" presId="urn:diagrams.loki3.com/VaryingWidthList"/>
-    <dgm:cxn modelId="{94379097-09D1-42B3-A631-FA59A220515C}" type="presOf" srcId="{418236CC-A5C4-4230-8193-0381900CB945}" destId="{4F3B6E92-B991-456F-8299-E70C572B215A}" srcOrd="0" destOrd="0" presId="urn:diagrams.loki3.com/VaryingWidthList"/>
-    <dgm:cxn modelId="{6A64A199-ADFD-44A0-8E3F-4C341419E476}" type="presOf" srcId="{092872AE-16BF-43BA-94C6-770086B8164A}" destId="{8D6E7145-F8CF-47B0-90A7-DF3D56C8089B}" srcOrd="0" destOrd="0" presId="urn:diagrams.loki3.com/VaryingWidthList"/>
-    <dgm:cxn modelId="{E8414FD6-E7FA-4E9B-82AD-989C78B10D7C}" type="presOf" srcId="{AE3F5DCC-2C77-4DB6-8398-DE74BCA0BDF9}" destId="{0F0CD1E9-AA9E-4824-A94A-1E489C94583E}" srcOrd="0" destOrd="0" presId="urn:diagrams.loki3.com/VaryingWidthList"/>
     <dgm:cxn modelId="{08C0EFF0-5F74-463D-89F0-8F450A76BE23}" srcId="{76984C2C-6D30-4655-8A39-39D94214098B}" destId="{AE3F5DCC-2C77-4DB6-8398-DE74BCA0BDF9}" srcOrd="4" destOrd="0" parTransId="{BB16EF0E-7AB9-4954-AC20-4C4243C551A6}" sibTransId="{283ACA15-8032-44DA-AF0E-3D90908B6AEF}"/>
     <dgm:cxn modelId="{487003FA-9070-4FAF-A509-4829D2F6DF18}" type="presParOf" srcId="{AD94708A-AD67-4928-B8AE-FDCA2AC48282}" destId="{8D6E7145-F8CF-47B0-90A7-DF3D56C8089B}" srcOrd="0" destOrd="0" presId="urn:diagrams.loki3.com/VaryingWidthList"/>
     <dgm:cxn modelId="{0874CCF4-CE6B-4562-9EB4-AD52BA2F8483}" type="presParOf" srcId="{AD94708A-AD67-4928-B8AE-FDCA2AC48282}" destId="{D80A8E47-31F2-4B7C-A716-B83D48CD78DF}" srcOrd="1" destOrd="0" presId="urn:diagrams.loki3.com/VaryingWidthList"/>
@@ -8084,6 +8294,13 @@
         </dgm:presLayoutVars>
       </dgm:prSet>
       <dgm:spPr/>
+      <dgm:t>
+        <a:bodyPr/>
+        <a:lstStyle/>
+        <a:p>
+          <a:endParaRPr lang="en-US"/>
+        </a:p>
+      </dgm:t>
     </dgm:pt>
     <dgm:pt modelId="{69224708-4B14-412F-A018-509DA9186A46}" type="pres">
       <dgm:prSet presAssocID="{2108F40E-9C5F-4ACB-9FA1-E752060CB95B}" presName="root1" presStyleCnt="0"/>
@@ -8096,6 +8313,13 @@
         </dgm:presLayoutVars>
       </dgm:prSet>
       <dgm:spPr/>
+      <dgm:t>
+        <a:bodyPr/>
+        <a:lstStyle/>
+        <a:p>
+          <a:endParaRPr lang="en-US"/>
+        </a:p>
+      </dgm:t>
     </dgm:pt>
     <dgm:pt modelId="{9543E4B6-9AF2-4EFD-8CCD-7DF820C47BB6}" type="pres">
       <dgm:prSet presAssocID="{2108F40E-9C5F-4ACB-9FA1-E752060CB95B}" presName="level2hierChild" presStyleCnt="0"/>
@@ -8104,10 +8328,24 @@
     <dgm:pt modelId="{3621ADDC-7295-44B9-92E3-100C0831D470}" type="pres">
       <dgm:prSet presAssocID="{5E69031F-4387-4AD8-991E-D42BA5A2EAB5}" presName="conn2-1" presStyleLbl="parChTrans1D2" presStyleIdx="0" presStyleCnt="2"/>
       <dgm:spPr/>
+      <dgm:t>
+        <a:bodyPr/>
+        <a:lstStyle/>
+        <a:p>
+          <a:endParaRPr lang="en-US"/>
+        </a:p>
+      </dgm:t>
     </dgm:pt>
     <dgm:pt modelId="{FABAB5DE-0D2B-49EA-B012-E66464E80E54}" type="pres">
       <dgm:prSet presAssocID="{5E69031F-4387-4AD8-991E-D42BA5A2EAB5}" presName="connTx" presStyleLbl="parChTrans1D2" presStyleIdx="0" presStyleCnt="2"/>
       <dgm:spPr/>
+      <dgm:t>
+        <a:bodyPr/>
+        <a:lstStyle/>
+        <a:p>
+          <a:endParaRPr lang="en-US"/>
+        </a:p>
+      </dgm:t>
     </dgm:pt>
     <dgm:pt modelId="{16B3AD29-BA29-49B3-95F3-7019A5458FD4}" type="pres">
       <dgm:prSet presAssocID="{1A55AB7C-CEA4-406E-B171-93BAE5653B0C}" presName="root2" presStyleCnt="0"/>
@@ -8120,6 +8358,13 @@
         </dgm:presLayoutVars>
       </dgm:prSet>
       <dgm:spPr/>
+      <dgm:t>
+        <a:bodyPr/>
+        <a:lstStyle/>
+        <a:p>
+          <a:endParaRPr lang="en-US"/>
+        </a:p>
+      </dgm:t>
     </dgm:pt>
     <dgm:pt modelId="{DE18175A-891B-4F64-B49E-96915D479935}" type="pres">
       <dgm:prSet presAssocID="{1A55AB7C-CEA4-406E-B171-93BAE5653B0C}" presName="level3hierChild" presStyleCnt="0"/>
@@ -8128,10 +8373,24 @@
     <dgm:pt modelId="{716D1F8C-E378-4A4A-9040-C8A31DFF530A}" type="pres">
       <dgm:prSet presAssocID="{F9328DBE-6614-48B0-B9FE-05D720169C41}" presName="conn2-1" presStyleLbl="parChTrans1D3" presStyleIdx="0" presStyleCnt="3"/>
       <dgm:spPr/>
+      <dgm:t>
+        <a:bodyPr/>
+        <a:lstStyle/>
+        <a:p>
+          <a:endParaRPr lang="en-US"/>
+        </a:p>
+      </dgm:t>
     </dgm:pt>
     <dgm:pt modelId="{A516CBD4-A789-474E-A367-500D9CA907BA}" type="pres">
       <dgm:prSet presAssocID="{F9328DBE-6614-48B0-B9FE-05D720169C41}" presName="connTx" presStyleLbl="parChTrans1D3" presStyleIdx="0" presStyleCnt="3"/>
       <dgm:spPr/>
+      <dgm:t>
+        <a:bodyPr/>
+        <a:lstStyle/>
+        <a:p>
+          <a:endParaRPr lang="en-US"/>
+        </a:p>
+      </dgm:t>
     </dgm:pt>
     <dgm:pt modelId="{1DE2DA45-3CD4-434D-BD1A-222E36FED818}" type="pres">
       <dgm:prSet presAssocID="{57C8DC3E-9763-4FB7-97D4-6F9BEC581893}" presName="root2" presStyleCnt="0"/>
@@ -8144,6 +8403,13 @@
         </dgm:presLayoutVars>
       </dgm:prSet>
       <dgm:spPr/>
+      <dgm:t>
+        <a:bodyPr/>
+        <a:lstStyle/>
+        <a:p>
+          <a:endParaRPr lang="en-US"/>
+        </a:p>
+      </dgm:t>
     </dgm:pt>
     <dgm:pt modelId="{A1D376B2-A7EC-432F-B8C9-DE9900B2D74A}" type="pres">
       <dgm:prSet presAssocID="{57C8DC3E-9763-4FB7-97D4-6F9BEC581893}" presName="level3hierChild" presStyleCnt="0"/>
@@ -8152,10 +8418,24 @@
     <dgm:pt modelId="{D4632A1E-3565-4805-B572-12228E4B9544}" type="pres">
       <dgm:prSet presAssocID="{5B06EAA6-05CD-46F0-A2C5-1C839237FFCB}" presName="conn2-1" presStyleLbl="parChTrans1D3" presStyleIdx="1" presStyleCnt="3"/>
       <dgm:spPr/>
+      <dgm:t>
+        <a:bodyPr/>
+        <a:lstStyle/>
+        <a:p>
+          <a:endParaRPr lang="en-US"/>
+        </a:p>
+      </dgm:t>
     </dgm:pt>
     <dgm:pt modelId="{25E2C4F2-7F34-462A-AE38-CC86250E3F1B}" type="pres">
       <dgm:prSet presAssocID="{5B06EAA6-05CD-46F0-A2C5-1C839237FFCB}" presName="connTx" presStyleLbl="parChTrans1D3" presStyleIdx="1" presStyleCnt="3"/>
       <dgm:spPr/>
+      <dgm:t>
+        <a:bodyPr/>
+        <a:lstStyle/>
+        <a:p>
+          <a:endParaRPr lang="en-US"/>
+        </a:p>
+      </dgm:t>
     </dgm:pt>
     <dgm:pt modelId="{05DAD1D9-CC61-4D91-B65D-3B6C39D2F2EC}" type="pres">
       <dgm:prSet presAssocID="{6BD4A8A6-452C-47CA-8BCE-AC7CAC459C54}" presName="root2" presStyleCnt="0"/>
@@ -8168,6 +8448,13 @@
         </dgm:presLayoutVars>
       </dgm:prSet>
       <dgm:spPr/>
+      <dgm:t>
+        <a:bodyPr/>
+        <a:lstStyle/>
+        <a:p>
+          <a:endParaRPr lang="en-US"/>
+        </a:p>
+      </dgm:t>
     </dgm:pt>
     <dgm:pt modelId="{0573EE0B-EC14-400F-91BD-7823E9DED618}" type="pres">
       <dgm:prSet presAssocID="{6BD4A8A6-452C-47CA-8BCE-AC7CAC459C54}" presName="level3hierChild" presStyleCnt="0"/>
@@ -8176,10 +8463,24 @@
     <dgm:pt modelId="{BF55494F-A2F3-4F10-B51F-27CF212E3C16}" type="pres">
       <dgm:prSet presAssocID="{13B853FE-FE66-4E31-B844-EAD9A33FD737}" presName="conn2-1" presStyleLbl="parChTrans1D4" presStyleIdx="0" presStyleCnt="3"/>
       <dgm:spPr/>
+      <dgm:t>
+        <a:bodyPr/>
+        <a:lstStyle/>
+        <a:p>
+          <a:endParaRPr lang="en-US"/>
+        </a:p>
+      </dgm:t>
     </dgm:pt>
     <dgm:pt modelId="{8CA65F07-0E2B-425C-AB89-A6DAAD02A125}" type="pres">
       <dgm:prSet presAssocID="{13B853FE-FE66-4E31-B844-EAD9A33FD737}" presName="connTx" presStyleLbl="parChTrans1D4" presStyleIdx="0" presStyleCnt="3"/>
       <dgm:spPr/>
+      <dgm:t>
+        <a:bodyPr/>
+        <a:lstStyle/>
+        <a:p>
+          <a:endParaRPr lang="en-US"/>
+        </a:p>
+      </dgm:t>
     </dgm:pt>
     <dgm:pt modelId="{A793162D-E84A-4AE7-AFD9-6CE2A9576E60}" type="pres">
       <dgm:prSet presAssocID="{FFC2165E-78C9-4C2A-A930-F230336750EF}" presName="root2" presStyleCnt="0"/>
@@ -8192,6 +8493,13 @@
         </dgm:presLayoutVars>
       </dgm:prSet>
       <dgm:spPr/>
+      <dgm:t>
+        <a:bodyPr/>
+        <a:lstStyle/>
+        <a:p>
+          <a:endParaRPr lang="en-US"/>
+        </a:p>
+      </dgm:t>
     </dgm:pt>
     <dgm:pt modelId="{44A4ECC6-A565-42C6-A4DA-53675E74B6A5}" type="pres">
       <dgm:prSet presAssocID="{FFC2165E-78C9-4C2A-A930-F230336750EF}" presName="level3hierChild" presStyleCnt="0"/>
@@ -8200,10 +8508,24 @@
     <dgm:pt modelId="{3398A3A8-9AC6-4EC3-9DEB-F8391423B1D3}" type="pres">
       <dgm:prSet presAssocID="{2B0D0343-FE50-462C-80F0-AC782EF275A7}" presName="conn2-1" presStyleLbl="parChTrans1D3" presStyleIdx="2" presStyleCnt="3"/>
       <dgm:spPr/>
+      <dgm:t>
+        <a:bodyPr/>
+        <a:lstStyle/>
+        <a:p>
+          <a:endParaRPr lang="en-US"/>
+        </a:p>
+      </dgm:t>
     </dgm:pt>
     <dgm:pt modelId="{2A9D59FE-3B8F-4AF7-9569-DDB13172CADA}" type="pres">
       <dgm:prSet presAssocID="{2B0D0343-FE50-462C-80F0-AC782EF275A7}" presName="connTx" presStyleLbl="parChTrans1D3" presStyleIdx="2" presStyleCnt="3"/>
       <dgm:spPr/>
+      <dgm:t>
+        <a:bodyPr/>
+        <a:lstStyle/>
+        <a:p>
+          <a:endParaRPr lang="en-US"/>
+        </a:p>
+      </dgm:t>
     </dgm:pt>
     <dgm:pt modelId="{CCFF43AE-3457-4F33-84C2-0E27433DCEF3}" type="pres">
       <dgm:prSet presAssocID="{E4EA881F-A109-464D-A449-35E0AD3D6B3C}" presName="root2" presStyleCnt="0"/>
@@ -8216,6 +8538,13 @@
         </dgm:presLayoutVars>
       </dgm:prSet>
       <dgm:spPr/>
+      <dgm:t>
+        <a:bodyPr/>
+        <a:lstStyle/>
+        <a:p>
+          <a:endParaRPr lang="en-US"/>
+        </a:p>
+      </dgm:t>
     </dgm:pt>
     <dgm:pt modelId="{AB1505EE-8A5F-4AC6-B35A-4D19A92ECF5C}" type="pres">
       <dgm:prSet presAssocID="{E4EA881F-A109-464D-A449-35E0AD3D6B3C}" presName="level3hierChild" presStyleCnt="0"/>
@@ -8224,10 +8553,24 @@
     <dgm:pt modelId="{2DCEB3B1-635B-4E90-84B0-451F573C77D8}" type="pres">
       <dgm:prSet presAssocID="{F153428A-222D-46F5-8CD4-26DD7D724689}" presName="conn2-1" presStyleLbl="parChTrans1D4" presStyleIdx="1" presStyleCnt="3"/>
       <dgm:spPr/>
+      <dgm:t>
+        <a:bodyPr/>
+        <a:lstStyle/>
+        <a:p>
+          <a:endParaRPr lang="en-US"/>
+        </a:p>
+      </dgm:t>
     </dgm:pt>
     <dgm:pt modelId="{0CE5678E-EC25-4002-8CD2-287955CC7645}" type="pres">
       <dgm:prSet presAssocID="{F153428A-222D-46F5-8CD4-26DD7D724689}" presName="connTx" presStyleLbl="parChTrans1D4" presStyleIdx="1" presStyleCnt="3"/>
       <dgm:spPr/>
+      <dgm:t>
+        <a:bodyPr/>
+        <a:lstStyle/>
+        <a:p>
+          <a:endParaRPr lang="en-US"/>
+        </a:p>
+      </dgm:t>
     </dgm:pt>
     <dgm:pt modelId="{0191D645-A898-45D2-AC70-302E59AD0D6C}" type="pres">
       <dgm:prSet presAssocID="{7AF9FFD4-3558-4A26-982E-1CDD1E56DC61}" presName="root2" presStyleCnt="0"/>
@@ -8240,6 +8583,13 @@
         </dgm:presLayoutVars>
       </dgm:prSet>
       <dgm:spPr/>
+      <dgm:t>
+        <a:bodyPr/>
+        <a:lstStyle/>
+        <a:p>
+          <a:endParaRPr lang="en-US"/>
+        </a:p>
+      </dgm:t>
     </dgm:pt>
     <dgm:pt modelId="{6BDC7F1A-A1E0-40C5-865B-29EF983F7756}" type="pres">
       <dgm:prSet presAssocID="{7AF9FFD4-3558-4A26-982E-1CDD1E56DC61}" presName="level3hierChild" presStyleCnt="0"/>
@@ -8248,10 +8598,24 @@
     <dgm:pt modelId="{65659748-38CF-4C55-AB89-8BDFF2EECC71}" type="pres">
       <dgm:prSet presAssocID="{F2DFFB1C-6285-4608-9787-9FDC8D6983C8}" presName="conn2-1" presStyleLbl="parChTrans1D4" presStyleIdx="2" presStyleCnt="3"/>
       <dgm:spPr/>
+      <dgm:t>
+        <a:bodyPr/>
+        <a:lstStyle/>
+        <a:p>
+          <a:endParaRPr lang="en-US"/>
+        </a:p>
+      </dgm:t>
     </dgm:pt>
     <dgm:pt modelId="{D316729E-1212-41B2-A261-80B470596D0E}" type="pres">
       <dgm:prSet presAssocID="{F2DFFB1C-6285-4608-9787-9FDC8D6983C8}" presName="connTx" presStyleLbl="parChTrans1D4" presStyleIdx="2" presStyleCnt="3"/>
       <dgm:spPr/>
+      <dgm:t>
+        <a:bodyPr/>
+        <a:lstStyle/>
+        <a:p>
+          <a:endParaRPr lang="en-US"/>
+        </a:p>
+      </dgm:t>
     </dgm:pt>
     <dgm:pt modelId="{5419F01E-28C5-40C9-85C3-20065DBC5F66}" type="pres">
       <dgm:prSet presAssocID="{0F85E679-8C75-4193-A8D9-294E89E259CD}" presName="root2" presStyleCnt="0"/>
@@ -8264,6 +8628,13 @@
         </dgm:presLayoutVars>
       </dgm:prSet>
       <dgm:spPr/>
+      <dgm:t>
+        <a:bodyPr/>
+        <a:lstStyle/>
+        <a:p>
+          <a:endParaRPr lang="en-US"/>
+        </a:p>
+      </dgm:t>
     </dgm:pt>
     <dgm:pt modelId="{86D9A7F1-BB62-47A3-86B4-6CC46C93F94B}" type="pres">
       <dgm:prSet presAssocID="{0F85E679-8C75-4193-A8D9-294E89E259CD}" presName="level3hierChild" presStyleCnt="0"/>
@@ -8272,10 +8643,24 @@
     <dgm:pt modelId="{B0CE050F-A959-4163-92AE-A67ABEC49925}" type="pres">
       <dgm:prSet presAssocID="{836056C2-1D03-4123-82A5-D6923A3BECAE}" presName="conn2-1" presStyleLbl="parChTrans1D2" presStyleIdx="1" presStyleCnt="2"/>
       <dgm:spPr/>
+      <dgm:t>
+        <a:bodyPr/>
+        <a:lstStyle/>
+        <a:p>
+          <a:endParaRPr lang="en-US"/>
+        </a:p>
+      </dgm:t>
     </dgm:pt>
     <dgm:pt modelId="{A2FEE7D6-0FF0-41B4-B887-F8BEC5BE3C67}" type="pres">
       <dgm:prSet presAssocID="{836056C2-1D03-4123-82A5-D6923A3BECAE}" presName="connTx" presStyleLbl="parChTrans1D2" presStyleIdx="1" presStyleCnt="2"/>
       <dgm:spPr/>
+      <dgm:t>
+        <a:bodyPr/>
+        <a:lstStyle/>
+        <a:p>
+          <a:endParaRPr lang="en-US"/>
+        </a:p>
+      </dgm:t>
     </dgm:pt>
     <dgm:pt modelId="{6C41EC18-CF55-4210-9508-06D08DE0C14A}" type="pres">
       <dgm:prSet presAssocID="{62A9B646-284B-48F5-80ED-540FC5D67322}" presName="root2" presStyleCnt="0"/>
@@ -8288,6 +8673,13 @@
         </dgm:presLayoutVars>
       </dgm:prSet>
       <dgm:spPr/>
+      <dgm:t>
+        <a:bodyPr/>
+        <a:lstStyle/>
+        <a:p>
+          <a:endParaRPr lang="en-US"/>
+        </a:p>
+      </dgm:t>
     </dgm:pt>
     <dgm:pt modelId="{334EA496-8828-4ADE-B85E-03B5914AF7F5}" type="pres">
       <dgm:prSet presAssocID="{62A9B646-284B-48F5-80ED-540FC5D67322}" presName="level3hierChild" presStyleCnt="0"/>
@@ -8295,41 +8687,41 @@
     </dgm:pt>
   </dgm:ptLst>
   <dgm:cxnLst>
+    <dgm:cxn modelId="{DD79276E-7A1B-4D22-A99E-F9A3893247C7}" type="presOf" srcId="{E4EA881F-A109-464D-A449-35E0AD3D6B3C}" destId="{AA857162-3442-4D9F-A68F-E95AF746E5F4}" srcOrd="0" destOrd="0" presId="urn:microsoft.com/office/officeart/2008/layout/HorizontalMultiLevelHierarchy"/>
+    <dgm:cxn modelId="{78EC5116-703F-495A-B9AD-34ED3BA6991D}" type="presOf" srcId="{1A55AB7C-CEA4-406E-B171-93BAE5653B0C}" destId="{CD64E07C-5D45-42C5-8A4B-A9EB66FF00CD}" srcOrd="0" destOrd="0" presId="urn:microsoft.com/office/officeart/2008/layout/HorizontalMultiLevelHierarchy"/>
+    <dgm:cxn modelId="{1E0D654F-E4F3-4D96-A4B8-E3C0E38BEC71}" type="presOf" srcId="{57C8DC3E-9763-4FB7-97D4-6F9BEC581893}" destId="{BAB8F9F6-7885-4755-941C-062DF42B078C}" srcOrd="0" destOrd="0" presId="urn:microsoft.com/office/officeart/2008/layout/HorizontalMultiLevelHierarchy"/>
+    <dgm:cxn modelId="{D4523AF1-60E6-4156-810F-36921A275B3F}" type="presOf" srcId="{836056C2-1D03-4123-82A5-D6923A3BECAE}" destId="{B0CE050F-A959-4163-92AE-A67ABEC49925}" srcOrd="0" destOrd="0" presId="urn:microsoft.com/office/officeart/2008/layout/HorizontalMultiLevelHierarchy"/>
     <dgm:cxn modelId="{731C0D0D-212C-4116-AD23-1A99B08E37BE}" type="presOf" srcId="{5B06EAA6-05CD-46F0-A2C5-1C839237FFCB}" destId="{D4632A1E-3565-4805-B572-12228E4B9544}" srcOrd="0" destOrd="0" presId="urn:microsoft.com/office/officeart/2008/layout/HorizontalMultiLevelHierarchy"/>
+    <dgm:cxn modelId="{37C2F1B2-8687-4D87-8184-75C8B9387FBC}" type="presOf" srcId="{62A9B646-284B-48F5-80ED-540FC5D67322}" destId="{08667CF8-668A-4E0C-80BE-1ECA55A60758}" srcOrd="0" destOrd="0" presId="urn:microsoft.com/office/officeart/2008/layout/HorizontalMultiLevelHierarchy"/>
+    <dgm:cxn modelId="{1BD35729-CE62-4AF0-9B34-8B364AAD9A70}" type="presOf" srcId="{5E69031F-4387-4AD8-991E-D42BA5A2EAB5}" destId="{3621ADDC-7295-44B9-92E3-100C0831D470}" srcOrd="0" destOrd="0" presId="urn:microsoft.com/office/officeart/2008/layout/HorizontalMultiLevelHierarchy"/>
+    <dgm:cxn modelId="{8A9B330F-116A-4879-A5C2-F50371A354C8}" srcId="{1A55AB7C-CEA4-406E-B171-93BAE5653B0C}" destId="{E4EA881F-A109-464D-A449-35E0AD3D6B3C}" srcOrd="2" destOrd="0" parTransId="{2B0D0343-FE50-462C-80F0-AC782EF275A7}" sibTransId="{DC96A733-F8B0-4099-BDEF-A75C92B96D17}"/>
+    <dgm:cxn modelId="{DC9E6A95-8D27-4111-911F-65075AA8213C}" srcId="{E4EA881F-A109-464D-A449-35E0AD3D6B3C}" destId="{0F85E679-8C75-4193-A8D9-294E89E259CD}" srcOrd="1" destOrd="0" parTransId="{F2DFFB1C-6285-4608-9787-9FDC8D6983C8}" sibTransId="{A398352F-6BC0-4B00-BE7C-F0EAB785C5C6}"/>
+    <dgm:cxn modelId="{34A19B55-FFE5-4F29-AC47-BCF971E82276}" type="presOf" srcId="{0F85E679-8C75-4193-A8D9-294E89E259CD}" destId="{18EF8273-E954-4D26-A95A-1EE83CF0D316}" srcOrd="0" destOrd="0" presId="urn:microsoft.com/office/officeart/2008/layout/HorizontalMultiLevelHierarchy"/>
+    <dgm:cxn modelId="{A91D1319-3CB2-450A-83EA-BD01E8EE9401}" type="presOf" srcId="{F153428A-222D-46F5-8CD4-26DD7D724689}" destId="{0CE5678E-EC25-4002-8CD2-287955CC7645}" srcOrd="1" destOrd="0" presId="urn:microsoft.com/office/officeart/2008/layout/HorizontalMultiLevelHierarchy"/>
+    <dgm:cxn modelId="{D97619CA-2472-49A1-A424-FA5F75AC1300}" srcId="{C077A9BE-20EE-4821-8BAA-E3E1BD097820}" destId="{2108F40E-9C5F-4ACB-9FA1-E752060CB95B}" srcOrd="0" destOrd="0" parTransId="{BBDC8041-B71B-4423-B1D5-F7253CA02DB1}" sibTransId="{7B5DF54E-8890-4097-B794-3D80F8D746B5}"/>
     <dgm:cxn modelId="{10DEFE0D-5B1A-4B20-BB25-49FCF8E2FE45}" type="presOf" srcId="{F9328DBE-6614-48B0-B9FE-05D720169C41}" destId="{716D1F8C-E378-4A4A-9040-C8A31DFF530A}" srcOrd="0" destOrd="0" presId="urn:microsoft.com/office/officeart/2008/layout/HorizontalMultiLevelHierarchy"/>
-    <dgm:cxn modelId="{8A9B330F-116A-4879-A5C2-F50371A354C8}" srcId="{1A55AB7C-CEA4-406E-B171-93BAE5653B0C}" destId="{E4EA881F-A109-464D-A449-35E0AD3D6B3C}" srcOrd="2" destOrd="0" parTransId="{2B0D0343-FE50-462C-80F0-AC782EF275A7}" sibTransId="{DC96A733-F8B0-4099-BDEF-A75C92B96D17}"/>
-    <dgm:cxn modelId="{78EC5116-703F-495A-B9AD-34ED3BA6991D}" type="presOf" srcId="{1A55AB7C-CEA4-406E-B171-93BAE5653B0C}" destId="{CD64E07C-5D45-42C5-8A4B-A9EB66FF00CD}" srcOrd="0" destOrd="0" presId="urn:microsoft.com/office/officeart/2008/layout/HorizontalMultiLevelHierarchy"/>
-    <dgm:cxn modelId="{A91D1319-3CB2-450A-83EA-BD01E8EE9401}" type="presOf" srcId="{F153428A-222D-46F5-8CD4-26DD7D724689}" destId="{0CE5678E-EC25-4002-8CD2-287955CC7645}" srcOrd="1" destOrd="0" presId="urn:microsoft.com/office/officeart/2008/layout/HorizontalMultiLevelHierarchy"/>
+    <dgm:cxn modelId="{FC1BE975-BD7D-47FF-B749-F811907D4E83}" type="presOf" srcId="{C077A9BE-20EE-4821-8BAA-E3E1BD097820}" destId="{3A9957A6-52E0-420E-862B-7D8228F5A71D}" srcOrd="0" destOrd="0" presId="urn:microsoft.com/office/officeart/2008/layout/HorizontalMultiLevelHierarchy"/>
+    <dgm:cxn modelId="{0E9B6A46-97B5-4A81-BEDD-CD7AB4E999D8}" srcId="{1A55AB7C-CEA4-406E-B171-93BAE5653B0C}" destId="{57C8DC3E-9763-4FB7-97D4-6F9BEC581893}" srcOrd="0" destOrd="0" parTransId="{F9328DBE-6614-48B0-B9FE-05D720169C41}" sibTransId="{57CE7E44-5897-4717-8F9A-3406A8E184BB}"/>
+    <dgm:cxn modelId="{AFCEAB7E-F348-4DFE-BF7C-35F603877094}" type="presOf" srcId="{6BD4A8A6-452C-47CA-8BCE-AC7CAC459C54}" destId="{C1BD5470-1FE1-4016-BA4F-348BFAA6A0DD}" srcOrd="0" destOrd="0" presId="urn:microsoft.com/office/officeart/2008/layout/HorizontalMultiLevelHierarchy"/>
+    <dgm:cxn modelId="{0EDC838B-1F1A-4509-87C8-42938FF0C46F}" type="presOf" srcId="{5B06EAA6-05CD-46F0-A2C5-1C839237FFCB}" destId="{25E2C4F2-7F34-462A-AE38-CC86250E3F1B}" srcOrd="1" destOrd="0" presId="urn:microsoft.com/office/officeart/2008/layout/HorizontalMultiLevelHierarchy"/>
+    <dgm:cxn modelId="{6861AFC5-22DA-4EDD-A81A-30B6CC80A44F}" type="presOf" srcId="{836056C2-1D03-4123-82A5-D6923A3BECAE}" destId="{A2FEE7D6-0FF0-41B4-B887-F8BEC5BE3C67}" srcOrd="1" destOrd="0" presId="urn:microsoft.com/office/officeart/2008/layout/HorizontalMultiLevelHierarchy"/>
+    <dgm:cxn modelId="{5C754CCF-A95B-4D81-8279-41FE56FF2C51}" type="presOf" srcId="{2108F40E-9C5F-4ACB-9FA1-E752060CB95B}" destId="{002B1973-FA78-4CCC-9FB5-D3070C78CFC4}" srcOrd="0" destOrd="0" presId="urn:microsoft.com/office/officeart/2008/layout/HorizontalMultiLevelHierarchy"/>
+    <dgm:cxn modelId="{B3F86762-4CAA-4D70-9E85-0CC05996D569}" srcId="{2108F40E-9C5F-4ACB-9FA1-E752060CB95B}" destId="{1A55AB7C-CEA4-406E-B171-93BAE5653B0C}" srcOrd="0" destOrd="0" parTransId="{5E69031F-4387-4AD8-991E-D42BA5A2EAB5}" sibTransId="{5E9E6BBA-9339-4E57-BCF7-37DCCCA9EDC8}"/>
+    <dgm:cxn modelId="{0A020ECD-16F7-47F6-8396-879FEF7D964C}" type="presOf" srcId="{2B0D0343-FE50-462C-80F0-AC782EF275A7}" destId="{3398A3A8-9AC6-4EC3-9DEB-F8391423B1D3}" srcOrd="0" destOrd="0" presId="urn:microsoft.com/office/officeart/2008/layout/HorizontalMultiLevelHierarchy"/>
+    <dgm:cxn modelId="{54107F91-BF89-4E43-AC61-83DCFCA7428A}" type="presOf" srcId="{2B0D0343-FE50-462C-80F0-AC782EF275A7}" destId="{2A9D59FE-3B8F-4AF7-9569-DDB13172CADA}" srcOrd="1" destOrd="0" presId="urn:microsoft.com/office/officeart/2008/layout/HorizontalMultiLevelHierarchy"/>
+    <dgm:cxn modelId="{2442424F-5E5C-4658-AE4F-03EB41572826}" type="presOf" srcId="{F9328DBE-6614-48B0-B9FE-05D720169C41}" destId="{A516CBD4-A789-474E-A367-500D9CA907BA}" srcOrd="1" destOrd="0" presId="urn:microsoft.com/office/officeart/2008/layout/HorizontalMultiLevelHierarchy"/>
+    <dgm:cxn modelId="{0398DE8B-1B68-4A27-BF6A-0A03841C923B}" type="presOf" srcId="{FFC2165E-78C9-4C2A-A930-F230336750EF}" destId="{6F9B968D-880A-4243-8F42-35F821483CC1}" srcOrd="0" destOrd="0" presId="urn:microsoft.com/office/officeart/2008/layout/HorizontalMultiLevelHierarchy"/>
+    <dgm:cxn modelId="{EED58DC2-07DD-4D66-82ED-79F4924B2554}" type="presOf" srcId="{13B853FE-FE66-4E31-B844-EAD9A33FD737}" destId="{BF55494F-A2F3-4F10-B51F-27CF212E3C16}" srcOrd="0" destOrd="0" presId="urn:microsoft.com/office/officeart/2008/layout/HorizontalMultiLevelHierarchy"/>
+    <dgm:cxn modelId="{D2FA3F6A-E17A-42EB-9582-DAE801502EBA}" type="presOf" srcId="{13B853FE-FE66-4E31-B844-EAD9A33FD737}" destId="{8CA65F07-0E2B-425C-AB89-A6DAAD02A125}" srcOrd="1" destOrd="0" presId="urn:microsoft.com/office/officeart/2008/layout/HorizontalMultiLevelHierarchy"/>
+    <dgm:cxn modelId="{75864D80-137B-45AD-9831-9791216C3686}" type="presOf" srcId="{F153428A-222D-46F5-8CD4-26DD7D724689}" destId="{2DCEB3B1-635B-4E90-84B0-451F573C77D8}" srcOrd="0" destOrd="0" presId="urn:microsoft.com/office/officeart/2008/layout/HorizontalMultiLevelHierarchy"/>
+    <dgm:cxn modelId="{A2BAA2E1-C95D-48D3-9D5B-D1192CF85C40}" type="presOf" srcId="{5E69031F-4387-4AD8-991E-D42BA5A2EAB5}" destId="{FABAB5DE-0D2B-49EA-B012-E66464E80E54}" srcOrd="1" destOrd="0" presId="urn:microsoft.com/office/officeart/2008/layout/HorizontalMultiLevelHierarchy"/>
+    <dgm:cxn modelId="{6FD0ABD1-5A0A-4791-876C-8461C5F38701}" type="presOf" srcId="{7AF9FFD4-3558-4A26-982E-1CDD1E56DC61}" destId="{F340892F-B816-4C7B-B2E4-47DB10E3A0ED}" srcOrd="0" destOrd="0" presId="urn:microsoft.com/office/officeart/2008/layout/HorizontalMultiLevelHierarchy"/>
+    <dgm:cxn modelId="{1DE0372F-0109-4316-8AA9-FA2E2B17524D}" srcId="{1A55AB7C-CEA4-406E-B171-93BAE5653B0C}" destId="{6BD4A8A6-452C-47CA-8BCE-AC7CAC459C54}" srcOrd="1" destOrd="0" parTransId="{5B06EAA6-05CD-46F0-A2C5-1C839237FFCB}" sibTransId="{F26D3AF3-AB31-455E-BCB0-FD555C29C9FF}"/>
     <dgm:cxn modelId="{91CEF422-D81F-4788-B9F6-530B1EB335A6}" srcId="{2108F40E-9C5F-4ACB-9FA1-E752060CB95B}" destId="{62A9B646-284B-48F5-80ED-540FC5D67322}" srcOrd="1" destOrd="0" parTransId="{836056C2-1D03-4123-82A5-D6923A3BECAE}" sibTransId="{392722DC-19FF-4AD9-A80E-23816A3701F4}"/>
-    <dgm:cxn modelId="{1BD35729-CE62-4AF0-9B34-8B364AAD9A70}" type="presOf" srcId="{5E69031F-4387-4AD8-991E-D42BA5A2EAB5}" destId="{3621ADDC-7295-44B9-92E3-100C0831D470}" srcOrd="0" destOrd="0" presId="urn:microsoft.com/office/officeart/2008/layout/HorizontalMultiLevelHierarchy"/>
-    <dgm:cxn modelId="{1DE0372F-0109-4316-8AA9-FA2E2B17524D}" srcId="{1A55AB7C-CEA4-406E-B171-93BAE5653B0C}" destId="{6BD4A8A6-452C-47CA-8BCE-AC7CAC459C54}" srcOrd="1" destOrd="0" parTransId="{5B06EAA6-05CD-46F0-A2C5-1C839237FFCB}" sibTransId="{F26D3AF3-AB31-455E-BCB0-FD555C29C9FF}"/>
+    <dgm:cxn modelId="{F878B4CA-74F7-43ED-9557-503B92EB5630}" srcId="{6BD4A8A6-452C-47CA-8BCE-AC7CAC459C54}" destId="{FFC2165E-78C9-4C2A-A930-F230336750EF}" srcOrd="0" destOrd="0" parTransId="{13B853FE-FE66-4E31-B844-EAD9A33FD737}" sibTransId="{AC5D3722-9839-48C6-99DF-00902571F23C}"/>
     <dgm:cxn modelId="{EBFF0C3F-D96E-4FAE-87C9-25FAE008413F}" type="presOf" srcId="{F2DFFB1C-6285-4608-9787-9FDC8D6983C8}" destId="{D316729E-1212-41B2-A261-80B470596D0E}" srcOrd="1" destOrd="0" presId="urn:microsoft.com/office/officeart/2008/layout/HorizontalMultiLevelHierarchy"/>
-    <dgm:cxn modelId="{B3F86762-4CAA-4D70-9E85-0CC05996D569}" srcId="{2108F40E-9C5F-4ACB-9FA1-E752060CB95B}" destId="{1A55AB7C-CEA4-406E-B171-93BAE5653B0C}" srcOrd="0" destOrd="0" parTransId="{5E69031F-4387-4AD8-991E-D42BA5A2EAB5}" sibTransId="{5E9E6BBA-9339-4E57-BCF7-37DCCCA9EDC8}"/>
-    <dgm:cxn modelId="{0E9B6A46-97B5-4A81-BEDD-CD7AB4E999D8}" srcId="{1A55AB7C-CEA4-406E-B171-93BAE5653B0C}" destId="{57C8DC3E-9763-4FB7-97D4-6F9BEC581893}" srcOrd="0" destOrd="0" parTransId="{F9328DBE-6614-48B0-B9FE-05D720169C41}" sibTransId="{57CE7E44-5897-4717-8F9A-3406A8E184BB}"/>
-    <dgm:cxn modelId="{D2FA3F6A-E17A-42EB-9582-DAE801502EBA}" type="presOf" srcId="{13B853FE-FE66-4E31-B844-EAD9A33FD737}" destId="{8CA65F07-0E2B-425C-AB89-A6DAAD02A125}" srcOrd="1" destOrd="0" presId="urn:microsoft.com/office/officeart/2008/layout/HorizontalMultiLevelHierarchy"/>
-    <dgm:cxn modelId="{DD79276E-7A1B-4D22-A99E-F9A3893247C7}" type="presOf" srcId="{E4EA881F-A109-464D-A449-35E0AD3D6B3C}" destId="{AA857162-3442-4D9F-A68F-E95AF746E5F4}" srcOrd="0" destOrd="0" presId="urn:microsoft.com/office/officeart/2008/layout/HorizontalMultiLevelHierarchy"/>
-    <dgm:cxn modelId="{2442424F-5E5C-4658-AE4F-03EB41572826}" type="presOf" srcId="{F9328DBE-6614-48B0-B9FE-05D720169C41}" destId="{A516CBD4-A789-474E-A367-500D9CA907BA}" srcOrd="1" destOrd="0" presId="urn:microsoft.com/office/officeart/2008/layout/HorizontalMultiLevelHierarchy"/>
-    <dgm:cxn modelId="{1E0D654F-E4F3-4D96-A4B8-E3C0E38BEC71}" type="presOf" srcId="{57C8DC3E-9763-4FB7-97D4-6F9BEC581893}" destId="{BAB8F9F6-7885-4755-941C-062DF42B078C}" srcOrd="0" destOrd="0" presId="urn:microsoft.com/office/officeart/2008/layout/HorizontalMultiLevelHierarchy"/>
-    <dgm:cxn modelId="{34A19B55-FFE5-4F29-AC47-BCF971E82276}" type="presOf" srcId="{0F85E679-8C75-4193-A8D9-294E89E259CD}" destId="{18EF8273-E954-4D26-A95A-1EE83CF0D316}" srcOrd="0" destOrd="0" presId="urn:microsoft.com/office/officeart/2008/layout/HorizontalMultiLevelHierarchy"/>
-    <dgm:cxn modelId="{FC1BE975-BD7D-47FF-B749-F811907D4E83}" type="presOf" srcId="{C077A9BE-20EE-4821-8BAA-E3E1BD097820}" destId="{3A9957A6-52E0-420E-862B-7D8228F5A71D}" srcOrd="0" destOrd="0" presId="urn:microsoft.com/office/officeart/2008/layout/HorizontalMultiLevelHierarchy"/>
-    <dgm:cxn modelId="{AFCEAB7E-F348-4DFE-BF7C-35F603877094}" type="presOf" srcId="{6BD4A8A6-452C-47CA-8BCE-AC7CAC459C54}" destId="{C1BD5470-1FE1-4016-BA4F-348BFAA6A0DD}" srcOrd="0" destOrd="0" presId="urn:microsoft.com/office/officeart/2008/layout/HorizontalMultiLevelHierarchy"/>
-    <dgm:cxn modelId="{75864D80-137B-45AD-9831-9791216C3686}" type="presOf" srcId="{F153428A-222D-46F5-8CD4-26DD7D724689}" destId="{2DCEB3B1-635B-4E90-84B0-451F573C77D8}" srcOrd="0" destOrd="0" presId="urn:microsoft.com/office/officeart/2008/layout/HorizontalMultiLevelHierarchy"/>
-    <dgm:cxn modelId="{0EDC838B-1F1A-4509-87C8-42938FF0C46F}" type="presOf" srcId="{5B06EAA6-05CD-46F0-A2C5-1C839237FFCB}" destId="{25E2C4F2-7F34-462A-AE38-CC86250E3F1B}" srcOrd="1" destOrd="0" presId="urn:microsoft.com/office/officeart/2008/layout/HorizontalMultiLevelHierarchy"/>
-    <dgm:cxn modelId="{0398DE8B-1B68-4A27-BF6A-0A03841C923B}" type="presOf" srcId="{FFC2165E-78C9-4C2A-A930-F230336750EF}" destId="{6F9B968D-880A-4243-8F42-35F821483CC1}" srcOrd="0" destOrd="0" presId="urn:microsoft.com/office/officeart/2008/layout/HorizontalMultiLevelHierarchy"/>
-    <dgm:cxn modelId="{54107F91-BF89-4E43-AC61-83DCFCA7428A}" type="presOf" srcId="{2B0D0343-FE50-462C-80F0-AC782EF275A7}" destId="{2A9D59FE-3B8F-4AF7-9569-DDB13172CADA}" srcOrd="1" destOrd="0" presId="urn:microsoft.com/office/officeart/2008/layout/HorizontalMultiLevelHierarchy"/>
-    <dgm:cxn modelId="{DC9E6A95-8D27-4111-911F-65075AA8213C}" srcId="{E4EA881F-A109-464D-A449-35E0AD3D6B3C}" destId="{0F85E679-8C75-4193-A8D9-294E89E259CD}" srcOrd="1" destOrd="0" parTransId="{F2DFFB1C-6285-4608-9787-9FDC8D6983C8}" sibTransId="{A398352F-6BC0-4B00-BE7C-F0EAB785C5C6}"/>
-    <dgm:cxn modelId="{37C2F1B2-8687-4D87-8184-75C8B9387FBC}" type="presOf" srcId="{62A9B646-284B-48F5-80ED-540FC5D67322}" destId="{08667CF8-668A-4E0C-80BE-1ECA55A60758}" srcOrd="0" destOrd="0" presId="urn:microsoft.com/office/officeart/2008/layout/HorizontalMultiLevelHierarchy"/>
+    <dgm:cxn modelId="{DA8F9FFA-C83B-4217-92C0-F59C8117636C}" srcId="{E4EA881F-A109-464D-A449-35E0AD3D6B3C}" destId="{7AF9FFD4-3558-4A26-982E-1CDD1E56DC61}" srcOrd="0" destOrd="0" parTransId="{F153428A-222D-46F5-8CD4-26DD7D724689}" sibTransId="{33EF4FB8-90E6-4E17-BDEC-58E50159C311}"/>
     <dgm:cxn modelId="{5A981DB7-380F-441C-BA62-FC65E7623269}" type="presOf" srcId="{F2DFFB1C-6285-4608-9787-9FDC8D6983C8}" destId="{65659748-38CF-4C55-AB89-8BDFF2EECC71}" srcOrd="0" destOrd="0" presId="urn:microsoft.com/office/officeart/2008/layout/HorizontalMultiLevelHierarchy"/>
-    <dgm:cxn modelId="{EED58DC2-07DD-4D66-82ED-79F4924B2554}" type="presOf" srcId="{13B853FE-FE66-4E31-B844-EAD9A33FD737}" destId="{BF55494F-A2F3-4F10-B51F-27CF212E3C16}" srcOrd="0" destOrd="0" presId="urn:microsoft.com/office/officeart/2008/layout/HorizontalMultiLevelHierarchy"/>
-    <dgm:cxn modelId="{6861AFC5-22DA-4EDD-A81A-30B6CC80A44F}" type="presOf" srcId="{836056C2-1D03-4123-82A5-D6923A3BECAE}" destId="{A2FEE7D6-0FF0-41B4-B887-F8BEC5BE3C67}" srcOrd="1" destOrd="0" presId="urn:microsoft.com/office/officeart/2008/layout/HorizontalMultiLevelHierarchy"/>
-    <dgm:cxn modelId="{D97619CA-2472-49A1-A424-FA5F75AC1300}" srcId="{C077A9BE-20EE-4821-8BAA-E3E1BD097820}" destId="{2108F40E-9C5F-4ACB-9FA1-E752060CB95B}" srcOrd="0" destOrd="0" parTransId="{BBDC8041-B71B-4423-B1D5-F7253CA02DB1}" sibTransId="{7B5DF54E-8890-4097-B794-3D80F8D746B5}"/>
-    <dgm:cxn modelId="{F878B4CA-74F7-43ED-9557-503B92EB5630}" srcId="{6BD4A8A6-452C-47CA-8BCE-AC7CAC459C54}" destId="{FFC2165E-78C9-4C2A-A930-F230336750EF}" srcOrd="0" destOrd="0" parTransId="{13B853FE-FE66-4E31-B844-EAD9A33FD737}" sibTransId="{AC5D3722-9839-48C6-99DF-00902571F23C}"/>
-    <dgm:cxn modelId="{0A020ECD-16F7-47F6-8396-879FEF7D964C}" type="presOf" srcId="{2B0D0343-FE50-462C-80F0-AC782EF275A7}" destId="{3398A3A8-9AC6-4EC3-9DEB-F8391423B1D3}" srcOrd="0" destOrd="0" presId="urn:microsoft.com/office/officeart/2008/layout/HorizontalMultiLevelHierarchy"/>
-    <dgm:cxn modelId="{5C754CCF-A95B-4D81-8279-41FE56FF2C51}" type="presOf" srcId="{2108F40E-9C5F-4ACB-9FA1-E752060CB95B}" destId="{002B1973-FA78-4CCC-9FB5-D3070C78CFC4}" srcOrd="0" destOrd="0" presId="urn:microsoft.com/office/officeart/2008/layout/HorizontalMultiLevelHierarchy"/>
-    <dgm:cxn modelId="{6FD0ABD1-5A0A-4791-876C-8461C5F38701}" type="presOf" srcId="{7AF9FFD4-3558-4A26-982E-1CDD1E56DC61}" destId="{F340892F-B816-4C7B-B2E4-47DB10E3A0ED}" srcOrd="0" destOrd="0" presId="urn:microsoft.com/office/officeart/2008/layout/HorizontalMultiLevelHierarchy"/>
-    <dgm:cxn modelId="{A2BAA2E1-C95D-48D3-9D5B-D1192CF85C40}" type="presOf" srcId="{5E69031F-4387-4AD8-991E-D42BA5A2EAB5}" destId="{FABAB5DE-0D2B-49EA-B012-E66464E80E54}" srcOrd="1" destOrd="0" presId="urn:microsoft.com/office/officeart/2008/layout/HorizontalMultiLevelHierarchy"/>
-    <dgm:cxn modelId="{D4523AF1-60E6-4156-810F-36921A275B3F}" type="presOf" srcId="{836056C2-1D03-4123-82A5-D6923A3BECAE}" destId="{B0CE050F-A959-4163-92AE-A67ABEC49925}" srcOrd="0" destOrd="0" presId="urn:microsoft.com/office/officeart/2008/layout/HorizontalMultiLevelHierarchy"/>
-    <dgm:cxn modelId="{DA8F9FFA-C83B-4217-92C0-F59C8117636C}" srcId="{E4EA881F-A109-464D-A449-35E0AD3D6B3C}" destId="{7AF9FFD4-3558-4A26-982E-1CDD1E56DC61}" srcOrd="0" destOrd="0" parTransId="{F153428A-222D-46F5-8CD4-26DD7D724689}" sibTransId="{33EF4FB8-90E6-4E17-BDEC-58E50159C311}"/>
     <dgm:cxn modelId="{70E84152-C842-498C-B745-6E7120B986B3}" type="presParOf" srcId="{3A9957A6-52E0-420E-862B-7D8228F5A71D}" destId="{69224708-4B14-412F-A018-509DA9186A46}" srcOrd="0" destOrd="0" presId="urn:microsoft.com/office/officeart/2008/layout/HorizontalMultiLevelHierarchy"/>
     <dgm:cxn modelId="{6081D0D6-AA0D-48C7-AB15-0309389407A1}" type="presParOf" srcId="{69224708-4B14-412F-A018-509DA9186A46}" destId="{002B1973-FA78-4CCC-9FB5-D3070C78CFC4}" srcOrd="0" destOrd="0" presId="urn:microsoft.com/office/officeart/2008/layout/HorizontalMultiLevelHierarchy"/>
     <dgm:cxn modelId="{D61C1225-9F3F-4272-94C1-052E3F2515AF}" type="presParOf" srcId="{69224708-4B14-412F-A018-509DA9186A46}" destId="{9543E4B6-9AF2-4EFD-8CCD-7DF820C47BB6}" srcOrd="1" destOrd="0" presId="urn:microsoft.com/office/officeart/2008/layout/HorizontalMultiLevelHierarchy"/>
@@ -8562,6 +8954,13 @@
         </dgm:presLayoutVars>
       </dgm:prSet>
       <dgm:spPr/>
+      <dgm:t>
+        <a:bodyPr/>
+        <a:lstStyle/>
+        <a:p>
+          <a:endParaRPr lang="en-US"/>
+        </a:p>
+      </dgm:t>
     </dgm:pt>
     <dgm:pt modelId="{91D4F938-717F-436F-84CA-DF43B34C43F6}" type="pres">
       <dgm:prSet presAssocID="{82F02F03-730A-4DAF-A057-D4D610D8A5E8}" presName="hierRoot1" presStyleCnt="0">
@@ -8582,10 +8981,24 @@
         </dgm:presLayoutVars>
       </dgm:prSet>
       <dgm:spPr/>
+      <dgm:t>
+        <a:bodyPr/>
+        <a:lstStyle/>
+        <a:p>
+          <a:endParaRPr lang="en-US"/>
+        </a:p>
+      </dgm:t>
     </dgm:pt>
     <dgm:pt modelId="{6A2119DF-43AD-4E86-9A40-DBFA2353F0B5}" type="pres">
       <dgm:prSet presAssocID="{82F02F03-730A-4DAF-A057-D4D610D8A5E8}" presName="rootConnector1" presStyleLbl="node1" presStyleIdx="0" presStyleCnt="0"/>
       <dgm:spPr/>
+      <dgm:t>
+        <a:bodyPr/>
+        <a:lstStyle/>
+        <a:p>
+          <a:endParaRPr lang="en-US"/>
+        </a:p>
+      </dgm:t>
     </dgm:pt>
     <dgm:pt modelId="{BB9D2F33-27DA-4971-AB2B-F535644B44B5}" type="pres">
       <dgm:prSet presAssocID="{82F02F03-730A-4DAF-A057-D4D610D8A5E8}" presName="hierChild2" presStyleCnt="0"/>
@@ -8594,6 +9007,13 @@
     <dgm:pt modelId="{4B3A784F-0CB9-45BE-B08B-4F8C82B8F57A}" type="pres">
       <dgm:prSet presAssocID="{1832E33E-7B2B-4550-AFE8-53A864FE3F84}" presName="Name37" presStyleLbl="parChTrans1D2" presStyleIdx="0" presStyleCnt="2"/>
       <dgm:spPr/>
+      <dgm:t>
+        <a:bodyPr/>
+        <a:lstStyle/>
+        <a:p>
+          <a:endParaRPr lang="en-US"/>
+        </a:p>
+      </dgm:t>
     </dgm:pt>
     <dgm:pt modelId="{5F485FD0-6DFC-4AF0-963D-D5CCEAF00C38}" type="pres">
       <dgm:prSet presAssocID="{5038F9C8-3BC1-487B-AE8D-DAEB88C1A31C}" presName="hierRoot2" presStyleCnt="0">
@@ -8614,10 +9034,24 @@
         </dgm:presLayoutVars>
       </dgm:prSet>
       <dgm:spPr/>
+      <dgm:t>
+        <a:bodyPr/>
+        <a:lstStyle/>
+        <a:p>
+          <a:endParaRPr lang="en-US"/>
+        </a:p>
+      </dgm:t>
     </dgm:pt>
     <dgm:pt modelId="{7F648040-6254-47B7-9FA3-32C69B141683}" type="pres">
       <dgm:prSet presAssocID="{5038F9C8-3BC1-487B-AE8D-DAEB88C1A31C}" presName="rootConnector" presStyleLbl="node2" presStyleIdx="0" presStyleCnt="2"/>
       <dgm:spPr/>
+      <dgm:t>
+        <a:bodyPr/>
+        <a:lstStyle/>
+        <a:p>
+          <a:endParaRPr lang="en-US"/>
+        </a:p>
+      </dgm:t>
     </dgm:pt>
     <dgm:pt modelId="{721F8B45-F507-4648-9B38-68C55EF8F11D}" type="pres">
       <dgm:prSet presAssocID="{5038F9C8-3BC1-487B-AE8D-DAEB88C1A31C}" presName="hierChild4" presStyleCnt="0"/>
@@ -8626,6 +9060,13 @@
     <dgm:pt modelId="{09CC0655-B7EE-43EB-BC5F-76223478FD78}" type="pres">
       <dgm:prSet presAssocID="{B6430358-897E-4976-91D7-D915E852B36D}" presName="Name37" presStyleLbl="parChTrans1D3" presStyleIdx="0" presStyleCnt="1"/>
       <dgm:spPr/>
+      <dgm:t>
+        <a:bodyPr/>
+        <a:lstStyle/>
+        <a:p>
+          <a:endParaRPr lang="en-US"/>
+        </a:p>
+      </dgm:t>
     </dgm:pt>
     <dgm:pt modelId="{E5A4A641-74B0-4CE3-9DB5-AA384A86B330}" type="pres">
       <dgm:prSet presAssocID="{1CA9A764-0689-471E-A5BA-B3E1A99494A5}" presName="hierRoot2" presStyleCnt="0">
@@ -8646,10 +9087,24 @@
         </dgm:presLayoutVars>
       </dgm:prSet>
       <dgm:spPr/>
+      <dgm:t>
+        <a:bodyPr/>
+        <a:lstStyle/>
+        <a:p>
+          <a:endParaRPr lang="en-US"/>
+        </a:p>
+      </dgm:t>
     </dgm:pt>
     <dgm:pt modelId="{67B637C7-D8B0-490D-9642-F5133505FA30}" type="pres">
       <dgm:prSet presAssocID="{1CA9A764-0689-471E-A5BA-B3E1A99494A5}" presName="rootConnector" presStyleLbl="node3" presStyleIdx="0" presStyleCnt="1"/>
       <dgm:spPr/>
+      <dgm:t>
+        <a:bodyPr/>
+        <a:lstStyle/>
+        <a:p>
+          <a:endParaRPr lang="en-US"/>
+        </a:p>
+      </dgm:t>
     </dgm:pt>
     <dgm:pt modelId="{FF37A539-0627-4602-8815-5DDE992A5C63}" type="pres">
       <dgm:prSet presAssocID="{1CA9A764-0689-471E-A5BA-B3E1A99494A5}" presName="hierChild4" presStyleCnt="0"/>
@@ -8666,6 +9121,13 @@
     <dgm:pt modelId="{EF99108C-757D-4CDF-ACB9-0A8ED92A59F8}" type="pres">
       <dgm:prSet presAssocID="{DC8FD187-F37F-45CC-89B8-FC57590D8D30}" presName="Name37" presStyleLbl="parChTrans1D2" presStyleIdx="1" presStyleCnt="2"/>
       <dgm:spPr/>
+      <dgm:t>
+        <a:bodyPr/>
+        <a:lstStyle/>
+        <a:p>
+          <a:endParaRPr lang="en-US"/>
+        </a:p>
+      </dgm:t>
     </dgm:pt>
     <dgm:pt modelId="{D198DA8C-335F-4F68-8E7C-56756AAF83DB}" type="pres">
       <dgm:prSet presAssocID="{09094470-15E0-4EBF-A323-E2FD19198363}" presName="hierRoot2" presStyleCnt="0">
@@ -8686,10 +9148,24 @@
         </dgm:presLayoutVars>
       </dgm:prSet>
       <dgm:spPr/>
+      <dgm:t>
+        <a:bodyPr/>
+        <a:lstStyle/>
+        <a:p>
+          <a:endParaRPr lang="en-US"/>
+        </a:p>
+      </dgm:t>
     </dgm:pt>
     <dgm:pt modelId="{B02177E1-104A-4886-99C9-A8F7D7EF4F4E}" type="pres">
       <dgm:prSet presAssocID="{09094470-15E0-4EBF-A323-E2FD19198363}" presName="rootConnector" presStyleLbl="node2" presStyleIdx="1" presStyleCnt="2"/>
       <dgm:spPr/>
+      <dgm:t>
+        <a:bodyPr/>
+        <a:lstStyle/>
+        <a:p>
+          <a:endParaRPr lang="en-US"/>
+        </a:p>
+      </dgm:t>
     </dgm:pt>
     <dgm:pt modelId="{93C7316F-7769-4B3C-BA40-822E755397CF}" type="pres">
       <dgm:prSet presAssocID="{09094470-15E0-4EBF-A323-E2FD19198363}" presName="hierChild4" presStyleCnt="0"/>
@@ -8705,22 +9181,22 @@
     </dgm:pt>
   </dgm:ptLst>
   <dgm:cxnLst>
+    <dgm:cxn modelId="{CAA6C7EA-1DEC-4DBB-B74B-B9F7F04EF4D4}" type="presOf" srcId="{1CA9A764-0689-471E-A5BA-B3E1A99494A5}" destId="{67B637C7-D8B0-490D-9642-F5133505FA30}" srcOrd="1" destOrd="0" presId="urn:microsoft.com/office/officeart/2005/8/layout/orgChart1"/>
+    <dgm:cxn modelId="{5684DA7F-568E-4849-9C74-1B2E84532BD2}" srcId="{82F02F03-730A-4DAF-A057-D4D610D8A5E8}" destId="{09094470-15E0-4EBF-A323-E2FD19198363}" srcOrd="1" destOrd="0" parTransId="{DC8FD187-F37F-45CC-89B8-FC57590D8D30}" sibTransId="{42C96DCC-09FB-4AE5-97E5-4A7C4279D296}"/>
+    <dgm:cxn modelId="{1B4CDEEA-9124-4E99-B53B-C2B58DC53395}" type="presOf" srcId="{09094470-15E0-4EBF-A323-E2FD19198363}" destId="{F1A6C34D-97CE-48AF-B526-9324C873A645}" srcOrd="0" destOrd="0" presId="urn:microsoft.com/office/officeart/2005/8/layout/orgChart1"/>
+    <dgm:cxn modelId="{9C9E49A9-33A8-404B-A342-F04E48D2CD5C}" type="presOf" srcId="{D68A1F77-1578-47CD-8AE5-056C7A74C7F2}" destId="{25994067-A961-4CB2-B7B1-0EF923F95F6D}" srcOrd="0" destOrd="0" presId="urn:microsoft.com/office/officeart/2005/8/layout/orgChart1"/>
+    <dgm:cxn modelId="{BBA6054D-CE0F-4FD9-B6B1-75301A03C40E}" srcId="{82F02F03-730A-4DAF-A057-D4D610D8A5E8}" destId="{5038F9C8-3BC1-487B-AE8D-DAEB88C1A31C}" srcOrd="0" destOrd="0" parTransId="{1832E33E-7B2B-4550-AFE8-53A864FE3F84}" sibTransId="{EB20B15B-E4CD-42D1-AC3E-CF832B50C832}"/>
+    <dgm:cxn modelId="{13CDEAC5-84E6-4E86-A3CF-CB91AC1B9253}" type="presOf" srcId="{DC8FD187-F37F-45CC-89B8-FC57590D8D30}" destId="{EF99108C-757D-4CDF-ACB9-0A8ED92A59F8}" srcOrd="0" destOrd="0" presId="urn:microsoft.com/office/officeart/2005/8/layout/orgChart1"/>
     <dgm:cxn modelId="{F3E6771B-B31E-45DB-B4CC-124B72CE53D3}" type="presOf" srcId="{5038F9C8-3BC1-487B-AE8D-DAEB88C1A31C}" destId="{CC7CC848-C007-401B-A13D-E366E4A1DC8D}" srcOrd="0" destOrd="0" presId="urn:microsoft.com/office/officeart/2005/8/layout/orgChart1"/>
+    <dgm:cxn modelId="{07A051C1-3718-4FCF-B116-296E5C61E658}" srcId="{D68A1F77-1578-47CD-8AE5-056C7A74C7F2}" destId="{82F02F03-730A-4DAF-A057-D4D610D8A5E8}" srcOrd="0" destOrd="0" parTransId="{7B5DBD78-3F9C-474E-9875-5622DCB3EB95}" sibTransId="{76C6719B-D346-4A08-87C0-CBD3E0675760}"/>
+    <dgm:cxn modelId="{3A1491AC-5B01-4AE1-92B1-51D6ABF2D2F8}" type="presOf" srcId="{1832E33E-7B2B-4550-AFE8-53A864FE3F84}" destId="{4B3A784F-0CB9-45BE-B08B-4F8C82B8F57A}" srcOrd="0" destOrd="0" presId="urn:microsoft.com/office/officeart/2005/8/layout/orgChart1"/>
+    <dgm:cxn modelId="{E6B9D727-61C5-42D7-8646-5472CE72C090}" type="presOf" srcId="{09094470-15E0-4EBF-A323-E2FD19198363}" destId="{B02177E1-104A-4886-99C9-A8F7D7EF4F4E}" srcOrd="1" destOrd="0" presId="urn:microsoft.com/office/officeart/2005/8/layout/orgChart1"/>
+    <dgm:cxn modelId="{12B45C36-D7B4-4DC5-AC32-20F1C412A4F4}" type="presOf" srcId="{82F02F03-730A-4DAF-A057-D4D610D8A5E8}" destId="{6A2119DF-43AD-4E86-9A40-DBFA2353F0B5}" srcOrd="1" destOrd="0" presId="urn:microsoft.com/office/officeart/2005/8/layout/orgChart1"/>
+    <dgm:cxn modelId="{B572F72B-EC56-40A4-B4AB-D79E75284F37}" type="presOf" srcId="{82F02F03-730A-4DAF-A057-D4D610D8A5E8}" destId="{CFB66C49-9DBB-43C1-AC1C-A20BDD43BAAA}" srcOrd="0" destOrd="0" presId="urn:microsoft.com/office/officeart/2005/8/layout/orgChart1"/>
     <dgm:cxn modelId="{5615011D-6EDC-49C3-8A5A-D063DC5A118B}" type="presOf" srcId="{5038F9C8-3BC1-487B-AE8D-DAEB88C1A31C}" destId="{7F648040-6254-47B7-9FA3-32C69B141683}" srcOrd="1" destOrd="0" presId="urn:microsoft.com/office/officeart/2005/8/layout/orgChart1"/>
-    <dgm:cxn modelId="{E6B9D727-61C5-42D7-8646-5472CE72C090}" type="presOf" srcId="{09094470-15E0-4EBF-A323-E2FD19198363}" destId="{B02177E1-104A-4886-99C9-A8F7D7EF4F4E}" srcOrd="1" destOrd="0" presId="urn:microsoft.com/office/officeart/2005/8/layout/orgChart1"/>
-    <dgm:cxn modelId="{B572F72B-EC56-40A4-B4AB-D79E75284F37}" type="presOf" srcId="{82F02F03-730A-4DAF-A057-D4D610D8A5E8}" destId="{CFB66C49-9DBB-43C1-AC1C-A20BDD43BAAA}" srcOrd="0" destOrd="0" presId="urn:microsoft.com/office/officeart/2005/8/layout/orgChart1"/>
-    <dgm:cxn modelId="{12B45C36-D7B4-4DC5-AC32-20F1C412A4F4}" type="presOf" srcId="{82F02F03-730A-4DAF-A057-D4D610D8A5E8}" destId="{6A2119DF-43AD-4E86-9A40-DBFA2353F0B5}" srcOrd="1" destOrd="0" presId="urn:microsoft.com/office/officeart/2005/8/layout/orgChart1"/>
-    <dgm:cxn modelId="{BBA6054D-CE0F-4FD9-B6B1-75301A03C40E}" srcId="{82F02F03-730A-4DAF-A057-D4D610D8A5E8}" destId="{5038F9C8-3BC1-487B-AE8D-DAEB88C1A31C}" srcOrd="0" destOrd="0" parTransId="{1832E33E-7B2B-4550-AFE8-53A864FE3F84}" sibTransId="{EB20B15B-E4CD-42D1-AC3E-CF832B50C832}"/>
-    <dgm:cxn modelId="{5684DA7F-568E-4849-9C74-1B2E84532BD2}" srcId="{82F02F03-730A-4DAF-A057-D4D610D8A5E8}" destId="{09094470-15E0-4EBF-A323-E2FD19198363}" srcOrd="1" destOrd="0" parTransId="{DC8FD187-F37F-45CC-89B8-FC57590D8D30}" sibTransId="{42C96DCC-09FB-4AE5-97E5-4A7C4279D296}"/>
     <dgm:cxn modelId="{570AA49D-A10B-495C-8F76-83A0E667436B}" type="presOf" srcId="{1CA9A764-0689-471E-A5BA-B3E1A99494A5}" destId="{916EE394-35DE-474F-85AB-FD50E040F8A5}" srcOrd="0" destOrd="0" presId="urn:microsoft.com/office/officeart/2005/8/layout/orgChart1"/>
-    <dgm:cxn modelId="{9C9E49A9-33A8-404B-A342-F04E48D2CD5C}" type="presOf" srcId="{D68A1F77-1578-47CD-8AE5-056C7A74C7F2}" destId="{25994067-A961-4CB2-B7B1-0EF923F95F6D}" srcOrd="0" destOrd="0" presId="urn:microsoft.com/office/officeart/2005/8/layout/orgChart1"/>
-    <dgm:cxn modelId="{3A1491AC-5B01-4AE1-92B1-51D6ABF2D2F8}" type="presOf" srcId="{1832E33E-7B2B-4550-AFE8-53A864FE3F84}" destId="{4B3A784F-0CB9-45BE-B08B-4F8C82B8F57A}" srcOrd="0" destOrd="0" presId="urn:microsoft.com/office/officeart/2005/8/layout/orgChart1"/>
-    <dgm:cxn modelId="{07A051C1-3718-4FCF-B116-296E5C61E658}" srcId="{D68A1F77-1578-47CD-8AE5-056C7A74C7F2}" destId="{82F02F03-730A-4DAF-A057-D4D610D8A5E8}" srcOrd="0" destOrd="0" parTransId="{7B5DBD78-3F9C-474E-9875-5622DCB3EB95}" sibTransId="{76C6719B-D346-4A08-87C0-CBD3E0675760}"/>
-    <dgm:cxn modelId="{13CDEAC5-84E6-4E86-A3CF-CB91AC1B9253}" type="presOf" srcId="{DC8FD187-F37F-45CC-89B8-FC57590D8D30}" destId="{EF99108C-757D-4CDF-ACB9-0A8ED92A59F8}" srcOrd="0" destOrd="0" presId="urn:microsoft.com/office/officeart/2005/8/layout/orgChart1"/>
+    <dgm:cxn modelId="{EABB91F7-DC39-4AB0-A1B8-80E39631F911}" type="presOf" srcId="{B6430358-897E-4976-91D7-D915E852B36D}" destId="{09CC0655-B7EE-43EB-BC5F-76223478FD78}" srcOrd="0" destOrd="0" presId="urn:microsoft.com/office/officeart/2005/8/layout/orgChart1"/>
     <dgm:cxn modelId="{5A2E3DDF-F322-470A-A249-94DE015AEAFA}" srcId="{5038F9C8-3BC1-487B-AE8D-DAEB88C1A31C}" destId="{1CA9A764-0689-471E-A5BA-B3E1A99494A5}" srcOrd="0" destOrd="0" parTransId="{B6430358-897E-4976-91D7-D915E852B36D}" sibTransId="{8B0FCB8D-5FE6-4969-AB03-28DCF44FAF5C}"/>
-    <dgm:cxn modelId="{CAA6C7EA-1DEC-4DBB-B74B-B9F7F04EF4D4}" type="presOf" srcId="{1CA9A764-0689-471E-A5BA-B3E1A99494A5}" destId="{67B637C7-D8B0-490D-9642-F5133505FA30}" srcOrd="1" destOrd="0" presId="urn:microsoft.com/office/officeart/2005/8/layout/orgChart1"/>
-    <dgm:cxn modelId="{1B4CDEEA-9124-4E99-B53B-C2B58DC53395}" type="presOf" srcId="{09094470-15E0-4EBF-A323-E2FD19198363}" destId="{F1A6C34D-97CE-48AF-B526-9324C873A645}" srcOrd="0" destOrd="0" presId="urn:microsoft.com/office/officeart/2005/8/layout/orgChart1"/>
-    <dgm:cxn modelId="{EABB91F7-DC39-4AB0-A1B8-80E39631F911}" type="presOf" srcId="{B6430358-897E-4976-91D7-D915E852B36D}" destId="{09CC0655-B7EE-43EB-BC5F-76223478FD78}" srcOrd="0" destOrd="0" presId="urn:microsoft.com/office/officeart/2005/8/layout/orgChart1"/>
     <dgm:cxn modelId="{3B258A9D-00F4-4E2C-8D47-4F01B080CA09}" type="presParOf" srcId="{25994067-A961-4CB2-B7B1-0EF923F95F6D}" destId="{91D4F938-717F-436F-84CA-DF43B34C43F6}" srcOrd="0" destOrd="0" presId="urn:microsoft.com/office/officeart/2005/8/layout/orgChart1"/>
     <dgm:cxn modelId="{450931F3-9A45-4ABD-8571-F8A51E310985}" type="presParOf" srcId="{91D4F938-717F-436F-84CA-DF43B34C43F6}" destId="{34179DB5-25F8-45D1-B2E9-A8C3BA70BE77}" srcOrd="0" destOrd="0" presId="urn:microsoft.com/office/officeart/2005/8/layout/orgChart1"/>
     <dgm:cxn modelId="{9A70406E-696E-41B0-A949-2BEC5E383509}" type="presParOf" srcId="{34179DB5-25F8-45D1-B2E9-A8C3BA70BE77}" destId="{CFB66C49-9DBB-43C1-AC1C-A20BDD43BAAA}" srcOrd="0" destOrd="0" presId="urn:microsoft.com/office/officeart/2005/8/layout/orgChart1"/>
@@ -8941,6 +9417,13 @@
         </dgm:presLayoutVars>
       </dgm:prSet>
       <dgm:spPr/>
+      <dgm:t>
+        <a:bodyPr/>
+        <a:lstStyle/>
+        <a:p>
+          <a:endParaRPr lang="en-US"/>
+        </a:p>
+      </dgm:t>
     </dgm:pt>
     <dgm:pt modelId="{91D4F938-717F-436F-84CA-DF43B34C43F6}" type="pres">
       <dgm:prSet presAssocID="{82F02F03-730A-4DAF-A057-D4D610D8A5E8}" presName="hierRoot1" presStyleCnt="0">
@@ -8961,10 +9444,24 @@
         </dgm:presLayoutVars>
       </dgm:prSet>
       <dgm:spPr/>
+      <dgm:t>
+        <a:bodyPr/>
+        <a:lstStyle/>
+        <a:p>
+          <a:endParaRPr lang="en-US"/>
+        </a:p>
+      </dgm:t>
     </dgm:pt>
     <dgm:pt modelId="{6A2119DF-43AD-4E86-9A40-DBFA2353F0B5}" type="pres">
       <dgm:prSet presAssocID="{82F02F03-730A-4DAF-A057-D4D610D8A5E8}" presName="rootConnector1" presStyleLbl="node1" presStyleIdx="0" presStyleCnt="0"/>
       <dgm:spPr/>
+      <dgm:t>
+        <a:bodyPr/>
+        <a:lstStyle/>
+        <a:p>
+          <a:endParaRPr lang="en-US"/>
+        </a:p>
+      </dgm:t>
     </dgm:pt>
     <dgm:pt modelId="{BB9D2F33-27DA-4971-AB2B-F535644B44B5}" type="pres">
       <dgm:prSet presAssocID="{82F02F03-730A-4DAF-A057-D4D610D8A5E8}" presName="hierChild2" presStyleCnt="0"/>
@@ -8973,6 +9470,13 @@
     <dgm:pt modelId="{4B3A784F-0CB9-45BE-B08B-4F8C82B8F57A}" type="pres">
       <dgm:prSet presAssocID="{1832E33E-7B2B-4550-AFE8-53A864FE3F84}" presName="Name37" presStyleLbl="parChTrans1D2" presStyleIdx="0" presStyleCnt="2"/>
       <dgm:spPr/>
+      <dgm:t>
+        <a:bodyPr/>
+        <a:lstStyle/>
+        <a:p>
+          <a:endParaRPr lang="en-US"/>
+        </a:p>
+      </dgm:t>
     </dgm:pt>
     <dgm:pt modelId="{5F485FD0-6DFC-4AF0-963D-D5CCEAF00C38}" type="pres">
       <dgm:prSet presAssocID="{5038F9C8-3BC1-487B-AE8D-DAEB88C1A31C}" presName="hierRoot2" presStyleCnt="0">
@@ -8993,10 +9497,24 @@
         </dgm:presLayoutVars>
       </dgm:prSet>
       <dgm:spPr/>
+      <dgm:t>
+        <a:bodyPr/>
+        <a:lstStyle/>
+        <a:p>
+          <a:endParaRPr lang="en-US"/>
+        </a:p>
+      </dgm:t>
     </dgm:pt>
     <dgm:pt modelId="{7F648040-6254-47B7-9FA3-32C69B141683}" type="pres">
       <dgm:prSet presAssocID="{5038F9C8-3BC1-487B-AE8D-DAEB88C1A31C}" presName="rootConnector" presStyleLbl="node2" presStyleIdx="0" presStyleCnt="2"/>
       <dgm:spPr/>
+      <dgm:t>
+        <a:bodyPr/>
+        <a:lstStyle/>
+        <a:p>
+          <a:endParaRPr lang="en-US"/>
+        </a:p>
+      </dgm:t>
     </dgm:pt>
     <dgm:pt modelId="{721F8B45-F507-4648-9B38-68C55EF8F11D}" type="pres">
       <dgm:prSet presAssocID="{5038F9C8-3BC1-487B-AE8D-DAEB88C1A31C}" presName="hierChild4" presStyleCnt="0"/>
@@ -9005,6 +9523,13 @@
     <dgm:pt modelId="{09CC0655-B7EE-43EB-BC5F-76223478FD78}" type="pres">
       <dgm:prSet presAssocID="{B6430358-897E-4976-91D7-D915E852B36D}" presName="Name37" presStyleLbl="parChTrans1D3" presStyleIdx="0" presStyleCnt="1"/>
       <dgm:spPr/>
+      <dgm:t>
+        <a:bodyPr/>
+        <a:lstStyle/>
+        <a:p>
+          <a:endParaRPr lang="en-US"/>
+        </a:p>
+      </dgm:t>
     </dgm:pt>
     <dgm:pt modelId="{E5A4A641-74B0-4CE3-9DB5-AA384A86B330}" type="pres">
       <dgm:prSet presAssocID="{1CA9A764-0689-471E-A5BA-B3E1A99494A5}" presName="hierRoot2" presStyleCnt="0">
@@ -9025,10 +9550,24 @@
         </dgm:presLayoutVars>
       </dgm:prSet>
       <dgm:spPr/>
+      <dgm:t>
+        <a:bodyPr/>
+        <a:lstStyle/>
+        <a:p>
+          <a:endParaRPr lang="en-US"/>
+        </a:p>
+      </dgm:t>
     </dgm:pt>
     <dgm:pt modelId="{67B637C7-D8B0-490D-9642-F5133505FA30}" type="pres">
       <dgm:prSet presAssocID="{1CA9A764-0689-471E-A5BA-B3E1A99494A5}" presName="rootConnector" presStyleLbl="node3" presStyleIdx="0" presStyleCnt="1"/>
       <dgm:spPr/>
+      <dgm:t>
+        <a:bodyPr/>
+        <a:lstStyle/>
+        <a:p>
+          <a:endParaRPr lang="en-US"/>
+        </a:p>
+      </dgm:t>
     </dgm:pt>
     <dgm:pt modelId="{FF37A539-0627-4602-8815-5DDE992A5C63}" type="pres">
       <dgm:prSet presAssocID="{1CA9A764-0689-471E-A5BA-B3E1A99494A5}" presName="hierChild4" presStyleCnt="0"/>
@@ -9045,6 +9584,13 @@
     <dgm:pt modelId="{EF99108C-757D-4CDF-ACB9-0A8ED92A59F8}" type="pres">
       <dgm:prSet presAssocID="{DC8FD187-F37F-45CC-89B8-FC57590D8D30}" presName="Name37" presStyleLbl="parChTrans1D2" presStyleIdx="1" presStyleCnt="2"/>
       <dgm:spPr/>
+      <dgm:t>
+        <a:bodyPr/>
+        <a:lstStyle/>
+        <a:p>
+          <a:endParaRPr lang="en-US"/>
+        </a:p>
+      </dgm:t>
     </dgm:pt>
     <dgm:pt modelId="{D198DA8C-335F-4F68-8E7C-56756AAF83DB}" type="pres">
       <dgm:prSet presAssocID="{09094470-15E0-4EBF-A323-E2FD19198363}" presName="hierRoot2" presStyleCnt="0">
@@ -9065,10 +9611,24 @@
         </dgm:presLayoutVars>
       </dgm:prSet>
       <dgm:spPr/>
+      <dgm:t>
+        <a:bodyPr/>
+        <a:lstStyle/>
+        <a:p>
+          <a:endParaRPr lang="en-US"/>
+        </a:p>
+      </dgm:t>
     </dgm:pt>
     <dgm:pt modelId="{B02177E1-104A-4886-99C9-A8F7D7EF4F4E}" type="pres">
       <dgm:prSet presAssocID="{09094470-15E0-4EBF-A323-E2FD19198363}" presName="rootConnector" presStyleLbl="node2" presStyleIdx="1" presStyleCnt="2"/>
       <dgm:spPr/>
+      <dgm:t>
+        <a:bodyPr/>
+        <a:lstStyle/>
+        <a:p>
+          <a:endParaRPr lang="en-US"/>
+        </a:p>
+      </dgm:t>
     </dgm:pt>
     <dgm:pt modelId="{93C7316F-7769-4B3C-BA40-822E755397CF}" type="pres">
       <dgm:prSet presAssocID="{09094470-15E0-4EBF-A323-E2FD19198363}" presName="hierChild4" presStyleCnt="0"/>
@@ -9084,22 +9644,22 @@
     </dgm:pt>
   </dgm:ptLst>
   <dgm:cxnLst>
+    <dgm:cxn modelId="{CAA6C7EA-1DEC-4DBB-B74B-B9F7F04EF4D4}" type="presOf" srcId="{1CA9A764-0689-471E-A5BA-B3E1A99494A5}" destId="{67B637C7-D8B0-490D-9642-F5133505FA30}" srcOrd="1" destOrd="0" presId="urn:microsoft.com/office/officeart/2005/8/layout/orgChart1"/>
+    <dgm:cxn modelId="{5684DA7F-568E-4849-9C74-1B2E84532BD2}" srcId="{82F02F03-730A-4DAF-A057-D4D610D8A5E8}" destId="{09094470-15E0-4EBF-A323-E2FD19198363}" srcOrd="1" destOrd="0" parTransId="{DC8FD187-F37F-45CC-89B8-FC57590D8D30}" sibTransId="{42C96DCC-09FB-4AE5-97E5-4A7C4279D296}"/>
+    <dgm:cxn modelId="{1B4CDEEA-9124-4E99-B53B-C2B58DC53395}" type="presOf" srcId="{09094470-15E0-4EBF-A323-E2FD19198363}" destId="{F1A6C34D-97CE-48AF-B526-9324C873A645}" srcOrd="0" destOrd="0" presId="urn:microsoft.com/office/officeart/2005/8/layout/orgChart1"/>
+    <dgm:cxn modelId="{9C9E49A9-33A8-404B-A342-F04E48D2CD5C}" type="presOf" srcId="{D68A1F77-1578-47CD-8AE5-056C7A74C7F2}" destId="{25994067-A961-4CB2-B7B1-0EF923F95F6D}" srcOrd="0" destOrd="0" presId="urn:microsoft.com/office/officeart/2005/8/layout/orgChart1"/>
+    <dgm:cxn modelId="{BBA6054D-CE0F-4FD9-B6B1-75301A03C40E}" srcId="{82F02F03-730A-4DAF-A057-D4D610D8A5E8}" destId="{5038F9C8-3BC1-487B-AE8D-DAEB88C1A31C}" srcOrd="0" destOrd="0" parTransId="{1832E33E-7B2B-4550-AFE8-53A864FE3F84}" sibTransId="{EB20B15B-E4CD-42D1-AC3E-CF832B50C832}"/>
+    <dgm:cxn modelId="{13CDEAC5-84E6-4E86-A3CF-CB91AC1B9253}" type="presOf" srcId="{DC8FD187-F37F-45CC-89B8-FC57590D8D30}" destId="{EF99108C-757D-4CDF-ACB9-0A8ED92A59F8}" srcOrd="0" destOrd="0" presId="urn:microsoft.com/office/officeart/2005/8/layout/orgChart1"/>
     <dgm:cxn modelId="{F3E6771B-B31E-45DB-B4CC-124B72CE53D3}" type="presOf" srcId="{5038F9C8-3BC1-487B-AE8D-DAEB88C1A31C}" destId="{CC7CC848-C007-401B-A13D-E366E4A1DC8D}" srcOrd="0" destOrd="0" presId="urn:microsoft.com/office/officeart/2005/8/layout/orgChart1"/>
+    <dgm:cxn modelId="{07A051C1-3718-4FCF-B116-296E5C61E658}" srcId="{D68A1F77-1578-47CD-8AE5-056C7A74C7F2}" destId="{82F02F03-730A-4DAF-A057-D4D610D8A5E8}" srcOrd="0" destOrd="0" parTransId="{7B5DBD78-3F9C-474E-9875-5622DCB3EB95}" sibTransId="{76C6719B-D346-4A08-87C0-CBD3E0675760}"/>
+    <dgm:cxn modelId="{3A1491AC-5B01-4AE1-92B1-51D6ABF2D2F8}" type="presOf" srcId="{1832E33E-7B2B-4550-AFE8-53A864FE3F84}" destId="{4B3A784F-0CB9-45BE-B08B-4F8C82B8F57A}" srcOrd="0" destOrd="0" presId="urn:microsoft.com/office/officeart/2005/8/layout/orgChart1"/>
+    <dgm:cxn modelId="{E6B9D727-61C5-42D7-8646-5472CE72C090}" type="presOf" srcId="{09094470-15E0-4EBF-A323-E2FD19198363}" destId="{B02177E1-104A-4886-99C9-A8F7D7EF4F4E}" srcOrd="1" destOrd="0" presId="urn:microsoft.com/office/officeart/2005/8/layout/orgChart1"/>
+    <dgm:cxn modelId="{12B45C36-D7B4-4DC5-AC32-20F1C412A4F4}" type="presOf" srcId="{82F02F03-730A-4DAF-A057-D4D610D8A5E8}" destId="{6A2119DF-43AD-4E86-9A40-DBFA2353F0B5}" srcOrd="1" destOrd="0" presId="urn:microsoft.com/office/officeart/2005/8/layout/orgChart1"/>
+    <dgm:cxn modelId="{B572F72B-EC56-40A4-B4AB-D79E75284F37}" type="presOf" srcId="{82F02F03-730A-4DAF-A057-D4D610D8A5E8}" destId="{CFB66C49-9DBB-43C1-AC1C-A20BDD43BAAA}" srcOrd="0" destOrd="0" presId="urn:microsoft.com/office/officeart/2005/8/layout/orgChart1"/>
     <dgm:cxn modelId="{5615011D-6EDC-49C3-8A5A-D063DC5A118B}" type="presOf" srcId="{5038F9C8-3BC1-487B-AE8D-DAEB88C1A31C}" destId="{7F648040-6254-47B7-9FA3-32C69B141683}" srcOrd="1" destOrd="0" presId="urn:microsoft.com/office/officeart/2005/8/layout/orgChart1"/>
-    <dgm:cxn modelId="{E6B9D727-61C5-42D7-8646-5472CE72C090}" type="presOf" srcId="{09094470-15E0-4EBF-A323-E2FD19198363}" destId="{B02177E1-104A-4886-99C9-A8F7D7EF4F4E}" srcOrd="1" destOrd="0" presId="urn:microsoft.com/office/officeart/2005/8/layout/orgChart1"/>
-    <dgm:cxn modelId="{B572F72B-EC56-40A4-B4AB-D79E75284F37}" type="presOf" srcId="{82F02F03-730A-4DAF-A057-D4D610D8A5E8}" destId="{CFB66C49-9DBB-43C1-AC1C-A20BDD43BAAA}" srcOrd="0" destOrd="0" presId="urn:microsoft.com/office/officeart/2005/8/layout/orgChart1"/>
-    <dgm:cxn modelId="{12B45C36-D7B4-4DC5-AC32-20F1C412A4F4}" type="presOf" srcId="{82F02F03-730A-4DAF-A057-D4D610D8A5E8}" destId="{6A2119DF-43AD-4E86-9A40-DBFA2353F0B5}" srcOrd="1" destOrd="0" presId="urn:microsoft.com/office/officeart/2005/8/layout/orgChart1"/>
-    <dgm:cxn modelId="{BBA6054D-CE0F-4FD9-B6B1-75301A03C40E}" srcId="{82F02F03-730A-4DAF-A057-D4D610D8A5E8}" destId="{5038F9C8-3BC1-487B-AE8D-DAEB88C1A31C}" srcOrd="0" destOrd="0" parTransId="{1832E33E-7B2B-4550-AFE8-53A864FE3F84}" sibTransId="{EB20B15B-E4CD-42D1-AC3E-CF832B50C832}"/>
-    <dgm:cxn modelId="{5684DA7F-568E-4849-9C74-1B2E84532BD2}" srcId="{82F02F03-730A-4DAF-A057-D4D610D8A5E8}" destId="{09094470-15E0-4EBF-A323-E2FD19198363}" srcOrd="1" destOrd="0" parTransId="{DC8FD187-F37F-45CC-89B8-FC57590D8D30}" sibTransId="{42C96DCC-09FB-4AE5-97E5-4A7C4279D296}"/>
     <dgm:cxn modelId="{570AA49D-A10B-495C-8F76-83A0E667436B}" type="presOf" srcId="{1CA9A764-0689-471E-A5BA-B3E1A99494A5}" destId="{916EE394-35DE-474F-85AB-FD50E040F8A5}" srcOrd="0" destOrd="0" presId="urn:microsoft.com/office/officeart/2005/8/layout/orgChart1"/>
-    <dgm:cxn modelId="{9C9E49A9-33A8-404B-A342-F04E48D2CD5C}" type="presOf" srcId="{D68A1F77-1578-47CD-8AE5-056C7A74C7F2}" destId="{25994067-A961-4CB2-B7B1-0EF923F95F6D}" srcOrd="0" destOrd="0" presId="urn:microsoft.com/office/officeart/2005/8/layout/orgChart1"/>
-    <dgm:cxn modelId="{3A1491AC-5B01-4AE1-92B1-51D6ABF2D2F8}" type="presOf" srcId="{1832E33E-7B2B-4550-AFE8-53A864FE3F84}" destId="{4B3A784F-0CB9-45BE-B08B-4F8C82B8F57A}" srcOrd="0" destOrd="0" presId="urn:microsoft.com/office/officeart/2005/8/layout/orgChart1"/>
-    <dgm:cxn modelId="{07A051C1-3718-4FCF-B116-296E5C61E658}" srcId="{D68A1F77-1578-47CD-8AE5-056C7A74C7F2}" destId="{82F02F03-730A-4DAF-A057-D4D610D8A5E8}" srcOrd="0" destOrd="0" parTransId="{7B5DBD78-3F9C-474E-9875-5622DCB3EB95}" sibTransId="{76C6719B-D346-4A08-87C0-CBD3E0675760}"/>
-    <dgm:cxn modelId="{13CDEAC5-84E6-4E86-A3CF-CB91AC1B9253}" type="presOf" srcId="{DC8FD187-F37F-45CC-89B8-FC57590D8D30}" destId="{EF99108C-757D-4CDF-ACB9-0A8ED92A59F8}" srcOrd="0" destOrd="0" presId="urn:microsoft.com/office/officeart/2005/8/layout/orgChart1"/>
+    <dgm:cxn modelId="{EABB91F7-DC39-4AB0-A1B8-80E39631F911}" type="presOf" srcId="{B6430358-897E-4976-91D7-D915E852B36D}" destId="{09CC0655-B7EE-43EB-BC5F-76223478FD78}" srcOrd="0" destOrd="0" presId="urn:microsoft.com/office/officeart/2005/8/layout/orgChart1"/>
     <dgm:cxn modelId="{5A2E3DDF-F322-470A-A249-94DE015AEAFA}" srcId="{5038F9C8-3BC1-487B-AE8D-DAEB88C1A31C}" destId="{1CA9A764-0689-471E-A5BA-B3E1A99494A5}" srcOrd="0" destOrd="0" parTransId="{B6430358-897E-4976-91D7-D915E852B36D}" sibTransId="{8B0FCB8D-5FE6-4969-AB03-28DCF44FAF5C}"/>
-    <dgm:cxn modelId="{CAA6C7EA-1DEC-4DBB-B74B-B9F7F04EF4D4}" type="presOf" srcId="{1CA9A764-0689-471E-A5BA-B3E1A99494A5}" destId="{67B637C7-D8B0-490D-9642-F5133505FA30}" srcOrd="1" destOrd="0" presId="urn:microsoft.com/office/officeart/2005/8/layout/orgChart1"/>
-    <dgm:cxn modelId="{1B4CDEEA-9124-4E99-B53B-C2B58DC53395}" type="presOf" srcId="{09094470-15E0-4EBF-A323-E2FD19198363}" destId="{F1A6C34D-97CE-48AF-B526-9324C873A645}" srcOrd="0" destOrd="0" presId="urn:microsoft.com/office/officeart/2005/8/layout/orgChart1"/>
-    <dgm:cxn modelId="{EABB91F7-DC39-4AB0-A1B8-80E39631F911}" type="presOf" srcId="{B6430358-897E-4976-91D7-D915E852B36D}" destId="{09CC0655-B7EE-43EB-BC5F-76223478FD78}" srcOrd="0" destOrd="0" presId="urn:microsoft.com/office/officeart/2005/8/layout/orgChart1"/>
     <dgm:cxn modelId="{3B258A9D-00F4-4E2C-8D47-4F01B080CA09}" type="presParOf" srcId="{25994067-A961-4CB2-B7B1-0EF923F95F6D}" destId="{91D4F938-717F-436F-84CA-DF43B34C43F6}" srcOrd="0" destOrd="0" presId="urn:microsoft.com/office/officeart/2005/8/layout/orgChart1"/>
     <dgm:cxn modelId="{450931F3-9A45-4ABD-8571-F8A51E310985}" type="presParOf" srcId="{91D4F938-717F-436F-84CA-DF43B34C43F6}" destId="{34179DB5-25F8-45D1-B2E9-A8C3BA70BE77}" srcOrd="0" destOrd="0" presId="urn:microsoft.com/office/officeart/2005/8/layout/orgChart1"/>
     <dgm:cxn modelId="{9A70406E-696E-41B0-A949-2BEC5E383509}" type="presParOf" srcId="{34179DB5-25F8-45D1-B2E9-A8C3BA70BE77}" destId="{CFB66C49-9DBB-43C1-AC1C-A20BDD43BAAA}" srcOrd="0" destOrd="0" presId="urn:microsoft.com/office/officeart/2005/8/layout/orgChart1"/>
@@ -9348,6 +9908,13 @@
         </dgm:presLayoutVars>
       </dgm:prSet>
       <dgm:spPr/>
+      <dgm:t>
+        <a:bodyPr/>
+        <a:lstStyle/>
+        <a:p>
+          <a:endParaRPr lang="en-US"/>
+        </a:p>
+      </dgm:t>
     </dgm:pt>
     <dgm:pt modelId="{ECA2C88C-D615-4E2E-B42C-C00BC416D797}" type="pres">
       <dgm:prSet presAssocID="{633E2B12-D814-49FC-A04A-406D06EF8FF8}" presName="hierRoot1" presStyleCnt="0">
@@ -9368,10 +9935,24 @@
         </dgm:presLayoutVars>
       </dgm:prSet>
       <dgm:spPr/>
+      <dgm:t>
+        <a:bodyPr/>
+        <a:lstStyle/>
+        <a:p>
+          <a:endParaRPr lang="en-US"/>
+        </a:p>
+      </dgm:t>
     </dgm:pt>
     <dgm:pt modelId="{660A4CDC-B7CC-42E3-A254-083E39E51A93}" type="pres">
       <dgm:prSet presAssocID="{633E2B12-D814-49FC-A04A-406D06EF8FF8}" presName="rootConnector1" presStyleLbl="node1" presStyleIdx="0" presStyleCnt="0"/>
       <dgm:spPr/>
+      <dgm:t>
+        <a:bodyPr/>
+        <a:lstStyle/>
+        <a:p>
+          <a:endParaRPr lang="en-US"/>
+        </a:p>
+      </dgm:t>
     </dgm:pt>
     <dgm:pt modelId="{FB63E89E-25FC-41EF-B05F-4E6AAFF77E72}" type="pres">
       <dgm:prSet presAssocID="{633E2B12-D814-49FC-A04A-406D06EF8FF8}" presName="hierChild2" presStyleCnt="0"/>
@@ -9380,6 +9961,13 @@
     <dgm:pt modelId="{0BDCFCEF-4DA5-4F84-8CF1-79A298925354}" type="pres">
       <dgm:prSet presAssocID="{0233B7A2-70BB-479A-B109-198EC76B94E8}" presName="Name37" presStyleLbl="parChTrans1D2" presStyleIdx="0" presStyleCnt="4"/>
       <dgm:spPr/>
+      <dgm:t>
+        <a:bodyPr/>
+        <a:lstStyle/>
+        <a:p>
+          <a:endParaRPr lang="en-US"/>
+        </a:p>
+      </dgm:t>
     </dgm:pt>
     <dgm:pt modelId="{B1CA1298-C794-49FC-ADB6-A1711E3D5FCB}" type="pres">
       <dgm:prSet presAssocID="{D813352F-01D1-481A-9A02-980BA7E6CD3B}" presName="hierRoot2" presStyleCnt="0">
@@ -9400,10 +9988,24 @@
         </dgm:presLayoutVars>
       </dgm:prSet>
       <dgm:spPr/>
+      <dgm:t>
+        <a:bodyPr/>
+        <a:lstStyle/>
+        <a:p>
+          <a:endParaRPr lang="en-US"/>
+        </a:p>
+      </dgm:t>
     </dgm:pt>
     <dgm:pt modelId="{F9814A54-9B03-4B83-BA82-BC0A883318B8}" type="pres">
       <dgm:prSet presAssocID="{D813352F-01D1-481A-9A02-980BA7E6CD3B}" presName="rootConnector" presStyleLbl="node2" presStyleIdx="0" presStyleCnt="3"/>
       <dgm:spPr/>
+      <dgm:t>
+        <a:bodyPr/>
+        <a:lstStyle/>
+        <a:p>
+          <a:endParaRPr lang="en-US"/>
+        </a:p>
+      </dgm:t>
     </dgm:pt>
     <dgm:pt modelId="{2D4EC02B-7C1A-4384-BD76-8CEBF8926D99}" type="pres">
       <dgm:prSet presAssocID="{D813352F-01D1-481A-9A02-980BA7E6CD3B}" presName="hierChild4" presStyleCnt="0"/>
@@ -9416,6 +10018,13 @@
     <dgm:pt modelId="{CA1E57DC-8384-4B34-8F86-0E010111B660}" type="pres">
       <dgm:prSet presAssocID="{289F6346-45D7-4B9E-AF59-978D233D4E81}" presName="Name37" presStyleLbl="parChTrans1D2" presStyleIdx="1" presStyleCnt="4"/>
       <dgm:spPr/>
+      <dgm:t>
+        <a:bodyPr/>
+        <a:lstStyle/>
+        <a:p>
+          <a:endParaRPr lang="en-US"/>
+        </a:p>
+      </dgm:t>
     </dgm:pt>
     <dgm:pt modelId="{B4343245-4B8E-47C2-9DD1-E75C54AA6821}" type="pres">
       <dgm:prSet presAssocID="{774C59C7-E738-409A-B9AB-919891994F3B}" presName="hierRoot2" presStyleCnt="0">
@@ -9436,10 +10045,24 @@
         </dgm:presLayoutVars>
       </dgm:prSet>
       <dgm:spPr/>
+      <dgm:t>
+        <a:bodyPr/>
+        <a:lstStyle/>
+        <a:p>
+          <a:endParaRPr lang="en-US"/>
+        </a:p>
+      </dgm:t>
     </dgm:pt>
     <dgm:pt modelId="{87005E1C-4A48-4414-B42C-19FDC708ED69}" type="pres">
       <dgm:prSet presAssocID="{774C59C7-E738-409A-B9AB-919891994F3B}" presName="rootConnector" presStyleLbl="node2" presStyleIdx="1" presStyleCnt="3"/>
       <dgm:spPr/>
+      <dgm:t>
+        <a:bodyPr/>
+        <a:lstStyle/>
+        <a:p>
+          <a:endParaRPr lang="en-US"/>
+        </a:p>
+      </dgm:t>
     </dgm:pt>
     <dgm:pt modelId="{5B5955E0-DF23-4C62-9D00-5A1084BC4E80}" type="pres">
       <dgm:prSet presAssocID="{774C59C7-E738-409A-B9AB-919891994F3B}" presName="hierChild4" presStyleCnt="0"/>
@@ -9452,6 +10075,13 @@
     <dgm:pt modelId="{1751A6E1-37FE-455D-B0B7-542E37B3D57B}" type="pres">
       <dgm:prSet presAssocID="{A7FA1EFD-06E4-4B50-B61C-188BC2EF8724}" presName="Name37" presStyleLbl="parChTrans1D2" presStyleIdx="2" presStyleCnt="4"/>
       <dgm:spPr/>
+      <dgm:t>
+        <a:bodyPr/>
+        <a:lstStyle/>
+        <a:p>
+          <a:endParaRPr lang="en-US"/>
+        </a:p>
+      </dgm:t>
     </dgm:pt>
     <dgm:pt modelId="{716A3725-7B21-40E3-945C-5B476FC75EC8}" type="pres">
       <dgm:prSet presAssocID="{9EC142FF-CA8E-4760-A0D5-4CCFC2A4B6E6}" presName="hierRoot2" presStyleCnt="0">
@@ -9472,10 +10102,24 @@
         </dgm:presLayoutVars>
       </dgm:prSet>
       <dgm:spPr/>
+      <dgm:t>
+        <a:bodyPr/>
+        <a:lstStyle/>
+        <a:p>
+          <a:endParaRPr lang="en-US"/>
+        </a:p>
+      </dgm:t>
     </dgm:pt>
     <dgm:pt modelId="{2C4D7FEB-693A-40E6-948D-3E239CCB3192}" type="pres">
       <dgm:prSet presAssocID="{9EC142FF-CA8E-4760-A0D5-4CCFC2A4B6E6}" presName="rootConnector" presStyleLbl="node2" presStyleIdx="2" presStyleCnt="3"/>
       <dgm:spPr/>
+      <dgm:t>
+        <a:bodyPr/>
+        <a:lstStyle/>
+        <a:p>
+          <a:endParaRPr lang="en-US"/>
+        </a:p>
+      </dgm:t>
     </dgm:pt>
     <dgm:pt modelId="{D683FC35-ACA3-4AE2-9107-C6A718905D4B}" type="pres">
       <dgm:prSet presAssocID="{9EC142FF-CA8E-4760-A0D5-4CCFC2A4B6E6}" presName="hierChild4" presStyleCnt="0"/>
@@ -9492,6 +10136,13 @@
     <dgm:pt modelId="{ABECBCFC-7D7C-43B3-8A70-D5A6385A2A42}" type="pres">
       <dgm:prSet presAssocID="{EA5638EA-EAD3-4645-A9B2-603E1F1B4DD5}" presName="Name111" presStyleLbl="parChTrans1D2" presStyleIdx="3" presStyleCnt="4"/>
       <dgm:spPr/>
+      <dgm:t>
+        <a:bodyPr/>
+        <a:lstStyle/>
+        <a:p>
+          <a:endParaRPr lang="en-US"/>
+        </a:p>
+      </dgm:t>
     </dgm:pt>
     <dgm:pt modelId="{EC4098E9-2FAF-4C7D-8E2B-D449B69CD4E3}" type="pres">
       <dgm:prSet presAssocID="{D93C49F0-5742-4ABD-91FD-9B609136D71C}" presName="hierRoot3" presStyleCnt="0">
@@ -9512,10 +10163,24 @@
         </dgm:presLayoutVars>
       </dgm:prSet>
       <dgm:spPr/>
+      <dgm:t>
+        <a:bodyPr/>
+        <a:lstStyle/>
+        <a:p>
+          <a:endParaRPr lang="en-US"/>
+        </a:p>
+      </dgm:t>
     </dgm:pt>
     <dgm:pt modelId="{374C2056-CF4E-4B17-B073-0E1BDD4C8DC5}" type="pres">
       <dgm:prSet presAssocID="{D93C49F0-5742-4ABD-91FD-9B609136D71C}" presName="rootConnector3" presStyleLbl="asst1" presStyleIdx="0" presStyleCnt="1"/>
       <dgm:spPr/>
+      <dgm:t>
+        <a:bodyPr/>
+        <a:lstStyle/>
+        <a:p>
+          <a:endParaRPr lang="en-US"/>
+        </a:p>
+      </dgm:t>
     </dgm:pt>
     <dgm:pt modelId="{96B33EDD-D1B3-4024-9F31-B1E4C4D2A49E}" type="pres">
       <dgm:prSet presAssocID="{D93C49F0-5742-4ABD-91FD-9B609136D71C}" presName="hierChild6" presStyleCnt="0"/>
@@ -9527,26 +10192,26 @@
     </dgm:pt>
   </dgm:ptLst>
   <dgm:cxnLst>
+    <dgm:cxn modelId="{48F48992-799E-4804-BDF6-5E399D2610A6}" srcId="{633E2B12-D814-49FC-A04A-406D06EF8FF8}" destId="{D813352F-01D1-481A-9A02-980BA7E6CD3B}" srcOrd="1" destOrd="0" parTransId="{0233B7A2-70BB-479A-B109-198EC76B94E8}" sibTransId="{E69A91FD-D3DE-4D15-A15D-B569F242C059}"/>
+    <dgm:cxn modelId="{08F359CF-E68C-47DE-BF7A-0D42EF5B8777}" srcId="{633E2B12-D814-49FC-A04A-406D06EF8FF8}" destId="{9EC142FF-CA8E-4760-A0D5-4CCFC2A4B6E6}" srcOrd="3" destOrd="0" parTransId="{A7FA1EFD-06E4-4B50-B61C-188BC2EF8724}" sibTransId="{332E4547-64C1-4BFB-85C5-FF5514CB4D49}"/>
+    <dgm:cxn modelId="{43007450-2E1B-4262-BF2F-AA0A9931B984}" type="presOf" srcId="{D813352F-01D1-481A-9A02-980BA7E6CD3B}" destId="{F9814A54-9B03-4B83-BA82-BC0A883318B8}" srcOrd="1" destOrd="0" presId="urn:microsoft.com/office/officeart/2005/8/layout/orgChart1"/>
+    <dgm:cxn modelId="{B8FD353E-3E96-4206-9904-980313F68BCE}" type="presOf" srcId="{9EC142FF-CA8E-4760-A0D5-4CCFC2A4B6E6}" destId="{2C4D7FEB-693A-40E6-948D-3E239CCB3192}" srcOrd="1" destOrd="0" presId="urn:microsoft.com/office/officeart/2005/8/layout/orgChart1"/>
+    <dgm:cxn modelId="{AA6BE5FE-ED45-4E9A-8A44-7526FE88D719}" srcId="{28B1549E-3546-47FE-BD63-090FD78DFBC2}" destId="{633E2B12-D814-49FC-A04A-406D06EF8FF8}" srcOrd="0" destOrd="0" parTransId="{FA783F79-0534-438B-9DA8-6B588362A5C2}" sibTransId="{A3A1DA8A-105A-409D-A215-32D37946D070}"/>
+    <dgm:cxn modelId="{16160EAC-4C1F-4BA7-A77C-FD77D05E0C74}" type="presOf" srcId="{289F6346-45D7-4B9E-AF59-978D233D4E81}" destId="{CA1E57DC-8384-4B34-8F86-0E010111B660}" srcOrd="0" destOrd="0" presId="urn:microsoft.com/office/officeart/2005/8/layout/orgChart1"/>
+    <dgm:cxn modelId="{DBEEA940-A67A-447D-AC5B-14F167C6133C}" type="presOf" srcId="{774C59C7-E738-409A-B9AB-919891994F3B}" destId="{51120241-F399-4005-B2CE-8E9E58CF30A9}" srcOrd="0" destOrd="0" presId="urn:microsoft.com/office/officeart/2005/8/layout/orgChart1"/>
+    <dgm:cxn modelId="{D75A6940-62A5-4AE5-9DF1-2CE5F21103A3}" type="presOf" srcId="{774C59C7-E738-409A-B9AB-919891994F3B}" destId="{87005E1C-4A48-4414-B42C-19FDC708ED69}" srcOrd="1" destOrd="0" presId="urn:microsoft.com/office/officeart/2005/8/layout/orgChart1"/>
+    <dgm:cxn modelId="{49A04527-4CE5-45DD-9FBC-19A5DD8AA5F1}" type="presOf" srcId="{0233B7A2-70BB-479A-B109-198EC76B94E8}" destId="{0BDCFCEF-4DA5-4F84-8CF1-79A298925354}" srcOrd="0" destOrd="0" presId="urn:microsoft.com/office/officeart/2005/8/layout/orgChart1"/>
+    <dgm:cxn modelId="{A8676DFC-4837-4EA4-B404-1548AB8C62A4}" type="presOf" srcId="{D93C49F0-5742-4ABD-91FD-9B609136D71C}" destId="{374C2056-CF4E-4B17-B073-0E1BDD4C8DC5}" srcOrd="1" destOrd="0" presId="urn:microsoft.com/office/officeart/2005/8/layout/orgChart1"/>
+    <dgm:cxn modelId="{4A5B72AF-2019-4533-8471-B85E4DA5D11F}" type="presOf" srcId="{D93C49F0-5742-4ABD-91FD-9B609136D71C}" destId="{1D3A18E8-FF26-448F-A81E-482C1B9BECAE}" srcOrd="0" destOrd="0" presId="urn:microsoft.com/office/officeart/2005/8/layout/orgChart1"/>
+    <dgm:cxn modelId="{B4949330-19A4-4817-939A-CEAE5A6EED0F}" type="presOf" srcId="{D813352F-01D1-481A-9A02-980BA7E6CD3B}" destId="{5A678087-D1F4-48FF-9198-4DA2E9452FA8}" srcOrd="0" destOrd="0" presId="urn:microsoft.com/office/officeart/2005/8/layout/orgChart1"/>
+    <dgm:cxn modelId="{DD60D280-26E4-4629-AE48-DAC81F5C7ABC}" srcId="{633E2B12-D814-49FC-A04A-406D06EF8FF8}" destId="{774C59C7-E738-409A-B9AB-919891994F3B}" srcOrd="2" destOrd="0" parTransId="{289F6346-45D7-4B9E-AF59-978D233D4E81}" sibTransId="{62CA1A5E-305C-443E-9368-70A1041AEDB0}"/>
+    <dgm:cxn modelId="{F421553A-6ED4-42F5-8415-9E8184ABBC38}" type="presOf" srcId="{A7FA1EFD-06E4-4B50-B61C-188BC2EF8724}" destId="{1751A6E1-37FE-455D-B0B7-542E37B3D57B}" srcOrd="0" destOrd="0" presId="urn:microsoft.com/office/officeart/2005/8/layout/orgChart1"/>
+    <dgm:cxn modelId="{E116A667-53EA-415C-AB9D-F24C92038E95}" srcId="{633E2B12-D814-49FC-A04A-406D06EF8FF8}" destId="{D93C49F0-5742-4ABD-91FD-9B609136D71C}" srcOrd="0" destOrd="0" parTransId="{EA5638EA-EAD3-4645-A9B2-603E1F1B4DD5}" sibTransId="{C783F9D4-DAF7-4FB2-B9BD-5ACB754B350E}"/>
     <dgm:cxn modelId="{BAEA0920-8E85-4BB6-A3B0-A5D32AB10575}" type="presOf" srcId="{28B1549E-3546-47FE-BD63-090FD78DFBC2}" destId="{058C8B29-D9C4-4B25-9838-F513E946ECD0}" srcOrd="0" destOrd="0" presId="urn:microsoft.com/office/officeart/2005/8/layout/orgChart1"/>
-    <dgm:cxn modelId="{49A04527-4CE5-45DD-9FBC-19A5DD8AA5F1}" type="presOf" srcId="{0233B7A2-70BB-479A-B109-198EC76B94E8}" destId="{0BDCFCEF-4DA5-4F84-8CF1-79A298925354}" srcOrd="0" destOrd="0" presId="urn:microsoft.com/office/officeart/2005/8/layout/orgChart1"/>
-    <dgm:cxn modelId="{B4949330-19A4-4817-939A-CEAE5A6EED0F}" type="presOf" srcId="{D813352F-01D1-481A-9A02-980BA7E6CD3B}" destId="{5A678087-D1F4-48FF-9198-4DA2E9452FA8}" srcOrd="0" destOrd="0" presId="urn:microsoft.com/office/officeart/2005/8/layout/orgChart1"/>
-    <dgm:cxn modelId="{F421553A-6ED4-42F5-8415-9E8184ABBC38}" type="presOf" srcId="{A7FA1EFD-06E4-4B50-B61C-188BC2EF8724}" destId="{1751A6E1-37FE-455D-B0B7-542E37B3D57B}" srcOrd="0" destOrd="0" presId="urn:microsoft.com/office/officeart/2005/8/layout/orgChart1"/>
-    <dgm:cxn modelId="{B8FD353E-3E96-4206-9904-980313F68BCE}" type="presOf" srcId="{9EC142FF-CA8E-4760-A0D5-4CCFC2A4B6E6}" destId="{2C4D7FEB-693A-40E6-948D-3E239CCB3192}" srcOrd="1" destOrd="0" presId="urn:microsoft.com/office/officeart/2005/8/layout/orgChart1"/>
-    <dgm:cxn modelId="{D75A6940-62A5-4AE5-9DF1-2CE5F21103A3}" type="presOf" srcId="{774C59C7-E738-409A-B9AB-919891994F3B}" destId="{87005E1C-4A48-4414-B42C-19FDC708ED69}" srcOrd="1" destOrd="0" presId="urn:microsoft.com/office/officeart/2005/8/layout/orgChart1"/>
-    <dgm:cxn modelId="{DBEEA940-A67A-447D-AC5B-14F167C6133C}" type="presOf" srcId="{774C59C7-E738-409A-B9AB-919891994F3B}" destId="{51120241-F399-4005-B2CE-8E9E58CF30A9}" srcOrd="0" destOrd="0" presId="urn:microsoft.com/office/officeart/2005/8/layout/orgChart1"/>
-    <dgm:cxn modelId="{E116A667-53EA-415C-AB9D-F24C92038E95}" srcId="{633E2B12-D814-49FC-A04A-406D06EF8FF8}" destId="{D93C49F0-5742-4ABD-91FD-9B609136D71C}" srcOrd="0" destOrd="0" parTransId="{EA5638EA-EAD3-4645-A9B2-603E1F1B4DD5}" sibTransId="{C783F9D4-DAF7-4FB2-B9BD-5ACB754B350E}"/>
-    <dgm:cxn modelId="{43007450-2E1B-4262-BF2F-AA0A9931B984}" type="presOf" srcId="{D813352F-01D1-481A-9A02-980BA7E6CD3B}" destId="{F9814A54-9B03-4B83-BA82-BC0A883318B8}" srcOrd="1" destOrd="0" presId="urn:microsoft.com/office/officeart/2005/8/layout/orgChart1"/>
+    <dgm:cxn modelId="{A4073388-61D4-4667-8ECC-DFC6C0824D9B}" type="presOf" srcId="{9EC142FF-CA8E-4760-A0D5-4CCFC2A4B6E6}" destId="{50914011-4B81-4F19-9CD1-256DF84031EF}" srcOrd="0" destOrd="0" presId="urn:microsoft.com/office/officeart/2005/8/layout/orgChart1"/>
+    <dgm:cxn modelId="{1B18AAAC-B523-4486-988A-A331BD970ED9}" type="presOf" srcId="{EA5638EA-EAD3-4645-A9B2-603E1F1B4DD5}" destId="{ABECBCFC-7D7C-43B3-8A70-D5A6385A2A42}" srcOrd="0" destOrd="0" presId="urn:microsoft.com/office/officeart/2005/8/layout/orgChart1"/>
     <dgm:cxn modelId="{1860537C-E7F7-4F65-8C9A-0122CF41A351}" type="presOf" srcId="{633E2B12-D814-49FC-A04A-406D06EF8FF8}" destId="{660A4CDC-B7CC-42E3-A254-083E39E51A93}" srcOrd="1" destOrd="0" presId="urn:microsoft.com/office/officeart/2005/8/layout/orgChart1"/>
-    <dgm:cxn modelId="{DD60D280-26E4-4629-AE48-DAC81F5C7ABC}" srcId="{633E2B12-D814-49FC-A04A-406D06EF8FF8}" destId="{774C59C7-E738-409A-B9AB-919891994F3B}" srcOrd="2" destOrd="0" parTransId="{289F6346-45D7-4B9E-AF59-978D233D4E81}" sibTransId="{62CA1A5E-305C-443E-9368-70A1041AEDB0}"/>
-    <dgm:cxn modelId="{A4073388-61D4-4667-8ECC-DFC6C0824D9B}" type="presOf" srcId="{9EC142FF-CA8E-4760-A0D5-4CCFC2A4B6E6}" destId="{50914011-4B81-4F19-9CD1-256DF84031EF}" srcOrd="0" destOrd="0" presId="urn:microsoft.com/office/officeart/2005/8/layout/orgChart1"/>
-    <dgm:cxn modelId="{48F48992-799E-4804-BDF6-5E399D2610A6}" srcId="{633E2B12-D814-49FC-A04A-406D06EF8FF8}" destId="{D813352F-01D1-481A-9A02-980BA7E6CD3B}" srcOrd="1" destOrd="0" parTransId="{0233B7A2-70BB-479A-B109-198EC76B94E8}" sibTransId="{E69A91FD-D3DE-4D15-A15D-B569F242C059}"/>
-    <dgm:cxn modelId="{16160EAC-4C1F-4BA7-A77C-FD77D05E0C74}" type="presOf" srcId="{289F6346-45D7-4B9E-AF59-978D233D4E81}" destId="{CA1E57DC-8384-4B34-8F86-0E010111B660}" srcOrd="0" destOrd="0" presId="urn:microsoft.com/office/officeart/2005/8/layout/orgChart1"/>
-    <dgm:cxn modelId="{1B18AAAC-B523-4486-988A-A331BD970ED9}" type="presOf" srcId="{EA5638EA-EAD3-4645-A9B2-603E1F1B4DD5}" destId="{ABECBCFC-7D7C-43B3-8A70-D5A6385A2A42}" srcOrd="0" destOrd="0" presId="urn:microsoft.com/office/officeart/2005/8/layout/orgChart1"/>
-    <dgm:cxn modelId="{4A5B72AF-2019-4533-8471-B85E4DA5D11F}" type="presOf" srcId="{D93C49F0-5742-4ABD-91FD-9B609136D71C}" destId="{1D3A18E8-FF26-448F-A81E-482C1B9BECAE}" srcOrd="0" destOrd="0" presId="urn:microsoft.com/office/officeart/2005/8/layout/orgChart1"/>
     <dgm:cxn modelId="{D5144ECB-976C-4D14-989E-590CB326C62D}" type="presOf" srcId="{633E2B12-D814-49FC-A04A-406D06EF8FF8}" destId="{8BBE96AC-76B8-483E-A0E7-C5D6BEB78158}" srcOrd="0" destOrd="0" presId="urn:microsoft.com/office/officeart/2005/8/layout/orgChart1"/>
-    <dgm:cxn modelId="{08F359CF-E68C-47DE-BF7A-0D42EF5B8777}" srcId="{633E2B12-D814-49FC-A04A-406D06EF8FF8}" destId="{9EC142FF-CA8E-4760-A0D5-4CCFC2A4B6E6}" srcOrd="3" destOrd="0" parTransId="{A7FA1EFD-06E4-4B50-B61C-188BC2EF8724}" sibTransId="{332E4547-64C1-4BFB-85C5-FF5514CB4D49}"/>
-    <dgm:cxn modelId="{A8676DFC-4837-4EA4-B404-1548AB8C62A4}" type="presOf" srcId="{D93C49F0-5742-4ABD-91FD-9B609136D71C}" destId="{374C2056-CF4E-4B17-B073-0E1BDD4C8DC5}" srcOrd="1" destOrd="0" presId="urn:microsoft.com/office/officeart/2005/8/layout/orgChart1"/>
-    <dgm:cxn modelId="{AA6BE5FE-ED45-4E9A-8A44-7526FE88D719}" srcId="{28B1549E-3546-47FE-BD63-090FD78DFBC2}" destId="{633E2B12-D814-49FC-A04A-406D06EF8FF8}" srcOrd="0" destOrd="0" parTransId="{FA783F79-0534-438B-9DA8-6B588362A5C2}" sibTransId="{A3A1DA8A-105A-409D-A215-32D37946D070}"/>
     <dgm:cxn modelId="{01390401-53B6-4923-96DD-9DB25135EFE8}" type="presParOf" srcId="{058C8B29-D9C4-4B25-9838-F513E946ECD0}" destId="{ECA2C88C-D615-4E2E-B42C-C00BC416D797}" srcOrd="0" destOrd="0" presId="urn:microsoft.com/office/officeart/2005/8/layout/orgChart1"/>
     <dgm:cxn modelId="{1E7DAC30-67F8-46AD-98E5-638AA75D4413}" type="presParOf" srcId="{ECA2C88C-D615-4E2E-B42C-C00BC416D797}" destId="{ADC7B1E5-2F90-4608-9BC1-721EED10B99C}" srcOrd="0" destOrd="0" presId="urn:microsoft.com/office/officeart/2005/8/layout/orgChart1"/>
     <dgm:cxn modelId="{60AB0C16-07B0-4ECD-B1F5-9510A6378657}" type="presParOf" srcId="{ADC7B1E5-2F90-4608-9BC1-721EED10B99C}" destId="{8BBE96AC-76B8-483E-A0E7-C5D6BEB78158}" srcOrd="0" destOrd="0" presId="urn:microsoft.com/office/officeart/2005/8/layout/orgChart1"/>
@@ -9762,6 +10427,13 @@
         </dgm:presLayoutVars>
       </dgm:prSet>
       <dgm:spPr/>
+      <dgm:t>
+        <a:bodyPr/>
+        <a:lstStyle/>
+        <a:p>
+          <a:endParaRPr lang="en-US"/>
+        </a:p>
+      </dgm:t>
     </dgm:pt>
     <dgm:pt modelId="{C8A4DCA0-6240-4E48-9155-0BF76163054A}" type="pres">
       <dgm:prSet presAssocID="{EB14E3D6-1D6E-4974-A4A2-0B0D501598B9}" presName="hierRoot1" presStyleCnt="0">
@@ -9782,10 +10454,24 @@
         </dgm:presLayoutVars>
       </dgm:prSet>
       <dgm:spPr/>
+      <dgm:t>
+        <a:bodyPr/>
+        <a:lstStyle/>
+        <a:p>
+          <a:endParaRPr lang="en-US"/>
+        </a:p>
+      </dgm:t>
     </dgm:pt>
     <dgm:pt modelId="{3CE276B0-B631-4CB9-BE29-E10F0D5A2261}" type="pres">
       <dgm:prSet presAssocID="{EB14E3D6-1D6E-4974-A4A2-0B0D501598B9}" presName="rootConnector1" presStyleLbl="node1" presStyleIdx="0" presStyleCnt="0"/>
       <dgm:spPr/>
+      <dgm:t>
+        <a:bodyPr/>
+        <a:lstStyle/>
+        <a:p>
+          <a:endParaRPr lang="en-US"/>
+        </a:p>
+      </dgm:t>
     </dgm:pt>
     <dgm:pt modelId="{F3D4E69B-1F51-4FCC-97F9-769282B3AC71}" type="pres">
       <dgm:prSet presAssocID="{EB14E3D6-1D6E-4974-A4A2-0B0D501598B9}" presName="hierChild2" presStyleCnt="0"/>
@@ -9794,6 +10480,13 @@
     <dgm:pt modelId="{94694679-51D4-426F-BB20-08CEE1DD2E3A}" type="pres">
       <dgm:prSet presAssocID="{991F46DC-97A5-4756-B759-F7D8C5AB683F}" presName="Name37" presStyleLbl="parChTrans1D2" presStyleIdx="0" presStyleCnt="3"/>
       <dgm:spPr/>
+      <dgm:t>
+        <a:bodyPr/>
+        <a:lstStyle/>
+        <a:p>
+          <a:endParaRPr lang="en-US"/>
+        </a:p>
+      </dgm:t>
     </dgm:pt>
     <dgm:pt modelId="{A835DE1E-0C0A-4433-B53C-DD6F9105E87C}" type="pres">
       <dgm:prSet presAssocID="{8FF62024-CBFA-4621-BFEB-20A32506277B}" presName="hierRoot2" presStyleCnt="0">
@@ -9814,10 +10507,24 @@
         </dgm:presLayoutVars>
       </dgm:prSet>
       <dgm:spPr/>
+      <dgm:t>
+        <a:bodyPr/>
+        <a:lstStyle/>
+        <a:p>
+          <a:endParaRPr lang="en-US"/>
+        </a:p>
+      </dgm:t>
     </dgm:pt>
     <dgm:pt modelId="{9B3A5B8A-24F0-4CA3-9EB1-4F06E87A8DCC}" type="pres">
       <dgm:prSet presAssocID="{8FF62024-CBFA-4621-BFEB-20A32506277B}" presName="rootConnector" presStyleLbl="node2" presStyleIdx="0" presStyleCnt="3"/>
       <dgm:spPr/>
+      <dgm:t>
+        <a:bodyPr/>
+        <a:lstStyle/>
+        <a:p>
+          <a:endParaRPr lang="en-US"/>
+        </a:p>
+      </dgm:t>
     </dgm:pt>
     <dgm:pt modelId="{8C735027-517E-456C-8DBC-760628954431}" type="pres">
       <dgm:prSet presAssocID="{8FF62024-CBFA-4621-BFEB-20A32506277B}" presName="hierChild4" presStyleCnt="0"/>
@@ -9830,6 +10537,13 @@
     <dgm:pt modelId="{28A4C586-4049-471D-8C29-D6BB2D8A9BE2}" type="pres">
       <dgm:prSet presAssocID="{531D5A78-F6B9-4654-B41C-BEC6F0C662D4}" presName="Name37" presStyleLbl="parChTrans1D2" presStyleIdx="1" presStyleCnt="3"/>
       <dgm:spPr/>
+      <dgm:t>
+        <a:bodyPr/>
+        <a:lstStyle/>
+        <a:p>
+          <a:endParaRPr lang="en-US"/>
+        </a:p>
+      </dgm:t>
     </dgm:pt>
     <dgm:pt modelId="{50F5C2EE-805E-4EA7-B5ED-A4981C7A18DA}" type="pres">
       <dgm:prSet presAssocID="{5C4CCCD5-EEDC-4A29-9D72-7CC95001D2BD}" presName="hierRoot2" presStyleCnt="0">
@@ -9850,10 +10564,24 @@
         </dgm:presLayoutVars>
       </dgm:prSet>
       <dgm:spPr/>
+      <dgm:t>
+        <a:bodyPr/>
+        <a:lstStyle/>
+        <a:p>
+          <a:endParaRPr lang="en-US"/>
+        </a:p>
+      </dgm:t>
     </dgm:pt>
     <dgm:pt modelId="{0B4FA188-9CB9-4B7D-BC77-D4DBCC4116B5}" type="pres">
       <dgm:prSet presAssocID="{5C4CCCD5-EEDC-4A29-9D72-7CC95001D2BD}" presName="rootConnector" presStyleLbl="node2" presStyleIdx="1" presStyleCnt="3"/>
       <dgm:spPr/>
+      <dgm:t>
+        <a:bodyPr/>
+        <a:lstStyle/>
+        <a:p>
+          <a:endParaRPr lang="en-US"/>
+        </a:p>
+      </dgm:t>
     </dgm:pt>
     <dgm:pt modelId="{95FCC2CC-395D-431D-B018-BDB2ED96AA75}" type="pres">
       <dgm:prSet presAssocID="{5C4CCCD5-EEDC-4A29-9D72-7CC95001D2BD}" presName="hierChild4" presStyleCnt="0"/>
@@ -9866,6 +10594,13 @@
     <dgm:pt modelId="{A6041F65-F668-47CB-8E40-1DD9336F32DA}" type="pres">
       <dgm:prSet presAssocID="{0D8A7912-6F0D-4082-9287-A04DB140563D}" presName="Name37" presStyleLbl="parChTrans1D2" presStyleIdx="2" presStyleCnt="3"/>
       <dgm:spPr/>
+      <dgm:t>
+        <a:bodyPr/>
+        <a:lstStyle/>
+        <a:p>
+          <a:endParaRPr lang="en-US"/>
+        </a:p>
+      </dgm:t>
     </dgm:pt>
     <dgm:pt modelId="{4A42761C-2E3E-47C8-84F7-B6B32658D6FB}" type="pres">
       <dgm:prSet presAssocID="{4EB5D9F1-C378-4F07-AC88-23D445A05395}" presName="hierRoot2" presStyleCnt="0">
@@ -9886,10 +10621,24 @@
         </dgm:presLayoutVars>
       </dgm:prSet>
       <dgm:spPr/>
+      <dgm:t>
+        <a:bodyPr/>
+        <a:lstStyle/>
+        <a:p>
+          <a:endParaRPr lang="en-US"/>
+        </a:p>
+      </dgm:t>
     </dgm:pt>
     <dgm:pt modelId="{2EB8220E-041B-4FA1-B60B-E83DDFCE4E0F}" type="pres">
       <dgm:prSet presAssocID="{4EB5D9F1-C378-4F07-AC88-23D445A05395}" presName="rootConnector" presStyleLbl="node2" presStyleIdx="2" presStyleCnt="3"/>
       <dgm:spPr/>
+      <dgm:t>
+        <a:bodyPr/>
+        <a:lstStyle/>
+        <a:p>
+          <a:endParaRPr lang="en-US"/>
+        </a:p>
+      </dgm:t>
     </dgm:pt>
     <dgm:pt modelId="{475051FF-1DBC-43BE-8C93-C773786DDA75}" type="pres">
       <dgm:prSet presAssocID="{4EB5D9F1-C378-4F07-AC88-23D445A05395}" presName="hierChild4" presStyleCnt="0"/>
@@ -9905,22 +10654,22 @@
     </dgm:pt>
   </dgm:ptLst>
   <dgm:cxnLst>
+    <dgm:cxn modelId="{C9B73786-F4AA-4321-86C7-D82E9C37C8C9}" type="presOf" srcId="{5C4CCCD5-EEDC-4A29-9D72-7CC95001D2BD}" destId="{A86FF4BE-53DE-4763-8E5E-5F563B363A0D}" srcOrd="0" destOrd="0" presId="urn:microsoft.com/office/officeart/2005/8/layout/orgChart1"/>
+    <dgm:cxn modelId="{F5E026B3-108A-4A54-B4DA-0164CBC5447D}" type="presOf" srcId="{EB14E3D6-1D6E-4974-A4A2-0B0D501598B9}" destId="{CD26B4E5-F4C9-4032-97BE-3F807397455E}" srcOrd="0" destOrd="0" presId="urn:microsoft.com/office/officeart/2005/8/layout/orgChart1"/>
     <dgm:cxn modelId="{675B6F43-F616-475B-8CFD-9DCE429789FE}" srcId="{EB14E3D6-1D6E-4974-A4A2-0B0D501598B9}" destId="{5C4CCCD5-EEDC-4A29-9D72-7CC95001D2BD}" srcOrd="1" destOrd="0" parTransId="{531D5A78-F6B9-4654-B41C-BEC6F0C662D4}" sibTransId="{B087C186-FE15-4358-83EB-94AB788AD558}"/>
+    <dgm:cxn modelId="{D3F64FFE-DA6E-4282-AB0E-4F7B239CDDC2}" srcId="{7AFF2EB7-C58D-4554-AA0B-B396070DBDC6}" destId="{EB14E3D6-1D6E-4974-A4A2-0B0D501598B9}" srcOrd="0" destOrd="0" parTransId="{7ABC5975-AEBD-43CD-AE73-10F8C88F243A}" sibTransId="{6C1A945E-CFFE-4E26-A643-13E95CBC2FCB}"/>
+    <dgm:cxn modelId="{D20E3A55-0D1E-465C-B5BD-F88A29E7EF89}" type="presOf" srcId="{8FF62024-CBFA-4621-BFEB-20A32506277B}" destId="{9B3A5B8A-24F0-4CA3-9EB1-4F06E87A8DCC}" srcOrd="1" destOrd="0" presId="urn:microsoft.com/office/officeart/2005/8/layout/orgChart1"/>
+    <dgm:cxn modelId="{00655271-C635-492F-98D2-A1928C293744}" type="presOf" srcId="{0D8A7912-6F0D-4082-9287-A04DB140563D}" destId="{A6041F65-F668-47CB-8E40-1DD9336F32DA}" srcOrd="0" destOrd="0" presId="urn:microsoft.com/office/officeart/2005/8/layout/orgChart1"/>
+    <dgm:cxn modelId="{A56A21EA-B352-4C6E-8969-0CBA5F2C8723}" srcId="{EB14E3D6-1D6E-4974-A4A2-0B0D501598B9}" destId="{8FF62024-CBFA-4621-BFEB-20A32506277B}" srcOrd="0" destOrd="0" parTransId="{991F46DC-97A5-4756-B759-F7D8C5AB683F}" sibTransId="{5A6222F3-3A16-472B-8990-14236ABC22C4}"/>
+    <dgm:cxn modelId="{8F5E5DAD-6754-4225-AEC9-42D78002DF1B}" type="presOf" srcId="{7AFF2EB7-C58D-4554-AA0B-B396070DBDC6}" destId="{2EC4B6A9-232D-4A8B-859D-5B20343255D7}" srcOrd="0" destOrd="0" presId="urn:microsoft.com/office/officeart/2005/8/layout/orgChart1"/>
+    <dgm:cxn modelId="{FC6788D6-9133-4C21-BF19-2B1E115F8BCF}" type="presOf" srcId="{4EB5D9F1-C378-4F07-AC88-23D445A05395}" destId="{2EB8220E-041B-4FA1-B60B-E83DDFCE4E0F}" srcOrd="1" destOrd="0" presId="urn:microsoft.com/office/officeart/2005/8/layout/orgChart1"/>
+    <dgm:cxn modelId="{89BE0077-1451-408F-B01F-F367224F1206}" type="presOf" srcId="{531D5A78-F6B9-4654-B41C-BEC6F0C662D4}" destId="{28A4C586-4049-471D-8C29-D6BB2D8A9BE2}" srcOrd="0" destOrd="0" presId="urn:microsoft.com/office/officeart/2005/8/layout/orgChart1"/>
+    <dgm:cxn modelId="{04C529E4-3479-47AC-A510-99CA106BE66F}" srcId="{EB14E3D6-1D6E-4974-A4A2-0B0D501598B9}" destId="{4EB5D9F1-C378-4F07-AC88-23D445A05395}" srcOrd="2" destOrd="0" parTransId="{0D8A7912-6F0D-4082-9287-A04DB140563D}" sibTransId="{3B7144F8-4F91-4DE4-A47A-1EAB6EFECDC0}"/>
+    <dgm:cxn modelId="{9B43B2F6-8FD2-48D6-A56E-3CC9A1109BBD}" type="presOf" srcId="{5C4CCCD5-EEDC-4A29-9D72-7CC95001D2BD}" destId="{0B4FA188-9CB9-4B7D-BC77-D4DBCC4116B5}" srcOrd="1" destOrd="0" presId="urn:microsoft.com/office/officeart/2005/8/layout/orgChart1"/>
     <dgm:cxn modelId="{F4720071-0E1D-4ED7-A2E7-090A9B820D4D}" type="presOf" srcId="{991F46DC-97A5-4756-B759-F7D8C5AB683F}" destId="{94694679-51D4-426F-BB20-08CEE1DD2E3A}" srcOrd="0" destOrd="0" presId="urn:microsoft.com/office/officeart/2005/8/layout/orgChart1"/>
-    <dgm:cxn modelId="{00655271-C635-492F-98D2-A1928C293744}" type="presOf" srcId="{0D8A7912-6F0D-4082-9287-A04DB140563D}" destId="{A6041F65-F668-47CB-8E40-1DD9336F32DA}" srcOrd="0" destOrd="0" presId="urn:microsoft.com/office/officeart/2005/8/layout/orgChart1"/>
-    <dgm:cxn modelId="{D20E3A55-0D1E-465C-B5BD-F88A29E7EF89}" type="presOf" srcId="{8FF62024-CBFA-4621-BFEB-20A32506277B}" destId="{9B3A5B8A-24F0-4CA3-9EB1-4F06E87A8DCC}" srcOrd="1" destOrd="0" presId="urn:microsoft.com/office/officeart/2005/8/layout/orgChart1"/>
-    <dgm:cxn modelId="{89BE0077-1451-408F-B01F-F367224F1206}" type="presOf" srcId="{531D5A78-F6B9-4654-B41C-BEC6F0C662D4}" destId="{28A4C586-4049-471D-8C29-D6BB2D8A9BE2}" srcOrd="0" destOrd="0" presId="urn:microsoft.com/office/officeart/2005/8/layout/orgChart1"/>
-    <dgm:cxn modelId="{C9B73786-F4AA-4321-86C7-D82E9C37C8C9}" type="presOf" srcId="{5C4CCCD5-EEDC-4A29-9D72-7CC95001D2BD}" destId="{A86FF4BE-53DE-4763-8E5E-5F563B363A0D}" srcOrd="0" destOrd="0" presId="urn:microsoft.com/office/officeart/2005/8/layout/orgChart1"/>
     <dgm:cxn modelId="{F8738396-4838-4BC5-B292-14A4D225C11A}" type="presOf" srcId="{4EB5D9F1-C378-4F07-AC88-23D445A05395}" destId="{40D211F9-2DE1-41CE-8A74-F13770053BCB}" srcOrd="0" destOrd="0" presId="urn:microsoft.com/office/officeart/2005/8/layout/orgChart1"/>
+    <dgm:cxn modelId="{29A805A3-3B24-4812-9F27-23E7F9405523}" type="presOf" srcId="{8FF62024-CBFA-4621-BFEB-20A32506277B}" destId="{7DDA172B-4677-40A0-B47A-EBB24C907C81}" srcOrd="0" destOrd="0" presId="urn:microsoft.com/office/officeart/2005/8/layout/orgChart1"/>
     <dgm:cxn modelId="{0967D59F-6C78-49AC-BA2B-353E7E86C8C5}" type="presOf" srcId="{EB14E3D6-1D6E-4974-A4A2-0B0D501598B9}" destId="{3CE276B0-B631-4CB9-BE29-E10F0D5A2261}" srcOrd="1" destOrd="0" presId="urn:microsoft.com/office/officeart/2005/8/layout/orgChart1"/>
-    <dgm:cxn modelId="{29A805A3-3B24-4812-9F27-23E7F9405523}" type="presOf" srcId="{8FF62024-CBFA-4621-BFEB-20A32506277B}" destId="{7DDA172B-4677-40A0-B47A-EBB24C907C81}" srcOrd="0" destOrd="0" presId="urn:microsoft.com/office/officeart/2005/8/layout/orgChart1"/>
-    <dgm:cxn modelId="{8F5E5DAD-6754-4225-AEC9-42D78002DF1B}" type="presOf" srcId="{7AFF2EB7-C58D-4554-AA0B-B396070DBDC6}" destId="{2EC4B6A9-232D-4A8B-859D-5B20343255D7}" srcOrd="0" destOrd="0" presId="urn:microsoft.com/office/officeart/2005/8/layout/orgChart1"/>
-    <dgm:cxn modelId="{F5E026B3-108A-4A54-B4DA-0164CBC5447D}" type="presOf" srcId="{EB14E3D6-1D6E-4974-A4A2-0B0D501598B9}" destId="{CD26B4E5-F4C9-4032-97BE-3F807397455E}" srcOrd="0" destOrd="0" presId="urn:microsoft.com/office/officeart/2005/8/layout/orgChart1"/>
-    <dgm:cxn modelId="{FC6788D6-9133-4C21-BF19-2B1E115F8BCF}" type="presOf" srcId="{4EB5D9F1-C378-4F07-AC88-23D445A05395}" destId="{2EB8220E-041B-4FA1-B60B-E83DDFCE4E0F}" srcOrd="1" destOrd="0" presId="urn:microsoft.com/office/officeart/2005/8/layout/orgChart1"/>
-    <dgm:cxn modelId="{04C529E4-3479-47AC-A510-99CA106BE66F}" srcId="{EB14E3D6-1D6E-4974-A4A2-0B0D501598B9}" destId="{4EB5D9F1-C378-4F07-AC88-23D445A05395}" srcOrd="2" destOrd="0" parTransId="{0D8A7912-6F0D-4082-9287-A04DB140563D}" sibTransId="{3B7144F8-4F91-4DE4-A47A-1EAB6EFECDC0}"/>
-    <dgm:cxn modelId="{A56A21EA-B352-4C6E-8969-0CBA5F2C8723}" srcId="{EB14E3D6-1D6E-4974-A4A2-0B0D501598B9}" destId="{8FF62024-CBFA-4621-BFEB-20A32506277B}" srcOrd="0" destOrd="0" parTransId="{991F46DC-97A5-4756-B759-F7D8C5AB683F}" sibTransId="{5A6222F3-3A16-472B-8990-14236ABC22C4}"/>
-    <dgm:cxn modelId="{9B43B2F6-8FD2-48D6-A56E-3CC9A1109BBD}" type="presOf" srcId="{5C4CCCD5-EEDC-4A29-9D72-7CC95001D2BD}" destId="{0B4FA188-9CB9-4B7D-BC77-D4DBCC4116B5}" srcOrd="1" destOrd="0" presId="urn:microsoft.com/office/officeart/2005/8/layout/orgChart1"/>
-    <dgm:cxn modelId="{D3F64FFE-DA6E-4282-AB0E-4F7B239CDDC2}" srcId="{7AFF2EB7-C58D-4554-AA0B-B396070DBDC6}" destId="{EB14E3D6-1D6E-4974-A4A2-0B0D501598B9}" srcOrd="0" destOrd="0" parTransId="{7ABC5975-AEBD-43CD-AE73-10F8C88F243A}" sibTransId="{6C1A945E-CFFE-4E26-A643-13E95CBC2FCB}"/>
     <dgm:cxn modelId="{CBEBA3E5-A4CA-4D03-9575-A009ABB2547D}" type="presParOf" srcId="{2EC4B6A9-232D-4A8B-859D-5B20343255D7}" destId="{C8A4DCA0-6240-4E48-9155-0BF76163054A}" srcOrd="0" destOrd="0" presId="urn:microsoft.com/office/officeart/2005/8/layout/orgChart1"/>
     <dgm:cxn modelId="{16493EB7-22E7-4DCD-A433-12493D3914A5}" type="presParOf" srcId="{C8A4DCA0-6240-4E48-9155-0BF76163054A}" destId="{FDA9ED23-19E7-487F-BB73-09D360B41837}" srcOrd="0" destOrd="0" presId="urn:microsoft.com/office/officeart/2005/8/layout/orgChart1"/>
     <dgm:cxn modelId="{26732CB4-4D88-4B1B-A743-0CD7A78BA325}" type="presParOf" srcId="{FDA9ED23-19E7-487F-BB73-09D360B41837}" destId="{CD26B4E5-F4C9-4032-97BE-3F807397455E}" srcOrd="0" destOrd="0" presId="urn:microsoft.com/office/officeart/2005/8/layout/orgChart1"/>
@@ -10023,7 +10772,7 @@
         </a:bodyPr>
         <a:lstStyle/>
         <a:p>
-          <a:pPr marL="0" lvl="0" indent="0" algn="l" defTabSz="889000">
+          <a:pPr lvl="0" algn="l" defTabSz="889000">
             <a:lnSpc>
               <a:spcPct val="90000"/>
             </a:lnSpc>
@@ -10033,7 +10782,6 @@
             <a:spcAft>
               <a:spcPct val="35000"/>
             </a:spcAft>
-            <a:buNone/>
           </a:pPr>
           <a:r>
             <a:rPr lang="ru-RU" sz="2000" kern="1200" dirty="0"/>
@@ -10101,7 +10849,7 @@
         </a:bodyPr>
         <a:lstStyle/>
         <a:p>
-          <a:pPr marL="0" lvl="0" indent="0" algn="ctr" defTabSz="2133600">
+          <a:pPr lvl="0" algn="ctr" defTabSz="2133600">
             <a:lnSpc>
               <a:spcPct val="90000"/>
             </a:lnSpc>
@@ -10111,7 +10859,6 @@
             <a:spcAft>
               <a:spcPct val="35000"/>
             </a:spcAft>
-            <a:buNone/>
           </a:pPr>
           <a:r>
             <a:rPr lang="en-US" sz="4800" kern="1200" dirty="0"/>
@@ -10229,7 +10976,7 @@
         </a:bodyPr>
         <a:lstStyle/>
         <a:p>
-          <a:pPr marL="0" lvl="0" indent="0" algn="l" defTabSz="889000">
+          <a:pPr lvl="0" algn="l" defTabSz="889000">
             <a:lnSpc>
               <a:spcPct val="90000"/>
             </a:lnSpc>
@@ -10239,7 +10986,6 @@
             <a:spcAft>
               <a:spcPct val="35000"/>
             </a:spcAft>
-            <a:buNone/>
           </a:pPr>
           <a:r>
             <a:rPr lang="ru-RU" sz="2000" kern="1200"/>
@@ -10307,7 +11053,7 @@
         </a:bodyPr>
         <a:lstStyle/>
         <a:p>
-          <a:pPr marL="0" lvl="0" indent="0" algn="ctr" defTabSz="2133600">
+          <a:pPr lvl="0" algn="ctr" defTabSz="2133600">
             <a:lnSpc>
               <a:spcPct val="90000"/>
             </a:lnSpc>
@@ -10317,7 +11063,6 @@
             <a:spcAft>
               <a:spcPct val="35000"/>
             </a:spcAft>
-            <a:buNone/>
           </a:pPr>
           <a:r>
             <a:rPr lang="en-US" sz="4800" kern="1200"/>
@@ -10435,7 +11180,7 @@
         </a:bodyPr>
         <a:lstStyle/>
         <a:p>
-          <a:pPr marL="0" lvl="0" indent="0" algn="l" defTabSz="889000">
+          <a:pPr lvl="0" algn="l" defTabSz="889000">
             <a:lnSpc>
               <a:spcPct val="90000"/>
             </a:lnSpc>
@@ -10445,7 +11190,6 @@
             <a:spcAft>
               <a:spcPct val="35000"/>
             </a:spcAft>
-            <a:buNone/>
           </a:pPr>
           <a:r>
             <a:rPr lang="ru-RU" sz="2000" kern="1200"/>
@@ -10513,7 +11257,7 @@
         </a:bodyPr>
         <a:lstStyle/>
         <a:p>
-          <a:pPr marL="0" lvl="0" indent="0" algn="ctr" defTabSz="2133600">
+          <a:pPr lvl="0" algn="ctr" defTabSz="2133600">
             <a:lnSpc>
               <a:spcPct val="90000"/>
             </a:lnSpc>
@@ -10523,7 +11267,6 @@
             <a:spcAft>
               <a:spcPct val="35000"/>
             </a:spcAft>
-            <a:buNone/>
           </a:pPr>
           <a:r>
             <a:rPr lang="en-US" sz="4800" kern="1200"/>
@@ -10890,7 +11633,7 @@
         </a:bodyPr>
         <a:lstStyle/>
         <a:p>
-          <a:pPr marL="0" lvl="0" indent="0" algn="ctr" defTabSz="1822450">
+          <a:pPr lvl="0" algn="ctr" defTabSz="1822450">
             <a:lnSpc>
               <a:spcPct val="90000"/>
             </a:lnSpc>
@@ -10900,7 +11643,6 @@
             <a:spcAft>
               <a:spcPct val="35000"/>
             </a:spcAft>
-            <a:buNone/>
           </a:pPr>
           <a:r>
             <a:rPr lang="en-US" sz="4100" kern="1200" dirty="0"/>
@@ -10968,7 +11710,7 @@
         </a:bodyPr>
         <a:lstStyle/>
         <a:p>
-          <a:pPr marL="0" lvl="0" indent="0" algn="ctr" defTabSz="1822450">
+          <a:pPr lvl="0" algn="ctr" defTabSz="1822450">
             <a:lnSpc>
               <a:spcPct val="90000"/>
             </a:lnSpc>
@@ -10978,7 +11720,6 @@
             <a:spcAft>
               <a:spcPct val="35000"/>
             </a:spcAft>
-            <a:buNone/>
           </a:pPr>
           <a:r>
             <a:rPr lang="en-US" sz="4100" kern="1200" dirty="0"/>
@@ -11046,7 +11787,7 @@
         </a:bodyPr>
         <a:lstStyle/>
         <a:p>
-          <a:pPr marL="0" lvl="0" indent="0" algn="ctr" defTabSz="1822450">
+          <a:pPr lvl="0" algn="ctr" defTabSz="1822450">
             <a:lnSpc>
               <a:spcPct val="90000"/>
             </a:lnSpc>
@@ -11056,7 +11797,6 @@
             <a:spcAft>
               <a:spcPct val="35000"/>
             </a:spcAft>
-            <a:buNone/>
           </a:pPr>
           <a:r>
             <a:rPr lang="en-US" sz="4100" kern="1200" dirty="0"/>
@@ -11124,7 +11864,7 @@
         </a:bodyPr>
         <a:lstStyle/>
         <a:p>
-          <a:pPr marL="0" lvl="0" indent="0" algn="ctr" defTabSz="1822450">
+          <a:pPr lvl="0" algn="ctr" defTabSz="1822450">
             <a:lnSpc>
               <a:spcPct val="90000"/>
             </a:lnSpc>
@@ -11134,7 +11874,6 @@
             <a:spcAft>
               <a:spcPct val="35000"/>
             </a:spcAft>
-            <a:buNone/>
           </a:pPr>
           <a:r>
             <a:rPr lang="en-US" sz="4100" kern="1200" dirty="0"/>
@@ -11202,7 +11941,7 @@
         </a:bodyPr>
         <a:lstStyle/>
         <a:p>
-          <a:pPr marL="0" lvl="0" indent="0" algn="ctr" defTabSz="1822450">
+          <a:pPr lvl="0" algn="ctr" defTabSz="1822450">
             <a:lnSpc>
               <a:spcPct val="90000"/>
             </a:lnSpc>
@@ -11212,7 +11951,6 @@
             <a:spcAft>
               <a:spcPct val="35000"/>
             </a:spcAft>
-            <a:buNone/>
           </a:pPr>
           <a:r>
             <a:rPr lang="en-US" sz="4100" kern="1200" dirty="0"/>
@@ -11292,7 +12030,7 @@
         </a:bodyPr>
         <a:lstStyle/>
         <a:p>
-          <a:pPr marL="0" lvl="0" indent="0" algn="ctr" defTabSz="1689100">
+          <a:pPr lvl="0" algn="ctr" defTabSz="1689100">
             <a:lnSpc>
               <a:spcPct val="90000"/>
             </a:lnSpc>
@@ -11302,7 +12040,6 @@
             <a:spcAft>
               <a:spcPct val="35000"/>
             </a:spcAft>
-            <a:buNone/>
           </a:pPr>
           <a:r>
             <a:rPr lang="en-US" sz="3800" kern="1200" dirty="0"/>
@@ -11370,7 +12107,7 @@
         </a:bodyPr>
         <a:lstStyle/>
         <a:p>
-          <a:pPr marL="0" lvl="0" indent="0" algn="ctr" defTabSz="1689100">
+          <a:pPr lvl="0" algn="ctr" defTabSz="1689100">
             <a:lnSpc>
               <a:spcPct val="90000"/>
             </a:lnSpc>
@@ -11380,7 +12117,6 @@
             <a:spcAft>
               <a:spcPct val="35000"/>
             </a:spcAft>
-            <a:buNone/>
           </a:pPr>
           <a:r>
             <a:rPr lang="en-US" sz="3800" kern="1200" dirty="0"/>
@@ -11448,7 +12184,7 @@
         </a:bodyPr>
         <a:lstStyle/>
         <a:p>
-          <a:pPr marL="0" lvl="0" indent="0" algn="ctr" defTabSz="1689100">
+          <a:pPr lvl="0" algn="ctr" defTabSz="1689100">
             <a:lnSpc>
               <a:spcPct val="90000"/>
             </a:lnSpc>
@@ -11458,7 +12194,6 @@
             <a:spcAft>
               <a:spcPct val="35000"/>
             </a:spcAft>
-            <a:buNone/>
           </a:pPr>
           <a:r>
             <a:rPr lang="en-US" sz="3800" kern="1200" dirty="0"/>
@@ -11526,7 +12261,7 @@
         </a:bodyPr>
         <a:lstStyle/>
         <a:p>
-          <a:pPr marL="0" lvl="0" indent="0" algn="ctr" defTabSz="1689100">
+          <a:pPr lvl="0" algn="ctr" defTabSz="1689100">
             <a:lnSpc>
               <a:spcPct val="90000"/>
             </a:lnSpc>
@@ -11536,7 +12271,6 @@
             <a:spcAft>
               <a:spcPct val="35000"/>
             </a:spcAft>
-            <a:buNone/>
           </a:pPr>
           <a:r>
             <a:rPr lang="en-US" sz="3800" kern="1200" dirty="0"/>
@@ -11604,7 +12338,7 @@
         </a:bodyPr>
         <a:lstStyle/>
         <a:p>
-          <a:pPr marL="0" lvl="0" indent="0" algn="ctr" defTabSz="1689100">
+          <a:pPr lvl="0" algn="ctr" defTabSz="1689100">
             <a:lnSpc>
               <a:spcPct val="90000"/>
             </a:lnSpc>
@@ -11614,7 +12348,6 @@
             <a:spcAft>
               <a:spcPct val="35000"/>
             </a:spcAft>
-            <a:buNone/>
           </a:pPr>
           <a:r>
             <a:rPr lang="en-US" sz="3800" kern="1200" dirty="0"/>
@@ -11705,7 +12438,7 @@
         </a:bodyPr>
         <a:lstStyle/>
         <a:p>
-          <a:pPr marL="0" lvl="0" indent="0" algn="ctr" defTabSz="222250">
+          <a:pPr lvl="0" algn="ctr" defTabSz="222250">
             <a:lnSpc>
               <a:spcPct val="90000"/>
             </a:lnSpc>
@@ -11715,7 +12448,6 @@
             <a:spcAft>
               <a:spcPct val="35000"/>
             </a:spcAft>
-            <a:buNone/>
           </a:pPr>
           <a:endParaRPr lang="en-US" sz="500" kern="1200"/>
         </a:p>
@@ -11791,7 +12523,7 @@
         </a:bodyPr>
         <a:lstStyle/>
         <a:p>
-          <a:pPr marL="0" lvl="0" indent="0" algn="ctr" defTabSz="222250">
+          <a:pPr lvl="0" algn="ctr" defTabSz="222250">
             <a:lnSpc>
               <a:spcPct val="90000"/>
             </a:lnSpc>
@@ -11801,7 +12533,6 @@
             <a:spcAft>
               <a:spcPct val="35000"/>
             </a:spcAft>
-            <a:buNone/>
           </a:pPr>
           <a:endParaRPr lang="en-US" sz="500" kern="1200"/>
         </a:p>
@@ -11877,7 +12608,7 @@
         </a:bodyPr>
         <a:lstStyle/>
         <a:p>
-          <a:pPr marL="0" lvl="0" indent="0" algn="ctr" defTabSz="222250">
+          <a:pPr lvl="0" algn="ctr" defTabSz="222250">
             <a:lnSpc>
               <a:spcPct val="90000"/>
             </a:lnSpc>
@@ -11887,7 +12618,6 @@
             <a:spcAft>
               <a:spcPct val="35000"/>
             </a:spcAft>
-            <a:buNone/>
           </a:pPr>
           <a:endParaRPr lang="en-US" sz="500" kern="1200"/>
         </a:p>
@@ -11963,7 +12693,7 @@
         </a:bodyPr>
         <a:lstStyle/>
         <a:p>
-          <a:pPr marL="0" lvl="0" indent="0" algn="ctr" defTabSz="222250">
+          <a:pPr lvl="0" algn="ctr" defTabSz="222250">
             <a:lnSpc>
               <a:spcPct val="90000"/>
             </a:lnSpc>
@@ -11973,7 +12703,6 @@
             <a:spcAft>
               <a:spcPct val="35000"/>
             </a:spcAft>
-            <a:buNone/>
           </a:pPr>
           <a:endParaRPr lang="en-US" sz="500" kern="1200"/>
         </a:p>
@@ -12043,7 +12772,7 @@
         </a:bodyPr>
         <a:lstStyle/>
         <a:p>
-          <a:pPr marL="0" lvl="0" indent="0" algn="ctr" defTabSz="222250">
+          <a:pPr lvl="0" algn="ctr" defTabSz="222250">
             <a:lnSpc>
               <a:spcPct val="90000"/>
             </a:lnSpc>
@@ -12053,7 +12782,6 @@
             <a:spcAft>
               <a:spcPct val="35000"/>
             </a:spcAft>
-            <a:buNone/>
           </a:pPr>
           <a:endParaRPr lang="en-US" sz="500" kern="1200"/>
         </a:p>
@@ -12129,7 +12857,7 @@
         </a:bodyPr>
         <a:lstStyle/>
         <a:p>
-          <a:pPr marL="0" lvl="0" indent="0" algn="ctr" defTabSz="222250">
+          <a:pPr lvl="0" algn="ctr" defTabSz="222250">
             <a:lnSpc>
               <a:spcPct val="90000"/>
             </a:lnSpc>
@@ -12139,7 +12867,6 @@
             <a:spcAft>
               <a:spcPct val="35000"/>
             </a:spcAft>
-            <a:buNone/>
           </a:pPr>
           <a:endParaRPr lang="en-US" sz="500" kern="1200"/>
         </a:p>
@@ -12215,7 +12942,7 @@
         </a:bodyPr>
         <a:lstStyle/>
         <a:p>
-          <a:pPr marL="0" lvl="0" indent="0" algn="ctr" defTabSz="222250">
+          <a:pPr lvl="0" algn="ctr" defTabSz="222250">
             <a:lnSpc>
               <a:spcPct val="90000"/>
             </a:lnSpc>
@@ -12225,7 +12952,6 @@
             <a:spcAft>
               <a:spcPct val="35000"/>
             </a:spcAft>
-            <a:buNone/>
           </a:pPr>
           <a:endParaRPr lang="en-US" sz="500" kern="1200"/>
         </a:p>
@@ -12301,7 +13027,7 @@
         </a:bodyPr>
         <a:lstStyle/>
         <a:p>
-          <a:pPr marL="0" lvl="0" indent="0" algn="ctr" defTabSz="222250">
+          <a:pPr lvl="0" algn="ctr" defTabSz="222250">
             <a:lnSpc>
               <a:spcPct val="90000"/>
             </a:lnSpc>
@@ -12311,7 +13037,6 @@
             <a:spcAft>
               <a:spcPct val="35000"/>
             </a:spcAft>
-            <a:buNone/>
           </a:pPr>
           <a:endParaRPr lang="en-US" sz="500" kern="1200"/>
         </a:p>
@@ -12376,7 +13101,7 @@
         </a:bodyPr>
         <a:lstStyle/>
         <a:p>
-          <a:pPr marL="0" lvl="0" indent="0" algn="ctr" defTabSz="1244600">
+          <a:pPr lvl="0" algn="ctr" defTabSz="1244600">
             <a:lnSpc>
               <a:spcPct val="90000"/>
             </a:lnSpc>
@@ -12386,7 +13111,6 @@
             <a:spcAft>
               <a:spcPct val="35000"/>
             </a:spcAft>
-            <a:buNone/>
           </a:pPr>
           <a:r>
             <a:rPr lang="en-US" sz="2800" kern="1200" dirty="0" err="1"/>
@@ -12455,7 +13179,7 @@
         </a:bodyPr>
         <a:lstStyle/>
         <a:p>
-          <a:pPr marL="0" lvl="0" indent="0" algn="ctr" defTabSz="488950">
+          <a:pPr lvl="0" algn="ctr" defTabSz="488950">
             <a:lnSpc>
               <a:spcPct val="90000"/>
             </a:lnSpc>
@@ -12465,7 +13189,6 @@
             <a:spcAft>
               <a:spcPct val="35000"/>
             </a:spcAft>
-            <a:buNone/>
           </a:pPr>
           <a:r>
             <a:rPr lang="en-US" sz="1100" kern="1200" dirty="0" err="1"/>
@@ -12553,7 +13276,7 @@
         </a:bodyPr>
         <a:lstStyle/>
         <a:p>
-          <a:pPr marL="0" lvl="0" indent="0" algn="ctr" defTabSz="488950">
+          <a:pPr lvl="0" algn="ctr" defTabSz="488950">
             <a:lnSpc>
               <a:spcPct val="90000"/>
             </a:lnSpc>
@@ -12563,7 +13286,6 @@
             <a:spcAft>
               <a:spcPct val="35000"/>
             </a:spcAft>
-            <a:buNone/>
           </a:pPr>
           <a:r>
             <a:rPr lang="en-US" sz="1100" kern="1200" dirty="0" err="1"/>
@@ -12643,7 +13365,7 @@
         </a:bodyPr>
         <a:lstStyle/>
         <a:p>
-          <a:pPr marL="0" lvl="0" indent="0" algn="ctr" defTabSz="488950">
+          <a:pPr lvl="0" algn="ctr" defTabSz="488950">
             <a:lnSpc>
               <a:spcPct val="90000"/>
             </a:lnSpc>
@@ -12653,7 +13375,6 @@
             <a:spcAft>
               <a:spcPct val="35000"/>
             </a:spcAft>
-            <a:buNone/>
           </a:pPr>
           <a:r>
             <a:rPr lang="en-US" sz="1100" kern="1200" dirty="0" err="1"/>
@@ -12738,7 +13459,7 @@
         </a:bodyPr>
         <a:lstStyle/>
         <a:p>
-          <a:pPr marL="0" lvl="0" indent="0" algn="ctr" defTabSz="488950">
+          <a:pPr lvl="0" algn="ctr" defTabSz="488950">
             <a:lnSpc>
               <a:spcPct val="90000"/>
             </a:lnSpc>
@@ -12748,7 +13469,6 @@
             <a:spcAft>
               <a:spcPct val="35000"/>
             </a:spcAft>
-            <a:buNone/>
           </a:pPr>
           <a:r>
             <a:rPr lang="en-US" sz="1100" kern="1200" dirty="0"/>
@@ -12829,7 +13549,7 @@
         </a:bodyPr>
         <a:lstStyle/>
         <a:p>
-          <a:pPr marL="0" lvl="0" indent="0" algn="ctr" defTabSz="488950">
+          <a:pPr lvl="0" algn="ctr" defTabSz="488950">
             <a:lnSpc>
               <a:spcPct val="90000"/>
             </a:lnSpc>
@@ -12839,7 +13559,6 @@
             <a:spcAft>
               <a:spcPct val="35000"/>
             </a:spcAft>
-            <a:buNone/>
           </a:pPr>
           <a:r>
             <a:rPr lang="en-US" sz="1100" kern="1200" dirty="0" err="1"/>
@@ -12920,7 +13639,7 @@
         </a:bodyPr>
         <a:lstStyle/>
         <a:p>
-          <a:pPr marL="0" lvl="0" indent="0" algn="ctr" defTabSz="488950">
+          <a:pPr lvl="0" algn="ctr" defTabSz="488950">
             <a:lnSpc>
               <a:spcPct val="90000"/>
             </a:lnSpc>
@@ -12930,7 +13649,6 @@
             <a:spcAft>
               <a:spcPct val="35000"/>
             </a:spcAft>
-            <a:buNone/>
           </a:pPr>
           <a:r>
             <a:rPr lang="en-US" sz="1100" kern="1200" dirty="0"/>
@@ -13006,7 +13724,7 @@
         </a:bodyPr>
         <a:lstStyle/>
         <a:p>
-          <a:pPr marL="0" lvl="0" indent="0" algn="ctr" defTabSz="488950">
+          <a:pPr lvl="0" algn="ctr" defTabSz="488950">
             <a:lnSpc>
               <a:spcPct val="90000"/>
             </a:lnSpc>
@@ -13016,7 +13734,6 @@
             <a:spcAft>
               <a:spcPct val="35000"/>
             </a:spcAft>
-            <a:buNone/>
           </a:pPr>
           <a:r>
             <a:rPr lang="en-US" sz="1100" kern="1200" dirty="0" err="1"/>
@@ -13096,7 +13813,7 @@
         </a:bodyPr>
         <a:lstStyle/>
         <a:p>
-          <a:pPr marL="0" lvl="0" indent="0" algn="ctr" defTabSz="488950">
+          <a:pPr lvl="0" algn="ctr" defTabSz="488950">
             <a:lnSpc>
               <a:spcPct val="90000"/>
             </a:lnSpc>
@@ -13106,7 +13823,6 @@
             <a:spcAft>
               <a:spcPct val="35000"/>
             </a:spcAft>
-            <a:buNone/>
           </a:pPr>
           <a:r>
             <a:rPr lang="en-US" sz="1100" kern="1200" dirty="0" err="1"/>
@@ -13373,12 +14089,12 @@
         </a:fontRef>
       </dsp:style>
       <dsp:txBody>
-        <a:bodyPr spcFirstLastPara="0" vert="horz" wrap="square" lIns="20955" tIns="20955" rIns="20955" bIns="20955" numCol="1" spcCol="1270" anchor="ctr" anchorCtr="0">
+        <a:bodyPr spcFirstLastPara="0" vert="horz" wrap="square" lIns="20320" tIns="20320" rIns="20320" bIns="20320" numCol="1" spcCol="1270" anchor="ctr" anchorCtr="0">
           <a:noAutofit/>
         </a:bodyPr>
         <a:lstStyle/>
         <a:p>
-          <a:pPr marL="0" lvl="0" indent="0" algn="ctr" defTabSz="1466850">
+          <a:pPr lvl="0" algn="ctr" defTabSz="1422400">
             <a:lnSpc>
               <a:spcPct val="90000"/>
             </a:lnSpc>
@@ -13388,10 +14104,9 @@
             <a:spcAft>
               <a:spcPct val="35000"/>
             </a:spcAft>
-            <a:buNone/>
           </a:pPr>
           <a:r>
-            <a:rPr lang="en-US" sz="3300" b="1" kern="1200" dirty="0"/>
+            <a:rPr lang="en-US" sz="3200" b="1" kern="1200" dirty="0"/>
             <a:t>Node</a:t>
           </a:r>
         </a:p>
@@ -13451,12 +14166,12 @@
         </a:fontRef>
       </dsp:style>
       <dsp:txBody>
-        <a:bodyPr spcFirstLastPara="0" vert="horz" wrap="square" lIns="20955" tIns="20955" rIns="20955" bIns="20955" numCol="1" spcCol="1270" anchor="ctr" anchorCtr="0">
+        <a:bodyPr spcFirstLastPara="0" vert="horz" wrap="square" lIns="20320" tIns="20320" rIns="20320" bIns="20320" numCol="1" spcCol="1270" anchor="ctr" anchorCtr="0">
           <a:noAutofit/>
         </a:bodyPr>
         <a:lstStyle/>
         <a:p>
-          <a:pPr marL="0" lvl="0" indent="0" algn="ctr" defTabSz="1466850">
+          <a:pPr lvl="0" algn="ctr" defTabSz="1422400">
             <a:lnSpc>
               <a:spcPct val="90000"/>
             </a:lnSpc>
@@ -13466,10 +14181,9 @@
             <a:spcAft>
               <a:spcPct val="35000"/>
             </a:spcAft>
-            <a:buNone/>
           </a:pPr>
           <a:r>
-            <a:rPr lang="en-US" sz="3300" b="1" kern="1200" dirty="0"/>
+            <a:rPr lang="en-US" sz="3200" b="1" kern="1200" dirty="0"/>
             <a:t>Node</a:t>
           </a:r>
         </a:p>
@@ -13529,12 +14243,12 @@
         </a:fontRef>
       </dsp:style>
       <dsp:txBody>
-        <a:bodyPr spcFirstLastPara="0" vert="horz" wrap="square" lIns="20955" tIns="20955" rIns="20955" bIns="20955" numCol="1" spcCol="1270" anchor="ctr" anchorCtr="0">
+        <a:bodyPr spcFirstLastPara="0" vert="horz" wrap="square" lIns="20320" tIns="20320" rIns="20320" bIns="20320" numCol="1" spcCol="1270" anchor="ctr" anchorCtr="0">
           <a:noAutofit/>
         </a:bodyPr>
         <a:lstStyle/>
         <a:p>
-          <a:pPr marL="0" lvl="0" indent="0" algn="ctr" defTabSz="1466850">
+          <a:pPr lvl="0" algn="ctr" defTabSz="1422400">
             <a:lnSpc>
               <a:spcPct val="90000"/>
             </a:lnSpc>
@@ -13544,18 +14258,17 @@
             <a:spcAft>
               <a:spcPct val="35000"/>
             </a:spcAft>
-            <a:buNone/>
           </a:pPr>
           <a:r>
-            <a:rPr lang="en-US" sz="3300" b="1" kern="1200" dirty="0"/>
+            <a:rPr lang="en-US" sz="3200" b="1" kern="1200" dirty="0"/>
             <a:t>[</a:t>
           </a:r>
           <a:r>
-            <a:rPr lang="en-US" sz="3300" b="1" kern="1200" dirty="0" err="1"/>
+            <a:rPr lang="en-US" sz="3200" b="1" kern="1200" dirty="0" err="1"/>
             <a:t>Node,Node</a:t>
           </a:r>
           <a:r>
-            <a:rPr lang="en-US" sz="3300" b="1" kern="1200" dirty="0"/>
+            <a:rPr lang="en-US" sz="3200" b="1" kern="1200" dirty="0"/>
             <a:t>]</a:t>
           </a:r>
         </a:p>
@@ -13615,12 +14328,12 @@
         </a:fontRef>
       </dsp:style>
       <dsp:txBody>
-        <a:bodyPr spcFirstLastPara="0" vert="horz" wrap="square" lIns="20955" tIns="20955" rIns="20955" bIns="20955" numCol="1" spcCol="1270" anchor="ctr" anchorCtr="0">
+        <a:bodyPr spcFirstLastPara="0" vert="horz" wrap="square" lIns="20320" tIns="20320" rIns="20320" bIns="20320" numCol="1" spcCol="1270" anchor="ctr" anchorCtr="0">
           <a:noAutofit/>
         </a:bodyPr>
         <a:lstStyle/>
         <a:p>
-          <a:pPr marL="0" lvl="0" indent="0" algn="ctr" defTabSz="1466850">
+          <a:pPr lvl="0" algn="ctr" defTabSz="1422400">
             <a:lnSpc>
               <a:spcPct val="90000"/>
             </a:lnSpc>
@@ -13630,10 +14343,9 @@
             <a:spcAft>
               <a:spcPct val="35000"/>
             </a:spcAft>
-            <a:buNone/>
           </a:pPr>
           <a:r>
-            <a:rPr lang="en-US" sz="3300" b="1" kern="1200" dirty="0"/>
+            <a:rPr lang="en-US" sz="3200" b="1" kern="1200" dirty="0"/>
             <a:t>Node</a:t>
           </a:r>
         </a:p>
@@ -13885,12 +14597,12 @@
         </a:fontRef>
       </dsp:style>
       <dsp:txBody>
-        <a:bodyPr spcFirstLastPara="0" vert="horz" wrap="square" lIns="21590" tIns="21590" rIns="21590" bIns="21590" numCol="1" spcCol="1270" anchor="ctr" anchorCtr="0">
+        <a:bodyPr spcFirstLastPara="0" vert="horz" wrap="square" lIns="20955" tIns="20955" rIns="20955" bIns="20955" numCol="1" spcCol="1270" anchor="ctr" anchorCtr="0">
           <a:noAutofit/>
         </a:bodyPr>
         <a:lstStyle/>
         <a:p>
-          <a:pPr marL="0" lvl="0" indent="0" algn="ctr" defTabSz="1511300">
+          <a:pPr lvl="0" algn="ctr" defTabSz="1466850">
             <a:lnSpc>
               <a:spcPct val="90000"/>
             </a:lnSpc>
@@ -13900,10 +14612,9 @@
             <a:spcAft>
               <a:spcPct val="35000"/>
             </a:spcAft>
-            <a:buNone/>
           </a:pPr>
           <a:r>
-            <a:rPr lang="en-US" sz="3400" b="1" kern="1200" dirty="0"/>
+            <a:rPr lang="en-US" sz="3300" b="1" kern="1200" dirty="0"/>
             <a:t>Node</a:t>
           </a:r>
         </a:p>
@@ -13963,12 +14674,12 @@
         </a:fontRef>
       </dsp:style>
       <dsp:txBody>
-        <a:bodyPr spcFirstLastPara="0" vert="horz" wrap="square" lIns="21590" tIns="21590" rIns="21590" bIns="21590" numCol="1" spcCol="1270" anchor="ctr" anchorCtr="0">
+        <a:bodyPr spcFirstLastPara="0" vert="horz" wrap="square" lIns="20955" tIns="20955" rIns="20955" bIns="20955" numCol="1" spcCol="1270" anchor="ctr" anchorCtr="0">
           <a:noAutofit/>
         </a:bodyPr>
         <a:lstStyle/>
         <a:p>
-          <a:pPr marL="0" lvl="0" indent="0" algn="ctr" defTabSz="1511300">
+          <a:pPr lvl="0" algn="ctr" defTabSz="1466850">
             <a:lnSpc>
               <a:spcPct val="90000"/>
             </a:lnSpc>
@@ -13978,10 +14689,9 @@
             <a:spcAft>
               <a:spcPct val="35000"/>
             </a:spcAft>
-            <a:buNone/>
           </a:pPr>
           <a:r>
-            <a:rPr lang="en-US" sz="3400" b="1" kern="1200" dirty="0"/>
+            <a:rPr lang="en-US" sz="3300" b="1" kern="1200" dirty="0"/>
             <a:t>Node</a:t>
           </a:r>
         </a:p>
@@ -14041,12 +14751,12 @@
         </a:fontRef>
       </dsp:style>
       <dsp:txBody>
-        <a:bodyPr spcFirstLastPara="0" vert="horz" wrap="square" lIns="21590" tIns="21590" rIns="21590" bIns="21590" numCol="1" spcCol="1270" anchor="ctr" anchorCtr="0">
+        <a:bodyPr spcFirstLastPara="0" vert="horz" wrap="square" lIns="20955" tIns="20955" rIns="20955" bIns="20955" numCol="1" spcCol="1270" anchor="ctr" anchorCtr="0">
           <a:noAutofit/>
         </a:bodyPr>
         <a:lstStyle/>
         <a:p>
-          <a:pPr marL="0" lvl="0" indent="0" algn="ctr" defTabSz="1511300">
+          <a:pPr lvl="0" algn="ctr" defTabSz="1466850">
             <a:lnSpc>
               <a:spcPct val="90000"/>
             </a:lnSpc>
@@ -14056,14 +14766,13 @@
             <a:spcAft>
               <a:spcPct val="35000"/>
             </a:spcAft>
-            <a:buNone/>
           </a:pPr>
           <a:r>
-            <a:rPr lang="en-US" sz="3400" kern="1200" dirty="0"/>
+            <a:rPr lang="en-US" sz="3300" kern="1200" dirty="0"/>
             <a:t>[</a:t>
           </a:r>
           <a:r>
-            <a:rPr lang="en-US" sz="3400" kern="1200" dirty="0" err="1">
+            <a:rPr lang="en-US" sz="3300" kern="1200" dirty="0" err="1">
               <a:solidFill>
                 <a:schemeClr val="accent1"/>
               </a:solidFill>
@@ -14071,7 +14780,7 @@
             <a:t>Node,Node</a:t>
           </a:r>
           <a:r>
-            <a:rPr lang="en-US" sz="3400" kern="1200" dirty="0"/>
+            <a:rPr lang="en-US" sz="3300" kern="1200" dirty="0"/>
             <a:t>]</a:t>
           </a:r>
         </a:p>
@@ -14131,12 +14840,12 @@
         </a:fontRef>
       </dsp:style>
       <dsp:txBody>
-        <a:bodyPr spcFirstLastPara="0" vert="horz" wrap="square" lIns="21590" tIns="21590" rIns="21590" bIns="21590" numCol="1" spcCol="1270" anchor="ctr" anchorCtr="0">
+        <a:bodyPr spcFirstLastPara="0" vert="horz" wrap="square" lIns="20955" tIns="20955" rIns="20955" bIns="20955" numCol="1" spcCol="1270" anchor="ctr" anchorCtr="0">
           <a:noAutofit/>
         </a:bodyPr>
         <a:lstStyle/>
         <a:p>
-          <a:pPr marL="0" lvl="0" indent="0" algn="ctr" defTabSz="1511300">
+          <a:pPr lvl="0" algn="ctr" defTabSz="1466850">
             <a:lnSpc>
               <a:spcPct val="90000"/>
             </a:lnSpc>
@@ -14146,10 +14855,9 @@
             <a:spcAft>
               <a:spcPct val="35000"/>
             </a:spcAft>
-            <a:buNone/>
           </a:pPr>
           <a:r>
-            <a:rPr lang="en-US" sz="3400" b="1" kern="1200" dirty="0"/>
+            <a:rPr lang="en-US" sz="3300" b="1" kern="1200" dirty="0"/>
             <a:t>Node</a:t>
           </a:r>
         </a:p>
@@ -14456,12 +15164,12 @@
         </a:fontRef>
       </dsp:style>
       <dsp:txBody>
-        <a:bodyPr spcFirstLastPara="0" vert="horz" wrap="square" lIns="26670" tIns="26670" rIns="26670" bIns="26670" numCol="1" spcCol="1270" anchor="ctr" anchorCtr="0">
+        <a:bodyPr spcFirstLastPara="0" vert="horz" wrap="square" lIns="25400" tIns="25400" rIns="25400" bIns="25400" numCol="1" spcCol="1270" anchor="ctr" anchorCtr="0">
           <a:noAutofit/>
         </a:bodyPr>
         <a:lstStyle/>
         <a:p>
-          <a:pPr marL="0" lvl="0" indent="0" algn="ctr" defTabSz="1866900">
+          <a:pPr lvl="0" algn="ctr" defTabSz="1778000">
             <a:lnSpc>
               <a:spcPct val="90000"/>
             </a:lnSpc>
@@ -14471,10 +15179,9 @@
             <a:spcAft>
               <a:spcPct val="35000"/>
             </a:spcAft>
-            <a:buNone/>
           </a:pPr>
           <a:r>
-            <a:rPr lang="en-US" sz="4200" kern="1200" dirty="0"/>
+            <a:rPr lang="en-US" sz="4000" kern="1200" dirty="0"/>
             <a:t>Node</a:t>
           </a:r>
         </a:p>
@@ -14534,12 +15241,12 @@
         </a:fontRef>
       </dsp:style>
       <dsp:txBody>
-        <a:bodyPr spcFirstLastPara="0" vert="horz" wrap="square" lIns="26670" tIns="26670" rIns="26670" bIns="26670" numCol="1" spcCol="1270" anchor="ctr" anchorCtr="0">
+        <a:bodyPr spcFirstLastPara="0" vert="horz" wrap="square" lIns="25400" tIns="25400" rIns="25400" bIns="25400" numCol="1" spcCol="1270" anchor="ctr" anchorCtr="0">
           <a:noAutofit/>
         </a:bodyPr>
         <a:lstStyle/>
         <a:p>
-          <a:pPr marL="0" lvl="0" indent="0" algn="ctr" defTabSz="1866900">
+          <a:pPr lvl="0" algn="ctr" defTabSz="1778000">
             <a:lnSpc>
               <a:spcPct val="90000"/>
             </a:lnSpc>
@@ -14549,10 +15256,9 @@
             <a:spcAft>
               <a:spcPct val="35000"/>
             </a:spcAft>
-            <a:buNone/>
           </a:pPr>
           <a:r>
-            <a:rPr lang="en-US" sz="4200" kern="1200" dirty="0"/>
+            <a:rPr lang="en-US" sz="4000" kern="1200" dirty="0"/>
             <a:t>Node</a:t>
           </a:r>
         </a:p>
@@ -14612,12 +15318,12 @@
         </a:fontRef>
       </dsp:style>
       <dsp:txBody>
-        <a:bodyPr spcFirstLastPara="0" vert="horz" wrap="square" lIns="26670" tIns="26670" rIns="26670" bIns="26670" numCol="1" spcCol="1270" anchor="ctr" anchorCtr="0">
+        <a:bodyPr spcFirstLastPara="0" vert="horz" wrap="square" lIns="25400" tIns="25400" rIns="25400" bIns="25400" numCol="1" spcCol="1270" anchor="ctr" anchorCtr="0">
           <a:noAutofit/>
         </a:bodyPr>
         <a:lstStyle/>
         <a:p>
-          <a:pPr marL="0" lvl="0" indent="0" algn="ctr" defTabSz="1866900">
+          <a:pPr lvl="0" algn="ctr" defTabSz="1778000">
             <a:lnSpc>
               <a:spcPct val="90000"/>
             </a:lnSpc>
@@ -14627,10 +15333,9 @@
             <a:spcAft>
               <a:spcPct val="35000"/>
             </a:spcAft>
-            <a:buNone/>
           </a:pPr>
           <a:r>
-            <a:rPr lang="en-US" sz="4200" kern="1200" dirty="0"/>
+            <a:rPr lang="en-US" sz="4000" kern="1200" dirty="0"/>
             <a:t>Node</a:t>
           </a:r>
         </a:p>
@@ -14690,12 +15395,12 @@
         </a:fontRef>
       </dsp:style>
       <dsp:txBody>
-        <a:bodyPr spcFirstLastPara="0" vert="horz" wrap="square" lIns="26670" tIns="26670" rIns="26670" bIns="26670" numCol="1" spcCol="1270" anchor="ctr" anchorCtr="0">
+        <a:bodyPr spcFirstLastPara="0" vert="horz" wrap="square" lIns="25400" tIns="25400" rIns="25400" bIns="25400" numCol="1" spcCol="1270" anchor="ctr" anchorCtr="0">
           <a:noAutofit/>
         </a:bodyPr>
         <a:lstStyle/>
         <a:p>
-          <a:pPr marL="0" lvl="0" indent="0" algn="ctr" defTabSz="1866900">
+          <a:pPr lvl="0" algn="ctr" defTabSz="1778000">
             <a:lnSpc>
               <a:spcPct val="90000"/>
             </a:lnSpc>
@@ -14705,10 +15410,9 @@
             <a:spcAft>
               <a:spcPct val="35000"/>
             </a:spcAft>
-            <a:buNone/>
           </a:pPr>
           <a:r>
-            <a:rPr lang="en-US" sz="4200" kern="1200" dirty="0"/>
+            <a:rPr lang="en-US" sz="4000" kern="1200" dirty="0"/>
             <a:t>Node</a:t>
           </a:r>
         </a:p>
@@ -14768,12 +15472,12 @@
         </a:fontRef>
       </dsp:style>
       <dsp:txBody>
-        <a:bodyPr spcFirstLastPara="0" vert="horz" wrap="square" lIns="26670" tIns="26670" rIns="26670" bIns="26670" numCol="1" spcCol="1270" anchor="ctr" anchorCtr="0">
+        <a:bodyPr spcFirstLastPara="0" vert="horz" wrap="square" lIns="25400" tIns="25400" rIns="25400" bIns="25400" numCol="1" spcCol="1270" anchor="ctr" anchorCtr="0">
           <a:noAutofit/>
         </a:bodyPr>
         <a:lstStyle/>
         <a:p>
-          <a:pPr marL="0" lvl="0" indent="0" algn="ctr" defTabSz="1866900">
+          <a:pPr lvl="0" algn="ctr" defTabSz="1778000">
             <a:lnSpc>
               <a:spcPct val="90000"/>
             </a:lnSpc>
@@ -14783,10 +15487,9 @@
             <a:spcAft>
               <a:spcPct val="35000"/>
             </a:spcAft>
-            <a:buNone/>
           </a:pPr>
           <a:r>
-            <a:rPr lang="en-US" sz="4200" kern="1200" dirty="0">
+            <a:rPr lang="en-US" sz="4000" kern="1200" dirty="0">
               <a:solidFill>
                 <a:schemeClr val="accent1"/>
               </a:solidFill>
@@ -15039,12 +15742,12 @@
         </a:fontRef>
       </dsp:style>
       <dsp:txBody>
-        <a:bodyPr spcFirstLastPara="0" vert="horz" wrap="square" lIns="22225" tIns="22225" rIns="22225" bIns="22225" numCol="1" spcCol="1270" anchor="ctr" anchorCtr="0">
+        <a:bodyPr spcFirstLastPara="0" vert="horz" wrap="square" lIns="21590" tIns="21590" rIns="21590" bIns="21590" numCol="1" spcCol="1270" anchor="ctr" anchorCtr="0">
           <a:noAutofit/>
         </a:bodyPr>
         <a:lstStyle/>
         <a:p>
-          <a:pPr marL="0" lvl="0" indent="0" algn="ctr" defTabSz="1555750">
+          <a:pPr lvl="0" algn="ctr" defTabSz="1511300">
             <a:lnSpc>
               <a:spcPct val="90000"/>
             </a:lnSpc>
@@ -15054,10 +15757,9 @@
             <a:spcAft>
               <a:spcPct val="35000"/>
             </a:spcAft>
-            <a:buNone/>
           </a:pPr>
           <a:r>
-            <a:rPr lang="en-US" sz="3500" kern="1200" dirty="0"/>
+            <a:rPr lang="en-US" sz="3400" kern="1200" dirty="0"/>
             <a:t>Node*</a:t>
           </a:r>
         </a:p>
@@ -15117,12 +15819,12 @@
         </a:fontRef>
       </dsp:style>
       <dsp:txBody>
-        <a:bodyPr spcFirstLastPara="0" vert="horz" wrap="square" lIns="22225" tIns="22225" rIns="22225" bIns="22225" numCol="1" spcCol="1270" anchor="ctr" anchorCtr="0">
+        <a:bodyPr spcFirstLastPara="0" vert="horz" wrap="square" lIns="21590" tIns="21590" rIns="21590" bIns="21590" numCol="1" spcCol="1270" anchor="ctr" anchorCtr="0">
           <a:noAutofit/>
         </a:bodyPr>
         <a:lstStyle/>
         <a:p>
-          <a:pPr marL="0" lvl="0" indent="0" algn="ctr" defTabSz="1555750">
+          <a:pPr lvl="0" algn="ctr" defTabSz="1511300">
             <a:lnSpc>
               <a:spcPct val="90000"/>
             </a:lnSpc>
@@ -15132,10 +15834,9 @@
             <a:spcAft>
               <a:spcPct val="35000"/>
             </a:spcAft>
-            <a:buNone/>
           </a:pPr>
           <a:r>
-            <a:rPr lang="en-US" sz="3500" kern="1200" dirty="0"/>
+            <a:rPr lang="en-US" sz="3400" kern="1200" dirty="0"/>
             <a:t>Node*</a:t>
           </a:r>
         </a:p>
@@ -15195,12 +15896,12 @@
         </a:fontRef>
       </dsp:style>
       <dsp:txBody>
-        <a:bodyPr spcFirstLastPara="0" vert="horz" wrap="square" lIns="22225" tIns="22225" rIns="22225" bIns="22225" numCol="1" spcCol="1270" anchor="ctr" anchorCtr="0">
+        <a:bodyPr spcFirstLastPara="0" vert="horz" wrap="square" lIns="21590" tIns="21590" rIns="21590" bIns="21590" numCol="1" spcCol="1270" anchor="ctr" anchorCtr="0">
           <a:noAutofit/>
         </a:bodyPr>
         <a:lstStyle/>
         <a:p>
-          <a:pPr marL="0" lvl="0" indent="0" algn="ctr" defTabSz="1555750">
+          <a:pPr lvl="0" algn="ctr" defTabSz="1511300">
             <a:lnSpc>
               <a:spcPct val="90000"/>
             </a:lnSpc>
@@ -15210,10 +15911,9 @@
             <a:spcAft>
               <a:spcPct val="35000"/>
             </a:spcAft>
-            <a:buNone/>
           </a:pPr>
           <a:r>
-            <a:rPr lang="en-US" sz="3500" kern="1200" dirty="0"/>
+            <a:rPr lang="en-US" sz="3400" kern="1200" dirty="0"/>
             <a:t>Node*</a:t>
           </a:r>
         </a:p>
@@ -15273,12 +15973,12 @@
         </a:fontRef>
       </dsp:style>
       <dsp:txBody>
-        <a:bodyPr spcFirstLastPara="0" vert="horz" wrap="square" lIns="22225" tIns="22225" rIns="22225" bIns="22225" numCol="1" spcCol="1270" anchor="ctr" anchorCtr="0">
+        <a:bodyPr spcFirstLastPara="0" vert="horz" wrap="square" lIns="21590" tIns="21590" rIns="21590" bIns="21590" numCol="1" spcCol="1270" anchor="ctr" anchorCtr="0">
           <a:noAutofit/>
         </a:bodyPr>
         <a:lstStyle/>
         <a:p>
-          <a:pPr marL="0" lvl="0" indent="0" algn="ctr" defTabSz="1555750">
+          <a:pPr lvl="0" algn="ctr" defTabSz="1511300">
             <a:lnSpc>
               <a:spcPct val="90000"/>
             </a:lnSpc>
@@ -15288,10 +15988,9 @@
             <a:spcAft>
               <a:spcPct val="35000"/>
             </a:spcAft>
-            <a:buNone/>
           </a:pPr>
           <a:r>
-            <a:rPr lang="en-US" sz="3500" kern="1200" dirty="0"/>
+            <a:rPr lang="en-US" sz="3400" kern="1200" dirty="0"/>
             <a:t>Node*</a:t>
           </a:r>
         </a:p>
@@ -15570,7 +16269,7 @@
   </dgm:layoutNode>
   <dgm:extLst>
     <a:ext uri="{4F341089-5ED1-44EC-B178-C955D00A3D55}">
-      <dgm1611:autoBuNodeInfoLst xmlns:dgm1611="http://schemas.microsoft.com/office/drawing/2016/11/diagram">
+      <dgm1611:autoBuNodeInfoLst xmlns:dgm1611="http://schemas.microsoft.com/office/drawing/2016/11/diagram" xmlns="">
         <dgm1611:autoBuNodeInfo lvl="1" ptType="sibTrans">
           <dgm1611:buPr prefix="" leadZeros="0">
             <a:buAutoNum type="arabicParenBoth"/>
@@ -30075,7 +30774,7 @@
           <a:p>
             <a:fld id="{56A18366-A052-44AE-8A83-03448C514A16}" type="datetimeFigureOut">
               <a:rPr lang="en-US" smtClean="0"/>
-              <a:t>6/26/2017</a:t>
+              <a:t>6/27/2017</a:t>
             </a:fld>
             <a:endParaRPr lang="en-US"/>
           </a:p>
@@ -31924,7 +32623,7 @@
           <a:p>
             <a:fld id="{A5EF53D7-1ACF-4A2A-9E6D-232E03173C8B}" type="datetimeFigureOut">
               <a:rPr lang="en-US" smtClean="0"/>
-              <a:t>6/26/2017</a:t>
+              <a:t>6/27/2017</a:t>
             </a:fld>
             <a:endParaRPr lang="en-US"/>
           </a:p>
@@ -32103,7 +32802,7 @@
           <a:p>
             <a:fld id="{A5EF53D7-1ACF-4A2A-9E6D-232E03173C8B}" type="datetimeFigureOut">
               <a:rPr lang="en-US" smtClean="0"/>
-              <a:t>6/26/2017</a:t>
+              <a:t>6/27/2017</a:t>
             </a:fld>
             <a:endParaRPr lang="en-US"/>
           </a:p>
@@ -32283,7 +32982,7 @@
           <a:p>
             <a:fld id="{A5EF53D7-1ACF-4A2A-9E6D-232E03173C8B}" type="datetimeFigureOut">
               <a:rPr lang="en-US" smtClean="0"/>
-              <a:t>6/26/2017</a:t>
+              <a:t>6/27/2017</a:t>
             </a:fld>
             <a:endParaRPr lang="en-US"/>
           </a:p>
@@ -32453,7 +33152,7 @@
           <a:p>
             <a:fld id="{A5EF53D7-1ACF-4A2A-9E6D-232E03173C8B}" type="datetimeFigureOut">
               <a:rPr lang="en-US" smtClean="0"/>
-              <a:t>6/26/2017</a:t>
+              <a:t>6/27/2017</a:t>
             </a:fld>
             <a:endParaRPr lang="en-US"/>
           </a:p>
@@ -32766,7 +33465,7 @@
           <a:p>
             <a:fld id="{A5EF53D7-1ACF-4A2A-9E6D-232E03173C8B}" type="datetimeFigureOut">
               <a:rPr lang="en-US" smtClean="0"/>
-              <a:t>6/26/2017</a:t>
+              <a:t>6/27/2017</a:t>
             </a:fld>
             <a:endParaRPr lang="en-US"/>
           </a:p>
@@ -33152,7 +33851,7 @@
           <a:p>
             <a:fld id="{A5EF53D7-1ACF-4A2A-9E6D-232E03173C8B}" type="datetimeFigureOut">
               <a:rPr lang="en-US" smtClean="0"/>
-              <a:t>6/26/2017</a:t>
+              <a:t>6/27/2017</a:t>
             </a:fld>
             <a:endParaRPr lang="en-US"/>
           </a:p>
@@ -33586,7 +34285,7 @@
           <a:p>
             <a:fld id="{A5EF53D7-1ACF-4A2A-9E6D-232E03173C8B}" type="datetimeFigureOut">
               <a:rPr lang="en-US" smtClean="0"/>
-              <a:t>6/26/2017</a:t>
+              <a:t>6/27/2017</a:t>
             </a:fld>
             <a:endParaRPr lang="en-US"/>
           </a:p>
@@ -33704,7 +34403,7 @@
           <a:p>
             <a:fld id="{A5EF53D7-1ACF-4A2A-9E6D-232E03173C8B}" type="datetimeFigureOut">
               <a:rPr lang="en-US" smtClean="0"/>
-              <a:t>6/26/2017</a:t>
+              <a:t>6/27/2017</a:t>
             </a:fld>
             <a:endParaRPr lang="en-US"/>
           </a:p>
@@ -33799,7 +34498,7 @@
           <a:p>
             <a:fld id="{A5EF53D7-1ACF-4A2A-9E6D-232E03173C8B}" type="datetimeFigureOut">
               <a:rPr lang="en-US" smtClean="0"/>
-              <a:t>6/26/2017</a:t>
+              <a:t>6/27/2017</a:t>
             </a:fld>
             <a:endParaRPr lang="en-US"/>
           </a:p>
@@ -34149,7 +34848,7 @@
           <a:p>
             <a:fld id="{A5EF53D7-1ACF-4A2A-9E6D-232E03173C8B}" type="datetimeFigureOut">
               <a:rPr lang="en-US" smtClean="0"/>
-              <a:t>6/26/2017</a:t>
+              <a:t>6/27/2017</a:t>
             </a:fld>
             <a:endParaRPr lang="en-US"/>
           </a:p>
@@ -34574,7 +35273,7 @@
           <a:p>
             <a:fld id="{A5EF53D7-1ACF-4A2A-9E6D-232E03173C8B}" type="datetimeFigureOut">
               <a:rPr lang="en-US" smtClean="0"/>
-              <a:t>6/26/2017</a:t>
+              <a:t>6/27/2017</a:t>
             </a:fld>
             <a:endParaRPr lang="en-US"/>
           </a:p>
@@ -34855,7 +35554,7 @@
           <a:p>
             <a:fld id="{A5EF53D7-1ACF-4A2A-9E6D-232E03173C8B}" type="datetimeFigureOut">
               <a:rPr lang="en-US" smtClean="0"/>
-              <a:t>6/26/2017</a:t>
+              <a:t>6/27/2017</a:t>
             </a:fld>
             <a:endParaRPr lang="en-US"/>
           </a:p>
@@ -35536,6 +36235,10 @@
               </a:rPr>
               <a:t>Неочевидность №4:</a:t>
             </a:r>
+            <a:r>
+              <a:rPr lang="ru-RU" dirty="0"/>
+              <a:t/>
+            </a:r>
             <a:br>
               <a:rPr lang="ru-RU" dirty="0"/>
             </a:br>
@@ -35640,7 +36343,7 @@
         <p:spPr/>
         <p:txBody>
           <a:bodyPr>
-            <a:normAutofit/>
+            <a:normAutofit fontScale="90000"/>
           </a:bodyPr>
           <a:lstStyle/>
           <a:p>
@@ -35651,6 +36354,10 @@
                 </a:solidFill>
               </a:rPr>
               <a:t>ШПАРГАЛКА №2:</a:t>
+            </a:r>
+            <a:r>
+              <a:rPr lang="ru-RU" dirty="0"/>
+              <a:t/>
             </a:r>
             <a:br>
               <a:rPr lang="ru-RU" dirty="0"/>
@@ -35739,7 +36446,7 @@
         <p:spPr/>
         <p:txBody>
           <a:bodyPr>
-            <a:normAutofit/>
+            <a:normAutofit fontScale="90000"/>
           </a:bodyPr>
           <a:lstStyle/>
           <a:p>
@@ -35750,6 +36457,10 @@
                 </a:solidFill>
               </a:rPr>
               <a:t>Шпаргалка №3:</a:t>
+            </a:r>
+            <a:r>
+              <a:rPr lang="ru-RU" dirty="0"/>
+              <a:t/>
             </a:r>
             <a:br>
               <a:rPr lang="ru-RU" dirty="0"/>
@@ -36028,6 +36739,10 @@
               </a:rPr>
               <a:t>НЕОЧЕВИДНОСТЬ №5:</a:t>
             </a:r>
+            <a:r>
+              <a:rPr lang="ru-RU" dirty="0"/>
+              <a:t/>
+            </a:r>
             <a:br>
               <a:rPr lang="ru-RU" dirty="0"/>
             </a:br>
@@ -36134,6 +36849,10 @@
                 </a:solidFill>
               </a:rPr>
               <a:t>ШПАРГАЛКА №4:</a:t>
+            </a:r>
+            <a:r>
+              <a:rPr lang="ru-RU" dirty="0"/>
+              <a:t/>
             </a:r>
             <a:br>
               <a:rPr lang="ru-RU" dirty="0"/>
@@ -36297,6 +37016,10 @@
               </a:rPr>
               <a:t>неочевидность №6:</a:t>
             </a:r>
+            <a:r>
+              <a:rPr lang="ru-RU" dirty="0"/>
+              <a:t/>
+            </a:r>
             <a:br>
               <a:rPr lang="ru-RU" dirty="0"/>
             </a:br>
@@ -36383,7 +37106,7 @@
         <p:spPr/>
         <p:txBody>
           <a:bodyPr>
-            <a:normAutofit/>
+            <a:normAutofit fontScale="90000"/>
           </a:bodyPr>
           <a:lstStyle/>
           <a:p>
@@ -36394,6 +37117,10 @@
                 </a:solidFill>
               </a:rPr>
               <a:t>ШПАРГАЛКА №5:</a:t>
+            </a:r>
+            <a:r>
+              <a:rPr lang="ru-RU" dirty="0"/>
+              <a:t/>
             </a:r>
             <a:br>
               <a:rPr lang="ru-RU" dirty="0"/>
@@ -36428,7 +37155,12 @@
             <p:ph type="body" idx="1"/>
           </p:nvPr>
         </p:nvSpPr>
-        <p:spPr/>
+        <p:spPr>
+          <a:xfrm>
+            <a:off x="1066800" y="2283186"/>
+            <a:ext cx="4754880" cy="640080"/>
+          </a:xfrm>
+        </p:spPr>
         <p:txBody>
           <a:bodyPr/>
           <a:lstStyle/>
@@ -36454,7 +37186,12 @@
             <p:ph type="body" sz="quarter" idx="3"/>
           </p:nvPr>
         </p:nvSpPr>
-        <p:spPr/>
+        <p:spPr>
+          <a:xfrm>
+            <a:off x="6363906" y="2283186"/>
+            <a:ext cx="4754880" cy="640080"/>
+          </a:xfrm>
+        </p:spPr>
         <p:txBody>
           <a:bodyPr/>
           <a:lstStyle/>
@@ -36480,13 +37217,13 @@
             <p:ph sz="half" idx="2"/>
             <p:extLst>
               <p:ext uri="{D42A27DB-BD31-4B8C-83A1-F6EECF244321}">
-                <p14:modId xmlns:p14="http://schemas.microsoft.com/office/powerpoint/2010/main" val="1817179885"/>
+                <p14:modId xmlns:p14="http://schemas.microsoft.com/office/powerpoint/2010/main" val="2696692871"/>
               </p:ext>
             </p:extLst>
           </p:nvPr>
         </p:nvGraphicFramePr>
         <p:xfrm>
-          <a:off x="1069975" y="2743200"/>
+          <a:off x="1067117" y="3112477"/>
           <a:ext cx="4754563" cy="3292475"/>
         </p:xfrm>
         <a:graphic>
@@ -36505,13 +37242,13 @@
             <p:ph sz="quarter" idx="4"/>
             <p:extLst>
               <p:ext uri="{D42A27DB-BD31-4B8C-83A1-F6EECF244321}">
-                <p14:modId xmlns:p14="http://schemas.microsoft.com/office/powerpoint/2010/main" val="1658850397"/>
+                <p14:modId xmlns:p14="http://schemas.microsoft.com/office/powerpoint/2010/main" val="1681519483"/>
               </p:ext>
             </p:extLst>
           </p:nvPr>
         </p:nvGraphicFramePr>
         <p:xfrm>
-          <a:off x="6364288" y="2743200"/>
+          <a:off x="6364224" y="3112477"/>
           <a:ext cx="4754562" cy="3292475"/>
         </p:xfrm>
         <a:graphic>
@@ -36567,7 +37304,7 @@
         </p:spPr>
         <p:txBody>
           <a:bodyPr>
-            <a:normAutofit/>
+            <a:normAutofit fontScale="90000"/>
           </a:bodyPr>
           <a:lstStyle/>
           <a:p>
@@ -36578,6 +37315,10 @@
                 </a:solidFill>
               </a:rPr>
               <a:t>ШПАРГАЛКА №6:</a:t>
+            </a:r>
+            <a:r>
+              <a:rPr lang="ru-RU" sz="4000" dirty="0"/>
+              <a:t/>
             </a:r>
             <a:br>
               <a:rPr lang="ru-RU" sz="4000" dirty="0"/>
@@ -36675,6 +37416,10 @@
                 </a:solidFill>
               </a:rPr>
               <a:t>Шпаргалка №7:</a:t>
+            </a:r>
+            <a:r>
+              <a:rPr lang="ru-RU" dirty="0"/>
+              <a:t/>
             </a:r>
             <a:br>
               <a:rPr lang="ru-RU" dirty="0"/>
@@ -37161,6 +37906,10 @@
               </a:rPr>
               <a:t>ШПАРГАЛКА №8:</a:t>
             </a:r>
+            <a:r>
+              <a:rPr lang="ru-RU" dirty="0"/>
+              <a:t/>
+            </a:r>
             <a:br>
               <a:rPr lang="ru-RU" dirty="0"/>
             </a:br>
@@ -37448,6 +38197,10 @@
               </a:rPr>
               <a:t>ШПАРГАЛКА №9:</a:t>
             </a:r>
+            <a:r>
+              <a:rPr lang="ru-RU" dirty="0"/>
+              <a:t/>
+            </a:r>
             <a:br>
               <a:rPr lang="ru-RU" dirty="0"/>
             </a:br>
@@ -37551,6 +38304,10 @@
               </a:rPr>
               <a:t>Неочевидность №7:</a:t>
             </a:r>
+            <a:r>
+              <a:rPr lang="ru-RU" dirty="0"/>
+              <a:t/>
+            </a:r>
             <a:br>
               <a:rPr lang="ru-RU" dirty="0"/>
             </a:br>
@@ -37644,6 +38401,10 @@
                 </a:solidFill>
               </a:rPr>
               <a:t>НЕОЧЕВИДНОСТЬ №8:</a:t>
+            </a:r>
+            <a:r>
+              <a:rPr lang="en-US" dirty="0"/>
+              <a:t/>
             </a:r>
             <a:br>
               <a:rPr lang="en-US" dirty="0"/>
@@ -37846,6 +38607,10 @@
               </a:rPr>
               <a:t>ШПАРгалка №10:</a:t>
             </a:r>
+            <a:r>
+              <a:rPr lang="ru-RU" dirty="0"/>
+              <a:t/>
+            </a:r>
             <a:br>
               <a:rPr lang="ru-RU" dirty="0"/>
             </a:br>
@@ -37860,6 +38625,10 @@
             <a:r>
               <a:rPr lang="en-US" dirty="0"/>
               <a:t> </a:t>
+            </a:r>
+            <a:r>
+              <a:rPr lang="ru-RU" dirty="0"/>
+              <a:t/>
             </a:r>
             <a:br>
               <a:rPr lang="ru-RU" dirty="0"/>
@@ -40339,7 +41108,7 @@
         <p:spPr/>
         <p:txBody>
           <a:bodyPr vert="horz" lIns="91440" tIns="45720" rIns="91440" bIns="45720" rtlCol="0" anchor="b">
-            <a:normAutofit/>
+            <a:normAutofit fontScale="90000"/>
           </a:bodyPr>
           <a:lstStyle/>
           <a:p>
@@ -40816,6 +41585,10 @@
               </a:rPr>
               <a:t>ШПАРГАЛКА №1:</a:t>
             </a:r>
+            <a:r>
+              <a:rPr lang="ru-RU" sz="3600" dirty="0"/>
+              <a:t/>
+            </a:r>
             <a:br>
               <a:rPr lang="ru-RU" sz="3600" dirty="0"/>
             </a:br>
@@ -41034,6 +41807,10 @@
               </a:rPr>
               <a:t>Неочевидность №1:</a:t>
             </a:r>
+            <a:r>
+              <a:rPr lang="ru-RU" dirty="0"/>
+              <a:t/>
+            </a:r>
             <a:br>
               <a:rPr lang="ru-RU" dirty="0"/>
             </a:br>
@@ -41247,6 +42024,10 @@
               </a:rPr>
               <a:t>НЕОЧЕВИДНОСТЬ №2:</a:t>
             </a:r>
+            <a:r>
+              <a:rPr lang="ru-RU" dirty="0"/>
+              <a:t/>
+            </a:r>
             <a:br>
               <a:rPr lang="ru-RU" dirty="0"/>
             </a:br>
@@ -41409,7 +42190,12 @@
             <p:ph type="title"/>
           </p:nvPr>
         </p:nvSpPr>
-        <p:spPr/>
+        <p:spPr>
+          <a:xfrm>
+            <a:off x="1069848" y="484631"/>
+            <a:ext cx="10058400" cy="1942045"/>
+          </a:xfrm>
+        </p:spPr>
         <p:txBody>
           <a:bodyPr>
             <a:normAutofit fontScale="90000"/>
@@ -41423,6 +42209,10 @@
                 </a:solidFill>
               </a:rPr>
               <a:t>Неочевидность №3:</a:t>
+            </a:r>
+            <a:r>
+              <a:rPr lang="ru-RU" dirty="0"/>
+              <a:t/>
             </a:r>
             <a:br>
               <a:rPr lang="ru-RU" dirty="0"/>
@@ -41449,13 +42239,13 @@
             <p:ph sz="half" idx="1"/>
             <p:extLst>
               <p:ext uri="{D42A27DB-BD31-4B8C-83A1-F6EECF244321}">
-                <p14:modId xmlns:p14="http://schemas.microsoft.com/office/powerpoint/2010/main" val="956417484"/>
+                <p14:modId xmlns:p14="http://schemas.microsoft.com/office/powerpoint/2010/main" val="650864535"/>
               </p:ext>
             </p:extLst>
           </p:nvPr>
         </p:nvGraphicFramePr>
         <p:xfrm>
-          <a:off x="1069975" y="2401455"/>
+          <a:off x="955675" y="2797109"/>
           <a:ext cx="4721225" cy="3770745"/>
         </p:xfrm>
         <a:graphic>
@@ -41474,13 +42264,13 @@
             <p:ph sz="half" idx="2"/>
             <p:extLst>
               <p:ext uri="{D42A27DB-BD31-4B8C-83A1-F6EECF244321}">
-                <p14:modId xmlns:p14="http://schemas.microsoft.com/office/powerpoint/2010/main" val="657432545"/>
+                <p14:modId xmlns:p14="http://schemas.microsoft.com/office/powerpoint/2010/main" val="2093199918"/>
               </p:ext>
             </p:extLst>
           </p:nvPr>
         </p:nvGraphicFramePr>
         <p:xfrm>
-          <a:off x="6363855" y="2475345"/>
+          <a:off x="6373253" y="2797109"/>
           <a:ext cx="4754995" cy="3696855"/>
         </p:xfrm>
         <a:graphic>

--- a/P.pptx
+++ b/P.pptx
@@ -5,36 +5,35 @@
     <p:sldMasterId id="2147483707" r:id="rId1"/>
   </p:sldMasterIdLst>
   <p:notesMasterIdLst>
-    <p:notesMasterId r:id="rId29"/>
+    <p:notesMasterId r:id="rId28"/>
   </p:notesMasterIdLst>
   <p:sldIdLst>
     <p:sldId id="256" r:id="rId2"/>
     <p:sldId id="258" r:id="rId3"/>
     <p:sldId id="280" r:id="rId4"/>
-    <p:sldId id="279" r:id="rId5"/>
-    <p:sldId id="260" r:id="rId6"/>
-    <p:sldId id="285" r:id="rId7"/>
-    <p:sldId id="262" r:id="rId8"/>
-    <p:sldId id="261" r:id="rId9"/>
-    <p:sldId id="264" r:id="rId10"/>
-    <p:sldId id="281" r:id="rId11"/>
-    <p:sldId id="266" r:id="rId12"/>
-    <p:sldId id="267" r:id="rId13"/>
-    <p:sldId id="282" r:id="rId14"/>
-    <p:sldId id="268" r:id="rId15"/>
-    <p:sldId id="269" r:id="rId16"/>
-    <p:sldId id="270" r:id="rId17"/>
-    <p:sldId id="271" r:id="rId18"/>
-    <p:sldId id="286" r:id="rId19"/>
-    <p:sldId id="283" r:id="rId20"/>
-    <p:sldId id="274" r:id="rId21"/>
-    <p:sldId id="277" r:id="rId22"/>
-    <p:sldId id="272" r:id="rId23"/>
-    <p:sldId id="265" r:id="rId24"/>
-    <p:sldId id="273" r:id="rId25"/>
-    <p:sldId id="276" r:id="rId26"/>
-    <p:sldId id="284" r:id="rId27"/>
-    <p:sldId id="278" r:id="rId28"/>
+    <p:sldId id="260" r:id="rId5"/>
+    <p:sldId id="285" r:id="rId6"/>
+    <p:sldId id="262" r:id="rId7"/>
+    <p:sldId id="261" r:id="rId8"/>
+    <p:sldId id="264" r:id="rId9"/>
+    <p:sldId id="281" r:id="rId10"/>
+    <p:sldId id="266" r:id="rId11"/>
+    <p:sldId id="267" r:id="rId12"/>
+    <p:sldId id="282" r:id="rId13"/>
+    <p:sldId id="268" r:id="rId14"/>
+    <p:sldId id="269" r:id="rId15"/>
+    <p:sldId id="270" r:id="rId16"/>
+    <p:sldId id="271" r:id="rId17"/>
+    <p:sldId id="286" r:id="rId18"/>
+    <p:sldId id="283" r:id="rId19"/>
+    <p:sldId id="274" r:id="rId20"/>
+    <p:sldId id="277" r:id="rId21"/>
+    <p:sldId id="272" r:id="rId22"/>
+    <p:sldId id="265" r:id="rId23"/>
+    <p:sldId id="273" r:id="rId24"/>
+    <p:sldId id="276" r:id="rId25"/>
+    <p:sldId id="284" r:id="rId26"/>
+    <p:sldId id="278" r:id="rId27"/>
   </p:sldIdLst>
   <p:sldSz cx="12192000" cy="6858000"/>
   <p:notesSz cx="6858000" cy="9144000"/>
@@ -141,7 +140,6 @@
             <p14:sldId id="256"/>
             <p14:sldId id="258"/>
             <p14:sldId id="280"/>
-            <p14:sldId id="279"/>
             <p14:sldId id="260"/>
           </p14:sldIdLst>
         </p14:section>
@@ -22321,7 +22319,7 @@
           <a:p>
             <a:fld id="{56A18366-A052-44AE-8A83-03448C514A16}" type="datetimeFigureOut">
               <a:rPr lang="en-US" smtClean="0"/>
-              <a:t>7/4/2017</a:t>
+              <a:t>7/10/2017</a:t>
             </a:fld>
             <a:endParaRPr lang="en-US"/>
           </a:p>
@@ -22749,16 +22747,12 @@
           <a:lstStyle/>
           <a:p>
             <a:r>
-              <a:rPr lang="ru-RU" baseline="0" dirty="0"/>
-              <a:t>Почему необходимо вызывать каждый раз </a:t>
+              <a:rPr lang="ru-RU" dirty="0"/>
+              <a:t>Рассказ про то, как</a:t>
             </a:r>
             <a:r>
-              <a:rPr lang="en-US" baseline="0" dirty="0" err="1"/>
-              <a:t>GetSuitableCtor</a:t>
-            </a:r>
-            <a:r>
-              <a:rPr lang="en-US" baseline="0" dirty="0"/>
-              <a:t>()</a:t>
+              <a:rPr lang="ru-RU" baseline="0" dirty="0"/>
+              <a:t> решить проблему множественного пересоздания дерева</a:t>
             </a:r>
             <a:endParaRPr lang="en-US" dirty="0"/>
           </a:p>
@@ -22790,98 +22784,6 @@
     </p:spTree>
     <p:extLst>
       <p:ext uri="{BB962C8B-B14F-4D97-AF65-F5344CB8AC3E}">
-        <p14:creationId xmlns:p14="http://schemas.microsoft.com/office/powerpoint/2010/main" val="1998522180"/>
-      </p:ext>
-    </p:extLst>
-  </p:cSld>
-  <p:clrMapOvr>
-    <a:masterClrMapping/>
-  </p:clrMapOvr>
-</p:notes>
-</file>
-
-<file path=ppt/notesSlides/notesSlide11.xml><?xml version="1.0" encoding="utf-8"?>
-<p:notes xmlns:a="http://schemas.openxmlformats.org/drawingml/2006/main" xmlns:r="http://schemas.openxmlformats.org/officeDocument/2006/relationships" xmlns:p="http://schemas.openxmlformats.org/presentationml/2006/main">
-  <p:cSld>
-    <p:spTree>
-      <p:nvGrpSpPr>
-        <p:cNvPr id="1" name=""/>
-        <p:cNvGrpSpPr/>
-        <p:nvPr/>
-      </p:nvGrpSpPr>
-      <p:grpSpPr>
-        <a:xfrm>
-          <a:off x="0" y="0"/>
-          <a:ext cx="0" cy="0"/>
-          <a:chOff x="0" y="0"/>
-          <a:chExt cx="0" cy="0"/>
-        </a:xfrm>
-      </p:grpSpPr>
-      <p:sp>
-        <p:nvSpPr>
-          <p:cNvPr id="2" name="Slide Image Placeholder 1"/>
-          <p:cNvSpPr>
-            <a:spLocks noGrp="1" noRot="1" noChangeAspect="1"/>
-          </p:cNvSpPr>
-          <p:nvPr>
-            <p:ph type="sldImg"/>
-          </p:nvPr>
-        </p:nvSpPr>
-        <p:spPr/>
-      </p:sp>
-      <p:sp>
-        <p:nvSpPr>
-          <p:cNvPr id="3" name="Notes Placeholder 2"/>
-          <p:cNvSpPr>
-            <a:spLocks noGrp="1"/>
-          </p:cNvSpPr>
-          <p:nvPr>
-            <p:ph type="body" idx="1"/>
-          </p:nvPr>
-        </p:nvSpPr>
-        <p:spPr/>
-        <p:txBody>
-          <a:bodyPr/>
-          <a:lstStyle/>
-          <a:p>
-            <a:r>
-              <a:rPr lang="ru-RU" dirty="0"/>
-              <a:t>Рассказ про то, как</a:t>
-            </a:r>
-            <a:r>
-              <a:rPr lang="ru-RU" baseline="0" dirty="0"/>
-              <a:t> решить проблему множественного пересоздания дерева</a:t>
-            </a:r>
-            <a:endParaRPr lang="en-US" dirty="0"/>
-          </a:p>
-        </p:txBody>
-      </p:sp>
-      <p:sp>
-        <p:nvSpPr>
-          <p:cNvPr id="4" name="Slide Number Placeholder 3"/>
-          <p:cNvSpPr>
-            <a:spLocks noGrp="1"/>
-          </p:cNvSpPr>
-          <p:nvPr>
-            <p:ph type="sldNum" sz="quarter" idx="10"/>
-          </p:nvPr>
-        </p:nvSpPr>
-        <p:spPr/>
-        <p:txBody>
-          <a:bodyPr/>
-          <a:lstStyle/>
-          <a:p>
-            <a:fld id="{A8056219-52E5-46EB-8402-B0D5886D658D}" type="slidenum">
-              <a:rPr lang="en-US" smtClean="0"/>
-              <a:t>25</a:t>
-            </a:fld>
-            <a:endParaRPr lang="en-US"/>
-          </a:p>
-        </p:txBody>
-      </p:sp>
-    </p:spTree>
-    <p:extLst>
-      <p:ext uri="{BB962C8B-B14F-4D97-AF65-F5344CB8AC3E}">
         <p14:creationId xmlns:p14="http://schemas.microsoft.com/office/powerpoint/2010/main" val="816151231"/>
       </p:ext>
     </p:extLst>
@@ -22893,108 +22795,6 @@
 </file>
 
 <file path=ppt/notesSlides/notesSlide2.xml><?xml version="1.0" encoding="utf-8"?>
-<p:notes xmlns:a="http://schemas.openxmlformats.org/drawingml/2006/main" xmlns:r="http://schemas.openxmlformats.org/officeDocument/2006/relationships" xmlns:p="http://schemas.openxmlformats.org/presentationml/2006/main">
-  <p:cSld>
-    <p:spTree>
-      <p:nvGrpSpPr>
-        <p:cNvPr id="1" name=""/>
-        <p:cNvGrpSpPr/>
-        <p:nvPr/>
-      </p:nvGrpSpPr>
-      <p:grpSpPr>
-        <a:xfrm>
-          <a:off x="0" y="0"/>
-          <a:ext cx="0" cy="0"/>
-          <a:chOff x="0" y="0"/>
-          <a:chExt cx="0" cy="0"/>
-        </a:xfrm>
-      </p:grpSpPr>
-      <p:sp>
-        <p:nvSpPr>
-          <p:cNvPr id="2" name="Slide Image Placeholder 1"/>
-          <p:cNvSpPr>
-            <a:spLocks noGrp="1" noRot="1" noChangeAspect="1"/>
-          </p:cNvSpPr>
-          <p:nvPr>
-            <p:ph type="sldImg"/>
-          </p:nvPr>
-        </p:nvSpPr>
-        <p:spPr/>
-      </p:sp>
-      <p:sp>
-        <p:nvSpPr>
-          <p:cNvPr id="3" name="Notes Placeholder 2"/>
-          <p:cNvSpPr>
-            <a:spLocks noGrp="1"/>
-          </p:cNvSpPr>
-          <p:nvPr>
-            <p:ph type="body" idx="1"/>
-          </p:nvPr>
-        </p:nvSpPr>
-        <p:spPr/>
-        <p:txBody>
-          <a:bodyPr/>
-          <a:lstStyle/>
-          <a:p>
-            <a:r>
-              <a:rPr lang="ru-RU" dirty="0"/>
-              <a:t>Последовательность выполнения методов и Dto со сложной логикой валидации</a:t>
-            </a:r>
-            <a:endParaRPr lang="en-US" dirty="0"/>
-          </a:p>
-          <a:p>
-            <a:r>
-              <a:rPr lang="ru-RU" dirty="0"/>
-              <a:t>Я часто опечатываюсь, вводя несколько точек подряд</a:t>
-            </a:r>
-            <a:endParaRPr lang="en-US" dirty="0"/>
-          </a:p>
-          <a:p>
-            <a:r>
-              <a:rPr lang="ru-RU" dirty="0"/>
-              <a:t>Применение правил по пректно</a:t>
-            </a:r>
-            <a:endParaRPr lang="en-US" dirty="0"/>
-          </a:p>
-        </p:txBody>
-      </p:sp>
-      <p:sp>
-        <p:nvSpPr>
-          <p:cNvPr id="4" name="Slide Number Placeholder 3"/>
-          <p:cNvSpPr>
-            <a:spLocks noGrp="1"/>
-          </p:cNvSpPr>
-          <p:nvPr>
-            <p:ph type="sldNum" sz="quarter" idx="10"/>
-          </p:nvPr>
-        </p:nvSpPr>
-        <p:spPr/>
-        <p:txBody>
-          <a:bodyPr/>
-          <a:lstStyle/>
-          <a:p>
-            <a:fld id="{A8056219-52E5-46EB-8402-B0D5886D658D}" type="slidenum">
-              <a:rPr lang="en-US" smtClean="0"/>
-              <a:t>4</a:t>
-            </a:fld>
-            <a:endParaRPr lang="en-US"/>
-          </a:p>
-        </p:txBody>
-      </p:sp>
-    </p:spTree>
-    <p:extLst>
-      <p:ext uri="{BB962C8B-B14F-4D97-AF65-F5344CB8AC3E}">
-        <p14:creationId xmlns:p14="http://schemas.microsoft.com/office/powerpoint/2010/main" val="3547616911"/>
-      </p:ext>
-    </p:extLst>
-  </p:cSld>
-  <p:clrMapOvr>
-    <a:masterClrMapping/>
-  </p:clrMapOvr>
-</p:notes>
-</file>
-
-<file path=ppt/notesSlides/notesSlide3.xml><?xml version="1.0" encoding="utf-8"?>
 <p:notes xmlns:a="http://schemas.openxmlformats.org/drawingml/2006/main" xmlns:r="http://schemas.openxmlformats.org/officeDocument/2006/relationships" xmlns:p="http://schemas.openxmlformats.org/presentationml/2006/main">
   <p:cSld>
     <p:spTree>
@@ -23059,7 +22859,7 @@
           <a:p>
             <a:fld id="{A8056219-52E5-46EB-8402-B0D5886D658D}" type="slidenum">
               <a:rPr lang="en-US" smtClean="0"/>
-              <a:t>5</a:t>
+              <a:t>4</a:t>
             </a:fld>
             <a:endParaRPr lang="en-US"/>
           </a:p>
@@ -23078,7 +22878,7 @@
 </p:notes>
 </file>
 
-<file path=ppt/notesSlides/notesSlide4.xml><?xml version="1.0" encoding="utf-8"?>
+<file path=ppt/notesSlides/notesSlide3.xml><?xml version="1.0" encoding="utf-8"?>
 <p:notes xmlns:a="http://schemas.openxmlformats.org/drawingml/2006/main" xmlns:r="http://schemas.openxmlformats.org/officeDocument/2006/relationships" xmlns:p="http://schemas.openxmlformats.org/presentationml/2006/main">
   <p:cSld>
     <p:spTree>
@@ -23168,7 +22968,7 @@
           <a:p>
             <a:fld id="{A8056219-52E5-46EB-8402-B0D5886D658D}" type="slidenum">
               <a:rPr lang="en-US" smtClean="0"/>
-              <a:t>7</a:t>
+              <a:t>6</a:t>
             </a:fld>
             <a:endParaRPr lang="en-US"/>
           </a:p>
@@ -23187,7 +22987,7 @@
 </p:notes>
 </file>
 
-<file path=ppt/notesSlides/notesSlide5.xml><?xml version="1.0" encoding="utf-8"?>
+<file path=ppt/notesSlides/notesSlide4.xml><?xml version="1.0" encoding="utf-8"?>
 <p:notes xmlns:a="http://schemas.openxmlformats.org/drawingml/2006/main" xmlns:r="http://schemas.openxmlformats.org/officeDocument/2006/relationships" xmlns:p="http://schemas.openxmlformats.org/presentationml/2006/main">
   <p:cSld>
     <p:spTree>
@@ -23272,7 +23072,7 @@
           <a:p>
             <a:fld id="{A8056219-52E5-46EB-8402-B0D5886D658D}" type="slidenum">
               <a:rPr lang="en-US" smtClean="0"/>
-              <a:t>11</a:t>
+              <a:t>10</a:t>
             </a:fld>
             <a:endParaRPr lang="en-US"/>
           </a:p>
@@ -23291,7 +23091,7 @@
 </p:notes>
 </file>
 
-<file path=ppt/notesSlides/notesSlide6.xml><?xml version="1.0" encoding="utf-8"?>
+<file path=ppt/notesSlides/notesSlide5.xml><?xml version="1.0" encoding="utf-8"?>
 <p:notes xmlns:a="http://schemas.openxmlformats.org/drawingml/2006/main" xmlns:r="http://schemas.openxmlformats.org/officeDocument/2006/relationships" xmlns:p="http://schemas.openxmlformats.org/presentationml/2006/main">
   <p:cSld>
     <p:spTree>
@@ -23364,7 +23164,7 @@
           <a:p>
             <a:fld id="{A8056219-52E5-46EB-8402-B0D5886D658D}" type="slidenum">
               <a:rPr lang="en-US" smtClean="0"/>
-              <a:t>13</a:t>
+              <a:t>12</a:t>
             </a:fld>
             <a:endParaRPr lang="en-US"/>
           </a:p>
@@ -23383,7 +23183,7 @@
 </p:notes>
 </file>
 
-<file path=ppt/notesSlides/notesSlide7.xml><?xml version="1.0" encoding="utf-8"?>
+<file path=ppt/notesSlides/notesSlide6.xml><?xml version="1.0" encoding="utf-8"?>
 <p:notes xmlns:a="http://schemas.openxmlformats.org/drawingml/2006/main" xmlns:r="http://schemas.openxmlformats.org/officeDocument/2006/relationships" xmlns:p="http://schemas.openxmlformats.org/presentationml/2006/main">
   <p:cSld>
     <p:spTree>
@@ -23460,7 +23260,7 @@
           <a:p>
             <a:fld id="{A8056219-52E5-46EB-8402-B0D5886D658D}" type="slidenum">
               <a:rPr lang="en-US" smtClean="0"/>
-              <a:t>15</a:t>
+              <a:t>14</a:t>
             </a:fld>
             <a:endParaRPr lang="en-US"/>
           </a:p>
@@ -23479,7 +23279,7 @@
 </p:notes>
 </file>
 
-<file path=ppt/notesSlides/notesSlide8.xml><?xml version="1.0" encoding="utf-8"?>
+<file path=ppt/notesSlides/notesSlide7.xml><?xml version="1.0" encoding="utf-8"?>
 <p:notes xmlns:a="http://schemas.openxmlformats.org/drawingml/2006/main" xmlns:r="http://schemas.openxmlformats.org/officeDocument/2006/relationships" xmlns:p="http://schemas.openxmlformats.org/presentationml/2006/main">
   <p:cSld>
     <p:spTree>
@@ -23552,7 +23352,7 @@
           <a:p>
             <a:fld id="{A8056219-52E5-46EB-8402-B0D5886D658D}" type="slidenum">
               <a:rPr lang="en-US" smtClean="0"/>
-              <a:t>19</a:t>
+              <a:t>18</a:t>
             </a:fld>
             <a:endParaRPr lang="en-US"/>
           </a:p>
@@ -23571,7 +23371,7 @@
 </p:notes>
 </file>
 
-<file path=ppt/notesSlides/notesSlide9.xml><?xml version="1.0" encoding="utf-8"?>
+<file path=ppt/notesSlides/notesSlide8.xml><?xml version="1.0" encoding="utf-8"?>
 <p:notes xmlns:a="http://schemas.openxmlformats.org/drawingml/2006/main" xmlns:r="http://schemas.openxmlformats.org/officeDocument/2006/relationships" xmlns:p="http://schemas.openxmlformats.org/presentationml/2006/main">
   <p:cSld>
     <p:spTree>
@@ -23656,6 +23456,102 @@
           <a:p>
             <a:fld id="{A8056219-52E5-46EB-8402-B0D5886D658D}" type="slidenum">
               <a:rPr lang="en-US" smtClean="0"/>
+              <a:t>22</a:t>
+            </a:fld>
+            <a:endParaRPr lang="en-US"/>
+          </a:p>
+        </p:txBody>
+      </p:sp>
+    </p:spTree>
+    <p:extLst>
+      <p:ext uri="{BB962C8B-B14F-4D97-AF65-F5344CB8AC3E}">
+        <p14:creationId xmlns:p14="http://schemas.microsoft.com/office/powerpoint/2010/main" val="1910721752"/>
+      </p:ext>
+    </p:extLst>
+  </p:cSld>
+  <p:clrMapOvr>
+    <a:masterClrMapping/>
+  </p:clrMapOvr>
+</p:notes>
+</file>
+
+<file path=ppt/notesSlides/notesSlide9.xml><?xml version="1.0" encoding="utf-8"?>
+<p:notes xmlns:a="http://schemas.openxmlformats.org/drawingml/2006/main" xmlns:r="http://schemas.openxmlformats.org/officeDocument/2006/relationships" xmlns:p="http://schemas.openxmlformats.org/presentationml/2006/main">
+  <p:cSld>
+    <p:spTree>
+      <p:nvGrpSpPr>
+        <p:cNvPr id="1" name=""/>
+        <p:cNvGrpSpPr/>
+        <p:nvPr/>
+      </p:nvGrpSpPr>
+      <p:grpSpPr>
+        <a:xfrm>
+          <a:off x="0" y="0"/>
+          <a:ext cx="0" cy="0"/>
+          <a:chOff x="0" y="0"/>
+          <a:chExt cx="0" cy="0"/>
+        </a:xfrm>
+      </p:grpSpPr>
+      <p:sp>
+        <p:nvSpPr>
+          <p:cNvPr id="2" name="Slide Image Placeholder 1"/>
+          <p:cNvSpPr>
+            <a:spLocks noGrp="1" noRot="1" noChangeAspect="1"/>
+          </p:cNvSpPr>
+          <p:nvPr>
+            <p:ph type="sldImg"/>
+          </p:nvPr>
+        </p:nvSpPr>
+        <p:spPr/>
+      </p:sp>
+      <p:sp>
+        <p:nvSpPr>
+          <p:cNvPr id="3" name="Notes Placeholder 2"/>
+          <p:cNvSpPr>
+            <a:spLocks noGrp="1"/>
+          </p:cNvSpPr>
+          <p:nvPr>
+            <p:ph type="body" idx="1"/>
+          </p:nvPr>
+        </p:nvSpPr>
+        <p:spPr/>
+        <p:txBody>
+          <a:bodyPr/>
+          <a:lstStyle/>
+          <a:p>
+            <a:r>
+              <a:rPr lang="ru-RU" baseline="0" dirty="0"/>
+              <a:t>Почему необходимо вызывать каждый раз </a:t>
+            </a:r>
+            <a:r>
+              <a:rPr lang="en-US" baseline="0" dirty="0" err="1"/>
+              <a:t>GetSuitableCtor</a:t>
+            </a:r>
+            <a:r>
+              <a:rPr lang="en-US" baseline="0" dirty="0"/>
+              <a:t>()</a:t>
+            </a:r>
+            <a:endParaRPr lang="en-US" dirty="0"/>
+          </a:p>
+        </p:txBody>
+      </p:sp>
+      <p:sp>
+        <p:nvSpPr>
+          <p:cNvPr id="4" name="Slide Number Placeholder 3"/>
+          <p:cNvSpPr>
+            <a:spLocks noGrp="1"/>
+          </p:cNvSpPr>
+          <p:nvPr>
+            <p:ph type="sldNum" sz="quarter" idx="10"/>
+          </p:nvPr>
+        </p:nvSpPr>
+        <p:spPr/>
+        <p:txBody>
+          <a:bodyPr/>
+          <a:lstStyle/>
+          <a:p>
+            <a:fld id="{A8056219-52E5-46EB-8402-B0D5886D658D}" type="slidenum">
+              <a:rPr lang="en-US" smtClean="0"/>
               <a:t>23</a:t>
             </a:fld>
             <a:endParaRPr lang="en-US"/>
@@ -23665,7 +23561,7 @@
     </p:spTree>
     <p:extLst>
       <p:ext uri="{BB962C8B-B14F-4D97-AF65-F5344CB8AC3E}">
-        <p14:creationId xmlns:p14="http://schemas.microsoft.com/office/powerpoint/2010/main" val="1910721752"/>
+        <p14:creationId xmlns:p14="http://schemas.microsoft.com/office/powerpoint/2010/main" val="1998522180"/>
       </p:ext>
     </p:extLst>
   </p:cSld>
@@ -24078,7 +23974,7 @@
           <a:p>
             <a:fld id="{A5EF53D7-1ACF-4A2A-9E6D-232E03173C8B}" type="datetimeFigureOut">
               <a:rPr lang="en-US" smtClean="0"/>
-              <a:t>7/4/2017</a:t>
+              <a:t>7/10/2017</a:t>
             </a:fld>
             <a:endParaRPr lang="en-US"/>
           </a:p>
@@ -24257,7 +24153,7 @@
           <a:p>
             <a:fld id="{A5EF53D7-1ACF-4A2A-9E6D-232E03173C8B}" type="datetimeFigureOut">
               <a:rPr lang="en-US" smtClean="0"/>
-              <a:t>7/4/2017</a:t>
+              <a:t>7/10/2017</a:t>
             </a:fld>
             <a:endParaRPr lang="en-US"/>
           </a:p>
@@ -24437,7 +24333,7 @@
           <a:p>
             <a:fld id="{A5EF53D7-1ACF-4A2A-9E6D-232E03173C8B}" type="datetimeFigureOut">
               <a:rPr lang="en-US" smtClean="0"/>
-              <a:t>7/4/2017</a:t>
+              <a:t>7/10/2017</a:t>
             </a:fld>
             <a:endParaRPr lang="en-US"/>
           </a:p>
@@ -24607,7 +24503,7 @@
           <a:p>
             <a:fld id="{A5EF53D7-1ACF-4A2A-9E6D-232E03173C8B}" type="datetimeFigureOut">
               <a:rPr lang="en-US" smtClean="0"/>
-              <a:t>7/4/2017</a:t>
+              <a:t>7/10/2017</a:t>
             </a:fld>
             <a:endParaRPr lang="en-US"/>
           </a:p>
@@ -24920,7 +24816,7 @@
           <a:p>
             <a:fld id="{A5EF53D7-1ACF-4A2A-9E6D-232E03173C8B}" type="datetimeFigureOut">
               <a:rPr lang="en-US" smtClean="0"/>
-              <a:t>7/4/2017</a:t>
+              <a:t>7/10/2017</a:t>
             </a:fld>
             <a:endParaRPr lang="en-US"/>
           </a:p>
@@ -25306,7 +25202,7 @@
           <a:p>
             <a:fld id="{A5EF53D7-1ACF-4A2A-9E6D-232E03173C8B}" type="datetimeFigureOut">
               <a:rPr lang="en-US" smtClean="0"/>
-              <a:t>7/4/2017</a:t>
+              <a:t>7/10/2017</a:t>
             </a:fld>
             <a:endParaRPr lang="en-US"/>
           </a:p>
@@ -25740,7 +25636,7 @@
           <a:p>
             <a:fld id="{A5EF53D7-1ACF-4A2A-9E6D-232E03173C8B}" type="datetimeFigureOut">
               <a:rPr lang="en-US" smtClean="0"/>
-              <a:t>7/4/2017</a:t>
+              <a:t>7/10/2017</a:t>
             </a:fld>
             <a:endParaRPr lang="en-US"/>
           </a:p>
@@ -25858,7 +25754,7 @@
           <a:p>
             <a:fld id="{A5EF53D7-1ACF-4A2A-9E6D-232E03173C8B}" type="datetimeFigureOut">
               <a:rPr lang="en-US" smtClean="0"/>
-              <a:t>7/4/2017</a:t>
+              <a:t>7/10/2017</a:t>
             </a:fld>
             <a:endParaRPr lang="en-US"/>
           </a:p>
@@ -25953,7 +25849,7 @@
           <a:p>
             <a:fld id="{A5EF53D7-1ACF-4A2A-9E6D-232E03173C8B}" type="datetimeFigureOut">
               <a:rPr lang="en-US" smtClean="0"/>
-              <a:t>7/4/2017</a:t>
+              <a:t>7/10/2017</a:t>
             </a:fld>
             <a:endParaRPr lang="en-US"/>
           </a:p>
@@ -26303,7 +26199,7 @@
           <a:p>
             <a:fld id="{A5EF53D7-1ACF-4A2A-9E6D-232E03173C8B}" type="datetimeFigureOut">
               <a:rPr lang="en-US" smtClean="0"/>
-              <a:t>7/4/2017</a:t>
+              <a:t>7/10/2017</a:t>
             </a:fld>
             <a:endParaRPr lang="en-US"/>
           </a:p>
@@ -26728,7 +26624,7 @@
           <a:p>
             <a:fld id="{A5EF53D7-1ACF-4A2A-9E6D-232E03173C8B}" type="datetimeFigureOut">
               <a:rPr lang="en-US" smtClean="0"/>
-              <a:t>7/4/2017</a:t>
+              <a:t>7/10/2017</a:t>
             </a:fld>
             <a:endParaRPr lang="en-US"/>
           </a:p>
@@ -27009,7 +26905,7 @@
           <a:p>
             <a:fld id="{A5EF53D7-1ACF-4A2A-9E6D-232E03173C8B}" type="datetimeFigureOut">
               <a:rPr lang="en-US" smtClean="0"/>
-              <a:t>7/4/2017</a:t>
+              <a:t>7/10/2017</a:t>
             </a:fld>
             <a:endParaRPr lang="en-US"/>
           </a:p>
@@ -27670,127 +27566,6 @@
             <p:ph type="title"/>
           </p:nvPr>
         </p:nvSpPr>
-        <p:spPr>
-          <a:xfrm>
-            <a:off x="8549639" y="685800"/>
-            <a:ext cx="3513051" cy="1737360"/>
-          </a:xfrm>
-        </p:spPr>
-        <p:txBody>
-          <a:bodyPr>
-            <a:normAutofit fontScale="90000"/>
-          </a:bodyPr>
-          <a:lstStyle/>
-          <a:p>
-            <a:r>
-              <a:rPr lang="ru-RU" dirty="0">
-                <a:solidFill>
-                  <a:schemeClr val="accent1"/>
-                </a:solidFill>
-              </a:rPr>
-              <a:t>Неочевидность №3:</a:t>
-            </a:r>
-            <a:br>
-              <a:rPr lang="ru-RU" dirty="0"/>
-            </a:br>
-            <a:r>
-              <a:rPr lang="ru-RU" dirty="0"/>
-              <a:t>100 простых анализаторов</a:t>
-            </a:r>
-            <a:endParaRPr lang="en-US" dirty="0"/>
-          </a:p>
-        </p:txBody>
-      </p:sp>
-      <p:sp>
-        <p:nvSpPr>
-          <p:cNvPr id="4" name="Subtitle 3"/>
-          <p:cNvSpPr>
-            <a:spLocks noGrp="1"/>
-          </p:cNvSpPr>
-          <p:nvPr>
-            <p:ph type="body" sz="half" idx="2"/>
-          </p:nvPr>
-        </p:nvSpPr>
-        <p:spPr/>
-        <p:txBody>
-          <a:bodyPr>
-            <a:normAutofit/>
-          </a:bodyPr>
-          <a:lstStyle/>
-          <a:p>
-            <a:r>
-              <a:rPr lang="ru-RU" sz="2400" dirty="0"/>
-              <a:t>Лучше одного сложного!</a:t>
-            </a:r>
-            <a:endParaRPr lang="en-US" sz="2400" dirty="0"/>
-          </a:p>
-        </p:txBody>
-      </p:sp>
-      <p:pic>
-        <p:nvPicPr>
-          <p:cNvPr id="8" name="Picture Placeholder 7"/>
-          <p:cNvPicPr>
-            <a:picLocks noGrp="1" noChangeAspect="1"/>
-          </p:cNvPicPr>
-          <p:nvPr>
-            <p:ph type="pic" idx="1"/>
-          </p:nvPr>
-        </p:nvPicPr>
-        <p:blipFill>
-          <a:blip r:embed="rId2">
-            <a:extLst>
-              <a:ext uri="{28A0092B-C50C-407E-A947-70E740481C1C}">
-                <a14:useLocalDpi xmlns:a14="http://schemas.microsoft.com/office/drawing/2010/main" val="0"/>
-              </a:ext>
-            </a:extLst>
-          </a:blip>
-          <a:srcRect l="15944" r="15944"/>
-          <a:stretch>
-            <a:fillRect/>
-          </a:stretch>
-        </p:blipFill>
-        <p:spPr/>
-      </p:pic>
-    </p:spTree>
-    <p:extLst>
-      <p:ext uri="{BB962C8B-B14F-4D97-AF65-F5344CB8AC3E}">
-        <p14:creationId xmlns:p14="http://schemas.microsoft.com/office/powerpoint/2010/main" val="730781295"/>
-      </p:ext>
-    </p:extLst>
-  </p:cSld>
-  <p:clrMapOvr>
-    <a:masterClrMapping/>
-  </p:clrMapOvr>
-</p:sld>
-</file>
-
-<file path=ppt/slides/slide11.xml><?xml version="1.0" encoding="utf-8"?>
-<p:sld xmlns:a="http://schemas.openxmlformats.org/drawingml/2006/main" xmlns:r="http://schemas.openxmlformats.org/officeDocument/2006/relationships" xmlns:p="http://schemas.openxmlformats.org/presentationml/2006/main">
-  <p:cSld>
-    <p:spTree>
-      <p:nvGrpSpPr>
-        <p:cNvPr id="1" name=""/>
-        <p:cNvGrpSpPr/>
-        <p:nvPr/>
-      </p:nvGrpSpPr>
-      <p:grpSpPr>
-        <a:xfrm>
-          <a:off x="0" y="0"/>
-          <a:ext cx="0" cy="0"/>
-          <a:chOff x="0" y="0"/>
-          <a:chExt cx="0" cy="0"/>
-        </a:xfrm>
-      </p:grpSpPr>
-      <p:sp>
-        <p:nvSpPr>
-          <p:cNvPr id="2" name="Title 1"/>
-          <p:cNvSpPr>
-            <a:spLocks noGrp="1"/>
-          </p:cNvSpPr>
-          <p:nvPr>
-            <p:ph type="title"/>
-          </p:nvPr>
-        </p:nvSpPr>
         <p:spPr/>
         <p:txBody>
           <a:bodyPr>
@@ -27863,7 +27638,7 @@
 </p:sld>
 </file>
 
-<file path=ppt/slides/slide12.xml><?xml version="1.0" encoding="utf-8"?>
+<file path=ppt/slides/slide11.xml><?xml version="1.0" encoding="utf-8"?>
 <p:sld xmlns:a="http://schemas.openxmlformats.org/drawingml/2006/main" xmlns:r="http://schemas.openxmlformats.org/officeDocument/2006/relationships" xmlns:p="http://schemas.openxmlformats.org/presentationml/2006/main">
   <p:cSld>
     <p:spTree>
@@ -28044,7 +27819,7 @@
 </p:sld>
 </file>
 
-<file path=ppt/slides/slide13.xml><?xml version="1.0" encoding="utf-8"?>
+<file path=ppt/slides/slide12.xml><?xml version="1.0" encoding="utf-8"?>
 <p:sld xmlns:a="http://schemas.openxmlformats.org/drawingml/2006/main" xmlns:r="http://schemas.openxmlformats.org/officeDocument/2006/relationships" xmlns:p="http://schemas.openxmlformats.org/presentationml/2006/main">
   <p:cSld>
     <p:spTree>
@@ -28135,7 +27910,7 @@
 </p:sld>
 </file>
 
-<file path=ppt/slides/slide14.xml><?xml version="1.0" encoding="utf-8"?>
+<file path=ppt/slides/slide13.xml><?xml version="1.0" encoding="utf-8"?>
 <p:sld xmlns:a="http://schemas.openxmlformats.org/drawingml/2006/main" xmlns:r="http://schemas.openxmlformats.org/officeDocument/2006/relationships" xmlns:p="http://schemas.openxmlformats.org/presentationml/2006/main">
   <p:cSld>
     <p:spTree>
@@ -28242,7 +28017,7 @@
 </p:sld>
 </file>
 
-<file path=ppt/slides/slide15.xml><?xml version="1.0" encoding="utf-8"?>
+<file path=ppt/slides/slide14.xml><?xml version="1.0" encoding="utf-8"?>
 <p:sld xmlns:a="http://schemas.openxmlformats.org/drawingml/2006/main" xmlns:r="http://schemas.openxmlformats.org/officeDocument/2006/relationships" xmlns:p="http://schemas.openxmlformats.org/presentationml/2006/main">
   <p:cSld>
     <p:spTree>
@@ -28411,7 +28186,7 @@
 </p:sld>
 </file>
 
-<file path=ppt/slides/slide16.xml><?xml version="1.0" encoding="utf-8"?>
+<file path=ppt/slides/slide15.xml><?xml version="1.0" encoding="utf-8"?>
 <p:sld xmlns:a="http://schemas.openxmlformats.org/drawingml/2006/main" xmlns:r="http://schemas.openxmlformats.org/officeDocument/2006/relationships" xmlns:p="http://schemas.openxmlformats.org/presentationml/2006/main">
   <p:cSld>
     <p:spTree>
@@ -28507,7 +28282,7 @@
 </p:sld>
 </file>
 
-<file path=ppt/slides/slide17.xml><?xml version="1.0" encoding="utf-8"?>
+<file path=ppt/slides/slide16.xml><?xml version="1.0" encoding="utf-8"?>
 <p:sld xmlns:a="http://schemas.openxmlformats.org/drawingml/2006/main" xmlns:r="http://schemas.openxmlformats.org/officeDocument/2006/relationships" xmlns:p="http://schemas.openxmlformats.org/presentationml/2006/main">
   <p:cSld>
     <p:spTree>
@@ -28705,7 +28480,7 @@
 </p:sld>
 </file>
 
-<file path=ppt/slides/slide18.xml><?xml version="1.0" encoding="utf-8"?>
+<file path=ppt/slides/slide17.xml><?xml version="1.0" encoding="utf-8"?>
 <p:sld xmlns:a="http://schemas.openxmlformats.org/drawingml/2006/main" xmlns:r="http://schemas.openxmlformats.org/officeDocument/2006/relationships" xmlns:p="http://schemas.openxmlformats.org/presentationml/2006/main">
   <p:cSld>
     <p:spTree>
@@ -29398,7 +29173,7 @@
 </p:sld>
 </file>
 
-<file path=ppt/slides/slide19.xml><?xml version="1.0" encoding="utf-8"?>
+<file path=ppt/slides/slide18.xml><?xml version="1.0" encoding="utf-8"?>
 <p:sld xmlns:a="http://schemas.openxmlformats.org/drawingml/2006/main" xmlns:r="http://schemas.openxmlformats.org/officeDocument/2006/relationships" xmlns:p="http://schemas.openxmlformats.org/presentationml/2006/main">
   <p:cSld>
     <p:spTree>
@@ -29492,6 +29267,190 @@
     <p:extLst>
       <p:ext uri="{BB962C8B-B14F-4D97-AF65-F5344CB8AC3E}">
         <p14:creationId xmlns:p14="http://schemas.microsoft.com/office/powerpoint/2010/main" val="1817511657"/>
+      </p:ext>
+    </p:extLst>
+  </p:cSld>
+  <p:clrMapOvr>
+    <a:masterClrMapping/>
+  </p:clrMapOvr>
+</p:sld>
+</file>
+
+<file path=ppt/slides/slide19.xml><?xml version="1.0" encoding="utf-8"?>
+<p:sld xmlns:a="http://schemas.openxmlformats.org/drawingml/2006/main" xmlns:r="http://schemas.openxmlformats.org/officeDocument/2006/relationships" xmlns:p="http://schemas.openxmlformats.org/presentationml/2006/main">
+  <p:cSld>
+    <p:spTree>
+      <p:nvGrpSpPr>
+        <p:cNvPr id="1" name=""/>
+        <p:cNvGrpSpPr/>
+        <p:nvPr/>
+      </p:nvGrpSpPr>
+      <p:grpSpPr>
+        <a:xfrm>
+          <a:off x="0" y="0"/>
+          <a:ext cx="0" cy="0"/>
+          <a:chOff x="0" y="0"/>
+          <a:chExt cx="0" cy="0"/>
+        </a:xfrm>
+      </p:grpSpPr>
+      <p:sp>
+        <p:nvSpPr>
+          <p:cNvPr id="2" name="Title 1"/>
+          <p:cNvSpPr>
+            <a:spLocks noGrp="1"/>
+          </p:cNvSpPr>
+          <p:nvPr>
+            <p:ph type="title"/>
+          </p:nvPr>
+        </p:nvSpPr>
+        <p:spPr/>
+        <p:txBody>
+          <a:bodyPr/>
+          <a:lstStyle/>
+          <a:p>
+            <a:r>
+              <a:rPr lang="ru-RU" dirty="0">
+                <a:solidFill>
+                  <a:schemeClr val="accent1"/>
+                </a:solidFill>
+              </a:rPr>
+              <a:t>Шпаргалка №7:</a:t>
+            </a:r>
+            <a:br>
+              <a:rPr lang="ru-RU" dirty="0"/>
+            </a:br>
+            <a:r>
+              <a:rPr lang="en-US" dirty="0"/>
+              <a:t>With….\Update…\Add…</a:t>
+            </a:r>
+          </a:p>
+        </p:txBody>
+      </p:sp>
+      <p:sp>
+        <p:nvSpPr>
+          <p:cNvPr id="4" name="Text Placeholder 3"/>
+          <p:cNvSpPr>
+            <a:spLocks noGrp="1"/>
+          </p:cNvSpPr>
+          <p:nvPr>
+            <p:ph type="body" idx="1"/>
+          </p:nvPr>
+        </p:nvSpPr>
+        <p:spPr/>
+        <p:txBody>
+          <a:bodyPr/>
+          <a:lstStyle/>
+          <a:p>
+            <a:r>
+              <a:rPr lang="en-US" dirty="0"/>
+              <a:t>With…</a:t>
+            </a:r>
+            <a:r>
+              <a:rPr lang="ru-RU" dirty="0"/>
+              <a:t>\</a:t>
+            </a:r>
+            <a:r>
+              <a:rPr lang="en-US" dirty="0"/>
+              <a:t>Update…</a:t>
+            </a:r>
+          </a:p>
+        </p:txBody>
+      </p:sp>
+      <p:sp>
+        <p:nvSpPr>
+          <p:cNvPr id="5" name="Content Placeholder 4"/>
+          <p:cNvSpPr>
+            <a:spLocks noGrp="1"/>
+          </p:cNvSpPr>
+          <p:nvPr>
+            <p:ph sz="half" idx="2"/>
+          </p:nvPr>
+        </p:nvSpPr>
+        <p:spPr/>
+        <p:txBody>
+          <a:bodyPr/>
+          <a:lstStyle/>
+          <a:p>
+            <a:r>
+              <a:rPr lang="ru-RU" dirty="0"/>
+              <a:t>Возвращает новый экземпляр с полностью замененной частью</a:t>
+            </a:r>
+          </a:p>
+          <a:p>
+            <a:r>
+              <a:rPr lang="ru-RU" dirty="0"/>
+              <a:t>Существует версия для любой части синтаксиса кнкретной </a:t>
+            </a:r>
+            <a:r>
+              <a:rPr lang="en-US" dirty="0" err="1"/>
+              <a:t>SyntaxNode</a:t>
+            </a:r>
+            <a:endParaRPr lang="ru-RU" dirty="0"/>
+          </a:p>
+          <a:p>
+            <a:r>
+              <a:rPr lang="ru-RU" dirty="0"/>
+              <a:t>Включает в себя токены</a:t>
+            </a:r>
+            <a:endParaRPr lang="en-US" dirty="0"/>
+          </a:p>
+        </p:txBody>
+      </p:sp>
+      <p:sp>
+        <p:nvSpPr>
+          <p:cNvPr id="6" name="Text Placeholder 5"/>
+          <p:cNvSpPr>
+            <a:spLocks noGrp="1"/>
+          </p:cNvSpPr>
+          <p:nvPr>
+            <p:ph type="body" sz="quarter" idx="3"/>
+          </p:nvPr>
+        </p:nvSpPr>
+        <p:spPr/>
+        <p:txBody>
+          <a:bodyPr/>
+          <a:lstStyle/>
+          <a:p>
+            <a:r>
+              <a:rPr lang="en-US" dirty="0"/>
+              <a:t>Add…</a:t>
+            </a:r>
+          </a:p>
+        </p:txBody>
+      </p:sp>
+      <p:sp>
+        <p:nvSpPr>
+          <p:cNvPr id="7" name="Content Placeholder 6"/>
+          <p:cNvSpPr>
+            <a:spLocks noGrp="1"/>
+          </p:cNvSpPr>
+          <p:nvPr>
+            <p:ph sz="quarter" idx="4"/>
+          </p:nvPr>
+        </p:nvSpPr>
+        <p:spPr/>
+        <p:txBody>
+          <a:bodyPr/>
+          <a:lstStyle/>
+          <a:p>
+            <a:r>
+              <a:rPr lang="ru-RU" dirty="0"/>
+              <a:t>Возвращает новый экземпляр с дополненой частью</a:t>
+            </a:r>
+          </a:p>
+          <a:p>
+            <a:r>
+              <a:rPr lang="ru-RU" dirty="0"/>
+              <a:t>Существует если только если в этом есть смысл</a:t>
+            </a:r>
+            <a:endParaRPr lang="en-US" dirty="0"/>
+          </a:p>
+        </p:txBody>
+      </p:sp>
+    </p:spTree>
+    <p:extLst>
+      <p:ext uri="{BB962C8B-B14F-4D97-AF65-F5344CB8AC3E}">
+        <p14:creationId xmlns:p14="http://schemas.microsoft.com/office/powerpoint/2010/main" val="3218549126"/>
       </p:ext>
     </p:extLst>
   </p:cSld>
@@ -29840,190 +29799,6 @@
                   <a:schemeClr val="accent1"/>
                 </a:solidFill>
               </a:rPr>
-              <a:t>Шпаргалка №7:</a:t>
-            </a:r>
-            <a:br>
-              <a:rPr lang="ru-RU" dirty="0"/>
-            </a:br>
-            <a:r>
-              <a:rPr lang="en-US" dirty="0"/>
-              <a:t>With….\Update…\Add…</a:t>
-            </a:r>
-          </a:p>
-        </p:txBody>
-      </p:sp>
-      <p:sp>
-        <p:nvSpPr>
-          <p:cNvPr id="4" name="Text Placeholder 3"/>
-          <p:cNvSpPr>
-            <a:spLocks noGrp="1"/>
-          </p:cNvSpPr>
-          <p:nvPr>
-            <p:ph type="body" idx="1"/>
-          </p:nvPr>
-        </p:nvSpPr>
-        <p:spPr/>
-        <p:txBody>
-          <a:bodyPr/>
-          <a:lstStyle/>
-          <a:p>
-            <a:r>
-              <a:rPr lang="en-US" dirty="0"/>
-              <a:t>With…</a:t>
-            </a:r>
-            <a:r>
-              <a:rPr lang="ru-RU" dirty="0"/>
-              <a:t>\</a:t>
-            </a:r>
-            <a:r>
-              <a:rPr lang="en-US" dirty="0"/>
-              <a:t>Update…</a:t>
-            </a:r>
-          </a:p>
-        </p:txBody>
-      </p:sp>
-      <p:sp>
-        <p:nvSpPr>
-          <p:cNvPr id="5" name="Content Placeholder 4"/>
-          <p:cNvSpPr>
-            <a:spLocks noGrp="1"/>
-          </p:cNvSpPr>
-          <p:nvPr>
-            <p:ph sz="half" idx="2"/>
-          </p:nvPr>
-        </p:nvSpPr>
-        <p:spPr/>
-        <p:txBody>
-          <a:bodyPr/>
-          <a:lstStyle/>
-          <a:p>
-            <a:r>
-              <a:rPr lang="ru-RU" dirty="0"/>
-              <a:t>Возвращает новый экземпляр с полностью замененной частью</a:t>
-            </a:r>
-          </a:p>
-          <a:p>
-            <a:r>
-              <a:rPr lang="ru-RU" dirty="0"/>
-              <a:t>Существует версия для любой части синтаксиса кнкретной </a:t>
-            </a:r>
-            <a:r>
-              <a:rPr lang="en-US" dirty="0" err="1"/>
-              <a:t>SyntaxNode</a:t>
-            </a:r>
-            <a:endParaRPr lang="ru-RU" dirty="0"/>
-          </a:p>
-          <a:p>
-            <a:r>
-              <a:rPr lang="ru-RU" dirty="0"/>
-              <a:t>Включает в себя токены</a:t>
-            </a:r>
-            <a:endParaRPr lang="en-US" dirty="0"/>
-          </a:p>
-        </p:txBody>
-      </p:sp>
-      <p:sp>
-        <p:nvSpPr>
-          <p:cNvPr id="6" name="Text Placeholder 5"/>
-          <p:cNvSpPr>
-            <a:spLocks noGrp="1"/>
-          </p:cNvSpPr>
-          <p:nvPr>
-            <p:ph type="body" sz="quarter" idx="3"/>
-          </p:nvPr>
-        </p:nvSpPr>
-        <p:spPr/>
-        <p:txBody>
-          <a:bodyPr/>
-          <a:lstStyle/>
-          <a:p>
-            <a:r>
-              <a:rPr lang="en-US" dirty="0"/>
-              <a:t>Add…</a:t>
-            </a:r>
-          </a:p>
-        </p:txBody>
-      </p:sp>
-      <p:sp>
-        <p:nvSpPr>
-          <p:cNvPr id="7" name="Content Placeholder 6"/>
-          <p:cNvSpPr>
-            <a:spLocks noGrp="1"/>
-          </p:cNvSpPr>
-          <p:nvPr>
-            <p:ph sz="quarter" idx="4"/>
-          </p:nvPr>
-        </p:nvSpPr>
-        <p:spPr/>
-        <p:txBody>
-          <a:bodyPr/>
-          <a:lstStyle/>
-          <a:p>
-            <a:r>
-              <a:rPr lang="ru-RU" dirty="0"/>
-              <a:t>Возвращает новый экземпляр с дополненой частью</a:t>
-            </a:r>
-          </a:p>
-          <a:p>
-            <a:r>
-              <a:rPr lang="ru-RU" dirty="0"/>
-              <a:t>Существует если только если в этом есть смысл</a:t>
-            </a:r>
-            <a:endParaRPr lang="en-US" dirty="0"/>
-          </a:p>
-        </p:txBody>
-      </p:sp>
-    </p:spTree>
-    <p:extLst>
-      <p:ext uri="{BB962C8B-B14F-4D97-AF65-F5344CB8AC3E}">
-        <p14:creationId xmlns:p14="http://schemas.microsoft.com/office/powerpoint/2010/main" val="3218549126"/>
-      </p:ext>
-    </p:extLst>
-  </p:cSld>
-  <p:clrMapOvr>
-    <a:masterClrMapping/>
-  </p:clrMapOvr>
-</p:sld>
-</file>
-
-<file path=ppt/slides/slide21.xml><?xml version="1.0" encoding="utf-8"?>
-<p:sld xmlns:a="http://schemas.openxmlformats.org/drawingml/2006/main" xmlns:r="http://schemas.openxmlformats.org/officeDocument/2006/relationships" xmlns:p="http://schemas.openxmlformats.org/presentationml/2006/main">
-  <p:cSld>
-    <p:spTree>
-      <p:nvGrpSpPr>
-        <p:cNvPr id="1" name=""/>
-        <p:cNvGrpSpPr/>
-        <p:nvPr/>
-      </p:nvGrpSpPr>
-      <p:grpSpPr>
-        <a:xfrm>
-          <a:off x="0" y="0"/>
-          <a:ext cx="0" cy="0"/>
-          <a:chOff x="0" y="0"/>
-          <a:chExt cx="0" cy="0"/>
-        </a:xfrm>
-      </p:grpSpPr>
-      <p:sp>
-        <p:nvSpPr>
-          <p:cNvPr id="2" name="Title 1"/>
-          <p:cNvSpPr>
-            <a:spLocks noGrp="1"/>
-          </p:cNvSpPr>
-          <p:nvPr>
-            <p:ph type="title"/>
-          </p:nvPr>
-        </p:nvSpPr>
-        <p:spPr/>
-        <p:txBody>
-          <a:bodyPr/>
-          <a:lstStyle/>
-          <a:p>
-            <a:r>
-              <a:rPr lang="ru-RU" dirty="0">
-                <a:solidFill>
-                  <a:schemeClr val="accent1"/>
-                </a:solidFill>
-              </a:rPr>
               <a:t>ШПАРГАЛКА №8:</a:t>
             </a:r>
             <a:br>
@@ -30266,7 +30041,7 @@
 </p:sld>
 </file>
 
-<file path=ppt/slides/slide22.xml><?xml version="1.0" encoding="utf-8"?>
+<file path=ppt/slides/slide21.xml><?xml version="1.0" encoding="utf-8"?>
 <p:sld xmlns:a="http://schemas.openxmlformats.org/drawingml/2006/main" xmlns:r="http://schemas.openxmlformats.org/officeDocument/2006/relationships" xmlns:p="http://schemas.openxmlformats.org/presentationml/2006/main">
   <p:cSld>
     <p:spTree>
@@ -30374,7 +30149,7 @@
 </p:sld>
 </file>
 
-<file path=ppt/slides/slide23.xml><?xml version="1.0" encoding="utf-8"?>
+<file path=ppt/slides/slide22.xml><?xml version="1.0" encoding="utf-8"?>
 <p:sld xmlns:a="http://schemas.openxmlformats.org/drawingml/2006/main" xmlns:r="http://schemas.openxmlformats.org/officeDocument/2006/relationships" xmlns:p="http://schemas.openxmlformats.org/presentationml/2006/main">
   <p:cSld>
     <p:spTree>
@@ -30468,7 +30243,7 @@
 </p:sld>
 </file>
 
-<file path=ppt/slides/slide24.xml><?xml version="1.0" encoding="utf-8"?>
+<file path=ppt/slides/slide23.xml><?xml version="1.0" encoding="utf-8"?>
 <p:sld xmlns:a="http://schemas.openxmlformats.org/drawingml/2006/main" xmlns:r="http://schemas.openxmlformats.org/officeDocument/2006/relationships" xmlns:p="http://schemas.openxmlformats.org/presentationml/2006/main">
   <p:cSld>
     <p:spTree>
@@ -30664,7 +30439,7 @@
 </p:sld>
 </file>
 
-<file path=ppt/slides/slide25.xml><?xml version="1.0" encoding="utf-8"?>
+<file path=ppt/slides/slide24.xml><?xml version="1.0" encoding="utf-8"?>
 <p:sld xmlns:a="http://schemas.openxmlformats.org/drawingml/2006/main" xmlns:r="http://schemas.openxmlformats.org/officeDocument/2006/relationships" xmlns:p="http://schemas.openxmlformats.org/presentationml/2006/main">
   <p:cSld>
     <p:spTree>
@@ -30779,7 +30554,7 @@
 </p:sld>
 </file>
 
-<file path=ppt/slides/slide26.xml><?xml version="1.0" encoding="utf-8"?>
+<file path=ppt/slides/slide25.xml><?xml version="1.0" encoding="utf-8"?>
 <p:sld xmlns:a="http://schemas.openxmlformats.org/drawingml/2006/main" xmlns:r="http://schemas.openxmlformats.org/officeDocument/2006/relationships" xmlns:p="http://schemas.openxmlformats.org/presentationml/2006/main">
   <p:cSld>
     <p:spTree>
@@ -31543,7 +31318,7 @@
 </p:sld>
 </file>
 
-<file path=ppt/slides/slide27.xml><?xml version="1.0" encoding="utf-8"?>
+<file path=ppt/slides/slide26.xml><?xml version="1.0" encoding="utf-8"?>
 <p:sld xmlns:a="http://schemas.openxmlformats.org/drawingml/2006/main" xmlns:r="http://schemas.openxmlformats.org/officeDocument/2006/relationships" xmlns:p="http://schemas.openxmlformats.org/presentationml/2006/main">
   <p:cSld>
     <p:spTree>
@@ -31800,18 +31575,18 @@
       </p:grpSpPr>
       <p:sp>
         <p:nvSpPr>
-          <p:cNvPr id="2" name="Title 1"/>
+          <p:cNvPr id="5" name="Text Placeholder 4"/>
           <p:cNvSpPr>
             <a:spLocks noGrp="1"/>
           </p:cNvSpPr>
           <p:nvPr>
-            <p:ph type="title"/>
+            <p:ph type="body" idx="1"/>
           </p:nvPr>
         </p:nvSpPr>
         <p:spPr>
           <a:xfrm>
-            <a:off x="1069848" y="484632"/>
-            <a:ext cx="7104334" cy="1609344"/>
+            <a:off x="672652" y="478074"/>
+            <a:ext cx="4754880" cy="640080"/>
           </a:xfrm>
         </p:spPr>
         <p:txBody>
@@ -31820,864 +31595,9 @@
           <a:p>
             <a:r>
               <a:rPr lang="ru-RU" dirty="0"/>
-              <a:t>Зачем писать анализаторы</a:t>
+              <a:t>До</a:t>
             </a:r>
-            <a:r>
-              <a:rPr lang="en-US" dirty="0"/>
-              <a:t>?</a:t>
-            </a:r>
-          </a:p>
-        </p:txBody>
-      </p:sp>
-      <p:sp>
-        <p:nvSpPr>
-          <p:cNvPr id="3" name="Content Placeholder 2"/>
-          <p:cNvSpPr>
-            <a:spLocks noGrp="1"/>
-          </p:cNvSpPr>
-          <p:nvPr>
-            <p:ph idx="1"/>
-          </p:nvPr>
-        </p:nvSpPr>
-        <p:spPr>
-          <a:xfrm>
-            <a:off x="3810000" y="2093976"/>
-            <a:ext cx="7104334" cy="4050792"/>
-          </a:xfrm>
-        </p:spPr>
-        <p:txBody>
-          <a:bodyPr/>
-          <a:lstStyle/>
-          <a:p>
-            <a:pPr>
-              <a:buFont typeface="Wingdings" panose="05000000000000000000" pitchFamily="2" charset="2"/>
-              <a:buChar char="Ø"/>
-            </a:pPr>
-            <a:r>
-              <a:rPr lang="ru-RU" dirty="0"/>
-              <a:t>Продвинутые сниппеты</a:t>
-            </a:r>
-          </a:p>
-          <a:p>
-            <a:pPr>
-              <a:buFont typeface="Wingdings" panose="05000000000000000000" pitchFamily="2" charset="2"/>
-              <a:buChar char="Ø"/>
-            </a:pPr>
-            <a:r>
-              <a:rPr lang="ru-RU" dirty="0"/>
-              <a:t>Инструмены кодогенерации</a:t>
-            </a:r>
-          </a:p>
-          <a:p>
-            <a:pPr>
-              <a:buFont typeface="Wingdings" panose="05000000000000000000" pitchFamily="2" charset="2"/>
-              <a:buChar char="Ø"/>
-            </a:pPr>
-            <a:r>
-              <a:rPr lang="ru-RU" dirty="0"/>
-              <a:t>Сопровождение собственного кода</a:t>
-            </a:r>
-          </a:p>
-          <a:p>
-            <a:pPr>
-              <a:buFont typeface="Wingdings" panose="05000000000000000000" pitchFamily="2" charset="2"/>
-              <a:buChar char="Ø"/>
-            </a:pPr>
-            <a:r>
-              <a:rPr lang="ru-RU" dirty="0"/>
-              <a:t>Персональная помощь при кодировании</a:t>
-            </a:r>
-          </a:p>
-          <a:p>
-            <a:pPr>
-              <a:buFont typeface="Wingdings" panose="05000000000000000000" pitchFamily="2" charset="2"/>
-              <a:buChar char="Ø"/>
-            </a:pPr>
-            <a:r>
-              <a:rPr lang="ru-RU" dirty="0"/>
-              <a:t>Следование принятым в команде кодовым практикам</a:t>
-            </a:r>
-          </a:p>
-          <a:p>
-            <a:pPr>
-              <a:buFont typeface="Wingdings" panose="05000000000000000000" pitchFamily="2" charset="2"/>
-              <a:buChar char="Ø"/>
-            </a:pPr>
-            <a:r>
-              <a:rPr lang="ru-RU" dirty="0"/>
-              <a:t>Рефакторинг кода в соответствие с кодовыми практиками</a:t>
-            </a:r>
-          </a:p>
-          <a:p>
-            <a:pPr>
-              <a:buFont typeface="Wingdings" panose="05000000000000000000" pitchFamily="2" charset="2"/>
-              <a:buChar char="Ø"/>
-            </a:pPr>
             <a:endParaRPr lang="en-US" dirty="0"/>
-          </a:p>
-        </p:txBody>
-      </p:sp>
-      <p:pic>
-        <p:nvPicPr>
-          <p:cNvPr id="5" name="Picture 4"/>
-          <p:cNvPicPr>
-            <a:picLocks noChangeAspect="1"/>
-          </p:cNvPicPr>
-          <p:nvPr/>
-        </p:nvPicPr>
-        <p:blipFill>
-          <a:blip r:embed="rId3">
-            <a:extLst>
-              <a:ext uri="{28A0092B-C50C-407E-A947-70E740481C1C}">
-                <a14:useLocalDpi xmlns:a14="http://schemas.microsoft.com/office/drawing/2010/main" val="0"/>
-              </a:ext>
-            </a:extLst>
-          </a:blip>
-          <a:stretch>
-            <a:fillRect/>
-          </a:stretch>
-        </p:blipFill>
-        <p:spPr>
-          <a:xfrm>
-            <a:off x="0" y="3048000"/>
-            <a:ext cx="3810000" cy="3810000"/>
-          </a:xfrm>
-          <a:prstGeom prst="rect">
-            <a:avLst/>
-          </a:prstGeom>
-        </p:spPr>
-      </p:pic>
-    </p:spTree>
-    <p:extLst>
-      <p:ext uri="{BB962C8B-B14F-4D97-AF65-F5344CB8AC3E}">
-        <p14:creationId xmlns:p14="http://schemas.microsoft.com/office/powerpoint/2010/main" val="3751598530"/>
-      </p:ext>
-    </p:extLst>
-  </p:cSld>
-  <p:clrMapOvr>
-    <a:masterClrMapping/>
-  </p:clrMapOvr>
-  <p:timing>
-    <p:tnLst>
-      <p:par>
-        <p:cTn id="1" dur="indefinite" restart="never" nodeType="tmRoot">
-          <p:childTnLst>
-            <p:seq concurrent="1" nextAc="seek">
-              <p:cTn id="2" dur="indefinite" nodeType="mainSeq">
-                <p:childTnLst>
-                  <p:par>
-                    <p:cTn id="3" fill="hold">
-                      <p:stCondLst>
-                        <p:cond delay="indefinite"/>
-                      </p:stCondLst>
-                      <p:childTnLst>
-                        <p:par>
-                          <p:cTn id="4" fill="hold">
-                            <p:stCondLst>
-                              <p:cond delay="0"/>
-                            </p:stCondLst>
-                            <p:childTnLst>
-                              <p:par>
-                                <p:cTn id="5" presetID="2" presetClass="entr" presetSubtype="4" fill="hold" grpId="0" nodeType="clickEffect">
-                                  <p:stCondLst>
-                                    <p:cond delay="0"/>
-                                  </p:stCondLst>
-                                  <p:childTnLst>
-                                    <p:set>
-                                      <p:cBhvr>
-                                        <p:cTn id="6" dur="1" fill="hold">
-                                          <p:stCondLst>
-                                            <p:cond delay="0"/>
-                                          </p:stCondLst>
-                                        </p:cTn>
-                                        <p:tgtEl>
-                                          <p:spTgt spid="3">
-                                            <p:txEl>
-                                              <p:pRg st="0" end="0"/>
-                                            </p:txEl>
-                                          </p:spTgt>
-                                        </p:tgtEl>
-                                        <p:attrNameLst>
-                                          <p:attrName>style.visibility</p:attrName>
-                                        </p:attrNameLst>
-                                      </p:cBhvr>
-                                      <p:to>
-                                        <p:strVal val="visible"/>
-                                      </p:to>
-                                    </p:set>
-                                    <p:anim calcmode="lin" valueType="num">
-                                      <p:cBhvr additive="base">
-                                        <p:cTn id="7" dur="500" fill="hold"/>
-                                        <p:tgtEl>
-                                          <p:spTgt spid="3">
-                                            <p:txEl>
-                                              <p:pRg st="0" end="0"/>
-                                            </p:txEl>
-                                          </p:spTgt>
-                                        </p:tgtEl>
-                                        <p:attrNameLst>
-                                          <p:attrName>ppt_x</p:attrName>
-                                        </p:attrNameLst>
-                                      </p:cBhvr>
-                                      <p:tavLst>
-                                        <p:tav tm="0">
-                                          <p:val>
-                                            <p:strVal val="#ppt_x"/>
-                                          </p:val>
-                                        </p:tav>
-                                        <p:tav tm="100000">
-                                          <p:val>
-                                            <p:strVal val="#ppt_x"/>
-                                          </p:val>
-                                        </p:tav>
-                                      </p:tavLst>
-                                    </p:anim>
-                                    <p:anim calcmode="lin" valueType="num">
-                                      <p:cBhvr additive="base">
-                                        <p:cTn id="8" dur="500" fill="hold"/>
-                                        <p:tgtEl>
-                                          <p:spTgt spid="3">
-                                            <p:txEl>
-                                              <p:pRg st="0" end="0"/>
-                                            </p:txEl>
-                                          </p:spTgt>
-                                        </p:tgtEl>
-                                        <p:attrNameLst>
-                                          <p:attrName>ppt_y</p:attrName>
-                                        </p:attrNameLst>
-                                      </p:cBhvr>
-                                      <p:tavLst>
-                                        <p:tav tm="0">
-                                          <p:val>
-                                            <p:strVal val="1+#ppt_h/2"/>
-                                          </p:val>
-                                        </p:tav>
-                                        <p:tav tm="100000">
-                                          <p:val>
-                                            <p:strVal val="#ppt_y"/>
-                                          </p:val>
-                                        </p:tav>
-                                      </p:tavLst>
-                                    </p:anim>
-                                  </p:childTnLst>
-                                </p:cTn>
-                              </p:par>
-                            </p:childTnLst>
-                          </p:cTn>
-                        </p:par>
-                      </p:childTnLst>
-                    </p:cTn>
-                  </p:par>
-                  <p:par>
-                    <p:cTn id="9" fill="hold">
-                      <p:stCondLst>
-                        <p:cond delay="indefinite"/>
-                      </p:stCondLst>
-                      <p:childTnLst>
-                        <p:par>
-                          <p:cTn id="10" fill="hold">
-                            <p:stCondLst>
-                              <p:cond delay="0"/>
-                            </p:stCondLst>
-                            <p:childTnLst>
-                              <p:par>
-                                <p:cTn id="11" presetID="2" presetClass="entr" presetSubtype="4" fill="hold" grpId="0" nodeType="clickEffect">
-                                  <p:stCondLst>
-                                    <p:cond delay="0"/>
-                                  </p:stCondLst>
-                                  <p:childTnLst>
-                                    <p:set>
-                                      <p:cBhvr>
-                                        <p:cTn id="12" dur="1" fill="hold">
-                                          <p:stCondLst>
-                                            <p:cond delay="0"/>
-                                          </p:stCondLst>
-                                        </p:cTn>
-                                        <p:tgtEl>
-                                          <p:spTgt spid="3">
-                                            <p:txEl>
-                                              <p:pRg st="1" end="1"/>
-                                            </p:txEl>
-                                          </p:spTgt>
-                                        </p:tgtEl>
-                                        <p:attrNameLst>
-                                          <p:attrName>style.visibility</p:attrName>
-                                        </p:attrNameLst>
-                                      </p:cBhvr>
-                                      <p:to>
-                                        <p:strVal val="visible"/>
-                                      </p:to>
-                                    </p:set>
-                                    <p:anim calcmode="lin" valueType="num">
-                                      <p:cBhvr additive="base">
-                                        <p:cTn id="13" dur="500" fill="hold"/>
-                                        <p:tgtEl>
-                                          <p:spTgt spid="3">
-                                            <p:txEl>
-                                              <p:pRg st="1" end="1"/>
-                                            </p:txEl>
-                                          </p:spTgt>
-                                        </p:tgtEl>
-                                        <p:attrNameLst>
-                                          <p:attrName>ppt_x</p:attrName>
-                                        </p:attrNameLst>
-                                      </p:cBhvr>
-                                      <p:tavLst>
-                                        <p:tav tm="0">
-                                          <p:val>
-                                            <p:strVal val="#ppt_x"/>
-                                          </p:val>
-                                        </p:tav>
-                                        <p:tav tm="100000">
-                                          <p:val>
-                                            <p:strVal val="#ppt_x"/>
-                                          </p:val>
-                                        </p:tav>
-                                      </p:tavLst>
-                                    </p:anim>
-                                    <p:anim calcmode="lin" valueType="num">
-                                      <p:cBhvr additive="base">
-                                        <p:cTn id="14" dur="500" fill="hold"/>
-                                        <p:tgtEl>
-                                          <p:spTgt spid="3">
-                                            <p:txEl>
-                                              <p:pRg st="1" end="1"/>
-                                            </p:txEl>
-                                          </p:spTgt>
-                                        </p:tgtEl>
-                                        <p:attrNameLst>
-                                          <p:attrName>ppt_y</p:attrName>
-                                        </p:attrNameLst>
-                                      </p:cBhvr>
-                                      <p:tavLst>
-                                        <p:tav tm="0">
-                                          <p:val>
-                                            <p:strVal val="1+#ppt_h/2"/>
-                                          </p:val>
-                                        </p:tav>
-                                        <p:tav tm="100000">
-                                          <p:val>
-                                            <p:strVal val="#ppt_y"/>
-                                          </p:val>
-                                        </p:tav>
-                                      </p:tavLst>
-                                    </p:anim>
-                                  </p:childTnLst>
-                                </p:cTn>
-                              </p:par>
-                            </p:childTnLst>
-                          </p:cTn>
-                        </p:par>
-                      </p:childTnLst>
-                    </p:cTn>
-                  </p:par>
-                  <p:par>
-                    <p:cTn id="15" fill="hold">
-                      <p:stCondLst>
-                        <p:cond delay="indefinite"/>
-                      </p:stCondLst>
-                      <p:childTnLst>
-                        <p:par>
-                          <p:cTn id="16" fill="hold">
-                            <p:stCondLst>
-                              <p:cond delay="0"/>
-                            </p:stCondLst>
-                            <p:childTnLst>
-                              <p:par>
-                                <p:cTn id="17" presetID="2" presetClass="entr" presetSubtype="4" fill="hold" grpId="0" nodeType="clickEffect">
-                                  <p:stCondLst>
-                                    <p:cond delay="0"/>
-                                  </p:stCondLst>
-                                  <p:childTnLst>
-                                    <p:set>
-                                      <p:cBhvr>
-                                        <p:cTn id="18" dur="1" fill="hold">
-                                          <p:stCondLst>
-                                            <p:cond delay="0"/>
-                                          </p:stCondLst>
-                                        </p:cTn>
-                                        <p:tgtEl>
-                                          <p:spTgt spid="3">
-                                            <p:txEl>
-                                              <p:pRg st="2" end="2"/>
-                                            </p:txEl>
-                                          </p:spTgt>
-                                        </p:tgtEl>
-                                        <p:attrNameLst>
-                                          <p:attrName>style.visibility</p:attrName>
-                                        </p:attrNameLst>
-                                      </p:cBhvr>
-                                      <p:to>
-                                        <p:strVal val="visible"/>
-                                      </p:to>
-                                    </p:set>
-                                    <p:anim calcmode="lin" valueType="num">
-                                      <p:cBhvr additive="base">
-                                        <p:cTn id="19" dur="500" fill="hold"/>
-                                        <p:tgtEl>
-                                          <p:spTgt spid="3">
-                                            <p:txEl>
-                                              <p:pRg st="2" end="2"/>
-                                            </p:txEl>
-                                          </p:spTgt>
-                                        </p:tgtEl>
-                                        <p:attrNameLst>
-                                          <p:attrName>ppt_x</p:attrName>
-                                        </p:attrNameLst>
-                                      </p:cBhvr>
-                                      <p:tavLst>
-                                        <p:tav tm="0">
-                                          <p:val>
-                                            <p:strVal val="#ppt_x"/>
-                                          </p:val>
-                                        </p:tav>
-                                        <p:tav tm="100000">
-                                          <p:val>
-                                            <p:strVal val="#ppt_x"/>
-                                          </p:val>
-                                        </p:tav>
-                                      </p:tavLst>
-                                    </p:anim>
-                                    <p:anim calcmode="lin" valueType="num">
-                                      <p:cBhvr additive="base">
-                                        <p:cTn id="20" dur="500" fill="hold"/>
-                                        <p:tgtEl>
-                                          <p:spTgt spid="3">
-                                            <p:txEl>
-                                              <p:pRg st="2" end="2"/>
-                                            </p:txEl>
-                                          </p:spTgt>
-                                        </p:tgtEl>
-                                        <p:attrNameLst>
-                                          <p:attrName>ppt_y</p:attrName>
-                                        </p:attrNameLst>
-                                      </p:cBhvr>
-                                      <p:tavLst>
-                                        <p:tav tm="0">
-                                          <p:val>
-                                            <p:strVal val="1+#ppt_h/2"/>
-                                          </p:val>
-                                        </p:tav>
-                                        <p:tav tm="100000">
-                                          <p:val>
-                                            <p:strVal val="#ppt_y"/>
-                                          </p:val>
-                                        </p:tav>
-                                      </p:tavLst>
-                                    </p:anim>
-                                  </p:childTnLst>
-                                </p:cTn>
-                              </p:par>
-                            </p:childTnLst>
-                          </p:cTn>
-                        </p:par>
-                      </p:childTnLst>
-                    </p:cTn>
-                  </p:par>
-                  <p:par>
-                    <p:cTn id="21" fill="hold">
-                      <p:stCondLst>
-                        <p:cond delay="indefinite"/>
-                      </p:stCondLst>
-                      <p:childTnLst>
-                        <p:par>
-                          <p:cTn id="22" fill="hold">
-                            <p:stCondLst>
-                              <p:cond delay="0"/>
-                            </p:stCondLst>
-                            <p:childTnLst>
-                              <p:par>
-                                <p:cTn id="23" presetID="2" presetClass="entr" presetSubtype="4" fill="hold" grpId="0" nodeType="clickEffect">
-                                  <p:stCondLst>
-                                    <p:cond delay="0"/>
-                                  </p:stCondLst>
-                                  <p:childTnLst>
-                                    <p:set>
-                                      <p:cBhvr>
-                                        <p:cTn id="24" dur="1" fill="hold">
-                                          <p:stCondLst>
-                                            <p:cond delay="0"/>
-                                          </p:stCondLst>
-                                        </p:cTn>
-                                        <p:tgtEl>
-                                          <p:spTgt spid="3">
-                                            <p:txEl>
-                                              <p:pRg st="3" end="3"/>
-                                            </p:txEl>
-                                          </p:spTgt>
-                                        </p:tgtEl>
-                                        <p:attrNameLst>
-                                          <p:attrName>style.visibility</p:attrName>
-                                        </p:attrNameLst>
-                                      </p:cBhvr>
-                                      <p:to>
-                                        <p:strVal val="visible"/>
-                                      </p:to>
-                                    </p:set>
-                                    <p:anim calcmode="lin" valueType="num">
-                                      <p:cBhvr additive="base">
-                                        <p:cTn id="25" dur="500" fill="hold"/>
-                                        <p:tgtEl>
-                                          <p:spTgt spid="3">
-                                            <p:txEl>
-                                              <p:pRg st="3" end="3"/>
-                                            </p:txEl>
-                                          </p:spTgt>
-                                        </p:tgtEl>
-                                        <p:attrNameLst>
-                                          <p:attrName>ppt_x</p:attrName>
-                                        </p:attrNameLst>
-                                      </p:cBhvr>
-                                      <p:tavLst>
-                                        <p:tav tm="0">
-                                          <p:val>
-                                            <p:strVal val="#ppt_x"/>
-                                          </p:val>
-                                        </p:tav>
-                                        <p:tav tm="100000">
-                                          <p:val>
-                                            <p:strVal val="#ppt_x"/>
-                                          </p:val>
-                                        </p:tav>
-                                      </p:tavLst>
-                                    </p:anim>
-                                    <p:anim calcmode="lin" valueType="num">
-                                      <p:cBhvr additive="base">
-                                        <p:cTn id="26" dur="500" fill="hold"/>
-                                        <p:tgtEl>
-                                          <p:spTgt spid="3">
-                                            <p:txEl>
-                                              <p:pRg st="3" end="3"/>
-                                            </p:txEl>
-                                          </p:spTgt>
-                                        </p:tgtEl>
-                                        <p:attrNameLst>
-                                          <p:attrName>ppt_y</p:attrName>
-                                        </p:attrNameLst>
-                                      </p:cBhvr>
-                                      <p:tavLst>
-                                        <p:tav tm="0">
-                                          <p:val>
-                                            <p:strVal val="1+#ppt_h/2"/>
-                                          </p:val>
-                                        </p:tav>
-                                        <p:tav tm="100000">
-                                          <p:val>
-                                            <p:strVal val="#ppt_y"/>
-                                          </p:val>
-                                        </p:tav>
-                                      </p:tavLst>
-                                    </p:anim>
-                                  </p:childTnLst>
-                                </p:cTn>
-                              </p:par>
-                            </p:childTnLst>
-                          </p:cTn>
-                        </p:par>
-                      </p:childTnLst>
-                    </p:cTn>
-                  </p:par>
-                  <p:par>
-                    <p:cTn id="27" fill="hold">
-                      <p:stCondLst>
-                        <p:cond delay="indefinite"/>
-                      </p:stCondLst>
-                      <p:childTnLst>
-                        <p:par>
-                          <p:cTn id="28" fill="hold">
-                            <p:stCondLst>
-                              <p:cond delay="0"/>
-                            </p:stCondLst>
-                            <p:childTnLst>
-                              <p:par>
-                                <p:cTn id="29" presetID="2" presetClass="entr" presetSubtype="4" fill="hold" grpId="0" nodeType="clickEffect">
-                                  <p:stCondLst>
-                                    <p:cond delay="0"/>
-                                  </p:stCondLst>
-                                  <p:childTnLst>
-                                    <p:set>
-                                      <p:cBhvr>
-                                        <p:cTn id="30" dur="1" fill="hold">
-                                          <p:stCondLst>
-                                            <p:cond delay="0"/>
-                                          </p:stCondLst>
-                                        </p:cTn>
-                                        <p:tgtEl>
-                                          <p:spTgt spid="3">
-                                            <p:txEl>
-                                              <p:pRg st="4" end="4"/>
-                                            </p:txEl>
-                                          </p:spTgt>
-                                        </p:tgtEl>
-                                        <p:attrNameLst>
-                                          <p:attrName>style.visibility</p:attrName>
-                                        </p:attrNameLst>
-                                      </p:cBhvr>
-                                      <p:to>
-                                        <p:strVal val="visible"/>
-                                      </p:to>
-                                    </p:set>
-                                    <p:anim calcmode="lin" valueType="num">
-                                      <p:cBhvr additive="base">
-                                        <p:cTn id="31" dur="500" fill="hold"/>
-                                        <p:tgtEl>
-                                          <p:spTgt spid="3">
-                                            <p:txEl>
-                                              <p:pRg st="4" end="4"/>
-                                            </p:txEl>
-                                          </p:spTgt>
-                                        </p:tgtEl>
-                                        <p:attrNameLst>
-                                          <p:attrName>ppt_x</p:attrName>
-                                        </p:attrNameLst>
-                                      </p:cBhvr>
-                                      <p:tavLst>
-                                        <p:tav tm="0">
-                                          <p:val>
-                                            <p:strVal val="#ppt_x"/>
-                                          </p:val>
-                                        </p:tav>
-                                        <p:tav tm="100000">
-                                          <p:val>
-                                            <p:strVal val="#ppt_x"/>
-                                          </p:val>
-                                        </p:tav>
-                                      </p:tavLst>
-                                    </p:anim>
-                                    <p:anim calcmode="lin" valueType="num">
-                                      <p:cBhvr additive="base">
-                                        <p:cTn id="32" dur="500" fill="hold"/>
-                                        <p:tgtEl>
-                                          <p:spTgt spid="3">
-                                            <p:txEl>
-                                              <p:pRg st="4" end="4"/>
-                                            </p:txEl>
-                                          </p:spTgt>
-                                        </p:tgtEl>
-                                        <p:attrNameLst>
-                                          <p:attrName>ppt_y</p:attrName>
-                                        </p:attrNameLst>
-                                      </p:cBhvr>
-                                      <p:tavLst>
-                                        <p:tav tm="0">
-                                          <p:val>
-                                            <p:strVal val="1+#ppt_h/2"/>
-                                          </p:val>
-                                        </p:tav>
-                                        <p:tav tm="100000">
-                                          <p:val>
-                                            <p:strVal val="#ppt_y"/>
-                                          </p:val>
-                                        </p:tav>
-                                      </p:tavLst>
-                                    </p:anim>
-                                  </p:childTnLst>
-                                </p:cTn>
-                              </p:par>
-                            </p:childTnLst>
-                          </p:cTn>
-                        </p:par>
-                      </p:childTnLst>
-                    </p:cTn>
-                  </p:par>
-                  <p:par>
-                    <p:cTn id="33" fill="hold">
-                      <p:stCondLst>
-                        <p:cond delay="indefinite"/>
-                      </p:stCondLst>
-                      <p:childTnLst>
-                        <p:par>
-                          <p:cTn id="34" fill="hold">
-                            <p:stCondLst>
-                              <p:cond delay="0"/>
-                            </p:stCondLst>
-                            <p:childTnLst>
-                              <p:par>
-                                <p:cTn id="35" presetID="2" presetClass="entr" presetSubtype="4" fill="hold" grpId="0" nodeType="clickEffect">
-                                  <p:stCondLst>
-                                    <p:cond delay="0"/>
-                                  </p:stCondLst>
-                                  <p:childTnLst>
-                                    <p:set>
-                                      <p:cBhvr>
-                                        <p:cTn id="36" dur="1" fill="hold">
-                                          <p:stCondLst>
-                                            <p:cond delay="0"/>
-                                          </p:stCondLst>
-                                        </p:cTn>
-                                        <p:tgtEl>
-                                          <p:spTgt spid="3">
-                                            <p:txEl>
-                                              <p:pRg st="5" end="5"/>
-                                            </p:txEl>
-                                          </p:spTgt>
-                                        </p:tgtEl>
-                                        <p:attrNameLst>
-                                          <p:attrName>style.visibility</p:attrName>
-                                        </p:attrNameLst>
-                                      </p:cBhvr>
-                                      <p:to>
-                                        <p:strVal val="visible"/>
-                                      </p:to>
-                                    </p:set>
-                                    <p:anim calcmode="lin" valueType="num">
-                                      <p:cBhvr additive="base">
-                                        <p:cTn id="37" dur="500" fill="hold"/>
-                                        <p:tgtEl>
-                                          <p:spTgt spid="3">
-                                            <p:txEl>
-                                              <p:pRg st="5" end="5"/>
-                                            </p:txEl>
-                                          </p:spTgt>
-                                        </p:tgtEl>
-                                        <p:attrNameLst>
-                                          <p:attrName>ppt_x</p:attrName>
-                                        </p:attrNameLst>
-                                      </p:cBhvr>
-                                      <p:tavLst>
-                                        <p:tav tm="0">
-                                          <p:val>
-                                            <p:strVal val="#ppt_x"/>
-                                          </p:val>
-                                        </p:tav>
-                                        <p:tav tm="100000">
-                                          <p:val>
-                                            <p:strVal val="#ppt_x"/>
-                                          </p:val>
-                                        </p:tav>
-                                      </p:tavLst>
-                                    </p:anim>
-                                    <p:anim calcmode="lin" valueType="num">
-                                      <p:cBhvr additive="base">
-                                        <p:cTn id="38" dur="500" fill="hold"/>
-                                        <p:tgtEl>
-                                          <p:spTgt spid="3">
-                                            <p:txEl>
-                                              <p:pRg st="5" end="5"/>
-                                            </p:txEl>
-                                          </p:spTgt>
-                                        </p:tgtEl>
-                                        <p:attrNameLst>
-                                          <p:attrName>ppt_y</p:attrName>
-                                        </p:attrNameLst>
-                                      </p:cBhvr>
-                                      <p:tavLst>
-                                        <p:tav tm="0">
-                                          <p:val>
-                                            <p:strVal val="1+#ppt_h/2"/>
-                                          </p:val>
-                                        </p:tav>
-                                        <p:tav tm="100000">
-                                          <p:val>
-                                            <p:strVal val="#ppt_y"/>
-                                          </p:val>
-                                        </p:tav>
-                                      </p:tavLst>
-                                    </p:anim>
-                                  </p:childTnLst>
-                                </p:cTn>
-                              </p:par>
-                            </p:childTnLst>
-                          </p:cTn>
-                        </p:par>
-                      </p:childTnLst>
-                    </p:cTn>
-                  </p:par>
-                </p:childTnLst>
-              </p:cTn>
-              <p:prevCondLst>
-                <p:cond evt="onPrev" delay="0">
-                  <p:tgtEl>
-                    <p:sldTgt/>
-                  </p:tgtEl>
-                </p:cond>
-              </p:prevCondLst>
-              <p:nextCondLst>
-                <p:cond evt="onNext" delay="0">
-                  <p:tgtEl>
-                    <p:sldTgt/>
-                  </p:tgtEl>
-                </p:cond>
-              </p:nextCondLst>
-            </p:seq>
-          </p:childTnLst>
-        </p:cTn>
-      </p:par>
-    </p:tnLst>
-    <p:bldLst>
-      <p:bldP spid="3" grpId="0" build="p"/>
-    </p:bldLst>
-  </p:timing>
-</p:sld>
-</file>
-
-<file path=ppt/slides/slide5.xml><?xml version="1.0" encoding="utf-8"?>
-<p:sld xmlns:a="http://schemas.openxmlformats.org/drawingml/2006/main" xmlns:r="http://schemas.openxmlformats.org/officeDocument/2006/relationships" xmlns:p="http://schemas.openxmlformats.org/presentationml/2006/main">
-  <p:cSld>
-    <p:spTree>
-      <p:nvGrpSpPr>
-        <p:cNvPr id="1" name=""/>
-        <p:cNvGrpSpPr/>
-        <p:nvPr/>
-      </p:nvGrpSpPr>
-      <p:grpSpPr>
-        <a:xfrm>
-          <a:off x="0" y="0"/>
-          <a:ext cx="0" cy="0"/>
-          <a:chOff x="0" y="0"/>
-          <a:chExt cx="0" cy="0"/>
-        </a:xfrm>
-      </p:grpSpPr>
-      <p:sp>
-        <p:nvSpPr>
-          <p:cNvPr id="2" name="Title 1"/>
-          <p:cNvSpPr>
-            <a:spLocks noGrp="1"/>
-          </p:cNvSpPr>
-          <p:nvPr>
-            <p:ph type="title"/>
-          </p:nvPr>
-        </p:nvSpPr>
-        <p:spPr/>
-        <p:txBody>
-          <a:bodyPr vert="horz" lIns="91440" tIns="45720" rIns="91440" bIns="45720" rtlCol="0" anchor="b">
-            <a:normAutofit/>
-          </a:bodyPr>
-          <a:lstStyle/>
-          <a:p>
-            <a:r>
-              <a:rPr lang="en-US" sz="6000" dirty="0">
-                <a:solidFill>
-                  <a:schemeClr val="tx1">
-                    <a:lumMod val="85000"/>
-                    <a:lumOff val="15000"/>
-                  </a:schemeClr>
-                </a:solidFill>
-              </a:rPr>
-              <a:t>Service</a:t>
-            </a:r>
-            <a:r>
-              <a:rPr lang="ru-RU" sz="6000" dirty="0">
-                <a:solidFill>
-                  <a:schemeClr val="tx1">
-                    <a:lumMod val="85000"/>
-                    <a:lumOff val="15000"/>
-                  </a:schemeClr>
-                </a:solidFill>
-              </a:rPr>
-              <a:t> </a:t>
-            </a:r>
-            <a:r>
-              <a:rPr lang="en-US" sz="6000" dirty="0">
-                <a:solidFill>
-                  <a:schemeClr val="tx1">
-                    <a:lumMod val="85000"/>
-                    <a:lumOff val="15000"/>
-                  </a:schemeClr>
-                </a:solidFill>
-              </a:rPr>
-              <a:t>Locator killer</a:t>
-            </a:r>
           </a:p>
         </p:txBody>
       </p:sp>
@@ -32688,7 +31608,7 @@
             <a:picLocks noGrp="1" noChangeAspect="1"/>
           </p:cNvPicPr>
           <p:nvPr>
-            <p:ph sz="half" idx="1"/>
+            <p:ph sz="half" idx="2"/>
           </p:nvPr>
         </p:nvPicPr>
         <p:blipFill>
@@ -32705,11 +31625,39 @@
         </p:blipFill>
         <p:spPr>
           <a:xfrm>
-            <a:off x="1582912" y="2193925"/>
-            <a:ext cx="3728688" cy="3978275"/>
+            <a:off x="672652" y="1118154"/>
+            <a:ext cx="4754880" cy="5073158"/>
           </a:xfrm>
         </p:spPr>
       </p:pic>
+      <p:sp>
+        <p:nvSpPr>
+          <p:cNvPr id="6" name="Text Placeholder 5"/>
+          <p:cNvSpPr>
+            <a:spLocks noGrp="1"/>
+          </p:cNvSpPr>
+          <p:nvPr>
+            <p:ph type="body" sz="quarter" idx="3"/>
+          </p:nvPr>
+        </p:nvSpPr>
+        <p:spPr>
+          <a:xfrm>
+            <a:off x="5824696" y="478074"/>
+            <a:ext cx="4754880" cy="640080"/>
+          </a:xfrm>
+        </p:spPr>
+        <p:txBody>
+          <a:bodyPr/>
+          <a:lstStyle/>
+          <a:p>
+            <a:r>
+              <a:rPr lang="ru-RU" dirty="0"/>
+              <a:t>После</a:t>
+            </a:r>
+            <a:endParaRPr lang="en-US" dirty="0"/>
+          </a:p>
+        </p:txBody>
+      </p:sp>
       <p:pic>
         <p:nvPicPr>
           <p:cNvPr id="58" name="Content Placeholder 57"/>
@@ -32717,7 +31665,7 @@
             <a:picLocks noGrp="1" noChangeAspect="1"/>
           </p:cNvPicPr>
           <p:nvPr>
-            <p:ph sz="half" idx="2"/>
+            <p:ph sz="quarter" idx="4"/>
           </p:nvPr>
         </p:nvPicPr>
         <p:blipFill>
@@ -32734,8 +31682,8 @@
         </p:blipFill>
         <p:spPr>
           <a:xfrm>
-            <a:off x="6364288" y="2270266"/>
-            <a:ext cx="4754562" cy="3825593"/>
+            <a:off x="5824696" y="1118154"/>
+            <a:ext cx="6305072" cy="5073158"/>
           </a:xfrm>
         </p:spPr>
       </p:pic>
@@ -32749,85 +31697,10 @@
   <p:clrMapOvr>
     <a:masterClrMapping/>
   </p:clrMapOvr>
-  <p:timing>
-    <p:tnLst>
-      <p:par>
-        <p:cTn id="1" dur="indefinite" restart="never" nodeType="tmRoot">
-          <p:childTnLst>
-            <p:seq concurrent="1" nextAc="seek">
-              <p:cTn id="2" dur="indefinite" nodeType="mainSeq">
-                <p:childTnLst>
-                  <p:par>
-                    <p:cTn id="3" fill="hold">
-                      <p:stCondLst>
-                        <p:cond delay="indefinite"/>
-                      </p:stCondLst>
-                      <p:childTnLst>
-                        <p:par>
-                          <p:cTn id="4" fill="hold">
-                            <p:stCondLst>
-                              <p:cond delay="0"/>
-                            </p:stCondLst>
-                            <p:childTnLst>
-                              <p:par>
-                                <p:cTn id="5" presetID="1" presetClass="entr" presetSubtype="0" fill="hold" nodeType="clickEffect">
-                                  <p:stCondLst>
-                                    <p:cond delay="0"/>
-                                  </p:stCondLst>
-                                  <p:childTnLst>
-                                    <p:set>
-                                      <p:cBhvr>
-                                        <p:cTn id="6" dur="1" fill="hold">
-                                          <p:stCondLst>
-                                            <p:cond delay="0"/>
-                                          </p:stCondLst>
-                                        </p:cTn>
-                                        <p:tgtEl>
-                                          <p:spTgt spid="58"/>
-                                        </p:tgtEl>
-                                        <p:attrNameLst>
-                                          <p:attrName>style.visibility</p:attrName>
-                                        </p:attrNameLst>
-                                      </p:cBhvr>
-                                      <p:to>
-                                        <p:strVal val="visible"/>
-                                      </p:to>
-                                    </p:set>
-                                  </p:childTnLst>
-                                </p:cTn>
-                              </p:par>
-                            </p:childTnLst>
-                          </p:cTn>
-                        </p:par>
-                      </p:childTnLst>
-                    </p:cTn>
-                  </p:par>
-                </p:childTnLst>
-              </p:cTn>
-              <p:prevCondLst>
-                <p:cond evt="onPrev" delay="0">
-                  <p:tgtEl>
-                    <p:sldTgt/>
-                  </p:tgtEl>
-                </p:cond>
-              </p:prevCondLst>
-              <p:nextCondLst>
-                <p:cond evt="onNext" delay="0">
-                  <p:tgtEl>
-                    <p:sldTgt/>
-                  </p:tgtEl>
-                </p:cond>
-              </p:nextCondLst>
-            </p:seq>
-          </p:childTnLst>
-        </p:cTn>
-      </p:par>
-    </p:tnLst>
-  </p:timing>
 </p:sld>
 </file>
 
-<file path=ppt/slides/slide6.xml><?xml version="1.0" encoding="utf-8"?>
+<file path=ppt/slides/slide5.xml><?xml version="1.0" encoding="utf-8"?>
 <p:sld xmlns:a="http://schemas.openxmlformats.org/drawingml/2006/main" xmlns:r="http://schemas.openxmlformats.org/officeDocument/2006/relationships" xmlns:p="http://schemas.openxmlformats.org/presentationml/2006/main">
   <p:cSld>
     <p:spTree>
@@ -33617,7 +32490,7 @@
 </p:sld>
 </file>
 
-<file path=ppt/slides/slide7.xml><?xml version="1.0" encoding="utf-8"?>
+<file path=ppt/slides/slide6.xml><?xml version="1.0" encoding="utf-8"?>
 <p:sld xmlns:a="http://schemas.openxmlformats.org/drawingml/2006/main" xmlns:r="http://schemas.openxmlformats.org/officeDocument/2006/relationships" xmlns:p="http://schemas.openxmlformats.org/presentationml/2006/main">
   <p:cSld>
     <p:spTree>
@@ -33957,115 +32830,10 @@
   <p:clrMapOvr>
     <a:masterClrMapping/>
   </p:clrMapOvr>
-  <p:timing>
-    <p:tnLst>
-      <p:par>
-        <p:cTn id="1" dur="indefinite" restart="never" nodeType="tmRoot">
-          <p:childTnLst>
-            <p:seq concurrent="1" nextAc="seek">
-              <p:cTn id="2" dur="indefinite" nodeType="mainSeq">
-                <p:childTnLst>
-                  <p:par>
-                    <p:cTn id="3" fill="hold">
-                      <p:stCondLst>
-                        <p:cond delay="indefinite"/>
-                      </p:stCondLst>
-                      <p:childTnLst>
-                        <p:par>
-                          <p:cTn id="4" fill="hold">
-                            <p:stCondLst>
-                              <p:cond delay="0"/>
-                            </p:stCondLst>
-                            <p:childTnLst>
-                              <p:par>
-                                <p:cTn id="5" presetID="1" presetClass="entr" presetSubtype="0" fill="hold" grpId="0" nodeType="clickEffect">
-                                  <p:stCondLst>
-                                    <p:cond delay="0"/>
-                                  </p:stCondLst>
-                                  <p:childTnLst>
-                                    <p:set>
-                                      <p:cBhvr>
-                                        <p:cTn id="6" dur="1" fill="hold">
-                                          <p:stCondLst>
-                                            <p:cond delay="0"/>
-                                          </p:stCondLst>
-                                        </p:cTn>
-                                        <p:tgtEl>
-                                          <p:spTgt spid="16"/>
-                                        </p:tgtEl>
-                                        <p:attrNameLst>
-                                          <p:attrName>style.visibility</p:attrName>
-                                        </p:attrNameLst>
-                                      </p:cBhvr>
-                                      <p:to>
-                                        <p:strVal val="visible"/>
-                                      </p:to>
-                                    </p:set>
-                                  </p:childTnLst>
-                                </p:cTn>
-                              </p:par>
-                              <p:par>
-                                <p:cTn id="7" presetID="1" presetClass="entr" presetSubtype="0" fill="hold" nodeType="withEffect">
-                                  <p:stCondLst>
-                                    <p:cond delay="0"/>
-                                  </p:stCondLst>
-                                  <p:childTnLst>
-                                    <p:set>
-                                      <p:cBhvr>
-                                        <p:cTn id="8" dur="1" fill="hold">
-                                          <p:stCondLst>
-                                            <p:cond delay="0"/>
-                                          </p:stCondLst>
-                                        </p:cTn>
-                                        <p:tgtEl>
-                                          <p:spTgt spid="59"/>
-                                        </p:tgtEl>
-                                        <p:attrNameLst>
-                                          <p:attrName>style.visibility</p:attrName>
-                                        </p:attrNameLst>
-                                      </p:cBhvr>
-                                      <p:to>
-                                        <p:strVal val="visible"/>
-                                      </p:to>
-                                    </p:set>
-                                  </p:childTnLst>
-                                </p:cTn>
-                              </p:par>
-                            </p:childTnLst>
-                          </p:cTn>
-                        </p:par>
-                      </p:childTnLst>
-                    </p:cTn>
-                  </p:par>
-                </p:childTnLst>
-              </p:cTn>
-              <p:prevCondLst>
-                <p:cond evt="onPrev" delay="0">
-                  <p:tgtEl>
-                    <p:sldTgt/>
-                  </p:tgtEl>
-                </p:cond>
-              </p:prevCondLst>
-              <p:nextCondLst>
-                <p:cond evt="onNext" delay="0">
-                  <p:tgtEl>
-                    <p:sldTgt/>
-                  </p:tgtEl>
-                </p:cond>
-              </p:nextCondLst>
-            </p:seq>
-          </p:childTnLst>
-        </p:cTn>
-      </p:par>
-    </p:tnLst>
-    <p:bldLst>
-      <p:bldP spid="16" grpId="0"/>
-    </p:bldLst>
-  </p:timing>
 </p:sld>
 </file>
 
-<file path=ppt/slides/slide8.xml><?xml version="1.0" encoding="utf-8"?>
+<file path=ppt/slides/slide7.xml><?xml version="1.0" encoding="utf-8"?>
 <p:sld xmlns:a="http://schemas.openxmlformats.org/drawingml/2006/main" xmlns:r="http://schemas.openxmlformats.org/officeDocument/2006/relationships" xmlns:p="http://schemas.openxmlformats.org/presentationml/2006/main">
   <p:cSld>
     <p:spTree>
@@ -34276,7 +33044,7 @@
 </p:sld>
 </file>
 
-<file path=ppt/slides/slide9.xml><?xml version="1.0" encoding="utf-8"?>
+<file path=ppt/slides/slide8.xml><?xml version="1.0" encoding="utf-8"?>
 <p:sld xmlns:a="http://schemas.openxmlformats.org/drawingml/2006/main" xmlns:r="http://schemas.openxmlformats.org/officeDocument/2006/relationships" xmlns:p="http://schemas.openxmlformats.org/presentationml/2006/main">
   <p:cSld>
     <p:spTree>
@@ -34392,6 +33160,127 @@
     <p:extLst>
       <p:ext uri="{BB962C8B-B14F-4D97-AF65-F5344CB8AC3E}">
         <p14:creationId xmlns:p14="http://schemas.microsoft.com/office/powerpoint/2010/main" val="2351405725"/>
+      </p:ext>
+    </p:extLst>
+  </p:cSld>
+  <p:clrMapOvr>
+    <a:masterClrMapping/>
+  </p:clrMapOvr>
+</p:sld>
+</file>
+
+<file path=ppt/slides/slide9.xml><?xml version="1.0" encoding="utf-8"?>
+<p:sld xmlns:a="http://schemas.openxmlformats.org/drawingml/2006/main" xmlns:r="http://schemas.openxmlformats.org/officeDocument/2006/relationships" xmlns:p="http://schemas.openxmlformats.org/presentationml/2006/main">
+  <p:cSld>
+    <p:spTree>
+      <p:nvGrpSpPr>
+        <p:cNvPr id="1" name=""/>
+        <p:cNvGrpSpPr/>
+        <p:nvPr/>
+      </p:nvGrpSpPr>
+      <p:grpSpPr>
+        <a:xfrm>
+          <a:off x="0" y="0"/>
+          <a:ext cx="0" cy="0"/>
+          <a:chOff x="0" y="0"/>
+          <a:chExt cx="0" cy="0"/>
+        </a:xfrm>
+      </p:grpSpPr>
+      <p:sp>
+        <p:nvSpPr>
+          <p:cNvPr id="2" name="Title 1"/>
+          <p:cNvSpPr>
+            <a:spLocks noGrp="1"/>
+          </p:cNvSpPr>
+          <p:nvPr>
+            <p:ph type="title"/>
+          </p:nvPr>
+        </p:nvSpPr>
+        <p:spPr>
+          <a:xfrm>
+            <a:off x="8549639" y="685800"/>
+            <a:ext cx="3513051" cy="1737360"/>
+          </a:xfrm>
+        </p:spPr>
+        <p:txBody>
+          <a:bodyPr>
+            <a:normAutofit fontScale="90000"/>
+          </a:bodyPr>
+          <a:lstStyle/>
+          <a:p>
+            <a:r>
+              <a:rPr lang="ru-RU" dirty="0">
+                <a:solidFill>
+                  <a:schemeClr val="accent1"/>
+                </a:solidFill>
+              </a:rPr>
+              <a:t>Неочевидность №3:</a:t>
+            </a:r>
+            <a:br>
+              <a:rPr lang="ru-RU" dirty="0"/>
+            </a:br>
+            <a:r>
+              <a:rPr lang="ru-RU" dirty="0"/>
+              <a:t>100 простых анализаторов</a:t>
+            </a:r>
+            <a:endParaRPr lang="en-US" dirty="0"/>
+          </a:p>
+        </p:txBody>
+      </p:sp>
+      <p:sp>
+        <p:nvSpPr>
+          <p:cNvPr id="4" name="Subtitle 3"/>
+          <p:cNvSpPr>
+            <a:spLocks noGrp="1"/>
+          </p:cNvSpPr>
+          <p:nvPr>
+            <p:ph type="body" sz="half" idx="2"/>
+          </p:nvPr>
+        </p:nvSpPr>
+        <p:spPr/>
+        <p:txBody>
+          <a:bodyPr>
+            <a:normAutofit/>
+          </a:bodyPr>
+          <a:lstStyle/>
+          <a:p>
+            <a:r>
+              <a:rPr lang="ru-RU" sz="2400" dirty="0"/>
+              <a:t>Лучше одного сложного!</a:t>
+            </a:r>
+            <a:endParaRPr lang="en-US" sz="2400" dirty="0"/>
+          </a:p>
+        </p:txBody>
+      </p:sp>
+      <p:pic>
+        <p:nvPicPr>
+          <p:cNvPr id="8" name="Picture Placeholder 7"/>
+          <p:cNvPicPr>
+            <a:picLocks noGrp="1" noChangeAspect="1"/>
+          </p:cNvPicPr>
+          <p:nvPr>
+            <p:ph type="pic" idx="1"/>
+          </p:nvPr>
+        </p:nvPicPr>
+        <p:blipFill>
+          <a:blip r:embed="rId2">
+            <a:extLst>
+              <a:ext uri="{28A0092B-C50C-407E-A947-70E740481C1C}">
+                <a14:useLocalDpi xmlns:a14="http://schemas.microsoft.com/office/drawing/2010/main" val="0"/>
+              </a:ext>
+            </a:extLst>
+          </a:blip>
+          <a:srcRect l="15944" r="15944"/>
+          <a:stretch>
+            <a:fillRect/>
+          </a:stretch>
+        </p:blipFill>
+        <p:spPr/>
+      </p:pic>
+    </p:spTree>
+    <p:extLst>
+      <p:ext uri="{BB962C8B-B14F-4D97-AF65-F5344CB8AC3E}">
+        <p14:creationId xmlns:p14="http://schemas.microsoft.com/office/powerpoint/2010/main" val="730781295"/>
       </p:ext>
     </p:extLst>
   </p:cSld>
